--- a/Lecture slides/AMOS C01 - Demo Day Preparation.pptx
+++ b/Lecture slides/AMOS C01 - Demo Day Preparation.pptx
@@ -6898,7 +6898,7 @@
 </file>
 
 <file path=ppt/slides/slide10.xml><?xml version="1.0" encoding="utf-8"?>
-<p:sld xmlns:a="http://schemas.openxmlformats.org/drawingml/2006/main" xmlns:r="http://schemas.openxmlformats.org/officeDocument/2006/relationships" xmlns:mc="http://schemas.openxmlformats.org/markup-compatibility/2006" xmlns:mv="urn:schemas-microsoft-com:mac:vml" xmlns:p="http://schemas.openxmlformats.org/presentationml/2006/main" xmlns:c="http://schemas.openxmlformats.org/drawingml/2006/chart" xmlns:dgm="http://schemas.openxmlformats.org/drawingml/2006/diagram" xmlns:o="urn:schemas-microsoft-com:office:office" xmlns:v="urn:schemas-microsoft-com:vml" xmlns:pvml="urn:schemas-microsoft-com:office:powerpoint" xmlns:com="http://schemas.openxmlformats.org/drawingml/2006/compatibility" xmlns:p14="http://schemas.microsoft.com/office/powerpoint/2010/main" xmlns:p15="http://schemas.microsoft.com/office/powerpoint/2012/main" xmlns:ahyp="http://schemas.microsoft.com/office/drawing/2018/hyperlinkcolor">
+<p:sld xmlns:a="http://schemas.openxmlformats.org/drawingml/2006/main" xmlns:r="http://schemas.openxmlformats.org/officeDocument/2006/relationships" xmlns:mc="http://schemas.openxmlformats.org/markup-compatibility/2006" xmlns:mv="urn:schemas-microsoft-com:mac:vml" xmlns:p="http://schemas.openxmlformats.org/presentationml/2006/main" xmlns:c="http://schemas.openxmlformats.org/drawingml/2006/chart" xmlns:dgm="http://schemas.openxmlformats.org/drawingml/2006/diagram" xmlns:o="urn:schemas-microsoft-com:office:office" xmlns:v="urn:schemas-microsoft-com:vml" xmlns:pvml="urn:schemas-microsoft-com:office:powerpoint" xmlns:com="http://schemas.openxmlformats.org/drawingml/2006/compatibility" xmlns:p14="http://schemas.microsoft.com/office/powerpoint/2010/main" xmlns:p15="http://schemas.microsoft.com/office/powerpoint/2012/main" xmlns:ahyp="http://schemas.microsoft.com/office/drawing/2018/hyperlinkcolor" show="0">
   <p:cSld>
     <p:spTree>
       <p:nvGrpSpPr>
@@ -7254,7 +7254,7 @@
             <a:tbl>
               <a:tblPr>
                 <a:noFill/>
-                <a:tableStyleId>{79E3DF1F-5C5D-4683-B41F-66680CC6B7CF}</a:tableStyleId>
+                <a:tableStyleId>{E4B57DBE-3552-4EF9-A881-56BA02238DEF}</a:tableStyleId>
               </a:tblPr>
               <a:tblGrid>
                 <a:gridCol w="1315250"/>
@@ -12654,7 +12654,7 @@
             <a:tbl>
               <a:tblPr>
                 <a:noFill/>
-                <a:tableStyleId>{ED2BD0D6-B439-4898-B08F-8B8D331845CC}</a:tableStyleId>
+                <a:tableStyleId>{AB4CCA1B-4664-410D-A603-4318FA9476BA}</a:tableStyleId>
               </a:tblPr>
               <a:tblGrid>
                 <a:gridCol w="1432550"/>
@@ -16313,6 +16313,285 @@
 </file>
 
 <file path=ppt/theme/theme1.xml><?xml version="1.0" encoding="utf-8"?>
+<a:theme xmlns:a="http://schemas.openxmlformats.org/drawingml/2006/main" xmlns:r="http://schemas.openxmlformats.org/officeDocument/2006/relationships">
+  <a:themeElements>
+    <a:clrScheme name="Default">
+      <a:dk1>
+        <a:srgbClr val="000000"/>
+      </a:dk1>
+      <a:lt1>
+        <a:srgbClr val="FFFFFF"/>
+      </a:lt1>
+      <a:dk2>
+        <a:srgbClr val="158158"/>
+      </a:dk2>
+      <a:lt2>
+        <a:srgbClr val="F3F3F3"/>
+      </a:lt2>
+      <a:accent1>
+        <a:srgbClr val="058DC7"/>
+      </a:accent1>
+      <a:accent2>
+        <a:srgbClr val="50B432"/>
+      </a:accent2>
+      <a:accent3>
+        <a:srgbClr val="ED561B"/>
+      </a:accent3>
+      <a:accent4>
+        <a:srgbClr val="EDEF00"/>
+      </a:accent4>
+      <a:accent5>
+        <a:srgbClr val="24CBE5"/>
+      </a:accent5>
+      <a:accent6>
+        <a:srgbClr val="64E572"/>
+      </a:accent6>
+      <a:hlink>
+        <a:srgbClr val="2200CC"/>
+      </a:hlink>
+      <a:folHlink>
+        <a:srgbClr val="551A8B"/>
+      </a:folHlink>
+    </a:clrScheme>
+    <a:fontScheme name="Office">
+      <a:majorFont>
+        <a:latin typeface="Arial"/>
+        <a:ea typeface=""/>
+        <a:cs typeface=""/>
+        <a:font script="Jpan" typeface="ＭＳ Ｐゴシック"/>
+        <a:font script="Hang" typeface="맑은 고딕"/>
+        <a:font script="Hans" typeface="宋体"/>
+        <a:font script="Hant" typeface="新細明體"/>
+        <a:font script="Arab" typeface="Times New Roman"/>
+        <a:font script="Hebr" typeface="Times New Roman"/>
+        <a:font script="Thai" typeface="Angsana New"/>
+        <a:font script="Ethi" typeface="Nyala"/>
+        <a:font script="Beng" typeface="Vrinda"/>
+        <a:font script="Gujr" typeface="Shruti"/>
+        <a:font script="Khmr" typeface="MoolBoran"/>
+        <a:font script="Knda" typeface="Tunga"/>
+        <a:font script="Guru" typeface="Raavi"/>
+        <a:font script="Cans" typeface="Euphemia"/>
+        <a:font script="Cher" typeface="Plantagenet Cherokee"/>
+        <a:font script="Yiii" typeface="Microsoft Yi Baiti"/>
+        <a:font script="Tibt" typeface="Microsoft Himalaya"/>
+        <a:font script="Thaa" typeface="MV Boli"/>
+        <a:font script="Deva" typeface="Mangal"/>
+        <a:font script="Telu" typeface="Gautami"/>
+        <a:font script="Taml" typeface="Latha"/>
+        <a:font script="Syrc" typeface="Estrangelo Edessa"/>
+        <a:font script="Orya" typeface="Kalinga"/>
+        <a:font script="Mlym" typeface="Kartika"/>
+        <a:font script="Laoo" typeface="DokChampa"/>
+        <a:font script="Sinh" typeface="Iskoola Pota"/>
+        <a:font script="Mong" typeface="Mongolian Baiti"/>
+        <a:font script="Viet" typeface="Times New Roman"/>
+        <a:font script="Uigh" typeface="Microsoft Uighur"/>
+        <a:font script="Geor" typeface="Sylfaen"/>
+      </a:majorFont>
+      <a:minorFont>
+        <a:latin typeface="Arial"/>
+        <a:ea typeface=""/>
+        <a:cs typeface=""/>
+        <a:font script="Jpan" typeface="ＭＳ Ｐゴシック"/>
+        <a:font script="Hang" typeface="맑은 고딕"/>
+        <a:font script="Hans" typeface="宋体"/>
+        <a:font script="Hant" typeface="新細明體"/>
+        <a:font script="Arab" typeface="Arial"/>
+        <a:font script="Hebr" typeface="Arial"/>
+        <a:font script="Thai" typeface="Cordia New"/>
+        <a:font script="Ethi" typeface="Nyala"/>
+        <a:font script="Beng" typeface="Vrinda"/>
+        <a:font script="Gujr" typeface="Shruti"/>
+        <a:font script="Khmr" typeface="DaunPenh"/>
+        <a:font script="Knda" typeface="Tunga"/>
+        <a:font script="Guru" typeface="Raavi"/>
+        <a:font script="Cans" typeface="Euphemia"/>
+        <a:font script="Cher" typeface="Plantagenet Cherokee"/>
+        <a:font script="Yiii" typeface="Microsoft Yi Baiti"/>
+        <a:font script="Tibt" typeface="Microsoft Himalaya"/>
+        <a:font script="Thaa" typeface="MV Boli"/>
+        <a:font script="Deva" typeface="Mangal"/>
+        <a:font script="Telu" typeface="Gautami"/>
+        <a:font script="Taml" typeface="Latha"/>
+        <a:font script="Syrc" typeface="Estrangelo Edessa"/>
+        <a:font script="Orya" typeface="Kalinga"/>
+        <a:font script="Mlym" typeface="Kartika"/>
+        <a:font script="Laoo" typeface="DokChampa"/>
+        <a:font script="Sinh" typeface="Iskoola Pota"/>
+        <a:font script="Mong" typeface="Mongolian Baiti"/>
+        <a:font script="Viet" typeface="Arial"/>
+        <a:font script="Uigh" typeface="Microsoft Uighur"/>
+        <a:font script="Geor" typeface="Sylfaen"/>
+      </a:minorFont>
+    </a:fontScheme>
+    <a:fmtScheme name="Office">
+      <a:fillStyleLst>
+        <a:solidFill>
+          <a:schemeClr val="phClr"/>
+        </a:solidFill>
+        <a:gradFill rotWithShape="1">
+          <a:gsLst>
+            <a:gs pos="0">
+              <a:schemeClr val="phClr">
+                <a:tint val="50000"/>
+                <a:satMod val="300000"/>
+              </a:schemeClr>
+            </a:gs>
+            <a:gs pos="35000">
+              <a:schemeClr val="phClr">
+                <a:tint val="37000"/>
+                <a:satMod val="300000"/>
+              </a:schemeClr>
+            </a:gs>
+            <a:gs pos="100000">
+              <a:schemeClr val="phClr">
+                <a:tint val="15000"/>
+                <a:satMod val="350000"/>
+              </a:schemeClr>
+            </a:gs>
+          </a:gsLst>
+          <a:lin ang="16200000" scaled="1"/>
+        </a:gradFill>
+        <a:gradFill rotWithShape="1">
+          <a:gsLst>
+            <a:gs pos="0">
+              <a:schemeClr val="phClr">
+                <a:tint val="100000"/>
+                <a:shade val="100000"/>
+                <a:satMod val="130000"/>
+              </a:schemeClr>
+            </a:gs>
+            <a:gs pos="100000">
+              <a:schemeClr val="phClr">
+                <a:tint val="50000"/>
+                <a:shade val="100000"/>
+                <a:satMod val="350000"/>
+              </a:schemeClr>
+            </a:gs>
+          </a:gsLst>
+          <a:lin ang="16200000" scaled="0"/>
+        </a:gradFill>
+      </a:fillStyleLst>
+      <a:lnStyleLst>
+        <a:ln w="9525" cap="flat" cmpd="sng" algn="ctr">
+          <a:solidFill>
+            <a:schemeClr val="phClr">
+              <a:shade val="95000"/>
+              <a:satMod val="105000"/>
+            </a:schemeClr>
+          </a:solidFill>
+          <a:prstDash val="solid"/>
+        </a:ln>
+        <a:ln w="25400" cap="flat" cmpd="sng" algn="ctr">
+          <a:solidFill>
+            <a:schemeClr val="phClr"/>
+          </a:solidFill>
+          <a:prstDash val="solid"/>
+        </a:ln>
+        <a:ln w="38100" cap="flat" cmpd="sng" algn="ctr">
+          <a:solidFill>
+            <a:schemeClr val="phClr"/>
+          </a:solidFill>
+          <a:prstDash val="solid"/>
+        </a:ln>
+      </a:lnStyleLst>
+      <a:effectStyleLst>
+        <a:effectStyle>
+          <a:effectLst>
+            <a:outerShdw blurRad="40000" dist="20000" dir="5400000" rotWithShape="0">
+              <a:srgbClr val="000000">
+                <a:alpha val="38000"/>
+              </a:srgbClr>
+            </a:outerShdw>
+          </a:effectLst>
+        </a:effectStyle>
+        <a:effectStyle>
+          <a:effectLst>
+            <a:outerShdw blurRad="40000" dist="23000" dir="5400000" rotWithShape="0">
+              <a:srgbClr val="000000">
+                <a:alpha val="35000"/>
+              </a:srgbClr>
+            </a:outerShdw>
+          </a:effectLst>
+        </a:effectStyle>
+        <a:effectStyle>
+          <a:effectLst>
+            <a:outerShdw blurRad="40000" dist="23000" dir="5400000" rotWithShape="0">
+              <a:srgbClr val="000000">
+                <a:alpha val="35000"/>
+              </a:srgbClr>
+            </a:outerShdw>
+          </a:effectLst>
+          <a:scene3d>
+            <a:camera prst="orthographicFront">
+              <a:rot lat="0" lon="0" rev="0"/>
+            </a:camera>
+            <a:lightRig rig="threePt" dir="t">
+              <a:rot lat="0" lon="0" rev="1200000"/>
+            </a:lightRig>
+          </a:scene3d>
+          <a:sp3d>
+            <a:bevelT w="63500" h="25400"/>
+          </a:sp3d>
+        </a:effectStyle>
+      </a:effectStyleLst>
+      <a:bgFillStyleLst>
+        <a:solidFill>
+          <a:schemeClr val="phClr"/>
+        </a:solidFill>
+        <a:gradFill rotWithShape="1">
+          <a:gsLst>
+            <a:gs pos="0">
+              <a:schemeClr val="phClr">
+                <a:tint val="40000"/>
+                <a:satMod val="350000"/>
+              </a:schemeClr>
+            </a:gs>
+            <a:gs pos="40000">
+              <a:schemeClr val="phClr">
+                <a:tint val="45000"/>
+                <a:shade val="99000"/>
+                <a:satMod val="350000"/>
+              </a:schemeClr>
+            </a:gs>
+            <a:gs pos="100000">
+              <a:schemeClr val="phClr">
+                <a:shade val="20000"/>
+                <a:satMod val="255000"/>
+              </a:schemeClr>
+            </a:gs>
+          </a:gsLst>
+          <a:path path="circle">
+            <a:fillToRect l="50000" t="-80000" r="50000" b="180000"/>
+          </a:path>
+        </a:gradFill>
+        <a:gradFill rotWithShape="1">
+          <a:gsLst>
+            <a:gs pos="0">
+              <a:schemeClr val="phClr">
+                <a:tint val="80000"/>
+                <a:satMod val="300000"/>
+              </a:schemeClr>
+            </a:gs>
+            <a:gs pos="100000">
+              <a:schemeClr val="phClr">
+                <a:shade val="30000"/>
+                <a:satMod val="200000"/>
+              </a:schemeClr>
+            </a:gs>
+          </a:gsLst>
+          <a:path path="circle">
+            <a:fillToRect l="50000" t="50000" r="50000" b="50000"/>
+          </a:path>
+        </a:gradFill>
+      </a:bgFillStyleLst>
+    </a:fmtScheme>
+  </a:themeElements>
+</a:theme>
+</file>
+
+<file path=ppt/theme/theme2.xml><?xml version="1.0" encoding="utf-8"?>
 <a:theme xmlns:a="http://schemas.openxmlformats.org/drawingml/2006/main" xmlns:r="http://schemas.openxmlformats.org/officeDocument/2006/relationships" name="AMOS Slides Template">
   <a:themeElements>
     <a:clrScheme name="Simple Light">
@@ -16589,283 +16868,4 @@
     </a:fmtScheme>
   </a:themeElements>
 </a:theme>
-</file>
-
-<file path=ppt/theme/theme2.xml><?xml version="1.0" encoding="utf-8"?>
-<a:theme xmlns:a="http://schemas.openxmlformats.org/drawingml/2006/main" xmlns:r="http://schemas.openxmlformats.org/officeDocument/2006/relationships">
-  <a:themeElements>
-    <a:clrScheme name="Default">
-      <a:dk1>
-        <a:srgbClr val="000000"/>
-      </a:dk1>
-      <a:lt1>
-        <a:srgbClr val="FFFFFF"/>
-      </a:lt1>
-      <a:dk2>
-        <a:srgbClr val="158158"/>
-      </a:dk2>
-      <a:lt2>
-        <a:srgbClr val="F3F3F3"/>
-      </a:lt2>
-      <a:accent1>
-        <a:srgbClr val="058DC7"/>
-      </a:accent1>
-      <a:accent2>
-        <a:srgbClr val="50B432"/>
-      </a:accent2>
-      <a:accent3>
-        <a:srgbClr val="ED561B"/>
-      </a:accent3>
-      <a:accent4>
-        <a:srgbClr val="EDEF00"/>
-      </a:accent4>
-      <a:accent5>
-        <a:srgbClr val="24CBE5"/>
-      </a:accent5>
-      <a:accent6>
-        <a:srgbClr val="64E572"/>
-      </a:accent6>
-      <a:hlink>
-        <a:srgbClr val="2200CC"/>
-      </a:hlink>
-      <a:folHlink>
-        <a:srgbClr val="551A8B"/>
-      </a:folHlink>
-    </a:clrScheme>
-    <a:fontScheme name="Office">
-      <a:majorFont>
-        <a:latin typeface="Arial"/>
-        <a:ea typeface=""/>
-        <a:cs typeface=""/>
-        <a:font script="Jpan" typeface="ＭＳ Ｐゴシック"/>
-        <a:font script="Hang" typeface="맑은 고딕"/>
-        <a:font script="Hans" typeface="宋体"/>
-        <a:font script="Hant" typeface="新細明體"/>
-        <a:font script="Arab" typeface="Times New Roman"/>
-        <a:font script="Hebr" typeface="Times New Roman"/>
-        <a:font script="Thai" typeface="Angsana New"/>
-        <a:font script="Ethi" typeface="Nyala"/>
-        <a:font script="Beng" typeface="Vrinda"/>
-        <a:font script="Gujr" typeface="Shruti"/>
-        <a:font script="Khmr" typeface="MoolBoran"/>
-        <a:font script="Knda" typeface="Tunga"/>
-        <a:font script="Guru" typeface="Raavi"/>
-        <a:font script="Cans" typeface="Euphemia"/>
-        <a:font script="Cher" typeface="Plantagenet Cherokee"/>
-        <a:font script="Yiii" typeface="Microsoft Yi Baiti"/>
-        <a:font script="Tibt" typeface="Microsoft Himalaya"/>
-        <a:font script="Thaa" typeface="MV Boli"/>
-        <a:font script="Deva" typeface="Mangal"/>
-        <a:font script="Telu" typeface="Gautami"/>
-        <a:font script="Taml" typeface="Latha"/>
-        <a:font script="Syrc" typeface="Estrangelo Edessa"/>
-        <a:font script="Orya" typeface="Kalinga"/>
-        <a:font script="Mlym" typeface="Kartika"/>
-        <a:font script="Laoo" typeface="DokChampa"/>
-        <a:font script="Sinh" typeface="Iskoola Pota"/>
-        <a:font script="Mong" typeface="Mongolian Baiti"/>
-        <a:font script="Viet" typeface="Times New Roman"/>
-        <a:font script="Uigh" typeface="Microsoft Uighur"/>
-        <a:font script="Geor" typeface="Sylfaen"/>
-      </a:majorFont>
-      <a:minorFont>
-        <a:latin typeface="Arial"/>
-        <a:ea typeface=""/>
-        <a:cs typeface=""/>
-        <a:font script="Jpan" typeface="ＭＳ Ｐゴシック"/>
-        <a:font script="Hang" typeface="맑은 고딕"/>
-        <a:font script="Hans" typeface="宋体"/>
-        <a:font script="Hant" typeface="新細明體"/>
-        <a:font script="Arab" typeface="Arial"/>
-        <a:font script="Hebr" typeface="Arial"/>
-        <a:font script="Thai" typeface="Cordia New"/>
-        <a:font script="Ethi" typeface="Nyala"/>
-        <a:font script="Beng" typeface="Vrinda"/>
-        <a:font script="Gujr" typeface="Shruti"/>
-        <a:font script="Khmr" typeface="DaunPenh"/>
-        <a:font script="Knda" typeface="Tunga"/>
-        <a:font script="Guru" typeface="Raavi"/>
-        <a:font script="Cans" typeface="Euphemia"/>
-        <a:font script="Cher" typeface="Plantagenet Cherokee"/>
-        <a:font script="Yiii" typeface="Microsoft Yi Baiti"/>
-        <a:font script="Tibt" typeface="Microsoft Himalaya"/>
-        <a:font script="Thaa" typeface="MV Boli"/>
-        <a:font script="Deva" typeface="Mangal"/>
-        <a:font script="Telu" typeface="Gautami"/>
-        <a:font script="Taml" typeface="Latha"/>
-        <a:font script="Syrc" typeface="Estrangelo Edessa"/>
-        <a:font script="Orya" typeface="Kalinga"/>
-        <a:font script="Mlym" typeface="Kartika"/>
-        <a:font script="Laoo" typeface="DokChampa"/>
-        <a:font script="Sinh" typeface="Iskoola Pota"/>
-        <a:font script="Mong" typeface="Mongolian Baiti"/>
-        <a:font script="Viet" typeface="Arial"/>
-        <a:font script="Uigh" typeface="Microsoft Uighur"/>
-        <a:font script="Geor" typeface="Sylfaen"/>
-      </a:minorFont>
-    </a:fontScheme>
-    <a:fmtScheme name="Office">
-      <a:fillStyleLst>
-        <a:solidFill>
-          <a:schemeClr val="phClr"/>
-        </a:solidFill>
-        <a:gradFill rotWithShape="1">
-          <a:gsLst>
-            <a:gs pos="0">
-              <a:schemeClr val="phClr">
-                <a:tint val="50000"/>
-                <a:satMod val="300000"/>
-              </a:schemeClr>
-            </a:gs>
-            <a:gs pos="35000">
-              <a:schemeClr val="phClr">
-                <a:tint val="37000"/>
-                <a:satMod val="300000"/>
-              </a:schemeClr>
-            </a:gs>
-            <a:gs pos="100000">
-              <a:schemeClr val="phClr">
-                <a:tint val="15000"/>
-                <a:satMod val="350000"/>
-              </a:schemeClr>
-            </a:gs>
-          </a:gsLst>
-          <a:lin ang="16200000" scaled="1"/>
-        </a:gradFill>
-        <a:gradFill rotWithShape="1">
-          <a:gsLst>
-            <a:gs pos="0">
-              <a:schemeClr val="phClr">
-                <a:tint val="100000"/>
-                <a:shade val="100000"/>
-                <a:satMod val="130000"/>
-              </a:schemeClr>
-            </a:gs>
-            <a:gs pos="100000">
-              <a:schemeClr val="phClr">
-                <a:tint val="50000"/>
-                <a:shade val="100000"/>
-                <a:satMod val="350000"/>
-              </a:schemeClr>
-            </a:gs>
-          </a:gsLst>
-          <a:lin ang="16200000" scaled="0"/>
-        </a:gradFill>
-      </a:fillStyleLst>
-      <a:lnStyleLst>
-        <a:ln w="9525" cap="flat" cmpd="sng" algn="ctr">
-          <a:solidFill>
-            <a:schemeClr val="phClr">
-              <a:shade val="95000"/>
-              <a:satMod val="105000"/>
-            </a:schemeClr>
-          </a:solidFill>
-          <a:prstDash val="solid"/>
-        </a:ln>
-        <a:ln w="25400" cap="flat" cmpd="sng" algn="ctr">
-          <a:solidFill>
-            <a:schemeClr val="phClr"/>
-          </a:solidFill>
-          <a:prstDash val="solid"/>
-        </a:ln>
-        <a:ln w="38100" cap="flat" cmpd="sng" algn="ctr">
-          <a:solidFill>
-            <a:schemeClr val="phClr"/>
-          </a:solidFill>
-          <a:prstDash val="solid"/>
-        </a:ln>
-      </a:lnStyleLst>
-      <a:effectStyleLst>
-        <a:effectStyle>
-          <a:effectLst>
-            <a:outerShdw blurRad="40000" dist="20000" dir="5400000" rotWithShape="0">
-              <a:srgbClr val="000000">
-                <a:alpha val="38000"/>
-              </a:srgbClr>
-            </a:outerShdw>
-          </a:effectLst>
-        </a:effectStyle>
-        <a:effectStyle>
-          <a:effectLst>
-            <a:outerShdw blurRad="40000" dist="23000" dir="5400000" rotWithShape="0">
-              <a:srgbClr val="000000">
-                <a:alpha val="35000"/>
-              </a:srgbClr>
-            </a:outerShdw>
-          </a:effectLst>
-        </a:effectStyle>
-        <a:effectStyle>
-          <a:effectLst>
-            <a:outerShdw blurRad="40000" dist="23000" dir="5400000" rotWithShape="0">
-              <a:srgbClr val="000000">
-                <a:alpha val="35000"/>
-              </a:srgbClr>
-            </a:outerShdw>
-          </a:effectLst>
-          <a:scene3d>
-            <a:camera prst="orthographicFront">
-              <a:rot lat="0" lon="0" rev="0"/>
-            </a:camera>
-            <a:lightRig rig="threePt" dir="t">
-              <a:rot lat="0" lon="0" rev="1200000"/>
-            </a:lightRig>
-          </a:scene3d>
-          <a:sp3d>
-            <a:bevelT w="63500" h="25400"/>
-          </a:sp3d>
-        </a:effectStyle>
-      </a:effectStyleLst>
-      <a:bgFillStyleLst>
-        <a:solidFill>
-          <a:schemeClr val="phClr"/>
-        </a:solidFill>
-        <a:gradFill rotWithShape="1">
-          <a:gsLst>
-            <a:gs pos="0">
-              <a:schemeClr val="phClr">
-                <a:tint val="40000"/>
-                <a:satMod val="350000"/>
-              </a:schemeClr>
-            </a:gs>
-            <a:gs pos="40000">
-              <a:schemeClr val="phClr">
-                <a:tint val="45000"/>
-                <a:shade val="99000"/>
-                <a:satMod val="350000"/>
-              </a:schemeClr>
-            </a:gs>
-            <a:gs pos="100000">
-              <a:schemeClr val="phClr">
-                <a:shade val="20000"/>
-                <a:satMod val="255000"/>
-              </a:schemeClr>
-            </a:gs>
-          </a:gsLst>
-          <a:path path="circle">
-            <a:fillToRect l="50000" t="-80000" r="50000" b="180000"/>
-          </a:path>
-        </a:gradFill>
-        <a:gradFill rotWithShape="1">
-          <a:gsLst>
-            <a:gs pos="0">
-              <a:schemeClr val="phClr">
-                <a:tint val="80000"/>
-                <a:satMod val="300000"/>
-              </a:schemeClr>
-            </a:gs>
-            <a:gs pos="100000">
-              <a:schemeClr val="phClr">
-                <a:shade val="30000"/>
-                <a:satMod val="200000"/>
-              </a:schemeClr>
-            </a:gs>
-          </a:gsLst>
-          <a:path path="circle">
-            <a:fillToRect l="50000" t="50000" r="50000" b="50000"/>
-          </a:path>
-        </a:gradFill>
-      </a:bgFillStyleLst>
-    </a:fmtScheme>
-  </a:themeElements>
-</a:theme>
 </file>
--- a/Lecture slides/AMOS C01 - Demo Day Preparation.pptx
+++ b/Lecture slides/AMOS C01 - Demo Day Preparation.pptx
@@ -7254,7 +7254,7 @@
             <a:tbl>
               <a:tblPr>
                 <a:noFill/>
-                <a:tableStyleId>{E4B57DBE-3552-4EF9-A881-56BA02238DEF}</a:tableStyleId>
+                <a:tableStyleId>{3606E2CB-2B6D-4F84-B6F0-1206EEAF1C76}</a:tableStyleId>
               </a:tblPr>
               <a:tblGrid>
                 <a:gridCol w="1315250"/>
@@ -7276,14 +7276,14 @@
                         <a:buNone/>
                       </a:pPr>
                       <a:r>
-                        <a:rPr b="1" lang="en" sz="1800">
+                        <a:rPr b="1" lang="en">
                           <a:solidFill>
                             <a:schemeClr val="lt1"/>
                           </a:solidFill>
                         </a:rPr>
                         <a:t>At</a:t>
                       </a:r>
-                      <a:endParaRPr b="1" sz="1800">
+                      <a:endParaRPr b="1">
                         <a:solidFill>
                           <a:schemeClr val="lt1"/>
                         </a:solidFill>
@@ -7347,14 +7347,14 @@
                         <a:buNone/>
                       </a:pPr>
                       <a:r>
-                        <a:rPr b="1" lang="en" sz="1800">
+                        <a:rPr b="1" lang="en">
                           <a:solidFill>
                             <a:schemeClr val="lt1"/>
                           </a:solidFill>
                         </a:rPr>
                         <a:t>What happens / to do</a:t>
                       </a:r>
-                      <a:endParaRPr b="1" sz="1800">
+                      <a:endParaRPr b="1">
                         <a:solidFill>
                           <a:schemeClr val="lt1"/>
                         </a:solidFill>
@@ -7420,10 +7420,10 @@
                         <a:buNone/>
                       </a:pPr>
                       <a:r>
-                        <a:rPr lang="en" sz="1800"/>
+                        <a:rPr lang="en"/>
                         <a:t>0min.</a:t>
                       </a:r>
-                      <a:endParaRPr sz="1800"/>
+                      <a:endParaRPr/>
                     </a:p>
                   </a:txBody>
                   <a:tcPr marT="91425" marB="91425" marR="91425" marL="91425" anchor="ctr">
@@ -7480,14 +7480,14 @@
                         <a:buNone/>
                       </a:pPr>
                       <a:r>
-                        <a:rPr lang="en" sz="1800"/>
+                        <a:rPr lang="en"/>
                         <a:t>Demo r</a:t>
                       </a:r>
                       <a:r>
-                        <a:rPr lang="en" sz="1800"/>
+                        <a:rPr lang="en"/>
                         <a:t>oom opens, participants stream in</a:t>
                       </a:r>
-                      <a:endParaRPr sz="1800"/>
+                      <a:endParaRPr/>
                     </a:p>
                   </a:txBody>
                   <a:tcPr marT="91425" marB="91425" marR="91425" marL="91425" anchor="ctr">
@@ -7546,10 +7546,10 @@
                         <a:buNone/>
                       </a:pPr>
                       <a:r>
-                        <a:rPr lang="en" sz="1800"/>
+                        <a:rPr lang="en"/>
                         <a:t>1min.</a:t>
                       </a:r>
-                      <a:endParaRPr sz="1800"/>
+                      <a:endParaRPr/>
                     </a:p>
                   </a:txBody>
                   <a:tcPr marT="91425" marB="91425" marR="91425" marL="91425" anchor="ctr">
@@ -7609,10 +7609,10 @@
                         <a:buNone/>
                       </a:pPr>
                       <a:r>
-                        <a:rPr lang="en" sz="1800"/>
+                        <a:rPr lang="en"/>
                         <a:t>Demo starts</a:t>
                       </a:r>
-                      <a:endParaRPr sz="1800"/>
+                      <a:endParaRPr/>
                     </a:p>
                   </a:txBody>
                   <a:tcPr marT="91425" marB="91425" marR="91425" marL="91425" anchor="ctr">
@@ -7674,10 +7674,10 @@
                         <a:buNone/>
                       </a:pPr>
                       <a:r>
-                        <a:rPr lang="en" sz="1800"/>
+                        <a:rPr lang="en"/>
                         <a:t>10min.</a:t>
                       </a:r>
-                      <a:endParaRPr sz="1800"/>
+                      <a:endParaRPr/>
                     </a:p>
                   </a:txBody>
                   <a:tcPr marT="91425" marB="91425" marR="91425" marL="91425" anchor="ctr">
@@ -7737,10 +7737,10 @@
                         <a:buNone/>
                       </a:pPr>
                       <a:r>
-                        <a:rPr lang="en" sz="1800"/>
+                        <a:rPr lang="en"/>
                         <a:t>Demo finishes, discussion starts</a:t>
                       </a:r>
-                      <a:endParaRPr sz="1800"/>
+                      <a:endParaRPr/>
                     </a:p>
                   </a:txBody>
                   <a:tcPr marT="91425" marB="91425" marR="91425" marL="91425" anchor="ctr">
@@ -7802,10 +7802,10 @@
                         <a:buNone/>
                       </a:pPr>
                       <a:r>
-                        <a:rPr lang="en" sz="1800"/>
+                        <a:rPr lang="en"/>
                         <a:t>19min.</a:t>
                       </a:r>
-                      <a:endParaRPr sz="1800"/>
+                      <a:endParaRPr/>
                     </a:p>
                   </a:txBody>
                   <a:tcPr marT="91425" marB="91425" marR="91425" marL="91425" anchor="ctr">
@@ -7865,10 +7865,10 @@
                         <a:buNone/>
                       </a:pPr>
                       <a:r>
-                        <a:rPr lang="en" sz="1800"/>
+                        <a:rPr lang="en"/>
                         <a:t>60 second countdown to room closing starts</a:t>
                       </a:r>
-                      <a:endParaRPr sz="1800"/>
+                      <a:endParaRPr/>
                     </a:p>
                   </a:txBody>
                   <a:tcPr marT="91425" marB="91425" marR="91425" marL="91425" anchor="ctr">
@@ -7930,10 +7930,10 @@
                         <a:buNone/>
                       </a:pPr>
                       <a:r>
-                        <a:rPr lang="en" sz="1800"/>
+                        <a:rPr lang="en"/>
                         <a:t>20min.</a:t>
                       </a:r>
-                      <a:endParaRPr sz="1800"/>
+                      <a:endParaRPr/>
                     </a:p>
                   </a:txBody>
                   <a:tcPr marT="91425" marB="91425" marR="91425" marL="91425" anchor="ctr">
@@ -7990,10 +7990,10 @@
                         <a:buNone/>
                       </a:pPr>
                       <a:r>
-                        <a:rPr lang="en" sz="1800"/>
+                        <a:rPr lang="en"/>
                         <a:t>Room closes, everyone is pulled back into the main room</a:t>
                       </a:r>
-                      <a:endParaRPr sz="1800"/>
+                      <a:endParaRPr/>
                     </a:p>
                   </a:txBody>
                   <a:tcPr marT="91425" marB="91425" marR="91425" marL="91425" anchor="ctr">
@@ -9946,7 +9946,7 @@
           <a:p>
             <a:pPr indent="-317500" lvl="1" marL="914400" rtl="0" algn="l">
               <a:spcBef>
-                <a:spcPts val="1000"/>
+                <a:spcPts val="0"/>
               </a:spcBef>
               <a:spcAft>
                 <a:spcPts val="0"/>
@@ -10014,7 +10014,7 @@
           <a:p>
             <a:pPr indent="-317500" lvl="1" marL="914400" rtl="0" algn="l">
               <a:spcBef>
-                <a:spcPts val="1000"/>
+                <a:spcPts val="0"/>
               </a:spcBef>
               <a:spcAft>
                 <a:spcPts val="0"/>
@@ -10082,7 +10082,7 @@
           <a:p>
             <a:pPr indent="-317500" lvl="1" marL="914400" rtl="0" algn="l">
               <a:spcBef>
-                <a:spcPts val="1000"/>
+                <a:spcPts val="0"/>
               </a:spcBef>
               <a:spcAft>
                 <a:spcPts val="0"/>
@@ -10736,7 +10736,7 @@
           <a:p>
             <a:pPr indent="-317500" lvl="1" marL="914400" rtl="0" algn="l">
               <a:spcBef>
-                <a:spcPts val="1000"/>
+                <a:spcPts val="0"/>
               </a:spcBef>
               <a:spcAft>
                 <a:spcPts val="0"/>
@@ -10804,7 +10804,7 @@
           <a:p>
             <a:pPr indent="-317500" lvl="1" marL="914400" rtl="0" algn="l">
               <a:spcBef>
-                <a:spcPts val="1000"/>
+                <a:spcPts val="0"/>
               </a:spcBef>
               <a:spcAft>
                 <a:spcPts val="0"/>
@@ -10872,7 +10872,7 @@
           <a:p>
             <a:pPr indent="-317500" lvl="1" marL="914400" rtl="0" algn="l">
               <a:spcBef>
-                <a:spcPts val="1000"/>
+                <a:spcPts val="0"/>
               </a:spcBef>
               <a:spcAft>
                 <a:spcPts val="0"/>
@@ -11385,7 +11385,7 @@
             </a:pPr>
             <a:r>
               <a:rPr lang="en"/>
-              <a:t>© Copyright 2023 Dirk Riehle, some rights reserved</a:t>
+              <a:t>© Copyright 2024 Dirk Riehle, some rights reserved</a:t>
             </a:r>
             <a:endParaRPr/>
           </a:p>
@@ -12654,7 +12654,7 @@
             <a:tbl>
               <a:tblPr>
                 <a:noFill/>
-                <a:tableStyleId>{AB4CCA1B-4664-410D-A603-4318FA9476BA}</a:tableStyleId>
+                <a:tableStyleId>{0F7A2FFB-3AD1-45FD-85E4-36738790CB3A}</a:tableStyleId>
               </a:tblPr>
               <a:tblGrid>
                 <a:gridCol w="1432550"/>
@@ -12679,14 +12679,14 @@
                         <a:buNone/>
                       </a:pPr>
                       <a:r>
-                        <a:rPr b="1" lang="en" sz="1500">
+                        <a:rPr b="1" lang="en">
                           <a:solidFill>
                             <a:schemeClr val="lt1"/>
                           </a:solidFill>
                         </a:rPr>
                         <a:t>Time</a:t>
                       </a:r>
-                      <a:endParaRPr b="1" sz="1500">
+                      <a:endParaRPr b="1">
                         <a:solidFill>
                           <a:schemeClr val="lt1"/>
                         </a:solidFill>
@@ -12750,14 +12750,14 @@
                         <a:buNone/>
                       </a:pPr>
                       <a:r>
-                        <a:rPr b="1" lang="en" sz="1500">
+                        <a:rPr b="1" lang="en">
                           <a:solidFill>
                             <a:schemeClr val="lt1"/>
                           </a:solidFill>
                         </a:rPr>
                         <a:t>Duration</a:t>
                       </a:r>
-                      <a:endParaRPr b="1" sz="1500">
+                      <a:endParaRPr b="1">
                         <a:solidFill>
                           <a:schemeClr val="lt1"/>
                         </a:solidFill>
@@ -12821,14 +12821,14 @@
                         <a:buNone/>
                       </a:pPr>
                       <a:r>
-                        <a:rPr b="1" lang="en" sz="1500">
+                        <a:rPr b="1" lang="en">
                           <a:solidFill>
                             <a:schemeClr val="lt1"/>
                           </a:solidFill>
                         </a:rPr>
                         <a:t>Responsible</a:t>
                       </a:r>
-                      <a:endParaRPr b="1" sz="1500">
+                      <a:endParaRPr b="1">
                         <a:solidFill>
                           <a:schemeClr val="lt1"/>
                         </a:solidFill>
@@ -12892,14 +12892,14 @@
                         <a:buNone/>
                       </a:pPr>
                       <a:r>
-                        <a:rPr b="1" lang="en" sz="1500">
+                        <a:rPr b="1" lang="en">
                           <a:solidFill>
                             <a:schemeClr val="lt1"/>
                           </a:solidFill>
                         </a:rPr>
                         <a:t>Title</a:t>
                       </a:r>
-                      <a:endParaRPr b="1" sz="1500">
+                      <a:endParaRPr b="1">
                         <a:solidFill>
                           <a:schemeClr val="lt1"/>
                         </a:solidFill>
@@ -12963,14 +12963,14 @@
                         <a:buNone/>
                       </a:pPr>
                       <a:r>
-                        <a:rPr b="1" lang="en" sz="1500">
+                        <a:rPr b="1" lang="en">
                           <a:solidFill>
                             <a:schemeClr val="lt1"/>
                           </a:solidFill>
                         </a:rPr>
                         <a:t>Room</a:t>
                       </a:r>
-                      <a:endParaRPr b="1" sz="1500">
+                      <a:endParaRPr b="1">
                         <a:solidFill>
                           <a:schemeClr val="lt1"/>
                         </a:solidFill>
@@ -13036,10 +13036,10 @@
                         <a:buNone/>
                       </a:pPr>
                       <a:r>
-                        <a:rPr lang="en" sz="1500"/>
+                        <a:rPr lang="en"/>
                         <a:t>10:15</a:t>
                       </a:r>
-                      <a:endParaRPr sz="1500"/>
+                      <a:endParaRPr/>
                     </a:p>
                   </a:txBody>
                   <a:tcPr marT="91425" marB="91425" marR="91425" marL="91425" anchor="ctr">
@@ -13099,10 +13099,10 @@
                         <a:buNone/>
                       </a:pPr>
                       <a:r>
-                        <a:rPr lang="en" sz="1500"/>
+                        <a:rPr lang="en"/>
                         <a:t>10 min</a:t>
                       </a:r>
-                      <a:endParaRPr sz="1500"/>
+                      <a:endParaRPr/>
                     </a:p>
                   </a:txBody>
                   <a:tcPr marT="91425" marB="91425" marR="91425" marL="91425" anchor="ctr">
@@ -13162,10 +13162,10 @@
                         <a:buNone/>
                       </a:pPr>
                       <a:r>
-                        <a:rPr lang="en" sz="1500"/>
+                        <a:rPr lang="en"/>
                         <a:t>Riehle</a:t>
                       </a:r>
-                      <a:endParaRPr sz="1500"/>
+                      <a:endParaRPr/>
                     </a:p>
                   </a:txBody>
                   <a:tcPr marT="91425" marB="91425" marR="91425" marL="91425" anchor="ctr">
@@ -13225,10 +13225,10 @@
                         <a:buNone/>
                       </a:pPr>
                       <a:r>
-                        <a:rPr lang="en" sz="1500"/>
+                        <a:rPr lang="en"/>
                         <a:t>Introduction</a:t>
                       </a:r>
-                      <a:endParaRPr sz="1500"/>
+                      <a:endParaRPr/>
                     </a:p>
                   </a:txBody>
                   <a:tcPr marT="91425" marB="91425" marR="91425" marL="91425" anchor="ctr">
@@ -13288,10 +13288,10 @@
                         <a:buNone/>
                       </a:pPr>
                       <a:r>
-                        <a:rPr lang="en" sz="1500"/>
+                        <a:rPr lang="en"/>
                         <a:t>Main room</a:t>
                       </a:r>
-                      <a:endParaRPr sz="1500"/>
+                      <a:endParaRPr/>
                     </a:p>
                   </a:txBody>
                   <a:tcPr marT="91425" marB="91425" marR="91425" marL="91425" anchor="ctr">
@@ -13353,10 +13353,10 @@
                         <a:buNone/>
                       </a:pPr>
                       <a:r>
-                        <a:rPr lang="en" sz="1500"/>
+                        <a:rPr lang="en"/>
                         <a:t>10:25</a:t>
                       </a:r>
-                      <a:endParaRPr sz="1500"/>
+                      <a:endParaRPr/>
                     </a:p>
                   </a:txBody>
                   <a:tcPr marT="91425" marB="91425" marR="91425" marL="91425" anchor="ctr">
@@ -13416,10 +13416,10 @@
                         <a:buNone/>
                       </a:pPr>
                       <a:r>
-                        <a:rPr lang="en" sz="1500"/>
+                        <a:rPr lang="en"/>
                         <a:t>10 min</a:t>
                       </a:r>
-                      <a:endParaRPr sz="1500"/>
+                      <a:endParaRPr/>
                     </a:p>
                   </a:txBody>
                   <a:tcPr marT="91425" marB="91425" marR="91425" marL="91425" anchor="ctr">
@@ -13479,10 +13479,10 @@
                         <a:buNone/>
                       </a:pPr>
                       <a:r>
-                        <a:rPr lang="en" sz="1500"/>
+                        <a:rPr lang="en"/>
                         <a:t>Teams</a:t>
                       </a:r>
-                      <a:endParaRPr sz="1500"/>
+                      <a:endParaRPr/>
                     </a:p>
                   </a:txBody>
                   <a:tcPr marT="91425" marB="91425" marR="91425" marL="91425" anchor="ctr">
@@ -13542,10 +13542,10 @@
                         <a:buNone/>
                       </a:pPr>
                       <a:r>
-                        <a:rPr lang="en" sz="1500"/>
+                        <a:rPr lang="en"/>
                         <a:t>One slide summary</a:t>
                       </a:r>
-                      <a:endParaRPr sz="1500"/>
+                      <a:endParaRPr/>
                     </a:p>
                   </a:txBody>
                   <a:tcPr marT="91425" marB="91425" marR="91425" marL="91425" anchor="ctr">
@@ -13605,10 +13605,10 @@
                         <a:buNone/>
                       </a:pPr>
                       <a:r>
-                        <a:rPr lang="en" sz="1500"/>
+                        <a:rPr lang="en"/>
                         <a:t>Main room</a:t>
                       </a:r>
-                      <a:endParaRPr sz="1500"/>
+                      <a:endParaRPr/>
                     </a:p>
                   </a:txBody>
                   <a:tcPr marT="91425" marB="91425" marR="91425" marL="91425" anchor="ctr">
@@ -13670,10 +13670,10 @@
                         <a:buNone/>
                       </a:pPr>
                       <a:r>
-                        <a:rPr lang="en" sz="1500"/>
+                        <a:rPr lang="en"/>
                         <a:t>10:35</a:t>
                       </a:r>
-                      <a:endParaRPr sz="1500"/>
+                      <a:endParaRPr/>
                     </a:p>
                   </a:txBody>
                   <a:tcPr marT="91425" marB="91425" marR="91425" marL="91425" anchor="ctr">
@@ -13733,10 +13733,10 @@
                         <a:buNone/>
                       </a:pPr>
                       <a:r>
-                        <a:rPr lang="en" sz="1500"/>
+                        <a:rPr lang="en"/>
                         <a:t>20 min</a:t>
                       </a:r>
-                      <a:endParaRPr sz="1500"/>
+                      <a:endParaRPr/>
                     </a:p>
                   </a:txBody>
                   <a:tcPr marT="91425" marB="91425" marR="91425" marL="91425" anchor="ctr">
@@ -13796,10 +13796,10 @@
                         <a:buNone/>
                       </a:pPr>
                       <a:r>
-                        <a:rPr lang="en" sz="1500"/>
+                        <a:rPr lang="en"/>
                         <a:t>Teams</a:t>
                       </a:r>
-                      <a:endParaRPr sz="1500"/>
+                      <a:endParaRPr/>
                     </a:p>
                   </a:txBody>
                   <a:tcPr marT="91425" marB="91425" marR="91425" marL="91425" anchor="ctr">
@@ -13859,10 +13859,10 @@
                         <a:buNone/>
                       </a:pPr>
                       <a:r>
-                        <a:rPr lang="en" sz="1500"/>
+                        <a:rPr lang="en"/>
                         <a:t>Demo</a:t>
                       </a:r>
-                      <a:endParaRPr sz="1500"/>
+                      <a:endParaRPr/>
                     </a:p>
                   </a:txBody>
                   <a:tcPr marT="91425" marB="91425" marR="91425" marL="91425" anchor="ctr">
@@ -13922,10 +13922,10 @@
                         <a:buNone/>
                       </a:pPr>
                       <a:r>
-                        <a:rPr lang="en" sz="1500"/>
+                        <a:rPr lang="en"/>
                         <a:t>Demo rooms</a:t>
                       </a:r>
-                      <a:endParaRPr sz="1500"/>
+                      <a:endParaRPr/>
                     </a:p>
                   </a:txBody>
                   <a:tcPr marT="91425" marB="91425" marR="91425" marL="91425" anchor="ctr">
@@ -13987,10 +13987,10 @@
                         <a:buNone/>
                       </a:pPr>
                       <a:r>
-                        <a:rPr lang="en" sz="1500"/>
+                        <a:rPr lang="en"/>
                         <a:t>10:55</a:t>
                       </a:r>
-                      <a:endParaRPr sz="1500"/>
+                      <a:endParaRPr/>
                     </a:p>
                   </a:txBody>
                   <a:tcPr marT="91425" marB="91425" marR="91425" marL="91425" anchor="ctr">
@@ -14050,10 +14050,10 @@
                         <a:buNone/>
                       </a:pPr>
                       <a:r>
-                        <a:rPr lang="en" sz="1500"/>
+                        <a:rPr lang="en"/>
                         <a:t>20 min</a:t>
                       </a:r>
-                      <a:endParaRPr sz="1500"/>
+                      <a:endParaRPr/>
                     </a:p>
                   </a:txBody>
                   <a:tcPr marT="91425" marB="91425" marR="91425" marL="91425" anchor="ctr">
@@ -14113,10 +14113,10 @@
                         <a:buNone/>
                       </a:pPr>
                       <a:r>
-                        <a:rPr lang="en" sz="1500"/>
+                        <a:rPr lang="en"/>
                         <a:t>Teams</a:t>
                       </a:r>
-                      <a:endParaRPr sz="1500"/>
+                      <a:endParaRPr/>
                     </a:p>
                   </a:txBody>
                   <a:tcPr marT="91425" marB="91425" marR="91425" marL="91425" anchor="ctr">
@@ -14176,10 +14176,10 @@
                         <a:buNone/>
                       </a:pPr>
                       <a:r>
-                        <a:rPr lang="en" sz="1500"/>
+                        <a:rPr lang="en"/>
                         <a:t>Demo</a:t>
                       </a:r>
-                      <a:endParaRPr sz="1500"/>
+                      <a:endParaRPr/>
                     </a:p>
                   </a:txBody>
                   <a:tcPr marT="91425" marB="91425" marR="91425" marL="91425" anchor="ctr">
@@ -14239,10 +14239,10 @@
                         <a:buNone/>
                       </a:pPr>
                       <a:r>
-                        <a:rPr lang="en" sz="1500"/>
+                        <a:rPr lang="en"/>
                         <a:t>Demo rooms</a:t>
                       </a:r>
-                      <a:endParaRPr sz="1500"/>
+                      <a:endParaRPr/>
                     </a:p>
                   </a:txBody>
                   <a:tcPr marT="91425" marB="91425" marR="91425" marL="91425" anchor="ctr">
@@ -14304,10 +14304,10 @@
                         <a:buNone/>
                       </a:pPr>
                       <a:r>
-                        <a:rPr lang="en" sz="1500"/>
+                        <a:rPr lang="en"/>
                         <a:t>11:15</a:t>
                       </a:r>
-                      <a:endParaRPr sz="1500"/>
+                      <a:endParaRPr/>
                     </a:p>
                   </a:txBody>
                   <a:tcPr marT="91425" marB="91425" marR="91425" marL="91425" anchor="ctr">
@@ -14367,10 +14367,10 @@
                         <a:buNone/>
                       </a:pPr>
                       <a:r>
-                        <a:rPr lang="en" sz="1500"/>
+                        <a:rPr lang="en"/>
                         <a:t>20 min</a:t>
                       </a:r>
-                      <a:endParaRPr sz="1500"/>
+                      <a:endParaRPr/>
                     </a:p>
                   </a:txBody>
                   <a:tcPr marT="91425" marB="91425" marR="91425" marL="91425" anchor="ctr">
@@ -14430,10 +14430,10 @@
                         <a:buNone/>
                       </a:pPr>
                       <a:r>
-                        <a:rPr lang="en" sz="1500"/>
+                        <a:rPr lang="en"/>
                         <a:t>Teams</a:t>
                       </a:r>
-                      <a:endParaRPr sz="1500"/>
+                      <a:endParaRPr/>
                     </a:p>
                   </a:txBody>
                   <a:tcPr marT="91425" marB="91425" marR="91425" marL="91425" anchor="ctr">
@@ -14493,10 +14493,10 @@
                         <a:buNone/>
                       </a:pPr>
                       <a:r>
-                        <a:rPr lang="en" sz="1500"/>
+                        <a:rPr lang="en"/>
                         <a:t>Demo</a:t>
                       </a:r>
-                      <a:endParaRPr sz="1500"/>
+                      <a:endParaRPr/>
                     </a:p>
                   </a:txBody>
                   <a:tcPr marT="91425" marB="91425" marR="91425" marL="91425" anchor="ctr">
@@ -14556,10 +14556,10 @@
                         <a:buNone/>
                       </a:pPr>
                       <a:r>
-                        <a:rPr lang="en" sz="1500"/>
+                        <a:rPr lang="en"/>
                         <a:t>Demo rooms</a:t>
                       </a:r>
-                      <a:endParaRPr sz="1500"/>
+                      <a:endParaRPr/>
                     </a:p>
                   </a:txBody>
                   <a:tcPr marT="91425" marB="91425" marR="91425" marL="91425" anchor="ctr">
@@ -14621,10 +14621,10 @@
                         <a:buNone/>
                       </a:pPr>
                       <a:r>
-                        <a:rPr lang="en" sz="1500"/>
+                        <a:rPr lang="en"/>
                         <a:t>11:35</a:t>
                       </a:r>
-                      <a:endParaRPr sz="1500"/>
+                      <a:endParaRPr/>
                     </a:p>
                   </a:txBody>
                   <a:tcPr marT="91425" marB="91425" marR="91425" marL="91425" anchor="ctr">
@@ -14684,10 +14684,10 @@
                         <a:buNone/>
                       </a:pPr>
                       <a:r>
-                        <a:rPr lang="en" sz="1500"/>
+                        <a:rPr lang="en"/>
                         <a:t>20 min</a:t>
                       </a:r>
-                      <a:endParaRPr sz="1500"/>
+                      <a:endParaRPr/>
                     </a:p>
                   </a:txBody>
                   <a:tcPr marT="91425" marB="91425" marR="91425" marL="91425" anchor="ctr">
@@ -14747,10 +14747,10 @@
                         <a:buNone/>
                       </a:pPr>
                       <a:r>
-                        <a:rPr lang="en" sz="1500"/>
+                        <a:rPr lang="en"/>
                         <a:t>Teams</a:t>
                       </a:r>
-                      <a:endParaRPr sz="1500"/>
+                      <a:endParaRPr/>
                     </a:p>
                   </a:txBody>
                   <a:tcPr marT="91425" marB="91425" marR="91425" marL="91425" anchor="ctr">
@@ -14810,10 +14810,10 @@
                         <a:buNone/>
                       </a:pPr>
                       <a:r>
-                        <a:rPr lang="en" sz="1500"/>
+                        <a:rPr lang="en"/>
                         <a:t>Demo</a:t>
                       </a:r>
-                      <a:endParaRPr sz="1500"/>
+                      <a:endParaRPr/>
                     </a:p>
                   </a:txBody>
                   <a:tcPr marT="91425" marB="91425" marR="91425" marL="91425" anchor="ctr">
@@ -14873,10 +14873,10 @@
                         <a:buNone/>
                       </a:pPr>
                       <a:r>
-                        <a:rPr lang="en" sz="1500"/>
+                        <a:rPr lang="en"/>
                         <a:t>Demo rooms</a:t>
                       </a:r>
-                      <a:endParaRPr sz="1500"/>
+                      <a:endParaRPr/>
                     </a:p>
                   </a:txBody>
                   <a:tcPr marT="91425" marB="91425" marR="91425" marL="91425" anchor="ctr">
@@ -14938,10 +14938,10 @@
                         <a:buNone/>
                       </a:pPr>
                       <a:r>
-                        <a:rPr lang="en" sz="1500"/>
+                        <a:rPr lang="en"/>
                         <a:t>11:55</a:t>
                       </a:r>
-                      <a:endParaRPr sz="1500"/>
+                      <a:endParaRPr/>
                     </a:p>
                   </a:txBody>
                   <a:tcPr marT="91425" marB="91425" marR="91425" marL="91425" anchor="ctr">
@@ -15001,10 +15001,10 @@
                         <a:buNone/>
                       </a:pPr>
                       <a:r>
-                        <a:rPr lang="en" sz="1500"/>
+                        <a:rPr lang="en"/>
                         <a:t>20 min</a:t>
                       </a:r>
-                      <a:endParaRPr sz="1500"/>
+                      <a:endParaRPr/>
                     </a:p>
                   </a:txBody>
                   <a:tcPr marT="91425" marB="91425" marR="91425" marL="91425" anchor="ctr">
@@ -15064,10 +15064,10 @@
                         <a:buNone/>
                       </a:pPr>
                       <a:r>
-                        <a:rPr lang="en" sz="1500"/>
+                        <a:rPr lang="en"/>
                         <a:t>Teams</a:t>
                       </a:r>
-                      <a:endParaRPr sz="1500"/>
+                      <a:endParaRPr/>
                     </a:p>
                   </a:txBody>
                   <a:tcPr marT="91425" marB="91425" marR="91425" marL="91425" anchor="ctr">
@@ -15127,10 +15127,10 @@
                         <a:buNone/>
                       </a:pPr>
                       <a:r>
-                        <a:rPr lang="en" sz="1500"/>
+                        <a:rPr lang="en"/>
                         <a:t>Demo</a:t>
                       </a:r>
-                      <a:endParaRPr sz="1500"/>
+                      <a:endParaRPr/>
                     </a:p>
                   </a:txBody>
                   <a:tcPr marT="91425" marB="91425" marR="91425" marL="91425" anchor="ctr">
@@ -15190,10 +15190,10 @@
                         <a:buNone/>
                       </a:pPr>
                       <a:r>
-                        <a:rPr lang="en" sz="1500"/>
+                        <a:rPr lang="en"/>
                         <a:t>Demo rooms</a:t>
                       </a:r>
-                      <a:endParaRPr sz="1500"/>
+                      <a:endParaRPr/>
                     </a:p>
                   </a:txBody>
                   <a:tcPr marT="91425" marB="91425" marR="91425" marL="91425" anchor="ctr">
@@ -15255,10 +15255,10 @@
                         <a:buNone/>
                       </a:pPr>
                       <a:r>
-                        <a:rPr lang="en" sz="1500"/>
+                        <a:rPr lang="en"/>
                         <a:t>12:15</a:t>
                       </a:r>
-                      <a:endParaRPr sz="1500"/>
+                      <a:endParaRPr/>
                     </a:p>
                   </a:txBody>
                   <a:tcPr marT="91425" marB="91425" marR="91425" marL="91425" anchor="ctr">
@@ -15318,10 +15318,10 @@
                         <a:buNone/>
                       </a:pPr>
                       <a:r>
-                        <a:rPr lang="en" sz="1500"/>
+                        <a:rPr lang="en"/>
                         <a:t>5 min</a:t>
                       </a:r>
-                      <a:endParaRPr sz="1500"/>
+                      <a:endParaRPr/>
                     </a:p>
                   </a:txBody>
                   <a:tcPr marT="91425" marB="91425" marR="91425" marL="91425" anchor="ctr">
@@ -15381,10 +15381,10 @@
                         <a:buNone/>
                       </a:pPr>
                       <a:r>
-                        <a:rPr lang="en" sz="1500"/>
+                        <a:rPr lang="en"/>
                         <a:t>Riehle</a:t>
                       </a:r>
-                      <a:endParaRPr sz="1500"/>
+                      <a:endParaRPr/>
                     </a:p>
                   </a:txBody>
                   <a:tcPr marT="91425" marB="91425" marR="91425" marL="91425" anchor="ctr">
@@ -15444,10 +15444,10 @@
                         <a:buNone/>
                       </a:pPr>
                       <a:r>
-                        <a:rPr lang="en" sz="1500"/>
+                        <a:rPr lang="en"/>
                         <a:t>Conclusions</a:t>
                       </a:r>
-                      <a:endParaRPr sz="1500"/>
+                      <a:endParaRPr/>
                     </a:p>
                   </a:txBody>
                   <a:tcPr marT="91425" marB="91425" marR="91425" marL="91425" anchor="ctr">
@@ -15507,10 +15507,10 @@
                         <a:buNone/>
                       </a:pPr>
                       <a:r>
-                        <a:rPr lang="en" sz="1500"/>
+                        <a:rPr lang="en"/>
                         <a:t>Main room</a:t>
                       </a:r>
-                      <a:endParaRPr sz="1500"/>
+                      <a:endParaRPr/>
                     </a:p>
                   </a:txBody>
                   <a:tcPr marT="91425" marB="91425" marR="91425" marL="91425" anchor="ctr">
@@ -16313,6 +16313,285 @@
 </file>
 
 <file path=ppt/theme/theme1.xml><?xml version="1.0" encoding="utf-8"?>
+<a:theme xmlns:a="http://schemas.openxmlformats.org/drawingml/2006/main" xmlns:r="http://schemas.openxmlformats.org/officeDocument/2006/relationships" name="AMOS Slides Template">
+  <a:themeElements>
+    <a:clrScheme name="Simple Light">
+      <a:dk1>
+        <a:srgbClr val="000000"/>
+      </a:dk1>
+      <a:lt1>
+        <a:srgbClr val="FFFFFF"/>
+      </a:lt1>
+      <a:dk2>
+        <a:srgbClr val="404040"/>
+      </a:dk2>
+      <a:lt2>
+        <a:srgbClr val="808080"/>
+      </a:lt2>
+      <a:accent1>
+        <a:srgbClr val="D0D0D0"/>
+      </a:accent1>
+      <a:accent2>
+        <a:srgbClr val="4169E1"/>
+      </a:accent2>
+      <a:accent3>
+        <a:srgbClr val="D50D01"/>
+      </a:accent3>
+      <a:accent4>
+        <a:srgbClr val="FEB612"/>
+      </a:accent4>
+      <a:accent5>
+        <a:srgbClr val="4CAF50"/>
+      </a:accent5>
+      <a:accent6>
+        <a:srgbClr val="8E44AD"/>
+      </a:accent6>
+      <a:hlink>
+        <a:srgbClr val="34A3C5"/>
+      </a:hlink>
+      <a:folHlink>
+        <a:srgbClr val="0097A7"/>
+      </a:folHlink>
+    </a:clrScheme>
+    <a:fontScheme name="Office">
+      <a:majorFont>
+        <a:latin typeface="Arial"/>
+        <a:ea typeface=""/>
+        <a:cs typeface=""/>
+        <a:font script="Jpan" typeface="ＭＳ Ｐゴシック"/>
+        <a:font script="Hang" typeface="맑은 고딕"/>
+        <a:font script="Hans" typeface="宋体"/>
+        <a:font script="Hant" typeface="新細明體"/>
+        <a:font script="Arab" typeface="Times New Roman"/>
+        <a:font script="Hebr" typeface="Times New Roman"/>
+        <a:font script="Thai" typeface="Angsana New"/>
+        <a:font script="Ethi" typeface="Nyala"/>
+        <a:font script="Beng" typeface="Vrinda"/>
+        <a:font script="Gujr" typeface="Shruti"/>
+        <a:font script="Khmr" typeface="MoolBoran"/>
+        <a:font script="Knda" typeface="Tunga"/>
+        <a:font script="Guru" typeface="Raavi"/>
+        <a:font script="Cans" typeface="Euphemia"/>
+        <a:font script="Cher" typeface="Plantagenet Cherokee"/>
+        <a:font script="Yiii" typeface="Microsoft Yi Baiti"/>
+        <a:font script="Tibt" typeface="Microsoft Himalaya"/>
+        <a:font script="Thaa" typeface="MV Boli"/>
+        <a:font script="Deva" typeface="Mangal"/>
+        <a:font script="Telu" typeface="Gautami"/>
+        <a:font script="Taml" typeface="Latha"/>
+        <a:font script="Syrc" typeface="Estrangelo Edessa"/>
+        <a:font script="Orya" typeface="Kalinga"/>
+        <a:font script="Mlym" typeface="Kartika"/>
+        <a:font script="Laoo" typeface="DokChampa"/>
+        <a:font script="Sinh" typeface="Iskoola Pota"/>
+        <a:font script="Mong" typeface="Mongolian Baiti"/>
+        <a:font script="Viet" typeface="Times New Roman"/>
+        <a:font script="Uigh" typeface="Microsoft Uighur"/>
+        <a:font script="Geor" typeface="Sylfaen"/>
+      </a:majorFont>
+      <a:minorFont>
+        <a:latin typeface="Arial"/>
+        <a:ea typeface=""/>
+        <a:cs typeface=""/>
+        <a:font script="Jpan" typeface="ＭＳ Ｐゴシック"/>
+        <a:font script="Hang" typeface="맑은 고딕"/>
+        <a:font script="Hans" typeface="宋体"/>
+        <a:font script="Hant" typeface="新細明體"/>
+        <a:font script="Arab" typeface="Arial"/>
+        <a:font script="Hebr" typeface="Arial"/>
+        <a:font script="Thai" typeface="Cordia New"/>
+        <a:font script="Ethi" typeface="Nyala"/>
+        <a:font script="Beng" typeface="Vrinda"/>
+        <a:font script="Gujr" typeface="Shruti"/>
+        <a:font script="Khmr" typeface="DaunPenh"/>
+        <a:font script="Knda" typeface="Tunga"/>
+        <a:font script="Guru" typeface="Raavi"/>
+        <a:font script="Cans" typeface="Euphemia"/>
+        <a:font script="Cher" typeface="Plantagenet Cherokee"/>
+        <a:font script="Yiii" typeface="Microsoft Yi Baiti"/>
+        <a:font script="Tibt" typeface="Microsoft Himalaya"/>
+        <a:font script="Thaa" typeface="MV Boli"/>
+        <a:font script="Deva" typeface="Mangal"/>
+        <a:font script="Telu" typeface="Gautami"/>
+        <a:font script="Taml" typeface="Latha"/>
+        <a:font script="Syrc" typeface="Estrangelo Edessa"/>
+        <a:font script="Orya" typeface="Kalinga"/>
+        <a:font script="Mlym" typeface="Kartika"/>
+        <a:font script="Laoo" typeface="DokChampa"/>
+        <a:font script="Sinh" typeface="Iskoola Pota"/>
+        <a:font script="Mong" typeface="Mongolian Baiti"/>
+        <a:font script="Viet" typeface="Arial"/>
+        <a:font script="Uigh" typeface="Microsoft Uighur"/>
+        <a:font script="Geor" typeface="Sylfaen"/>
+      </a:minorFont>
+    </a:fontScheme>
+    <a:fmtScheme name="Office">
+      <a:fillStyleLst>
+        <a:solidFill>
+          <a:schemeClr val="phClr"/>
+        </a:solidFill>
+        <a:gradFill rotWithShape="1">
+          <a:gsLst>
+            <a:gs pos="0">
+              <a:schemeClr val="phClr">
+                <a:tint val="50000"/>
+                <a:satMod val="300000"/>
+              </a:schemeClr>
+            </a:gs>
+            <a:gs pos="35000">
+              <a:schemeClr val="phClr">
+                <a:tint val="37000"/>
+                <a:satMod val="300000"/>
+              </a:schemeClr>
+            </a:gs>
+            <a:gs pos="100000">
+              <a:schemeClr val="phClr">
+                <a:tint val="15000"/>
+                <a:satMod val="350000"/>
+              </a:schemeClr>
+            </a:gs>
+          </a:gsLst>
+          <a:lin ang="16200000" scaled="1"/>
+        </a:gradFill>
+        <a:gradFill rotWithShape="1">
+          <a:gsLst>
+            <a:gs pos="0">
+              <a:schemeClr val="phClr">
+                <a:tint val="100000"/>
+                <a:shade val="100000"/>
+                <a:satMod val="130000"/>
+              </a:schemeClr>
+            </a:gs>
+            <a:gs pos="100000">
+              <a:schemeClr val="phClr">
+                <a:tint val="50000"/>
+                <a:shade val="100000"/>
+                <a:satMod val="350000"/>
+              </a:schemeClr>
+            </a:gs>
+          </a:gsLst>
+          <a:lin ang="16200000" scaled="0"/>
+        </a:gradFill>
+      </a:fillStyleLst>
+      <a:lnStyleLst>
+        <a:ln w="9525" cap="flat" cmpd="sng" algn="ctr">
+          <a:solidFill>
+            <a:schemeClr val="phClr">
+              <a:shade val="95000"/>
+              <a:satMod val="105000"/>
+            </a:schemeClr>
+          </a:solidFill>
+          <a:prstDash val="solid"/>
+        </a:ln>
+        <a:ln w="25400" cap="flat" cmpd="sng" algn="ctr">
+          <a:solidFill>
+            <a:schemeClr val="phClr"/>
+          </a:solidFill>
+          <a:prstDash val="solid"/>
+        </a:ln>
+        <a:ln w="38100" cap="flat" cmpd="sng" algn="ctr">
+          <a:solidFill>
+            <a:schemeClr val="phClr"/>
+          </a:solidFill>
+          <a:prstDash val="solid"/>
+        </a:ln>
+      </a:lnStyleLst>
+      <a:effectStyleLst>
+        <a:effectStyle>
+          <a:effectLst>
+            <a:outerShdw blurRad="40000" dist="20000" dir="5400000" rotWithShape="0">
+              <a:srgbClr val="000000">
+                <a:alpha val="38000"/>
+              </a:srgbClr>
+            </a:outerShdw>
+          </a:effectLst>
+        </a:effectStyle>
+        <a:effectStyle>
+          <a:effectLst>
+            <a:outerShdw blurRad="40000" dist="23000" dir="5400000" rotWithShape="0">
+              <a:srgbClr val="000000">
+                <a:alpha val="35000"/>
+              </a:srgbClr>
+            </a:outerShdw>
+          </a:effectLst>
+        </a:effectStyle>
+        <a:effectStyle>
+          <a:effectLst>
+            <a:outerShdw blurRad="40000" dist="23000" dir="5400000" rotWithShape="0">
+              <a:srgbClr val="000000">
+                <a:alpha val="35000"/>
+              </a:srgbClr>
+            </a:outerShdw>
+          </a:effectLst>
+          <a:scene3d>
+            <a:camera prst="orthographicFront">
+              <a:rot lat="0" lon="0" rev="0"/>
+            </a:camera>
+            <a:lightRig rig="threePt" dir="t">
+              <a:rot lat="0" lon="0" rev="1200000"/>
+            </a:lightRig>
+          </a:scene3d>
+          <a:sp3d>
+            <a:bevelT w="63500" h="25400"/>
+          </a:sp3d>
+        </a:effectStyle>
+      </a:effectStyleLst>
+      <a:bgFillStyleLst>
+        <a:solidFill>
+          <a:schemeClr val="phClr"/>
+        </a:solidFill>
+        <a:gradFill rotWithShape="1">
+          <a:gsLst>
+            <a:gs pos="0">
+              <a:schemeClr val="phClr">
+                <a:tint val="40000"/>
+                <a:satMod val="350000"/>
+              </a:schemeClr>
+            </a:gs>
+            <a:gs pos="40000">
+              <a:schemeClr val="phClr">
+                <a:tint val="45000"/>
+                <a:shade val="99000"/>
+                <a:satMod val="350000"/>
+              </a:schemeClr>
+            </a:gs>
+            <a:gs pos="100000">
+              <a:schemeClr val="phClr">
+                <a:shade val="20000"/>
+                <a:satMod val="255000"/>
+              </a:schemeClr>
+            </a:gs>
+          </a:gsLst>
+          <a:path path="circle">
+            <a:fillToRect l="50000" t="-80000" r="50000" b="180000"/>
+          </a:path>
+        </a:gradFill>
+        <a:gradFill rotWithShape="1">
+          <a:gsLst>
+            <a:gs pos="0">
+              <a:schemeClr val="phClr">
+                <a:tint val="80000"/>
+                <a:satMod val="300000"/>
+              </a:schemeClr>
+            </a:gs>
+            <a:gs pos="100000">
+              <a:schemeClr val="phClr">
+                <a:shade val="30000"/>
+                <a:satMod val="200000"/>
+              </a:schemeClr>
+            </a:gs>
+          </a:gsLst>
+          <a:path path="circle">
+            <a:fillToRect l="50000" t="50000" r="50000" b="50000"/>
+          </a:path>
+        </a:gradFill>
+      </a:bgFillStyleLst>
+    </a:fmtScheme>
+  </a:themeElements>
+</a:theme>
+</file>
+
+<file path=ppt/theme/theme2.xml><?xml version="1.0" encoding="utf-8"?>
 <a:theme xmlns:a="http://schemas.openxmlformats.org/drawingml/2006/main" xmlns:r="http://schemas.openxmlformats.org/officeDocument/2006/relationships">
   <a:themeElements>
     <a:clrScheme name="Default">
@@ -16589,283 +16868,4 @@
     </a:fmtScheme>
   </a:themeElements>
 </a:theme>
-</file>
-
-<file path=ppt/theme/theme2.xml><?xml version="1.0" encoding="utf-8"?>
-<a:theme xmlns:a="http://schemas.openxmlformats.org/drawingml/2006/main" xmlns:r="http://schemas.openxmlformats.org/officeDocument/2006/relationships" name="AMOS Slides Template">
-  <a:themeElements>
-    <a:clrScheme name="Simple Light">
-      <a:dk1>
-        <a:srgbClr val="000000"/>
-      </a:dk1>
-      <a:lt1>
-        <a:srgbClr val="FFFFFF"/>
-      </a:lt1>
-      <a:dk2>
-        <a:srgbClr val="404040"/>
-      </a:dk2>
-      <a:lt2>
-        <a:srgbClr val="808080"/>
-      </a:lt2>
-      <a:accent1>
-        <a:srgbClr val="D0D0D0"/>
-      </a:accent1>
-      <a:accent2>
-        <a:srgbClr val="4169E1"/>
-      </a:accent2>
-      <a:accent3>
-        <a:srgbClr val="D50D01"/>
-      </a:accent3>
-      <a:accent4>
-        <a:srgbClr val="FEB612"/>
-      </a:accent4>
-      <a:accent5>
-        <a:srgbClr val="4CAF50"/>
-      </a:accent5>
-      <a:accent6>
-        <a:srgbClr val="8E44AD"/>
-      </a:accent6>
-      <a:hlink>
-        <a:srgbClr val="34A3C5"/>
-      </a:hlink>
-      <a:folHlink>
-        <a:srgbClr val="0097A7"/>
-      </a:folHlink>
-    </a:clrScheme>
-    <a:fontScheme name="Office">
-      <a:majorFont>
-        <a:latin typeface="Arial"/>
-        <a:ea typeface=""/>
-        <a:cs typeface=""/>
-        <a:font script="Jpan" typeface="ＭＳ Ｐゴシック"/>
-        <a:font script="Hang" typeface="맑은 고딕"/>
-        <a:font script="Hans" typeface="宋体"/>
-        <a:font script="Hant" typeface="新細明體"/>
-        <a:font script="Arab" typeface="Times New Roman"/>
-        <a:font script="Hebr" typeface="Times New Roman"/>
-        <a:font script="Thai" typeface="Angsana New"/>
-        <a:font script="Ethi" typeface="Nyala"/>
-        <a:font script="Beng" typeface="Vrinda"/>
-        <a:font script="Gujr" typeface="Shruti"/>
-        <a:font script="Khmr" typeface="MoolBoran"/>
-        <a:font script="Knda" typeface="Tunga"/>
-        <a:font script="Guru" typeface="Raavi"/>
-        <a:font script="Cans" typeface="Euphemia"/>
-        <a:font script="Cher" typeface="Plantagenet Cherokee"/>
-        <a:font script="Yiii" typeface="Microsoft Yi Baiti"/>
-        <a:font script="Tibt" typeface="Microsoft Himalaya"/>
-        <a:font script="Thaa" typeface="MV Boli"/>
-        <a:font script="Deva" typeface="Mangal"/>
-        <a:font script="Telu" typeface="Gautami"/>
-        <a:font script="Taml" typeface="Latha"/>
-        <a:font script="Syrc" typeface="Estrangelo Edessa"/>
-        <a:font script="Orya" typeface="Kalinga"/>
-        <a:font script="Mlym" typeface="Kartika"/>
-        <a:font script="Laoo" typeface="DokChampa"/>
-        <a:font script="Sinh" typeface="Iskoola Pota"/>
-        <a:font script="Mong" typeface="Mongolian Baiti"/>
-        <a:font script="Viet" typeface="Times New Roman"/>
-        <a:font script="Uigh" typeface="Microsoft Uighur"/>
-        <a:font script="Geor" typeface="Sylfaen"/>
-      </a:majorFont>
-      <a:minorFont>
-        <a:latin typeface="Arial"/>
-        <a:ea typeface=""/>
-        <a:cs typeface=""/>
-        <a:font script="Jpan" typeface="ＭＳ Ｐゴシック"/>
-        <a:font script="Hang" typeface="맑은 고딕"/>
-        <a:font script="Hans" typeface="宋体"/>
-        <a:font script="Hant" typeface="新細明體"/>
-        <a:font script="Arab" typeface="Arial"/>
-        <a:font script="Hebr" typeface="Arial"/>
-        <a:font script="Thai" typeface="Cordia New"/>
-        <a:font script="Ethi" typeface="Nyala"/>
-        <a:font script="Beng" typeface="Vrinda"/>
-        <a:font script="Gujr" typeface="Shruti"/>
-        <a:font script="Khmr" typeface="DaunPenh"/>
-        <a:font script="Knda" typeface="Tunga"/>
-        <a:font script="Guru" typeface="Raavi"/>
-        <a:font script="Cans" typeface="Euphemia"/>
-        <a:font script="Cher" typeface="Plantagenet Cherokee"/>
-        <a:font script="Yiii" typeface="Microsoft Yi Baiti"/>
-        <a:font script="Tibt" typeface="Microsoft Himalaya"/>
-        <a:font script="Thaa" typeface="MV Boli"/>
-        <a:font script="Deva" typeface="Mangal"/>
-        <a:font script="Telu" typeface="Gautami"/>
-        <a:font script="Taml" typeface="Latha"/>
-        <a:font script="Syrc" typeface="Estrangelo Edessa"/>
-        <a:font script="Orya" typeface="Kalinga"/>
-        <a:font script="Mlym" typeface="Kartika"/>
-        <a:font script="Laoo" typeface="DokChampa"/>
-        <a:font script="Sinh" typeface="Iskoola Pota"/>
-        <a:font script="Mong" typeface="Mongolian Baiti"/>
-        <a:font script="Viet" typeface="Arial"/>
-        <a:font script="Uigh" typeface="Microsoft Uighur"/>
-        <a:font script="Geor" typeface="Sylfaen"/>
-      </a:minorFont>
-    </a:fontScheme>
-    <a:fmtScheme name="Office">
-      <a:fillStyleLst>
-        <a:solidFill>
-          <a:schemeClr val="phClr"/>
-        </a:solidFill>
-        <a:gradFill rotWithShape="1">
-          <a:gsLst>
-            <a:gs pos="0">
-              <a:schemeClr val="phClr">
-                <a:tint val="50000"/>
-                <a:satMod val="300000"/>
-              </a:schemeClr>
-            </a:gs>
-            <a:gs pos="35000">
-              <a:schemeClr val="phClr">
-                <a:tint val="37000"/>
-                <a:satMod val="300000"/>
-              </a:schemeClr>
-            </a:gs>
-            <a:gs pos="100000">
-              <a:schemeClr val="phClr">
-                <a:tint val="15000"/>
-                <a:satMod val="350000"/>
-              </a:schemeClr>
-            </a:gs>
-          </a:gsLst>
-          <a:lin ang="16200000" scaled="1"/>
-        </a:gradFill>
-        <a:gradFill rotWithShape="1">
-          <a:gsLst>
-            <a:gs pos="0">
-              <a:schemeClr val="phClr">
-                <a:tint val="100000"/>
-                <a:shade val="100000"/>
-                <a:satMod val="130000"/>
-              </a:schemeClr>
-            </a:gs>
-            <a:gs pos="100000">
-              <a:schemeClr val="phClr">
-                <a:tint val="50000"/>
-                <a:shade val="100000"/>
-                <a:satMod val="350000"/>
-              </a:schemeClr>
-            </a:gs>
-          </a:gsLst>
-          <a:lin ang="16200000" scaled="0"/>
-        </a:gradFill>
-      </a:fillStyleLst>
-      <a:lnStyleLst>
-        <a:ln w="9525" cap="flat" cmpd="sng" algn="ctr">
-          <a:solidFill>
-            <a:schemeClr val="phClr">
-              <a:shade val="95000"/>
-              <a:satMod val="105000"/>
-            </a:schemeClr>
-          </a:solidFill>
-          <a:prstDash val="solid"/>
-        </a:ln>
-        <a:ln w="25400" cap="flat" cmpd="sng" algn="ctr">
-          <a:solidFill>
-            <a:schemeClr val="phClr"/>
-          </a:solidFill>
-          <a:prstDash val="solid"/>
-        </a:ln>
-        <a:ln w="38100" cap="flat" cmpd="sng" algn="ctr">
-          <a:solidFill>
-            <a:schemeClr val="phClr"/>
-          </a:solidFill>
-          <a:prstDash val="solid"/>
-        </a:ln>
-      </a:lnStyleLst>
-      <a:effectStyleLst>
-        <a:effectStyle>
-          <a:effectLst>
-            <a:outerShdw blurRad="40000" dist="20000" dir="5400000" rotWithShape="0">
-              <a:srgbClr val="000000">
-                <a:alpha val="38000"/>
-              </a:srgbClr>
-            </a:outerShdw>
-          </a:effectLst>
-        </a:effectStyle>
-        <a:effectStyle>
-          <a:effectLst>
-            <a:outerShdw blurRad="40000" dist="23000" dir="5400000" rotWithShape="0">
-              <a:srgbClr val="000000">
-                <a:alpha val="35000"/>
-              </a:srgbClr>
-            </a:outerShdw>
-          </a:effectLst>
-        </a:effectStyle>
-        <a:effectStyle>
-          <a:effectLst>
-            <a:outerShdw blurRad="40000" dist="23000" dir="5400000" rotWithShape="0">
-              <a:srgbClr val="000000">
-                <a:alpha val="35000"/>
-              </a:srgbClr>
-            </a:outerShdw>
-          </a:effectLst>
-          <a:scene3d>
-            <a:camera prst="orthographicFront">
-              <a:rot lat="0" lon="0" rev="0"/>
-            </a:camera>
-            <a:lightRig rig="threePt" dir="t">
-              <a:rot lat="0" lon="0" rev="1200000"/>
-            </a:lightRig>
-          </a:scene3d>
-          <a:sp3d>
-            <a:bevelT w="63500" h="25400"/>
-          </a:sp3d>
-        </a:effectStyle>
-      </a:effectStyleLst>
-      <a:bgFillStyleLst>
-        <a:solidFill>
-          <a:schemeClr val="phClr"/>
-        </a:solidFill>
-        <a:gradFill rotWithShape="1">
-          <a:gsLst>
-            <a:gs pos="0">
-              <a:schemeClr val="phClr">
-                <a:tint val="40000"/>
-                <a:satMod val="350000"/>
-              </a:schemeClr>
-            </a:gs>
-            <a:gs pos="40000">
-              <a:schemeClr val="phClr">
-                <a:tint val="45000"/>
-                <a:shade val="99000"/>
-                <a:satMod val="350000"/>
-              </a:schemeClr>
-            </a:gs>
-            <a:gs pos="100000">
-              <a:schemeClr val="phClr">
-                <a:shade val="20000"/>
-                <a:satMod val="255000"/>
-              </a:schemeClr>
-            </a:gs>
-          </a:gsLst>
-          <a:path path="circle">
-            <a:fillToRect l="50000" t="-80000" r="50000" b="180000"/>
-          </a:path>
-        </a:gradFill>
-        <a:gradFill rotWithShape="1">
-          <a:gsLst>
-            <a:gs pos="0">
-              <a:schemeClr val="phClr">
-                <a:tint val="80000"/>
-                <a:satMod val="300000"/>
-              </a:schemeClr>
-            </a:gs>
-            <a:gs pos="100000">
-              <a:schemeClr val="phClr">
-                <a:shade val="30000"/>
-                <a:satMod val="200000"/>
-              </a:schemeClr>
-            </a:gs>
-          </a:gsLst>
-          <a:path path="circle">
-            <a:fillToRect l="50000" t="50000" r="50000" b="50000"/>
-          </a:path>
-        </a:gradFill>
-      </a:bgFillStyleLst>
-    </a:fmtScheme>
-  </a:themeElements>
-</a:theme>
 </file>
--- a/Lecture slides/AMOS C01 - Demo Day Preparation.pptx
+++ b/Lecture slides/AMOS C01 - Demo Day Preparation.pptx
@@ -4309,148 +4309,6 @@
       <p:sp>
         <p:nvSpPr>
           <p:cNvPr id="19" name="Google Shape;19;p4"/>
-          <p:cNvSpPr txBox="1"/>
-          <p:nvPr>
-            <p:ph idx="12" type="sldNum"/>
-          </p:nvPr>
-        </p:nvSpPr>
-        <p:spPr>
-          <a:xfrm>
-            <a:off x="7315202" y="4416550"/>
-            <a:ext cx="1828800" cy="731400"/>
-          </a:xfrm>
-          <a:prstGeom prst="rect">
-            <a:avLst/>
-          </a:prstGeom>
-        </p:spPr>
-        <p:txBody>
-          <a:bodyPr anchorCtr="0" anchor="b" bIns="91425" lIns="91425" spcFirstLastPara="1" rIns="91425" wrap="square" tIns="91425">
-            <a:noAutofit/>
-          </a:bodyPr>
-          <a:lstStyle>
-            <a:lvl1pPr lvl="0">
-              <a:buNone/>
-              <a:defRPr>
-                <a:solidFill>
-                  <a:schemeClr val="dk1"/>
-                </a:solidFill>
-              </a:defRPr>
-            </a:lvl1pPr>
-            <a:lvl2pPr lvl="1">
-              <a:buNone/>
-              <a:defRPr>
-                <a:solidFill>
-                  <a:schemeClr val="dk1"/>
-                </a:solidFill>
-              </a:defRPr>
-            </a:lvl2pPr>
-            <a:lvl3pPr lvl="2">
-              <a:buNone/>
-              <a:defRPr>
-                <a:solidFill>
-                  <a:schemeClr val="dk1"/>
-                </a:solidFill>
-              </a:defRPr>
-            </a:lvl3pPr>
-            <a:lvl4pPr lvl="3">
-              <a:buNone/>
-              <a:defRPr>
-                <a:solidFill>
-                  <a:schemeClr val="dk1"/>
-                </a:solidFill>
-              </a:defRPr>
-            </a:lvl4pPr>
-            <a:lvl5pPr lvl="4">
-              <a:buNone/>
-              <a:defRPr>
-                <a:solidFill>
-                  <a:schemeClr val="dk1"/>
-                </a:solidFill>
-              </a:defRPr>
-            </a:lvl5pPr>
-            <a:lvl6pPr lvl="5">
-              <a:buNone/>
-              <a:defRPr>
-                <a:solidFill>
-                  <a:schemeClr val="dk1"/>
-                </a:solidFill>
-              </a:defRPr>
-            </a:lvl6pPr>
-            <a:lvl7pPr lvl="6">
-              <a:buNone/>
-              <a:defRPr>
-                <a:solidFill>
-                  <a:schemeClr val="dk1"/>
-                </a:solidFill>
-              </a:defRPr>
-            </a:lvl7pPr>
-            <a:lvl8pPr lvl="7">
-              <a:buNone/>
-              <a:defRPr>
-                <a:solidFill>
-                  <a:schemeClr val="dk1"/>
-                </a:solidFill>
-              </a:defRPr>
-            </a:lvl8pPr>
-            <a:lvl9pPr lvl="8">
-              <a:buNone/>
-              <a:defRPr>
-                <a:solidFill>
-                  <a:schemeClr val="dk1"/>
-                </a:solidFill>
-              </a:defRPr>
-            </a:lvl9pPr>
-          </a:lstStyle>
-          <a:p>
-            <a:pPr indent="0" lvl="0" marL="0" rtl="0" algn="r">
-              <a:spcBef>
-                <a:spcPts val="0"/>
-              </a:spcBef>
-              <a:spcAft>
-                <a:spcPts val="0"/>
-              </a:spcAft>
-              <a:buNone/>
-            </a:pPr>
-            <a:fld id="{00000000-1234-1234-1234-123412341234}" type="slidenum">
-              <a:rPr lang="en"/>
-              <a:t>‹#›</a:t>
-            </a:fld>
-            <a:endParaRPr/>
-          </a:p>
-          <a:p>
-            <a:pPr indent="0" lvl="0" marL="0" rtl="0" algn="r">
-              <a:spcBef>
-                <a:spcPts val="0"/>
-              </a:spcBef>
-              <a:spcAft>
-                <a:spcPts val="0"/>
-              </a:spcAft>
-              <a:buNone/>
-            </a:pPr>
-            <a:r>
-              <a:rPr b="0" lang="en" sz="900" u="sng">
-                <a:solidFill>
-                  <a:schemeClr val="hlink"/>
-                </a:solidFill>
-                <a:hlinkClick r:id="rId2"/>
-              </a:rPr>
-              <a:t>https://profriehle.com</a:t>
-            </a:r>
-            <a:r>
-              <a:rPr b="0" lang="en" sz="900">
-                <a:solidFill>
-                  <a:schemeClr val="dk2"/>
-                </a:solidFill>
-              </a:rPr>
-              <a:t> </a:t>
-            </a:r>
-            <a:endParaRPr/>
-          </a:p>
-        </p:txBody>
-      </p:sp>
-      <p:sp>
-        <p:nvSpPr>
-          <p:cNvPr id="20" name="Google Shape;20;p4"/>
           <p:cNvSpPr/>
           <p:nvPr/>
         </p:nvSpPr>
@@ -4492,6 +4350,147 @@
                 <a:schemeClr val="dk1"/>
               </a:solidFill>
             </a:endParaRPr>
+          </a:p>
+        </p:txBody>
+      </p:sp>
+      <p:sp>
+        <p:nvSpPr>
+          <p:cNvPr id="20" name="Google Shape;20;p4"/>
+          <p:cNvSpPr txBox="1"/>
+          <p:nvPr>
+            <p:ph idx="12" type="sldNum"/>
+          </p:nvPr>
+        </p:nvSpPr>
+        <p:spPr>
+          <a:xfrm>
+            <a:off x="7315202" y="4229100"/>
+            <a:ext cx="1828800" cy="914400"/>
+          </a:xfrm>
+          <a:prstGeom prst="rect">
+            <a:avLst/>
+          </a:prstGeom>
+          <a:ln>
+            <a:noFill/>
+          </a:ln>
+        </p:spPr>
+        <p:txBody>
+          <a:bodyPr anchorCtr="0" anchor="b" bIns="91425" lIns="91425" spcFirstLastPara="1" rIns="91425" wrap="square" tIns="91425">
+            <a:noAutofit/>
+          </a:bodyPr>
+          <a:lstStyle>
+            <a:lvl1pPr lvl="0" rtl="0" algn="r">
+              <a:buNone/>
+              <a:defRPr b="1" sz="2400">
+                <a:solidFill>
+                  <a:schemeClr val="dk2"/>
+                </a:solidFill>
+              </a:defRPr>
+            </a:lvl1pPr>
+            <a:lvl2pPr lvl="1" rtl="0" algn="r">
+              <a:buNone/>
+              <a:defRPr b="1" sz="2400">
+                <a:solidFill>
+                  <a:schemeClr val="dk2"/>
+                </a:solidFill>
+              </a:defRPr>
+            </a:lvl2pPr>
+            <a:lvl3pPr lvl="2" rtl="0" algn="r">
+              <a:buNone/>
+              <a:defRPr b="1" sz="2400">
+                <a:solidFill>
+                  <a:schemeClr val="dk2"/>
+                </a:solidFill>
+              </a:defRPr>
+            </a:lvl3pPr>
+            <a:lvl4pPr lvl="3" rtl="0" algn="r">
+              <a:buNone/>
+              <a:defRPr b="1" sz="2400">
+                <a:solidFill>
+                  <a:schemeClr val="dk2"/>
+                </a:solidFill>
+              </a:defRPr>
+            </a:lvl4pPr>
+            <a:lvl5pPr lvl="4" rtl="0" algn="r">
+              <a:buNone/>
+              <a:defRPr b="1" sz="2400">
+                <a:solidFill>
+                  <a:schemeClr val="dk2"/>
+                </a:solidFill>
+              </a:defRPr>
+            </a:lvl5pPr>
+            <a:lvl6pPr lvl="5" rtl="0" algn="r">
+              <a:buNone/>
+              <a:defRPr b="1" sz="2400">
+                <a:solidFill>
+                  <a:schemeClr val="dk2"/>
+                </a:solidFill>
+              </a:defRPr>
+            </a:lvl6pPr>
+            <a:lvl7pPr lvl="6" rtl="0" algn="r">
+              <a:buNone/>
+              <a:defRPr b="1" sz="2400">
+                <a:solidFill>
+                  <a:schemeClr val="dk2"/>
+                </a:solidFill>
+              </a:defRPr>
+            </a:lvl7pPr>
+            <a:lvl8pPr lvl="7" rtl="0" algn="r">
+              <a:buNone/>
+              <a:defRPr b="1" sz="2400">
+                <a:solidFill>
+                  <a:schemeClr val="dk2"/>
+                </a:solidFill>
+              </a:defRPr>
+            </a:lvl8pPr>
+            <a:lvl9pPr lvl="8" rtl="0" algn="r">
+              <a:buNone/>
+              <a:defRPr b="1" sz="2400">
+                <a:solidFill>
+                  <a:schemeClr val="dk2"/>
+                </a:solidFill>
+              </a:defRPr>
+            </a:lvl9pPr>
+          </a:lstStyle>
+          <a:p>
+            <a:pPr indent="0" lvl="0" marL="0" rtl="0" algn="r">
+              <a:spcBef>
+                <a:spcPts val="0"/>
+              </a:spcBef>
+              <a:spcAft>
+                <a:spcPts val="0"/>
+              </a:spcAft>
+              <a:buNone/>
+            </a:pPr>
+            <a:fld id="{00000000-1234-1234-1234-123412341234}" type="slidenum">
+              <a:rPr lang="en"/>
+              <a:t>‹#›</a:t>
+            </a:fld>
+            <a:endParaRPr/>
+          </a:p>
+          <a:p>
+            <a:pPr indent="0" lvl="0" marL="0" rtl="0" algn="r">
+              <a:spcBef>
+                <a:spcPts val="0"/>
+              </a:spcBef>
+              <a:spcAft>
+                <a:spcPts val="0"/>
+              </a:spcAft>
+              <a:buNone/>
+            </a:pPr>
+            <a:r>
+              <a:rPr b="0" lang="en" sz="900" u="sng">
+                <a:solidFill>
+                  <a:schemeClr val="hlink"/>
+                </a:solidFill>
+                <a:hlinkClick r:id="rId2"/>
+              </a:rPr>
+              <a:t>uni1.de/amos</a:t>
+            </a:r>
+            <a:r>
+              <a:rPr b="0" lang="en" sz="900"/>
+              <a:t> </a:t>
+            </a:r>
+            <a:endParaRPr b="0" sz="900"/>
           </a:p>
         </p:txBody>
       </p:sp>
@@ -4901,148 +4900,6 @@
       <p:sp>
         <p:nvSpPr>
           <p:cNvPr id="25" name="Google Shape;25;p5"/>
-          <p:cNvSpPr txBox="1"/>
-          <p:nvPr>
-            <p:ph idx="12" type="sldNum"/>
-          </p:nvPr>
-        </p:nvSpPr>
-        <p:spPr>
-          <a:xfrm>
-            <a:off x="7315202" y="4416550"/>
-            <a:ext cx="1828800" cy="731400"/>
-          </a:xfrm>
-          <a:prstGeom prst="rect">
-            <a:avLst/>
-          </a:prstGeom>
-        </p:spPr>
-        <p:txBody>
-          <a:bodyPr anchorCtr="0" anchor="b" bIns="91425" lIns="91425" spcFirstLastPara="1" rIns="91425" wrap="square" tIns="91425">
-            <a:noAutofit/>
-          </a:bodyPr>
-          <a:lstStyle>
-            <a:lvl1pPr lvl="0">
-              <a:buNone/>
-              <a:defRPr>
-                <a:solidFill>
-                  <a:schemeClr val="dk1"/>
-                </a:solidFill>
-              </a:defRPr>
-            </a:lvl1pPr>
-            <a:lvl2pPr lvl="1">
-              <a:buNone/>
-              <a:defRPr>
-                <a:solidFill>
-                  <a:schemeClr val="dk1"/>
-                </a:solidFill>
-              </a:defRPr>
-            </a:lvl2pPr>
-            <a:lvl3pPr lvl="2">
-              <a:buNone/>
-              <a:defRPr>
-                <a:solidFill>
-                  <a:schemeClr val="dk1"/>
-                </a:solidFill>
-              </a:defRPr>
-            </a:lvl3pPr>
-            <a:lvl4pPr lvl="3">
-              <a:buNone/>
-              <a:defRPr>
-                <a:solidFill>
-                  <a:schemeClr val="dk1"/>
-                </a:solidFill>
-              </a:defRPr>
-            </a:lvl4pPr>
-            <a:lvl5pPr lvl="4">
-              <a:buNone/>
-              <a:defRPr>
-                <a:solidFill>
-                  <a:schemeClr val="dk1"/>
-                </a:solidFill>
-              </a:defRPr>
-            </a:lvl5pPr>
-            <a:lvl6pPr lvl="5">
-              <a:buNone/>
-              <a:defRPr>
-                <a:solidFill>
-                  <a:schemeClr val="dk1"/>
-                </a:solidFill>
-              </a:defRPr>
-            </a:lvl6pPr>
-            <a:lvl7pPr lvl="6">
-              <a:buNone/>
-              <a:defRPr>
-                <a:solidFill>
-                  <a:schemeClr val="dk1"/>
-                </a:solidFill>
-              </a:defRPr>
-            </a:lvl7pPr>
-            <a:lvl8pPr lvl="7">
-              <a:buNone/>
-              <a:defRPr>
-                <a:solidFill>
-                  <a:schemeClr val="dk1"/>
-                </a:solidFill>
-              </a:defRPr>
-            </a:lvl8pPr>
-            <a:lvl9pPr lvl="8">
-              <a:buNone/>
-              <a:defRPr>
-                <a:solidFill>
-                  <a:schemeClr val="dk1"/>
-                </a:solidFill>
-              </a:defRPr>
-            </a:lvl9pPr>
-          </a:lstStyle>
-          <a:p>
-            <a:pPr indent="0" lvl="0" marL="0" rtl="0" algn="r">
-              <a:spcBef>
-                <a:spcPts val="0"/>
-              </a:spcBef>
-              <a:spcAft>
-                <a:spcPts val="0"/>
-              </a:spcAft>
-              <a:buNone/>
-            </a:pPr>
-            <a:fld id="{00000000-1234-1234-1234-123412341234}" type="slidenum">
-              <a:rPr lang="en"/>
-              <a:t>‹#›</a:t>
-            </a:fld>
-            <a:endParaRPr/>
-          </a:p>
-          <a:p>
-            <a:pPr indent="0" lvl="0" marL="0" rtl="0" algn="r">
-              <a:spcBef>
-                <a:spcPts val="0"/>
-              </a:spcBef>
-              <a:spcAft>
-                <a:spcPts val="0"/>
-              </a:spcAft>
-              <a:buNone/>
-            </a:pPr>
-            <a:r>
-              <a:rPr b="0" lang="en" sz="900" u="sng">
-                <a:solidFill>
-                  <a:schemeClr val="hlink"/>
-                </a:solidFill>
-                <a:hlinkClick r:id="rId2"/>
-              </a:rPr>
-              <a:t>https://profriehle.com</a:t>
-            </a:r>
-            <a:r>
-              <a:rPr b="0" lang="en" sz="900">
-                <a:solidFill>
-                  <a:schemeClr val="dk2"/>
-                </a:solidFill>
-              </a:rPr>
-              <a:t> </a:t>
-            </a:r>
-            <a:endParaRPr/>
-          </a:p>
-        </p:txBody>
-      </p:sp>
-      <p:sp>
-        <p:nvSpPr>
-          <p:cNvPr id="26" name="Google Shape;26;p5"/>
           <p:cNvSpPr/>
           <p:nvPr/>
         </p:nvSpPr>
@@ -5084,6 +4941,147 @@
                 <a:schemeClr val="dk1"/>
               </a:solidFill>
             </a:endParaRPr>
+          </a:p>
+        </p:txBody>
+      </p:sp>
+      <p:sp>
+        <p:nvSpPr>
+          <p:cNvPr id="26" name="Google Shape;26;p5"/>
+          <p:cNvSpPr txBox="1"/>
+          <p:nvPr>
+            <p:ph idx="12" type="sldNum"/>
+          </p:nvPr>
+        </p:nvSpPr>
+        <p:spPr>
+          <a:xfrm>
+            <a:off x="7315202" y="4229100"/>
+            <a:ext cx="1828800" cy="914400"/>
+          </a:xfrm>
+          <a:prstGeom prst="rect">
+            <a:avLst/>
+          </a:prstGeom>
+          <a:ln>
+            <a:noFill/>
+          </a:ln>
+        </p:spPr>
+        <p:txBody>
+          <a:bodyPr anchorCtr="0" anchor="b" bIns="91425" lIns="91425" spcFirstLastPara="1" rIns="91425" wrap="square" tIns="91425">
+            <a:noAutofit/>
+          </a:bodyPr>
+          <a:lstStyle>
+            <a:lvl1pPr lvl="0" rtl="0" algn="r">
+              <a:buNone/>
+              <a:defRPr b="1" sz="2400">
+                <a:solidFill>
+                  <a:schemeClr val="dk2"/>
+                </a:solidFill>
+              </a:defRPr>
+            </a:lvl1pPr>
+            <a:lvl2pPr lvl="1" rtl="0" algn="r">
+              <a:buNone/>
+              <a:defRPr b="1" sz="2400">
+                <a:solidFill>
+                  <a:schemeClr val="dk2"/>
+                </a:solidFill>
+              </a:defRPr>
+            </a:lvl2pPr>
+            <a:lvl3pPr lvl="2" rtl="0" algn="r">
+              <a:buNone/>
+              <a:defRPr b="1" sz="2400">
+                <a:solidFill>
+                  <a:schemeClr val="dk2"/>
+                </a:solidFill>
+              </a:defRPr>
+            </a:lvl3pPr>
+            <a:lvl4pPr lvl="3" rtl="0" algn="r">
+              <a:buNone/>
+              <a:defRPr b="1" sz="2400">
+                <a:solidFill>
+                  <a:schemeClr val="dk2"/>
+                </a:solidFill>
+              </a:defRPr>
+            </a:lvl4pPr>
+            <a:lvl5pPr lvl="4" rtl="0" algn="r">
+              <a:buNone/>
+              <a:defRPr b="1" sz="2400">
+                <a:solidFill>
+                  <a:schemeClr val="dk2"/>
+                </a:solidFill>
+              </a:defRPr>
+            </a:lvl5pPr>
+            <a:lvl6pPr lvl="5" rtl="0" algn="r">
+              <a:buNone/>
+              <a:defRPr b="1" sz="2400">
+                <a:solidFill>
+                  <a:schemeClr val="dk2"/>
+                </a:solidFill>
+              </a:defRPr>
+            </a:lvl6pPr>
+            <a:lvl7pPr lvl="6" rtl="0" algn="r">
+              <a:buNone/>
+              <a:defRPr b="1" sz="2400">
+                <a:solidFill>
+                  <a:schemeClr val="dk2"/>
+                </a:solidFill>
+              </a:defRPr>
+            </a:lvl7pPr>
+            <a:lvl8pPr lvl="7" rtl="0" algn="r">
+              <a:buNone/>
+              <a:defRPr b="1" sz="2400">
+                <a:solidFill>
+                  <a:schemeClr val="dk2"/>
+                </a:solidFill>
+              </a:defRPr>
+            </a:lvl8pPr>
+            <a:lvl9pPr lvl="8" rtl="0" algn="r">
+              <a:buNone/>
+              <a:defRPr b="1" sz="2400">
+                <a:solidFill>
+                  <a:schemeClr val="dk2"/>
+                </a:solidFill>
+              </a:defRPr>
+            </a:lvl9pPr>
+          </a:lstStyle>
+          <a:p>
+            <a:pPr indent="0" lvl="0" marL="0" rtl="0" algn="r">
+              <a:spcBef>
+                <a:spcPts val="0"/>
+              </a:spcBef>
+              <a:spcAft>
+                <a:spcPts val="0"/>
+              </a:spcAft>
+              <a:buNone/>
+            </a:pPr>
+            <a:fld id="{00000000-1234-1234-1234-123412341234}" type="slidenum">
+              <a:rPr lang="en"/>
+              <a:t>‹#›</a:t>
+            </a:fld>
+            <a:endParaRPr/>
+          </a:p>
+          <a:p>
+            <a:pPr indent="0" lvl="0" marL="0" rtl="0" algn="r">
+              <a:spcBef>
+                <a:spcPts val="0"/>
+              </a:spcBef>
+              <a:spcAft>
+                <a:spcPts val="0"/>
+              </a:spcAft>
+              <a:buNone/>
+            </a:pPr>
+            <a:r>
+              <a:rPr b="0" lang="en" sz="900" u="sng">
+                <a:solidFill>
+                  <a:schemeClr val="hlink"/>
+                </a:solidFill>
+                <a:hlinkClick r:id="rId2"/>
+              </a:rPr>
+              <a:t>uni1.de/amos</a:t>
+            </a:r>
+            <a:r>
+              <a:rPr b="0" lang="en" sz="900"/>
+              <a:t> </a:t>
+            </a:r>
+            <a:endParaRPr b="0" sz="900"/>
           </a:p>
         </p:txBody>
       </p:sp>
@@ -5240,148 +5238,6 @@
       <p:sp>
         <p:nvSpPr>
           <p:cNvPr id="29" name="Google Shape;29;p6"/>
-          <p:cNvSpPr txBox="1"/>
-          <p:nvPr>
-            <p:ph idx="12" type="sldNum"/>
-          </p:nvPr>
-        </p:nvSpPr>
-        <p:spPr>
-          <a:xfrm>
-            <a:off x="7315202" y="4416550"/>
-            <a:ext cx="1828800" cy="731400"/>
-          </a:xfrm>
-          <a:prstGeom prst="rect">
-            <a:avLst/>
-          </a:prstGeom>
-        </p:spPr>
-        <p:txBody>
-          <a:bodyPr anchorCtr="0" anchor="b" bIns="91425" lIns="91425" spcFirstLastPara="1" rIns="91425" wrap="square" tIns="91425">
-            <a:noAutofit/>
-          </a:bodyPr>
-          <a:lstStyle>
-            <a:lvl1pPr lvl="0">
-              <a:buNone/>
-              <a:defRPr>
-                <a:solidFill>
-                  <a:schemeClr val="dk1"/>
-                </a:solidFill>
-              </a:defRPr>
-            </a:lvl1pPr>
-            <a:lvl2pPr lvl="1">
-              <a:buNone/>
-              <a:defRPr>
-                <a:solidFill>
-                  <a:schemeClr val="dk1"/>
-                </a:solidFill>
-              </a:defRPr>
-            </a:lvl2pPr>
-            <a:lvl3pPr lvl="2">
-              <a:buNone/>
-              <a:defRPr>
-                <a:solidFill>
-                  <a:schemeClr val="dk1"/>
-                </a:solidFill>
-              </a:defRPr>
-            </a:lvl3pPr>
-            <a:lvl4pPr lvl="3">
-              <a:buNone/>
-              <a:defRPr>
-                <a:solidFill>
-                  <a:schemeClr val="dk1"/>
-                </a:solidFill>
-              </a:defRPr>
-            </a:lvl4pPr>
-            <a:lvl5pPr lvl="4">
-              <a:buNone/>
-              <a:defRPr>
-                <a:solidFill>
-                  <a:schemeClr val="dk1"/>
-                </a:solidFill>
-              </a:defRPr>
-            </a:lvl5pPr>
-            <a:lvl6pPr lvl="5">
-              <a:buNone/>
-              <a:defRPr>
-                <a:solidFill>
-                  <a:schemeClr val="dk1"/>
-                </a:solidFill>
-              </a:defRPr>
-            </a:lvl6pPr>
-            <a:lvl7pPr lvl="6">
-              <a:buNone/>
-              <a:defRPr>
-                <a:solidFill>
-                  <a:schemeClr val="dk1"/>
-                </a:solidFill>
-              </a:defRPr>
-            </a:lvl7pPr>
-            <a:lvl8pPr lvl="7">
-              <a:buNone/>
-              <a:defRPr>
-                <a:solidFill>
-                  <a:schemeClr val="dk1"/>
-                </a:solidFill>
-              </a:defRPr>
-            </a:lvl8pPr>
-            <a:lvl9pPr lvl="8">
-              <a:buNone/>
-              <a:defRPr>
-                <a:solidFill>
-                  <a:schemeClr val="dk1"/>
-                </a:solidFill>
-              </a:defRPr>
-            </a:lvl9pPr>
-          </a:lstStyle>
-          <a:p>
-            <a:pPr indent="0" lvl="0" marL="0" rtl="0" algn="r">
-              <a:spcBef>
-                <a:spcPts val="0"/>
-              </a:spcBef>
-              <a:spcAft>
-                <a:spcPts val="0"/>
-              </a:spcAft>
-              <a:buNone/>
-            </a:pPr>
-            <a:fld id="{00000000-1234-1234-1234-123412341234}" type="slidenum">
-              <a:rPr lang="en"/>
-              <a:t>‹#›</a:t>
-            </a:fld>
-            <a:endParaRPr/>
-          </a:p>
-          <a:p>
-            <a:pPr indent="0" lvl="0" marL="0" rtl="0" algn="r">
-              <a:spcBef>
-                <a:spcPts val="0"/>
-              </a:spcBef>
-              <a:spcAft>
-                <a:spcPts val="0"/>
-              </a:spcAft>
-              <a:buNone/>
-            </a:pPr>
-            <a:r>
-              <a:rPr b="0" lang="en" sz="900" u="sng">
-                <a:solidFill>
-                  <a:schemeClr val="hlink"/>
-                </a:solidFill>
-                <a:hlinkClick r:id="rId2"/>
-              </a:rPr>
-              <a:t>https://profriehle.com</a:t>
-            </a:r>
-            <a:r>
-              <a:rPr b="0" lang="en" sz="900">
-                <a:solidFill>
-                  <a:schemeClr val="dk2"/>
-                </a:solidFill>
-              </a:rPr>
-              <a:t> </a:t>
-            </a:r>
-            <a:endParaRPr/>
-          </a:p>
-        </p:txBody>
-      </p:sp>
-      <p:sp>
-        <p:nvSpPr>
-          <p:cNvPr id="30" name="Google Shape;30;p6"/>
           <p:cNvSpPr/>
           <p:nvPr/>
         </p:nvSpPr>
@@ -5419,6 +5275,147 @@
               <a:t/>
             </a:r>
             <a:endParaRPr/>
+          </a:p>
+        </p:txBody>
+      </p:sp>
+      <p:sp>
+        <p:nvSpPr>
+          <p:cNvPr id="30" name="Google Shape;30;p6"/>
+          <p:cNvSpPr txBox="1"/>
+          <p:nvPr>
+            <p:ph idx="12" type="sldNum"/>
+          </p:nvPr>
+        </p:nvSpPr>
+        <p:spPr>
+          <a:xfrm>
+            <a:off x="7315202" y="4229100"/>
+            <a:ext cx="1828800" cy="914400"/>
+          </a:xfrm>
+          <a:prstGeom prst="rect">
+            <a:avLst/>
+          </a:prstGeom>
+          <a:ln>
+            <a:noFill/>
+          </a:ln>
+        </p:spPr>
+        <p:txBody>
+          <a:bodyPr anchorCtr="0" anchor="b" bIns="91425" lIns="91425" spcFirstLastPara="1" rIns="91425" wrap="square" tIns="91425">
+            <a:noAutofit/>
+          </a:bodyPr>
+          <a:lstStyle>
+            <a:lvl1pPr lvl="0" rtl="0" algn="r">
+              <a:buNone/>
+              <a:defRPr b="1" sz="2400">
+                <a:solidFill>
+                  <a:schemeClr val="dk2"/>
+                </a:solidFill>
+              </a:defRPr>
+            </a:lvl1pPr>
+            <a:lvl2pPr lvl="1" rtl="0" algn="r">
+              <a:buNone/>
+              <a:defRPr b="1" sz="2400">
+                <a:solidFill>
+                  <a:schemeClr val="dk2"/>
+                </a:solidFill>
+              </a:defRPr>
+            </a:lvl2pPr>
+            <a:lvl3pPr lvl="2" rtl="0" algn="r">
+              <a:buNone/>
+              <a:defRPr b="1" sz="2400">
+                <a:solidFill>
+                  <a:schemeClr val="dk2"/>
+                </a:solidFill>
+              </a:defRPr>
+            </a:lvl3pPr>
+            <a:lvl4pPr lvl="3" rtl="0" algn="r">
+              <a:buNone/>
+              <a:defRPr b="1" sz="2400">
+                <a:solidFill>
+                  <a:schemeClr val="dk2"/>
+                </a:solidFill>
+              </a:defRPr>
+            </a:lvl4pPr>
+            <a:lvl5pPr lvl="4" rtl="0" algn="r">
+              <a:buNone/>
+              <a:defRPr b="1" sz="2400">
+                <a:solidFill>
+                  <a:schemeClr val="dk2"/>
+                </a:solidFill>
+              </a:defRPr>
+            </a:lvl5pPr>
+            <a:lvl6pPr lvl="5" rtl="0" algn="r">
+              <a:buNone/>
+              <a:defRPr b="1" sz="2400">
+                <a:solidFill>
+                  <a:schemeClr val="dk2"/>
+                </a:solidFill>
+              </a:defRPr>
+            </a:lvl6pPr>
+            <a:lvl7pPr lvl="6" rtl="0" algn="r">
+              <a:buNone/>
+              <a:defRPr b="1" sz="2400">
+                <a:solidFill>
+                  <a:schemeClr val="dk2"/>
+                </a:solidFill>
+              </a:defRPr>
+            </a:lvl7pPr>
+            <a:lvl8pPr lvl="7" rtl="0" algn="r">
+              <a:buNone/>
+              <a:defRPr b="1" sz="2400">
+                <a:solidFill>
+                  <a:schemeClr val="dk2"/>
+                </a:solidFill>
+              </a:defRPr>
+            </a:lvl8pPr>
+            <a:lvl9pPr lvl="8" rtl="0" algn="r">
+              <a:buNone/>
+              <a:defRPr b="1" sz="2400">
+                <a:solidFill>
+                  <a:schemeClr val="dk2"/>
+                </a:solidFill>
+              </a:defRPr>
+            </a:lvl9pPr>
+          </a:lstStyle>
+          <a:p>
+            <a:pPr indent="0" lvl="0" marL="0" rtl="0" algn="r">
+              <a:spcBef>
+                <a:spcPts val="0"/>
+              </a:spcBef>
+              <a:spcAft>
+                <a:spcPts val="0"/>
+              </a:spcAft>
+              <a:buNone/>
+            </a:pPr>
+            <a:fld id="{00000000-1234-1234-1234-123412341234}" type="slidenum">
+              <a:rPr lang="en"/>
+              <a:t>‹#›</a:t>
+            </a:fld>
+            <a:endParaRPr/>
+          </a:p>
+          <a:p>
+            <a:pPr indent="0" lvl="0" marL="0" rtl="0" algn="r">
+              <a:spcBef>
+                <a:spcPts val="0"/>
+              </a:spcBef>
+              <a:spcAft>
+                <a:spcPts val="0"/>
+              </a:spcAft>
+              <a:buNone/>
+            </a:pPr>
+            <a:r>
+              <a:rPr b="0" lang="en" sz="900" u="sng">
+                <a:solidFill>
+                  <a:schemeClr val="hlink"/>
+                </a:solidFill>
+                <a:hlinkClick r:id="rId2"/>
+              </a:rPr>
+              <a:t>uni1.de/amos</a:t>
+            </a:r>
+            <a:r>
+              <a:rPr b="0" lang="en" sz="900"/>
+              <a:t> </a:t>
+            </a:r>
+            <a:endParaRPr b="0" sz="900"/>
           </a:p>
         </p:txBody>
       </p:sp>
@@ -5900,8 +5897,8 @@
         </p:nvSpPr>
         <p:spPr>
           <a:xfrm>
-            <a:off x="7315202" y="4416550"/>
-            <a:ext cx="1828800" cy="731400"/>
+            <a:off x="7315202" y="4229100"/>
+            <a:ext cx="1828800" cy="914400"/>
           </a:xfrm>
           <a:prstGeom prst="rect">
             <a:avLst/>
@@ -6016,19 +6013,19 @@
               <a:buNone/>
             </a:pPr>
             <a:r>
-              <a:rPr b="0" lang="en" sz="900" u="sng">
+              <a:rPr b="0" lang="en" sz="1000" u="sng">
                 <a:solidFill>
                   <a:schemeClr val="hlink"/>
                 </a:solidFill>
                 <a:hlinkClick r:id="rId1"/>
               </a:rPr>
-              <a:t>https://profriehle.com</a:t>
-            </a:r>
-            <a:r>
-              <a:rPr b="0" lang="en" sz="900"/>
+              <a:t>uni1.de/amos</a:t>
+            </a:r>
+            <a:r>
+              <a:rPr b="0" lang="en" sz="1000"/>
               <a:t> </a:t>
             </a:r>
-            <a:endParaRPr b="0" sz="900"/>
+            <a:endParaRPr b="0" sz="1000"/>
           </a:p>
         </p:txBody>
       </p:sp>
@@ -6964,8 +6961,8 @@
         </p:nvSpPr>
         <p:spPr>
           <a:xfrm>
-            <a:off x="7315202" y="4416550"/>
-            <a:ext cx="1828800" cy="731400"/>
+            <a:off x="7315202" y="4229100"/>
+            <a:ext cx="1828800" cy="914400"/>
           </a:xfrm>
           <a:prstGeom prst="rect">
             <a:avLst/>
@@ -6987,10 +6984,18 @@
               <a:buNone/>
             </a:pPr>
             <a:fld id="{00000000-1234-1234-1234-123412341234}" type="slidenum">
-              <a:rPr lang="en"/>
+              <a:rPr lang="en">
+                <a:solidFill>
+                  <a:schemeClr val="dk2"/>
+                </a:solidFill>
+              </a:rPr>
               <a:t>‹#›</a:t>
             </a:fld>
-            <a:endParaRPr/>
+            <a:endParaRPr>
+              <a:solidFill>
+                <a:schemeClr val="dk2"/>
+              </a:solidFill>
+            </a:endParaRPr>
           </a:p>
           <a:p>
             <a:pPr indent="0" lvl="0" marL="0" rtl="0" algn="r">
@@ -7009,7 +7014,7 @@
                 </a:solidFill>
                 <a:hlinkClick r:id="rId3"/>
               </a:rPr>
-              <a:t>https://profriehle.com</a:t>
+              <a:t>uni1.de/amos</a:t>
             </a:r>
             <a:r>
               <a:rPr b="0" lang="en" sz="900">
@@ -7019,7 +7024,11 @@
               </a:rPr>
               <a:t> </a:t>
             </a:r>
-            <a:endParaRPr/>
+            <a:endParaRPr b="0" sz="900">
+              <a:solidFill>
+                <a:schemeClr val="dk2"/>
+              </a:solidFill>
+            </a:endParaRPr>
           </a:p>
         </p:txBody>
       </p:sp>
@@ -7180,8 +7189,8 @@
         </p:nvSpPr>
         <p:spPr>
           <a:xfrm>
-            <a:off x="7315202" y="4416550"/>
-            <a:ext cx="1828800" cy="731400"/>
+            <a:off x="7315202" y="4229100"/>
+            <a:ext cx="1828800" cy="914400"/>
           </a:xfrm>
           <a:prstGeom prst="rect">
             <a:avLst/>
@@ -7203,10 +7212,18 @@
               <a:buNone/>
             </a:pPr>
             <a:fld id="{00000000-1234-1234-1234-123412341234}" type="slidenum">
-              <a:rPr lang="en"/>
+              <a:rPr lang="en">
+                <a:solidFill>
+                  <a:schemeClr val="dk2"/>
+                </a:solidFill>
+              </a:rPr>
               <a:t>‹#›</a:t>
             </a:fld>
-            <a:endParaRPr/>
+            <a:endParaRPr>
+              <a:solidFill>
+                <a:schemeClr val="dk2"/>
+              </a:solidFill>
+            </a:endParaRPr>
           </a:p>
           <a:p>
             <a:pPr indent="0" lvl="0" marL="0" rtl="0" algn="r">
@@ -7225,7 +7242,7 @@
                 </a:solidFill>
                 <a:hlinkClick r:id="rId3"/>
               </a:rPr>
-              <a:t>https://profriehle.com</a:t>
+              <a:t>uni1.de/amos</a:t>
             </a:r>
             <a:r>
               <a:rPr b="0" lang="en" sz="900">
@@ -7235,7 +7252,11 @@
               </a:rPr>
               <a:t> </a:t>
             </a:r>
-            <a:endParaRPr/>
+            <a:endParaRPr b="0" sz="900">
+              <a:solidFill>
+                <a:schemeClr val="dk2"/>
+              </a:solidFill>
+            </a:endParaRPr>
           </a:p>
         </p:txBody>
       </p:sp>
@@ -7254,7 +7275,7 @@
             <a:tbl>
               <a:tblPr>
                 <a:noFill/>
-                <a:tableStyleId>{3606E2CB-2B6D-4F84-B6F0-1206EEAF1C76}</a:tableStyleId>
+                <a:tableStyleId>{A43B771E-8FA1-41C3-A1AB-BAEB3866DD78}</a:tableStyleId>
               </a:tblPr>
               <a:tblGrid>
                 <a:gridCol w="1315250"/>
@@ -8115,8 +8136,8 @@
         </p:nvSpPr>
         <p:spPr>
           <a:xfrm>
-            <a:off x="7315202" y="4416550"/>
-            <a:ext cx="1828800" cy="731400"/>
+            <a:off x="7315202" y="4229100"/>
+            <a:ext cx="1828800" cy="914400"/>
           </a:xfrm>
           <a:prstGeom prst="rect">
             <a:avLst/>
@@ -8138,10 +8159,18 @@
               <a:buNone/>
             </a:pPr>
             <a:fld id="{00000000-1234-1234-1234-123412341234}" type="slidenum">
-              <a:rPr lang="en"/>
+              <a:rPr lang="en">
+                <a:solidFill>
+                  <a:schemeClr val="dk2"/>
+                </a:solidFill>
+              </a:rPr>
               <a:t>‹#›</a:t>
             </a:fld>
-            <a:endParaRPr/>
+            <a:endParaRPr>
+              <a:solidFill>
+                <a:schemeClr val="dk2"/>
+              </a:solidFill>
+            </a:endParaRPr>
           </a:p>
           <a:p>
             <a:pPr indent="0" lvl="0" marL="0" rtl="0" algn="r">
@@ -8160,7 +8189,7 @@
                 </a:solidFill>
                 <a:hlinkClick r:id="rId3"/>
               </a:rPr>
-              <a:t>https://profriehle.com</a:t>
+              <a:t>uni1.de/amos</a:t>
             </a:r>
             <a:r>
               <a:rPr b="0" lang="en" sz="900">
@@ -8170,7 +8199,11 @@
               </a:rPr>
               <a:t> </a:t>
             </a:r>
-            <a:endParaRPr/>
+            <a:endParaRPr b="0" sz="900">
+              <a:solidFill>
+                <a:schemeClr val="dk2"/>
+              </a:solidFill>
+            </a:endParaRPr>
           </a:p>
         </p:txBody>
       </p:sp>
@@ -8746,8 +8779,8 @@
         </p:nvSpPr>
         <p:spPr>
           <a:xfrm>
-            <a:off x="7315202" y="4416550"/>
-            <a:ext cx="1828800" cy="731400"/>
+            <a:off x="7315202" y="4229100"/>
+            <a:ext cx="1828800" cy="914400"/>
           </a:xfrm>
           <a:prstGeom prst="rect">
             <a:avLst/>
@@ -8769,10 +8802,18 @@
               <a:buNone/>
             </a:pPr>
             <a:fld id="{00000000-1234-1234-1234-123412341234}" type="slidenum">
-              <a:rPr lang="en"/>
+              <a:rPr lang="en">
+                <a:solidFill>
+                  <a:schemeClr val="dk2"/>
+                </a:solidFill>
+              </a:rPr>
               <a:t>‹#›</a:t>
             </a:fld>
-            <a:endParaRPr/>
+            <a:endParaRPr>
+              <a:solidFill>
+                <a:schemeClr val="dk2"/>
+              </a:solidFill>
+            </a:endParaRPr>
           </a:p>
           <a:p>
             <a:pPr indent="0" lvl="0" marL="0" rtl="0" algn="r">
@@ -8791,7 +8832,7 @@
                 </a:solidFill>
                 <a:hlinkClick r:id="rId3"/>
               </a:rPr>
-              <a:t>https://profriehle.com</a:t>
+              <a:t>uni1.de/amos</a:t>
             </a:r>
             <a:r>
               <a:rPr b="0" lang="en" sz="900">
@@ -8801,7 +8842,11 @@
               </a:rPr>
               <a:t> </a:t>
             </a:r>
-            <a:endParaRPr/>
+            <a:endParaRPr b="0" sz="900">
+              <a:solidFill>
+                <a:schemeClr val="dk2"/>
+              </a:solidFill>
+            </a:endParaRPr>
           </a:p>
         </p:txBody>
       </p:sp>
@@ -8981,8 +9026,8 @@
         </p:nvSpPr>
         <p:spPr>
           <a:xfrm>
-            <a:off x="7315202" y="4416550"/>
-            <a:ext cx="1828800" cy="731400"/>
+            <a:off x="7315202" y="4229100"/>
+            <a:ext cx="1828800" cy="914400"/>
           </a:xfrm>
           <a:prstGeom prst="rect">
             <a:avLst/>
@@ -9004,10 +9049,18 @@
               <a:buNone/>
             </a:pPr>
             <a:fld id="{00000000-1234-1234-1234-123412341234}" type="slidenum">
-              <a:rPr lang="en"/>
+              <a:rPr lang="en">
+                <a:solidFill>
+                  <a:schemeClr val="dk2"/>
+                </a:solidFill>
+              </a:rPr>
               <a:t>‹#›</a:t>
             </a:fld>
-            <a:endParaRPr/>
+            <a:endParaRPr>
+              <a:solidFill>
+                <a:schemeClr val="dk2"/>
+              </a:solidFill>
+            </a:endParaRPr>
           </a:p>
           <a:p>
             <a:pPr indent="0" lvl="0" marL="0" rtl="0" algn="r">
@@ -9026,7 +9079,7 @@
                 </a:solidFill>
                 <a:hlinkClick r:id="rId3"/>
               </a:rPr>
-              <a:t>https://profriehle.com</a:t>
+              <a:t>uni1.de/amos</a:t>
             </a:r>
             <a:r>
               <a:rPr b="0" lang="en" sz="900">
@@ -9036,7 +9089,11 @@
               </a:rPr>
               <a:t> </a:t>
             </a:r>
-            <a:endParaRPr/>
+            <a:endParaRPr b="0" sz="900">
+              <a:solidFill>
+                <a:schemeClr val="dk2"/>
+              </a:solidFill>
+            </a:endParaRPr>
           </a:p>
         </p:txBody>
       </p:sp>
@@ -9189,8 +9246,8 @@
         </p:nvSpPr>
         <p:spPr>
           <a:xfrm>
-            <a:off x="7315202" y="4416550"/>
-            <a:ext cx="1828800" cy="731400"/>
+            <a:off x="7315202" y="4229100"/>
+            <a:ext cx="1828800" cy="914400"/>
           </a:xfrm>
           <a:prstGeom prst="rect">
             <a:avLst/>
@@ -9212,10 +9269,18 @@
               <a:buNone/>
             </a:pPr>
             <a:fld id="{00000000-1234-1234-1234-123412341234}" type="slidenum">
-              <a:rPr lang="en"/>
+              <a:rPr lang="en">
+                <a:solidFill>
+                  <a:schemeClr val="dk2"/>
+                </a:solidFill>
+              </a:rPr>
               <a:t>‹#›</a:t>
             </a:fld>
-            <a:endParaRPr/>
+            <a:endParaRPr>
+              <a:solidFill>
+                <a:schemeClr val="dk2"/>
+              </a:solidFill>
+            </a:endParaRPr>
           </a:p>
           <a:p>
             <a:pPr indent="0" lvl="0" marL="0" rtl="0" algn="r">
@@ -9234,7 +9299,7 @@
                 </a:solidFill>
                 <a:hlinkClick r:id="rId3"/>
               </a:rPr>
-              <a:t>https://profriehle.com</a:t>
+              <a:t>uni1.de/amos</a:t>
             </a:r>
             <a:r>
               <a:rPr b="0" lang="en" sz="900">
@@ -9244,7 +9309,11 @@
               </a:rPr>
               <a:t> </a:t>
             </a:r>
-            <a:endParaRPr/>
+            <a:endParaRPr b="0" sz="900">
+              <a:solidFill>
+                <a:schemeClr val="dk2"/>
+              </a:solidFill>
+            </a:endParaRPr>
           </a:p>
         </p:txBody>
       </p:sp>
@@ -9432,8 +9501,8 @@
         </p:nvSpPr>
         <p:spPr>
           <a:xfrm>
-            <a:off x="7315202" y="4416550"/>
-            <a:ext cx="1828800" cy="731400"/>
+            <a:off x="7315202" y="4229100"/>
+            <a:ext cx="1828800" cy="914400"/>
           </a:xfrm>
           <a:prstGeom prst="rect">
             <a:avLst/>
@@ -9455,10 +9524,18 @@
               <a:buNone/>
             </a:pPr>
             <a:fld id="{00000000-1234-1234-1234-123412341234}" type="slidenum">
-              <a:rPr lang="en"/>
+              <a:rPr lang="en">
+                <a:solidFill>
+                  <a:schemeClr val="dk2"/>
+                </a:solidFill>
+              </a:rPr>
               <a:t>‹#›</a:t>
             </a:fld>
-            <a:endParaRPr/>
+            <a:endParaRPr>
+              <a:solidFill>
+                <a:schemeClr val="dk2"/>
+              </a:solidFill>
+            </a:endParaRPr>
           </a:p>
           <a:p>
             <a:pPr indent="0" lvl="0" marL="0" rtl="0" algn="r">
@@ -9477,7 +9554,7 @@
                 </a:solidFill>
                 <a:hlinkClick r:id="rId3"/>
               </a:rPr>
-              <a:t>https://profriehle.com</a:t>
+              <a:t>uni1.de/amos</a:t>
             </a:r>
             <a:r>
               <a:rPr b="0" lang="en" sz="900">
@@ -9487,7 +9564,11 @@
               </a:rPr>
               <a:t> </a:t>
             </a:r>
-            <a:endParaRPr/>
+            <a:endParaRPr b="0" sz="900">
+              <a:solidFill>
+                <a:schemeClr val="dk2"/>
+              </a:solidFill>
+            </a:endParaRPr>
           </a:p>
         </p:txBody>
       </p:sp>
@@ -9606,8 +9687,8 @@
         </p:nvSpPr>
         <p:spPr>
           <a:xfrm>
-            <a:off x="7315202" y="4416550"/>
-            <a:ext cx="1828800" cy="731400"/>
+            <a:off x="7315202" y="4229100"/>
+            <a:ext cx="1828800" cy="914400"/>
           </a:xfrm>
           <a:prstGeom prst="rect">
             <a:avLst/>
@@ -9629,10 +9710,18 @@
               <a:buNone/>
             </a:pPr>
             <a:fld id="{00000000-1234-1234-1234-123412341234}" type="slidenum">
-              <a:rPr lang="en"/>
+              <a:rPr lang="en">
+                <a:solidFill>
+                  <a:schemeClr val="dk2"/>
+                </a:solidFill>
+              </a:rPr>
               <a:t>‹#›</a:t>
             </a:fld>
-            <a:endParaRPr/>
+            <a:endParaRPr>
+              <a:solidFill>
+                <a:schemeClr val="dk2"/>
+              </a:solidFill>
+            </a:endParaRPr>
           </a:p>
           <a:p>
             <a:pPr indent="0" lvl="0" marL="0" rtl="0" algn="r">
@@ -9651,7 +9740,7 @@
                 </a:solidFill>
                 <a:hlinkClick r:id="rId3"/>
               </a:rPr>
-              <a:t>https://profriehle.com</a:t>
+              <a:t>uni1.de/amos</a:t>
             </a:r>
             <a:r>
               <a:rPr b="0" lang="en" sz="900">
@@ -9661,7 +9750,11 @@
               </a:rPr>
               <a:t> </a:t>
             </a:r>
-            <a:endParaRPr/>
+            <a:endParaRPr b="0" sz="900">
+              <a:solidFill>
+                <a:schemeClr val="dk2"/>
+              </a:solidFill>
+            </a:endParaRPr>
           </a:p>
         </p:txBody>
       </p:sp>
@@ -9780,8 +9873,8 @@
         </p:nvSpPr>
         <p:spPr>
           <a:xfrm>
-            <a:off x="7315202" y="4416550"/>
-            <a:ext cx="1828800" cy="731400"/>
+            <a:off x="7315202" y="4229100"/>
+            <a:ext cx="1828800" cy="914400"/>
           </a:xfrm>
           <a:prstGeom prst="rect">
             <a:avLst/>
@@ -9803,10 +9896,18 @@
               <a:buNone/>
             </a:pPr>
             <a:fld id="{00000000-1234-1234-1234-123412341234}" type="slidenum">
-              <a:rPr lang="en"/>
+              <a:rPr lang="en">
+                <a:solidFill>
+                  <a:schemeClr val="dk2"/>
+                </a:solidFill>
+              </a:rPr>
               <a:t>‹#›</a:t>
             </a:fld>
-            <a:endParaRPr/>
+            <a:endParaRPr>
+              <a:solidFill>
+                <a:schemeClr val="dk2"/>
+              </a:solidFill>
+            </a:endParaRPr>
           </a:p>
           <a:p>
             <a:pPr indent="0" lvl="0" marL="0" rtl="0" algn="r">
@@ -9825,7 +9926,7 @@
                 </a:solidFill>
                 <a:hlinkClick r:id="rId3"/>
               </a:rPr>
-              <a:t>https://profriehle.com</a:t>
+              <a:t>uni1.de/amos</a:t>
             </a:r>
             <a:r>
               <a:rPr b="0" lang="en" sz="900">
@@ -9835,7 +9936,11 @@
               </a:rPr>
               <a:t> </a:t>
             </a:r>
-            <a:endParaRPr/>
+            <a:endParaRPr b="0" sz="900">
+              <a:solidFill>
+                <a:schemeClr val="dk2"/>
+              </a:solidFill>
+            </a:endParaRPr>
           </a:p>
         </p:txBody>
       </p:sp>
@@ -10140,8 +10245,8 @@
         </p:nvSpPr>
         <p:spPr>
           <a:xfrm>
-            <a:off x="7315202" y="4416550"/>
-            <a:ext cx="1828800" cy="731400"/>
+            <a:off x="7315202" y="4229100"/>
+            <a:ext cx="1828800" cy="914400"/>
           </a:xfrm>
           <a:prstGeom prst="rect">
             <a:avLst/>
@@ -10163,10 +10268,18 @@
               <a:buNone/>
             </a:pPr>
             <a:fld id="{00000000-1234-1234-1234-123412341234}" type="slidenum">
-              <a:rPr lang="en"/>
+              <a:rPr lang="en">
+                <a:solidFill>
+                  <a:schemeClr val="dk2"/>
+                </a:solidFill>
+              </a:rPr>
               <a:t>‹#›</a:t>
             </a:fld>
-            <a:endParaRPr/>
+            <a:endParaRPr>
+              <a:solidFill>
+                <a:schemeClr val="dk2"/>
+              </a:solidFill>
+            </a:endParaRPr>
           </a:p>
           <a:p>
             <a:pPr indent="0" lvl="0" marL="0" rtl="0" algn="r">
@@ -10185,7 +10298,7 @@
                 </a:solidFill>
                 <a:hlinkClick r:id="rId3"/>
               </a:rPr>
-              <a:t>https://profriehle.com</a:t>
+              <a:t>uni1.de/amos</a:t>
             </a:r>
             <a:r>
               <a:rPr b="0" lang="en" sz="900">
@@ -10195,7 +10308,11 @@
               </a:rPr>
               <a:t> </a:t>
             </a:r>
-            <a:endParaRPr/>
+            <a:endParaRPr b="0" sz="900">
+              <a:solidFill>
+                <a:schemeClr val="dk2"/>
+              </a:solidFill>
+            </a:endParaRPr>
           </a:p>
         </p:txBody>
       </p:sp>
@@ -10396,8 +10513,8 @@
         </p:nvSpPr>
         <p:spPr>
           <a:xfrm>
-            <a:off x="7315202" y="4416550"/>
-            <a:ext cx="1828800" cy="731400"/>
+            <a:off x="7315202" y="4229100"/>
+            <a:ext cx="1828800" cy="914400"/>
           </a:xfrm>
           <a:prstGeom prst="rect">
             <a:avLst/>
@@ -10419,10 +10536,18 @@
               <a:buNone/>
             </a:pPr>
             <a:fld id="{00000000-1234-1234-1234-123412341234}" type="slidenum">
-              <a:rPr lang="en"/>
+              <a:rPr lang="en">
+                <a:solidFill>
+                  <a:schemeClr val="dk2"/>
+                </a:solidFill>
+              </a:rPr>
               <a:t>‹#›</a:t>
             </a:fld>
-            <a:endParaRPr/>
+            <a:endParaRPr>
+              <a:solidFill>
+                <a:schemeClr val="dk2"/>
+              </a:solidFill>
+            </a:endParaRPr>
           </a:p>
           <a:p>
             <a:pPr indent="0" lvl="0" marL="0" rtl="0" algn="r">
@@ -10441,7 +10566,7 @@
                 </a:solidFill>
                 <a:hlinkClick r:id="rId3"/>
               </a:rPr>
-              <a:t>https://profriehle.com</a:t>
+              <a:t>uni1.de/amos</a:t>
             </a:r>
             <a:r>
               <a:rPr b="0" lang="en" sz="900">
@@ -10451,7 +10576,11 @@
               </a:rPr>
               <a:t> </a:t>
             </a:r>
-            <a:endParaRPr/>
+            <a:endParaRPr b="0" sz="900">
+              <a:solidFill>
+                <a:schemeClr val="dk2"/>
+              </a:solidFill>
+            </a:endParaRPr>
           </a:p>
         </p:txBody>
       </p:sp>
@@ -10570,8 +10699,8 @@
         </p:nvSpPr>
         <p:spPr>
           <a:xfrm>
-            <a:off x="7315202" y="4416550"/>
-            <a:ext cx="1828800" cy="731400"/>
+            <a:off x="7315202" y="4229100"/>
+            <a:ext cx="1828800" cy="914400"/>
           </a:xfrm>
           <a:prstGeom prst="rect">
             <a:avLst/>
@@ -10593,10 +10722,18 @@
               <a:buNone/>
             </a:pPr>
             <a:fld id="{00000000-1234-1234-1234-123412341234}" type="slidenum">
-              <a:rPr lang="en"/>
+              <a:rPr lang="en">
+                <a:solidFill>
+                  <a:schemeClr val="dk2"/>
+                </a:solidFill>
+              </a:rPr>
               <a:t>‹#›</a:t>
             </a:fld>
-            <a:endParaRPr/>
+            <a:endParaRPr>
+              <a:solidFill>
+                <a:schemeClr val="dk2"/>
+              </a:solidFill>
+            </a:endParaRPr>
           </a:p>
           <a:p>
             <a:pPr indent="0" lvl="0" marL="0" rtl="0" algn="r">
@@ -10615,7 +10752,7 @@
                 </a:solidFill>
                 <a:hlinkClick r:id="rId3"/>
               </a:rPr>
-              <a:t>https://profriehle.com</a:t>
+              <a:t>uni1.de/amos</a:t>
             </a:r>
             <a:r>
               <a:rPr b="0" lang="en" sz="900">
@@ -10625,7 +10762,11 @@
               </a:rPr>
               <a:t> </a:t>
             </a:r>
-            <a:endParaRPr/>
+            <a:endParaRPr b="0" sz="900">
+              <a:solidFill>
+                <a:schemeClr val="dk2"/>
+              </a:solidFill>
+            </a:endParaRPr>
           </a:p>
         </p:txBody>
       </p:sp>
@@ -10915,8 +11056,8 @@
         </p:nvSpPr>
         <p:spPr>
           <a:xfrm>
-            <a:off x="7315202" y="4416550"/>
-            <a:ext cx="1828800" cy="731400"/>
+            <a:off x="7315202" y="4229100"/>
+            <a:ext cx="1828800" cy="914400"/>
           </a:xfrm>
           <a:prstGeom prst="rect">
             <a:avLst/>
@@ -10938,10 +11079,18 @@
               <a:buNone/>
             </a:pPr>
             <a:fld id="{00000000-1234-1234-1234-123412341234}" type="slidenum">
-              <a:rPr lang="en"/>
+              <a:rPr lang="en">
+                <a:solidFill>
+                  <a:schemeClr val="dk2"/>
+                </a:solidFill>
+              </a:rPr>
               <a:t>‹#›</a:t>
             </a:fld>
-            <a:endParaRPr/>
+            <a:endParaRPr>
+              <a:solidFill>
+                <a:schemeClr val="dk2"/>
+              </a:solidFill>
+            </a:endParaRPr>
           </a:p>
           <a:p>
             <a:pPr indent="0" lvl="0" marL="0" rtl="0" algn="r">
@@ -10960,7 +11109,7 @@
                 </a:solidFill>
                 <a:hlinkClick r:id="rId3"/>
               </a:rPr>
-              <a:t>https://profriehle.com</a:t>
+              <a:t>uni1.de/amos</a:t>
             </a:r>
             <a:r>
               <a:rPr b="0" lang="en" sz="900">
@@ -10970,7 +11119,11 @@
               </a:rPr>
               <a:t> </a:t>
             </a:r>
-            <a:endParaRPr/>
+            <a:endParaRPr b="0" sz="900">
+              <a:solidFill>
+                <a:schemeClr val="dk2"/>
+              </a:solidFill>
+            </a:endParaRPr>
           </a:p>
         </p:txBody>
       </p:sp>
@@ -11233,8 +11386,8 @@
         </p:nvSpPr>
         <p:spPr>
           <a:xfrm>
-            <a:off x="7315202" y="4416550"/>
-            <a:ext cx="1828800" cy="731400"/>
+            <a:off x="7315202" y="4229100"/>
+            <a:ext cx="1828800" cy="914400"/>
           </a:xfrm>
           <a:prstGeom prst="rect">
             <a:avLst/>
@@ -11256,10 +11409,18 @@
               <a:buNone/>
             </a:pPr>
             <a:fld id="{00000000-1234-1234-1234-123412341234}" type="slidenum">
-              <a:rPr lang="en"/>
+              <a:rPr lang="en">
+                <a:solidFill>
+                  <a:schemeClr val="dk2"/>
+                </a:solidFill>
+              </a:rPr>
               <a:t>‹#›</a:t>
             </a:fld>
-            <a:endParaRPr/>
+            <a:endParaRPr>
+              <a:solidFill>
+                <a:schemeClr val="dk2"/>
+              </a:solidFill>
+            </a:endParaRPr>
           </a:p>
           <a:p>
             <a:pPr indent="0" lvl="0" marL="0" rtl="0" algn="r">
@@ -11278,13 +11439,21 @@
                 </a:solidFill>
                 <a:hlinkClick r:id="rId3"/>
               </a:rPr>
-              <a:t>https://profriehle.com</a:t>
-            </a:r>
-            <a:r>
-              <a:rPr b="0" lang="en" sz="900"/>
+              <a:t>uni1.de/amos</a:t>
+            </a:r>
+            <a:r>
+              <a:rPr b="0" lang="en" sz="900">
+                <a:solidFill>
+                  <a:schemeClr val="dk2"/>
+                </a:solidFill>
+              </a:rPr>
               <a:t> </a:t>
             </a:r>
-            <a:endParaRPr b="0" sz="900"/>
+            <a:endParaRPr b="0" sz="900">
+              <a:solidFill>
+                <a:schemeClr val="dk2"/>
+              </a:solidFill>
+            </a:endParaRPr>
           </a:p>
         </p:txBody>
       </p:sp>
@@ -11546,8 +11715,8 @@
         </p:nvSpPr>
         <p:spPr>
           <a:xfrm>
-            <a:off x="7315202" y="4416550"/>
-            <a:ext cx="1828800" cy="731400"/>
+            <a:off x="7315202" y="4229100"/>
+            <a:ext cx="1828800" cy="914400"/>
           </a:xfrm>
           <a:prstGeom prst="rect">
             <a:avLst/>
@@ -11569,10 +11738,18 @@
               <a:buNone/>
             </a:pPr>
             <a:fld id="{00000000-1234-1234-1234-123412341234}" type="slidenum">
-              <a:rPr lang="en"/>
+              <a:rPr lang="en">
+                <a:solidFill>
+                  <a:schemeClr val="dk2"/>
+                </a:solidFill>
+              </a:rPr>
               <a:t>‹#›</a:t>
             </a:fld>
-            <a:endParaRPr/>
+            <a:endParaRPr>
+              <a:solidFill>
+                <a:schemeClr val="dk2"/>
+              </a:solidFill>
+            </a:endParaRPr>
           </a:p>
           <a:p>
             <a:pPr indent="0" lvl="0" marL="0" rtl="0" algn="r">
@@ -11591,7 +11768,7 @@
                 </a:solidFill>
                 <a:hlinkClick r:id="rId3"/>
               </a:rPr>
-              <a:t>https://profriehle.com</a:t>
+              <a:t>uni1.de/amos</a:t>
             </a:r>
             <a:r>
               <a:rPr b="0" lang="en" sz="900">
@@ -11601,7 +11778,11 @@
               </a:rPr>
               <a:t> </a:t>
             </a:r>
-            <a:endParaRPr/>
+            <a:endParaRPr b="0" sz="900">
+              <a:solidFill>
+                <a:schemeClr val="dk2"/>
+              </a:solidFill>
+            </a:endParaRPr>
           </a:p>
         </p:txBody>
       </p:sp>
@@ -11748,8 +11929,8 @@
         </p:nvSpPr>
         <p:spPr>
           <a:xfrm>
-            <a:off x="7315202" y="4416550"/>
-            <a:ext cx="1828800" cy="731400"/>
+            <a:off x="7315202" y="4229100"/>
+            <a:ext cx="1828800" cy="914400"/>
           </a:xfrm>
           <a:prstGeom prst="rect">
             <a:avLst/>
@@ -11771,10 +11952,18 @@
               <a:buNone/>
             </a:pPr>
             <a:fld id="{00000000-1234-1234-1234-123412341234}" type="slidenum">
-              <a:rPr lang="en"/>
+              <a:rPr lang="en">
+                <a:solidFill>
+                  <a:schemeClr val="dk2"/>
+                </a:solidFill>
+              </a:rPr>
               <a:t>‹#›</a:t>
             </a:fld>
-            <a:endParaRPr/>
+            <a:endParaRPr>
+              <a:solidFill>
+                <a:schemeClr val="dk2"/>
+              </a:solidFill>
+            </a:endParaRPr>
           </a:p>
           <a:p>
             <a:pPr indent="0" lvl="0" marL="0" rtl="0" algn="r">
@@ -11793,7 +11982,7 @@
                 </a:solidFill>
                 <a:hlinkClick r:id="rId3"/>
               </a:rPr>
-              <a:t>https://profriehle.com</a:t>
+              <a:t>uni1.de/amos</a:t>
             </a:r>
             <a:r>
               <a:rPr b="0" lang="en" sz="900">
@@ -11803,7 +11992,11 @@
               </a:rPr>
               <a:t> </a:t>
             </a:r>
-            <a:endParaRPr/>
+            <a:endParaRPr b="0" sz="900">
+              <a:solidFill>
+                <a:schemeClr val="dk2"/>
+              </a:solidFill>
+            </a:endParaRPr>
           </a:p>
         </p:txBody>
       </p:sp>
@@ -12015,8 +12208,8 @@
         </p:nvSpPr>
         <p:spPr>
           <a:xfrm>
-            <a:off x="7315202" y="4416550"/>
-            <a:ext cx="1828800" cy="731400"/>
+            <a:off x="7315202" y="4229100"/>
+            <a:ext cx="1828800" cy="914400"/>
           </a:xfrm>
           <a:prstGeom prst="rect">
             <a:avLst/>
@@ -12038,10 +12231,18 @@
               <a:buNone/>
             </a:pPr>
             <a:fld id="{00000000-1234-1234-1234-123412341234}" type="slidenum">
-              <a:rPr lang="en"/>
+              <a:rPr lang="en">
+                <a:solidFill>
+                  <a:schemeClr val="dk2"/>
+                </a:solidFill>
+              </a:rPr>
               <a:t>‹#›</a:t>
             </a:fld>
-            <a:endParaRPr/>
+            <a:endParaRPr>
+              <a:solidFill>
+                <a:schemeClr val="dk2"/>
+              </a:solidFill>
+            </a:endParaRPr>
           </a:p>
           <a:p>
             <a:pPr indent="0" lvl="0" marL="0" rtl="0" algn="r">
@@ -12060,7 +12261,7 @@
                 </a:solidFill>
                 <a:hlinkClick r:id="rId3"/>
               </a:rPr>
-              <a:t>https://profriehle.com</a:t>
+              <a:t>uni1.de/amos</a:t>
             </a:r>
             <a:r>
               <a:rPr b="0" lang="en" sz="900">
@@ -12070,7 +12271,11 @@
               </a:rPr>
               <a:t> </a:t>
             </a:r>
-            <a:endParaRPr/>
+            <a:endParaRPr b="0" sz="900">
+              <a:solidFill>
+                <a:schemeClr val="dk2"/>
+              </a:solidFill>
+            </a:endParaRPr>
           </a:p>
         </p:txBody>
       </p:sp>
@@ -12255,8 +12460,8 @@
         </p:nvSpPr>
         <p:spPr>
           <a:xfrm>
-            <a:off x="7315202" y="4416550"/>
-            <a:ext cx="1828800" cy="731400"/>
+            <a:off x="7315202" y="4229100"/>
+            <a:ext cx="1828800" cy="914400"/>
           </a:xfrm>
           <a:prstGeom prst="rect">
             <a:avLst/>
@@ -12278,10 +12483,18 @@
               <a:buNone/>
             </a:pPr>
             <a:fld id="{00000000-1234-1234-1234-123412341234}" type="slidenum">
-              <a:rPr lang="en"/>
+              <a:rPr lang="en">
+                <a:solidFill>
+                  <a:schemeClr val="dk2"/>
+                </a:solidFill>
+              </a:rPr>
               <a:t>‹#›</a:t>
             </a:fld>
-            <a:endParaRPr/>
+            <a:endParaRPr>
+              <a:solidFill>
+                <a:schemeClr val="dk2"/>
+              </a:solidFill>
+            </a:endParaRPr>
           </a:p>
           <a:p>
             <a:pPr indent="0" lvl="0" marL="0" rtl="0" algn="r">
@@ -12300,7 +12513,7 @@
                 </a:solidFill>
                 <a:hlinkClick r:id="rId3"/>
               </a:rPr>
-              <a:t>https://profriehle.com</a:t>
+              <a:t>uni1.de/amos</a:t>
             </a:r>
             <a:r>
               <a:rPr b="0" lang="en" sz="900">
@@ -12310,7 +12523,11 @@
               </a:rPr>
               <a:t> </a:t>
             </a:r>
-            <a:endParaRPr/>
+            <a:endParaRPr b="0" sz="900">
+              <a:solidFill>
+                <a:schemeClr val="dk2"/>
+              </a:solidFill>
+            </a:endParaRPr>
           </a:p>
         </p:txBody>
       </p:sp>
@@ -12580,8 +12797,8 @@
         </p:nvSpPr>
         <p:spPr>
           <a:xfrm>
-            <a:off x="7315202" y="4416550"/>
-            <a:ext cx="1828800" cy="731400"/>
+            <a:off x="7315202" y="4229100"/>
+            <a:ext cx="1828800" cy="914400"/>
           </a:xfrm>
           <a:prstGeom prst="rect">
             <a:avLst/>
@@ -12603,10 +12820,18 @@
               <a:buNone/>
             </a:pPr>
             <a:fld id="{00000000-1234-1234-1234-123412341234}" type="slidenum">
-              <a:rPr lang="en"/>
+              <a:rPr lang="en">
+                <a:solidFill>
+                  <a:schemeClr val="dk2"/>
+                </a:solidFill>
+              </a:rPr>
               <a:t>‹#›</a:t>
             </a:fld>
-            <a:endParaRPr/>
+            <a:endParaRPr>
+              <a:solidFill>
+                <a:schemeClr val="dk2"/>
+              </a:solidFill>
+            </a:endParaRPr>
           </a:p>
           <a:p>
             <a:pPr indent="0" lvl="0" marL="0" rtl="0" algn="r">
@@ -12625,7 +12850,7 @@
                 </a:solidFill>
                 <a:hlinkClick r:id="rId3"/>
               </a:rPr>
-              <a:t>https://profriehle.com</a:t>
+              <a:t>uni1.de/amos</a:t>
             </a:r>
             <a:r>
               <a:rPr b="0" lang="en" sz="900">
@@ -12635,7 +12860,11 @@
               </a:rPr>
               <a:t> </a:t>
             </a:r>
-            <a:endParaRPr/>
+            <a:endParaRPr b="0" sz="900">
+              <a:solidFill>
+                <a:schemeClr val="dk2"/>
+              </a:solidFill>
+            </a:endParaRPr>
           </a:p>
         </p:txBody>
       </p:sp>
@@ -12654,7 +12883,7 @@
             <a:tbl>
               <a:tblPr>
                 <a:noFill/>
-                <a:tableStyleId>{0F7A2FFB-3AD1-45FD-85E4-36738790CB3A}</a:tableStyleId>
+                <a:tableStyleId>{4A03AA45-6EB6-4E35-B617-69EB4233942D}</a:tableStyleId>
               </a:tblPr>
               <a:tblGrid>
                 <a:gridCol w="1432550"/>
@@ -15635,8 +15864,8 @@
         </p:nvSpPr>
         <p:spPr>
           <a:xfrm>
-            <a:off x="7315202" y="4416550"/>
-            <a:ext cx="1828800" cy="731400"/>
+            <a:off x="7315202" y="4229100"/>
+            <a:ext cx="1828800" cy="914400"/>
           </a:xfrm>
           <a:prstGeom prst="rect">
             <a:avLst/>
@@ -15658,10 +15887,18 @@
               <a:buNone/>
             </a:pPr>
             <a:fld id="{00000000-1234-1234-1234-123412341234}" type="slidenum">
-              <a:rPr lang="en"/>
+              <a:rPr lang="en">
+                <a:solidFill>
+                  <a:schemeClr val="dk2"/>
+                </a:solidFill>
+              </a:rPr>
               <a:t>‹#›</a:t>
             </a:fld>
-            <a:endParaRPr/>
+            <a:endParaRPr>
+              <a:solidFill>
+                <a:schemeClr val="dk2"/>
+              </a:solidFill>
+            </a:endParaRPr>
           </a:p>
           <a:p>
             <a:pPr indent="0" lvl="0" marL="0" rtl="0" algn="r">
@@ -15680,7 +15917,7 @@
                 </a:solidFill>
                 <a:hlinkClick r:id="rId3"/>
               </a:rPr>
-              <a:t>https://profriehle.com</a:t>
+              <a:t>uni1.de/amos</a:t>
             </a:r>
             <a:r>
               <a:rPr b="0" lang="en" sz="900">
@@ -15690,7 +15927,11 @@
               </a:rPr>
               <a:t> </a:t>
             </a:r>
-            <a:endParaRPr/>
+            <a:endParaRPr b="0" sz="900">
+              <a:solidFill>
+                <a:schemeClr val="dk2"/>
+              </a:solidFill>
+            </a:endParaRPr>
           </a:p>
         </p:txBody>
       </p:sp>
@@ -16024,8 +16265,8 @@
         </p:nvSpPr>
         <p:spPr>
           <a:xfrm>
-            <a:off x="7315202" y="4416550"/>
-            <a:ext cx="1828800" cy="731400"/>
+            <a:off x="7315202" y="4229100"/>
+            <a:ext cx="1828800" cy="914400"/>
           </a:xfrm>
           <a:prstGeom prst="rect">
             <a:avLst/>
@@ -16047,10 +16288,18 @@
               <a:buNone/>
             </a:pPr>
             <a:fld id="{00000000-1234-1234-1234-123412341234}" type="slidenum">
-              <a:rPr lang="en"/>
+              <a:rPr lang="en">
+                <a:solidFill>
+                  <a:schemeClr val="dk2"/>
+                </a:solidFill>
+              </a:rPr>
               <a:t>‹#›</a:t>
             </a:fld>
-            <a:endParaRPr/>
+            <a:endParaRPr>
+              <a:solidFill>
+                <a:schemeClr val="dk2"/>
+              </a:solidFill>
+            </a:endParaRPr>
           </a:p>
           <a:p>
             <a:pPr indent="0" lvl="0" marL="0" rtl="0" algn="r">
@@ -16069,7 +16318,7 @@
                 </a:solidFill>
                 <a:hlinkClick r:id="rId3"/>
               </a:rPr>
-              <a:t>https://profriehle.com</a:t>
+              <a:t>uni1.de/amos</a:t>
             </a:r>
             <a:r>
               <a:rPr b="0" lang="en" sz="900">
@@ -16079,7 +16328,11 @@
               </a:rPr>
               <a:t> </a:t>
             </a:r>
-            <a:endParaRPr/>
+            <a:endParaRPr b="0" sz="900">
+              <a:solidFill>
+                <a:schemeClr val="dk2"/>
+              </a:solidFill>
+            </a:endParaRPr>
           </a:p>
         </p:txBody>
       </p:sp>
@@ -16245,8 +16498,8 @@
         </p:nvSpPr>
         <p:spPr>
           <a:xfrm>
-            <a:off x="7315202" y="4416550"/>
-            <a:ext cx="1828800" cy="731400"/>
+            <a:off x="7315202" y="4229100"/>
+            <a:ext cx="1828800" cy="914400"/>
           </a:xfrm>
           <a:prstGeom prst="rect">
             <a:avLst/>
@@ -16268,10 +16521,18 @@
               <a:buNone/>
             </a:pPr>
             <a:fld id="{00000000-1234-1234-1234-123412341234}" type="slidenum">
-              <a:rPr lang="en"/>
+              <a:rPr lang="en">
+                <a:solidFill>
+                  <a:schemeClr val="dk2"/>
+                </a:solidFill>
+              </a:rPr>
               <a:t>‹#›</a:t>
             </a:fld>
-            <a:endParaRPr/>
+            <a:endParaRPr>
+              <a:solidFill>
+                <a:schemeClr val="dk2"/>
+              </a:solidFill>
+            </a:endParaRPr>
           </a:p>
           <a:p>
             <a:pPr indent="0" lvl="0" marL="0" rtl="0" algn="r">
@@ -16290,7 +16551,7 @@
                 </a:solidFill>
                 <a:hlinkClick r:id="rId3"/>
               </a:rPr>
-              <a:t>https://profriehle.com</a:t>
+              <a:t>uni1.de/amos</a:t>
             </a:r>
             <a:r>
               <a:rPr b="0" lang="en" sz="900">
@@ -16300,7 +16561,11 @@
               </a:rPr>
               <a:t> </a:t>
             </a:r>
-            <a:endParaRPr/>
+            <a:endParaRPr b="0" sz="900">
+              <a:solidFill>
+                <a:schemeClr val="dk2"/>
+              </a:solidFill>
+            </a:endParaRPr>
           </a:p>
         </p:txBody>
       </p:sp>
@@ -16313,6 +16578,285 @@
 </file>
 
 <file path=ppt/theme/theme1.xml><?xml version="1.0" encoding="utf-8"?>
+<a:theme xmlns:a="http://schemas.openxmlformats.org/drawingml/2006/main" xmlns:r="http://schemas.openxmlformats.org/officeDocument/2006/relationships">
+  <a:themeElements>
+    <a:clrScheme name="Default">
+      <a:dk1>
+        <a:srgbClr val="000000"/>
+      </a:dk1>
+      <a:lt1>
+        <a:srgbClr val="FFFFFF"/>
+      </a:lt1>
+      <a:dk2>
+        <a:srgbClr val="158158"/>
+      </a:dk2>
+      <a:lt2>
+        <a:srgbClr val="F3F3F3"/>
+      </a:lt2>
+      <a:accent1>
+        <a:srgbClr val="058DC7"/>
+      </a:accent1>
+      <a:accent2>
+        <a:srgbClr val="50B432"/>
+      </a:accent2>
+      <a:accent3>
+        <a:srgbClr val="ED561B"/>
+      </a:accent3>
+      <a:accent4>
+        <a:srgbClr val="EDEF00"/>
+      </a:accent4>
+      <a:accent5>
+        <a:srgbClr val="24CBE5"/>
+      </a:accent5>
+      <a:accent6>
+        <a:srgbClr val="64E572"/>
+      </a:accent6>
+      <a:hlink>
+        <a:srgbClr val="2200CC"/>
+      </a:hlink>
+      <a:folHlink>
+        <a:srgbClr val="551A8B"/>
+      </a:folHlink>
+    </a:clrScheme>
+    <a:fontScheme name="Office">
+      <a:majorFont>
+        <a:latin typeface="Arial"/>
+        <a:ea typeface=""/>
+        <a:cs typeface=""/>
+        <a:font script="Jpan" typeface="ＭＳ Ｐゴシック"/>
+        <a:font script="Hang" typeface="맑은 고딕"/>
+        <a:font script="Hans" typeface="宋体"/>
+        <a:font script="Hant" typeface="新細明體"/>
+        <a:font script="Arab" typeface="Times New Roman"/>
+        <a:font script="Hebr" typeface="Times New Roman"/>
+        <a:font script="Thai" typeface="Angsana New"/>
+        <a:font script="Ethi" typeface="Nyala"/>
+        <a:font script="Beng" typeface="Vrinda"/>
+        <a:font script="Gujr" typeface="Shruti"/>
+        <a:font script="Khmr" typeface="MoolBoran"/>
+        <a:font script="Knda" typeface="Tunga"/>
+        <a:font script="Guru" typeface="Raavi"/>
+        <a:font script="Cans" typeface="Euphemia"/>
+        <a:font script="Cher" typeface="Plantagenet Cherokee"/>
+        <a:font script="Yiii" typeface="Microsoft Yi Baiti"/>
+        <a:font script="Tibt" typeface="Microsoft Himalaya"/>
+        <a:font script="Thaa" typeface="MV Boli"/>
+        <a:font script="Deva" typeface="Mangal"/>
+        <a:font script="Telu" typeface="Gautami"/>
+        <a:font script="Taml" typeface="Latha"/>
+        <a:font script="Syrc" typeface="Estrangelo Edessa"/>
+        <a:font script="Orya" typeface="Kalinga"/>
+        <a:font script="Mlym" typeface="Kartika"/>
+        <a:font script="Laoo" typeface="DokChampa"/>
+        <a:font script="Sinh" typeface="Iskoola Pota"/>
+        <a:font script="Mong" typeface="Mongolian Baiti"/>
+        <a:font script="Viet" typeface="Times New Roman"/>
+        <a:font script="Uigh" typeface="Microsoft Uighur"/>
+        <a:font script="Geor" typeface="Sylfaen"/>
+      </a:majorFont>
+      <a:minorFont>
+        <a:latin typeface="Arial"/>
+        <a:ea typeface=""/>
+        <a:cs typeface=""/>
+        <a:font script="Jpan" typeface="ＭＳ Ｐゴシック"/>
+        <a:font script="Hang" typeface="맑은 고딕"/>
+        <a:font script="Hans" typeface="宋体"/>
+        <a:font script="Hant" typeface="新細明體"/>
+        <a:font script="Arab" typeface="Arial"/>
+        <a:font script="Hebr" typeface="Arial"/>
+        <a:font script="Thai" typeface="Cordia New"/>
+        <a:font script="Ethi" typeface="Nyala"/>
+        <a:font script="Beng" typeface="Vrinda"/>
+        <a:font script="Gujr" typeface="Shruti"/>
+        <a:font script="Khmr" typeface="DaunPenh"/>
+        <a:font script="Knda" typeface="Tunga"/>
+        <a:font script="Guru" typeface="Raavi"/>
+        <a:font script="Cans" typeface="Euphemia"/>
+        <a:font script="Cher" typeface="Plantagenet Cherokee"/>
+        <a:font script="Yiii" typeface="Microsoft Yi Baiti"/>
+        <a:font script="Tibt" typeface="Microsoft Himalaya"/>
+        <a:font script="Thaa" typeface="MV Boli"/>
+        <a:font script="Deva" typeface="Mangal"/>
+        <a:font script="Telu" typeface="Gautami"/>
+        <a:font script="Taml" typeface="Latha"/>
+        <a:font script="Syrc" typeface="Estrangelo Edessa"/>
+        <a:font script="Orya" typeface="Kalinga"/>
+        <a:font script="Mlym" typeface="Kartika"/>
+        <a:font script="Laoo" typeface="DokChampa"/>
+        <a:font script="Sinh" typeface="Iskoola Pota"/>
+        <a:font script="Mong" typeface="Mongolian Baiti"/>
+        <a:font script="Viet" typeface="Arial"/>
+        <a:font script="Uigh" typeface="Microsoft Uighur"/>
+        <a:font script="Geor" typeface="Sylfaen"/>
+      </a:minorFont>
+    </a:fontScheme>
+    <a:fmtScheme name="Office">
+      <a:fillStyleLst>
+        <a:solidFill>
+          <a:schemeClr val="phClr"/>
+        </a:solidFill>
+        <a:gradFill rotWithShape="1">
+          <a:gsLst>
+            <a:gs pos="0">
+              <a:schemeClr val="phClr">
+                <a:tint val="50000"/>
+                <a:satMod val="300000"/>
+              </a:schemeClr>
+            </a:gs>
+            <a:gs pos="35000">
+              <a:schemeClr val="phClr">
+                <a:tint val="37000"/>
+                <a:satMod val="300000"/>
+              </a:schemeClr>
+            </a:gs>
+            <a:gs pos="100000">
+              <a:schemeClr val="phClr">
+                <a:tint val="15000"/>
+                <a:satMod val="350000"/>
+              </a:schemeClr>
+            </a:gs>
+          </a:gsLst>
+          <a:lin ang="16200000" scaled="1"/>
+        </a:gradFill>
+        <a:gradFill rotWithShape="1">
+          <a:gsLst>
+            <a:gs pos="0">
+              <a:schemeClr val="phClr">
+                <a:tint val="100000"/>
+                <a:shade val="100000"/>
+                <a:satMod val="130000"/>
+              </a:schemeClr>
+            </a:gs>
+            <a:gs pos="100000">
+              <a:schemeClr val="phClr">
+                <a:tint val="50000"/>
+                <a:shade val="100000"/>
+                <a:satMod val="350000"/>
+              </a:schemeClr>
+            </a:gs>
+          </a:gsLst>
+          <a:lin ang="16200000" scaled="0"/>
+        </a:gradFill>
+      </a:fillStyleLst>
+      <a:lnStyleLst>
+        <a:ln w="9525" cap="flat" cmpd="sng" algn="ctr">
+          <a:solidFill>
+            <a:schemeClr val="phClr">
+              <a:shade val="95000"/>
+              <a:satMod val="105000"/>
+            </a:schemeClr>
+          </a:solidFill>
+          <a:prstDash val="solid"/>
+        </a:ln>
+        <a:ln w="25400" cap="flat" cmpd="sng" algn="ctr">
+          <a:solidFill>
+            <a:schemeClr val="phClr"/>
+          </a:solidFill>
+          <a:prstDash val="solid"/>
+        </a:ln>
+        <a:ln w="38100" cap="flat" cmpd="sng" algn="ctr">
+          <a:solidFill>
+            <a:schemeClr val="phClr"/>
+          </a:solidFill>
+          <a:prstDash val="solid"/>
+        </a:ln>
+      </a:lnStyleLst>
+      <a:effectStyleLst>
+        <a:effectStyle>
+          <a:effectLst>
+            <a:outerShdw blurRad="40000" dist="20000" dir="5400000" rotWithShape="0">
+              <a:srgbClr val="000000">
+                <a:alpha val="38000"/>
+              </a:srgbClr>
+            </a:outerShdw>
+          </a:effectLst>
+        </a:effectStyle>
+        <a:effectStyle>
+          <a:effectLst>
+            <a:outerShdw blurRad="40000" dist="23000" dir="5400000" rotWithShape="0">
+              <a:srgbClr val="000000">
+                <a:alpha val="35000"/>
+              </a:srgbClr>
+            </a:outerShdw>
+          </a:effectLst>
+        </a:effectStyle>
+        <a:effectStyle>
+          <a:effectLst>
+            <a:outerShdw blurRad="40000" dist="23000" dir="5400000" rotWithShape="0">
+              <a:srgbClr val="000000">
+                <a:alpha val="35000"/>
+              </a:srgbClr>
+            </a:outerShdw>
+          </a:effectLst>
+          <a:scene3d>
+            <a:camera prst="orthographicFront">
+              <a:rot lat="0" lon="0" rev="0"/>
+            </a:camera>
+            <a:lightRig rig="threePt" dir="t">
+              <a:rot lat="0" lon="0" rev="1200000"/>
+            </a:lightRig>
+          </a:scene3d>
+          <a:sp3d>
+            <a:bevelT w="63500" h="25400"/>
+          </a:sp3d>
+        </a:effectStyle>
+      </a:effectStyleLst>
+      <a:bgFillStyleLst>
+        <a:solidFill>
+          <a:schemeClr val="phClr"/>
+        </a:solidFill>
+        <a:gradFill rotWithShape="1">
+          <a:gsLst>
+            <a:gs pos="0">
+              <a:schemeClr val="phClr">
+                <a:tint val="40000"/>
+                <a:satMod val="350000"/>
+              </a:schemeClr>
+            </a:gs>
+            <a:gs pos="40000">
+              <a:schemeClr val="phClr">
+                <a:tint val="45000"/>
+                <a:shade val="99000"/>
+                <a:satMod val="350000"/>
+              </a:schemeClr>
+            </a:gs>
+            <a:gs pos="100000">
+              <a:schemeClr val="phClr">
+                <a:shade val="20000"/>
+                <a:satMod val="255000"/>
+              </a:schemeClr>
+            </a:gs>
+          </a:gsLst>
+          <a:path path="circle">
+            <a:fillToRect l="50000" t="-80000" r="50000" b="180000"/>
+          </a:path>
+        </a:gradFill>
+        <a:gradFill rotWithShape="1">
+          <a:gsLst>
+            <a:gs pos="0">
+              <a:schemeClr val="phClr">
+                <a:tint val="80000"/>
+                <a:satMod val="300000"/>
+              </a:schemeClr>
+            </a:gs>
+            <a:gs pos="100000">
+              <a:schemeClr val="phClr">
+                <a:shade val="30000"/>
+                <a:satMod val="200000"/>
+              </a:schemeClr>
+            </a:gs>
+          </a:gsLst>
+          <a:path path="circle">
+            <a:fillToRect l="50000" t="50000" r="50000" b="50000"/>
+          </a:path>
+        </a:gradFill>
+      </a:bgFillStyleLst>
+    </a:fmtScheme>
+  </a:themeElements>
+</a:theme>
+</file>
+
+<file path=ppt/theme/theme2.xml><?xml version="1.0" encoding="utf-8"?>
 <a:theme xmlns:a="http://schemas.openxmlformats.org/drawingml/2006/main" xmlns:r="http://schemas.openxmlformats.org/officeDocument/2006/relationships" name="AMOS Slides Template">
   <a:themeElements>
     <a:clrScheme name="Simple Light">
@@ -16589,283 +17133,4 @@
     </a:fmtScheme>
   </a:themeElements>
 </a:theme>
-</file>
-
-<file path=ppt/theme/theme2.xml><?xml version="1.0" encoding="utf-8"?>
-<a:theme xmlns:a="http://schemas.openxmlformats.org/drawingml/2006/main" xmlns:r="http://schemas.openxmlformats.org/officeDocument/2006/relationships">
-  <a:themeElements>
-    <a:clrScheme name="Default">
-      <a:dk1>
-        <a:srgbClr val="000000"/>
-      </a:dk1>
-      <a:lt1>
-        <a:srgbClr val="FFFFFF"/>
-      </a:lt1>
-      <a:dk2>
-        <a:srgbClr val="158158"/>
-      </a:dk2>
-      <a:lt2>
-        <a:srgbClr val="F3F3F3"/>
-      </a:lt2>
-      <a:accent1>
-        <a:srgbClr val="058DC7"/>
-      </a:accent1>
-      <a:accent2>
-        <a:srgbClr val="50B432"/>
-      </a:accent2>
-      <a:accent3>
-        <a:srgbClr val="ED561B"/>
-      </a:accent3>
-      <a:accent4>
-        <a:srgbClr val="EDEF00"/>
-      </a:accent4>
-      <a:accent5>
-        <a:srgbClr val="24CBE5"/>
-      </a:accent5>
-      <a:accent6>
-        <a:srgbClr val="64E572"/>
-      </a:accent6>
-      <a:hlink>
-        <a:srgbClr val="2200CC"/>
-      </a:hlink>
-      <a:folHlink>
-        <a:srgbClr val="551A8B"/>
-      </a:folHlink>
-    </a:clrScheme>
-    <a:fontScheme name="Office">
-      <a:majorFont>
-        <a:latin typeface="Arial"/>
-        <a:ea typeface=""/>
-        <a:cs typeface=""/>
-        <a:font script="Jpan" typeface="ＭＳ Ｐゴシック"/>
-        <a:font script="Hang" typeface="맑은 고딕"/>
-        <a:font script="Hans" typeface="宋体"/>
-        <a:font script="Hant" typeface="新細明體"/>
-        <a:font script="Arab" typeface="Times New Roman"/>
-        <a:font script="Hebr" typeface="Times New Roman"/>
-        <a:font script="Thai" typeface="Angsana New"/>
-        <a:font script="Ethi" typeface="Nyala"/>
-        <a:font script="Beng" typeface="Vrinda"/>
-        <a:font script="Gujr" typeface="Shruti"/>
-        <a:font script="Khmr" typeface="MoolBoran"/>
-        <a:font script="Knda" typeface="Tunga"/>
-        <a:font script="Guru" typeface="Raavi"/>
-        <a:font script="Cans" typeface="Euphemia"/>
-        <a:font script="Cher" typeface="Plantagenet Cherokee"/>
-        <a:font script="Yiii" typeface="Microsoft Yi Baiti"/>
-        <a:font script="Tibt" typeface="Microsoft Himalaya"/>
-        <a:font script="Thaa" typeface="MV Boli"/>
-        <a:font script="Deva" typeface="Mangal"/>
-        <a:font script="Telu" typeface="Gautami"/>
-        <a:font script="Taml" typeface="Latha"/>
-        <a:font script="Syrc" typeface="Estrangelo Edessa"/>
-        <a:font script="Orya" typeface="Kalinga"/>
-        <a:font script="Mlym" typeface="Kartika"/>
-        <a:font script="Laoo" typeface="DokChampa"/>
-        <a:font script="Sinh" typeface="Iskoola Pota"/>
-        <a:font script="Mong" typeface="Mongolian Baiti"/>
-        <a:font script="Viet" typeface="Times New Roman"/>
-        <a:font script="Uigh" typeface="Microsoft Uighur"/>
-        <a:font script="Geor" typeface="Sylfaen"/>
-      </a:majorFont>
-      <a:minorFont>
-        <a:latin typeface="Arial"/>
-        <a:ea typeface=""/>
-        <a:cs typeface=""/>
-        <a:font script="Jpan" typeface="ＭＳ Ｐゴシック"/>
-        <a:font script="Hang" typeface="맑은 고딕"/>
-        <a:font script="Hans" typeface="宋体"/>
-        <a:font script="Hant" typeface="新細明體"/>
-        <a:font script="Arab" typeface="Arial"/>
-        <a:font script="Hebr" typeface="Arial"/>
-        <a:font script="Thai" typeface="Cordia New"/>
-        <a:font script="Ethi" typeface="Nyala"/>
-        <a:font script="Beng" typeface="Vrinda"/>
-        <a:font script="Gujr" typeface="Shruti"/>
-        <a:font script="Khmr" typeface="DaunPenh"/>
-        <a:font script="Knda" typeface="Tunga"/>
-        <a:font script="Guru" typeface="Raavi"/>
-        <a:font script="Cans" typeface="Euphemia"/>
-        <a:font script="Cher" typeface="Plantagenet Cherokee"/>
-        <a:font script="Yiii" typeface="Microsoft Yi Baiti"/>
-        <a:font script="Tibt" typeface="Microsoft Himalaya"/>
-        <a:font script="Thaa" typeface="MV Boli"/>
-        <a:font script="Deva" typeface="Mangal"/>
-        <a:font script="Telu" typeface="Gautami"/>
-        <a:font script="Taml" typeface="Latha"/>
-        <a:font script="Syrc" typeface="Estrangelo Edessa"/>
-        <a:font script="Orya" typeface="Kalinga"/>
-        <a:font script="Mlym" typeface="Kartika"/>
-        <a:font script="Laoo" typeface="DokChampa"/>
-        <a:font script="Sinh" typeface="Iskoola Pota"/>
-        <a:font script="Mong" typeface="Mongolian Baiti"/>
-        <a:font script="Viet" typeface="Arial"/>
-        <a:font script="Uigh" typeface="Microsoft Uighur"/>
-        <a:font script="Geor" typeface="Sylfaen"/>
-      </a:minorFont>
-    </a:fontScheme>
-    <a:fmtScheme name="Office">
-      <a:fillStyleLst>
-        <a:solidFill>
-          <a:schemeClr val="phClr"/>
-        </a:solidFill>
-        <a:gradFill rotWithShape="1">
-          <a:gsLst>
-            <a:gs pos="0">
-              <a:schemeClr val="phClr">
-                <a:tint val="50000"/>
-                <a:satMod val="300000"/>
-              </a:schemeClr>
-            </a:gs>
-            <a:gs pos="35000">
-              <a:schemeClr val="phClr">
-                <a:tint val="37000"/>
-                <a:satMod val="300000"/>
-              </a:schemeClr>
-            </a:gs>
-            <a:gs pos="100000">
-              <a:schemeClr val="phClr">
-                <a:tint val="15000"/>
-                <a:satMod val="350000"/>
-              </a:schemeClr>
-            </a:gs>
-          </a:gsLst>
-          <a:lin ang="16200000" scaled="1"/>
-        </a:gradFill>
-        <a:gradFill rotWithShape="1">
-          <a:gsLst>
-            <a:gs pos="0">
-              <a:schemeClr val="phClr">
-                <a:tint val="100000"/>
-                <a:shade val="100000"/>
-                <a:satMod val="130000"/>
-              </a:schemeClr>
-            </a:gs>
-            <a:gs pos="100000">
-              <a:schemeClr val="phClr">
-                <a:tint val="50000"/>
-                <a:shade val="100000"/>
-                <a:satMod val="350000"/>
-              </a:schemeClr>
-            </a:gs>
-          </a:gsLst>
-          <a:lin ang="16200000" scaled="0"/>
-        </a:gradFill>
-      </a:fillStyleLst>
-      <a:lnStyleLst>
-        <a:ln w="9525" cap="flat" cmpd="sng" algn="ctr">
-          <a:solidFill>
-            <a:schemeClr val="phClr">
-              <a:shade val="95000"/>
-              <a:satMod val="105000"/>
-            </a:schemeClr>
-          </a:solidFill>
-          <a:prstDash val="solid"/>
-        </a:ln>
-        <a:ln w="25400" cap="flat" cmpd="sng" algn="ctr">
-          <a:solidFill>
-            <a:schemeClr val="phClr"/>
-          </a:solidFill>
-          <a:prstDash val="solid"/>
-        </a:ln>
-        <a:ln w="38100" cap="flat" cmpd="sng" algn="ctr">
-          <a:solidFill>
-            <a:schemeClr val="phClr"/>
-          </a:solidFill>
-          <a:prstDash val="solid"/>
-        </a:ln>
-      </a:lnStyleLst>
-      <a:effectStyleLst>
-        <a:effectStyle>
-          <a:effectLst>
-            <a:outerShdw blurRad="40000" dist="20000" dir="5400000" rotWithShape="0">
-              <a:srgbClr val="000000">
-                <a:alpha val="38000"/>
-              </a:srgbClr>
-            </a:outerShdw>
-          </a:effectLst>
-        </a:effectStyle>
-        <a:effectStyle>
-          <a:effectLst>
-            <a:outerShdw blurRad="40000" dist="23000" dir="5400000" rotWithShape="0">
-              <a:srgbClr val="000000">
-                <a:alpha val="35000"/>
-              </a:srgbClr>
-            </a:outerShdw>
-          </a:effectLst>
-        </a:effectStyle>
-        <a:effectStyle>
-          <a:effectLst>
-            <a:outerShdw blurRad="40000" dist="23000" dir="5400000" rotWithShape="0">
-              <a:srgbClr val="000000">
-                <a:alpha val="35000"/>
-              </a:srgbClr>
-            </a:outerShdw>
-          </a:effectLst>
-          <a:scene3d>
-            <a:camera prst="orthographicFront">
-              <a:rot lat="0" lon="0" rev="0"/>
-            </a:camera>
-            <a:lightRig rig="threePt" dir="t">
-              <a:rot lat="0" lon="0" rev="1200000"/>
-            </a:lightRig>
-          </a:scene3d>
-          <a:sp3d>
-            <a:bevelT w="63500" h="25400"/>
-          </a:sp3d>
-        </a:effectStyle>
-      </a:effectStyleLst>
-      <a:bgFillStyleLst>
-        <a:solidFill>
-          <a:schemeClr val="phClr"/>
-        </a:solidFill>
-        <a:gradFill rotWithShape="1">
-          <a:gsLst>
-            <a:gs pos="0">
-              <a:schemeClr val="phClr">
-                <a:tint val="40000"/>
-                <a:satMod val="350000"/>
-              </a:schemeClr>
-            </a:gs>
-            <a:gs pos="40000">
-              <a:schemeClr val="phClr">
-                <a:tint val="45000"/>
-                <a:shade val="99000"/>
-                <a:satMod val="350000"/>
-              </a:schemeClr>
-            </a:gs>
-            <a:gs pos="100000">
-              <a:schemeClr val="phClr">
-                <a:shade val="20000"/>
-                <a:satMod val="255000"/>
-              </a:schemeClr>
-            </a:gs>
-          </a:gsLst>
-          <a:path path="circle">
-            <a:fillToRect l="50000" t="-80000" r="50000" b="180000"/>
-          </a:path>
-        </a:gradFill>
-        <a:gradFill rotWithShape="1">
-          <a:gsLst>
-            <a:gs pos="0">
-              <a:schemeClr val="phClr">
-                <a:tint val="80000"/>
-                <a:satMod val="300000"/>
-              </a:schemeClr>
-            </a:gs>
-            <a:gs pos="100000">
-              <a:schemeClr val="phClr">
-                <a:shade val="30000"/>
-                <a:satMod val="200000"/>
-              </a:schemeClr>
-            </a:gs>
-          </a:gsLst>
-          <a:path path="circle">
-            <a:fillToRect l="50000" t="50000" r="50000" b="50000"/>
-          </a:path>
-        </a:gradFill>
-      </a:bgFillStyleLst>
-    </a:fmtScheme>
-  </a:themeElements>
-</a:theme>
 </file>
--- a/Lecture slides/AMOS C01 - Demo Day Preparation.pptx
+++ b/Lecture slides/AMOS C01 - Demo Day Preparation.pptx
@@ -732,7 +732,7 @@
       </p:grpSpPr>
       <p:sp>
         <p:nvSpPr>
-          <p:cNvPr id="33" name="Google Shape;33;g1a19e7038b0_0_32:notes"/>
+          <p:cNvPr id="33" name="Google Shape;33;g2cd8d5558b2_0_59:notes"/>
           <p:cNvSpPr/>
           <p:nvPr>
             <p:ph idx="2" type="sldImg"/>
@@ -767,7 +767,7 @@
       </p:sp>
       <p:sp>
         <p:nvSpPr>
-          <p:cNvPr id="34" name="Google Shape;34;g1a19e7038b0_0_32:notes"/>
+          <p:cNvPr id="34" name="Google Shape;34;g2cd8d5558b2_0_59:notes"/>
           <p:cNvSpPr txBox="1"/>
           <p:nvPr>
             <p:ph idx="1" type="body"/>
@@ -4478,7 +4478,7 @@
               <a:buNone/>
             </a:pPr>
             <a:r>
-              <a:rPr b="0" lang="en" sz="900" u="sng">
+              <a:rPr b="0" lang="en" sz="1000" u="sng">
                 <a:solidFill>
                   <a:schemeClr val="hlink"/>
                 </a:solidFill>
@@ -4487,10 +4487,10 @@
               <a:t>uni1.de/amos</a:t>
             </a:r>
             <a:r>
-              <a:rPr b="0" lang="en" sz="900"/>
+              <a:rPr b="0" lang="en" sz="1000"/>
               <a:t> </a:t>
             </a:r>
-            <a:endParaRPr b="0" sz="900"/>
+            <a:endParaRPr b="0" sz="1000"/>
           </a:p>
         </p:txBody>
       </p:sp>
@@ -5069,7 +5069,7 @@
               <a:buNone/>
             </a:pPr>
             <a:r>
-              <a:rPr b="0" lang="en" sz="900" u="sng">
+              <a:rPr b="0" lang="en" sz="1000" u="sng">
                 <a:solidFill>
                   <a:schemeClr val="hlink"/>
                 </a:solidFill>
@@ -5078,10 +5078,10 @@
               <a:t>uni1.de/amos</a:t>
             </a:r>
             <a:r>
-              <a:rPr b="0" lang="en" sz="900"/>
+              <a:rPr b="0" lang="en" sz="1000"/>
               <a:t> </a:t>
             </a:r>
-            <a:endParaRPr b="0" sz="900"/>
+            <a:endParaRPr b="0" sz="1000"/>
           </a:p>
         </p:txBody>
       </p:sp>
@@ -5403,7 +5403,7 @@
               <a:buNone/>
             </a:pPr>
             <a:r>
-              <a:rPr b="0" lang="en" sz="900" u="sng">
+              <a:rPr b="0" lang="en" sz="1000" u="sng">
                 <a:solidFill>
                   <a:schemeClr val="hlink"/>
                 </a:solidFill>
@@ -5412,10 +5412,10 @@
               <a:t>uni1.de/amos</a:t>
             </a:r>
             <a:r>
-              <a:rPr b="0" lang="en" sz="900"/>
+              <a:rPr b="0" lang="en" sz="1000"/>
               <a:t> </a:t>
             </a:r>
-            <a:endParaRPr b="0" sz="900"/>
+            <a:endParaRPr b="0" sz="1000"/>
           </a:p>
         </p:txBody>
       </p:sp>
@@ -6882,7 +6882,7 @@
               </a:rPr>
               <a:t>CC BY 4.0 International</a:t>
             </a:r>
-            <a:endParaRPr/>
+            <a:endParaRPr sz="1800"/>
           </a:p>
         </p:txBody>
       </p:sp>
@@ -6984,18 +6984,10 @@
               <a:buNone/>
             </a:pPr>
             <a:fld id="{00000000-1234-1234-1234-123412341234}" type="slidenum">
-              <a:rPr lang="en">
-                <a:solidFill>
-                  <a:schemeClr val="dk2"/>
-                </a:solidFill>
-              </a:rPr>
+              <a:rPr lang="en"/>
               <a:t>‹#›</a:t>
             </a:fld>
-            <a:endParaRPr>
-              <a:solidFill>
-                <a:schemeClr val="dk2"/>
-              </a:solidFill>
-            </a:endParaRPr>
+            <a:endParaRPr/>
           </a:p>
           <a:p>
             <a:pPr indent="0" lvl="0" marL="0" rtl="0" algn="r">
@@ -7008,7 +7000,7 @@
               <a:buNone/>
             </a:pPr>
             <a:r>
-              <a:rPr b="0" lang="en" sz="900" u="sng">
+              <a:rPr b="0" lang="en" sz="1000" u="sng">
                 <a:solidFill>
                   <a:schemeClr val="hlink"/>
                 </a:solidFill>
@@ -7017,18 +7009,10 @@
               <a:t>uni1.de/amos</a:t>
             </a:r>
             <a:r>
-              <a:rPr b="0" lang="en" sz="900">
-                <a:solidFill>
-                  <a:schemeClr val="dk2"/>
-                </a:solidFill>
-              </a:rPr>
+              <a:rPr b="0" lang="en" sz="1000"/>
               <a:t> </a:t>
             </a:r>
-            <a:endParaRPr b="0" sz="900">
-              <a:solidFill>
-                <a:schemeClr val="dk2"/>
-              </a:solidFill>
-            </a:endParaRPr>
+            <a:endParaRPr b="0" sz="1000"/>
           </a:p>
         </p:txBody>
       </p:sp>
@@ -7212,18 +7196,10 @@
               <a:buNone/>
             </a:pPr>
             <a:fld id="{00000000-1234-1234-1234-123412341234}" type="slidenum">
-              <a:rPr lang="en">
-                <a:solidFill>
-                  <a:schemeClr val="dk2"/>
-                </a:solidFill>
-              </a:rPr>
+              <a:rPr lang="en"/>
               <a:t>‹#›</a:t>
             </a:fld>
-            <a:endParaRPr>
-              <a:solidFill>
-                <a:schemeClr val="dk2"/>
-              </a:solidFill>
-            </a:endParaRPr>
+            <a:endParaRPr/>
           </a:p>
           <a:p>
             <a:pPr indent="0" lvl="0" marL="0" rtl="0" algn="r">
@@ -7236,7 +7212,7 @@
               <a:buNone/>
             </a:pPr>
             <a:r>
-              <a:rPr b="0" lang="en" sz="900" u="sng">
+              <a:rPr b="0" lang="en" sz="1000" u="sng">
                 <a:solidFill>
                   <a:schemeClr val="hlink"/>
                 </a:solidFill>
@@ -7245,18 +7221,10 @@
               <a:t>uni1.de/amos</a:t>
             </a:r>
             <a:r>
-              <a:rPr b="0" lang="en" sz="900">
-                <a:solidFill>
-                  <a:schemeClr val="dk2"/>
-                </a:solidFill>
-              </a:rPr>
+              <a:rPr b="0" lang="en" sz="1000"/>
               <a:t> </a:t>
             </a:r>
-            <a:endParaRPr b="0" sz="900">
-              <a:solidFill>
-                <a:schemeClr val="dk2"/>
-              </a:solidFill>
-            </a:endParaRPr>
+            <a:endParaRPr b="0" sz="1000"/>
           </a:p>
         </p:txBody>
       </p:sp>
@@ -7275,7 +7243,7 @@
             <a:tbl>
               <a:tblPr>
                 <a:noFill/>
-                <a:tableStyleId>{A43B771E-8FA1-41C3-A1AB-BAEB3866DD78}</a:tableStyleId>
+                <a:tableStyleId>{233727CC-F86F-4C50-AE34-DD341A235C3F}</a:tableStyleId>
               </a:tblPr>
               <a:tblGrid>
                 <a:gridCol w="1315250"/>
@@ -8159,18 +8127,10 @@
               <a:buNone/>
             </a:pPr>
             <a:fld id="{00000000-1234-1234-1234-123412341234}" type="slidenum">
-              <a:rPr lang="en">
-                <a:solidFill>
-                  <a:schemeClr val="dk2"/>
-                </a:solidFill>
-              </a:rPr>
+              <a:rPr lang="en"/>
               <a:t>‹#›</a:t>
             </a:fld>
-            <a:endParaRPr>
-              <a:solidFill>
-                <a:schemeClr val="dk2"/>
-              </a:solidFill>
-            </a:endParaRPr>
+            <a:endParaRPr/>
           </a:p>
           <a:p>
             <a:pPr indent="0" lvl="0" marL="0" rtl="0" algn="r">
@@ -8183,7 +8143,7 @@
               <a:buNone/>
             </a:pPr>
             <a:r>
-              <a:rPr b="0" lang="en" sz="900" u="sng">
+              <a:rPr b="0" lang="en" sz="1000" u="sng">
                 <a:solidFill>
                   <a:schemeClr val="hlink"/>
                 </a:solidFill>
@@ -8192,18 +8152,10 @@
               <a:t>uni1.de/amos</a:t>
             </a:r>
             <a:r>
-              <a:rPr b="0" lang="en" sz="900">
-                <a:solidFill>
-                  <a:schemeClr val="dk2"/>
-                </a:solidFill>
-              </a:rPr>
+              <a:rPr b="0" lang="en" sz="1000"/>
               <a:t> </a:t>
             </a:r>
-            <a:endParaRPr b="0" sz="900">
-              <a:solidFill>
-                <a:schemeClr val="dk2"/>
-              </a:solidFill>
-            </a:endParaRPr>
+            <a:endParaRPr b="0" sz="1000"/>
           </a:p>
         </p:txBody>
       </p:sp>
@@ -8802,18 +8754,10 @@
               <a:buNone/>
             </a:pPr>
             <a:fld id="{00000000-1234-1234-1234-123412341234}" type="slidenum">
-              <a:rPr lang="en">
-                <a:solidFill>
-                  <a:schemeClr val="dk2"/>
-                </a:solidFill>
-              </a:rPr>
+              <a:rPr lang="en"/>
               <a:t>‹#›</a:t>
             </a:fld>
-            <a:endParaRPr>
-              <a:solidFill>
-                <a:schemeClr val="dk2"/>
-              </a:solidFill>
-            </a:endParaRPr>
+            <a:endParaRPr/>
           </a:p>
           <a:p>
             <a:pPr indent="0" lvl="0" marL="0" rtl="0" algn="r">
@@ -8826,7 +8770,7 @@
               <a:buNone/>
             </a:pPr>
             <a:r>
-              <a:rPr b="0" lang="en" sz="900" u="sng">
+              <a:rPr b="0" lang="en" sz="1000" u="sng">
                 <a:solidFill>
                   <a:schemeClr val="hlink"/>
                 </a:solidFill>
@@ -8835,18 +8779,10 @@
               <a:t>uni1.de/amos</a:t>
             </a:r>
             <a:r>
-              <a:rPr b="0" lang="en" sz="900">
-                <a:solidFill>
-                  <a:schemeClr val="dk2"/>
-                </a:solidFill>
-              </a:rPr>
+              <a:rPr b="0" lang="en" sz="1000"/>
               <a:t> </a:t>
             </a:r>
-            <a:endParaRPr b="0" sz="900">
-              <a:solidFill>
-                <a:schemeClr val="dk2"/>
-              </a:solidFill>
-            </a:endParaRPr>
+            <a:endParaRPr b="0" sz="1000"/>
           </a:p>
         </p:txBody>
       </p:sp>
@@ -9049,18 +8985,10 @@
               <a:buNone/>
             </a:pPr>
             <a:fld id="{00000000-1234-1234-1234-123412341234}" type="slidenum">
-              <a:rPr lang="en">
-                <a:solidFill>
-                  <a:schemeClr val="dk2"/>
-                </a:solidFill>
-              </a:rPr>
+              <a:rPr lang="en"/>
               <a:t>‹#›</a:t>
             </a:fld>
-            <a:endParaRPr>
-              <a:solidFill>
-                <a:schemeClr val="dk2"/>
-              </a:solidFill>
-            </a:endParaRPr>
+            <a:endParaRPr/>
           </a:p>
           <a:p>
             <a:pPr indent="0" lvl="0" marL="0" rtl="0" algn="r">
@@ -9073,7 +9001,7 @@
               <a:buNone/>
             </a:pPr>
             <a:r>
-              <a:rPr b="0" lang="en" sz="900" u="sng">
+              <a:rPr b="0" lang="en" sz="1000" u="sng">
                 <a:solidFill>
                   <a:schemeClr val="hlink"/>
                 </a:solidFill>
@@ -9082,18 +9010,10 @@
               <a:t>uni1.de/amos</a:t>
             </a:r>
             <a:r>
-              <a:rPr b="0" lang="en" sz="900">
-                <a:solidFill>
-                  <a:schemeClr val="dk2"/>
-                </a:solidFill>
-              </a:rPr>
+              <a:rPr b="0" lang="en" sz="1000"/>
               <a:t> </a:t>
             </a:r>
-            <a:endParaRPr b="0" sz="900">
-              <a:solidFill>
-                <a:schemeClr val="dk2"/>
-              </a:solidFill>
-            </a:endParaRPr>
+            <a:endParaRPr b="0" sz="1000"/>
           </a:p>
         </p:txBody>
       </p:sp>
@@ -9269,18 +9189,10 @@
               <a:buNone/>
             </a:pPr>
             <a:fld id="{00000000-1234-1234-1234-123412341234}" type="slidenum">
-              <a:rPr lang="en">
-                <a:solidFill>
-                  <a:schemeClr val="dk2"/>
-                </a:solidFill>
-              </a:rPr>
+              <a:rPr lang="en"/>
               <a:t>‹#›</a:t>
             </a:fld>
-            <a:endParaRPr>
-              <a:solidFill>
-                <a:schemeClr val="dk2"/>
-              </a:solidFill>
-            </a:endParaRPr>
+            <a:endParaRPr/>
           </a:p>
           <a:p>
             <a:pPr indent="0" lvl="0" marL="0" rtl="0" algn="r">
@@ -9293,7 +9205,7 @@
               <a:buNone/>
             </a:pPr>
             <a:r>
-              <a:rPr b="0" lang="en" sz="900" u="sng">
+              <a:rPr b="0" lang="en" sz="1000" u="sng">
                 <a:solidFill>
                   <a:schemeClr val="hlink"/>
                 </a:solidFill>
@@ -9302,18 +9214,10 @@
               <a:t>uni1.de/amos</a:t>
             </a:r>
             <a:r>
-              <a:rPr b="0" lang="en" sz="900">
-                <a:solidFill>
-                  <a:schemeClr val="dk2"/>
-                </a:solidFill>
-              </a:rPr>
+              <a:rPr b="0" lang="en" sz="1000"/>
               <a:t> </a:t>
             </a:r>
-            <a:endParaRPr b="0" sz="900">
-              <a:solidFill>
-                <a:schemeClr val="dk2"/>
-              </a:solidFill>
-            </a:endParaRPr>
+            <a:endParaRPr b="0" sz="1000"/>
           </a:p>
         </p:txBody>
       </p:sp>
@@ -9524,18 +9428,10 @@
               <a:buNone/>
             </a:pPr>
             <a:fld id="{00000000-1234-1234-1234-123412341234}" type="slidenum">
-              <a:rPr lang="en">
-                <a:solidFill>
-                  <a:schemeClr val="dk2"/>
-                </a:solidFill>
-              </a:rPr>
+              <a:rPr lang="en"/>
               <a:t>‹#›</a:t>
             </a:fld>
-            <a:endParaRPr>
-              <a:solidFill>
-                <a:schemeClr val="dk2"/>
-              </a:solidFill>
-            </a:endParaRPr>
+            <a:endParaRPr/>
           </a:p>
           <a:p>
             <a:pPr indent="0" lvl="0" marL="0" rtl="0" algn="r">
@@ -9548,7 +9444,7 @@
               <a:buNone/>
             </a:pPr>
             <a:r>
-              <a:rPr b="0" lang="en" sz="900" u="sng">
+              <a:rPr b="0" lang="en" sz="1000" u="sng">
                 <a:solidFill>
                   <a:schemeClr val="hlink"/>
                 </a:solidFill>
@@ -9557,18 +9453,10 @@
               <a:t>uni1.de/amos</a:t>
             </a:r>
             <a:r>
-              <a:rPr b="0" lang="en" sz="900">
-                <a:solidFill>
-                  <a:schemeClr val="dk2"/>
-                </a:solidFill>
-              </a:rPr>
+              <a:rPr b="0" lang="en" sz="1000"/>
               <a:t> </a:t>
             </a:r>
-            <a:endParaRPr b="0" sz="900">
-              <a:solidFill>
-                <a:schemeClr val="dk2"/>
-              </a:solidFill>
-            </a:endParaRPr>
+            <a:endParaRPr b="0" sz="1000"/>
           </a:p>
         </p:txBody>
       </p:sp>
@@ -9710,18 +9598,10 @@
               <a:buNone/>
             </a:pPr>
             <a:fld id="{00000000-1234-1234-1234-123412341234}" type="slidenum">
-              <a:rPr lang="en">
-                <a:solidFill>
-                  <a:schemeClr val="dk2"/>
-                </a:solidFill>
-              </a:rPr>
+              <a:rPr lang="en"/>
               <a:t>‹#›</a:t>
             </a:fld>
-            <a:endParaRPr>
-              <a:solidFill>
-                <a:schemeClr val="dk2"/>
-              </a:solidFill>
-            </a:endParaRPr>
+            <a:endParaRPr/>
           </a:p>
           <a:p>
             <a:pPr indent="0" lvl="0" marL="0" rtl="0" algn="r">
@@ -9734,7 +9614,7 @@
               <a:buNone/>
             </a:pPr>
             <a:r>
-              <a:rPr b="0" lang="en" sz="900" u="sng">
+              <a:rPr b="0" lang="en" sz="1000" u="sng">
                 <a:solidFill>
                   <a:schemeClr val="hlink"/>
                 </a:solidFill>
@@ -9743,18 +9623,10 @@
               <a:t>uni1.de/amos</a:t>
             </a:r>
             <a:r>
-              <a:rPr b="0" lang="en" sz="900">
-                <a:solidFill>
-                  <a:schemeClr val="dk2"/>
-                </a:solidFill>
-              </a:rPr>
+              <a:rPr b="0" lang="en" sz="1000"/>
               <a:t> </a:t>
             </a:r>
-            <a:endParaRPr b="0" sz="900">
-              <a:solidFill>
-                <a:schemeClr val="dk2"/>
-              </a:solidFill>
-            </a:endParaRPr>
+            <a:endParaRPr b="0" sz="1000"/>
           </a:p>
         </p:txBody>
       </p:sp>
@@ -9896,18 +9768,10 @@
               <a:buNone/>
             </a:pPr>
             <a:fld id="{00000000-1234-1234-1234-123412341234}" type="slidenum">
-              <a:rPr lang="en">
-                <a:solidFill>
-                  <a:schemeClr val="dk2"/>
-                </a:solidFill>
-              </a:rPr>
+              <a:rPr lang="en"/>
               <a:t>‹#›</a:t>
             </a:fld>
-            <a:endParaRPr>
-              <a:solidFill>
-                <a:schemeClr val="dk2"/>
-              </a:solidFill>
-            </a:endParaRPr>
+            <a:endParaRPr/>
           </a:p>
           <a:p>
             <a:pPr indent="0" lvl="0" marL="0" rtl="0" algn="r">
@@ -9920,7 +9784,7 @@
               <a:buNone/>
             </a:pPr>
             <a:r>
-              <a:rPr b="0" lang="en" sz="900" u="sng">
+              <a:rPr b="0" lang="en" sz="1000" u="sng">
                 <a:solidFill>
                   <a:schemeClr val="hlink"/>
                 </a:solidFill>
@@ -9929,18 +9793,10 @@
               <a:t>uni1.de/amos</a:t>
             </a:r>
             <a:r>
-              <a:rPr b="0" lang="en" sz="900">
-                <a:solidFill>
-                  <a:schemeClr val="dk2"/>
-                </a:solidFill>
-              </a:rPr>
+              <a:rPr b="0" lang="en" sz="1000"/>
               <a:t> </a:t>
             </a:r>
-            <a:endParaRPr b="0" sz="900">
-              <a:solidFill>
-                <a:schemeClr val="dk2"/>
-              </a:solidFill>
-            </a:endParaRPr>
+            <a:endParaRPr b="0" sz="1000"/>
           </a:p>
         </p:txBody>
       </p:sp>
@@ -10268,18 +10124,10 @@
               <a:buNone/>
             </a:pPr>
             <a:fld id="{00000000-1234-1234-1234-123412341234}" type="slidenum">
-              <a:rPr lang="en">
-                <a:solidFill>
-                  <a:schemeClr val="dk2"/>
-                </a:solidFill>
-              </a:rPr>
+              <a:rPr lang="en"/>
               <a:t>‹#›</a:t>
             </a:fld>
-            <a:endParaRPr>
-              <a:solidFill>
-                <a:schemeClr val="dk2"/>
-              </a:solidFill>
-            </a:endParaRPr>
+            <a:endParaRPr/>
           </a:p>
           <a:p>
             <a:pPr indent="0" lvl="0" marL="0" rtl="0" algn="r">
@@ -10292,7 +10140,7 @@
               <a:buNone/>
             </a:pPr>
             <a:r>
-              <a:rPr b="0" lang="en" sz="900" u="sng">
+              <a:rPr b="0" lang="en" sz="1000" u="sng">
                 <a:solidFill>
                   <a:schemeClr val="hlink"/>
                 </a:solidFill>
@@ -10301,18 +10149,10 @@
               <a:t>uni1.de/amos</a:t>
             </a:r>
             <a:r>
-              <a:rPr b="0" lang="en" sz="900">
-                <a:solidFill>
-                  <a:schemeClr val="dk2"/>
-                </a:solidFill>
-              </a:rPr>
+              <a:rPr b="0" lang="en" sz="1000"/>
               <a:t> </a:t>
             </a:r>
-            <a:endParaRPr b="0" sz="900">
-              <a:solidFill>
-                <a:schemeClr val="dk2"/>
-              </a:solidFill>
-            </a:endParaRPr>
+            <a:endParaRPr b="0" sz="1000"/>
           </a:p>
         </p:txBody>
       </p:sp>
@@ -10536,18 +10376,10 @@
               <a:buNone/>
             </a:pPr>
             <a:fld id="{00000000-1234-1234-1234-123412341234}" type="slidenum">
-              <a:rPr lang="en">
-                <a:solidFill>
-                  <a:schemeClr val="dk2"/>
-                </a:solidFill>
-              </a:rPr>
+              <a:rPr lang="en"/>
               <a:t>‹#›</a:t>
             </a:fld>
-            <a:endParaRPr>
-              <a:solidFill>
-                <a:schemeClr val="dk2"/>
-              </a:solidFill>
-            </a:endParaRPr>
+            <a:endParaRPr/>
           </a:p>
           <a:p>
             <a:pPr indent="0" lvl="0" marL="0" rtl="0" algn="r">
@@ -10560,7 +10392,7 @@
               <a:buNone/>
             </a:pPr>
             <a:r>
-              <a:rPr b="0" lang="en" sz="900" u="sng">
+              <a:rPr b="0" lang="en" sz="1000" u="sng">
                 <a:solidFill>
                   <a:schemeClr val="hlink"/>
                 </a:solidFill>
@@ -10569,18 +10401,10 @@
               <a:t>uni1.de/amos</a:t>
             </a:r>
             <a:r>
-              <a:rPr b="0" lang="en" sz="900">
-                <a:solidFill>
-                  <a:schemeClr val="dk2"/>
-                </a:solidFill>
-              </a:rPr>
+              <a:rPr b="0" lang="en" sz="1000"/>
               <a:t> </a:t>
             </a:r>
-            <a:endParaRPr b="0" sz="900">
-              <a:solidFill>
-                <a:schemeClr val="dk2"/>
-              </a:solidFill>
-            </a:endParaRPr>
+            <a:endParaRPr b="0" sz="1000"/>
           </a:p>
         </p:txBody>
       </p:sp>
@@ -10722,18 +10546,10 @@
               <a:buNone/>
             </a:pPr>
             <a:fld id="{00000000-1234-1234-1234-123412341234}" type="slidenum">
-              <a:rPr lang="en">
-                <a:solidFill>
-                  <a:schemeClr val="dk2"/>
-                </a:solidFill>
-              </a:rPr>
+              <a:rPr lang="en"/>
               <a:t>‹#›</a:t>
             </a:fld>
-            <a:endParaRPr>
-              <a:solidFill>
-                <a:schemeClr val="dk2"/>
-              </a:solidFill>
-            </a:endParaRPr>
+            <a:endParaRPr/>
           </a:p>
           <a:p>
             <a:pPr indent="0" lvl="0" marL="0" rtl="0" algn="r">
@@ -10746,7 +10562,7 @@
               <a:buNone/>
             </a:pPr>
             <a:r>
-              <a:rPr b="0" lang="en" sz="900" u="sng">
+              <a:rPr b="0" lang="en" sz="1000" u="sng">
                 <a:solidFill>
                   <a:schemeClr val="hlink"/>
                 </a:solidFill>
@@ -10755,18 +10571,10 @@
               <a:t>uni1.de/amos</a:t>
             </a:r>
             <a:r>
-              <a:rPr b="0" lang="en" sz="900">
-                <a:solidFill>
-                  <a:schemeClr val="dk2"/>
-                </a:solidFill>
-              </a:rPr>
+              <a:rPr b="0" lang="en" sz="1000"/>
               <a:t> </a:t>
             </a:r>
-            <a:endParaRPr b="0" sz="900">
-              <a:solidFill>
-                <a:schemeClr val="dk2"/>
-              </a:solidFill>
-            </a:endParaRPr>
+            <a:endParaRPr b="0" sz="1000"/>
           </a:p>
         </p:txBody>
       </p:sp>
@@ -11079,18 +10887,10 @@
               <a:buNone/>
             </a:pPr>
             <a:fld id="{00000000-1234-1234-1234-123412341234}" type="slidenum">
-              <a:rPr lang="en">
-                <a:solidFill>
-                  <a:schemeClr val="dk2"/>
-                </a:solidFill>
-              </a:rPr>
+              <a:rPr lang="en"/>
               <a:t>‹#›</a:t>
             </a:fld>
-            <a:endParaRPr>
-              <a:solidFill>
-                <a:schemeClr val="dk2"/>
-              </a:solidFill>
-            </a:endParaRPr>
+            <a:endParaRPr/>
           </a:p>
           <a:p>
             <a:pPr indent="0" lvl="0" marL="0" rtl="0" algn="r">
@@ -11103,7 +10903,7 @@
               <a:buNone/>
             </a:pPr>
             <a:r>
-              <a:rPr b="0" lang="en" sz="900" u="sng">
+              <a:rPr b="0" lang="en" sz="1000" u="sng">
                 <a:solidFill>
                   <a:schemeClr val="hlink"/>
                 </a:solidFill>
@@ -11112,18 +10912,10 @@
               <a:t>uni1.de/amos</a:t>
             </a:r>
             <a:r>
-              <a:rPr b="0" lang="en" sz="900">
-                <a:solidFill>
-                  <a:schemeClr val="dk2"/>
-                </a:solidFill>
-              </a:rPr>
+              <a:rPr b="0" lang="en" sz="1000"/>
               <a:t> </a:t>
             </a:r>
-            <a:endParaRPr b="0" sz="900">
-              <a:solidFill>
-                <a:schemeClr val="dk2"/>
-              </a:solidFill>
-            </a:endParaRPr>
+            <a:endParaRPr b="0" sz="1000"/>
           </a:p>
         </p:txBody>
       </p:sp>
@@ -11409,18 +11201,10 @@
               <a:buNone/>
             </a:pPr>
             <a:fld id="{00000000-1234-1234-1234-123412341234}" type="slidenum">
-              <a:rPr lang="en">
-                <a:solidFill>
-                  <a:schemeClr val="dk2"/>
-                </a:solidFill>
-              </a:rPr>
+              <a:rPr lang="en"/>
               <a:t>‹#›</a:t>
             </a:fld>
-            <a:endParaRPr>
-              <a:solidFill>
-                <a:schemeClr val="dk2"/>
-              </a:solidFill>
-            </a:endParaRPr>
+            <a:endParaRPr/>
           </a:p>
           <a:p>
             <a:pPr indent="0" lvl="0" marL="0" rtl="0" algn="r">
@@ -11442,18 +11226,10 @@
               <a:t>uni1.de/amos</a:t>
             </a:r>
             <a:r>
-              <a:rPr b="0" lang="en" sz="900">
-                <a:solidFill>
-                  <a:schemeClr val="dk2"/>
-                </a:solidFill>
-              </a:rPr>
+              <a:rPr b="0" lang="en" sz="900"/>
               <a:t> </a:t>
             </a:r>
-            <a:endParaRPr b="0" sz="900">
-              <a:solidFill>
-                <a:schemeClr val="dk2"/>
-              </a:solidFill>
-            </a:endParaRPr>
+            <a:endParaRPr b="0" sz="900"/>
           </a:p>
         </p:txBody>
       </p:sp>
@@ -11554,7 +11330,7 @@
             </a:pPr>
             <a:r>
               <a:rPr lang="en"/>
-              <a:t>© Copyright 2024 Dirk Riehle, some rights reserved</a:t>
+              <a:t>© Copyright 2009, 2024 Dirk Riehle, some rights reserved</a:t>
             </a:r>
             <a:endParaRPr/>
           </a:p>
@@ -11738,18 +11514,10 @@
               <a:buNone/>
             </a:pPr>
             <a:fld id="{00000000-1234-1234-1234-123412341234}" type="slidenum">
-              <a:rPr lang="en">
-                <a:solidFill>
-                  <a:schemeClr val="dk2"/>
-                </a:solidFill>
-              </a:rPr>
+              <a:rPr lang="en"/>
               <a:t>‹#›</a:t>
             </a:fld>
-            <a:endParaRPr>
-              <a:solidFill>
-                <a:schemeClr val="dk2"/>
-              </a:solidFill>
-            </a:endParaRPr>
+            <a:endParaRPr/>
           </a:p>
           <a:p>
             <a:pPr indent="0" lvl="0" marL="0" rtl="0" algn="r">
@@ -11762,7 +11530,7 @@
               <a:buNone/>
             </a:pPr>
             <a:r>
-              <a:rPr b="0" lang="en" sz="900" u="sng">
+              <a:rPr b="0" lang="en" sz="1000" u="sng">
                 <a:solidFill>
                   <a:schemeClr val="hlink"/>
                 </a:solidFill>
@@ -11771,18 +11539,10 @@
               <a:t>uni1.de/amos</a:t>
             </a:r>
             <a:r>
-              <a:rPr b="0" lang="en" sz="900">
-                <a:solidFill>
-                  <a:schemeClr val="dk2"/>
-                </a:solidFill>
-              </a:rPr>
+              <a:rPr b="0" lang="en" sz="1000"/>
               <a:t> </a:t>
             </a:r>
-            <a:endParaRPr b="0" sz="900">
-              <a:solidFill>
-                <a:schemeClr val="dk2"/>
-              </a:solidFill>
-            </a:endParaRPr>
+            <a:endParaRPr b="0" sz="1000"/>
           </a:p>
         </p:txBody>
       </p:sp>
@@ -11952,18 +11712,10 @@
               <a:buNone/>
             </a:pPr>
             <a:fld id="{00000000-1234-1234-1234-123412341234}" type="slidenum">
-              <a:rPr lang="en">
-                <a:solidFill>
-                  <a:schemeClr val="dk2"/>
-                </a:solidFill>
-              </a:rPr>
+              <a:rPr lang="en"/>
               <a:t>‹#›</a:t>
             </a:fld>
-            <a:endParaRPr>
-              <a:solidFill>
-                <a:schemeClr val="dk2"/>
-              </a:solidFill>
-            </a:endParaRPr>
+            <a:endParaRPr/>
           </a:p>
           <a:p>
             <a:pPr indent="0" lvl="0" marL="0" rtl="0" algn="r">
@@ -11976,7 +11728,7 @@
               <a:buNone/>
             </a:pPr>
             <a:r>
-              <a:rPr b="0" lang="en" sz="900" u="sng">
+              <a:rPr b="0" lang="en" sz="1000" u="sng">
                 <a:solidFill>
                   <a:schemeClr val="hlink"/>
                 </a:solidFill>
@@ -11985,18 +11737,10 @@
               <a:t>uni1.de/amos</a:t>
             </a:r>
             <a:r>
-              <a:rPr b="0" lang="en" sz="900">
-                <a:solidFill>
-                  <a:schemeClr val="dk2"/>
-                </a:solidFill>
-              </a:rPr>
+              <a:rPr b="0" lang="en" sz="1000"/>
               <a:t> </a:t>
             </a:r>
-            <a:endParaRPr b="0" sz="900">
-              <a:solidFill>
-                <a:schemeClr val="dk2"/>
-              </a:solidFill>
-            </a:endParaRPr>
+            <a:endParaRPr b="0" sz="1000"/>
           </a:p>
         </p:txBody>
       </p:sp>
@@ -12231,18 +11975,10 @@
               <a:buNone/>
             </a:pPr>
             <a:fld id="{00000000-1234-1234-1234-123412341234}" type="slidenum">
-              <a:rPr lang="en">
-                <a:solidFill>
-                  <a:schemeClr val="dk2"/>
-                </a:solidFill>
-              </a:rPr>
+              <a:rPr lang="en"/>
               <a:t>‹#›</a:t>
             </a:fld>
-            <a:endParaRPr>
-              <a:solidFill>
-                <a:schemeClr val="dk2"/>
-              </a:solidFill>
-            </a:endParaRPr>
+            <a:endParaRPr/>
           </a:p>
           <a:p>
             <a:pPr indent="0" lvl="0" marL="0" rtl="0" algn="r">
@@ -12255,7 +11991,7 @@
               <a:buNone/>
             </a:pPr>
             <a:r>
-              <a:rPr b="0" lang="en" sz="900" u="sng">
+              <a:rPr b="0" lang="en" sz="1000" u="sng">
                 <a:solidFill>
                   <a:schemeClr val="hlink"/>
                 </a:solidFill>
@@ -12264,18 +12000,10 @@
               <a:t>uni1.de/amos</a:t>
             </a:r>
             <a:r>
-              <a:rPr b="0" lang="en" sz="900">
-                <a:solidFill>
-                  <a:schemeClr val="dk2"/>
-                </a:solidFill>
-              </a:rPr>
+              <a:rPr b="0" lang="en" sz="1000"/>
               <a:t> </a:t>
             </a:r>
-            <a:endParaRPr b="0" sz="900">
-              <a:solidFill>
-                <a:schemeClr val="dk2"/>
-              </a:solidFill>
-            </a:endParaRPr>
+            <a:endParaRPr b="0" sz="1000"/>
           </a:p>
         </p:txBody>
       </p:sp>
@@ -12483,18 +12211,10 @@
               <a:buNone/>
             </a:pPr>
             <a:fld id="{00000000-1234-1234-1234-123412341234}" type="slidenum">
-              <a:rPr lang="en">
-                <a:solidFill>
-                  <a:schemeClr val="dk2"/>
-                </a:solidFill>
-              </a:rPr>
+              <a:rPr lang="en"/>
               <a:t>‹#›</a:t>
             </a:fld>
-            <a:endParaRPr>
-              <a:solidFill>
-                <a:schemeClr val="dk2"/>
-              </a:solidFill>
-            </a:endParaRPr>
+            <a:endParaRPr/>
           </a:p>
           <a:p>
             <a:pPr indent="0" lvl="0" marL="0" rtl="0" algn="r">
@@ -12507,7 +12227,7 @@
               <a:buNone/>
             </a:pPr>
             <a:r>
-              <a:rPr b="0" lang="en" sz="900" u="sng">
+              <a:rPr b="0" lang="en" sz="1000" u="sng">
                 <a:solidFill>
                   <a:schemeClr val="hlink"/>
                 </a:solidFill>
@@ -12516,18 +12236,10 @@
               <a:t>uni1.de/amos</a:t>
             </a:r>
             <a:r>
-              <a:rPr b="0" lang="en" sz="900">
-                <a:solidFill>
-                  <a:schemeClr val="dk2"/>
-                </a:solidFill>
-              </a:rPr>
+              <a:rPr b="0" lang="en" sz="1000"/>
               <a:t> </a:t>
             </a:r>
-            <a:endParaRPr b="0" sz="900">
-              <a:solidFill>
-                <a:schemeClr val="dk2"/>
-              </a:solidFill>
-            </a:endParaRPr>
+            <a:endParaRPr b="0" sz="1000"/>
           </a:p>
         </p:txBody>
       </p:sp>
@@ -12820,18 +12532,10 @@
               <a:buNone/>
             </a:pPr>
             <a:fld id="{00000000-1234-1234-1234-123412341234}" type="slidenum">
-              <a:rPr lang="en">
-                <a:solidFill>
-                  <a:schemeClr val="dk2"/>
-                </a:solidFill>
-              </a:rPr>
+              <a:rPr lang="en"/>
               <a:t>‹#›</a:t>
             </a:fld>
-            <a:endParaRPr>
-              <a:solidFill>
-                <a:schemeClr val="dk2"/>
-              </a:solidFill>
-            </a:endParaRPr>
+            <a:endParaRPr/>
           </a:p>
           <a:p>
             <a:pPr indent="0" lvl="0" marL="0" rtl="0" algn="r">
@@ -12844,7 +12548,7 @@
               <a:buNone/>
             </a:pPr>
             <a:r>
-              <a:rPr b="0" lang="en" sz="900" u="sng">
+              <a:rPr b="0" lang="en" sz="1000" u="sng">
                 <a:solidFill>
                   <a:schemeClr val="hlink"/>
                 </a:solidFill>
@@ -12853,18 +12557,10 @@
               <a:t>uni1.de/amos</a:t>
             </a:r>
             <a:r>
-              <a:rPr b="0" lang="en" sz="900">
-                <a:solidFill>
-                  <a:schemeClr val="dk2"/>
-                </a:solidFill>
-              </a:rPr>
+              <a:rPr b="0" lang="en" sz="1000"/>
               <a:t> </a:t>
             </a:r>
-            <a:endParaRPr b="0" sz="900">
-              <a:solidFill>
-                <a:schemeClr val="dk2"/>
-              </a:solidFill>
-            </a:endParaRPr>
+            <a:endParaRPr b="0" sz="1000"/>
           </a:p>
         </p:txBody>
       </p:sp>
@@ -12883,7 +12579,7 @@
             <a:tbl>
               <a:tblPr>
                 <a:noFill/>
-                <a:tableStyleId>{4A03AA45-6EB6-4E35-B617-69EB4233942D}</a:tableStyleId>
+                <a:tableStyleId>{E7576630-D3C2-437E-9B53-4ACB14C56179}</a:tableStyleId>
               </a:tblPr>
               <a:tblGrid>
                 <a:gridCol w="1432550"/>
@@ -15887,18 +15583,10 @@
               <a:buNone/>
             </a:pPr>
             <a:fld id="{00000000-1234-1234-1234-123412341234}" type="slidenum">
-              <a:rPr lang="en">
-                <a:solidFill>
-                  <a:schemeClr val="dk2"/>
-                </a:solidFill>
-              </a:rPr>
+              <a:rPr lang="en"/>
               <a:t>‹#›</a:t>
             </a:fld>
-            <a:endParaRPr>
-              <a:solidFill>
-                <a:schemeClr val="dk2"/>
-              </a:solidFill>
-            </a:endParaRPr>
+            <a:endParaRPr/>
           </a:p>
           <a:p>
             <a:pPr indent="0" lvl="0" marL="0" rtl="0" algn="r">
@@ -15911,7 +15599,7 @@
               <a:buNone/>
             </a:pPr>
             <a:r>
-              <a:rPr b="0" lang="en" sz="900" u="sng">
+              <a:rPr b="0" lang="en" sz="1000" u="sng">
                 <a:solidFill>
                   <a:schemeClr val="hlink"/>
                 </a:solidFill>
@@ -15920,18 +15608,10 @@
               <a:t>uni1.de/amos</a:t>
             </a:r>
             <a:r>
-              <a:rPr b="0" lang="en" sz="900">
-                <a:solidFill>
-                  <a:schemeClr val="dk2"/>
-                </a:solidFill>
-              </a:rPr>
+              <a:rPr b="0" lang="en" sz="1000"/>
               <a:t> </a:t>
             </a:r>
-            <a:endParaRPr b="0" sz="900">
-              <a:solidFill>
-                <a:schemeClr val="dk2"/>
-              </a:solidFill>
-            </a:endParaRPr>
+            <a:endParaRPr b="0" sz="1000"/>
           </a:p>
         </p:txBody>
       </p:sp>
@@ -16288,18 +15968,10 @@
               <a:buNone/>
             </a:pPr>
             <a:fld id="{00000000-1234-1234-1234-123412341234}" type="slidenum">
-              <a:rPr lang="en">
-                <a:solidFill>
-                  <a:schemeClr val="dk2"/>
-                </a:solidFill>
-              </a:rPr>
+              <a:rPr lang="en"/>
               <a:t>‹#›</a:t>
             </a:fld>
-            <a:endParaRPr>
-              <a:solidFill>
-                <a:schemeClr val="dk2"/>
-              </a:solidFill>
-            </a:endParaRPr>
+            <a:endParaRPr/>
           </a:p>
           <a:p>
             <a:pPr indent="0" lvl="0" marL="0" rtl="0" algn="r">
@@ -16312,7 +15984,7 @@
               <a:buNone/>
             </a:pPr>
             <a:r>
-              <a:rPr b="0" lang="en" sz="900" u="sng">
+              <a:rPr b="0" lang="en" sz="1000" u="sng">
                 <a:solidFill>
                   <a:schemeClr val="hlink"/>
                 </a:solidFill>
@@ -16321,18 +15993,10 @@
               <a:t>uni1.de/amos</a:t>
             </a:r>
             <a:r>
-              <a:rPr b="0" lang="en" sz="900">
-                <a:solidFill>
-                  <a:schemeClr val="dk2"/>
-                </a:solidFill>
-              </a:rPr>
+              <a:rPr b="0" lang="en" sz="1000"/>
               <a:t> </a:t>
             </a:r>
-            <a:endParaRPr b="0" sz="900">
-              <a:solidFill>
-                <a:schemeClr val="dk2"/>
-              </a:solidFill>
-            </a:endParaRPr>
+            <a:endParaRPr b="0" sz="1000"/>
           </a:p>
         </p:txBody>
       </p:sp>
@@ -16521,18 +16185,10 @@
               <a:buNone/>
             </a:pPr>
             <a:fld id="{00000000-1234-1234-1234-123412341234}" type="slidenum">
-              <a:rPr lang="en">
-                <a:solidFill>
-                  <a:schemeClr val="dk2"/>
-                </a:solidFill>
-              </a:rPr>
+              <a:rPr lang="en"/>
               <a:t>‹#›</a:t>
             </a:fld>
-            <a:endParaRPr>
-              <a:solidFill>
-                <a:schemeClr val="dk2"/>
-              </a:solidFill>
-            </a:endParaRPr>
+            <a:endParaRPr/>
           </a:p>
           <a:p>
             <a:pPr indent="0" lvl="0" marL="0" rtl="0" algn="r">
@@ -16545,7 +16201,7 @@
               <a:buNone/>
             </a:pPr>
             <a:r>
-              <a:rPr b="0" lang="en" sz="900" u="sng">
+              <a:rPr b="0" lang="en" sz="1000" u="sng">
                 <a:solidFill>
                   <a:schemeClr val="hlink"/>
                 </a:solidFill>
@@ -16554,18 +16210,10 @@
               <a:t>uni1.de/amos</a:t>
             </a:r>
             <a:r>
-              <a:rPr b="0" lang="en" sz="900">
-                <a:solidFill>
-                  <a:schemeClr val="dk2"/>
-                </a:solidFill>
-              </a:rPr>
+              <a:rPr b="0" lang="en" sz="1000"/>
               <a:t> </a:t>
             </a:r>
-            <a:endParaRPr b="0" sz="900">
-              <a:solidFill>
-                <a:schemeClr val="dk2"/>
-              </a:solidFill>
-            </a:endParaRPr>
+            <a:endParaRPr b="0" sz="1000"/>
           </a:p>
         </p:txBody>
       </p:sp>
@@ -16578,6 +16226,285 @@
 </file>
 
 <file path=ppt/theme/theme1.xml><?xml version="1.0" encoding="utf-8"?>
+<a:theme xmlns:a="http://schemas.openxmlformats.org/drawingml/2006/main" xmlns:r="http://schemas.openxmlformats.org/officeDocument/2006/relationships" name="AMOS Slides Template">
+  <a:themeElements>
+    <a:clrScheme name="Simple Light">
+      <a:dk1>
+        <a:srgbClr val="000000"/>
+      </a:dk1>
+      <a:lt1>
+        <a:srgbClr val="FFFFFF"/>
+      </a:lt1>
+      <a:dk2>
+        <a:srgbClr val="404040"/>
+      </a:dk2>
+      <a:lt2>
+        <a:srgbClr val="808080"/>
+      </a:lt2>
+      <a:accent1>
+        <a:srgbClr val="D0D0D0"/>
+      </a:accent1>
+      <a:accent2>
+        <a:srgbClr val="4169E1"/>
+      </a:accent2>
+      <a:accent3>
+        <a:srgbClr val="D50D01"/>
+      </a:accent3>
+      <a:accent4>
+        <a:srgbClr val="FEB612"/>
+      </a:accent4>
+      <a:accent5>
+        <a:srgbClr val="4CAF50"/>
+      </a:accent5>
+      <a:accent6>
+        <a:srgbClr val="8E44AD"/>
+      </a:accent6>
+      <a:hlink>
+        <a:srgbClr val="34A3C5"/>
+      </a:hlink>
+      <a:folHlink>
+        <a:srgbClr val="0097A7"/>
+      </a:folHlink>
+    </a:clrScheme>
+    <a:fontScheme name="Office">
+      <a:majorFont>
+        <a:latin typeface="Arial"/>
+        <a:ea typeface=""/>
+        <a:cs typeface=""/>
+        <a:font script="Jpan" typeface="ＭＳ Ｐゴシック"/>
+        <a:font script="Hang" typeface="맑은 고딕"/>
+        <a:font script="Hans" typeface="宋体"/>
+        <a:font script="Hant" typeface="新細明體"/>
+        <a:font script="Arab" typeface="Times New Roman"/>
+        <a:font script="Hebr" typeface="Times New Roman"/>
+        <a:font script="Thai" typeface="Angsana New"/>
+        <a:font script="Ethi" typeface="Nyala"/>
+        <a:font script="Beng" typeface="Vrinda"/>
+        <a:font script="Gujr" typeface="Shruti"/>
+        <a:font script="Khmr" typeface="MoolBoran"/>
+        <a:font script="Knda" typeface="Tunga"/>
+        <a:font script="Guru" typeface="Raavi"/>
+        <a:font script="Cans" typeface="Euphemia"/>
+        <a:font script="Cher" typeface="Plantagenet Cherokee"/>
+        <a:font script="Yiii" typeface="Microsoft Yi Baiti"/>
+        <a:font script="Tibt" typeface="Microsoft Himalaya"/>
+        <a:font script="Thaa" typeface="MV Boli"/>
+        <a:font script="Deva" typeface="Mangal"/>
+        <a:font script="Telu" typeface="Gautami"/>
+        <a:font script="Taml" typeface="Latha"/>
+        <a:font script="Syrc" typeface="Estrangelo Edessa"/>
+        <a:font script="Orya" typeface="Kalinga"/>
+        <a:font script="Mlym" typeface="Kartika"/>
+        <a:font script="Laoo" typeface="DokChampa"/>
+        <a:font script="Sinh" typeface="Iskoola Pota"/>
+        <a:font script="Mong" typeface="Mongolian Baiti"/>
+        <a:font script="Viet" typeface="Times New Roman"/>
+        <a:font script="Uigh" typeface="Microsoft Uighur"/>
+        <a:font script="Geor" typeface="Sylfaen"/>
+      </a:majorFont>
+      <a:minorFont>
+        <a:latin typeface="Arial"/>
+        <a:ea typeface=""/>
+        <a:cs typeface=""/>
+        <a:font script="Jpan" typeface="ＭＳ Ｐゴシック"/>
+        <a:font script="Hang" typeface="맑은 고딕"/>
+        <a:font script="Hans" typeface="宋体"/>
+        <a:font script="Hant" typeface="新細明體"/>
+        <a:font script="Arab" typeface="Arial"/>
+        <a:font script="Hebr" typeface="Arial"/>
+        <a:font script="Thai" typeface="Cordia New"/>
+        <a:font script="Ethi" typeface="Nyala"/>
+        <a:font script="Beng" typeface="Vrinda"/>
+        <a:font script="Gujr" typeface="Shruti"/>
+        <a:font script="Khmr" typeface="DaunPenh"/>
+        <a:font script="Knda" typeface="Tunga"/>
+        <a:font script="Guru" typeface="Raavi"/>
+        <a:font script="Cans" typeface="Euphemia"/>
+        <a:font script="Cher" typeface="Plantagenet Cherokee"/>
+        <a:font script="Yiii" typeface="Microsoft Yi Baiti"/>
+        <a:font script="Tibt" typeface="Microsoft Himalaya"/>
+        <a:font script="Thaa" typeface="MV Boli"/>
+        <a:font script="Deva" typeface="Mangal"/>
+        <a:font script="Telu" typeface="Gautami"/>
+        <a:font script="Taml" typeface="Latha"/>
+        <a:font script="Syrc" typeface="Estrangelo Edessa"/>
+        <a:font script="Orya" typeface="Kalinga"/>
+        <a:font script="Mlym" typeface="Kartika"/>
+        <a:font script="Laoo" typeface="DokChampa"/>
+        <a:font script="Sinh" typeface="Iskoola Pota"/>
+        <a:font script="Mong" typeface="Mongolian Baiti"/>
+        <a:font script="Viet" typeface="Arial"/>
+        <a:font script="Uigh" typeface="Microsoft Uighur"/>
+        <a:font script="Geor" typeface="Sylfaen"/>
+      </a:minorFont>
+    </a:fontScheme>
+    <a:fmtScheme name="Office">
+      <a:fillStyleLst>
+        <a:solidFill>
+          <a:schemeClr val="phClr"/>
+        </a:solidFill>
+        <a:gradFill rotWithShape="1">
+          <a:gsLst>
+            <a:gs pos="0">
+              <a:schemeClr val="phClr">
+                <a:tint val="50000"/>
+                <a:satMod val="300000"/>
+              </a:schemeClr>
+            </a:gs>
+            <a:gs pos="35000">
+              <a:schemeClr val="phClr">
+                <a:tint val="37000"/>
+                <a:satMod val="300000"/>
+              </a:schemeClr>
+            </a:gs>
+            <a:gs pos="100000">
+              <a:schemeClr val="phClr">
+                <a:tint val="15000"/>
+                <a:satMod val="350000"/>
+              </a:schemeClr>
+            </a:gs>
+          </a:gsLst>
+          <a:lin ang="16200000" scaled="1"/>
+        </a:gradFill>
+        <a:gradFill rotWithShape="1">
+          <a:gsLst>
+            <a:gs pos="0">
+              <a:schemeClr val="phClr">
+                <a:tint val="100000"/>
+                <a:shade val="100000"/>
+                <a:satMod val="130000"/>
+              </a:schemeClr>
+            </a:gs>
+            <a:gs pos="100000">
+              <a:schemeClr val="phClr">
+                <a:tint val="50000"/>
+                <a:shade val="100000"/>
+                <a:satMod val="350000"/>
+              </a:schemeClr>
+            </a:gs>
+          </a:gsLst>
+          <a:lin ang="16200000" scaled="0"/>
+        </a:gradFill>
+      </a:fillStyleLst>
+      <a:lnStyleLst>
+        <a:ln w="9525" cap="flat" cmpd="sng" algn="ctr">
+          <a:solidFill>
+            <a:schemeClr val="phClr">
+              <a:shade val="95000"/>
+              <a:satMod val="105000"/>
+            </a:schemeClr>
+          </a:solidFill>
+          <a:prstDash val="solid"/>
+        </a:ln>
+        <a:ln w="25400" cap="flat" cmpd="sng" algn="ctr">
+          <a:solidFill>
+            <a:schemeClr val="phClr"/>
+          </a:solidFill>
+          <a:prstDash val="solid"/>
+        </a:ln>
+        <a:ln w="38100" cap="flat" cmpd="sng" algn="ctr">
+          <a:solidFill>
+            <a:schemeClr val="phClr"/>
+          </a:solidFill>
+          <a:prstDash val="solid"/>
+        </a:ln>
+      </a:lnStyleLst>
+      <a:effectStyleLst>
+        <a:effectStyle>
+          <a:effectLst>
+            <a:outerShdw blurRad="40000" dist="20000" dir="5400000" rotWithShape="0">
+              <a:srgbClr val="000000">
+                <a:alpha val="38000"/>
+              </a:srgbClr>
+            </a:outerShdw>
+          </a:effectLst>
+        </a:effectStyle>
+        <a:effectStyle>
+          <a:effectLst>
+            <a:outerShdw blurRad="40000" dist="23000" dir="5400000" rotWithShape="0">
+              <a:srgbClr val="000000">
+                <a:alpha val="35000"/>
+              </a:srgbClr>
+            </a:outerShdw>
+          </a:effectLst>
+        </a:effectStyle>
+        <a:effectStyle>
+          <a:effectLst>
+            <a:outerShdw blurRad="40000" dist="23000" dir="5400000" rotWithShape="0">
+              <a:srgbClr val="000000">
+                <a:alpha val="35000"/>
+              </a:srgbClr>
+            </a:outerShdw>
+          </a:effectLst>
+          <a:scene3d>
+            <a:camera prst="orthographicFront">
+              <a:rot lat="0" lon="0" rev="0"/>
+            </a:camera>
+            <a:lightRig rig="threePt" dir="t">
+              <a:rot lat="0" lon="0" rev="1200000"/>
+            </a:lightRig>
+          </a:scene3d>
+          <a:sp3d>
+            <a:bevelT w="63500" h="25400"/>
+          </a:sp3d>
+        </a:effectStyle>
+      </a:effectStyleLst>
+      <a:bgFillStyleLst>
+        <a:solidFill>
+          <a:schemeClr val="phClr"/>
+        </a:solidFill>
+        <a:gradFill rotWithShape="1">
+          <a:gsLst>
+            <a:gs pos="0">
+              <a:schemeClr val="phClr">
+                <a:tint val="40000"/>
+                <a:satMod val="350000"/>
+              </a:schemeClr>
+            </a:gs>
+            <a:gs pos="40000">
+              <a:schemeClr val="phClr">
+                <a:tint val="45000"/>
+                <a:shade val="99000"/>
+                <a:satMod val="350000"/>
+              </a:schemeClr>
+            </a:gs>
+            <a:gs pos="100000">
+              <a:schemeClr val="phClr">
+                <a:shade val="20000"/>
+                <a:satMod val="255000"/>
+              </a:schemeClr>
+            </a:gs>
+          </a:gsLst>
+          <a:path path="circle">
+            <a:fillToRect l="50000" t="-80000" r="50000" b="180000"/>
+          </a:path>
+        </a:gradFill>
+        <a:gradFill rotWithShape="1">
+          <a:gsLst>
+            <a:gs pos="0">
+              <a:schemeClr val="phClr">
+                <a:tint val="80000"/>
+                <a:satMod val="300000"/>
+              </a:schemeClr>
+            </a:gs>
+            <a:gs pos="100000">
+              <a:schemeClr val="phClr">
+                <a:shade val="30000"/>
+                <a:satMod val="200000"/>
+              </a:schemeClr>
+            </a:gs>
+          </a:gsLst>
+          <a:path path="circle">
+            <a:fillToRect l="50000" t="50000" r="50000" b="50000"/>
+          </a:path>
+        </a:gradFill>
+      </a:bgFillStyleLst>
+    </a:fmtScheme>
+  </a:themeElements>
+</a:theme>
+</file>
+
+<file path=ppt/theme/theme2.xml><?xml version="1.0" encoding="utf-8"?>
 <a:theme xmlns:a="http://schemas.openxmlformats.org/drawingml/2006/main" xmlns:r="http://schemas.openxmlformats.org/officeDocument/2006/relationships">
   <a:themeElements>
     <a:clrScheme name="Default">
@@ -16854,283 +16781,4 @@
     </a:fmtScheme>
   </a:themeElements>
 </a:theme>
-</file>
-
-<file path=ppt/theme/theme2.xml><?xml version="1.0" encoding="utf-8"?>
-<a:theme xmlns:a="http://schemas.openxmlformats.org/drawingml/2006/main" xmlns:r="http://schemas.openxmlformats.org/officeDocument/2006/relationships" name="AMOS Slides Template">
-  <a:themeElements>
-    <a:clrScheme name="Simple Light">
-      <a:dk1>
-        <a:srgbClr val="000000"/>
-      </a:dk1>
-      <a:lt1>
-        <a:srgbClr val="FFFFFF"/>
-      </a:lt1>
-      <a:dk2>
-        <a:srgbClr val="404040"/>
-      </a:dk2>
-      <a:lt2>
-        <a:srgbClr val="808080"/>
-      </a:lt2>
-      <a:accent1>
-        <a:srgbClr val="D0D0D0"/>
-      </a:accent1>
-      <a:accent2>
-        <a:srgbClr val="4169E1"/>
-      </a:accent2>
-      <a:accent3>
-        <a:srgbClr val="D50D01"/>
-      </a:accent3>
-      <a:accent4>
-        <a:srgbClr val="FEB612"/>
-      </a:accent4>
-      <a:accent5>
-        <a:srgbClr val="4CAF50"/>
-      </a:accent5>
-      <a:accent6>
-        <a:srgbClr val="8E44AD"/>
-      </a:accent6>
-      <a:hlink>
-        <a:srgbClr val="34A3C5"/>
-      </a:hlink>
-      <a:folHlink>
-        <a:srgbClr val="0097A7"/>
-      </a:folHlink>
-    </a:clrScheme>
-    <a:fontScheme name="Office">
-      <a:majorFont>
-        <a:latin typeface="Arial"/>
-        <a:ea typeface=""/>
-        <a:cs typeface=""/>
-        <a:font script="Jpan" typeface="ＭＳ Ｐゴシック"/>
-        <a:font script="Hang" typeface="맑은 고딕"/>
-        <a:font script="Hans" typeface="宋体"/>
-        <a:font script="Hant" typeface="新細明體"/>
-        <a:font script="Arab" typeface="Times New Roman"/>
-        <a:font script="Hebr" typeface="Times New Roman"/>
-        <a:font script="Thai" typeface="Angsana New"/>
-        <a:font script="Ethi" typeface="Nyala"/>
-        <a:font script="Beng" typeface="Vrinda"/>
-        <a:font script="Gujr" typeface="Shruti"/>
-        <a:font script="Khmr" typeface="MoolBoran"/>
-        <a:font script="Knda" typeface="Tunga"/>
-        <a:font script="Guru" typeface="Raavi"/>
-        <a:font script="Cans" typeface="Euphemia"/>
-        <a:font script="Cher" typeface="Plantagenet Cherokee"/>
-        <a:font script="Yiii" typeface="Microsoft Yi Baiti"/>
-        <a:font script="Tibt" typeface="Microsoft Himalaya"/>
-        <a:font script="Thaa" typeface="MV Boli"/>
-        <a:font script="Deva" typeface="Mangal"/>
-        <a:font script="Telu" typeface="Gautami"/>
-        <a:font script="Taml" typeface="Latha"/>
-        <a:font script="Syrc" typeface="Estrangelo Edessa"/>
-        <a:font script="Orya" typeface="Kalinga"/>
-        <a:font script="Mlym" typeface="Kartika"/>
-        <a:font script="Laoo" typeface="DokChampa"/>
-        <a:font script="Sinh" typeface="Iskoola Pota"/>
-        <a:font script="Mong" typeface="Mongolian Baiti"/>
-        <a:font script="Viet" typeface="Times New Roman"/>
-        <a:font script="Uigh" typeface="Microsoft Uighur"/>
-        <a:font script="Geor" typeface="Sylfaen"/>
-      </a:majorFont>
-      <a:minorFont>
-        <a:latin typeface="Arial"/>
-        <a:ea typeface=""/>
-        <a:cs typeface=""/>
-        <a:font script="Jpan" typeface="ＭＳ Ｐゴシック"/>
-        <a:font script="Hang" typeface="맑은 고딕"/>
-        <a:font script="Hans" typeface="宋体"/>
-        <a:font script="Hant" typeface="新細明體"/>
-        <a:font script="Arab" typeface="Arial"/>
-        <a:font script="Hebr" typeface="Arial"/>
-        <a:font script="Thai" typeface="Cordia New"/>
-        <a:font script="Ethi" typeface="Nyala"/>
-        <a:font script="Beng" typeface="Vrinda"/>
-        <a:font script="Gujr" typeface="Shruti"/>
-        <a:font script="Khmr" typeface="DaunPenh"/>
-        <a:font script="Knda" typeface="Tunga"/>
-        <a:font script="Guru" typeface="Raavi"/>
-        <a:font script="Cans" typeface="Euphemia"/>
-        <a:font script="Cher" typeface="Plantagenet Cherokee"/>
-        <a:font script="Yiii" typeface="Microsoft Yi Baiti"/>
-        <a:font script="Tibt" typeface="Microsoft Himalaya"/>
-        <a:font script="Thaa" typeface="MV Boli"/>
-        <a:font script="Deva" typeface="Mangal"/>
-        <a:font script="Telu" typeface="Gautami"/>
-        <a:font script="Taml" typeface="Latha"/>
-        <a:font script="Syrc" typeface="Estrangelo Edessa"/>
-        <a:font script="Orya" typeface="Kalinga"/>
-        <a:font script="Mlym" typeface="Kartika"/>
-        <a:font script="Laoo" typeface="DokChampa"/>
-        <a:font script="Sinh" typeface="Iskoola Pota"/>
-        <a:font script="Mong" typeface="Mongolian Baiti"/>
-        <a:font script="Viet" typeface="Arial"/>
-        <a:font script="Uigh" typeface="Microsoft Uighur"/>
-        <a:font script="Geor" typeface="Sylfaen"/>
-      </a:minorFont>
-    </a:fontScheme>
-    <a:fmtScheme name="Office">
-      <a:fillStyleLst>
-        <a:solidFill>
-          <a:schemeClr val="phClr"/>
-        </a:solidFill>
-        <a:gradFill rotWithShape="1">
-          <a:gsLst>
-            <a:gs pos="0">
-              <a:schemeClr val="phClr">
-                <a:tint val="50000"/>
-                <a:satMod val="300000"/>
-              </a:schemeClr>
-            </a:gs>
-            <a:gs pos="35000">
-              <a:schemeClr val="phClr">
-                <a:tint val="37000"/>
-                <a:satMod val="300000"/>
-              </a:schemeClr>
-            </a:gs>
-            <a:gs pos="100000">
-              <a:schemeClr val="phClr">
-                <a:tint val="15000"/>
-                <a:satMod val="350000"/>
-              </a:schemeClr>
-            </a:gs>
-          </a:gsLst>
-          <a:lin ang="16200000" scaled="1"/>
-        </a:gradFill>
-        <a:gradFill rotWithShape="1">
-          <a:gsLst>
-            <a:gs pos="0">
-              <a:schemeClr val="phClr">
-                <a:tint val="100000"/>
-                <a:shade val="100000"/>
-                <a:satMod val="130000"/>
-              </a:schemeClr>
-            </a:gs>
-            <a:gs pos="100000">
-              <a:schemeClr val="phClr">
-                <a:tint val="50000"/>
-                <a:shade val="100000"/>
-                <a:satMod val="350000"/>
-              </a:schemeClr>
-            </a:gs>
-          </a:gsLst>
-          <a:lin ang="16200000" scaled="0"/>
-        </a:gradFill>
-      </a:fillStyleLst>
-      <a:lnStyleLst>
-        <a:ln w="9525" cap="flat" cmpd="sng" algn="ctr">
-          <a:solidFill>
-            <a:schemeClr val="phClr">
-              <a:shade val="95000"/>
-              <a:satMod val="105000"/>
-            </a:schemeClr>
-          </a:solidFill>
-          <a:prstDash val="solid"/>
-        </a:ln>
-        <a:ln w="25400" cap="flat" cmpd="sng" algn="ctr">
-          <a:solidFill>
-            <a:schemeClr val="phClr"/>
-          </a:solidFill>
-          <a:prstDash val="solid"/>
-        </a:ln>
-        <a:ln w="38100" cap="flat" cmpd="sng" algn="ctr">
-          <a:solidFill>
-            <a:schemeClr val="phClr"/>
-          </a:solidFill>
-          <a:prstDash val="solid"/>
-        </a:ln>
-      </a:lnStyleLst>
-      <a:effectStyleLst>
-        <a:effectStyle>
-          <a:effectLst>
-            <a:outerShdw blurRad="40000" dist="20000" dir="5400000" rotWithShape="0">
-              <a:srgbClr val="000000">
-                <a:alpha val="38000"/>
-              </a:srgbClr>
-            </a:outerShdw>
-          </a:effectLst>
-        </a:effectStyle>
-        <a:effectStyle>
-          <a:effectLst>
-            <a:outerShdw blurRad="40000" dist="23000" dir="5400000" rotWithShape="0">
-              <a:srgbClr val="000000">
-                <a:alpha val="35000"/>
-              </a:srgbClr>
-            </a:outerShdw>
-          </a:effectLst>
-        </a:effectStyle>
-        <a:effectStyle>
-          <a:effectLst>
-            <a:outerShdw blurRad="40000" dist="23000" dir="5400000" rotWithShape="0">
-              <a:srgbClr val="000000">
-                <a:alpha val="35000"/>
-              </a:srgbClr>
-            </a:outerShdw>
-          </a:effectLst>
-          <a:scene3d>
-            <a:camera prst="orthographicFront">
-              <a:rot lat="0" lon="0" rev="0"/>
-            </a:camera>
-            <a:lightRig rig="threePt" dir="t">
-              <a:rot lat="0" lon="0" rev="1200000"/>
-            </a:lightRig>
-          </a:scene3d>
-          <a:sp3d>
-            <a:bevelT w="63500" h="25400"/>
-          </a:sp3d>
-        </a:effectStyle>
-      </a:effectStyleLst>
-      <a:bgFillStyleLst>
-        <a:solidFill>
-          <a:schemeClr val="phClr"/>
-        </a:solidFill>
-        <a:gradFill rotWithShape="1">
-          <a:gsLst>
-            <a:gs pos="0">
-              <a:schemeClr val="phClr">
-                <a:tint val="40000"/>
-                <a:satMod val="350000"/>
-              </a:schemeClr>
-            </a:gs>
-            <a:gs pos="40000">
-              <a:schemeClr val="phClr">
-                <a:tint val="45000"/>
-                <a:shade val="99000"/>
-                <a:satMod val="350000"/>
-              </a:schemeClr>
-            </a:gs>
-            <a:gs pos="100000">
-              <a:schemeClr val="phClr">
-                <a:shade val="20000"/>
-                <a:satMod val="255000"/>
-              </a:schemeClr>
-            </a:gs>
-          </a:gsLst>
-          <a:path path="circle">
-            <a:fillToRect l="50000" t="-80000" r="50000" b="180000"/>
-          </a:path>
-        </a:gradFill>
-        <a:gradFill rotWithShape="1">
-          <a:gsLst>
-            <a:gs pos="0">
-              <a:schemeClr val="phClr">
-                <a:tint val="80000"/>
-                <a:satMod val="300000"/>
-              </a:schemeClr>
-            </a:gs>
-            <a:gs pos="100000">
-              <a:schemeClr val="phClr">
-                <a:shade val="30000"/>
-                <a:satMod val="200000"/>
-              </a:schemeClr>
-            </a:gs>
-          </a:gsLst>
-          <a:path path="circle">
-            <a:fillToRect l="50000" t="50000" r="50000" b="50000"/>
-          </a:path>
-        </a:gradFill>
-      </a:bgFillStyleLst>
-    </a:fmtScheme>
-  </a:themeElements>
-</a:theme>
 </file>
--- a/Lecture slides/AMOS C01 - Demo Day Preparation.pptx
+++ b/Lecture slides/AMOS C01 - Demo Day Preparation.pptx
@@ -7243,7 +7243,7 @@
             <a:tbl>
               <a:tblPr>
                 <a:noFill/>
-                <a:tableStyleId>{233727CC-F86F-4C50-AE34-DD341A235C3F}</a:tableStyleId>
+                <a:tableStyleId>{720A8069-6FD5-4B64-8F76-8A911B9F4CA1}</a:tableStyleId>
               </a:tblPr>
               <a:tblGrid>
                 <a:gridCol w="1315250"/>
@@ -12579,7 +12579,7 @@
             <a:tbl>
               <a:tblPr>
                 <a:noFill/>
-                <a:tableStyleId>{E7576630-D3C2-437E-9B53-4ACB14C56179}</a:tableStyleId>
+                <a:tableStyleId>{E195901E-32CE-4763-8D69-2222C022A7FE}</a:tableStyleId>
               </a:tblPr>
               <a:tblGrid>
                 <a:gridCol w="1432550"/>
@@ -16226,6 +16226,285 @@
 </file>
 
 <file path=ppt/theme/theme1.xml><?xml version="1.0" encoding="utf-8"?>
+<a:theme xmlns:a="http://schemas.openxmlformats.org/drawingml/2006/main" xmlns:r="http://schemas.openxmlformats.org/officeDocument/2006/relationships">
+  <a:themeElements>
+    <a:clrScheme name="Default">
+      <a:dk1>
+        <a:srgbClr val="000000"/>
+      </a:dk1>
+      <a:lt1>
+        <a:srgbClr val="FFFFFF"/>
+      </a:lt1>
+      <a:dk2>
+        <a:srgbClr val="158158"/>
+      </a:dk2>
+      <a:lt2>
+        <a:srgbClr val="F3F3F3"/>
+      </a:lt2>
+      <a:accent1>
+        <a:srgbClr val="058DC7"/>
+      </a:accent1>
+      <a:accent2>
+        <a:srgbClr val="50B432"/>
+      </a:accent2>
+      <a:accent3>
+        <a:srgbClr val="ED561B"/>
+      </a:accent3>
+      <a:accent4>
+        <a:srgbClr val="EDEF00"/>
+      </a:accent4>
+      <a:accent5>
+        <a:srgbClr val="24CBE5"/>
+      </a:accent5>
+      <a:accent6>
+        <a:srgbClr val="64E572"/>
+      </a:accent6>
+      <a:hlink>
+        <a:srgbClr val="2200CC"/>
+      </a:hlink>
+      <a:folHlink>
+        <a:srgbClr val="551A8B"/>
+      </a:folHlink>
+    </a:clrScheme>
+    <a:fontScheme name="Office">
+      <a:majorFont>
+        <a:latin typeface="Arial"/>
+        <a:ea typeface=""/>
+        <a:cs typeface=""/>
+        <a:font script="Jpan" typeface="ＭＳ Ｐゴシック"/>
+        <a:font script="Hang" typeface="맑은 고딕"/>
+        <a:font script="Hans" typeface="宋体"/>
+        <a:font script="Hant" typeface="新細明體"/>
+        <a:font script="Arab" typeface="Times New Roman"/>
+        <a:font script="Hebr" typeface="Times New Roman"/>
+        <a:font script="Thai" typeface="Angsana New"/>
+        <a:font script="Ethi" typeface="Nyala"/>
+        <a:font script="Beng" typeface="Vrinda"/>
+        <a:font script="Gujr" typeface="Shruti"/>
+        <a:font script="Khmr" typeface="MoolBoran"/>
+        <a:font script="Knda" typeface="Tunga"/>
+        <a:font script="Guru" typeface="Raavi"/>
+        <a:font script="Cans" typeface="Euphemia"/>
+        <a:font script="Cher" typeface="Plantagenet Cherokee"/>
+        <a:font script="Yiii" typeface="Microsoft Yi Baiti"/>
+        <a:font script="Tibt" typeface="Microsoft Himalaya"/>
+        <a:font script="Thaa" typeface="MV Boli"/>
+        <a:font script="Deva" typeface="Mangal"/>
+        <a:font script="Telu" typeface="Gautami"/>
+        <a:font script="Taml" typeface="Latha"/>
+        <a:font script="Syrc" typeface="Estrangelo Edessa"/>
+        <a:font script="Orya" typeface="Kalinga"/>
+        <a:font script="Mlym" typeface="Kartika"/>
+        <a:font script="Laoo" typeface="DokChampa"/>
+        <a:font script="Sinh" typeface="Iskoola Pota"/>
+        <a:font script="Mong" typeface="Mongolian Baiti"/>
+        <a:font script="Viet" typeface="Times New Roman"/>
+        <a:font script="Uigh" typeface="Microsoft Uighur"/>
+        <a:font script="Geor" typeface="Sylfaen"/>
+      </a:majorFont>
+      <a:minorFont>
+        <a:latin typeface="Arial"/>
+        <a:ea typeface=""/>
+        <a:cs typeface=""/>
+        <a:font script="Jpan" typeface="ＭＳ Ｐゴシック"/>
+        <a:font script="Hang" typeface="맑은 고딕"/>
+        <a:font script="Hans" typeface="宋体"/>
+        <a:font script="Hant" typeface="新細明體"/>
+        <a:font script="Arab" typeface="Arial"/>
+        <a:font script="Hebr" typeface="Arial"/>
+        <a:font script="Thai" typeface="Cordia New"/>
+        <a:font script="Ethi" typeface="Nyala"/>
+        <a:font script="Beng" typeface="Vrinda"/>
+        <a:font script="Gujr" typeface="Shruti"/>
+        <a:font script="Khmr" typeface="DaunPenh"/>
+        <a:font script="Knda" typeface="Tunga"/>
+        <a:font script="Guru" typeface="Raavi"/>
+        <a:font script="Cans" typeface="Euphemia"/>
+        <a:font script="Cher" typeface="Plantagenet Cherokee"/>
+        <a:font script="Yiii" typeface="Microsoft Yi Baiti"/>
+        <a:font script="Tibt" typeface="Microsoft Himalaya"/>
+        <a:font script="Thaa" typeface="MV Boli"/>
+        <a:font script="Deva" typeface="Mangal"/>
+        <a:font script="Telu" typeface="Gautami"/>
+        <a:font script="Taml" typeface="Latha"/>
+        <a:font script="Syrc" typeface="Estrangelo Edessa"/>
+        <a:font script="Orya" typeface="Kalinga"/>
+        <a:font script="Mlym" typeface="Kartika"/>
+        <a:font script="Laoo" typeface="DokChampa"/>
+        <a:font script="Sinh" typeface="Iskoola Pota"/>
+        <a:font script="Mong" typeface="Mongolian Baiti"/>
+        <a:font script="Viet" typeface="Arial"/>
+        <a:font script="Uigh" typeface="Microsoft Uighur"/>
+        <a:font script="Geor" typeface="Sylfaen"/>
+      </a:minorFont>
+    </a:fontScheme>
+    <a:fmtScheme name="Office">
+      <a:fillStyleLst>
+        <a:solidFill>
+          <a:schemeClr val="phClr"/>
+        </a:solidFill>
+        <a:gradFill rotWithShape="1">
+          <a:gsLst>
+            <a:gs pos="0">
+              <a:schemeClr val="phClr">
+                <a:tint val="50000"/>
+                <a:satMod val="300000"/>
+              </a:schemeClr>
+            </a:gs>
+            <a:gs pos="35000">
+              <a:schemeClr val="phClr">
+                <a:tint val="37000"/>
+                <a:satMod val="300000"/>
+              </a:schemeClr>
+            </a:gs>
+            <a:gs pos="100000">
+              <a:schemeClr val="phClr">
+                <a:tint val="15000"/>
+                <a:satMod val="350000"/>
+              </a:schemeClr>
+            </a:gs>
+          </a:gsLst>
+          <a:lin ang="16200000" scaled="1"/>
+        </a:gradFill>
+        <a:gradFill rotWithShape="1">
+          <a:gsLst>
+            <a:gs pos="0">
+              <a:schemeClr val="phClr">
+                <a:tint val="100000"/>
+                <a:shade val="100000"/>
+                <a:satMod val="130000"/>
+              </a:schemeClr>
+            </a:gs>
+            <a:gs pos="100000">
+              <a:schemeClr val="phClr">
+                <a:tint val="50000"/>
+                <a:shade val="100000"/>
+                <a:satMod val="350000"/>
+              </a:schemeClr>
+            </a:gs>
+          </a:gsLst>
+          <a:lin ang="16200000" scaled="0"/>
+        </a:gradFill>
+      </a:fillStyleLst>
+      <a:lnStyleLst>
+        <a:ln w="9525" cap="flat" cmpd="sng" algn="ctr">
+          <a:solidFill>
+            <a:schemeClr val="phClr">
+              <a:shade val="95000"/>
+              <a:satMod val="105000"/>
+            </a:schemeClr>
+          </a:solidFill>
+          <a:prstDash val="solid"/>
+        </a:ln>
+        <a:ln w="25400" cap="flat" cmpd="sng" algn="ctr">
+          <a:solidFill>
+            <a:schemeClr val="phClr"/>
+          </a:solidFill>
+          <a:prstDash val="solid"/>
+        </a:ln>
+        <a:ln w="38100" cap="flat" cmpd="sng" algn="ctr">
+          <a:solidFill>
+            <a:schemeClr val="phClr"/>
+          </a:solidFill>
+          <a:prstDash val="solid"/>
+        </a:ln>
+      </a:lnStyleLst>
+      <a:effectStyleLst>
+        <a:effectStyle>
+          <a:effectLst>
+            <a:outerShdw blurRad="40000" dist="20000" dir="5400000" rotWithShape="0">
+              <a:srgbClr val="000000">
+                <a:alpha val="38000"/>
+              </a:srgbClr>
+            </a:outerShdw>
+          </a:effectLst>
+        </a:effectStyle>
+        <a:effectStyle>
+          <a:effectLst>
+            <a:outerShdw blurRad="40000" dist="23000" dir="5400000" rotWithShape="0">
+              <a:srgbClr val="000000">
+                <a:alpha val="35000"/>
+              </a:srgbClr>
+            </a:outerShdw>
+          </a:effectLst>
+        </a:effectStyle>
+        <a:effectStyle>
+          <a:effectLst>
+            <a:outerShdw blurRad="40000" dist="23000" dir="5400000" rotWithShape="0">
+              <a:srgbClr val="000000">
+                <a:alpha val="35000"/>
+              </a:srgbClr>
+            </a:outerShdw>
+          </a:effectLst>
+          <a:scene3d>
+            <a:camera prst="orthographicFront">
+              <a:rot lat="0" lon="0" rev="0"/>
+            </a:camera>
+            <a:lightRig rig="threePt" dir="t">
+              <a:rot lat="0" lon="0" rev="1200000"/>
+            </a:lightRig>
+          </a:scene3d>
+          <a:sp3d>
+            <a:bevelT w="63500" h="25400"/>
+          </a:sp3d>
+        </a:effectStyle>
+      </a:effectStyleLst>
+      <a:bgFillStyleLst>
+        <a:solidFill>
+          <a:schemeClr val="phClr"/>
+        </a:solidFill>
+        <a:gradFill rotWithShape="1">
+          <a:gsLst>
+            <a:gs pos="0">
+              <a:schemeClr val="phClr">
+                <a:tint val="40000"/>
+                <a:satMod val="350000"/>
+              </a:schemeClr>
+            </a:gs>
+            <a:gs pos="40000">
+              <a:schemeClr val="phClr">
+                <a:tint val="45000"/>
+                <a:shade val="99000"/>
+                <a:satMod val="350000"/>
+              </a:schemeClr>
+            </a:gs>
+            <a:gs pos="100000">
+              <a:schemeClr val="phClr">
+                <a:shade val="20000"/>
+                <a:satMod val="255000"/>
+              </a:schemeClr>
+            </a:gs>
+          </a:gsLst>
+          <a:path path="circle">
+            <a:fillToRect l="50000" t="-80000" r="50000" b="180000"/>
+          </a:path>
+        </a:gradFill>
+        <a:gradFill rotWithShape="1">
+          <a:gsLst>
+            <a:gs pos="0">
+              <a:schemeClr val="phClr">
+                <a:tint val="80000"/>
+                <a:satMod val="300000"/>
+              </a:schemeClr>
+            </a:gs>
+            <a:gs pos="100000">
+              <a:schemeClr val="phClr">
+                <a:shade val="30000"/>
+                <a:satMod val="200000"/>
+              </a:schemeClr>
+            </a:gs>
+          </a:gsLst>
+          <a:path path="circle">
+            <a:fillToRect l="50000" t="50000" r="50000" b="50000"/>
+          </a:path>
+        </a:gradFill>
+      </a:bgFillStyleLst>
+    </a:fmtScheme>
+  </a:themeElements>
+</a:theme>
+</file>
+
+<file path=ppt/theme/theme2.xml><?xml version="1.0" encoding="utf-8"?>
 <a:theme xmlns:a="http://schemas.openxmlformats.org/drawingml/2006/main" xmlns:r="http://schemas.openxmlformats.org/officeDocument/2006/relationships" name="AMOS Slides Template">
   <a:themeElements>
     <a:clrScheme name="Simple Light">
@@ -16502,283 +16781,4 @@
     </a:fmtScheme>
   </a:themeElements>
 </a:theme>
-</file>
-
-<file path=ppt/theme/theme2.xml><?xml version="1.0" encoding="utf-8"?>
-<a:theme xmlns:a="http://schemas.openxmlformats.org/drawingml/2006/main" xmlns:r="http://schemas.openxmlformats.org/officeDocument/2006/relationships">
-  <a:themeElements>
-    <a:clrScheme name="Default">
-      <a:dk1>
-        <a:srgbClr val="000000"/>
-      </a:dk1>
-      <a:lt1>
-        <a:srgbClr val="FFFFFF"/>
-      </a:lt1>
-      <a:dk2>
-        <a:srgbClr val="158158"/>
-      </a:dk2>
-      <a:lt2>
-        <a:srgbClr val="F3F3F3"/>
-      </a:lt2>
-      <a:accent1>
-        <a:srgbClr val="058DC7"/>
-      </a:accent1>
-      <a:accent2>
-        <a:srgbClr val="50B432"/>
-      </a:accent2>
-      <a:accent3>
-        <a:srgbClr val="ED561B"/>
-      </a:accent3>
-      <a:accent4>
-        <a:srgbClr val="EDEF00"/>
-      </a:accent4>
-      <a:accent5>
-        <a:srgbClr val="24CBE5"/>
-      </a:accent5>
-      <a:accent6>
-        <a:srgbClr val="64E572"/>
-      </a:accent6>
-      <a:hlink>
-        <a:srgbClr val="2200CC"/>
-      </a:hlink>
-      <a:folHlink>
-        <a:srgbClr val="551A8B"/>
-      </a:folHlink>
-    </a:clrScheme>
-    <a:fontScheme name="Office">
-      <a:majorFont>
-        <a:latin typeface="Arial"/>
-        <a:ea typeface=""/>
-        <a:cs typeface=""/>
-        <a:font script="Jpan" typeface="ＭＳ Ｐゴシック"/>
-        <a:font script="Hang" typeface="맑은 고딕"/>
-        <a:font script="Hans" typeface="宋体"/>
-        <a:font script="Hant" typeface="新細明體"/>
-        <a:font script="Arab" typeface="Times New Roman"/>
-        <a:font script="Hebr" typeface="Times New Roman"/>
-        <a:font script="Thai" typeface="Angsana New"/>
-        <a:font script="Ethi" typeface="Nyala"/>
-        <a:font script="Beng" typeface="Vrinda"/>
-        <a:font script="Gujr" typeface="Shruti"/>
-        <a:font script="Khmr" typeface="MoolBoran"/>
-        <a:font script="Knda" typeface="Tunga"/>
-        <a:font script="Guru" typeface="Raavi"/>
-        <a:font script="Cans" typeface="Euphemia"/>
-        <a:font script="Cher" typeface="Plantagenet Cherokee"/>
-        <a:font script="Yiii" typeface="Microsoft Yi Baiti"/>
-        <a:font script="Tibt" typeface="Microsoft Himalaya"/>
-        <a:font script="Thaa" typeface="MV Boli"/>
-        <a:font script="Deva" typeface="Mangal"/>
-        <a:font script="Telu" typeface="Gautami"/>
-        <a:font script="Taml" typeface="Latha"/>
-        <a:font script="Syrc" typeface="Estrangelo Edessa"/>
-        <a:font script="Orya" typeface="Kalinga"/>
-        <a:font script="Mlym" typeface="Kartika"/>
-        <a:font script="Laoo" typeface="DokChampa"/>
-        <a:font script="Sinh" typeface="Iskoola Pota"/>
-        <a:font script="Mong" typeface="Mongolian Baiti"/>
-        <a:font script="Viet" typeface="Times New Roman"/>
-        <a:font script="Uigh" typeface="Microsoft Uighur"/>
-        <a:font script="Geor" typeface="Sylfaen"/>
-      </a:majorFont>
-      <a:minorFont>
-        <a:latin typeface="Arial"/>
-        <a:ea typeface=""/>
-        <a:cs typeface=""/>
-        <a:font script="Jpan" typeface="ＭＳ Ｐゴシック"/>
-        <a:font script="Hang" typeface="맑은 고딕"/>
-        <a:font script="Hans" typeface="宋体"/>
-        <a:font script="Hant" typeface="新細明體"/>
-        <a:font script="Arab" typeface="Arial"/>
-        <a:font script="Hebr" typeface="Arial"/>
-        <a:font script="Thai" typeface="Cordia New"/>
-        <a:font script="Ethi" typeface="Nyala"/>
-        <a:font script="Beng" typeface="Vrinda"/>
-        <a:font script="Gujr" typeface="Shruti"/>
-        <a:font script="Khmr" typeface="DaunPenh"/>
-        <a:font script="Knda" typeface="Tunga"/>
-        <a:font script="Guru" typeface="Raavi"/>
-        <a:font script="Cans" typeface="Euphemia"/>
-        <a:font script="Cher" typeface="Plantagenet Cherokee"/>
-        <a:font script="Yiii" typeface="Microsoft Yi Baiti"/>
-        <a:font script="Tibt" typeface="Microsoft Himalaya"/>
-        <a:font script="Thaa" typeface="MV Boli"/>
-        <a:font script="Deva" typeface="Mangal"/>
-        <a:font script="Telu" typeface="Gautami"/>
-        <a:font script="Taml" typeface="Latha"/>
-        <a:font script="Syrc" typeface="Estrangelo Edessa"/>
-        <a:font script="Orya" typeface="Kalinga"/>
-        <a:font script="Mlym" typeface="Kartika"/>
-        <a:font script="Laoo" typeface="DokChampa"/>
-        <a:font script="Sinh" typeface="Iskoola Pota"/>
-        <a:font script="Mong" typeface="Mongolian Baiti"/>
-        <a:font script="Viet" typeface="Arial"/>
-        <a:font script="Uigh" typeface="Microsoft Uighur"/>
-        <a:font script="Geor" typeface="Sylfaen"/>
-      </a:minorFont>
-    </a:fontScheme>
-    <a:fmtScheme name="Office">
-      <a:fillStyleLst>
-        <a:solidFill>
-          <a:schemeClr val="phClr"/>
-        </a:solidFill>
-        <a:gradFill rotWithShape="1">
-          <a:gsLst>
-            <a:gs pos="0">
-              <a:schemeClr val="phClr">
-                <a:tint val="50000"/>
-                <a:satMod val="300000"/>
-              </a:schemeClr>
-            </a:gs>
-            <a:gs pos="35000">
-              <a:schemeClr val="phClr">
-                <a:tint val="37000"/>
-                <a:satMod val="300000"/>
-              </a:schemeClr>
-            </a:gs>
-            <a:gs pos="100000">
-              <a:schemeClr val="phClr">
-                <a:tint val="15000"/>
-                <a:satMod val="350000"/>
-              </a:schemeClr>
-            </a:gs>
-          </a:gsLst>
-          <a:lin ang="16200000" scaled="1"/>
-        </a:gradFill>
-        <a:gradFill rotWithShape="1">
-          <a:gsLst>
-            <a:gs pos="0">
-              <a:schemeClr val="phClr">
-                <a:tint val="100000"/>
-                <a:shade val="100000"/>
-                <a:satMod val="130000"/>
-              </a:schemeClr>
-            </a:gs>
-            <a:gs pos="100000">
-              <a:schemeClr val="phClr">
-                <a:tint val="50000"/>
-                <a:shade val="100000"/>
-                <a:satMod val="350000"/>
-              </a:schemeClr>
-            </a:gs>
-          </a:gsLst>
-          <a:lin ang="16200000" scaled="0"/>
-        </a:gradFill>
-      </a:fillStyleLst>
-      <a:lnStyleLst>
-        <a:ln w="9525" cap="flat" cmpd="sng" algn="ctr">
-          <a:solidFill>
-            <a:schemeClr val="phClr">
-              <a:shade val="95000"/>
-              <a:satMod val="105000"/>
-            </a:schemeClr>
-          </a:solidFill>
-          <a:prstDash val="solid"/>
-        </a:ln>
-        <a:ln w="25400" cap="flat" cmpd="sng" algn="ctr">
-          <a:solidFill>
-            <a:schemeClr val="phClr"/>
-          </a:solidFill>
-          <a:prstDash val="solid"/>
-        </a:ln>
-        <a:ln w="38100" cap="flat" cmpd="sng" algn="ctr">
-          <a:solidFill>
-            <a:schemeClr val="phClr"/>
-          </a:solidFill>
-          <a:prstDash val="solid"/>
-        </a:ln>
-      </a:lnStyleLst>
-      <a:effectStyleLst>
-        <a:effectStyle>
-          <a:effectLst>
-            <a:outerShdw blurRad="40000" dist="20000" dir="5400000" rotWithShape="0">
-              <a:srgbClr val="000000">
-                <a:alpha val="38000"/>
-              </a:srgbClr>
-            </a:outerShdw>
-          </a:effectLst>
-        </a:effectStyle>
-        <a:effectStyle>
-          <a:effectLst>
-            <a:outerShdw blurRad="40000" dist="23000" dir="5400000" rotWithShape="0">
-              <a:srgbClr val="000000">
-                <a:alpha val="35000"/>
-              </a:srgbClr>
-            </a:outerShdw>
-          </a:effectLst>
-        </a:effectStyle>
-        <a:effectStyle>
-          <a:effectLst>
-            <a:outerShdw blurRad="40000" dist="23000" dir="5400000" rotWithShape="0">
-              <a:srgbClr val="000000">
-                <a:alpha val="35000"/>
-              </a:srgbClr>
-            </a:outerShdw>
-          </a:effectLst>
-          <a:scene3d>
-            <a:camera prst="orthographicFront">
-              <a:rot lat="0" lon="0" rev="0"/>
-            </a:camera>
-            <a:lightRig rig="threePt" dir="t">
-              <a:rot lat="0" lon="0" rev="1200000"/>
-            </a:lightRig>
-          </a:scene3d>
-          <a:sp3d>
-            <a:bevelT w="63500" h="25400"/>
-          </a:sp3d>
-        </a:effectStyle>
-      </a:effectStyleLst>
-      <a:bgFillStyleLst>
-        <a:solidFill>
-          <a:schemeClr val="phClr"/>
-        </a:solidFill>
-        <a:gradFill rotWithShape="1">
-          <a:gsLst>
-            <a:gs pos="0">
-              <a:schemeClr val="phClr">
-                <a:tint val="40000"/>
-                <a:satMod val="350000"/>
-              </a:schemeClr>
-            </a:gs>
-            <a:gs pos="40000">
-              <a:schemeClr val="phClr">
-                <a:tint val="45000"/>
-                <a:shade val="99000"/>
-                <a:satMod val="350000"/>
-              </a:schemeClr>
-            </a:gs>
-            <a:gs pos="100000">
-              <a:schemeClr val="phClr">
-                <a:shade val="20000"/>
-                <a:satMod val="255000"/>
-              </a:schemeClr>
-            </a:gs>
-          </a:gsLst>
-          <a:path path="circle">
-            <a:fillToRect l="50000" t="-80000" r="50000" b="180000"/>
-          </a:path>
-        </a:gradFill>
-        <a:gradFill rotWithShape="1">
-          <a:gsLst>
-            <a:gs pos="0">
-              <a:schemeClr val="phClr">
-                <a:tint val="80000"/>
-                <a:satMod val="300000"/>
-              </a:schemeClr>
-            </a:gs>
-            <a:gs pos="100000">
-              <a:schemeClr val="phClr">
-                <a:shade val="30000"/>
-                <a:satMod val="200000"/>
-              </a:schemeClr>
-            </a:gs>
-          </a:gsLst>
-          <a:path path="circle">
-            <a:fillToRect l="50000" t="50000" r="50000" b="50000"/>
-          </a:path>
-        </a:gradFill>
-      </a:bgFillStyleLst>
-    </a:fmtScheme>
-  </a:themeElements>
-</a:theme>
 </file>
--- a/Lecture slides/AMOS C01 - Demo Day Preparation.pptx
+++ b/Lecture slides/AMOS C01 - Demo Day Preparation.pptx
@@ -36,7 +36,6 @@
     <p:sldId id="281" r:id="rId32"/>
     <p:sldId id="282" r:id="rId33"/>
     <p:sldId id="283" r:id="rId34"/>
-    <p:sldId id="284" r:id="rId35"/>
   </p:sldIdLst>
   <p:sldSz cy="5143500" cx="9144000"/>
   <p:notesSz cx="6858000" cy="9144000"/>
@@ -931,7 +930,7 @@
       </p:grpSpPr>
       <p:sp>
         <p:nvSpPr>
-          <p:cNvPr id="100" name="Google Shape;100;g2397aca6fd1_0_108:notes"/>
+          <p:cNvPr id="100" name="Google Shape;100;g206af0edc8b_0_0:notes"/>
           <p:cNvSpPr/>
           <p:nvPr>
             <p:ph idx="2" type="sldImg"/>
@@ -966,7 +965,7 @@
       </p:sp>
       <p:sp>
         <p:nvSpPr>
-          <p:cNvPr id="101" name="Google Shape;101;g2397aca6fd1_0_108:notes"/>
+          <p:cNvPr id="101" name="Google Shape;101;g206af0edc8b_0_0:notes"/>
           <p:cNvSpPr txBox="1"/>
           <p:nvPr>
             <p:ph idx="1" type="body"/>
@@ -1030,7 +1029,7 @@
       </p:grpSpPr>
       <p:sp>
         <p:nvSpPr>
-          <p:cNvPr id="107" name="Google Shape;107;g206af0edc8b_0_0:notes"/>
+          <p:cNvPr id="107" name="Google Shape;107;g15365535e7d_0_54:notes"/>
           <p:cNvSpPr/>
           <p:nvPr>
             <p:ph idx="2" type="sldImg"/>
@@ -1065,7 +1064,7 @@
       </p:sp>
       <p:sp>
         <p:nvSpPr>
-          <p:cNvPr id="108" name="Google Shape;108;g206af0edc8b_0_0:notes"/>
+          <p:cNvPr id="108" name="Google Shape;108;g15365535e7d_0_54:notes"/>
           <p:cNvSpPr txBox="1"/>
           <p:nvPr>
             <p:ph idx="1" type="body"/>
@@ -1115,7 +1114,7 @@
   <p:cSld>
     <p:spTree>
       <p:nvGrpSpPr>
-        <p:cNvPr id="113" name="Shape 113"/>
+        <p:cNvPr id="114" name="Shape 114"/>
         <p:cNvGrpSpPr/>
         <p:nvPr/>
       </p:nvGrpSpPr>
@@ -1129,7 +1128,7 @@
       </p:grpSpPr>
       <p:sp>
         <p:nvSpPr>
-          <p:cNvPr id="114" name="Google Shape;114;g15365535e7d_0_54:notes"/>
+          <p:cNvPr id="115" name="Google Shape;115;g1e4fd58693c_0_20:notes"/>
           <p:cNvSpPr/>
           <p:nvPr>
             <p:ph idx="2" type="sldImg"/>
@@ -1164,7 +1163,7 @@
       </p:sp>
       <p:sp>
         <p:nvSpPr>
-          <p:cNvPr id="115" name="Google Shape;115;g15365535e7d_0_54:notes"/>
+          <p:cNvPr id="116" name="Google Shape;116;g1e4fd58693c_0_20:notes"/>
           <p:cNvSpPr txBox="1"/>
           <p:nvPr>
             <p:ph idx="1" type="body"/>
@@ -1228,7 +1227,7 @@
       </p:grpSpPr>
       <p:sp>
         <p:nvSpPr>
-          <p:cNvPr id="122" name="Google Shape;122;g1e4fd58693c_0_20:notes"/>
+          <p:cNvPr id="122" name="Google Shape;122;g2397aca6fd1_0_114:notes"/>
           <p:cNvSpPr/>
           <p:nvPr>
             <p:ph idx="2" type="sldImg"/>
@@ -1263,7 +1262,7 @@
       </p:sp>
       <p:sp>
         <p:nvSpPr>
-          <p:cNvPr id="123" name="Google Shape;123;g1e4fd58693c_0_20:notes"/>
+          <p:cNvPr id="123" name="Google Shape;123;g2397aca6fd1_0_114:notes"/>
           <p:cNvSpPr txBox="1"/>
           <p:nvPr>
             <p:ph idx="1" type="body"/>
@@ -1327,7 +1326,7 @@
       </p:grpSpPr>
       <p:sp>
         <p:nvSpPr>
-          <p:cNvPr id="129" name="Google Shape;129;g2397aca6fd1_0_114:notes"/>
+          <p:cNvPr id="129" name="Google Shape;129;g15365535e7d_0_61:notes"/>
           <p:cNvSpPr/>
           <p:nvPr>
             <p:ph idx="2" type="sldImg"/>
@@ -1362,7 +1361,7 @@
       </p:sp>
       <p:sp>
         <p:nvSpPr>
-          <p:cNvPr id="130" name="Google Shape;130;g2397aca6fd1_0_114:notes"/>
+          <p:cNvPr id="130" name="Google Shape;130;g15365535e7d_0_61:notes"/>
           <p:cNvSpPr txBox="1"/>
           <p:nvPr>
             <p:ph idx="1" type="body"/>
@@ -1426,7 +1425,7 @@
       </p:grpSpPr>
       <p:sp>
         <p:nvSpPr>
-          <p:cNvPr id="136" name="Google Shape;136;g15365535e7d_0_61:notes"/>
+          <p:cNvPr id="136" name="Google Shape;136;g2397aca6fd1_0_94:notes"/>
           <p:cNvSpPr/>
           <p:nvPr>
             <p:ph idx="2" type="sldImg"/>
@@ -1461,7 +1460,7 @@
       </p:sp>
       <p:sp>
         <p:nvSpPr>
-          <p:cNvPr id="137" name="Google Shape;137;g15365535e7d_0_61:notes"/>
+          <p:cNvPr id="137" name="Google Shape;137;g2397aca6fd1_0_94:notes"/>
           <p:cNvSpPr txBox="1"/>
           <p:nvPr>
             <p:ph idx="1" type="body"/>
@@ -1511,7 +1510,7 @@
   <p:cSld>
     <p:spTree>
       <p:nvGrpSpPr>
-        <p:cNvPr id="142" name="Shape 142"/>
+        <p:cNvPr id="140" name="Shape 140"/>
         <p:cNvGrpSpPr/>
         <p:nvPr/>
       </p:nvGrpSpPr>
@@ -1525,7 +1524,7 @@
       </p:grpSpPr>
       <p:sp>
         <p:nvSpPr>
-          <p:cNvPr id="143" name="Google Shape;143;g2397aca6fd1_0_94:notes"/>
+          <p:cNvPr id="141" name="Google Shape;141;g2397aca6fd1_0_76:notes"/>
           <p:cNvSpPr/>
           <p:nvPr>
             <p:ph idx="2" type="sldImg"/>
@@ -1560,7 +1559,7 @@
       </p:sp>
       <p:sp>
         <p:nvSpPr>
-          <p:cNvPr id="144" name="Google Shape;144;g2397aca6fd1_0_94:notes"/>
+          <p:cNvPr id="142" name="Google Shape;142;g2397aca6fd1_0_76:notes"/>
           <p:cNvSpPr txBox="1"/>
           <p:nvPr>
             <p:ph idx="1" type="body"/>
@@ -1624,7 +1623,7 @@
       </p:grpSpPr>
       <p:sp>
         <p:nvSpPr>
-          <p:cNvPr id="148" name="Google Shape;148;g2397aca6fd1_0_76:notes"/>
+          <p:cNvPr id="148" name="Google Shape;148;g2397aca6fd1_0_121:notes"/>
           <p:cNvSpPr/>
           <p:nvPr>
             <p:ph idx="2" type="sldImg"/>
@@ -1659,7 +1658,7 @@
       </p:sp>
       <p:sp>
         <p:nvSpPr>
-          <p:cNvPr id="149" name="Google Shape;149;g2397aca6fd1_0_76:notes"/>
+          <p:cNvPr id="149" name="Google Shape;149;g2397aca6fd1_0_121:notes"/>
           <p:cNvSpPr txBox="1"/>
           <p:nvPr>
             <p:ph idx="1" type="body"/>
@@ -1723,7 +1722,7 @@
       </p:grpSpPr>
       <p:sp>
         <p:nvSpPr>
-          <p:cNvPr id="155" name="Google Shape;155;g2397aca6fd1_0_121:notes"/>
+          <p:cNvPr id="155" name="Google Shape;155;g2397aca6fd1_0_127:notes"/>
           <p:cNvSpPr/>
           <p:nvPr>
             <p:ph idx="2" type="sldImg"/>
@@ -1758,7 +1757,7 @@
       </p:sp>
       <p:sp>
         <p:nvSpPr>
-          <p:cNvPr id="156" name="Google Shape;156;g2397aca6fd1_0_121:notes"/>
+          <p:cNvPr id="156" name="Google Shape;156;g2397aca6fd1_0_127:notes"/>
           <p:cNvSpPr txBox="1"/>
           <p:nvPr>
             <p:ph idx="1" type="body"/>
@@ -1921,7 +1920,7 @@
       </p:grpSpPr>
       <p:sp>
         <p:nvSpPr>
-          <p:cNvPr id="162" name="Google Shape;162;g2397aca6fd1_0_127:notes"/>
+          <p:cNvPr id="162" name="Google Shape;162;g2397aca6fd1_0_98:notes"/>
           <p:cNvSpPr/>
           <p:nvPr>
             <p:ph idx="2" type="sldImg"/>
@@ -1956,7 +1955,7 @@
       </p:sp>
       <p:sp>
         <p:nvSpPr>
-          <p:cNvPr id="163" name="Google Shape;163;g2397aca6fd1_0_127:notes"/>
+          <p:cNvPr id="163" name="Google Shape;163;g2397aca6fd1_0_98:notes"/>
           <p:cNvSpPr txBox="1"/>
           <p:nvPr>
             <p:ph idx="1" type="body"/>
@@ -2006,7 +2005,7 @@
   <p:cSld>
     <p:spTree>
       <p:nvGrpSpPr>
-        <p:cNvPr id="168" name="Shape 168"/>
+        <p:cNvPr id="166" name="Shape 166"/>
         <p:cNvGrpSpPr/>
         <p:nvPr/>
       </p:nvGrpSpPr>
@@ -2020,7 +2019,7 @@
       </p:grpSpPr>
       <p:sp>
         <p:nvSpPr>
-          <p:cNvPr id="169" name="Google Shape;169;g2397aca6fd1_0_98:notes"/>
+          <p:cNvPr id="167" name="Google Shape;167;g2397aca6fd1_0_133:notes"/>
           <p:cNvSpPr/>
           <p:nvPr>
             <p:ph idx="2" type="sldImg"/>
@@ -2055,7 +2054,7 @@
       </p:sp>
       <p:sp>
         <p:nvSpPr>
-          <p:cNvPr id="170" name="Google Shape;170;g2397aca6fd1_0_98:notes"/>
+          <p:cNvPr id="168" name="Google Shape;168;g2397aca6fd1_0_133:notes"/>
           <p:cNvSpPr txBox="1"/>
           <p:nvPr>
             <p:ph idx="1" type="body"/>
@@ -2119,7 +2118,7 @@
       </p:grpSpPr>
       <p:sp>
         <p:nvSpPr>
-          <p:cNvPr id="174" name="Google Shape;174;g2397aca6fd1_0_133:notes"/>
+          <p:cNvPr id="174" name="Google Shape;174;g2397aca6fd1_0_139:notes"/>
           <p:cNvSpPr/>
           <p:nvPr>
             <p:ph idx="2" type="sldImg"/>
@@ -2154,7 +2153,7 @@
       </p:sp>
       <p:sp>
         <p:nvSpPr>
-          <p:cNvPr id="175" name="Google Shape;175;g2397aca6fd1_0_133:notes"/>
+          <p:cNvPr id="175" name="Google Shape;175;g2397aca6fd1_0_139:notes"/>
           <p:cNvSpPr txBox="1"/>
           <p:nvPr>
             <p:ph idx="1" type="body"/>
@@ -2218,7 +2217,7 @@
       </p:grpSpPr>
       <p:sp>
         <p:nvSpPr>
-          <p:cNvPr id="181" name="Google Shape;181;g2397aca6fd1_0_139:notes"/>
+          <p:cNvPr id="181" name="Google Shape;181;g2397aca6fd1_0_82:notes"/>
           <p:cNvSpPr/>
           <p:nvPr>
             <p:ph idx="2" type="sldImg"/>
@@ -2253,7 +2252,7 @@
       </p:sp>
       <p:sp>
         <p:nvSpPr>
-          <p:cNvPr id="182" name="Google Shape;182;g2397aca6fd1_0_139:notes"/>
+          <p:cNvPr id="182" name="Google Shape;182;g2397aca6fd1_0_82:notes"/>
           <p:cNvSpPr txBox="1"/>
           <p:nvPr>
             <p:ph idx="1" type="body"/>
@@ -2317,7 +2316,7 @@
       </p:grpSpPr>
       <p:sp>
         <p:nvSpPr>
-          <p:cNvPr id="188" name="Google Shape;188;g2397aca6fd1_0_82:notes"/>
+          <p:cNvPr id="188" name="Google Shape;188;g2397aca6fd1_0_38:notes"/>
           <p:cNvSpPr/>
           <p:nvPr>
             <p:ph idx="2" type="sldImg"/>
@@ -2352,7 +2351,7 @@
       </p:sp>
       <p:sp>
         <p:nvSpPr>
-          <p:cNvPr id="189" name="Google Shape;189;g2397aca6fd1_0_82:notes"/>
+          <p:cNvPr id="189" name="Google Shape;189;g2397aca6fd1_0_38:notes"/>
           <p:cNvSpPr txBox="1"/>
           <p:nvPr>
             <p:ph idx="1" type="body"/>
@@ -2402,7 +2401,7 @@
   <p:cSld>
     <p:spTree>
       <p:nvGrpSpPr>
-        <p:cNvPr id="194" name="Shape 194"/>
+        <p:cNvPr id="193" name="Shape 193"/>
         <p:cNvGrpSpPr/>
         <p:nvPr/>
       </p:nvGrpSpPr>
@@ -2416,7 +2415,7 @@
       </p:grpSpPr>
       <p:sp>
         <p:nvSpPr>
-          <p:cNvPr id="195" name="Google Shape;195;g2397aca6fd1_0_38:notes"/>
+          <p:cNvPr id="194" name="Google Shape;194;g2397aca6fd1_0_43:notes"/>
           <p:cNvSpPr/>
           <p:nvPr>
             <p:ph idx="2" type="sldImg"/>
@@ -2451,7 +2450,7 @@
       </p:sp>
       <p:sp>
         <p:nvSpPr>
-          <p:cNvPr id="196" name="Google Shape;196;g2397aca6fd1_0_38:notes"/>
+          <p:cNvPr id="195" name="Google Shape;195;g2397aca6fd1_0_43:notes"/>
           <p:cNvSpPr txBox="1"/>
           <p:nvPr>
             <p:ph idx="1" type="body"/>
@@ -2515,7 +2514,7 @@
       </p:grpSpPr>
       <p:sp>
         <p:nvSpPr>
-          <p:cNvPr id="201" name="Google Shape;201;g2397aca6fd1_0_43:notes"/>
+          <p:cNvPr id="201" name="Google Shape;201;g1e4fd58693c_0_14:notes"/>
           <p:cNvSpPr/>
           <p:nvPr>
             <p:ph idx="2" type="sldImg"/>
@@ -2550,7 +2549,7 @@
       </p:sp>
       <p:sp>
         <p:nvSpPr>
-          <p:cNvPr id="202" name="Google Shape;202;g2397aca6fd1_0_43:notes"/>
+          <p:cNvPr id="202" name="Google Shape;202;g1e4fd58693c_0_14:notes"/>
           <p:cNvSpPr txBox="1"/>
           <p:nvPr>
             <p:ph idx="1" type="body"/>
@@ -2600,7 +2599,7 @@
   <p:cSld>
     <p:spTree>
       <p:nvGrpSpPr>
-        <p:cNvPr id="207" name="Shape 207"/>
+        <p:cNvPr id="205" name="Shape 205"/>
         <p:cNvGrpSpPr/>
         <p:nvPr/>
       </p:nvGrpSpPr>
@@ -2614,7 +2613,7 @@
       </p:grpSpPr>
       <p:sp>
         <p:nvSpPr>
-          <p:cNvPr id="208" name="Google Shape;208;g1e4fd58693c_0_14:notes"/>
+          <p:cNvPr id="206" name="Google Shape;206;g1e4fd58693c_0_0:notes"/>
           <p:cNvSpPr/>
           <p:nvPr>
             <p:ph idx="2" type="sldImg"/>
@@ -2649,7 +2648,7 @@
       </p:sp>
       <p:sp>
         <p:nvSpPr>
-          <p:cNvPr id="209" name="Google Shape;209;g1e4fd58693c_0_14:notes"/>
+          <p:cNvPr id="207" name="Google Shape;207;g1e4fd58693c_0_0:notes"/>
           <p:cNvSpPr txBox="1"/>
           <p:nvPr>
             <p:ph idx="1" type="body"/>
@@ -2699,7 +2698,7 @@
   <p:cSld>
     <p:spTree>
       <p:nvGrpSpPr>
-        <p:cNvPr id="212" name="Shape 212"/>
+        <p:cNvPr id="213" name="Shape 213"/>
         <p:cNvGrpSpPr/>
         <p:nvPr/>
       </p:nvGrpSpPr>
@@ -2713,7 +2712,7 @@
       </p:grpSpPr>
       <p:sp>
         <p:nvSpPr>
-          <p:cNvPr id="213" name="Google Shape;213;g1e4fd58693c_0_0:notes"/>
+          <p:cNvPr id="214" name="Google Shape;214;g1e4fd58693c_0_7:notes"/>
           <p:cNvSpPr/>
           <p:nvPr>
             <p:ph idx="2" type="sldImg"/>
@@ -2748,106 +2747,7 @@
       </p:sp>
       <p:sp>
         <p:nvSpPr>
-          <p:cNvPr id="214" name="Google Shape;214;g1e4fd58693c_0_0:notes"/>
-          <p:cNvSpPr txBox="1"/>
-          <p:nvPr>
-            <p:ph idx="1" type="body"/>
-          </p:nvPr>
-        </p:nvSpPr>
-        <p:spPr>
-          <a:xfrm>
-            <a:off x="685800" y="4343400"/>
-            <a:ext cx="5486400" cy="4114800"/>
-          </a:xfrm>
-          <a:prstGeom prst="rect">
-            <a:avLst/>
-          </a:prstGeom>
-        </p:spPr>
-        <p:txBody>
-          <a:bodyPr anchorCtr="0" anchor="t" bIns="91425" lIns="91425" spcFirstLastPara="1" rIns="91425" wrap="square" tIns="91425">
-            <a:noAutofit/>
-          </a:bodyPr>
-          <a:lstStyle/>
-          <a:p>
-            <a:pPr indent="0" lvl="0" marL="0" rtl="0" algn="l">
-              <a:spcBef>
-                <a:spcPts val="0"/>
-              </a:spcBef>
-              <a:spcAft>
-                <a:spcPts val="0"/>
-              </a:spcAft>
-              <a:buNone/>
-            </a:pPr>
-            <a:r>
-              <a:t/>
-            </a:r>
-            <a:endParaRPr/>
-          </a:p>
-        </p:txBody>
-      </p:sp>
-    </p:spTree>
-  </p:cSld>
-  <p:clrMapOvr>
-    <a:masterClrMapping/>
-  </p:clrMapOvr>
-</p:notes>
-</file>
-
-<file path=ppt/notesSlides/notesSlide29.xml><?xml version="1.0" encoding="utf-8"?>
-<p:notes xmlns:a="http://schemas.openxmlformats.org/drawingml/2006/main" xmlns:r="http://schemas.openxmlformats.org/officeDocument/2006/relationships" xmlns:mc="http://schemas.openxmlformats.org/markup-compatibility/2006" xmlns:mv="urn:schemas-microsoft-com:mac:vml" xmlns:p="http://schemas.openxmlformats.org/presentationml/2006/main" xmlns:c="http://schemas.openxmlformats.org/drawingml/2006/chart" xmlns:dgm="http://schemas.openxmlformats.org/drawingml/2006/diagram" xmlns:o="urn:schemas-microsoft-com:office:office" xmlns:v="urn:schemas-microsoft-com:vml" xmlns:pvml="urn:schemas-microsoft-com:office:powerpoint" xmlns:com="http://schemas.openxmlformats.org/drawingml/2006/compatibility" xmlns:p14="http://schemas.microsoft.com/office/powerpoint/2010/main" xmlns:p15="http://schemas.microsoft.com/office/powerpoint/2012/main" xmlns:ahyp="http://schemas.microsoft.com/office/drawing/2018/hyperlinkcolor" showMasterPhAnim="0" showMasterSp="0">
-  <p:cSld>
-    <p:spTree>
-      <p:nvGrpSpPr>
-        <p:cNvPr id="220" name="Shape 220"/>
-        <p:cNvGrpSpPr/>
-        <p:nvPr/>
-      </p:nvGrpSpPr>
-      <p:grpSpPr>
-        <a:xfrm>
-          <a:off x="0" y="0"/>
-          <a:ext cx="0" cy="0"/>
-          <a:chOff x="0" y="0"/>
-          <a:chExt cx="0" cy="0"/>
-        </a:xfrm>
-      </p:grpSpPr>
-      <p:sp>
-        <p:nvSpPr>
-          <p:cNvPr id="221" name="Google Shape;221;g1e4fd58693c_0_7:notes"/>
-          <p:cNvSpPr/>
-          <p:nvPr>
-            <p:ph idx="2" type="sldImg"/>
-          </p:nvPr>
-        </p:nvSpPr>
-        <p:spPr>
-          <a:xfrm>
-            <a:off x="381300" y="685800"/>
-            <a:ext cx="6096000" cy="3429000"/>
-          </a:xfrm>
-          <a:custGeom>
-            <a:rect b="b" l="l" r="r" t="t"/>
-            <a:pathLst>
-              <a:path extrusionOk="0" h="120000" w="120000">
-                <a:moveTo>
-                  <a:pt x="0" y="0"/>
-                </a:moveTo>
-                <a:lnTo>
-                  <a:pt x="120000" y="0"/>
-                </a:lnTo>
-                <a:lnTo>
-                  <a:pt x="120000" y="120000"/>
-                </a:lnTo>
-                <a:lnTo>
-                  <a:pt x="0" y="120000"/>
-                </a:lnTo>
-                <a:close/>
-              </a:path>
-            </a:pathLst>
-          </a:custGeom>
-        </p:spPr>
-      </p:sp>
-      <p:sp>
-        <p:nvSpPr>
-          <p:cNvPr id="222" name="Google Shape;222;g1e4fd58693c_0_7:notes"/>
+          <p:cNvPr id="215" name="Google Shape;215;g1e4fd58693c_0_7:notes"/>
           <p:cNvSpPr txBox="1"/>
           <p:nvPr>
             <p:ph idx="1" type="body"/>
@@ -7212,7 +7112,7 @@
 </file>
 
 <file path=ppt/slides/slide11.xml><?xml version="1.0" encoding="utf-8"?>
-<p:sld xmlns:a="http://schemas.openxmlformats.org/drawingml/2006/main" xmlns:r="http://schemas.openxmlformats.org/officeDocument/2006/relationships" xmlns:mc="http://schemas.openxmlformats.org/markup-compatibility/2006" xmlns:mv="urn:schemas-microsoft-com:mac:vml" xmlns:p="http://schemas.openxmlformats.org/presentationml/2006/main" xmlns:c="http://schemas.openxmlformats.org/drawingml/2006/chart" xmlns:dgm="http://schemas.openxmlformats.org/drawingml/2006/diagram" xmlns:o="urn:schemas-microsoft-com:office:office" xmlns:v="urn:schemas-microsoft-com:vml" xmlns:pvml="urn:schemas-microsoft-com:office:powerpoint" xmlns:com="http://schemas.openxmlformats.org/drawingml/2006/compatibility" xmlns:p14="http://schemas.microsoft.com/office/powerpoint/2010/main" xmlns:p15="http://schemas.microsoft.com/office/powerpoint/2012/main" xmlns:ahyp="http://schemas.microsoft.com/office/drawing/2018/hyperlinkcolor" show="0">
+<p:sld xmlns:a="http://schemas.openxmlformats.org/drawingml/2006/main" xmlns:r="http://schemas.openxmlformats.org/officeDocument/2006/relationships" xmlns:mc="http://schemas.openxmlformats.org/markup-compatibility/2006" xmlns:mv="urn:schemas-microsoft-com:mac:vml" xmlns:p="http://schemas.openxmlformats.org/presentationml/2006/main" xmlns:c="http://schemas.openxmlformats.org/drawingml/2006/chart" xmlns:dgm="http://schemas.openxmlformats.org/drawingml/2006/diagram" xmlns:o="urn:schemas-microsoft-com:office:office" xmlns:v="urn:schemas-microsoft-com:vml" xmlns:pvml="urn:schemas-microsoft-com:office:powerpoint" xmlns:com="http://schemas.openxmlformats.org/drawingml/2006/compatibility" xmlns:p14="http://schemas.microsoft.com/office/powerpoint/2010/main" xmlns:p15="http://schemas.microsoft.com/office/powerpoint/2012/main" xmlns:ahyp="http://schemas.microsoft.com/office/drawing/2018/hyperlinkcolor">
   <p:cSld>
     <p:spTree>
       <p:nvGrpSpPr>
@@ -7246,7 +7146,7 @@
           </a:prstGeom>
         </p:spPr>
         <p:txBody>
-          <a:bodyPr anchorCtr="0" anchor="ctr" bIns="91425" lIns="274300" spcFirstLastPara="1" rIns="91425" wrap="square" tIns="91425">
+          <a:bodyPr anchorCtr="0" anchor="ctr" bIns="0" lIns="274300" spcFirstLastPara="1" rIns="0" wrap="square" tIns="0">
             <a:noAutofit/>
           </a:bodyPr>
           <a:lstStyle/>
@@ -7262,7 +7162,7 @@
             </a:pPr>
             <a:r>
               <a:rPr lang="en"/>
-              <a:t>One-Time Deliverable: Demo Day Posters</a:t>
+              <a:t>Structure of a Demo Day Session (of Several)</a:t>
             </a:r>
             <a:endParaRPr/>
           </a:p>
@@ -7333,88 +7233,807 @@
           </a:p>
         </p:txBody>
       </p:sp>
-      <p:sp>
-        <p:nvSpPr>
+      <p:graphicFrame>
+        <p:nvGraphicFramePr>
           <p:cNvPr id="105" name="Google Shape;105;p18"/>
-          <p:cNvSpPr txBox="1"/>
-          <p:nvPr>
-            <p:ph idx="1" type="body"/>
-          </p:nvPr>
-        </p:nvSpPr>
-        <p:spPr>
-          <a:xfrm>
-            <a:off x="274320" y="914400"/>
-            <a:ext cx="8595300" cy="4114800"/>
-          </a:xfrm>
-          <a:prstGeom prst="rect">
-            <a:avLst/>
-          </a:prstGeom>
-        </p:spPr>
-        <p:txBody>
-          <a:bodyPr anchorCtr="0" anchor="t" bIns="0" lIns="0" spcFirstLastPara="1" rIns="0" wrap="square" tIns="0">
-            <a:noAutofit/>
-          </a:bodyPr>
-          <a:lstStyle/>
-          <a:p>
-            <a:pPr indent="0" lvl="0" marL="0" rtl="0" algn="l">
-              <a:spcBef>
-                <a:spcPts val="0"/>
-              </a:spcBef>
-              <a:spcAft>
-                <a:spcPts val="0"/>
-              </a:spcAft>
-              <a:buNone/>
-            </a:pPr>
-            <a:r>
-              <a:rPr lang="en"/>
-              <a:t>Please create two posters for your demo day booth</a:t>
-            </a:r>
-            <a:endParaRPr/>
-          </a:p>
-          <a:p>
-            <a:pPr indent="-342900" lvl="0" marL="457200" rtl="0" algn="l">
-              <a:spcBef>
-                <a:spcPts val="1200"/>
-              </a:spcBef>
-              <a:spcAft>
-                <a:spcPts val="0"/>
-              </a:spcAft>
-              <a:buSzPts val="1800"/>
-              <a:buChar char="●"/>
-            </a:pPr>
-            <a:r>
-              <a:rPr lang="en"/>
-              <a:t>One product management / product owner poster</a:t>
-            </a:r>
-            <a:endParaRPr/>
-          </a:p>
-          <a:p>
-            <a:pPr indent="-342900" lvl="0" marL="457200" rtl="0" algn="l">
-              <a:spcBef>
-                <a:spcPts val="0"/>
-              </a:spcBef>
-              <a:spcAft>
-                <a:spcPts val="0"/>
-              </a:spcAft>
-              <a:buSzPts val="1800"/>
-              <a:buChar char="●"/>
-            </a:pPr>
-            <a:r>
-              <a:rPr lang="en"/>
-              <a:t>One software </a:t>
-            </a:r>
-            <a:r>
-              <a:rPr lang="en"/>
-              <a:t>development</a:t>
-            </a:r>
-            <a:r>
-              <a:rPr lang="en"/>
-              <a:t> poster</a:t>
-            </a:r>
-            <a:endParaRPr/>
-          </a:p>
-        </p:txBody>
-      </p:sp>
+          <p:cNvGraphicFramePr/>
+          <p:nvPr/>
+        </p:nvGraphicFramePr>
+        <p:xfrm>
+          <a:off x="274320" y="914400"/>
+          <a:ext cx="3000000" cy="3000000"/>
+        </p:xfrm>
+        <a:graphic>
+          <a:graphicData uri="http://schemas.openxmlformats.org/drawingml/2006/table">
+            <a:tbl>
+              <a:tblPr>
+                <a:noFill/>
+                <a:tableStyleId>{5BB323B9-88CF-48DE-BA72-0A15C8B11EA6}</a:tableStyleId>
+              </a:tblPr>
+              <a:tblGrid>
+                <a:gridCol w="1315250"/>
+                <a:gridCol w="7280100"/>
+              </a:tblGrid>
+              <a:tr h="548650">
+                <a:tc>
+                  <a:txBody>
+                    <a:bodyPr/>
+                    <a:lstStyle/>
+                    <a:p>
+                      <a:pPr indent="0" lvl="0" marL="0" rtl="0" algn="l">
+                        <a:spcBef>
+                          <a:spcPts val="0"/>
+                        </a:spcBef>
+                        <a:spcAft>
+                          <a:spcPts val="0"/>
+                        </a:spcAft>
+                        <a:buNone/>
+                      </a:pPr>
+                      <a:r>
+                        <a:rPr b="1" lang="en">
+                          <a:solidFill>
+                            <a:schemeClr val="lt1"/>
+                          </a:solidFill>
+                        </a:rPr>
+                        <a:t>At</a:t>
+                      </a:r>
+                      <a:endParaRPr b="1">
+                        <a:solidFill>
+                          <a:schemeClr val="lt1"/>
+                        </a:solidFill>
+                      </a:endParaRPr>
+                    </a:p>
+                  </a:txBody>
+                  <a:tcPr marT="91425" marB="91425" marR="91425" marL="91425" anchor="ctr">
+                    <a:lnL cap="flat" cmpd="sng" w="38100">
+                      <a:solidFill>
+                        <a:schemeClr val="lt1"/>
+                      </a:solidFill>
+                      <a:prstDash val="solid"/>
+                      <a:round/>
+                      <a:headEnd len="sm" w="sm" type="none"/>
+                      <a:tailEnd len="sm" w="sm" type="none"/>
+                    </a:lnL>
+                    <a:lnR cap="flat" cmpd="sng" w="38100">
+                      <a:solidFill>
+                        <a:schemeClr val="lt1"/>
+                      </a:solidFill>
+                      <a:prstDash val="solid"/>
+                      <a:round/>
+                      <a:headEnd len="sm" w="sm" type="none"/>
+                      <a:tailEnd len="sm" w="sm" type="none"/>
+                    </a:lnR>
+                    <a:lnT cap="flat" cmpd="sng" w="38100">
+                      <a:solidFill>
+                        <a:schemeClr val="lt1"/>
+                      </a:solidFill>
+                      <a:prstDash val="solid"/>
+                      <a:round/>
+                      <a:headEnd len="sm" w="sm" type="none"/>
+                      <a:tailEnd len="sm" w="sm" type="none"/>
+                    </a:lnT>
+                    <a:lnB cap="flat" cmpd="sng" w="38100">
+                      <a:solidFill>
+                        <a:schemeClr val="lt1"/>
+                      </a:solidFill>
+                      <a:prstDash val="solid"/>
+                      <a:round/>
+                      <a:headEnd len="sm" w="sm" type="none"/>
+                      <a:tailEnd len="sm" w="sm" type="none"/>
+                    </a:lnB>
+                    <a:solidFill>
+                      <a:schemeClr val="dk2"/>
+                    </a:solidFill>
+                  </a:tcPr>
+                </a:tc>
+                <a:tc>
+                  <a:txBody>
+                    <a:bodyPr/>
+                    <a:lstStyle/>
+                    <a:p>
+                      <a:pPr indent="0" lvl="0" marL="0" rtl="0" algn="l">
+                        <a:spcBef>
+                          <a:spcPts val="0"/>
+                        </a:spcBef>
+                        <a:spcAft>
+                          <a:spcPts val="0"/>
+                        </a:spcAft>
+                        <a:buNone/>
+                      </a:pPr>
+                      <a:r>
+                        <a:rPr b="1" lang="en">
+                          <a:solidFill>
+                            <a:schemeClr val="lt1"/>
+                          </a:solidFill>
+                        </a:rPr>
+                        <a:t>What happens / to do</a:t>
+                      </a:r>
+                      <a:endParaRPr b="1">
+                        <a:solidFill>
+                          <a:schemeClr val="lt1"/>
+                        </a:solidFill>
+                      </a:endParaRPr>
+                    </a:p>
+                  </a:txBody>
+                  <a:tcPr marT="91425" marB="91425" marR="91425" marL="91425" anchor="ctr">
+                    <a:lnL cap="flat" cmpd="sng" w="38100">
+                      <a:solidFill>
+                        <a:schemeClr val="lt1"/>
+                      </a:solidFill>
+                      <a:prstDash val="solid"/>
+                      <a:round/>
+                      <a:headEnd len="sm" w="sm" type="none"/>
+                      <a:tailEnd len="sm" w="sm" type="none"/>
+                    </a:lnL>
+                    <a:lnR cap="flat" cmpd="sng" w="38100">
+                      <a:solidFill>
+                        <a:schemeClr val="lt1"/>
+                      </a:solidFill>
+                      <a:prstDash val="solid"/>
+                      <a:round/>
+                      <a:headEnd len="sm" w="sm" type="none"/>
+                      <a:tailEnd len="sm" w="sm" type="none"/>
+                    </a:lnR>
+                    <a:lnT cap="flat" cmpd="sng" w="38100">
+                      <a:solidFill>
+                        <a:schemeClr val="lt1"/>
+                      </a:solidFill>
+                      <a:prstDash val="solid"/>
+                      <a:round/>
+                      <a:headEnd len="sm" w="sm" type="none"/>
+                      <a:tailEnd len="sm" w="sm" type="none"/>
+                    </a:lnT>
+                    <a:lnB cap="flat" cmpd="sng" w="38100">
+                      <a:solidFill>
+                        <a:schemeClr val="lt1"/>
+                      </a:solidFill>
+                      <a:prstDash val="solid"/>
+                      <a:round/>
+                      <a:headEnd len="sm" w="sm" type="none"/>
+                      <a:tailEnd len="sm" w="sm" type="none"/>
+                    </a:lnB>
+                    <a:solidFill>
+                      <a:schemeClr val="dk2"/>
+                    </a:solidFill>
+                  </a:tcPr>
+                </a:tc>
+              </a:tr>
+              <a:tr h="548650">
+                <a:tc>
+                  <a:txBody>
+                    <a:bodyPr/>
+                    <a:lstStyle/>
+                    <a:p>
+                      <a:pPr indent="0" lvl="0" marL="0" rtl="0" algn="l">
+                        <a:spcBef>
+                          <a:spcPts val="0"/>
+                        </a:spcBef>
+                        <a:spcAft>
+                          <a:spcPts val="0"/>
+                        </a:spcAft>
+                        <a:buNone/>
+                      </a:pPr>
+                      <a:r>
+                        <a:rPr lang="en"/>
+                        <a:t>0min.</a:t>
+                      </a:r>
+                      <a:endParaRPr/>
+                    </a:p>
+                  </a:txBody>
+                  <a:tcPr marT="91425" marB="91425" marR="91425" marL="91425" anchor="ctr">
+                    <a:lnL cap="flat" cmpd="sng" w="38100">
+                      <a:solidFill>
+                        <a:schemeClr val="lt1"/>
+                      </a:solidFill>
+                      <a:prstDash val="solid"/>
+                      <a:round/>
+                      <a:headEnd len="sm" w="sm" type="none"/>
+                      <a:tailEnd len="sm" w="sm" type="none"/>
+                    </a:lnL>
+                    <a:lnR cap="flat" cmpd="sng" w="38100">
+                      <a:solidFill>
+                        <a:schemeClr val="lt1"/>
+                      </a:solidFill>
+                      <a:prstDash val="solid"/>
+                      <a:round/>
+                      <a:headEnd len="sm" w="sm" type="none"/>
+                      <a:tailEnd len="sm" w="sm" type="none"/>
+                    </a:lnR>
+                    <a:lnT cap="flat" cmpd="sng" w="38100">
+                      <a:solidFill>
+                        <a:schemeClr val="lt1"/>
+                      </a:solidFill>
+                      <a:prstDash val="solid"/>
+                      <a:round/>
+                      <a:headEnd len="sm" w="sm" type="none"/>
+                      <a:tailEnd len="sm" w="sm" type="none"/>
+                    </a:lnT>
+                    <a:lnB cap="flat" cmpd="sng" w="38100">
+                      <a:solidFill>
+                        <a:schemeClr val="lt1"/>
+                      </a:solidFill>
+                      <a:prstDash val="solid"/>
+                      <a:round/>
+                      <a:headEnd len="sm" w="sm" type="none"/>
+                      <a:tailEnd len="sm" w="sm" type="none"/>
+                    </a:lnB>
+                  </a:tcPr>
+                </a:tc>
+                <a:tc>
+                  <a:txBody>
+                    <a:bodyPr/>
+                    <a:lstStyle/>
+                    <a:p>
+                      <a:pPr indent="0" lvl="0" marL="0" rtl="0" algn="l">
+                        <a:spcBef>
+                          <a:spcPts val="0"/>
+                        </a:spcBef>
+                        <a:spcAft>
+                          <a:spcPts val="0"/>
+                        </a:spcAft>
+                        <a:buNone/>
+                      </a:pPr>
+                      <a:r>
+                        <a:rPr lang="en"/>
+                        <a:t>Demo r</a:t>
+                      </a:r>
+                      <a:r>
+                        <a:rPr lang="en"/>
+                        <a:t>oom opens, participants stream in</a:t>
+                      </a:r>
+                      <a:endParaRPr/>
+                    </a:p>
+                  </a:txBody>
+                  <a:tcPr marT="91425" marB="91425" marR="91425" marL="91425" anchor="ctr">
+                    <a:lnL cap="flat" cmpd="sng" w="38100">
+                      <a:solidFill>
+                        <a:schemeClr val="lt1"/>
+                      </a:solidFill>
+                      <a:prstDash val="solid"/>
+                      <a:round/>
+                      <a:headEnd len="sm" w="sm" type="none"/>
+                      <a:tailEnd len="sm" w="sm" type="none"/>
+                    </a:lnL>
+                    <a:lnR cap="flat" cmpd="sng" w="38100">
+                      <a:solidFill>
+                        <a:schemeClr val="lt1"/>
+                      </a:solidFill>
+                      <a:prstDash val="solid"/>
+                      <a:round/>
+                      <a:headEnd len="sm" w="sm" type="none"/>
+                      <a:tailEnd len="sm" w="sm" type="none"/>
+                    </a:lnR>
+                    <a:lnT cap="flat" cmpd="sng" w="38100">
+                      <a:solidFill>
+                        <a:schemeClr val="lt1"/>
+                      </a:solidFill>
+                      <a:prstDash val="solid"/>
+                      <a:round/>
+                      <a:headEnd len="sm" w="sm" type="none"/>
+                      <a:tailEnd len="sm" w="sm" type="none"/>
+                    </a:lnT>
+                    <a:lnB cap="flat" cmpd="sng" w="38100">
+                      <a:solidFill>
+                        <a:schemeClr val="lt1"/>
+                      </a:solidFill>
+                      <a:prstDash val="solid"/>
+                      <a:round/>
+                      <a:headEnd len="sm" w="sm" type="none"/>
+                      <a:tailEnd len="sm" w="sm" type="none"/>
+                    </a:lnB>
+                  </a:tcPr>
+                </a:tc>
+              </a:tr>
+              <a:tr h="548650">
+                <a:tc>
+                  <a:txBody>
+                    <a:bodyPr/>
+                    <a:lstStyle/>
+                    <a:p>
+                      <a:pPr indent="0" lvl="0" marL="0" rtl="0" algn="l">
+                        <a:spcBef>
+                          <a:spcPts val="0"/>
+                        </a:spcBef>
+                        <a:spcAft>
+                          <a:spcPts val="0"/>
+                        </a:spcAft>
+                        <a:buNone/>
+                      </a:pPr>
+                      <a:r>
+                        <a:rPr lang="en"/>
+                        <a:t>1min.</a:t>
+                      </a:r>
+                      <a:endParaRPr/>
+                    </a:p>
+                  </a:txBody>
+                  <a:tcPr marT="91425" marB="91425" marR="91425" marL="91425" anchor="ctr">
+                    <a:lnL cap="flat" cmpd="sng" w="38100">
+                      <a:solidFill>
+                        <a:schemeClr val="lt1"/>
+                      </a:solidFill>
+                      <a:prstDash val="solid"/>
+                      <a:round/>
+                      <a:headEnd len="sm" w="sm" type="none"/>
+                      <a:tailEnd len="sm" w="sm" type="none"/>
+                    </a:lnL>
+                    <a:lnR cap="flat" cmpd="sng" w="38100">
+                      <a:solidFill>
+                        <a:schemeClr val="lt1"/>
+                      </a:solidFill>
+                      <a:prstDash val="solid"/>
+                      <a:round/>
+                      <a:headEnd len="sm" w="sm" type="none"/>
+                      <a:tailEnd len="sm" w="sm" type="none"/>
+                    </a:lnR>
+                    <a:lnT cap="flat" cmpd="sng" w="38100">
+                      <a:solidFill>
+                        <a:schemeClr val="lt1"/>
+                      </a:solidFill>
+                      <a:prstDash val="solid"/>
+                      <a:round/>
+                      <a:headEnd len="sm" w="sm" type="none"/>
+                      <a:tailEnd len="sm" w="sm" type="none"/>
+                    </a:lnT>
+                    <a:lnB cap="flat" cmpd="sng" w="38100">
+                      <a:solidFill>
+                        <a:schemeClr val="lt1"/>
+                      </a:solidFill>
+                      <a:prstDash val="solid"/>
+                      <a:round/>
+                      <a:headEnd len="sm" w="sm" type="none"/>
+                      <a:tailEnd len="sm" w="sm" type="none"/>
+                    </a:lnB>
+                    <a:solidFill>
+                      <a:schemeClr val="accent1"/>
+                    </a:solidFill>
+                  </a:tcPr>
+                </a:tc>
+                <a:tc>
+                  <a:txBody>
+                    <a:bodyPr/>
+                    <a:lstStyle/>
+                    <a:p>
+                      <a:pPr indent="0" lvl="0" marL="0" rtl="0" algn="l">
+                        <a:spcBef>
+                          <a:spcPts val="0"/>
+                        </a:spcBef>
+                        <a:spcAft>
+                          <a:spcPts val="0"/>
+                        </a:spcAft>
+                        <a:buNone/>
+                      </a:pPr>
+                      <a:r>
+                        <a:rPr lang="en"/>
+                        <a:t>Demo starts</a:t>
+                      </a:r>
+                      <a:endParaRPr/>
+                    </a:p>
+                  </a:txBody>
+                  <a:tcPr marT="91425" marB="91425" marR="91425" marL="91425" anchor="ctr">
+                    <a:lnL cap="flat" cmpd="sng" w="38100">
+                      <a:solidFill>
+                        <a:schemeClr val="lt1"/>
+                      </a:solidFill>
+                      <a:prstDash val="solid"/>
+                      <a:round/>
+                      <a:headEnd len="sm" w="sm" type="none"/>
+                      <a:tailEnd len="sm" w="sm" type="none"/>
+                    </a:lnL>
+                    <a:lnR cap="flat" cmpd="sng" w="38100">
+                      <a:solidFill>
+                        <a:schemeClr val="lt1"/>
+                      </a:solidFill>
+                      <a:prstDash val="solid"/>
+                      <a:round/>
+                      <a:headEnd len="sm" w="sm" type="none"/>
+                      <a:tailEnd len="sm" w="sm" type="none"/>
+                    </a:lnR>
+                    <a:lnT cap="flat" cmpd="sng" w="38100">
+                      <a:solidFill>
+                        <a:schemeClr val="lt1"/>
+                      </a:solidFill>
+                      <a:prstDash val="solid"/>
+                      <a:round/>
+                      <a:headEnd len="sm" w="sm" type="none"/>
+                      <a:tailEnd len="sm" w="sm" type="none"/>
+                    </a:lnT>
+                    <a:lnB cap="flat" cmpd="sng" w="38100">
+                      <a:solidFill>
+                        <a:schemeClr val="lt1"/>
+                      </a:solidFill>
+                      <a:prstDash val="solid"/>
+                      <a:round/>
+                      <a:headEnd len="sm" w="sm" type="none"/>
+                      <a:tailEnd len="sm" w="sm" type="none"/>
+                    </a:lnB>
+                    <a:solidFill>
+                      <a:schemeClr val="accent1"/>
+                    </a:solidFill>
+                  </a:tcPr>
+                </a:tc>
+              </a:tr>
+              <a:tr h="548650">
+                <a:tc>
+                  <a:txBody>
+                    <a:bodyPr/>
+                    <a:lstStyle/>
+                    <a:p>
+                      <a:pPr indent="0" lvl="0" marL="0" rtl="0" algn="l">
+                        <a:spcBef>
+                          <a:spcPts val="0"/>
+                        </a:spcBef>
+                        <a:spcAft>
+                          <a:spcPts val="0"/>
+                        </a:spcAft>
+                        <a:buNone/>
+                      </a:pPr>
+                      <a:r>
+                        <a:rPr lang="en"/>
+                        <a:t>10min.</a:t>
+                      </a:r>
+                      <a:endParaRPr/>
+                    </a:p>
+                  </a:txBody>
+                  <a:tcPr marT="91425" marB="91425" marR="91425" marL="91425" anchor="ctr">
+                    <a:lnL cap="flat" cmpd="sng" w="38100">
+                      <a:solidFill>
+                        <a:schemeClr val="lt1"/>
+                      </a:solidFill>
+                      <a:prstDash val="solid"/>
+                      <a:round/>
+                      <a:headEnd len="sm" w="sm" type="none"/>
+                      <a:tailEnd len="sm" w="sm" type="none"/>
+                    </a:lnL>
+                    <a:lnR cap="flat" cmpd="sng" w="38100">
+                      <a:solidFill>
+                        <a:schemeClr val="lt1"/>
+                      </a:solidFill>
+                      <a:prstDash val="solid"/>
+                      <a:round/>
+                      <a:headEnd len="sm" w="sm" type="none"/>
+                      <a:tailEnd len="sm" w="sm" type="none"/>
+                    </a:lnR>
+                    <a:lnT cap="flat" cmpd="sng" w="38100">
+                      <a:solidFill>
+                        <a:schemeClr val="lt1"/>
+                      </a:solidFill>
+                      <a:prstDash val="solid"/>
+                      <a:round/>
+                      <a:headEnd len="sm" w="sm" type="none"/>
+                      <a:tailEnd len="sm" w="sm" type="none"/>
+                    </a:lnT>
+                    <a:lnB cap="flat" cmpd="sng" w="38100">
+                      <a:solidFill>
+                        <a:schemeClr val="lt1"/>
+                      </a:solidFill>
+                      <a:prstDash val="solid"/>
+                      <a:round/>
+                      <a:headEnd len="sm" w="sm" type="none"/>
+                      <a:tailEnd len="sm" w="sm" type="none"/>
+                    </a:lnB>
+                    <a:solidFill>
+                      <a:schemeClr val="lt1"/>
+                    </a:solidFill>
+                  </a:tcPr>
+                </a:tc>
+                <a:tc>
+                  <a:txBody>
+                    <a:bodyPr/>
+                    <a:lstStyle/>
+                    <a:p>
+                      <a:pPr indent="0" lvl="0" marL="0" rtl="0" algn="l">
+                        <a:spcBef>
+                          <a:spcPts val="0"/>
+                        </a:spcBef>
+                        <a:spcAft>
+                          <a:spcPts val="0"/>
+                        </a:spcAft>
+                        <a:buNone/>
+                      </a:pPr>
+                      <a:r>
+                        <a:rPr lang="en"/>
+                        <a:t>Demo finishes, discussion starts</a:t>
+                      </a:r>
+                      <a:endParaRPr/>
+                    </a:p>
+                  </a:txBody>
+                  <a:tcPr marT="91425" marB="91425" marR="91425" marL="91425" anchor="ctr">
+                    <a:lnL cap="flat" cmpd="sng" w="38100">
+                      <a:solidFill>
+                        <a:schemeClr val="lt1"/>
+                      </a:solidFill>
+                      <a:prstDash val="solid"/>
+                      <a:round/>
+                      <a:headEnd len="sm" w="sm" type="none"/>
+                      <a:tailEnd len="sm" w="sm" type="none"/>
+                    </a:lnL>
+                    <a:lnR cap="flat" cmpd="sng" w="38100">
+                      <a:solidFill>
+                        <a:schemeClr val="lt1"/>
+                      </a:solidFill>
+                      <a:prstDash val="solid"/>
+                      <a:round/>
+                      <a:headEnd len="sm" w="sm" type="none"/>
+                      <a:tailEnd len="sm" w="sm" type="none"/>
+                    </a:lnR>
+                    <a:lnT cap="flat" cmpd="sng" w="38100">
+                      <a:solidFill>
+                        <a:schemeClr val="lt1"/>
+                      </a:solidFill>
+                      <a:prstDash val="solid"/>
+                      <a:round/>
+                      <a:headEnd len="sm" w="sm" type="none"/>
+                      <a:tailEnd len="sm" w="sm" type="none"/>
+                    </a:lnT>
+                    <a:lnB cap="flat" cmpd="sng" w="38100">
+                      <a:solidFill>
+                        <a:schemeClr val="lt1"/>
+                      </a:solidFill>
+                      <a:prstDash val="solid"/>
+                      <a:round/>
+                      <a:headEnd len="sm" w="sm" type="none"/>
+                      <a:tailEnd len="sm" w="sm" type="none"/>
+                    </a:lnB>
+                    <a:solidFill>
+                      <a:schemeClr val="lt1"/>
+                    </a:solidFill>
+                  </a:tcPr>
+                </a:tc>
+              </a:tr>
+              <a:tr h="548650">
+                <a:tc>
+                  <a:txBody>
+                    <a:bodyPr/>
+                    <a:lstStyle/>
+                    <a:p>
+                      <a:pPr indent="0" lvl="0" marL="0" rtl="0" algn="l">
+                        <a:spcBef>
+                          <a:spcPts val="0"/>
+                        </a:spcBef>
+                        <a:spcAft>
+                          <a:spcPts val="0"/>
+                        </a:spcAft>
+                        <a:buNone/>
+                      </a:pPr>
+                      <a:r>
+                        <a:rPr lang="en"/>
+                        <a:t>19min.</a:t>
+                      </a:r>
+                      <a:endParaRPr/>
+                    </a:p>
+                  </a:txBody>
+                  <a:tcPr marT="91425" marB="91425" marR="91425" marL="91425" anchor="ctr">
+                    <a:lnL cap="flat" cmpd="sng" w="38100">
+                      <a:solidFill>
+                        <a:schemeClr val="lt1"/>
+                      </a:solidFill>
+                      <a:prstDash val="solid"/>
+                      <a:round/>
+                      <a:headEnd len="sm" w="sm" type="none"/>
+                      <a:tailEnd len="sm" w="sm" type="none"/>
+                    </a:lnL>
+                    <a:lnR cap="flat" cmpd="sng" w="38100">
+                      <a:solidFill>
+                        <a:schemeClr val="lt1"/>
+                      </a:solidFill>
+                      <a:prstDash val="solid"/>
+                      <a:round/>
+                      <a:headEnd len="sm" w="sm" type="none"/>
+                      <a:tailEnd len="sm" w="sm" type="none"/>
+                    </a:lnR>
+                    <a:lnT cap="flat" cmpd="sng" w="38100">
+                      <a:solidFill>
+                        <a:schemeClr val="lt1"/>
+                      </a:solidFill>
+                      <a:prstDash val="solid"/>
+                      <a:round/>
+                      <a:headEnd len="sm" w="sm" type="none"/>
+                      <a:tailEnd len="sm" w="sm" type="none"/>
+                    </a:lnT>
+                    <a:lnB cap="flat" cmpd="sng" w="38100">
+                      <a:solidFill>
+                        <a:schemeClr val="lt1"/>
+                      </a:solidFill>
+                      <a:prstDash val="solid"/>
+                      <a:round/>
+                      <a:headEnd len="sm" w="sm" type="none"/>
+                      <a:tailEnd len="sm" w="sm" type="none"/>
+                    </a:lnB>
+                    <a:solidFill>
+                      <a:schemeClr val="accent1"/>
+                    </a:solidFill>
+                  </a:tcPr>
+                </a:tc>
+                <a:tc>
+                  <a:txBody>
+                    <a:bodyPr/>
+                    <a:lstStyle/>
+                    <a:p>
+                      <a:pPr indent="0" lvl="0" marL="0" rtl="0" algn="l">
+                        <a:spcBef>
+                          <a:spcPts val="0"/>
+                        </a:spcBef>
+                        <a:spcAft>
+                          <a:spcPts val="0"/>
+                        </a:spcAft>
+                        <a:buNone/>
+                      </a:pPr>
+                      <a:r>
+                        <a:rPr lang="en"/>
+                        <a:t>60 second countdown to room closing starts</a:t>
+                      </a:r>
+                      <a:endParaRPr/>
+                    </a:p>
+                  </a:txBody>
+                  <a:tcPr marT="91425" marB="91425" marR="91425" marL="91425" anchor="ctr">
+                    <a:lnL cap="flat" cmpd="sng" w="38100">
+                      <a:solidFill>
+                        <a:schemeClr val="lt1"/>
+                      </a:solidFill>
+                      <a:prstDash val="solid"/>
+                      <a:round/>
+                      <a:headEnd len="sm" w="sm" type="none"/>
+                      <a:tailEnd len="sm" w="sm" type="none"/>
+                    </a:lnL>
+                    <a:lnR cap="flat" cmpd="sng" w="38100">
+                      <a:solidFill>
+                        <a:schemeClr val="lt1"/>
+                      </a:solidFill>
+                      <a:prstDash val="solid"/>
+                      <a:round/>
+                      <a:headEnd len="sm" w="sm" type="none"/>
+                      <a:tailEnd len="sm" w="sm" type="none"/>
+                    </a:lnR>
+                    <a:lnT cap="flat" cmpd="sng" w="38100">
+                      <a:solidFill>
+                        <a:schemeClr val="lt1"/>
+                      </a:solidFill>
+                      <a:prstDash val="solid"/>
+                      <a:round/>
+                      <a:headEnd len="sm" w="sm" type="none"/>
+                      <a:tailEnd len="sm" w="sm" type="none"/>
+                    </a:lnT>
+                    <a:lnB cap="flat" cmpd="sng" w="38100">
+                      <a:solidFill>
+                        <a:schemeClr val="lt1"/>
+                      </a:solidFill>
+                      <a:prstDash val="solid"/>
+                      <a:round/>
+                      <a:headEnd len="sm" w="sm" type="none"/>
+                      <a:tailEnd len="sm" w="sm" type="none"/>
+                    </a:lnB>
+                    <a:solidFill>
+                      <a:schemeClr val="accent1"/>
+                    </a:solidFill>
+                  </a:tcPr>
+                </a:tc>
+              </a:tr>
+              <a:tr h="548650">
+                <a:tc>
+                  <a:txBody>
+                    <a:bodyPr/>
+                    <a:lstStyle/>
+                    <a:p>
+                      <a:pPr indent="0" lvl="0" marL="0" rtl="0" algn="l">
+                        <a:spcBef>
+                          <a:spcPts val="0"/>
+                        </a:spcBef>
+                        <a:spcAft>
+                          <a:spcPts val="0"/>
+                        </a:spcAft>
+                        <a:buNone/>
+                      </a:pPr>
+                      <a:r>
+                        <a:rPr lang="en"/>
+                        <a:t>20min.</a:t>
+                      </a:r>
+                      <a:endParaRPr/>
+                    </a:p>
+                  </a:txBody>
+                  <a:tcPr marT="91425" marB="91425" marR="91425" marL="91425" anchor="ctr">
+                    <a:lnL cap="flat" cmpd="sng" w="38100">
+                      <a:solidFill>
+                        <a:schemeClr val="lt1"/>
+                      </a:solidFill>
+                      <a:prstDash val="solid"/>
+                      <a:round/>
+                      <a:headEnd len="sm" w="sm" type="none"/>
+                      <a:tailEnd len="sm" w="sm" type="none"/>
+                    </a:lnL>
+                    <a:lnR cap="flat" cmpd="sng" w="38100">
+                      <a:solidFill>
+                        <a:schemeClr val="lt1"/>
+                      </a:solidFill>
+                      <a:prstDash val="solid"/>
+                      <a:round/>
+                      <a:headEnd len="sm" w="sm" type="none"/>
+                      <a:tailEnd len="sm" w="sm" type="none"/>
+                    </a:lnR>
+                    <a:lnT cap="flat" cmpd="sng" w="38100">
+                      <a:solidFill>
+                        <a:schemeClr val="lt1"/>
+                      </a:solidFill>
+                      <a:prstDash val="solid"/>
+                      <a:round/>
+                      <a:headEnd len="sm" w="sm" type="none"/>
+                      <a:tailEnd len="sm" w="sm" type="none"/>
+                    </a:lnT>
+                    <a:lnB cap="flat" cmpd="sng" w="38100">
+                      <a:solidFill>
+                        <a:schemeClr val="lt1"/>
+                      </a:solidFill>
+                      <a:prstDash val="solid"/>
+                      <a:round/>
+                      <a:headEnd len="sm" w="sm" type="none"/>
+                      <a:tailEnd len="sm" w="sm" type="none"/>
+                    </a:lnB>
+                  </a:tcPr>
+                </a:tc>
+                <a:tc>
+                  <a:txBody>
+                    <a:bodyPr/>
+                    <a:lstStyle/>
+                    <a:p>
+                      <a:pPr indent="0" lvl="0" marL="0" rtl="0" algn="l">
+                        <a:spcBef>
+                          <a:spcPts val="0"/>
+                        </a:spcBef>
+                        <a:spcAft>
+                          <a:spcPts val="0"/>
+                        </a:spcAft>
+                        <a:buNone/>
+                      </a:pPr>
+                      <a:r>
+                        <a:rPr lang="en"/>
+                        <a:t>Room closes, everyone is pulled back into the main room</a:t>
+                      </a:r>
+                      <a:endParaRPr/>
+                    </a:p>
+                  </a:txBody>
+                  <a:tcPr marT="91425" marB="91425" marR="91425" marL="91425" anchor="ctr">
+                    <a:lnL cap="flat" cmpd="sng" w="38100">
+                      <a:solidFill>
+                        <a:schemeClr val="lt1"/>
+                      </a:solidFill>
+                      <a:prstDash val="solid"/>
+                      <a:round/>
+                      <a:headEnd len="sm" w="sm" type="none"/>
+                      <a:tailEnd len="sm" w="sm" type="none"/>
+                    </a:lnL>
+                    <a:lnR cap="flat" cmpd="sng" w="38100">
+                      <a:solidFill>
+                        <a:schemeClr val="lt1"/>
+                      </a:solidFill>
+                      <a:prstDash val="solid"/>
+                      <a:round/>
+                      <a:headEnd len="sm" w="sm" type="none"/>
+                      <a:tailEnd len="sm" w="sm" type="none"/>
+                    </a:lnR>
+                    <a:lnT cap="flat" cmpd="sng" w="38100">
+                      <a:solidFill>
+                        <a:schemeClr val="lt1"/>
+                      </a:solidFill>
+                      <a:prstDash val="solid"/>
+                      <a:round/>
+                      <a:headEnd len="sm" w="sm" type="none"/>
+                      <a:tailEnd len="sm" w="sm" type="none"/>
+                    </a:lnT>
+                    <a:lnB cap="flat" cmpd="sng" w="38100">
+                      <a:solidFill>
+                        <a:schemeClr val="lt1"/>
+                      </a:solidFill>
+                      <a:prstDash val="solid"/>
+                      <a:round/>
+                      <a:headEnd len="sm" w="sm" type="none"/>
+                      <a:tailEnd len="sm" w="sm" type="none"/>
+                    </a:lnB>
+                  </a:tcPr>
+                </a:tc>
+              </a:tr>
+            </a:tbl>
+          </a:graphicData>
+        </a:graphic>
+      </p:graphicFrame>
     </p:spTree>
   </p:cSld>
   <p:clrMapOvr>
@@ -7474,7 +8093,7 @@
             </a:pPr>
             <a:r>
               <a:rPr lang="en"/>
-              <a:t>Structure of a Demo Day Session (of Several)</a:t>
+              <a:t>Demo Preparation</a:t>
             </a:r>
             <a:endParaRPr/>
           </a:p>
@@ -7545,807 +8164,349 @@
           </a:p>
         </p:txBody>
       </p:sp>
-      <p:graphicFrame>
-        <p:nvGraphicFramePr>
+      <p:sp>
+        <p:nvSpPr>
           <p:cNvPr id="112" name="Google Shape;112;p19"/>
-          <p:cNvGraphicFramePr/>
-          <p:nvPr/>
-        </p:nvGraphicFramePr>
-        <p:xfrm>
-          <a:off x="274320" y="914400"/>
-          <a:ext cx="3000000" cy="3000000"/>
-        </p:xfrm>
-        <a:graphic>
-          <a:graphicData uri="http://schemas.openxmlformats.org/drawingml/2006/table">
-            <a:tbl>
-              <a:tblPr>
-                <a:noFill/>
-                <a:tableStyleId>{6279BB16-6FD5-499B-9E1B-AF1B227605A5}</a:tableStyleId>
-              </a:tblPr>
-              <a:tblGrid>
-                <a:gridCol w="1315250"/>
-                <a:gridCol w="7280100"/>
-              </a:tblGrid>
-              <a:tr h="548650">
-                <a:tc>
-                  <a:txBody>
-                    <a:bodyPr/>
-                    <a:lstStyle/>
-                    <a:p>
-                      <a:pPr indent="0" lvl="0" marL="0" rtl="0" algn="l">
-                        <a:spcBef>
-                          <a:spcPts val="0"/>
-                        </a:spcBef>
-                        <a:spcAft>
-                          <a:spcPts val="0"/>
-                        </a:spcAft>
-                        <a:buNone/>
-                      </a:pPr>
-                      <a:r>
-                        <a:rPr b="1" lang="en">
-                          <a:solidFill>
-                            <a:schemeClr val="lt1"/>
-                          </a:solidFill>
-                        </a:rPr>
-                        <a:t>At</a:t>
-                      </a:r>
-                      <a:endParaRPr b="1">
-                        <a:solidFill>
-                          <a:schemeClr val="lt1"/>
-                        </a:solidFill>
-                      </a:endParaRPr>
-                    </a:p>
-                  </a:txBody>
-                  <a:tcPr marT="91425" marB="91425" marR="91425" marL="91425" anchor="ctr">
-                    <a:lnL cap="flat" cmpd="sng" w="38100">
-                      <a:solidFill>
-                        <a:schemeClr val="lt1"/>
-                      </a:solidFill>
-                      <a:prstDash val="solid"/>
-                      <a:round/>
-                      <a:headEnd len="sm" w="sm" type="none"/>
-                      <a:tailEnd len="sm" w="sm" type="none"/>
-                    </a:lnL>
-                    <a:lnR cap="flat" cmpd="sng" w="38100">
-                      <a:solidFill>
-                        <a:schemeClr val="lt1"/>
-                      </a:solidFill>
-                      <a:prstDash val="solid"/>
-                      <a:round/>
-                      <a:headEnd len="sm" w="sm" type="none"/>
-                      <a:tailEnd len="sm" w="sm" type="none"/>
-                    </a:lnR>
-                    <a:lnT cap="flat" cmpd="sng" w="38100">
-                      <a:solidFill>
-                        <a:schemeClr val="lt1"/>
-                      </a:solidFill>
-                      <a:prstDash val="solid"/>
-                      <a:round/>
-                      <a:headEnd len="sm" w="sm" type="none"/>
-                      <a:tailEnd len="sm" w="sm" type="none"/>
-                    </a:lnT>
-                    <a:lnB cap="flat" cmpd="sng" w="38100">
-                      <a:solidFill>
-                        <a:schemeClr val="lt1"/>
-                      </a:solidFill>
-                      <a:prstDash val="solid"/>
-                      <a:round/>
-                      <a:headEnd len="sm" w="sm" type="none"/>
-                      <a:tailEnd len="sm" w="sm" type="none"/>
-                    </a:lnB>
-                    <a:solidFill>
-                      <a:schemeClr val="dk2"/>
-                    </a:solidFill>
-                  </a:tcPr>
-                </a:tc>
-                <a:tc>
-                  <a:txBody>
-                    <a:bodyPr/>
-                    <a:lstStyle/>
-                    <a:p>
-                      <a:pPr indent="0" lvl="0" marL="0" rtl="0" algn="l">
-                        <a:spcBef>
-                          <a:spcPts val="0"/>
-                        </a:spcBef>
-                        <a:spcAft>
-                          <a:spcPts val="0"/>
-                        </a:spcAft>
-                        <a:buNone/>
-                      </a:pPr>
-                      <a:r>
-                        <a:rPr b="1" lang="en">
-                          <a:solidFill>
-                            <a:schemeClr val="lt1"/>
-                          </a:solidFill>
-                        </a:rPr>
-                        <a:t>What happens / to do</a:t>
-                      </a:r>
-                      <a:endParaRPr b="1">
-                        <a:solidFill>
-                          <a:schemeClr val="lt1"/>
-                        </a:solidFill>
-                      </a:endParaRPr>
-                    </a:p>
-                  </a:txBody>
-                  <a:tcPr marT="91425" marB="91425" marR="91425" marL="91425" anchor="ctr">
-                    <a:lnL cap="flat" cmpd="sng" w="38100">
-                      <a:solidFill>
-                        <a:schemeClr val="lt1"/>
-                      </a:solidFill>
-                      <a:prstDash val="solid"/>
-                      <a:round/>
-                      <a:headEnd len="sm" w="sm" type="none"/>
-                      <a:tailEnd len="sm" w="sm" type="none"/>
-                    </a:lnL>
-                    <a:lnR cap="flat" cmpd="sng" w="38100">
-                      <a:solidFill>
-                        <a:schemeClr val="lt1"/>
-                      </a:solidFill>
-                      <a:prstDash val="solid"/>
-                      <a:round/>
-                      <a:headEnd len="sm" w="sm" type="none"/>
-                      <a:tailEnd len="sm" w="sm" type="none"/>
-                    </a:lnR>
-                    <a:lnT cap="flat" cmpd="sng" w="38100">
-                      <a:solidFill>
-                        <a:schemeClr val="lt1"/>
-                      </a:solidFill>
-                      <a:prstDash val="solid"/>
-                      <a:round/>
-                      <a:headEnd len="sm" w="sm" type="none"/>
-                      <a:tailEnd len="sm" w="sm" type="none"/>
-                    </a:lnT>
-                    <a:lnB cap="flat" cmpd="sng" w="38100">
-                      <a:solidFill>
-                        <a:schemeClr val="lt1"/>
-                      </a:solidFill>
-                      <a:prstDash val="solid"/>
-                      <a:round/>
-                      <a:headEnd len="sm" w="sm" type="none"/>
-                      <a:tailEnd len="sm" w="sm" type="none"/>
-                    </a:lnB>
-                    <a:solidFill>
-                      <a:schemeClr val="dk2"/>
-                    </a:solidFill>
-                  </a:tcPr>
-                </a:tc>
-              </a:tr>
-              <a:tr h="548650">
-                <a:tc>
-                  <a:txBody>
-                    <a:bodyPr/>
-                    <a:lstStyle/>
-                    <a:p>
-                      <a:pPr indent="0" lvl="0" marL="0" rtl="0" algn="l">
-                        <a:spcBef>
-                          <a:spcPts val="0"/>
-                        </a:spcBef>
-                        <a:spcAft>
-                          <a:spcPts val="0"/>
-                        </a:spcAft>
-                        <a:buNone/>
-                      </a:pPr>
-                      <a:r>
-                        <a:rPr lang="en"/>
-                        <a:t>0min.</a:t>
-                      </a:r>
-                      <a:endParaRPr/>
-                    </a:p>
-                  </a:txBody>
-                  <a:tcPr marT="91425" marB="91425" marR="91425" marL="91425" anchor="ctr">
-                    <a:lnL cap="flat" cmpd="sng" w="38100">
-                      <a:solidFill>
-                        <a:schemeClr val="lt1"/>
-                      </a:solidFill>
-                      <a:prstDash val="solid"/>
-                      <a:round/>
-                      <a:headEnd len="sm" w="sm" type="none"/>
-                      <a:tailEnd len="sm" w="sm" type="none"/>
-                    </a:lnL>
-                    <a:lnR cap="flat" cmpd="sng" w="38100">
-                      <a:solidFill>
-                        <a:schemeClr val="lt1"/>
-                      </a:solidFill>
-                      <a:prstDash val="solid"/>
-                      <a:round/>
-                      <a:headEnd len="sm" w="sm" type="none"/>
-                      <a:tailEnd len="sm" w="sm" type="none"/>
-                    </a:lnR>
-                    <a:lnT cap="flat" cmpd="sng" w="38100">
-                      <a:solidFill>
-                        <a:schemeClr val="lt1"/>
-                      </a:solidFill>
-                      <a:prstDash val="solid"/>
-                      <a:round/>
-                      <a:headEnd len="sm" w="sm" type="none"/>
-                      <a:tailEnd len="sm" w="sm" type="none"/>
-                    </a:lnT>
-                    <a:lnB cap="flat" cmpd="sng" w="38100">
-                      <a:solidFill>
-                        <a:schemeClr val="lt1"/>
-                      </a:solidFill>
-                      <a:prstDash val="solid"/>
-                      <a:round/>
-                      <a:headEnd len="sm" w="sm" type="none"/>
-                      <a:tailEnd len="sm" w="sm" type="none"/>
-                    </a:lnB>
-                  </a:tcPr>
-                </a:tc>
-                <a:tc>
-                  <a:txBody>
-                    <a:bodyPr/>
-                    <a:lstStyle/>
-                    <a:p>
-                      <a:pPr indent="0" lvl="0" marL="0" rtl="0" algn="l">
-                        <a:spcBef>
-                          <a:spcPts val="0"/>
-                        </a:spcBef>
-                        <a:spcAft>
-                          <a:spcPts val="0"/>
-                        </a:spcAft>
-                        <a:buNone/>
-                      </a:pPr>
-                      <a:r>
-                        <a:rPr lang="en"/>
-                        <a:t>Demo r</a:t>
-                      </a:r>
-                      <a:r>
-                        <a:rPr lang="en"/>
-                        <a:t>oom opens, participants stream in</a:t>
-                      </a:r>
-                      <a:endParaRPr/>
-                    </a:p>
-                  </a:txBody>
-                  <a:tcPr marT="91425" marB="91425" marR="91425" marL="91425" anchor="ctr">
-                    <a:lnL cap="flat" cmpd="sng" w="38100">
-                      <a:solidFill>
-                        <a:schemeClr val="lt1"/>
-                      </a:solidFill>
-                      <a:prstDash val="solid"/>
-                      <a:round/>
-                      <a:headEnd len="sm" w="sm" type="none"/>
-                      <a:tailEnd len="sm" w="sm" type="none"/>
-                    </a:lnL>
-                    <a:lnR cap="flat" cmpd="sng" w="38100">
-                      <a:solidFill>
-                        <a:schemeClr val="lt1"/>
-                      </a:solidFill>
-                      <a:prstDash val="solid"/>
-                      <a:round/>
-                      <a:headEnd len="sm" w="sm" type="none"/>
-                      <a:tailEnd len="sm" w="sm" type="none"/>
-                    </a:lnR>
-                    <a:lnT cap="flat" cmpd="sng" w="38100">
-                      <a:solidFill>
-                        <a:schemeClr val="lt1"/>
-                      </a:solidFill>
-                      <a:prstDash val="solid"/>
-                      <a:round/>
-                      <a:headEnd len="sm" w="sm" type="none"/>
-                      <a:tailEnd len="sm" w="sm" type="none"/>
-                    </a:lnT>
-                    <a:lnB cap="flat" cmpd="sng" w="38100">
-                      <a:solidFill>
-                        <a:schemeClr val="lt1"/>
-                      </a:solidFill>
-                      <a:prstDash val="solid"/>
-                      <a:round/>
-                      <a:headEnd len="sm" w="sm" type="none"/>
-                      <a:tailEnd len="sm" w="sm" type="none"/>
-                    </a:lnB>
-                  </a:tcPr>
-                </a:tc>
-              </a:tr>
-              <a:tr h="548650">
-                <a:tc>
-                  <a:txBody>
-                    <a:bodyPr/>
-                    <a:lstStyle/>
-                    <a:p>
-                      <a:pPr indent="0" lvl="0" marL="0" rtl="0" algn="l">
-                        <a:spcBef>
-                          <a:spcPts val="0"/>
-                        </a:spcBef>
-                        <a:spcAft>
-                          <a:spcPts val="0"/>
-                        </a:spcAft>
-                        <a:buNone/>
-                      </a:pPr>
-                      <a:r>
-                        <a:rPr lang="en"/>
-                        <a:t>1min.</a:t>
-                      </a:r>
-                      <a:endParaRPr/>
-                    </a:p>
-                  </a:txBody>
-                  <a:tcPr marT="91425" marB="91425" marR="91425" marL="91425" anchor="ctr">
-                    <a:lnL cap="flat" cmpd="sng" w="38100">
-                      <a:solidFill>
-                        <a:schemeClr val="lt1"/>
-                      </a:solidFill>
-                      <a:prstDash val="solid"/>
-                      <a:round/>
-                      <a:headEnd len="sm" w="sm" type="none"/>
-                      <a:tailEnd len="sm" w="sm" type="none"/>
-                    </a:lnL>
-                    <a:lnR cap="flat" cmpd="sng" w="38100">
-                      <a:solidFill>
-                        <a:schemeClr val="lt1"/>
-                      </a:solidFill>
-                      <a:prstDash val="solid"/>
-                      <a:round/>
-                      <a:headEnd len="sm" w="sm" type="none"/>
-                      <a:tailEnd len="sm" w="sm" type="none"/>
-                    </a:lnR>
-                    <a:lnT cap="flat" cmpd="sng" w="38100">
-                      <a:solidFill>
-                        <a:schemeClr val="lt1"/>
-                      </a:solidFill>
-                      <a:prstDash val="solid"/>
-                      <a:round/>
-                      <a:headEnd len="sm" w="sm" type="none"/>
-                      <a:tailEnd len="sm" w="sm" type="none"/>
-                    </a:lnT>
-                    <a:lnB cap="flat" cmpd="sng" w="38100">
-                      <a:solidFill>
-                        <a:schemeClr val="lt1"/>
-                      </a:solidFill>
-                      <a:prstDash val="solid"/>
-                      <a:round/>
-                      <a:headEnd len="sm" w="sm" type="none"/>
-                      <a:tailEnd len="sm" w="sm" type="none"/>
-                    </a:lnB>
-                    <a:solidFill>
-                      <a:schemeClr val="accent1"/>
-                    </a:solidFill>
-                  </a:tcPr>
-                </a:tc>
-                <a:tc>
-                  <a:txBody>
-                    <a:bodyPr/>
-                    <a:lstStyle/>
-                    <a:p>
-                      <a:pPr indent="0" lvl="0" marL="0" rtl="0" algn="l">
-                        <a:spcBef>
-                          <a:spcPts val="0"/>
-                        </a:spcBef>
-                        <a:spcAft>
-                          <a:spcPts val="0"/>
-                        </a:spcAft>
-                        <a:buNone/>
-                      </a:pPr>
-                      <a:r>
-                        <a:rPr lang="en"/>
-                        <a:t>Demo starts</a:t>
-                      </a:r>
-                      <a:endParaRPr/>
-                    </a:p>
-                  </a:txBody>
-                  <a:tcPr marT="91425" marB="91425" marR="91425" marL="91425" anchor="ctr">
-                    <a:lnL cap="flat" cmpd="sng" w="38100">
-                      <a:solidFill>
-                        <a:schemeClr val="lt1"/>
-                      </a:solidFill>
-                      <a:prstDash val="solid"/>
-                      <a:round/>
-                      <a:headEnd len="sm" w="sm" type="none"/>
-                      <a:tailEnd len="sm" w="sm" type="none"/>
-                    </a:lnL>
-                    <a:lnR cap="flat" cmpd="sng" w="38100">
-                      <a:solidFill>
-                        <a:schemeClr val="lt1"/>
-                      </a:solidFill>
-                      <a:prstDash val="solid"/>
-                      <a:round/>
-                      <a:headEnd len="sm" w="sm" type="none"/>
-                      <a:tailEnd len="sm" w="sm" type="none"/>
-                    </a:lnR>
-                    <a:lnT cap="flat" cmpd="sng" w="38100">
-                      <a:solidFill>
-                        <a:schemeClr val="lt1"/>
-                      </a:solidFill>
-                      <a:prstDash val="solid"/>
-                      <a:round/>
-                      <a:headEnd len="sm" w="sm" type="none"/>
-                      <a:tailEnd len="sm" w="sm" type="none"/>
-                    </a:lnT>
-                    <a:lnB cap="flat" cmpd="sng" w="38100">
-                      <a:solidFill>
-                        <a:schemeClr val="lt1"/>
-                      </a:solidFill>
-                      <a:prstDash val="solid"/>
-                      <a:round/>
-                      <a:headEnd len="sm" w="sm" type="none"/>
-                      <a:tailEnd len="sm" w="sm" type="none"/>
-                    </a:lnB>
-                    <a:solidFill>
-                      <a:schemeClr val="accent1"/>
-                    </a:solidFill>
-                  </a:tcPr>
-                </a:tc>
-              </a:tr>
-              <a:tr h="548650">
-                <a:tc>
-                  <a:txBody>
-                    <a:bodyPr/>
-                    <a:lstStyle/>
-                    <a:p>
-                      <a:pPr indent="0" lvl="0" marL="0" rtl="0" algn="l">
-                        <a:spcBef>
-                          <a:spcPts val="0"/>
-                        </a:spcBef>
-                        <a:spcAft>
-                          <a:spcPts val="0"/>
-                        </a:spcAft>
-                        <a:buNone/>
-                      </a:pPr>
-                      <a:r>
-                        <a:rPr lang="en"/>
-                        <a:t>10min.</a:t>
-                      </a:r>
-                      <a:endParaRPr/>
-                    </a:p>
-                  </a:txBody>
-                  <a:tcPr marT="91425" marB="91425" marR="91425" marL="91425" anchor="ctr">
-                    <a:lnL cap="flat" cmpd="sng" w="38100">
-                      <a:solidFill>
-                        <a:schemeClr val="lt1"/>
-                      </a:solidFill>
-                      <a:prstDash val="solid"/>
-                      <a:round/>
-                      <a:headEnd len="sm" w="sm" type="none"/>
-                      <a:tailEnd len="sm" w="sm" type="none"/>
-                    </a:lnL>
-                    <a:lnR cap="flat" cmpd="sng" w="38100">
-                      <a:solidFill>
-                        <a:schemeClr val="lt1"/>
-                      </a:solidFill>
-                      <a:prstDash val="solid"/>
-                      <a:round/>
-                      <a:headEnd len="sm" w="sm" type="none"/>
-                      <a:tailEnd len="sm" w="sm" type="none"/>
-                    </a:lnR>
-                    <a:lnT cap="flat" cmpd="sng" w="38100">
-                      <a:solidFill>
-                        <a:schemeClr val="lt1"/>
-                      </a:solidFill>
-                      <a:prstDash val="solid"/>
-                      <a:round/>
-                      <a:headEnd len="sm" w="sm" type="none"/>
-                      <a:tailEnd len="sm" w="sm" type="none"/>
-                    </a:lnT>
-                    <a:lnB cap="flat" cmpd="sng" w="38100">
-                      <a:solidFill>
-                        <a:schemeClr val="lt1"/>
-                      </a:solidFill>
-                      <a:prstDash val="solid"/>
-                      <a:round/>
-                      <a:headEnd len="sm" w="sm" type="none"/>
-                      <a:tailEnd len="sm" w="sm" type="none"/>
-                    </a:lnB>
-                    <a:solidFill>
-                      <a:schemeClr val="lt1"/>
-                    </a:solidFill>
-                  </a:tcPr>
-                </a:tc>
-                <a:tc>
-                  <a:txBody>
-                    <a:bodyPr/>
-                    <a:lstStyle/>
-                    <a:p>
-                      <a:pPr indent="0" lvl="0" marL="0" rtl="0" algn="l">
-                        <a:spcBef>
-                          <a:spcPts val="0"/>
-                        </a:spcBef>
-                        <a:spcAft>
-                          <a:spcPts val="0"/>
-                        </a:spcAft>
-                        <a:buNone/>
-                      </a:pPr>
-                      <a:r>
-                        <a:rPr lang="en"/>
-                        <a:t>Demo finishes, discussion starts</a:t>
-                      </a:r>
-                      <a:endParaRPr/>
-                    </a:p>
-                  </a:txBody>
-                  <a:tcPr marT="91425" marB="91425" marR="91425" marL="91425" anchor="ctr">
-                    <a:lnL cap="flat" cmpd="sng" w="38100">
-                      <a:solidFill>
-                        <a:schemeClr val="lt1"/>
-                      </a:solidFill>
-                      <a:prstDash val="solid"/>
-                      <a:round/>
-                      <a:headEnd len="sm" w="sm" type="none"/>
-                      <a:tailEnd len="sm" w="sm" type="none"/>
-                    </a:lnL>
-                    <a:lnR cap="flat" cmpd="sng" w="38100">
-                      <a:solidFill>
-                        <a:schemeClr val="lt1"/>
-                      </a:solidFill>
-                      <a:prstDash val="solid"/>
-                      <a:round/>
-                      <a:headEnd len="sm" w="sm" type="none"/>
-                      <a:tailEnd len="sm" w="sm" type="none"/>
-                    </a:lnR>
-                    <a:lnT cap="flat" cmpd="sng" w="38100">
-                      <a:solidFill>
-                        <a:schemeClr val="lt1"/>
-                      </a:solidFill>
-                      <a:prstDash val="solid"/>
-                      <a:round/>
-                      <a:headEnd len="sm" w="sm" type="none"/>
-                      <a:tailEnd len="sm" w="sm" type="none"/>
-                    </a:lnT>
-                    <a:lnB cap="flat" cmpd="sng" w="38100">
-                      <a:solidFill>
-                        <a:schemeClr val="lt1"/>
-                      </a:solidFill>
-                      <a:prstDash val="solid"/>
-                      <a:round/>
-                      <a:headEnd len="sm" w="sm" type="none"/>
-                      <a:tailEnd len="sm" w="sm" type="none"/>
-                    </a:lnB>
-                    <a:solidFill>
-                      <a:schemeClr val="lt1"/>
-                    </a:solidFill>
-                  </a:tcPr>
-                </a:tc>
-              </a:tr>
-              <a:tr h="548650">
-                <a:tc>
-                  <a:txBody>
-                    <a:bodyPr/>
-                    <a:lstStyle/>
-                    <a:p>
-                      <a:pPr indent="0" lvl="0" marL="0" rtl="0" algn="l">
-                        <a:spcBef>
-                          <a:spcPts val="0"/>
-                        </a:spcBef>
-                        <a:spcAft>
-                          <a:spcPts val="0"/>
-                        </a:spcAft>
-                        <a:buNone/>
-                      </a:pPr>
-                      <a:r>
-                        <a:rPr lang="en"/>
-                        <a:t>19min.</a:t>
-                      </a:r>
-                      <a:endParaRPr/>
-                    </a:p>
-                  </a:txBody>
-                  <a:tcPr marT="91425" marB="91425" marR="91425" marL="91425" anchor="ctr">
-                    <a:lnL cap="flat" cmpd="sng" w="38100">
-                      <a:solidFill>
-                        <a:schemeClr val="lt1"/>
-                      </a:solidFill>
-                      <a:prstDash val="solid"/>
-                      <a:round/>
-                      <a:headEnd len="sm" w="sm" type="none"/>
-                      <a:tailEnd len="sm" w="sm" type="none"/>
-                    </a:lnL>
-                    <a:lnR cap="flat" cmpd="sng" w="38100">
-                      <a:solidFill>
-                        <a:schemeClr val="lt1"/>
-                      </a:solidFill>
-                      <a:prstDash val="solid"/>
-                      <a:round/>
-                      <a:headEnd len="sm" w="sm" type="none"/>
-                      <a:tailEnd len="sm" w="sm" type="none"/>
-                    </a:lnR>
-                    <a:lnT cap="flat" cmpd="sng" w="38100">
-                      <a:solidFill>
-                        <a:schemeClr val="lt1"/>
-                      </a:solidFill>
-                      <a:prstDash val="solid"/>
-                      <a:round/>
-                      <a:headEnd len="sm" w="sm" type="none"/>
-                      <a:tailEnd len="sm" w="sm" type="none"/>
-                    </a:lnT>
-                    <a:lnB cap="flat" cmpd="sng" w="38100">
-                      <a:solidFill>
-                        <a:schemeClr val="lt1"/>
-                      </a:solidFill>
-                      <a:prstDash val="solid"/>
-                      <a:round/>
-                      <a:headEnd len="sm" w="sm" type="none"/>
-                      <a:tailEnd len="sm" w="sm" type="none"/>
-                    </a:lnB>
-                    <a:solidFill>
-                      <a:schemeClr val="accent1"/>
-                    </a:solidFill>
-                  </a:tcPr>
-                </a:tc>
-                <a:tc>
-                  <a:txBody>
-                    <a:bodyPr/>
-                    <a:lstStyle/>
-                    <a:p>
-                      <a:pPr indent="0" lvl="0" marL="0" rtl="0" algn="l">
-                        <a:spcBef>
-                          <a:spcPts val="0"/>
-                        </a:spcBef>
-                        <a:spcAft>
-                          <a:spcPts val="0"/>
-                        </a:spcAft>
-                        <a:buNone/>
-                      </a:pPr>
-                      <a:r>
-                        <a:rPr lang="en"/>
-                        <a:t>60 second countdown to room closing starts</a:t>
-                      </a:r>
-                      <a:endParaRPr/>
-                    </a:p>
-                  </a:txBody>
-                  <a:tcPr marT="91425" marB="91425" marR="91425" marL="91425" anchor="ctr">
-                    <a:lnL cap="flat" cmpd="sng" w="38100">
-                      <a:solidFill>
-                        <a:schemeClr val="lt1"/>
-                      </a:solidFill>
-                      <a:prstDash val="solid"/>
-                      <a:round/>
-                      <a:headEnd len="sm" w="sm" type="none"/>
-                      <a:tailEnd len="sm" w="sm" type="none"/>
-                    </a:lnL>
-                    <a:lnR cap="flat" cmpd="sng" w="38100">
-                      <a:solidFill>
-                        <a:schemeClr val="lt1"/>
-                      </a:solidFill>
-                      <a:prstDash val="solid"/>
-                      <a:round/>
-                      <a:headEnd len="sm" w="sm" type="none"/>
-                      <a:tailEnd len="sm" w="sm" type="none"/>
-                    </a:lnR>
-                    <a:lnT cap="flat" cmpd="sng" w="38100">
-                      <a:solidFill>
-                        <a:schemeClr val="lt1"/>
-                      </a:solidFill>
-                      <a:prstDash val="solid"/>
-                      <a:round/>
-                      <a:headEnd len="sm" w="sm" type="none"/>
-                      <a:tailEnd len="sm" w="sm" type="none"/>
-                    </a:lnT>
-                    <a:lnB cap="flat" cmpd="sng" w="38100">
-                      <a:solidFill>
-                        <a:schemeClr val="lt1"/>
-                      </a:solidFill>
-                      <a:prstDash val="solid"/>
-                      <a:round/>
-                      <a:headEnd len="sm" w="sm" type="none"/>
-                      <a:tailEnd len="sm" w="sm" type="none"/>
-                    </a:lnB>
-                    <a:solidFill>
-                      <a:schemeClr val="accent1"/>
-                    </a:solidFill>
-                  </a:tcPr>
-                </a:tc>
-              </a:tr>
-              <a:tr h="548650">
-                <a:tc>
-                  <a:txBody>
-                    <a:bodyPr/>
-                    <a:lstStyle/>
-                    <a:p>
-                      <a:pPr indent="0" lvl="0" marL="0" rtl="0" algn="l">
-                        <a:spcBef>
-                          <a:spcPts val="0"/>
-                        </a:spcBef>
-                        <a:spcAft>
-                          <a:spcPts val="0"/>
-                        </a:spcAft>
-                        <a:buNone/>
-                      </a:pPr>
-                      <a:r>
-                        <a:rPr lang="en"/>
-                        <a:t>20min.</a:t>
-                      </a:r>
-                      <a:endParaRPr/>
-                    </a:p>
-                  </a:txBody>
-                  <a:tcPr marT="91425" marB="91425" marR="91425" marL="91425" anchor="ctr">
-                    <a:lnL cap="flat" cmpd="sng" w="38100">
-                      <a:solidFill>
-                        <a:schemeClr val="lt1"/>
-                      </a:solidFill>
-                      <a:prstDash val="solid"/>
-                      <a:round/>
-                      <a:headEnd len="sm" w="sm" type="none"/>
-                      <a:tailEnd len="sm" w="sm" type="none"/>
-                    </a:lnL>
-                    <a:lnR cap="flat" cmpd="sng" w="38100">
-                      <a:solidFill>
-                        <a:schemeClr val="lt1"/>
-                      </a:solidFill>
-                      <a:prstDash val="solid"/>
-                      <a:round/>
-                      <a:headEnd len="sm" w="sm" type="none"/>
-                      <a:tailEnd len="sm" w="sm" type="none"/>
-                    </a:lnR>
-                    <a:lnT cap="flat" cmpd="sng" w="38100">
-                      <a:solidFill>
-                        <a:schemeClr val="lt1"/>
-                      </a:solidFill>
-                      <a:prstDash val="solid"/>
-                      <a:round/>
-                      <a:headEnd len="sm" w="sm" type="none"/>
-                      <a:tailEnd len="sm" w="sm" type="none"/>
-                    </a:lnT>
-                    <a:lnB cap="flat" cmpd="sng" w="38100">
-                      <a:solidFill>
-                        <a:schemeClr val="lt1"/>
-                      </a:solidFill>
-                      <a:prstDash val="solid"/>
-                      <a:round/>
-                      <a:headEnd len="sm" w="sm" type="none"/>
-                      <a:tailEnd len="sm" w="sm" type="none"/>
-                    </a:lnB>
-                  </a:tcPr>
-                </a:tc>
-                <a:tc>
-                  <a:txBody>
-                    <a:bodyPr/>
-                    <a:lstStyle/>
-                    <a:p>
-                      <a:pPr indent="0" lvl="0" marL="0" rtl="0" algn="l">
-                        <a:spcBef>
-                          <a:spcPts val="0"/>
-                        </a:spcBef>
-                        <a:spcAft>
-                          <a:spcPts val="0"/>
-                        </a:spcAft>
-                        <a:buNone/>
-                      </a:pPr>
-                      <a:r>
-                        <a:rPr lang="en"/>
-                        <a:t>Room closes, everyone is pulled back into the main room</a:t>
-                      </a:r>
-                      <a:endParaRPr/>
-                    </a:p>
-                  </a:txBody>
-                  <a:tcPr marT="91425" marB="91425" marR="91425" marL="91425" anchor="ctr">
-                    <a:lnL cap="flat" cmpd="sng" w="38100">
-                      <a:solidFill>
-                        <a:schemeClr val="lt1"/>
-                      </a:solidFill>
-                      <a:prstDash val="solid"/>
-                      <a:round/>
-                      <a:headEnd len="sm" w="sm" type="none"/>
-                      <a:tailEnd len="sm" w="sm" type="none"/>
-                    </a:lnL>
-                    <a:lnR cap="flat" cmpd="sng" w="38100">
-                      <a:solidFill>
-                        <a:schemeClr val="lt1"/>
-                      </a:solidFill>
-                      <a:prstDash val="solid"/>
-                      <a:round/>
-                      <a:headEnd len="sm" w="sm" type="none"/>
-                      <a:tailEnd len="sm" w="sm" type="none"/>
-                    </a:lnR>
-                    <a:lnT cap="flat" cmpd="sng" w="38100">
-                      <a:solidFill>
-                        <a:schemeClr val="lt1"/>
-                      </a:solidFill>
-                      <a:prstDash val="solid"/>
-                      <a:round/>
-                      <a:headEnd len="sm" w="sm" type="none"/>
-                      <a:tailEnd len="sm" w="sm" type="none"/>
-                    </a:lnT>
-                    <a:lnB cap="flat" cmpd="sng" w="38100">
-                      <a:solidFill>
-                        <a:schemeClr val="lt1"/>
-                      </a:solidFill>
-                      <a:prstDash val="solid"/>
-                      <a:round/>
-                      <a:headEnd len="sm" w="sm" type="none"/>
-                      <a:tailEnd len="sm" w="sm" type="none"/>
-                    </a:lnB>
-                  </a:tcPr>
-                </a:tc>
-              </a:tr>
-            </a:tbl>
-          </a:graphicData>
-        </a:graphic>
-      </p:graphicFrame>
+          <p:cNvSpPr txBox="1"/>
+          <p:nvPr>
+            <p:ph idx="1" type="body"/>
+          </p:nvPr>
+        </p:nvSpPr>
+        <p:spPr>
+          <a:xfrm>
+            <a:off x="274320" y="914400"/>
+            <a:ext cx="4114800" cy="4114800"/>
+          </a:xfrm>
+          <a:prstGeom prst="rect">
+            <a:avLst/>
+          </a:prstGeom>
+        </p:spPr>
+        <p:txBody>
+          <a:bodyPr anchorCtr="0" anchor="t" bIns="91425" lIns="0" spcFirstLastPara="1" rIns="91425" wrap="square" tIns="0">
+            <a:noAutofit/>
+          </a:bodyPr>
+          <a:lstStyle/>
+          <a:p>
+            <a:pPr indent="0" lvl="0" marL="0" rtl="0" algn="l">
+              <a:spcBef>
+                <a:spcPts val="0"/>
+              </a:spcBef>
+              <a:spcAft>
+                <a:spcPts val="0"/>
+              </a:spcAft>
+              <a:buNone/>
+            </a:pPr>
+            <a:r>
+              <a:rPr b="1" lang="en"/>
+              <a:t>Dos</a:t>
+            </a:r>
+            <a:endParaRPr b="1"/>
+          </a:p>
+          <a:p>
+            <a:pPr indent="-342900" lvl="0" marL="457200" rtl="0" algn="l">
+              <a:spcBef>
+                <a:spcPts val="1200"/>
+              </a:spcBef>
+              <a:spcAft>
+                <a:spcPts val="0"/>
+              </a:spcAft>
+              <a:buSzPts val="1800"/>
+              <a:buChar char="●"/>
+            </a:pPr>
+            <a:r>
+              <a:rPr lang="en"/>
+              <a:t>Have a clean user </a:t>
+            </a:r>
+            <a:r>
+              <a:rPr lang="en"/>
+              <a:t>interface</a:t>
+            </a:r>
+            <a:endParaRPr/>
+          </a:p>
+          <a:p>
+            <a:pPr indent="-317500" lvl="1" marL="914400" rtl="0" algn="l">
+              <a:spcBef>
+                <a:spcPts val="0"/>
+              </a:spcBef>
+              <a:spcAft>
+                <a:spcPts val="0"/>
+              </a:spcAft>
+              <a:buSzPts val="1400"/>
+              <a:buChar char="○"/>
+            </a:pPr>
+            <a:r>
+              <a:rPr lang="en"/>
+              <a:t>Review for spelling mistakes</a:t>
+            </a:r>
+            <a:endParaRPr/>
+          </a:p>
+          <a:p>
+            <a:pPr indent="-342900" lvl="0" marL="457200" rtl="0" algn="l">
+              <a:spcBef>
+                <a:spcPts val="1000"/>
+              </a:spcBef>
+              <a:spcAft>
+                <a:spcPts val="0"/>
+              </a:spcAft>
+              <a:buSzPts val="1800"/>
+              <a:buChar char="●"/>
+            </a:pPr>
+            <a:r>
+              <a:rPr lang="en"/>
+              <a:t>Have a story to tell, for example,</a:t>
+            </a:r>
+            <a:endParaRPr/>
+          </a:p>
+          <a:p>
+            <a:pPr indent="-317500" lvl="1" marL="914400" rtl="0" algn="l">
+              <a:spcBef>
+                <a:spcPts val="0"/>
+              </a:spcBef>
+              <a:spcAft>
+                <a:spcPts val="0"/>
+              </a:spcAft>
+              <a:buSzPts val="1400"/>
+              <a:buChar char="○"/>
+            </a:pPr>
+            <a:r>
+              <a:rPr lang="en"/>
+              <a:t>A day in the life of …</a:t>
+            </a:r>
+            <a:endParaRPr/>
+          </a:p>
+          <a:p>
+            <a:pPr indent="-317500" lvl="1" marL="914400" rtl="0" algn="l">
+              <a:spcBef>
+                <a:spcPts val="0"/>
+              </a:spcBef>
+              <a:spcAft>
+                <a:spcPts val="0"/>
+              </a:spcAft>
+              <a:buSzPts val="1400"/>
+              <a:buChar char="○"/>
+            </a:pPr>
+            <a:r>
+              <a:rPr lang="en"/>
+              <a:t>A workflow example</a:t>
+            </a:r>
+            <a:endParaRPr/>
+          </a:p>
+          <a:p>
+            <a:pPr indent="-342900" lvl="0" marL="457200" rtl="0" algn="l">
+              <a:spcBef>
+                <a:spcPts val="1000"/>
+              </a:spcBef>
+              <a:spcAft>
+                <a:spcPts val="0"/>
+              </a:spcAft>
+              <a:buSzPts val="1800"/>
+              <a:buChar char="●"/>
+            </a:pPr>
+            <a:r>
+              <a:rPr lang="en"/>
+              <a:t>Use domain terms and examples</a:t>
+            </a:r>
+            <a:endParaRPr/>
+          </a:p>
+          <a:p>
+            <a:pPr indent="-317500" lvl="1" marL="914400" rtl="0" algn="l">
+              <a:spcBef>
+                <a:spcPts val="0"/>
+              </a:spcBef>
+              <a:spcAft>
+                <a:spcPts val="0"/>
+              </a:spcAft>
+              <a:buSzPts val="1400"/>
+              <a:buChar char="○"/>
+            </a:pPr>
+            <a:r>
+              <a:rPr lang="en"/>
+              <a:t>In the user interface (labels, titles)</a:t>
+            </a:r>
+            <a:endParaRPr/>
+          </a:p>
+          <a:p>
+            <a:pPr indent="-317500" lvl="1" marL="914400" rtl="0" algn="l">
+              <a:spcBef>
+                <a:spcPts val="0"/>
+              </a:spcBef>
+              <a:spcAft>
+                <a:spcPts val="0"/>
+              </a:spcAft>
+              <a:buSzPts val="1400"/>
+              <a:buChar char="○"/>
+            </a:pPr>
+            <a:r>
+              <a:rPr lang="en"/>
+              <a:t>In the stories you tell</a:t>
+            </a:r>
+            <a:endParaRPr/>
+          </a:p>
+          <a:p>
+            <a:pPr indent="-342900" lvl="0" marL="457200" rtl="0" algn="l">
+              <a:spcBef>
+                <a:spcPts val="1000"/>
+              </a:spcBef>
+              <a:spcAft>
+                <a:spcPts val="0"/>
+              </a:spcAft>
+              <a:buSzPts val="1800"/>
+              <a:buChar char="●"/>
+            </a:pPr>
+            <a:r>
+              <a:rPr lang="en"/>
+              <a:t>Make the demo data reentrant</a:t>
+            </a:r>
+            <a:endParaRPr/>
+          </a:p>
+          <a:p>
+            <a:pPr indent="-317500" lvl="1" marL="914400" rtl="0" algn="l">
+              <a:spcBef>
+                <a:spcPts val="0"/>
+              </a:spcBef>
+              <a:spcAft>
+                <a:spcPts val="0"/>
+              </a:spcAft>
+              <a:buSzPts val="1400"/>
+              <a:buChar char="○"/>
+            </a:pPr>
+            <a:r>
+              <a:rPr lang="en"/>
+              <a:t>You will </a:t>
+            </a:r>
+            <a:r>
+              <a:rPr lang="en"/>
+              <a:t>have</a:t>
+            </a:r>
+            <a:r>
+              <a:rPr lang="en"/>
+              <a:t> to start over repeatedly</a:t>
+            </a:r>
+            <a:endParaRPr/>
+          </a:p>
+          <a:p>
+            <a:pPr indent="-317500" lvl="1" marL="914400" rtl="0" algn="l">
+              <a:spcBef>
+                <a:spcPts val="0"/>
+              </a:spcBef>
+              <a:spcAft>
+                <a:spcPts val="0"/>
+              </a:spcAft>
+              <a:buSzPts val="1400"/>
+              <a:buChar char="○"/>
+            </a:pPr>
+            <a:r>
+              <a:rPr lang="en"/>
+              <a:t>You want to start at the same point</a:t>
+            </a:r>
+            <a:endParaRPr/>
+          </a:p>
+          <a:p>
+            <a:pPr indent="0" lvl="0" marL="0" rtl="0" algn="l">
+              <a:spcBef>
+                <a:spcPts val="1000"/>
+              </a:spcBef>
+              <a:spcAft>
+                <a:spcPts val="1200"/>
+              </a:spcAft>
+              <a:buNone/>
+            </a:pPr>
+            <a:r>
+              <a:t/>
+            </a:r>
+            <a:endParaRPr/>
+          </a:p>
+        </p:txBody>
+      </p:sp>
+      <p:sp>
+        <p:nvSpPr>
+          <p:cNvPr id="113" name="Google Shape;113;p19"/>
+          <p:cNvSpPr txBox="1"/>
+          <p:nvPr>
+            <p:ph idx="2" type="body"/>
+          </p:nvPr>
+        </p:nvSpPr>
+        <p:spPr>
+          <a:xfrm>
+            <a:off x="4846320" y="914400"/>
+            <a:ext cx="4114800" cy="4114800"/>
+          </a:xfrm>
+          <a:prstGeom prst="rect">
+            <a:avLst/>
+          </a:prstGeom>
+        </p:spPr>
+        <p:txBody>
+          <a:bodyPr anchorCtr="0" anchor="t" bIns="0" lIns="0" spcFirstLastPara="1" rIns="0" wrap="square" tIns="0">
+            <a:noAutofit/>
+          </a:bodyPr>
+          <a:lstStyle/>
+          <a:p>
+            <a:pPr indent="0" lvl="0" marL="0" rtl="0" algn="l">
+              <a:spcBef>
+                <a:spcPts val="0"/>
+              </a:spcBef>
+              <a:spcAft>
+                <a:spcPts val="0"/>
+              </a:spcAft>
+              <a:buNone/>
+            </a:pPr>
+            <a:r>
+              <a:rPr b="1" lang="en"/>
+              <a:t>Don’ts</a:t>
+            </a:r>
+            <a:endParaRPr b="1"/>
+          </a:p>
+          <a:p>
+            <a:pPr indent="-342900" lvl="0" marL="457200" rtl="0" algn="l">
+              <a:spcBef>
+                <a:spcPts val="1200"/>
+              </a:spcBef>
+              <a:spcAft>
+                <a:spcPts val="0"/>
+              </a:spcAft>
+              <a:buSzPts val="1800"/>
+              <a:buChar char="●"/>
+            </a:pPr>
+            <a:r>
+              <a:rPr lang="en"/>
+              <a:t>Use “test1” or “user2” as labels</a:t>
+            </a:r>
+            <a:endParaRPr/>
+          </a:p>
+          <a:p>
+            <a:pPr indent="-342900" lvl="0" marL="457200" rtl="0" algn="l">
+              <a:spcBef>
+                <a:spcPts val="0"/>
+              </a:spcBef>
+              <a:spcAft>
+                <a:spcPts val="0"/>
+              </a:spcAft>
+              <a:buSzPts val="1800"/>
+              <a:buChar char="●"/>
+            </a:pPr>
+            <a:r>
+              <a:rPr lang="en"/>
+              <a:t>Not follow the advice on the left</a:t>
+            </a:r>
+            <a:endParaRPr/>
+          </a:p>
+          <a:p>
+            <a:pPr indent="0" lvl="0" marL="0" rtl="0" algn="l">
+              <a:spcBef>
+                <a:spcPts val="1200"/>
+              </a:spcBef>
+              <a:spcAft>
+                <a:spcPts val="1200"/>
+              </a:spcAft>
+              <a:buNone/>
+            </a:pPr>
+            <a:r>
+              <a:t/>
+            </a:r>
+            <a:endParaRPr/>
+          </a:p>
+        </p:txBody>
+      </p:sp>
     </p:spTree>
   </p:cSld>
   <p:clrMapOvr>
@@ -8359,7 +8520,7 @@
   <p:cSld>
     <p:spTree>
       <p:nvGrpSpPr>
-        <p:cNvPr id="116" name="Shape 116"/>
+        <p:cNvPr id="117" name="Shape 117"/>
         <p:cNvGrpSpPr/>
         <p:nvPr/>
       </p:nvGrpSpPr>
@@ -8373,7 +8534,7 @@
       </p:grpSpPr>
       <p:sp>
         <p:nvSpPr>
-          <p:cNvPr id="117" name="Google Shape;117;p20"/>
+          <p:cNvPr id="118" name="Google Shape;118;p20"/>
           <p:cNvSpPr txBox="1"/>
           <p:nvPr>
             <p:ph type="title"/>
@@ -8389,7 +8550,7 @@
           </a:prstGeom>
         </p:spPr>
         <p:txBody>
-          <a:bodyPr anchorCtr="0" anchor="ctr" bIns="0" lIns="274300" spcFirstLastPara="1" rIns="0" wrap="square" tIns="0">
+          <a:bodyPr anchorCtr="0" anchor="ctr" bIns="91425" lIns="274300" spcFirstLastPara="1" rIns="91425" wrap="square" tIns="91425">
             <a:noAutofit/>
           </a:bodyPr>
           <a:lstStyle/>
@@ -8405,7 +8566,7 @@
             </a:pPr>
             <a:r>
               <a:rPr lang="en"/>
-              <a:t>Demo Preparation</a:t>
+              <a:t>Demo First! Slides… Fifth? Nineteenth?</a:t>
             </a:r>
             <a:endParaRPr/>
           </a:p>
@@ -8413,7 +8574,178 @@
       </p:sp>
       <p:sp>
         <p:nvSpPr>
-          <p:cNvPr id="118" name="Google Shape;118;p20"/>
+          <p:cNvPr id="119" name="Google Shape;119;p20"/>
+          <p:cNvSpPr txBox="1"/>
+          <p:nvPr>
+            <p:ph idx="1" type="body"/>
+          </p:nvPr>
+        </p:nvSpPr>
+        <p:spPr>
+          <a:xfrm>
+            <a:off x="274320" y="914400"/>
+            <a:ext cx="8595300" cy="4114800"/>
+          </a:xfrm>
+          <a:prstGeom prst="rect">
+            <a:avLst/>
+          </a:prstGeom>
+        </p:spPr>
+        <p:txBody>
+          <a:bodyPr anchorCtr="0" anchor="t" bIns="0" lIns="0" spcFirstLastPara="1" rIns="0" wrap="square" tIns="0">
+            <a:noAutofit/>
+          </a:bodyPr>
+          <a:lstStyle/>
+          <a:p>
+            <a:pPr indent="0" lvl="0" marL="0" rtl="0" algn="l">
+              <a:spcBef>
+                <a:spcPts val="0"/>
+              </a:spcBef>
+              <a:spcAft>
+                <a:spcPts val="0"/>
+              </a:spcAft>
+              <a:buNone/>
+            </a:pPr>
+            <a:r>
+              <a:rPr b="1" lang="en">
+                <a:solidFill>
+                  <a:schemeClr val="accent3"/>
+                </a:solidFill>
+              </a:rPr>
+              <a:t>Demo your software! That’s what it is about</a:t>
+            </a:r>
+            <a:endParaRPr b="1">
+              <a:solidFill>
+                <a:schemeClr val="accent3"/>
+              </a:solidFill>
+            </a:endParaRPr>
+          </a:p>
+          <a:p>
+            <a:pPr indent="0" lvl="0" marL="0" rtl="0" algn="l">
+              <a:spcBef>
+                <a:spcPts val="1200"/>
+              </a:spcBef>
+              <a:spcAft>
+                <a:spcPts val="0"/>
+              </a:spcAft>
+              <a:buNone/>
+            </a:pPr>
+            <a:r>
+              <a:rPr lang="en"/>
+              <a:t>A good approach is to demo a main feature or use case</a:t>
+            </a:r>
+            <a:endParaRPr/>
+          </a:p>
+          <a:p>
+            <a:pPr indent="-342900" lvl="0" marL="457200" rtl="0" algn="l">
+              <a:spcBef>
+                <a:spcPts val="1200"/>
+              </a:spcBef>
+              <a:spcAft>
+                <a:spcPts val="0"/>
+              </a:spcAft>
+              <a:buSzPts val="1800"/>
+              <a:buChar char="●"/>
+            </a:pPr>
+            <a:r>
+              <a:rPr lang="en"/>
+              <a:t>And only then explain it using slides</a:t>
+            </a:r>
+            <a:endParaRPr/>
+          </a:p>
+          <a:p>
+            <a:pPr indent="0" lvl="0" marL="0" rtl="0" algn="l">
+              <a:spcBef>
+                <a:spcPts val="1200"/>
+              </a:spcBef>
+              <a:spcAft>
+                <a:spcPts val="0"/>
+              </a:spcAft>
+              <a:buNone/>
+            </a:pPr>
+            <a:r>
+              <a:rPr lang="en"/>
+              <a:t>And then demo another </a:t>
+            </a:r>
+            <a:r>
+              <a:rPr lang="en"/>
+              <a:t>feature</a:t>
+            </a:r>
+            <a:r>
+              <a:rPr lang="en"/>
+              <a:t> or use case that adds to the previous one</a:t>
+            </a:r>
+            <a:endParaRPr/>
+          </a:p>
+          <a:p>
+            <a:pPr indent="-342900" lvl="0" marL="457200" rtl="0" algn="l">
+              <a:spcBef>
+                <a:spcPts val="1200"/>
+              </a:spcBef>
+              <a:spcAft>
+                <a:spcPts val="0"/>
+              </a:spcAft>
+              <a:buSzPts val="1800"/>
+              <a:buChar char="●"/>
+            </a:pPr>
+            <a:r>
+              <a:rPr lang="en"/>
+              <a:t>And then explain it using slides</a:t>
+            </a:r>
+            <a:endParaRPr/>
+          </a:p>
+          <a:p>
+            <a:pPr indent="0" lvl="0" marL="0" rtl="0" algn="l">
+              <a:spcBef>
+                <a:spcPts val="1200"/>
+              </a:spcBef>
+              <a:spcAft>
+                <a:spcPts val="0"/>
+              </a:spcAft>
+              <a:buNone/>
+            </a:pPr>
+            <a:r>
+              <a:rPr lang="en"/>
+              <a:t>And finally demo a third feature</a:t>
+            </a:r>
+            <a:endParaRPr/>
+          </a:p>
+          <a:p>
+            <a:pPr indent="-342900" lvl="0" marL="457200" rtl="0" algn="l">
+              <a:spcBef>
+                <a:spcPts val="1200"/>
+              </a:spcBef>
+              <a:spcAft>
+                <a:spcPts val="0"/>
+              </a:spcAft>
+              <a:buSzPts val="1800"/>
+              <a:buChar char="●"/>
+            </a:pPr>
+            <a:r>
+              <a:rPr lang="en"/>
+              <a:t>After which you will open the discussion</a:t>
+            </a:r>
+            <a:endParaRPr/>
+          </a:p>
+          <a:p>
+            <a:pPr indent="0" lvl="0" marL="0" rtl="0" algn="l">
+              <a:spcBef>
+                <a:spcPts val="1200"/>
+              </a:spcBef>
+              <a:spcAft>
+                <a:spcPts val="1200"/>
+              </a:spcAft>
+              <a:buNone/>
+            </a:pPr>
+            <a:r>
+              <a:rPr lang="en"/>
+              <a:t>Don’t be afraid of open time for questions</a:t>
+            </a:r>
+            <a:endParaRPr/>
+          </a:p>
+        </p:txBody>
+      </p:sp>
+      <p:sp>
+        <p:nvSpPr>
+          <p:cNvPr id="120" name="Google Shape;120;p20"/>
           <p:cNvSpPr txBox="1"/>
           <p:nvPr>
             <p:ph idx="12" type="sldNum"/>
@@ -8473,332 +8805,6 @@
               <a:t> </a:t>
             </a:r>
             <a:endParaRPr b="0" sz="1000"/>
-          </a:p>
-        </p:txBody>
-      </p:sp>
-      <p:sp>
-        <p:nvSpPr>
-          <p:cNvPr id="119" name="Google Shape;119;p20"/>
-          <p:cNvSpPr txBox="1"/>
-          <p:nvPr>
-            <p:ph idx="1" type="body"/>
-          </p:nvPr>
-        </p:nvSpPr>
-        <p:spPr>
-          <a:xfrm>
-            <a:off x="274320" y="914400"/>
-            <a:ext cx="4114800" cy="4114800"/>
-          </a:xfrm>
-          <a:prstGeom prst="rect">
-            <a:avLst/>
-          </a:prstGeom>
-        </p:spPr>
-        <p:txBody>
-          <a:bodyPr anchorCtr="0" anchor="t" bIns="91425" lIns="0" spcFirstLastPara="1" rIns="91425" wrap="square" tIns="0">
-            <a:noAutofit/>
-          </a:bodyPr>
-          <a:lstStyle/>
-          <a:p>
-            <a:pPr indent="0" lvl="0" marL="0" rtl="0" algn="l">
-              <a:spcBef>
-                <a:spcPts val="0"/>
-              </a:spcBef>
-              <a:spcAft>
-                <a:spcPts val="0"/>
-              </a:spcAft>
-              <a:buNone/>
-            </a:pPr>
-            <a:r>
-              <a:rPr b="1" lang="en"/>
-              <a:t>Dos</a:t>
-            </a:r>
-            <a:endParaRPr b="1"/>
-          </a:p>
-          <a:p>
-            <a:pPr indent="-342900" lvl="0" marL="457200" rtl="0" algn="l">
-              <a:spcBef>
-                <a:spcPts val="1200"/>
-              </a:spcBef>
-              <a:spcAft>
-                <a:spcPts val="0"/>
-              </a:spcAft>
-              <a:buSzPts val="1800"/>
-              <a:buChar char="●"/>
-            </a:pPr>
-            <a:r>
-              <a:rPr lang="en"/>
-              <a:t>Have a clean user </a:t>
-            </a:r>
-            <a:r>
-              <a:rPr lang="en"/>
-              <a:t>interface</a:t>
-            </a:r>
-            <a:endParaRPr/>
-          </a:p>
-          <a:p>
-            <a:pPr indent="-342900" lvl="0" marL="457200" rtl="0" algn="l">
-              <a:spcBef>
-                <a:spcPts val="1000"/>
-              </a:spcBef>
-              <a:spcAft>
-                <a:spcPts val="0"/>
-              </a:spcAft>
-              <a:buSzPts val="1800"/>
-              <a:buChar char="●"/>
-            </a:pPr>
-            <a:r>
-              <a:rPr lang="en"/>
-              <a:t>Have a story to tell, for example,</a:t>
-            </a:r>
-            <a:endParaRPr/>
-          </a:p>
-          <a:p>
-            <a:pPr indent="-317500" lvl="1" marL="914400" rtl="0" algn="l">
-              <a:spcBef>
-                <a:spcPts val="0"/>
-              </a:spcBef>
-              <a:spcAft>
-                <a:spcPts val="0"/>
-              </a:spcAft>
-              <a:buSzPts val="1400"/>
-              <a:buChar char="○"/>
-            </a:pPr>
-            <a:r>
-              <a:rPr lang="en"/>
-              <a:t>A day in the life of …</a:t>
-            </a:r>
-            <a:endParaRPr/>
-          </a:p>
-          <a:p>
-            <a:pPr indent="-317500" lvl="1" marL="914400" rtl="0" algn="l">
-              <a:spcBef>
-                <a:spcPts val="0"/>
-              </a:spcBef>
-              <a:spcAft>
-                <a:spcPts val="0"/>
-              </a:spcAft>
-              <a:buSzPts val="1400"/>
-              <a:buChar char="○"/>
-            </a:pPr>
-            <a:r>
-              <a:rPr lang="en"/>
-              <a:t>A workflow example</a:t>
-            </a:r>
-            <a:endParaRPr/>
-          </a:p>
-          <a:p>
-            <a:pPr indent="-342900" lvl="0" marL="457200" rtl="0" algn="l">
-              <a:spcBef>
-                <a:spcPts val="1000"/>
-              </a:spcBef>
-              <a:spcAft>
-                <a:spcPts val="0"/>
-              </a:spcAft>
-              <a:buSzPts val="1800"/>
-              <a:buChar char="●"/>
-            </a:pPr>
-            <a:r>
-              <a:rPr lang="en"/>
-              <a:t>Use domain terms and examples</a:t>
-            </a:r>
-            <a:endParaRPr/>
-          </a:p>
-          <a:p>
-            <a:pPr indent="-317500" lvl="1" marL="914400" rtl="0" algn="l">
-              <a:spcBef>
-                <a:spcPts val="0"/>
-              </a:spcBef>
-              <a:spcAft>
-                <a:spcPts val="0"/>
-              </a:spcAft>
-              <a:buSzPts val="1400"/>
-              <a:buChar char="○"/>
-            </a:pPr>
-            <a:r>
-              <a:rPr lang="en"/>
-              <a:t>In the user interface (labels, titles)</a:t>
-            </a:r>
-            <a:endParaRPr/>
-          </a:p>
-          <a:p>
-            <a:pPr indent="-317500" lvl="1" marL="914400" rtl="0" algn="l">
-              <a:spcBef>
-                <a:spcPts val="0"/>
-              </a:spcBef>
-              <a:spcAft>
-                <a:spcPts val="0"/>
-              </a:spcAft>
-              <a:buSzPts val="1400"/>
-              <a:buChar char="○"/>
-            </a:pPr>
-            <a:r>
-              <a:rPr lang="en"/>
-              <a:t>In the stories you tell</a:t>
-            </a:r>
-            <a:endParaRPr/>
-          </a:p>
-          <a:p>
-            <a:pPr indent="-342900" lvl="0" marL="457200" rtl="0" algn="l">
-              <a:spcBef>
-                <a:spcPts val="1000"/>
-              </a:spcBef>
-              <a:spcAft>
-                <a:spcPts val="0"/>
-              </a:spcAft>
-              <a:buSzPts val="1800"/>
-              <a:buChar char="●"/>
-            </a:pPr>
-            <a:r>
-              <a:rPr lang="en"/>
-              <a:t>Make the demo data reentrant</a:t>
-            </a:r>
-            <a:endParaRPr/>
-          </a:p>
-          <a:p>
-            <a:pPr indent="-317500" lvl="1" marL="914400" rtl="0" algn="l">
-              <a:spcBef>
-                <a:spcPts val="0"/>
-              </a:spcBef>
-              <a:spcAft>
-                <a:spcPts val="0"/>
-              </a:spcAft>
-              <a:buSzPts val="1400"/>
-              <a:buChar char="○"/>
-            </a:pPr>
-            <a:r>
-              <a:rPr lang="en"/>
-              <a:t>You will </a:t>
-            </a:r>
-            <a:r>
-              <a:rPr lang="en"/>
-              <a:t>have</a:t>
-            </a:r>
-            <a:r>
-              <a:rPr lang="en"/>
-              <a:t> to start over repeatedly</a:t>
-            </a:r>
-            <a:endParaRPr/>
-          </a:p>
-          <a:p>
-            <a:pPr indent="-317500" lvl="1" marL="914400" rtl="0" algn="l">
-              <a:spcBef>
-                <a:spcPts val="0"/>
-              </a:spcBef>
-              <a:spcAft>
-                <a:spcPts val="0"/>
-              </a:spcAft>
-              <a:buSzPts val="1400"/>
-              <a:buChar char="○"/>
-            </a:pPr>
-            <a:r>
-              <a:rPr lang="en"/>
-              <a:t>You want to start at the same point</a:t>
-            </a:r>
-            <a:endParaRPr/>
-          </a:p>
-          <a:p>
-            <a:pPr indent="0" lvl="0" marL="0" rtl="0" algn="l">
-              <a:spcBef>
-                <a:spcPts val="1000"/>
-              </a:spcBef>
-              <a:spcAft>
-                <a:spcPts val="1200"/>
-              </a:spcAft>
-              <a:buNone/>
-            </a:pPr>
-            <a:r>
-              <a:t/>
-            </a:r>
-            <a:endParaRPr/>
-          </a:p>
-        </p:txBody>
-      </p:sp>
-      <p:sp>
-        <p:nvSpPr>
-          <p:cNvPr id="120" name="Google Shape;120;p20"/>
-          <p:cNvSpPr txBox="1"/>
-          <p:nvPr>
-            <p:ph idx="2" type="body"/>
-          </p:nvPr>
-        </p:nvSpPr>
-        <p:spPr>
-          <a:xfrm>
-            <a:off x="4846320" y="914400"/>
-            <a:ext cx="4114800" cy="4114800"/>
-          </a:xfrm>
-          <a:prstGeom prst="rect">
-            <a:avLst/>
-          </a:prstGeom>
-        </p:spPr>
-        <p:txBody>
-          <a:bodyPr anchorCtr="0" anchor="t" bIns="0" lIns="0" spcFirstLastPara="1" rIns="0" wrap="square" tIns="0">
-            <a:noAutofit/>
-          </a:bodyPr>
-          <a:lstStyle/>
-          <a:p>
-            <a:pPr indent="0" lvl="0" marL="0" rtl="0" algn="l">
-              <a:spcBef>
-                <a:spcPts val="0"/>
-              </a:spcBef>
-              <a:spcAft>
-                <a:spcPts val="0"/>
-              </a:spcAft>
-              <a:buNone/>
-            </a:pPr>
-            <a:r>
-              <a:rPr b="1" lang="en"/>
-              <a:t>Don’ts</a:t>
-            </a:r>
-            <a:endParaRPr b="1"/>
-          </a:p>
-          <a:p>
-            <a:pPr indent="-342900" lvl="0" marL="457200" rtl="0" algn="l">
-              <a:spcBef>
-                <a:spcPts val="1200"/>
-              </a:spcBef>
-              <a:spcAft>
-                <a:spcPts val="0"/>
-              </a:spcAft>
-              <a:buSzPts val="1800"/>
-              <a:buChar char="●"/>
-            </a:pPr>
-            <a:r>
-              <a:rPr lang="en"/>
-              <a:t>Use “test1” or “user2” as labels</a:t>
-            </a:r>
-            <a:endParaRPr/>
-          </a:p>
-          <a:p>
-            <a:pPr indent="-342900" lvl="0" marL="457200" rtl="0" algn="l">
-              <a:spcBef>
-                <a:spcPts val="0"/>
-              </a:spcBef>
-              <a:spcAft>
-                <a:spcPts val="0"/>
-              </a:spcAft>
-              <a:buSzPts val="1800"/>
-              <a:buChar char="●"/>
-            </a:pPr>
-            <a:r>
-              <a:rPr lang="en"/>
-              <a:t>Not follow the advice on the left</a:t>
-            </a:r>
-            <a:endParaRPr/>
-          </a:p>
-          <a:p>
-            <a:pPr indent="0" lvl="0" marL="0" rtl="0" algn="l">
-              <a:spcBef>
-                <a:spcPts val="1200"/>
-              </a:spcBef>
-              <a:spcAft>
-                <a:spcPts val="1200"/>
-              </a:spcAft>
-              <a:buNone/>
-            </a:pPr>
-            <a:r>
-              <a:t/>
-            </a:r>
-            <a:endParaRPr/>
           </a:p>
         </p:txBody>
       </p:sp>
@@ -8861,7 +8867,7 @@
             </a:pPr>
             <a:r>
               <a:rPr lang="en"/>
-              <a:t>Demo First! Slides… Fifth? Nineteenth?</a:t>
+              <a:t>One-Time Deliverable: Demo Day Video</a:t>
             </a:r>
             <a:endParaRPr/>
           </a:p>
@@ -8900,12 +8906,32 @@
               <a:buNone/>
             </a:pPr>
             <a:r>
+              <a:rPr lang="en"/>
+              <a:t>Please create a 3 min. video demoing your work</a:t>
+            </a:r>
+            <a:endParaRPr/>
+          </a:p>
+          <a:p>
+            <a:pPr indent="-342900" lvl="0" marL="457200" rtl="0" algn="l">
+              <a:spcBef>
+                <a:spcPts val="1200"/>
+              </a:spcBef>
+              <a:spcAft>
+                <a:spcPts val="0"/>
+              </a:spcAft>
+              <a:buClr>
+                <a:schemeClr val="accent3"/>
+              </a:buClr>
+              <a:buSzPts val="1800"/>
+              <a:buChar char="●"/>
+            </a:pPr>
+            <a:r>
               <a:rPr b="1" lang="en">
                 <a:solidFill>
                   <a:schemeClr val="accent3"/>
                 </a:solidFill>
               </a:rPr>
-              <a:t>Demo your software! That’s what it is about</a:t>
+              <a:t>You should show running software, not just talk about it!</a:t>
             </a:r>
             <a:endParaRPr b="1">
               <a:solidFill>
@@ -8925,7 +8951,7 @@
             </a:pPr>
             <a:r>
               <a:rPr lang="en"/>
-              <a:t>A good approach is to demo a main feature or use case</a:t>
+              <a:t>The demo video will be your demo backup</a:t>
             </a:r>
             <a:endParaRPr/>
           </a:p>
@@ -8942,97 +8968,7 @@
             </a:pPr>
             <a:r>
               <a:rPr lang="en"/>
-              <a:t>And only then explain it using slides</a:t>
-            </a:r>
-            <a:endParaRPr/>
-          </a:p>
-          <a:p>
-            <a:pPr indent="0" lvl="0" marL="0" rtl="0" algn="l">
-              <a:spcBef>
-                <a:spcPts val="1200"/>
-              </a:spcBef>
-              <a:spcAft>
-                <a:spcPts val="0"/>
-              </a:spcAft>
-              <a:buNone/>
-            </a:pPr>
-            <a:r>
-              <a:rPr lang="en"/>
-              <a:t>And then demo another </a:t>
-            </a:r>
-            <a:r>
-              <a:rPr lang="en"/>
-              <a:t>feature</a:t>
-            </a:r>
-            <a:r>
-              <a:rPr lang="en"/>
-              <a:t> or use case that adds to the previous one</a:t>
-            </a:r>
-            <a:endParaRPr/>
-          </a:p>
-          <a:p>
-            <a:pPr indent="-342900" lvl="0" marL="457200" rtl="0" algn="l">
-              <a:spcBef>
-                <a:spcPts val="1200"/>
-              </a:spcBef>
-              <a:spcAft>
-                <a:spcPts val="0"/>
-              </a:spcAft>
-              <a:buSzPts val="1800"/>
-              <a:buChar char="●"/>
-            </a:pPr>
-            <a:r>
-              <a:rPr lang="en"/>
-              <a:t>And then explain it using slides</a:t>
-            </a:r>
-            <a:endParaRPr/>
-          </a:p>
-          <a:p>
-            <a:pPr indent="0" lvl="0" marL="0" rtl="0" algn="l">
-              <a:spcBef>
-                <a:spcPts val="1200"/>
-              </a:spcBef>
-              <a:spcAft>
-                <a:spcPts val="0"/>
-              </a:spcAft>
-              <a:buNone/>
-            </a:pPr>
-            <a:r>
-              <a:rPr lang="en"/>
-              <a:t>And finally demo a third feature</a:t>
-            </a:r>
-            <a:endParaRPr/>
-          </a:p>
-          <a:p>
-            <a:pPr indent="-342900" lvl="0" marL="457200" rtl="0" algn="l">
-              <a:spcBef>
-                <a:spcPts val="1200"/>
-              </a:spcBef>
-              <a:spcAft>
-                <a:spcPts val="0"/>
-              </a:spcAft>
-              <a:buSzPts val="1800"/>
-              <a:buChar char="●"/>
-            </a:pPr>
-            <a:r>
-              <a:rPr lang="en"/>
-              <a:t>After which you will open the discussion</a:t>
-            </a:r>
-            <a:endParaRPr/>
-          </a:p>
-          <a:p>
-            <a:pPr indent="0" lvl="0" marL="0" rtl="0" algn="l">
-              <a:spcBef>
-                <a:spcPts val="1200"/>
-              </a:spcBef>
-              <a:spcAft>
-                <a:spcPts val="1200"/>
-              </a:spcAft>
-              <a:buNone/>
-            </a:pPr>
-            <a:r>
-              <a:rPr lang="en"/>
-              <a:t>Don’t be afraid of open time for questions</a:t>
+              <a:t>Will also be posted on our blog and on LinkedIn</a:t>
             </a:r>
             <a:endParaRPr/>
           </a:p>
@@ -9162,7 +9098,7 @@
             </a:pPr>
             <a:r>
               <a:rPr lang="en"/>
-              <a:t>One-Time Deliverable: Demo Day Video</a:t>
+              <a:t>Demo Execution</a:t>
             </a:r>
             <a:endParaRPr/>
           </a:p>
@@ -9202,7 +9138,7 @@
             </a:pPr>
             <a:r>
               <a:rPr lang="en"/>
-              <a:t>Please create a 3 min. video demoing your work</a:t>
+              <a:t>Have two people ready to demo</a:t>
             </a:r>
             <a:endParaRPr/>
           </a:p>
@@ -9214,46 +9150,19 @@
               <a:spcAft>
                 <a:spcPts val="0"/>
               </a:spcAft>
-              <a:buClr>
-                <a:schemeClr val="accent3"/>
-              </a:buClr>
               <a:buSzPts val="1800"/>
               <a:buChar char="●"/>
             </a:pPr>
             <a:r>
-              <a:rPr b="1" lang="en">
-                <a:solidFill>
-                  <a:schemeClr val="accent3"/>
-                </a:solidFill>
-              </a:rPr>
-              <a:t>You should show running software, not just talk about it!</a:t>
-            </a:r>
-            <a:endParaRPr b="1">
-              <a:solidFill>
-                <a:schemeClr val="accent3"/>
-              </a:solidFill>
-            </a:endParaRPr>
-          </a:p>
-          <a:p>
-            <a:pPr indent="0" lvl="0" marL="0" rtl="0" algn="l">
-              <a:spcBef>
-                <a:spcPts val="1200"/>
-              </a:spcBef>
-              <a:spcAft>
-                <a:spcPts val="0"/>
-              </a:spcAft>
-              <a:buNone/>
-            </a:pPr>
-            <a:r>
               <a:rPr lang="en"/>
-              <a:t>The demo video will be your demo backup</a:t>
+              <a:t>One explains what is going on (talks to people)</a:t>
             </a:r>
             <a:endParaRPr/>
           </a:p>
           <a:p>
             <a:pPr indent="-342900" lvl="0" marL="457200" rtl="0" algn="l">
               <a:spcBef>
-                <a:spcPts val="1200"/>
+                <a:spcPts val="0"/>
               </a:spcBef>
               <a:spcAft>
                 <a:spcPts val="0"/>
@@ -9263,7 +9172,7 @@
             </a:pPr>
             <a:r>
               <a:rPr lang="en"/>
-              <a:t>Will also be posted on our blog and on LinkedIn</a:t>
+              <a:t>One demos the software in line with story</a:t>
             </a:r>
             <a:endParaRPr/>
           </a:p>
@@ -9369,6 +9278,71 @@
         </p:nvSpPr>
         <p:spPr>
           <a:xfrm>
+            <a:off x="0" y="-7"/>
+            <a:ext cx="9144000" cy="2386500"/>
+          </a:xfrm>
+          <a:prstGeom prst="rect">
+            <a:avLst/>
+          </a:prstGeom>
+        </p:spPr>
+        <p:txBody>
+          <a:bodyPr anchorCtr="0" anchor="b" bIns="274300" lIns="91425" spcFirstLastPara="1" rIns="91425" wrap="square" tIns="91425">
+            <a:noAutofit/>
+          </a:bodyPr>
+          <a:lstStyle/>
+          <a:p>
+            <a:pPr indent="0" lvl="0" marL="0" rtl="0" algn="ctr">
+              <a:spcBef>
+                <a:spcPts val="0"/>
+              </a:spcBef>
+              <a:spcAft>
+                <a:spcPts val="0"/>
+              </a:spcAft>
+              <a:buNone/>
+            </a:pPr>
+            <a:r>
+              <a:rPr lang="en"/>
+              <a:t>2. Final Release</a:t>
+            </a:r>
+            <a:endParaRPr/>
+          </a:p>
+        </p:txBody>
+      </p:sp>
+    </p:spTree>
+  </p:cSld>
+  <p:clrMapOvr>
+    <a:masterClrMapping/>
+  </p:clrMapOvr>
+</p:sld>
+</file>
+
+<file path=ppt/slides/slide17.xml><?xml version="1.0" encoding="utf-8"?>
+<p:sld xmlns:a="http://schemas.openxmlformats.org/drawingml/2006/main" xmlns:r="http://schemas.openxmlformats.org/officeDocument/2006/relationships" xmlns:mc="http://schemas.openxmlformats.org/markup-compatibility/2006" xmlns:mv="urn:schemas-microsoft-com:mac:vml" xmlns:p="http://schemas.openxmlformats.org/presentationml/2006/main" xmlns:c="http://schemas.openxmlformats.org/drawingml/2006/chart" xmlns:dgm="http://schemas.openxmlformats.org/drawingml/2006/diagram" xmlns:o="urn:schemas-microsoft-com:office:office" xmlns:v="urn:schemas-microsoft-com:vml" xmlns:pvml="urn:schemas-microsoft-com:office:powerpoint" xmlns:com="http://schemas.openxmlformats.org/drawingml/2006/compatibility" xmlns:p14="http://schemas.microsoft.com/office/powerpoint/2010/main" xmlns:p15="http://schemas.microsoft.com/office/powerpoint/2012/main" xmlns:ahyp="http://schemas.microsoft.com/office/drawing/2018/hyperlinkcolor">
+  <p:cSld>
+    <p:spTree>
+      <p:nvGrpSpPr>
+        <p:cNvPr id="143" name="Shape 143"/>
+        <p:cNvGrpSpPr/>
+        <p:nvPr/>
+      </p:nvGrpSpPr>
+      <p:grpSpPr>
+        <a:xfrm>
+          <a:off x="0" y="0"/>
+          <a:ext cx="0" cy="0"/>
+          <a:chOff x="0" y="0"/>
+          <a:chExt cx="0" cy="0"/>
+        </a:xfrm>
+      </p:grpSpPr>
+      <p:sp>
+        <p:nvSpPr>
+          <p:cNvPr id="144" name="Google Shape;144;p24"/>
+          <p:cNvSpPr txBox="1"/>
+          <p:nvPr>
+            <p:ph type="title"/>
+          </p:nvPr>
+        </p:nvSpPr>
+        <p:spPr>
+          <a:xfrm>
             <a:off x="0" y="0"/>
             <a:ext cx="9144000" cy="685800"/>
           </a:xfrm>
@@ -9393,7 +9367,11 @@
             </a:pPr>
             <a:r>
               <a:rPr lang="en"/>
-              <a:t>Demo Execution</a:t>
+              <a:t>One-Time Deliverable: Final </a:t>
+            </a:r>
+            <a:r>
+              <a:rPr lang="en"/>
+              <a:t>Documentation</a:t>
             </a:r>
             <a:endParaRPr/>
           </a:p>
@@ -9401,7 +9379,7 @@
       </p:sp>
       <p:sp>
         <p:nvSpPr>
-          <p:cNvPr id="140" name="Google Shape;140;p23"/>
+          <p:cNvPr id="145" name="Google Shape;145;p24"/>
           <p:cNvSpPr txBox="1"/>
           <p:nvPr>
             <p:ph idx="1" type="body"/>
@@ -9427,47 +9405,13 @@
                 <a:spcPts val="0"/>
               </a:spcBef>
               <a:spcAft>
-                <a:spcPts val="0"/>
+                <a:spcPts val="1200"/>
               </a:spcAft>
               <a:buNone/>
             </a:pPr>
             <a:r>
               <a:rPr lang="en"/>
-              <a:t>Have two people ready to demo</a:t>
-            </a:r>
-            <a:endParaRPr/>
-          </a:p>
-          <a:p>
-            <a:pPr indent="-342900" lvl="0" marL="457200" rtl="0" algn="l">
-              <a:spcBef>
-                <a:spcPts val="1200"/>
-              </a:spcBef>
-              <a:spcAft>
-                <a:spcPts val="0"/>
-              </a:spcAft>
-              <a:buSzPts val="1800"/>
-              <a:buChar char="●"/>
-            </a:pPr>
-            <a:r>
-              <a:rPr lang="en"/>
-              <a:t>One explains what is going on (talks to people)</a:t>
-            </a:r>
-            <a:endParaRPr/>
-          </a:p>
-          <a:p>
-            <a:pPr indent="-342900" lvl="0" marL="457200" rtl="0" algn="l">
-              <a:spcBef>
-                <a:spcPts val="0"/>
-              </a:spcBef>
-              <a:spcAft>
-                <a:spcPts val="0"/>
-              </a:spcAft>
-              <a:buSzPts val="1800"/>
-              <a:buChar char="●"/>
-            </a:pPr>
-            <a:r>
-              <a:rPr lang="en"/>
-              <a:t>One demos the software in line with story</a:t>
+              <a:t>Please clean-up and finalize your documentation</a:t>
             </a:r>
             <a:endParaRPr/>
           </a:p>
@@ -9475,7 +9419,7 @@
       </p:sp>
       <p:sp>
         <p:nvSpPr>
-          <p:cNvPr id="141" name="Google Shape;141;p23"/>
+          <p:cNvPr id="146" name="Google Shape;146;p24"/>
           <p:cNvSpPr txBox="1"/>
           <p:nvPr>
             <p:ph idx="12" type="sldNum"/>
@@ -9535,71 +9479,6 @@
               <a:t> </a:t>
             </a:r>
             <a:endParaRPr b="0" sz="1000"/>
-          </a:p>
-        </p:txBody>
-      </p:sp>
-    </p:spTree>
-  </p:cSld>
-  <p:clrMapOvr>
-    <a:masterClrMapping/>
-  </p:clrMapOvr>
-</p:sld>
-</file>
-
-<file path=ppt/slides/slide17.xml><?xml version="1.0" encoding="utf-8"?>
-<p:sld xmlns:a="http://schemas.openxmlformats.org/drawingml/2006/main" xmlns:r="http://schemas.openxmlformats.org/officeDocument/2006/relationships" xmlns:mc="http://schemas.openxmlformats.org/markup-compatibility/2006" xmlns:mv="urn:schemas-microsoft-com:mac:vml" xmlns:p="http://schemas.openxmlformats.org/presentationml/2006/main" xmlns:c="http://schemas.openxmlformats.org/drawingml/2006/chart" xmlns:dgm="http://schemas.openxmlformats.org/drawingml/2006/diagram" xmlns:o="urn:schemas-microsoft-com:office:office" xmlns:v="urn:schemas-microsoft-com:vml" xmlns:pvml="urn:schemas-microsoft-com:office:powerpoint" xmlns:com="http://schemas.openxmlformats.org/drawingml/2006/compatibility" xmlns:p14="http://schemas.microsoft.com/office/powerpoint/2010/main" xmlns:p15="http://schemas.microsoft.com/office/powerpoint/2012/main" xmlns:ahyp="http://schemas.microsoft.com/office/drawing/2018/hyperlinkcolor">
-  <p:cSld>
-    <p:spTree>
-      <p:nvGrpSpPr>
-        <p:cNvPr id="145" name="Shape 145"/>
-        <p:cNvGrpSpPr/>
-        <p:nvPr/>
-      </p:nvGrpSpPr>
-      <p:grpSpPr>
-        <a:xfrm>
-          <a:off x="0" y="0"/>
-          <a:ext cx="0" cy="0"/>
-          <a:chOff x="0" y="0"/>
-          <a:chExt cx="0" cy="0"/>
-        </a:xfrm>
-      </p:grpSpPr>
-      <p:sp>
-        <p:nvSpPr>
-          <p:cNvPr id="146" name="Google Shape;146;p24"/>
-          <p:cNvSpPr txBox="1"/>
-          <p:nvPr>
-            <p:ph type="title"/>
-          </p:nvPr>
-        </p:nvSpPr>
-        <p:spPr>
-          <a:xfrm>
-            <a:off x="0" y="-7"/>
-            <a:ext cx="9144000" cy="2386500"/>
-          </a:xfrm>
-          <a:prstGeom prst="rect">
-            <a:avLst/>
-          </a:prstGeom>
-        </p:spPr>
-        <p:txBody>
-          <a:bodyPr anchorCtr="0" anchor="b" bIns="274300" lIns="91425" spcFirstLastPara="1" rIns="91425" wrap="square" tIns="91425">
-            <a:noAutofit/>
-          </a:bodyPr>
-          <a:lstStyle/>
-          <a:p>
-            <a:pPr indent="0" lvl="0" marL="0" rtl="0" algn="ctr">
-              <a:spcBef>
-                <a:spcPts val="0"/>
-              </a:spcBef>
-              <a:spcAft>
-                <a:spcPts val="0"/>
-              </a:spcAft>
-              <a:buNone/>
-            </a:pPr>
-            <a:r>
-              <a:rPr lang="en"/>
-              <a:t>2. Final Release</a:t>
-            </a:r>
-            <a:endParaRPr/>
           </a:p>
         </p:txBody>
       </p:sp>
@@ -9662,11 +9541,7 @@
             </a:pPr>
             <a:r>
               <a:rPr lang="en"/>
-              <a:t>One-Time Deliverable: Final </a:t>
-            </a:r>
-            <a:r>
-              <a:rPr lang="en"/>
-              <a:t>Documentation</a:t>
+              <a:t>One-Time Deliverable: Final Planning Documents</a:t>
             </a:r>
             <a:endParaRPr/>
           </a:p>
@@ -9706,7 +9581,7 @@
             </a:pPr>
             <a:r>
               <a:rPr lang="en"/>
-              <a:t>Please clean-up and finalize your documentation</a:t>
+              <a:t>Please clean up your planning documents, in particular the final release plan</a:t>
             </a:r>
             <a:endParaRPr/>
           </a:p>
@@ -9836,7 +9711,7 @@
             </a:pPr>
             <a:r>
               <a:rPr lang="en"/>
-              <a:t>One-Time Deliverable: Final Planning Documents</a:t>
+              <a:t>One-Time Deliverable: Final Release Tag</a:t>
             </a:r>
             <a:endParaRPr/>
           </a:p>
@@ -9876,7 +9751,7 @@
             </a:pPr>
             <a:r>
               <a:rPr lang="en"/>
-              <a:t>Please clean up your planning documents, in particular the final release plan</a:t>
+              <a:t>Please clean up your code base, in particular set the final-release tag</a:t>
             </a:r>
             <a:endParaRPr/>
           </a:p>
@@ -10338,6 +10213,71 @@
         </p:nvSpPr>
         <p:spPr>
           <a:xfrm>
+            <a:off x="0" y="-7"/>
+            <a:ext cx="9144000" cy="2386500"/>
+          </a:xfrm>
+          <a:prstGeom prst="rect">
+            <a:avLst/>
+          </a:prstGeom>
+        </p:spPr>
+        <p:txBody>
+          <a:bodyPr anchorCtr="0" anchor="b" bIns="274300" lIns="91425" spcFirstLastPara="1" rIns="91425" wrap="square" tIns="91425">
+            <a:noAutofit/>
+          </a:bodyPr>
+          <a:lstStyle/>
+          <a:p>
+            <a:pPr indent="0" lvl="0" marL="0" rtl="0" algn="ctr">
+              <a:spcBef>
+                <a:spcPts val="0"/>
+              </a:spcBef>
+              <a:spcAft>
+                <a:spcPts val="0"/>
+              </a:spcAft>
+              <a:buNone/>
+            </a:pPr>
+            <a:r>
+              <a:rPr lang="en"/>
+              <a:t>3. After-work</a:t>
+            </a:r>
+            <a:endParaRPr/>
+          </a:p>
+        </p:txBody>
+      </p:sp>
+    </p:spTree>
+  </p:cSld>
+  <p:clrMapOvr>
+    <a:masterClrMapping/>
+  </p:clrMapOvr>
+</p:sld>
+</file>
+
+<file path=ppt/slides/slide21.xml><?xml version="1.0" encoding="utf-8"?>
+<p:sld xmlns:a="http://schemas.openxmlformats.org/drawingml/2006/main" xmlns:r="http://schemas.openxmlformats.org/officeDocument/2006/relationships" xmlns:mc="http://schemas.openxmlformats.org/markup-compatibility/2006" xmlns:mv="urn:schemas-microsoft-com:mac:vml" xmlns:p="http://schemas.openxmlformats.org/presentationml/2006/main" xmlns:c="http://schemas.openxmlformats.org/drawingml/2006/chart" xmlns:dgm="http://schemas.openxmlformats.org/drawingml/2006/diagram" xmlns:o="urn:schemas-microsoft-com:office:office" xmlns:v="urn:schemas-microsoft-com:vml" xmlns:pvml="urn:schemas-microsoft-com:office:powerpoint" xmlns:com="http://schemas.openxmlformats.org/drawingml/2006/compatibility" xmlns:p14="http://schemas.microsoft.com/office/powerpoint/2010/main" xmlns:p15="http://schemas.microsoft.com/office/powerpoint/2012/main" xmlns:ahyp="http://schemas.microsoft.com/office/drawing/2018/hyperlinkcolor">
+  <p:cSld>
+    <p:spTree>
+      <p:nvGrpSpPr>
+        <p:cNvPr id="169" name="Shape 169"/>
+        <p:cNvGrpSpPr/>
+        <p:nvPr/>
+      </p:nvGrpSpPr>
+      <p:grpSpPr>
+        <a:xfrm>
+          <a:off x="0" y="0"/>
+          <a:ext cx="0" cy="0"/>
+          <a:chOff x="0" y="0"/>
+          <a:chExt cx="0" cy="0"/>
+        </a:xfrm>
+      </p:grpSpPr>
+      <p:sp>
+        <p:nvSpPr>
+          <p:cNvPr id="170" name="Google Shape;170;p28"/>
+          <p:cNvSpPr txBox="1"/>
+          <p:nvPr>
+            <p:ph type="title"/>
+          </p:nvPr>
+        </p:nvSpPr>
+        <p:spPr>
+          <a:xfrm>
             <a:off x="0" y="0"/>
             <a:ext cx="9144000" cy="685800"/>
           </a:xfrm>
@@ -10362,7 +10302,7 @@
             </a:pPr>
             <a:r>
               <a:rPr lang="en"/>
-              <a:t>One-Time Deliverable: Final Release Tag</a:t>
+              <a:t>One-Time Deliverable: Project Report</a:t>
             </a:r>
             <a:endParaRPr/>
           </a:p>
@@ -10370,7 +10310,7 @@
       </p:sp>
       <p:sp>
         <p:nvSpPr>
-          <p:cNvPr id="166" name="Google Shape;166;p27"/>
+          <p:cNvPr id="171" name="Google Shape;171;p28"/>
           <p:cNvSpPr txBox="1"/>
           <p:nvPr>
             <p:ph idx="1" type="body"/>
@@ -10396,13 +10336,30 @@
                 <a:spcPts val="0"/>
               </a:spcBef>
               <a:spcAft>
+                <a:spcPts val="0"/>
+              </a:spcAft>
+              <a:buNone/>
+            </a:pPr>
+            <a:r>
+              <a:rPr lang="en"/>
+              <a:t>Please create a project report using our template</a:t>
+            </a:r>
+            <a:endParaRPr/>
+          </a:p>
+          <a:p>
+            <a:pPr indent="-342900" lvl="0" marL="457200" rtl="0" algn="l">
+              <a:spcBef>
                 <a:spcPts val="1200"/>
-              </a:spcAft>
-              <a:buNone/>
+              </a:spcBef>
+              <a:spcAft>
+                <a:spcPts val="0"/>
+              </a:spcAft>
+              <a:buSzPts val="1800"/>
+              <a:buChar char="●"/>
             </a:pPr>
             <a:r>
               <a:rPr lang="en"/>
-              <a:t>Please clean up your code base, in particular set the final-release tag</a:t>
+              <a:t>The report will be posted on our blog and on LinkedIn (together with your video)</a:t>
             </a:r>
             <a:endParaRPr/>
           </a:p>
@@ -10410,7 +10367,7 @@
       </p:sp>
       <p:sp>
         <p:nvSpPr>
-          <p:cNvPr id="167" name="Google Shape;167;p27"/>
+          <p:cNvPr id="172" name="Google Shape;172;p28"/>
           <p:cNvSpPr txBox="1"/>
           <p:nvPr>
             <p:ph idx="12" type="sldNum"/>
@@ -10470,71 +10427,6 @@
               <a:t> </a:t>
             </a:r>
             <a:endParaRPr b="0" sz="1000"/>
-          </a:p>
-        </p:txBody>
-      </p:sp>
-    </p:spTree>
-  </p:cSld>
-  <p:clrMapOvr>
-    <a:masterClrMapping/>
-  </p:clrMapOvr>
-</p:sld>
-</file>
-
-<file path=ppt/slides/slide21.xml><?xml version="1.0" encoding="utf-8"?>
-<p:sld xmlns:a="http://schemas.openxmlformats.org/drawingml/2006/main" xmlns:r="http://schemas.openxmlformats.org/officeDocument/2006/relationships" xmlns:mc="http://schemas.openxmlformats.org/markup-compatibility/2006" xmlns:mv="urn:schemas-microsoft-com:mac:vml" xmlns:p="http://schemas.openxmlformats.org/presentationml/2006/main" xmlns:c="http://schemas.openxmlformats.org/drawingml/2006/chart" xmlns:dgm="http://schemas.openxmlformats.org/drawingml/2006/diagram" xmlns:o="urn:schemas-microsoft-com:office:office" xmlns:v="urn:schemas-microsoft-com:vml" xmlns:pvml="urn:schemas-microsoft-com:office:powerpoint" xmlns:com="http://schemas.openxmlformats.org/drawingml/2006/compatibility" xmlns:p14="http://schemas.microsoft.com/office/powerpoint/2010/main" xmlns:p15="http://schemas.microsoft.com/office/powerpoint/2012/main" xmlns:ahyp="http://schemas.microsoft.com/office/drawing/2018/hyperlinkcolor">
-  <p:cSld>
-    <p:spTree>
-      <p:nvGrpSpPr>
-        <p:cNvPr id="171" name="Shape 171"/>
-        <p:cNvGrpSpPr/>
-        <p:nvPr/>
-      </p:nvGrpSpPr>
-      <p:grpSpPr>
-        <a:xfrm>
-          <a:off x="0" y="0"/>
-          <a:ext cx="0" cy="0"/>
-          <a:chOff x="0" y="0"/>
-          <a:chExt cx="0" cy="0"/>
-        </a:xfrm>
-      </p:grpSpPr>
-      <p:sp>
-        <p:nvSpPr>
-          <p:cNvPr id="172" name="Google Shape;172;p28"/>
-          <p:cNvSpPr txBox="1"/>
-          <p:nvPr>
-            <p:ph type="title"/>
-          </p:nvPr>
-        </p:nvSpPr>
-        <p:spPr>
-          <a:xfrm>
-            <a:off x="0" y="-7"/>
-            <a:ext cx="9144000" cy="2386500"/>
-          </a:xfrm>
-          <a:prstGeom prst="rect">
-            <a:avLst/>
-          </a:prstGeom>
-        </p:spPr>
-        <p:txBody>
-          <a:bodyPr anchorCtr="0" anchor="b" bIns="274300" lIns="91425" spcFirstLastPara="1" rIns="91425" wrap="square" tIns="91425">
-            <a:noAutofit/>
-          </a:bodyPr>
-          <a:lstStyle/>
-          <a:p>
-            <a:pPr indent="0" lvl="0" marL="0" rtl="0" algn="ctr">
-              <a:spcBef>
-                <a:spcPts val="0"/>
-              </a:spcBef>
-              <a:spcAft>
-                <a:spcPts val="0"/>
-              </a:spcAft>
-              <a:buNone/>
-            </a:pPr>
-            <a:r>
-              <a:rPr lang="en"/>
-              <a:t>3. After-work</a:t>
-            </a:r>
-            <a:endParaRPr/>
           </a:p>
         </p:txBody>
       </p:sp>
@@ -10597,7 +10489,7 @@
             </a:pPr>
             <a:r>
               <a:rPr lang="en"/>
-              <a:t>One-Time Deliverable: Project Report</a:t>
+              <a:t>One-Time Deliverable: Project Retrospective</a:t>
             </a:r>
             <a:endParaRPr/>
           </a:p>
@@ -10631,30 +10523,13 @@
                 <a:spcPts val="0"/>
               </a:spcBef>
               <a:spcAft>
-                <a:spcPts val="0"/>
+                <a:spcPts val="1200"/>
               </a:spcAft>
               <a:buNone/>
             </a:pPr>
             <a:r>
               <a:rPr lang="en"/>
-              <a:t>Please create a project report using our template</a:t>
-            </a:r>
-            <a:endParaRPr/>
-          </a:p>
-          <a:p>
-            <a:pPr indent="-342900" lvl="0" marL="457200" rtl="0" algn="l">
-              <a:spcBef>
-                <a:spcPts val="1200"/>
-              </a:spcBef>
-              <a:spcAft>
-                <a:spcPts val="0"/>
-              </a:spcAft>
-              <a:buSzPts val="1800"/>
-              <a:buChar char="●"/>
-            </a:pPr>
-            <a:r>
-              <a:rPr lang="en"/>
-              <a:t>The report will be posted on our blog and on LinkedIn (together with your video)</a:t>
+              <a:t>Please perform a project retrospective (guided by your Scrum Master)</a:t>
             </a:r>
             <a:endParaRPr/>
           </a:p>
@@ -10784,7 +10659,7 @@
             </a:pPr>
             <a:r>
               <a:rPr lang="en"/>
-              <a:t>One-Time Deliverable: Project Retrospective</a:t>
+              <a:t>Summary</a:t>
             </a:r>
             <a:endParaRPr/>
           </a:p>
@@ -10813,18 +10688,189 @@
           </a:bodyPr>
           <a:lstStyle/>
           <a:p>
-            <a:pPr indent="0" lvl="0" marL="0" rtl="0" algn="l">
-              <a:spcBef>
-                <a:spcPts val="0"/>
-              </a:spcBef>
-              <a:spcAft>
-                <a:spcPts val="1200"/>
-              </a:spcAft>
-              <a:buNone/>
+            <a:pPr indent="-342900" lvl="0" marL="457200" rtl="0" algn="l">
+              <a:spcBef>
+                <a:spcPts val="0"/>
+              </a:spcBef>
+              <a:spcAft>
+                <a:spcPts val="0"/>
+              </a:spcAft>
+              <a:buSzPts val="1800"/>
+              <a:buAutoNum type="arabicPeriod"/>
             </a:pPr>
             <a:r>
               <a:rPr lang="en"/>
-              <a:t>Please perform a project retrospective (guided by your Scrum Master)</a:t>
+              <a:t>Demo day</a:t>
+            </a:r>
+            <a:endParaRPr/>
+          </a:p>
+          <a:p>
+            <a:pPr indent="-317500" lvl="1" marL="914400" rtl="0" algn="l">
+              <a:spcBef>
+                <a:spcPts val="0"/>
+              </a:spcBef>
+              <a:spcAft>
+                <a:spcPts val="0"/>
+              </a:spcAft>
+              <a:buSzPts val="1400"/>
+              <a:buAutoNum type="alphaLcPeriod"/>
+            </a:pPr>
+            <a:r>
+              <a:rPr lang="en"/>
+              <a:t>Demo day slide</a:t>
+            </a:r>
+            <a:endParaRPr/>
+          </a:p>
+          <a:p>
+            <a:pPr indent="-317500" lvl="1" marL="914400" rtl="0" algn="l">
+              <a:spcBef>
+                <a:spcPts val="0"/>
+              </a:spcBef>
+              <a:spcAft>
+                <a:spcPts val="0"/>
+              </a:spcAft>
+              <a:buSzPts val="1400"/>
+              <a:buAutoNum type="alphaLcPeriod"/>
+            </a:pPr>
+            <a:r>
+              <a:rPr lang="en"/>
+              <a:t>Demo day posters</a:t>
+            </a:r>
+            <a:endParaRPr/>
+          </a:p>
+          <a:p>
+            <a:pPr indent="-317500" lvl="1" marL="914400" rtl="0" algn="l">
+              <a:spcBef>
+                <a:spcPts val="0"/>
+              </a:spcBef>
+              <a:spcAft>
+                <a:spcPts val="0"/>
+              </a:spcAft>
+              <a:buSzPts val="1400"/>
+              <a:buAutoNum type="alphaLcPeriod"/>
+            </a:pPr>
+            <a:r>
+              <a:rPr lang="en"/>
+              <a:t>Demo day video</a:t>
+            </a:r>
+            <a:endParaRPr/>
+          </a:p>
+          <a:p>
+            <a:pPr indent="-342900" lvl="0" marL="457200" rtl="0" algn="l">
+              <a:spcBef>
+                <a:spcPts val="1000"/>
+              </a:spcBef>
+              <a:spcAft>
+                <a:spcPts val="0"/>
+              </a:spcAft>
+              <a:buSzPts val="1800"/>
+              <a:buAutoNum type="arabicPeriod"/>
+            </a:pPr>
+            <a:r>
+              <a:rPr lang="en"/>
+              <a:t>Final release</a:t>
+            </a:r>
+            <a:endParaRPr/>
+          </a:p>
+          <a:p>
+            <a:pPr indent="-317500" lvl="1" marL="914400" rtl="0" algn="l">
+              <a:spcBef>
+                <a:spcPts val="0"/>
+              </a:spcBef>
+              <a:spcAft>
+                <a:spcPts val="0"/>
+              </a:spcAft>
+              <a:buSzPts val="1400"/>
+              <a:buAutoNum type="alphaLcPeriod"/>
+            </a:pPr>
+            <a:r>
+              <a:rPr lang="en"/>
+              <a:t>Final documentation</a:t>
+            </a:r>
+            <a:endParaRPr/>
+          </a:p>
+          <a:p>
+            <a:pPr indent="-317500" lvl="1" marL="914400" rtl="0" algn="l">
+              <a:spcBef>
+                <a:spcPts val="0"/>
+              </a:spcBef>
+              <a:spcAft>
+                <a:spcPts val="0"/>
+              </a:spcAft>
+              <a:buSzPts val="1400"/>
+              <a:buAutoNum type="alphaLcPeriod"/>
+            </a:pPr>
+            <a:r>
+              <a:rPr lang="en"/>
+              <a:t>Final planning documents</a:t>
+            </a:r>
+            <a:endParaRPr/>
+          </a:p>
+          <a:p>
+            <a:pPr indent="-317500" lvl="1" marL="914400" rtl="0" algn="l">
+              <a:spcBef>
+                <a:spcPts val="0"/>
+              </a:spcBef>
+              <a:spcAft>
+                <a:spcPts val="0"/>
+              </a:spcAft>
+              <a:buSzPts val="1400"/>
+              <a:buAutoNum type="alphaLcPeriod"/>
+            </a:pPr>
+            <a:r>
+              <a:rPr lang="en"/>
+              <a:t>Final release tag</a:t>
+            </a:r>
+            <a:endParaRPr/>
+          </a:p>
+          <a:p>
+            <a:pPr indent="-342900" lvl="0" marL="457200" rtl="0" algn="l">
+              <a:spcBef>
+                <a:spcPts val="1000"/>
+              </a:spcBef>
+              <a:spcAft>
+                <a:spcPts val="0"/>
+              </a:spcAft>
+              <a:buSzPts val="1800"/>
+              <a:buAutoNum type="arabicPeriod"/>
+            </a:pPr>
+            <a:r>
+              <a:rPr lang="en"/>
+              <a:t>After-work</a:t>
+            </a:r>
+            <a:endParaRPr/>
+          </a:p>
+          <a:p>
+            <a:pPr indent="-317500" lvl="1" marL="914400" rtl="0" algn="l">
+              <a:spcBef>
+                <a:spcPts val="0"/>
+              </a:spcBef>
+              <a:spcAft>
+                <a:spcPts val="0"/>
+              </a:spcAft>
+              <a:buSzPts val="1400"/>
+              <a:buAutoNum type="alphaLcPeriod"/>
+            </a:pPr>
+            <a:r>
+              <a:rPr lang="en"/>
+              <a:t>Project report</a:t>
+            </a:r>
+            <a:endParaRPr/>
+          </a:p>
+          <a:p>
+            <a:pPr indent="-317500" lvl="1" marL="914400" rtl="0" algn="l">
+              <a:spcBef>
+                <a:spcPts val="0"/>
+              </a:spcBef>
+              <a:spcAft>
+                <a:spcPts val="0"/>
+              </a:spcAft>
+              <a:buSzPts val="1400"/>
+              <a:buAutoNum type="alphaLcPeriod"/>
+            </a:pPr>
+            <a:r>
+              <a:rPr lang="en"/>
+              <a:t>Project retrospective</a:t>
             </a:r>
             <a:endParaRPr/>
           </a:p>
@@ -10925,6 +10971,190 @@
           <p:cNvPr id="191" name="Google Shape;191;p31"/>
           <p:cNvSpPr txBox="1"/>
           <p:nvPr>
+            <p:ph type="ctrTitle"/>
+          </p:nvPr>
+        </p:nvSpPr>
+        <p:spPr>
+          <a:xfrm>
+            <a:off x="0" y="0"/>
+            <a:ext cx="9144000" cy="2388900"/>
+          </a:xfrm>
+          <a:prstGeom prst="rect">
+            <a:avLst/>
+          </a:prstGeom>
+        </p:spPr>
+        <p:txBody>
+          <a:bodyPr anchorCtr="0" anchor="b" bIns="274300" lIns="91425" spcFirstLastPara="1" rIns="91425" wrap="square" tIns="91425">
+            <a:noAutofit/>
+          </a:bodyPr>
+          <a:lstStyle/>
+          <a:p>
+            <a:pPr indent="0" lvl="0" marL="0" rtl="0" algn="ctr">
+              <a:spcBef>
+                <a:spcPts val="0"/>
+              </a:spcBef>
+              <a:spcAft>
+                <a:spcPts val="0"/>
+              </a:spcAft>
+              <a:buNone/>
+            </a:pPr>
+            <a:r>
+              <a:rPr lang="en"/>
+              <a:t>Thank you! Any questions?</a:t>
+            </a:r>
+            <a:endParaRPr/>
+          </a:p>
+        </p:txBody>
+      </p:sp>
+      <p:sp>
+        <p:nvSpPr>
+          <p:cNvPr id="192" name="Google Shape;192;p31"/>
+          <p:cNvSpPr txBox="1"/>
+          <p:nvPr>
+            <p:ph idx="1" type="subTitle"/>
+          </p:nvPr>
+        </p:nvSpPr>
+        <p:spPr>
+          <a:xfrm>
+            <a:off x="0" y="2569475"/>
+            <a:ext cx="9144000" cy="2574000"/>
+          </a:xfrm>
+          <a:prstGeom prst="rect">
+            <a:avLst/>
+          </a:prstGeom>
+        </p:spPr>
+        <p:txBody>
+          <a:bodyPr anchorCtr="0" anchor="t" bIns="91425" lIns="91425" spcFirstLastPara="1" rIns="91425" wrap="square" tIns="274300">
+            <a:noAutofit/>
+          </a:bodyPr>
+          <a:lstStyle/>
+          <a:p>
+            <a:pPr indent="0" lvl="0" marL="0" rtl="0" algn="ctr">
+              <a:lnSpc>
+                <a:spcPct val="150000"/>
+              </a:lnSpc>
+              <a:spcBef>
+                <a:spcPts val="0"/>
+              </a:spcBef>
+              <a:spcAft>
+                <a:spcPts val="0"/>
+              </a:spcAft>
+              <a:buNone/>
+            </a:pPr>
+            <a:r>
+              <a:rPr lang="en" u="sng">
+                <a:solidFill>
+                  <a:schemeClr val="hlink"/>
+                </a:solidFill>
+                <a:hlinkClick r:id="rId3"/>
+              </a:rPr>
+              <a:t>dirk.riehle@fau.de</a:t>
+            </a:r>
+            <a:r>
+              <a:rPr lang="en"/>
+              <a:t> </a:t>
+            </a:r>
+            <a:r>
+              <a:rPr lang="en" sz="2400"/>
+              <a:t>–</a:t>
+            </a:r>
+            <a:r>
+              <a:rPr lang="en"/>
+              <a:t> </a:t>
+            </a:r>
+            <a:r>
+              <a:rPr lang="en" u="sng">
+                <a:solidFill>
+                  <a:schemeClr val="hlink"/>
+                </a:solidFill>
+                <a:hlinkClick r:id="rId4"/>
+              </a:rPr>
+              <a:t>https://oss.cs.fau.de</a:t>
+            </a:r>
+            <a:endParaRPr/>
+          </a:p>
+          <a:p>
+            <a:pPr indent="0" lvl="0" marL="0" rtl="0" algn="ctr">
+              <a:lnSpc>
+                <a:spcPct val="150000"/>
+              </a:lnSpc>
+              <a:spcBef>
+                <a:spcPts val="0"/>
+              </a:spcBef>
+              <a:spcAft>
+                <a:spcPts val="0"/>
+              </a:spcAft>
+              <a:buNone/>
+            </a:pPr>
+            <a:r>
+              <a:rPr lang="en" sz="2400" u="sng">
+                <a:solidFill>
+                  <a:schemeClr val="hlink"/>
+                </a:solidFill>
+                <a:hlinkClick r:id="rId5"/>
+              </a:rPr>
+              <a:t>dirk@riehle.org</a:t>
+            </a:r>
+            <a:r>
+              <a:rPr lang="en" sz="2400"/>
+              <a:t> – </a:t>
+            </a:r>
+            <a:r>
+              <a:rPr lang="en" sz="2400" u="sng">
+                <a:solidFill>
+                  <a:schemeClr val="hlink"/>
+                </a:solidFill>
+                <a:hlinkClick r:id="rId6"/>
+              </a:rPr>
+              <a:t>https://dirkriehle.com</a:t>
+            </a:r>
+            <a:r>
+              <a:rPr lang="en" sz="2400"/>
+              <a:t> – </a:t>
+            </a:r>
+            <a:r>
+              <a:rPr lang="en" sz="2400" u="sng">
+                <a:solidFill>
+                  <a:schemeClr val="hlink"/>
+                </a:solidFill>
+                <a:hlinkClick r:id="rId7"/>
+              </a:rPr>
+              <a:t>@dirkriehle</a:t>
+            </a:r>
+            <a:endParaRPr sz="2400"/>
+          </a:p>
+        </p:txBody>
+      </p:sp>
+    </p:spTree>
+  </p:cSld>
+  <p:clrMapOvr>
+    <a:masterClrMapping/>
+  </p:clrMapOvr>
+</p:sld>
+</file>
+
+<file path=ppt/slides/slide25.xml><?xml version="1.0" encoding="utf-8"?>
+<p:sld xmlns:a="http://schemas.openxmlformats.org/drawingml/2006/main" xmlns:r="http://schemas.openxmlformats.org/officeDocument/2006/relationships" xmlns:mc="http://schemas.openxmlformats.org/markup-compatibility/2006" xmlns:mv="urn:schemas-microsoft-com:mac:vml" xmlns:p="http://schemas.openxmlformats.org/presentationml/2006/main" xmlns:c="http://schemas.openxmlformats.org/drawingml/2006/chart" xmlns:dgm="http://schemas.openxmlformats.org/drawingml/2006/diagram" xmlns:o="urn:schemas-microsoft-com:office:office" xmlns:v="urn:schemas-microsoft-com:vml" xmlns:pvml="urn:schemas-microsoft-com:office:powerpoint" xmlns:com="http://schemas.openxmlformats.org/drawingml/2006/compatibility" xmlns:p14="http://schemas.microsoft.com/office/powerpoint/2010/main" xmlns:p15="http://schemas.microsoft.com/office/powerpoint/2012/main" xmlns:ahyp="http://schemas.microsoft.com/office/drawing/2018/hyperlinkcolor">
+  <p:cSld>
+    <p:spTree>
+      <p:nvGrpSpPr>
+        <p:cNvPr id="196" name="Shape 196"/>
+        <p:cNvGrpSpPr/>
+        <p:nvPr/>
+      </p:nvGrpSpPr>
+      <p:grpSpPr>
+        <a:xfrm>
+          <a:off x="0" y="0"/>
+          <a:ext cx="0" cy="0"/>
+          <a:chOff x="0" y="0"/>
+          <a:chExt cx="0" cy="0"/>
+        </a:xfrm>
+      </p:grpSpPr>
+      <p:sp>
+        <p:nvSpPr>
+          <p:cNvPr id="197" name="Google Shape;197;p32"/>
+          <p:cNvSpPr txBox="1"/>
+          <p:nvPr>
             <p:ph type="title"/>
           </p:nvPr>
         </p:nvSpPr>
@@ -10954,7 +11184,7 @@
             </a:pPr>
             <a:r>
               <a:rPr lang="en"/>
-              <a:t>Summary</a:t>
+              <a:t>Legal Notices</a:t>
             </a:r>
             <a:endParaRPr/>
           </a:p>
@@ -10962,7 +11192,72 @@
       </p:sp>
       <p:sp>
         <p:nvSpPr>
-          <p:cNvPr id="192" name="Google Shape;192;p31"/>
+          <p:cNvPr id="198" name="Google Shape;198;p32"/>
+          <p:cNvSpPr txBox="1"/>
+          <p:nvPr>
+            <p:ph idx="12" type="sldNum"/>
+          </p:nvPr>
+        </p:nvSpPr>
+        <p:spPr>
+          <a:xfrm>
+            <a:off x="7315202" y="4229100"/>
+            <a:ext cx="1828800" cy="914400"/>
+          </a:xfrm>
+          <a:prstGeom prst="rect">
+            <a:avLst/>
+          </a:prstGeom>
+        </p:spPr>
+        <p:txBody>
+          <a:bodyPr anchorCtr="0" anchor="b" bIns="91425" lIns="91425" spcFirstLastPara="1" rIns="91425" wrap="square" tIns="91425">
+            <a:noAutofit/>
+          </a:bodyPr>
+          <a:lstStyle/>
+          <a:p>
+            <a:pPr indent="0" lvl="0" marL="0" rtl="0" algn="r">
+              <a:spcBef>
+                <a:spcPts val="0"/>
+              </a:spcBef>
+              <a:spcAft>
+                <a:spcPts val="0"/>
+              </a:spcAft>
+              <a:buNone/>
+            </a:pPr>
+            <a:fld id="{00000000-1234-1234-1234-123412341234}" type="slidenum">
+              <a:rPr lang="en"/>
+              <a:t>‹#›</a:t>
+            </a:fld>
+            <a:endParaRPr/>
+          </a:p>
+          <a:p>
+            <a:pPr indent="0" lvl="0" marL="0" rtl="0" algn="r">
+              <a:spcBef>
+                <a:spcPts val="0"/>
+              </a:spcBef>
+              <a:spcAft>
+                <a:spcPts val="0"/>
+              </a:spcAft>
+              <a:buNone/>
+            </a:pPr>
+            <a:r>
+              <a:rPr b="0" lang="en" sz="900" u="sng">
+                <a:solidFill>
+                  <a:schemeClr val="hlink"/>
+                </a:solidFill>
+                <a:hlinkClick r:id="rId3"/>
+              </a:rPr>
+              <a:t>uni1.de/amos</a:t>
+            </a:r>
+            <a:r>
+              <a:rPr b="0" lang="en" sz="900"/>
+              <a:t> </a:t>
+            </a:r>
+            <a:endParaRPr b="0" sz="900"/>
+          </a:p>
+        </p:txBody>
+      </p:sp>
+      <p:sp>
+        <p:nvSpPr>
+          <p:cNvPr id="199" name="Google Shape;199;p32"/>
           <p:cNvSpPr txBox="1"/>
           <p:nvPr>
             <p:ph idx="1" type="body"/>
@@ -10983,379 +11278,35 @@
           </a:bodyPr>
           <a:lstStyle/>
           <a:p>
+            <a:pPr indent="0" lvl="0" marL="0" rtl="0" algn="l">
+              <a:spcBef>
+                <a:spcPts val="0"/>
+              </a:spcBef>
+              <a:spcAft>
+                <a:spcPts val="0"/>
+              </a:spcAft>
+              <a:buNone/>
+            </a:pPr>
+            <a:r>
+              <a:rPr lang="en"/>
+              <a:t>License</a:t>
+            </a:r>
+            <a:endParaRPr/>
+          </a:p>
+          <a:p>
             <a:pPr indent="-342900" lvl="0" marL="457200" rtl="0" algn="l">
               <a:spcBef>
-                <a:spcPts val="0"/>
+                <a:spcPts val="1200"/>
               </a:spcBef>
               <a:spcAft>
                 <a:spcPts val="0"/>
               </a:spcAft>
               <a:buSzPts val="1800"/>
-              <a:buAutoNum type="arabicPeriod"/>
+              <a:buChar char="●"/>
             </a:pPr>
             <a:r>
               <a:rPr lang="en"/>
-              <a:t>Demo day</a:t>
-            </a:r>
-            <a:endParaRPr/>
-          </a:p>
-          <a:p>
-            <a:pPr indent="-317500" lvl="1" marL="914400" rtl="0" algn="l">
-              <a:spcBef>
-                <a:spcPts val="0"/>
-              </a:spcBef>
-              <a:spcAft>
-                <a:spcPts val="0"/>
-              </a:spcAft>
-              <a:buSzPts val="1400"/>
-              <a:buAutoNum type="alphaLcPeriod"/>
-            </a:pPr>
-            <a:r>
-              <a:rPr lang="en"/>
-              <a:t>Demo day slide</a:t>
-            </a:r>
-            <a:endParaRPr/>
-          </a:p>
-          <a:p>
-            <a:pPr indent="-317500" lvl="1" marL="914400" rtl="0" algn="l">
-              <a:spcBef>
-                <a:spcPts val="0"/>
-              </a:spcBef>
-              <a:spcAft>
-                <a:spcPts val="0"/>
-              </a:spcAft>
-              <a:buSzPts val="1400"/>
-              <a:buAutoNum type="alphaLcPeriod"/>
-            </a:pPr>
-            <a:r>
-              <a:rPr lang="en"/>
-              <a:t>Demo day posters</a:t>
-            </a:r>
-            <a:endParaRPr/>
-          </a:p>
-          <a:p>
-            <a:pPr indent="-317500" lvl="1" marL="914400" rtl="0" algn="l">
-              <a:spcBef>
-                <a:spcPts val="0"/>
-              </a:spcBef>
-              <a:spcAft>
-                <a:spcPts val="0"/>
-              </a:spcAft>
-              <a:buSzPts val="1400"/>
-              <a:buAutoNum type="alphaLcPeriod"/>
-            </a:pPr>
-            <a:r>
-              <a:rPr lang="en"/>
-              <a:t>Demo day video</a:t>
-            </a:r>
-            <a:endParaRPr/>
-          </a:p>
-          <a:p>
-            <a:pPr indent="-342900" lvl="0" marL="457200" rtl="0" algn="l">
-              <a:spcBef>
-                <a:spcPts val="1000"/>
-              </a:spcBef>
-              <a:spcAft>
-                <a:spcPts val="0"/>
-              </a:spcAft>
-              <a:buSzPts val="1800"/>
-              <a:buAutoNum type="arabicPeriod"/>
-            </a:pPr>
-            <a:r>
-              <a:rPr lang="en"/>
-              <a:t>Final release</a:t>
-            </a:r>
-            <a:endParaRPr/>
-          </a:p>
-          <a:p>
-            <a:pPr indent="-317500" lvl="1" marL="914400" rtl="0" algn="l">
-              <a:spcBef>
-                <a:spcPts val="0"/>
-              </a:spcBef>
-              <a:spcAft>
-                <a:spcPts val="0"/>
-              </a:spcAft>
-              <a:buSzPts val="1400"/>
-              <a:buAutoNum type="alphaLcPeriod"/>
-            </a:pPr>
-            <a:r>
-              <a:rPr lang="en"/>
-              <a:t>Final documentation</a:t>
-            </a:r>
-            <a:endParaRPr/>
-          </a:p>
-          <a:p>
-            <a:pPr indent="-317500" lvl="1" marL="914400" rtl="0" algn="l">
-              <a:spcBef>
-                <a:spcPts val="0"/>
-              </a:spcBef>
-              <a:spcAft>
-                <a:spcPts val="0"/>
-              </a:spcAft>
-              <a:buSzPts val="1400"/>
-              <a:buAutoNum type="alphaLcPeriod"/>
-            </a:pPr>
-            <a:r>
-              <a:rPr lang="en"/>
-              <a:t>Final planning documents</a:t>
-            </a:r>
-            <a:endParaRPr/>
-          </a:p>
-          <a:p>
-            <a:pPr indent="-317500" lvl="1" marL="914400" rtl="0" algn="l">
-              <a:spcBef>
-                <a:spcPts val="0"/>
-              </a:spcBef>
-              <a:spcAft>
-                <a:spcPts val="0"/>
-              </a:spcAft>
-              <a:buSzPts val="1400"/>
-              <a:buAutoNum type="alphaLcPeriod"/>
-            </a:pPr>
-            <a:r>
-              <a:rPr lang="en"/>
-              <a:t>Final release tag</a:t>
-            </a:r>
-            <a:endParaRPr/>
-          </a:p>
-          <a:p>
-            <a:pPr indent="-342900" lvl="0" marL="457200" rtl="0" algn="l">
-              <a:spcBef>
-                <a:spcPts val="1000"/>
-              </a:spcBef>
-              <a:spcAft>
-                <a:spcPts val="0"/>
-              </a:spcAft>
-              <a:buSzPts val="1800"/>
-              <a:buAutoNum type="arabicPeriod"/>
-            </a:pPr>
-            <a:r>
-              <a:rPr lang="en"/>
-              <a:t>After-work</a:t>
-            </a:r>
-            <a:endParaRPr/>
-          </a:p>
-          <a:p>
-            <a:pPr indent="-317500" lvl="1" marL="914400" rtl="0" algn="l">
-              <a:spcBef>
-                <a:spcPts val="0"/>
-              </a:spcBef>
-              <a:spcAft>
-                <a:spcPts val="0"/>
-              </a:spcAft>
-              <a:buSzPts val="1400"/>
-              <a:buAutoNum type="alphaLcPeriod"/>
-            </a:pPr>
-            <a:r>
-              <a:rPr lang="en"/>
-              <a:t>Project report</a:t>
-            </a:r>
-            <a:endParaRPr/>
-          </a:p>
-          <a:p>
-            <a:pPr indent="-317500" lvl="1" marL="914400" rtl="0" algn="l">
-              <a:spcBef>
-                <a:spcPts val="0"/>
-              </a:spcBef>
-              <a:spcAft>
-                <a:spcPts val="0"/>
-              </a:spcAft>
-              <a:buSzPts val="1400"/>
-              <a:buAutoNum type="alphaLcPeriod"/>
-            </a:pPr>
-            <a:r>
-              <a:rPr lang="en"/>
-              <a:t>Project retrospective</a:t>
-            </a:r>
-            <a:endParaRPr/>
-          </a:p>
-        </p:txBody>
-      </p:sp>
-      <p:sp>
-        <p:nvSpPr>
-          <p:cNvPr id="193" name="Google Shape;193;p31"/>
-          <p:cNvSpPr txBox="1"/>
-          <p:nvPr>
-            <p:ph idx="12" type="sldNum"/>
-          </p:nvPr>
-        </p:nvSpPr>
-        <p:spPr>
-          <a:xfrm>
-            <a:off x="7315202" y="4229100"/>
-            <a:ext cx="1828800" cy="914400"/>
-          </a:xfrm>
-          <a:prstGeom prst="rect">
-            <a:avLst/>
-          </a:prstGeom>
-        </p:spPr>
-        <p:txBody>
-          <a:bodyPr anchorCtr="0" anchor="b" bIns="91425" lIns="91425" spcFirstLastPara="1" rIns="91425" wrap="square" tIns="91425">
-            <a:noAutofit/>
-          </a:bodyPr>
-          <a:lstStyle/>
-          <a:p>
-            <a:pPr indent="0" lvl="0" marL="0" rtl="0" algn="r">
-              <a:spcBef>
-                <a:spcPts val="0"/>
-              </a:spcBef>
-              <a:spcAft>
-                <a:spcPts val="0"/>
-              </a:spcAft>
-              <a:buNone/>
-            </a:pPr>
-            <a:fld id="{00000000-1234-1234-1234-123412341234}" type="slidenum">
-              <a:rPr lang="en"/>
-              <a:t>‹#›</a:t>
-            </a:fld>
-            <a:endParaRPr/>
-          </a:p>
-          <a:p>
-            <a:pPr indent="0" lvl="0" marL="0" rtl="0" algn="r">
-              <a:spcBef>
-                <a:spcPts val="0"/>
-              </a:spcBef>
-              <a:spcAft>
-                <a:spcPts val="0"/>
-              </a:spcAft>
-              <a:buNone/>
-            </a:pPr>
-            <a:r>
-              <a:rPr b="0" lang="en" sz="1000" u="sng">
-                <a:solidFill>
-                  <a:schemeClr val="hlink"/>
-                </a:solidFill>
-                <a:hlinkClick r:id="rId3"/>
-              </a:rPr>
-              <a:t>uni1.de/amos</a:t>
-            </a:r>
-            <a:r>
-              <a:rPr b="0" lang="en" sz="1000"/>
-              <a:t> </a:t>
-            </a:r>
-            <a:endParaRPr b="0" sz="1000"/>
-          </a:p>
-        </p:txBody>
-      </p:sp>
-    </p:spTree>
-  </p:cSld>
-  <p:clrMapOvr>
-    <a:masterClrMapping/>
-  </p:clrMapOvr>
-</p:sld>
-</file>
-
-<file path=ppt/slides/slide25.xml><?xml version="1.0" encoding="utf-8"?>
-<p:sld xmlns:a="http://schemas.openxmlformats.org/drawingml/2006/main" xmlns:r="http://schemas.openxmlformats.org/officeDocument/2006/relationships" xmlns:mc="http://schemas.openxmlformats.org/markup-compatibility/2006" xmlns:mv="urn:schemas-microsoft-com:mac:vml" xmlns:p="http://schemas.openxmlformats.org/presentationml/2006/main" xmlns:c="http://schemas.openxmlformats.org/drawingml/2006/chart" xmlns:dgm="http://schemas.openxmlformats.org/drawingml/2006/diagram" xmlns:o="urn:schemas-microsoft-com:office:office" xmlns:v="urn:schemas-microsoft-com:vml" xmlns:pvml="urn:schemas-microsoft-com:office:powerpoint" xmlns:com="http://schemas.openxmlformats.org/drawingml/2006/compatibility" xmlns:p14="http://schemas.microsoft.com/office/powerpoint/2010/main" xmlns:p15="http://schemas.microsoft.com/office/powerpoint/2012/main" xmlns:ahyp="http://schemas.microsoft.com/office/drawing/2018/hyperlinkcolor">
-  <p:cSld>
-    <p:spTree>
-      <p:nvGrpSpPr>
-        <p:cNvPr id="197" name="Shape 197"/>
-        <p:cNvGrpSpPr/>
-        <p:nvPr/>
-      </p:nvGrpSpPr>
-      <p:grpSpPr>
-        <a:xfrm>
-          <a:off x="0" y="0"/>
-          <a:ext cx="0" cy="0"/>
-          <a:chOff x="0" y="0"/>
-          <a:chExt cx="0" cy="0"/>
-        </a:xfrm>
-      </p:grpSpPr>
-      <p:sp>
-        <p:nvSpPr>
-          <p:cNvPr id="198" name="Google Shape;198;p32"/>
-          <p:cNvSpPr txBox="1"/>
-          <p:nvPr>
-            <p:ph type="ctrTitle"/>
-          </p:nvPr>
-        </p:nvSpPr>
-        <p:spPr>
-          <a:xfrm>
-            <a:off x="0" y="0"/>
-            <a:ext cx="9144000" cy="2388900"/>
-          </a:xfrm>
-          <a:prstGeom prst="rect">
-            <a:avLst/>
-          </a:prstGeom>
-        </p:spPr>
-        <p:txBody>
-          <a:bodyPr anchorCtr="0" anchor="b" bIns="274300" lIns="91425" spcFirstLastPara="1" rIns="91425" wrap="square" tIns="91425">
-            <a:noAutofit/>
-          </a:bodyPr>
-          <a:lstStyle/>
-          <a:p>
-            <a:pPr indent="0" lvl="0" marL="0" rtl="0" algn="ctr">
-              <a:spcBef>
-                <a:spcPts val="0"/>
-              </a:spcBef>
-              <a:spcAft>
-                <a:spcPts val="0"/>
-              </a:spcAft>
-              <a:buNone/>
-            </a:pPr>
-            <a:r>
-              <a:rPr lang="en"/>
-              <a:t>Thank you! Any questions?</a:t>
-            </a:r>
-            <a:endParaRPr/>
-          </a:p>
-        </p:txBody>
-      </p:sp>
-      <p:sp>
-        <p:nvSpPr>
-          <p:cNvPr id="199" name="Google Shape;199;p32"/>
-          <p:cNvSpPr txBox="1"/>
-          <p:nvPr>
-            <p:ph idx="1" type="subTitle"/>
-          </p:nvPr>
-        </p:nvSpPr>
-        <p:spPr>
-          <a:xfrm>
-            <a:off x="0" y="2569475"/>
-            <a:ext cx="9144000" cy="2574000"/>
-          </a:xfrm>
-          <a:prstGeom prst="rect">
-            <a:avLst/>
-          </a:prstGeom>
-        </p:spPr>
-        <p:txBody>
-          <a:bodyPr anchorCtr="0" anchor="t" bIns="91425" lIns="91425" spcFirstLastPara="1" rIns="91425" wrap="square" tIns="274300">
-            <a:noAutofit/>
-          </a:bodyPr>
-          <a:lstStyle/>
-          <a:p>
-            <a:pPr indent="0" lvl="0" marL="0" rtl="0" algn="ctr">
-              <a:lnSpc>
-                <a:spcPct val="150000"/>
-              </a:lnSpc>
-              <a:spcBef>
-                <a:spcPts val="0"/>
-              </a:spcBef>
-              <a:spcAft>
-                <a:spcPts val="0"/>
-              </a:spcAft>
-              <a:buNone/>
-            </a:pPr>
-            <a:r>
-              <a:rPr lang="en" u="sng">
-                <a:solidFill>
-                  <a:schemeClr val="hlink"/>
-                </a:solidFill>
-                <a:hlinkClick r:id="rId3"/>
-              </a:rPr>
-              <a:t>dirk.riehle@fau.de</a:t>
-            </a:r>
-            <a:r>
-              <a:rPr lang="en"/>
-              <a:t> </a:t>
-            </a:r>
-            <a:r>
-              <a:rPr lang="en" sz="2400"/>
-              <a:t>–</a:t>
-            </a:r>
-            <a:r>
-              <a:rPr lang="en"/>
-              <a:t> </a:t>
+              <a:t>Licensed under the </a:t>
             </a:r>
             <a:r>
               <a:rPr lang="en" u="sng">
@@ -11364,59 +11315,61 @@
                 </a:solidFill>
                 <a:hlinkClick r:id="rId4"/>
               </a:rPr>
-              <a:t>https://oss.cs.fau.de</a:t>
-            </a:r>
-            <a:endParaRPr/>
-          </a:p>
-          <a:p>
-            <a:pPr indent="0" lvl="0" marL="0" rtl="0" algn="ctr">
-              <a:lnSpc>
-                <a:spcPct val="150000"/>
-              </a:lnSpc>
-              <a:spcBef>
-                <a:spcPts val="0"/>
-              </a:spcBef>
-              <a:spcAft>
-                <a:spcPts val="0"/>
-              </a:spcAft>
-              <a:buNone/>
-            </a:pPr>
-            <a:r>
-              <a:rPr lang="en" sz="2400" u="sng">
-                <a:solidFill>
-                  <a:schemeClr val="hlink"/>
-                </a:solidFill>
-                <a:hlinkClick r:id="rId5"/>
-              </a:rPr>
-              <a:t>dirk@riehle.org</a:t>
-            </a:r>
-            <a:r>
-              <a:rPr lang="en" sz="2400"/>
-              <a:t> – </a:t>
-            </a:r>
-            <a:r>
-              <a:rPr lang="en" sz="2400" u="sng">
-                <a:solidFill>
-                  <a:schemeClr val="hlink"/>
-                </a:solidFill>
-                <a:hlinkClick r:id="rId6"/>
-              </a:rPr>
-              <a:t>https://dirkriehle.com</a:t>
-            </a:r>
-            <a:r>
-              <a:rPr lang="en" sz="2400"/>
-              <a:t> – </a:t>
-            </a:r>
-            <a:r>
-              <a:rPr lang="en" sz="2400" u="sng">
-                <a:solidFill>
-                  <a:schemeClr val="hlink"/>
-                </a:solidFill>
-                <a:hlinkClick r:id="rId7"/>
-              </a:rPr>
-              <a:t>@dirkriehle</a:t>
-            </a:r>
-            <a:endParaRPr sz="2400"/>
+              <a:t>CC BY 4.0 International</a:t>
+            </a:r>
+            <a:r>
+              <a:rPr lang="en"/>
+              <a:t> license</a:t>
+            </a:r>
+            <a:endParaRPr/>
+          </a:p>
+          <a:p>
+            <a:pPr indent="0" lvl="0" marL="0" rtl="0" algn="l">
+              <a:spcBef>
+                <a:spcPts val="1200"/>
+              </a:spcBef>
+              <a:spcAft>
+                <a:spcPts val="0"/>
+              </a:spcAft>
+              <a:buNone/>
+            </a:pPr>
+            <a:r>
+              <a:rPr lang="en"/>
+              <a:t>Copyright</a:t>
+            </a:r>
+            <a:endParaRPr/>
+          </a:p>
+          <a:p>
+            <a:pPr indent="-342900" lvl="0" marL="457200" rtl="0" algn="l">
+              <a:spcBef>
+                <a:spcPts val="1200"/>
+              </a:spcBef>
+              <a:spcAft>
+                <a:spcPts val="0"/>
+              </a:spcAft>
+              <a:buSzPts val="1800"/>
+              <a:buChar char="●"/>
+            </a:pPr>
+            <a:r>
+              <a:rPr lang="en"/>
+              <a:t>© Copyright 2009, 2024 Dirk Riehle, some rights reserved</a:t>
+            </a:r>
+            <a:endParaRPr/>
+          </a:p>
+          <a:p>
+            <a:pPr indent="0" lvl="0" marL="0" rtl="0" algn="l">
+              <a:spcBef>
+                <a:spcPts val="1200"/>
+              </a:spcBef>
+              <a:spcAft>
+                <a:spcPts val="1200"/>
+              </a:spcAft>
+              <a:buNone/>
+            </a:pPr>
+            <a:r>
+              <a:t/>
+            </a:r>
+            <a:endParaRPr/>
           </a:p>
         </p:txBody>
       </p:sp>
@@ -11455,6 +11408,71 @@
         </p:nvSpPr>
         <p:spPr>
           <a:xfrm>
+            <a:off x="0" y="-7"/>
+            <a:ext cx="9144000" cy="2386500"/>
+          </a:xfrm>
+          <a:prstGeom prst="rect">
+            <a:avLst/>
+          </a:prstGeom>
+        </p:spPr>
+        <p:txBody>
+          <a:bodyPr anchorCtr="0" anchor="b" bIns="274300" lIns="91425" spcFirstLastPara="1" rIns="91425" wrap="square" tIns="91425">
+            <a:noAutofit/>
+          </a:bodyPr>
+          <a:lstStyle/>
+          <a:p>
+            <a:pPr indent="0" lvl="0" marL="0" rtl="0" algn="ctr">
+              <a:spcBef>
+                <a:spcPts val="0"/>
+              </a:spcBef>
+              <a:spcAft>
+                <a:spcPts val="0"/>
+              </a:spcAft>
+              <a:buNone/>
+            </a:pPr>
+            <a:r>
+              <a:rPr lang="en"/>
+              <a:t>Archive</a:t>
+            </a:r>
+            <a:endParaRPr/>
+          </a:p>
+        </p:txBody>
+      </p:sp>
+    </p:spTree>
+  </p:cSld>
+  <p:clrMapOvr>
+    <a:masterClrMapping/>
+  </p:clrMapOvr>
+</p:sld>
+</file>
+
+<file path=ppt/slides/slide27.xml><?xml version="1.0" encoding="utf-8"?>
+<p:sld xmlns:a="http://schemas.openxmlformats.org/drawingml/2006/main" xmlns:r="http://schemas.openxmlformats.org/officeDocument/2006/relationships" xmlns:mc="http://schemas.openxmlformats.org/markup-compatibility/2006" xmlns:mv="urn:schemas-microsoft-com:mac:vml" xmlns:p="http://schemas.openxmlformats.org/presentationml/2006/main" xmlns:c="http://schemas.openxmlformats.org/drawingml/2006/chart" xmlns:dgm="http://schemas.openxmlformats.org/drawingml/2006/diagram" xmlns:o="urn:schemas-microsoft-com:office:office" xmlns:v="urn:schemas-microsoft-com:vml" xmlns:pvml="urn:schemas-microsoft-com:office:powerpoint" xmlns:com="http://schemas.openxmlformats.org/drawingml/2006/compatibility" xmlns:p14="http://schemas.microsoft.com/office/powerpoint/2010/main" xmlns:p15="http://schemas.microsoft.com/office/powerpoint/2012/main" xmlns:ahyp="http://schemas.microsoft.com/office/drawing/2018/hyperlinkcolor">
+  <p:cSld>
+    <p:spTree>
+      <p:nvGrpSpPr>
+        <p:cNvPr id="208" name="Shape 208"/>
+        <p:cNvGrpSpPr/>
+        <p:nvPr/>
+      </p:nvGrpSpPr>
+      <p:grpSpPr>
+        <a:xfrm>
+          <a:off x="0" y="0"/>
+          <a:ext cx="0" cy="0"/>
+          <a:chOff x="0" y="0"/>
+          <a:chExt cx="0" cy="0"/>
+        </a:xfrm>
+      </p:grpSpPr>
+      <p:sp>
+        <p:nvSpPr>
+          <p:cNvPr id="209" name="Google Shape;209;p34"/>
+          <p:cNvSpPr txBox="1"/>
+          <p:nvPr>
+            <p:ph type="title"/>
+          </p:nvPr>
+        </p:nvSpPr>
+        <p:spPr>
+          <a:xfrm>
             <a:off x="0" y="0"/>
             <a:ext cx="9144000" cy="685800"/>
           </a:xfrm>
@@ -11463,7 +11481,7 @@
           </a:prstGeom>
         </p:spPr>
         <p:txBody>
-          <a:bodyPr anchorCtr="0" anchor="ctr" bIns="91425" lIns="274300" spcFirstLastPara="1" rIns="91425" wrap="square" tIns="91425">
+          <a:bodyPr anchorCtr="0" anchor="ctr" bIns="0" lIns="274300" spcFirstLastPara="1" rIns="0" wrap="square" tIns="0">
             <a:noAutofit/>
           </a:bodyPr>
           <a:lstStyle/>
@@ -11479,7 +11497,7 @@
             </a:pPr>
             <a:r>
               <a:rPr lang="en"/>
-              <a:t>Legal Notices</a:t>
+              <a:t>Example Posters 1 / 2</a:t>
             </a:r>
             <a:endParaRPr/>
           </a:p>
@@ -11487,7 +11505,7 @@
       </p:sp>
       <p:sp>
         <p:nvSpPr>
-          <p:cNvPr id="205" name="Google Shape;205;p33"/>
+          <p:cNvPr id="210" name="Google Shape;210;p34"/>
           <p:cNvSpPr txBox="1"/>
           <p:nvPr>
             <p:ph idx="12" type="sldNum"/>
@@ -11534,319 +11552,6 @@
               <a:buNone/>
             </a:pPr>
             <a:r>
-              <a:rPr b="0" lang="en" sz="900" u="sng">
-                <a:solidFill>
-                  <a:schemeClr val="hlink"/>
-                </a:solidFill>
-                <a:hlinkClick r:id="rId3"/>
-              </a:rPr>
-              <a:t>uni1.de/amos</a:t>
-            </a:r>
-            <a:r>
-              <a:rPr b="0" lang="en" sz="900"/>
-              <a:t> </a:t>
-            </a:r>
-            <a:endParaRPr b="0" sz="900"/>
-          </a:p>
-        </p:txBody>
-      </p:sp>
-      <p:sp>
-        <p:nvSpPr>
-          <p:cNvPr id="206" name="Google Shape;206;p33"/>
-          <p:cNvSpPr txBox="1"/>
-          <p:nvPr>
-            <p:ph idx="1" type="body"/>
-          </p:nvPr>
-        </p:nvSpPr>
-        <p:spPr>
-          <a:xfrm>
-            <a:off x="274320" y="914400"/>
-            <a:ext cx="8595300" cy="4114800"/>
-          </a:xfrm>
-          <a:prstGeom prst="rect">
-            <a:avLst/>
-          </a:prstGeom>
-        </p:spPr>
-        <p:txBody>
-          <a:bodyPr anchorCtr="0" anchor="t" bIns="0" lIns="0" spcFirstLastPara="1" rIns="0" wrap="square" tIns="0">
-            <a:noAutofit/>
-          </a:bodyPr>
-          <a:lstStyle/>
-          <a:p>
-            <a:pPr indent="0" lvl="0" marL="0" rtl="0" algn="l">
-              <a:spcBef>
-                <a:spcPts val="0"/>
-              </a:spcBef>
-              <a:spcAft>
-                <a:spcPts val="0"/>
-              </a:spcAft>
-              <a:buNone/>
-            </a:pPr>
-            <a:r>
-              <a:rPr lang="en"/>
-              <a:t>License</a:t>
-            </a:r>
-            <a:endParaRPr/>
-          </a:p>
-          <a:p>
-            <a:pPr indent="-342900" lvl="0" marL="457200" rtl="0" algn="l">
-              <a:spcBef>
-                <a:spcPts val="1200"/>
-              </a:spcBef>
-              <a:spcAft>
-                <a:spcPts val="0"/>
-              </a:spcAft>
-              <a:buSzPts val="1800"/>
-              <a:buChar char="●"/>
-            </a:pPr>
-            <a:r>
-              <a:rPr lang="en"/>
-              <a:t>Licensed under the </a:t>
-            </a:r>
-            <a:r>
-              <a:rPr lang="en" u="sng">
-                <a:solidFill>
-                  <a:schemeClr val="hlink"/>
-                </a:solidFill>
-                <a:hlinkClick r:id="rId4"/>
-              </a:rPr>
-              <a:t>CC BY 4.0 International</a:t>
-            </a:r>
-            <a:r>
-              <a:rPr lang="en"/>
-              <a:t> license</a:t>
-            </a:r>
-            <a:endParaRPr/>
-          </a:p>
-          <a:p>
-            <a:pPr indent="0" lvl="0" marL="0" rtl="0" algn="l">
-              <a:spcBef>
-                <a:spcPts val="1200"/>
-              </a:spcBef>
-              <a:spcAft>
-                <a:spcPts val="0"/>
-              </a:spcAft>
-              <a:buNone/>
-            </a:pPr>
-            <a:r>
-              <a:rPr lang="en"/>
-              <a:t>Copyright</a:t>
-            </a:r>
-            <a:endParaRPr/>
-          </a:p>
-          <a:p>
-            <a:pPr indent="-342900" lvl="0" marL="457200" rtl="0" algn="l">
-              <a:spcBef>
-                <a:spcPts val="1200"/>
-              </a:spcBef>
-              <a:spcAft>
-                <a:spcPts val="0"/>
-              </a:spcAft>
-              <a:buSzPts val="1800"/>
-              <a:buChar char="●"/>
-            </a:pPr>
-            <a:r>
-              <a:rPr lang="en"/>
-              <a:t>© Copyright 2009, 2024 Dirk Riehle, some rights reserved</a:t>
-            </a:r>
-            <a:endParaRPr/>
-          </a:p>
-          <a:p>
-            <a:pPr indent="0" lvl="0" marL="0" rtl="0" algn="l">
-              <a:spcBef>
-                <a:spcPts val="1200"/>
-              </a:spcBef>
-              <a:spcAft>
-                <a:spcPts val="1200"/>
-              </a:spcAft>
-              <a:buNone/>
-            </a:pPr>
-            <a:r>
-              <a:t/>
-            </a:r>
-            <a:endParaRPr/>
-          </a:p>
-        </p:txBody>
-      </p:sp>
-    </p:spTree>
-  </p:cSld>
-  <p:clrMapOvr>
-    <a:masterClrMapping/>
-  </p:clrMapOvr>
-</p:sld>
-</file>
-
-<file path=ppt/slides/slide27.xml><?xml version="1.0" encoding="utf-8"?>
-<p:sld xmlns:a="http://schemas.openxmlformats.org/drawingml/2006/main" xmlns:r="http://schemas.openxmlformats.org/officeDocument/2006/relationships" xmlns:mc="http://schemas.openxmlformats.org/markup-compatibility/2006" xmlns:mv="urn:schemas-microsoft-com:mac:vml" xmlns:p="http://schemas.openxmlformats.org/presentationml/2006/main" xmlns:c="http://schemas.openxmlformats.org/drawingml/2006/chart" xmlns:dgm="http://schemas.openxmlformats.org/drawingml/2006/diagram" xmlns:o="urn:schemas-microsoft-com:office:office" xmlns:v="urn:schemas-microsoft-com:vml" xmlns:pvml="urn:schemas-microsoft-com:office:powerpoint" xmlns:com="http://schemas.openxmlformats.org/drawingml/2006/compatibility" xmlns:p14="http://schemas.microsoft.com/office/powerpoint/2010/main" xmlns:p15="http://schemas.microsoft.com/office/powerpoint/2012/main" xmlns:ahyp="http://schemas.microsoft.com/office/drawing/2018/hyperlinkcolor">
-  <p:cSld>
-    <p:spTree>
-      <p:nvGrpSpPr>
-        <p:cNvPr id="210" name="Shape 210"/>
-        <p:cNvGrpSpPr/>
-        <p:nvPr/>
-      </p:nvGrpSpPr>
-      <p:grpSpPr>
-        <a:xfrm>
-          <a:off x="0" y="0"/>
-          <a:ext cx="0" cy="0"/>
-          <a:chOff x="0" y="0"/>
-          <a:chExt cx="0" cy="0"/>
-        </a:xfrm>
-      </p:grpSpPr>
-      <p:sp>
-        <p:nvSpPr>
-          <p:cNvPr id="211" name="Google Shape;211;p34"/>
-          <p:cNvSpPr txBox="1"/>
-          <p:nvPr>
-            <p:ph type="title"/>
-          </p:nvPr>
-        </p:nvSpPr>
-        <p:spPr>
-          <a:xfrm>
-            <a:off x="0" y="-7"/>
-            <a:ext cx="9144000" cy="2386500"/>
-          </a:xfrm>
-          <a:prstGeom prst="rect">
-            <a:avLst/>
-          </a:prstGeom>
-        </p:spPr>
-        <p:txBody>
-          <a:bodyPr anchorCtr="0" anchor="b" bIns="274300" lIns="91425" spcFirstLastPara="1" rIns="91425" wrap="square" tIns="91425">
-            <a:noAutofit/>
-          </a:bodyPr>
-          <a:lstStyle/>
-          <a:p>
-            <a:pPr indent="0" lvl="0" marL="0" rtl="0" algn="ctr">
-              <a:spcBef>
-                <a:spcPts val="0"/>
-              </a:spcBef>
-              <a:spcAft>
-                <a:spcPts val="0"/>
-              </a:spcAft>
-              <a:buNone/>
-            </a:pPr>
-            <a:r>
-              <a:rPr lang="en"/>
-              <a:t>Archive</a:t>
-            </a:r>
-            <a:endParaRPr/>
-          </a:p>
-        </p:txBody>
-      </p:sp>
-    </p:spTree>
-  </p:cSld>
-  <p:clrMapOvr>
-    <a:masterClrMapping/>
-  </p:clrMapOvr>
-</p:sld>
-</file>
-
-<file path=ppt/slides/slide28.xml><?xml version="1.0" encoding="utf-8"?>
-<p:sld xmlns:a="http://schemas.openxmlformats.org/drawingml/2006/main" xmlns:r="http://schemas.openxmlformats.org/officeDocument/2006/relationships" xmlns:mc="http://schemas.openxmlformats.org/markup-compatibility/2006" xmlns:mv="urn:schemas-microsoft-com:mac:vml" xmlns:p="http://schemas.openxmlformats.org/presentationml/2006/main" xmlns:c="http://schemas.openxmlformats.org/drawingml/2006/chart" xmlns:dgm="http://schemas.openxmlformats.org/drawingml/2006/diagram" xmlns:o="urn:schemas-microsoft-com:office:office" xmlns:v="urn:schemas-microsoft-com:vml" xmlns:pvml="urn:schemas-microsoft-com:office:powerpoint" xmlns:com="http://schemas.openxmlformats.org/drawingml/2006/compatibility" xmlns:p14="http://schemas.microsoft.com/office/powerpoint/2010/main" xmlns:p15="http://schemas.microsoft.com/office/powerpoint/2012/main" xmlns:ahyp="http://schemas.microsoft.com/office/drawing/2018/hyperlinkcolor">
-  <p:cSld>
-    <p:spTree>
-      <p:nvGrpSpPr>
-        <p:cNvPr id="215" name="Shape 215"/>
-        <p:cNvGrpSpPr/>
-        <p:nvPr/>
-      </p:nvGrpSpPr>
-      <p:grpSpPr>
-        <a:xfrm>
-          <a:off x="0" y="0"/>
-          <a:ext cx="0" cy="0"/>
-          <a:chOff x="0" y="0"/>
-          <a:chExt cx="0" cy="0"/>
-        </a:xfrm>
-      </p:grpSpPr>
-      <p:sp>
-        <p:nvSpPr>
-          <p:cNvPr id="216" name="Google Shape;216;p35"/>
-          <p:cNvSpPr txBox="1"/>
-          <p:nvPr>
-            <p:ph type="title"/>
-          </p:nvPr>
-        </p:nvSpPr>
-        <p:spPr>
-          <a:xfrm>
-            <a:off x="0" y="0"/>
-            <a:ext cx="9144000" cy="685800"/>
-          </a:xfrm>
-          <a:prstGeom prst="rect">
-            <a:avLst/>
-          </a:prstGeom>
-        </p:spPr>
-        <p:txBody>
-          <a:bodyPr anchorCtr="0" anchor="ctr" bIns="0" lIns="274300" spcFirstLastPara="1" rIns="0" wrap="square" tIns="0">
-            <a:noAutofit/>
-          </a:bodyPr>
-          <a:lstStyle/>
-          <a:p>
-            <a:pPr indent="0" lvl="0" marL="0" rtl="0" algn="l">
-              <a:spcBef>
-                <a:spcPts val="0"/>
-              </a:spcBef>
-              <a:spcAft>
-                <a:spcPts val="0"/>
-              </a:spcAft>
-              <a:buNone/>
-            </a:pPr>
-            <a:r>
-              <a:rPr lang="en"/>
-              <a:t>Example Posters 1 / 2</a:t>
-            </a:r>
-            <a:endParaRPr/>
-          </a:p>
-        </p:txBody>
-      </p:sp>
-      <p:sp>
-        <p:nvSpPr>
-          <p:cNvPr id="217" name="Google Shape;217;p35"/>
-          <p:cNvSpPr txBox="1"/>
-          <p:nvPr>
-            <p:ph idx="12" type="sldNum"/>
-          </p:nvPr>
-        </p:nvSpPr>
-        <p:spPr>
-          <a:xfrm>
-            <a:off x="7315202" y="4229100"/>
-            <a:ext cx="1828800" cy="914400"/>
-          </a:xfrm>
-          <a:prstGeom prst="rect">
-            <a:avLst/>
-          </a:prstGeom>
-        </p:spPr>
-        <p:txBody>
-          <a:bodyPr anchorCtr="0" anchor="b" bIns="91425" lIns="91425" spcFirstLastPara="1" rIns="91425" wrap="square" tIns="91425">
-            <a:noAutofit/>
-          </a:bodyPr>
-          <a:lstStyle/>
-          <a:p>
-            <a:pPr indent="0" lvl="0" marL="0" rtl="0" algn="r">
-              <a:spcBef>
-                <a:spcPts val="0"/>
-              </a:spcBef>
-              <a:spcAft>
-                <a:spcPts val="0"/>
-              </a:spcAft>
-              <a:buNone/>
-            </a:pPr>
-            <a:fld id="{00000000-1234-1234-1234-123412341234}" type="slidenum">
-              <a:rPr lang="en"/>
-              <a:t>‹#›</a:t>
-            </a:fld>
-            <a:endParaRPr/>
-          </a:p>
-          <a:p>
-            <a:pPr indent="0" lvl="0" marL="0" rtl="0" algn="r">
-              <a:spcBef>
-                <a:spcPts val="0"/>
-              </a:spcBef>
-              <a:spcAft>
-                <a:spcPts val="0"/>
-              </a:spcAft>
-              <a:buNone/>
-            </a:pPr>
-            <a:r>
               <a:rPr b="0" lang="en" sz="1000" u="sng">
                 <a:solidFill>
                   <a:schemeClr val="hlink"/>
@@ -11865,7 +11570,7 @@
       </p:sp>
       <p:pic>
         <p:nvPicPr>
-          <p:cNvPr id="218" name="Google Shape;218;p35"/>
+          <p:cNvPr id="211" name="Google Shape;211;p34"/>
           <p:cNvPicPr preferRelativeResize="0"/>
           <p:nvPr/>
         </p:nvPicPr>
@@ -11899,7 +11604,7 @@
       </p:pic>
       <p:pic>
         <p:nvPicPr>
-          <p:cNvPr id="219" name="Google Shape;219;p35"/>
+          <p:cNvPr id="212" name="Google Shape;212;p34"/>
           <p:cNvPicPr preferRelativeResize="0"/>
           <p:nvPr/>
         </p:nvPicPr>
@@ -11939,12 +11644,12 @@
 </p:sld>
 </file>
 
-<file path=ppt/slides/slide29.xml><?xml version="1.0" encoding="utf-8"?>
+<file path=ppt/slides/slide28.xml><?xml version="1.0" encoding="utf-8"?>
 <p:sld xmlns:a="http://schemas.openxmlformats.org/drawingml/2006/main" xmlns:r="http://schemas.openxmlformats.org/officeDocument/2006/relationships" xmlns:mc="http://schemas.openxmlformats.org/markup-compatibility/2006" xmlns:mv="urn:schemas-microsoft-com:mac:vml" xmlns:p="http://schemas.openxmlformats.org/presentationml/2006/main" xmlns:c="http://schemas.openxmlformats.org/drawingml/2006/chart" xmlns:dgm="http://schemas.openxmlformats.org/drawingml/2006/diagram" xmlns:o="urn:schemas-microsoft-com:office:office" xmlns:v="urn:schemas-microsoft-com:vml" xmlns:pvml="urn:schemas-microsoft-com:office:powerpoint" xmlns:com="http://schemas.openxmlformats.org/drawingml/2006/compatibility" xmlns:p14="http://schemas.microsoft.com/office/powerpoint/2010/main" xmlns:p15="http://schemas.microsoft.com/office/powerpoint/2012/main" xmlns:ahyp="http://schemas.microsoft.com/office/drawing/2018/hyperlinkcolor">
   <p:cSld>
     <p:spTree>
       <p:nvGrpSpPr>
-        <p:cNvPr id="223" name="Shape 223"/>
+        <p:cNvPr id="216" name="Shape 216"/>
         <p:cNvGrpSpPr/>
         <p:nvPr/>
       </p:nvGrpSpPr>
@@ -11958,7 +11663,7 @@
       </p:grpSpPr>
       <p:sp>
         <p:nvSpPr>
-          <p:cNvPr id="224" name="Google Shape;224;p36"/>
+          <p:cNvPr id="217" name="Google Shape;217;p35"/>
           <p:cNvSpPr txBox="1"/>
           <p:nvPr>
             <p:ph type="title"/>
@@ -11998,7 +11703,7 @@
       </p:sp>
       <p:sp>
         <p:nvSpPr>
-          <p:cNvPr id="225" name="Google Shape;225;p36"/>
+          <p:cNvPr id="218" name="Google Shape;218;p35"/>
           <p:cNvSpPr txBox="1"/>
           <p:nvPr>
             <p:ph idx="12" type="sldNum"/>
@@ -12063,7 +11768,7 @@
       </p:sp>
       <p:pic>
         <p:nvPicPr>
-          <p:cNvPr id="226" name="Google Shape;226;p36"/>
+          <p:cNvPr id="219" name="Google Shape;219;p35"/>
           <p:cNvPicPr preferRelativeResize="0"/>
           <p:nvPr/>
         </p:nvPicPr>
@@ -12097,7 +11802,7 @@
       </p:pic>
       <p:pic>
         <p:nvPicPr>
-          <p:cNvPr id="227" name="Google Shape;227;p36"/>
+          <p:cNvPr id="220" name="Google Shape;220;p35"/>
           <p:cNvPicPr preferRelativeResize="0"/>
           <p:nvPr/>
         </p:nvPicPr>
@@ -13138,7 +12843,7 @@
             <a:tbl>
               <a:tblPr>
                 <a:noFill/>
-                <a:tableStyleId>{E154E147-D15F-4A21-9BE4-17976368614E}</a:tableStyleId>
+                <a:tableStyleId>{7E1864B7-A1FB-40BB-A062-C446630D6914}</a:tableStyleId>
               </a:tblPr>
               <a:tblGrid>
                 <a:gridCol w="1432550"/>
@@ -15169,641 +14874,11 @@
                       </a:pPr>
                       <a:r>
                         <a:rPr lang="en"/>
-                        <a:t>20 min</a:t>
+                        <a:t>5</a:t>
                       </a:r>
-                      <a:endParaRPr/>
-                    </a:p>
-                  </a:txBody>
-                  <a:tcPr marT="91425" marB="91425" marR="91425" marL="91425" anchor="ctr">
-                    <a:lnL cap="flat" cmpd="sng" w="38100">
-                      <a:solidFill>
-                        <a:schemeClr val="lt1"/>
-                      </a:solidFill>
-                      <a:prstDash val="solid"/>
-                      <a:round/>
-                      <a:headEnd len="sm" w="sm" type="none"/>
-                      <a:tailEnd len="sm" w="sm" type="none"/>
-                    </a:lnL>
-                    <a:lnR cap="flat" cmpd="sng" w="38100">
-                      <a:solidFill>
-                        <a:schemeClr val="lt1"/>
-                      </a:solidFill>
-                      <a:prstDash val="solid"/>
-                      <a:round/>
-                      <a:headEnd len="sm" w="sm" type="none"/>
-                      <a:tailEnd len="sm" w="sm" type="none"/>
-                    </a:lnR>
-                    <a:lnT cap="flat" cmpd="sng" w="38100">
-                      <a:solidFill>
-                        <a:schemeClr val="lt1"/>
-                      </a:solidFill>
-                      <a:prstDash val="solid"/>
-                      <a:round/>
-                      <a:headEnd len="sm" w="sm" type="none"/>
-                      <a:tailEnd len="sm" w="sm" type="none"/>
-                    </a:lnT>
-                    <a:lnB cap="flat" cmpd="sng" w="38100">
-                      <a:solidFill>
-                        <a:schemeClr val="lt1"/>
-                      </a:solidFill>
-                      <a:prstDash val="solid"/>
-                      <a:round/>
-                      <a:headEnd len="sm" w="sm" type="none"/>
-                      <a:tailEnd len="sm" w="sm" type="none"/>
-                    </a:lnB>
-                    <a:solidFill>
-                      <a:schemeClr val="accent1"/>
-                    </a:solidFill>
-                  </a:tcPr>
-                </a:tc>
-                <a:tc>
-                  <a:txBody>
-                    <a:bodyPr/>
-                    <a:lstStyle/>
-                    <a:p>
-                      <a:pPr indent="0" lvl="0" marL="0" rtl="0" algn="l">
-                        <a:spcBef>
-                          <a:spcPts val="0"/>
-                        </a:spcBef>
-                        <a:spcAft>
-                          <a:spcPts val="0"/>
-                        </a:spcAft>
-                        <a:buNone/>
-                      </a:pPr>
                       <a:r>
                         <a:rPr lang="en"/>
-                        <a:t>Teams</a:t>
-                      </a:r>
-                      <a:endParaRPr/>
-                    </a:p>
-                  </a:txBody>
-                  <a:tcPr marT="91425" marB="91425" marR="91425" marL="91425" anchor="ctr">
-                    <a:lnL cap="flat" cmpd="sng" w="38100">
-                      <a:solidFill>
-                        <a:schemeClr val="lt1"/>
-                      </a:solidFill>
-                      <a:prstDash val="solid"/>
-                      <a:round/>
-                      <a:headEnd len="sm" w="sm" type="none"/>
-                      <a:tailEnd len="sm" w="sm" type="none"/>
-                    </a:lnL>
-                    <a:lnR cap="flat" cmpd="sng" w="38100">
-                      <a:solidFill>
-                        <a:schemeClr val="lt1"/>
-                      </a:solidFill>
-                      <a:prstDash val="solid"/>
-                      <a:round/>
-                      <a:headEnd len="sm" w="sm" type="none"/>
-                      <a:tailEnd len="sm" w="sm" type="none"/>
-                    </a:lnR>
-                    <a:lnT cap="flat" cmpd="sng" w="38100">
-                      <a:solidFill>
-                        <a:schemeClr val="lt1"/>
-                      </a:solidFill>
-                      <a:prstDash val="solid"/>
-                      <a:round/>
-                      <a:headEnd len="sm" w="sm" type="none"/>
-                      <a:tailEnd len="sm" w="sm" type="none"/>
-                    </a:lnT>
-                    <a:lnB cap="flat" cmpd="sng" w="38100">
-                      <a:solidFill>
-                        <a:schemeClr val="lt1"/>
-                      </a:solidFill>
-                      <a:prstDash val="solid"/>
-                      <a:round/>
-                      <a:headEnd len="sm" w="sm" type="none"/>
-                      <a:tailEnd len="sm" w="sm" type="none"/>
-                    </a:lnB>
-                    <a:solidFill>
-                      <a:schemeClr val="accent1"/>
-                    </a:solidFill>
-                  </a:tcPr>
-                </a:tc>
-                <a:tc>
-                  <a:txBody>
-                    <a:bodyPr/>
-                    <a:lstStyle/>
-                    <a:p>
-                      <a:pPr indent="0" lvl="0" marL="0" rtl="0" algn="l">
-                        <a:spcBef>
-                          <a:spcPts val="0"/>
-                        </a:spcBef>
-                        <a:spcAft>
-                          <a:spcPts val="0"/>
-                        </a:spcAft>
-                        <a:buNone/>
-                      </a:pPr>
-                      <a:r>
-                        <a:rPr lang="en"/>
-                        <a:t>Demo</a:t>
-                      </a:r>
-                      <a:endParaRPr/>
-                    </a:p>
-                  </a:txBody>
-                  <a:tcPr marT="91425" marB="91425" marR="91425" marL="91425" anchor="ctr">
-                    <a:lnL cap="flat" cmpd="sng" w="38100">
-                      <a:solidFill>
-                        <a:schemeClr val="lt1"/>
-                      </a:solidFill>
-                      <a:prstDash val="solid"/>
-                      <a:round/>
-                      <a:headEnd len="sm" w="sm" type="none"/>
-                      <a:tailEnd len="sm" w="sm" type="none"/>
-                    </a:lnL>
-                    <a:lnR cap="flat" cmpd="sng" w="38100">
-                      <a:solidFill>
-                        <a:schemeClr val="lt1"/>
-                      </a:solidFill>
-                      <a:prstDash val="solid"/>
-                      <a:round/>
-                      <a:headEnd len="sm" w="sm" type="none"/>
-                      <a:tailEnd len="sm" w="sm" type="none"/>
-                    </a:lnR>
-                    <a:lnT cap="flat" cmpd="sng" w="38100">
-                      <a:solidFill>
-                        <a:schemeClr val="lt1"/>
-                      </a:solidFill>
-                      <a:prstDash val="solid"/>
-                      <a:round/>
-                      <a:headEnd len="sm" w="sm" type="none"/>
-                      <a:tailEnd len="sm" w="sm" type="none"/>
-                    </a:lnT>
-                    <a:lnB cap="flat" cmpd="sng" w="38100">
-                      <a:solidFill>
-                        <a:schemeClr val="lt1"/>
-                      </a:solidFill>
-                      <a:prstDash val="solid"/>
-                      <a:round/>
-                      <a:headEnd len="sm" w="sm" type="none"/>
-                      <a:tailEnd len="sm" w="sm" type="none"/>
-                    </a:lnB>
-                    <a:solidFill>
-                      <a:schemeClr val="accent1"/>
-                    </a:solidFill>
-                  </a:tcPr>
-                </a:tc>
-                <a:tc>
-                  <a:txBody>
-                    <a:bodyPr/>
-                    <a:lstStyle/>
-                    <a:p>
-                      <a:pPr indent="0" lvl="0" marL="0" rtl="0" algn="l">
-                        <a:spcBef>
-                          <a:spcPts val="0"/>
-                        </a:spcBef>
-                        <a:spcAft>
-                          <a:spcPts val="0"/>
-                        </a:spcAft>
-                        <a:buNone/>
-                      </a:pPr>
-                      <a:r>
-                        <a:rPr lang="en"/>
-                        <a:t>Demo rooms</a:t>
-                      </a:r>
-                      <a:endParaRPr/>
-                    </a:p>
-                  </a:txBody>
-                  <a:tcPr marT="91425" marB="91425" marR="91425" marL="91425" anchor="ctr">
-                    <a:lnL cap="flat" cmpd="sng" w="38100">
-                      <a:solidFill>
-                        <a:schemeClr val="lt1"/>
-                      </a:solidFill>
-                      <a:prstDash val="solid"/>
-                      <a:round/>
-                      <a:headEnd len="sm" w="sm" type="none"/>
-                      <a:tailEnd len="sm" w="sm" type="none"/>
-                    </a:lnL>
-                    <a:lnR cap="flat" cmpd="sng" w="38100">
-                      <a:solidFill>
-                        <a:schemeClr val="lt1"/>
-                      </a:solidFill>
-                      <a:prstDash val="solid"/>
-                      <a:round/>
-                      <a:headEnd len="sm" w="sm" type="none"/>
-                      <a:tailEnd len="sm" w="sm" type="none"/>
-                    </a:lnR>
-                    <a:lnT cap="flat" cmpd="sng" w="38100">
-                      <a:solidFill>
-                        <a:schemeClr val="lt1"/>
-                      </a:solidFill>
-                      <a:prstDash val="solid"/>
-                      <a:round/>
-                      <a:headEnd len="sm" w="sm" type="none"/>
-                      <a:tailEnd len="sm" w="sm" type="none"/>
-                    </a:lnT>
-                    <a:lnB cap="flat" cmpd="sng" w="38100">
-                      <a:solidFill>
-                        <a:schemeClr val="lt1"/>
-                      </a:solidFill>
-                      <a:prstDash val="solid"/>
-                      <a:round/>
-                      <a:headEnd len="sm" w="sm" type="none"/>
-                      <a:tailEnd len="sm" w="sm" type="none"/>
-                    </a:lnB>
-                    <a:solidFill>
-                      <a:schemeClr val="accent1"/>
-                    </a:solidFill>
-                  </a:tcPr>
-                </a:tc>
-              </a:tr>
-              <a:tr h="457200">
-                <a:tc>
-                  <a:txBody>
-                    <a:bodyPr/>
-                    <a:lstStyle/>
-                    <a:p>
-                      <a:pPr indent="0" lvl="0" marL="0" rtl="0" algn="l">
-                        <a:spcBef>
-                          <a:spcPts val="0"/>
-                        </a:spcBef>
-                        <a:spcAft>
-                          <a:spcPts val="0"/>
-                        </a:spcAft>
-                        <a:buNone/>
-                      </a:pPr>
-                      <a:r>
-                        <a:rPr lang="en"/>
-                        <a:t>11:55</a:t>
-                      </a:r>
-                      <a:endParaRPr/>
-                    </a:p>
-                  </a:txBody>
-                  <a:tcPr marT="91425" marB="91425" marR="91425" marL="91425" anchor="ctr">
-                    <a:lnL cap="flat" cmpd="sng" w="38100">
-                      <a:solidFill>
-                        <a:schemeClr val="lt1"/>
-                      </a:solidFill>
-                      <a:prstDash val="solid"/>
-                      <a:round/>
-                      <a:headEnd len="sm" w="sm" type="none"/>
-                      <a:tailEnd len="sm" w="sm" type="none"/>
-                    </a:lnL>
-                    <a:lnR cap="flat" cmpd="sng" w="38100">
-                      <a:solidFill>
-                        <a:schemeClr val="lt1"/>
-                      </a:solidFill>
-                      <a:prstDash val="solid"/>
-                      <a:round/>
-                      <a:headEnd len="sm" w="sm" type="none"/>
-                      <a:tailEnd len="sm" w="sm" type="none"/>
-                    </a:lnR>
-                    <a:lnT cap="flat" cmpd="sng" w="38100">
-                      <a:solidFill>
-                        <a:schemeClr val="lt1"/>
-                      </a:solidFill>
-                      <a:prstDash val="solid"/>
-                      <a:round/>
-                      <a:headEnd len="sm" w="sm" type="none"/>
-                      <a:tailEnd len="sm" w="sm" type="none"/>
-                    </a:lnT>
-                    <a:lnB cap="flat" cmpd="sng" w="38100">
-                      <a:solidFill>
-                        <a:schemeClr val="lt1"/>
-                      </a:solidFill>
-                      <a:prstDash val="solid"/>
-                      <a:round/>
-                      <a:headEnd len="sm" w="sm" type="none"/>
-                      <a:tailEnd len="sm" w="sm" type="none"/>
-                    </a:lnB>
-                    <a:solidFill>
-                      <a:schemeClr val="lt1"/>
-                    </a:solidFill>
-                  </a:tcPr>
-                </a:tc>
-                <a:tc>
-                  <a:txBody>
-                    <a:bodyPr/>
-                    <a:lstStyle/>
-                    <a:p>
-                      <a:pPr indent="0" lvl="0" marL="0" rtl="0" algn="l">
-                        <a:spcBef>
-                          <a:spcPts val="0"/>
-                        </a:spcBef>
-                        <a:spcAft>
-                          <a:spcPts val="0"/>
-                        </a:spcAft>
-                        <a:buNone/>
-                      </a:pPr>
-                      <a:r>
-                        <a:rPr lang="en"/>
-                        <a:t>20 min</a:t>
-                      </a:r>
-                      <a:endParaRPr/>
-                    </a:p>
-                  </a:txBody>
-                  <a:tcPr marT="91425" marB="91425" marR="91425" marL="91425" anchor="ctr">
-                    <a:lnL cap="flat" cmpd="sng" w="38100">
-                      <a:solidFill>
-                        <a:schemeClr val="lt1"/>
-                      </a:solidFill>
-                      <a:prstDash val="solid"/>
-                      <a:round/>
-                      <a:headEnd len="sm" w="sm" type="none"/>
-                      <a:tailEnd len="sm" w="sm" type="none"/>
-                    </a:lnL>
-                    <a:lnR cap="flat" cmpd="sng" w="38100">
-                      <a:solidFill>
-                        <a:schemeClr val="lt1"/>
-                      </a:solidFill>
-                      <a:prstDash val="solid"/>
-                      <a:round/>
-                      <a:headEnd len="sm" w="sm" type="none"/>
-                      <a:tailEnd len="sm" w="sm" type="none"/>
-                    </a:lnR>
-                    <a:lnT cap="flat" cmpd="sng" w="38100">
-                      <a:solidFill>
-                        <a:schemeClr val="lt1"/>
-                      </a:solidFill>
-                      <a:prstDash val="solid"/>
-                      <a:round/>
-                      <a:headEnd len="sm" w="sm" type="none"/>
-                      <a:tailEnd len="sm" w="sm" type="none"/>
-                    </a:lnT>
-                    <a:lnB cap="flat" cmpd="sng" w="38100">
-                      <a:solidFill>
-                        <a:schemeClr val="lt1"/>
-                      </a:solidFill>
-                      <a:prstDash val="solid"/>
-                      <a:round/>
-                      <a:headEnd len="sm" w="sm" type="none"/>
-                      <a:tailEnd len="sm" w="sm" type="none"/>
-                    </a:lnB>
-                    <a:solidFill>
-                      <a:schemeClr val="lt1"/>
-                    </a:solidFill>
-                  </a:tcPr>
-                </a:tc>
-                <a:tc>
-                  <a:txBody>
-                    <a:bodyPr/>
-                    <a:lstStyle/>
-                    <a:p>
-                      <a:pPr indent="0" lvl="0" marL="0" rtl="0" algn="l">
-                        <a:spcBef>
-                          <a:spcPts val="0"/>
-                        </a:spcBef>
-                        <a:spcAft>
-                          <a:spcPts val="0"/>
-                        </a:spcAft>
-                        <a:buNone/>
-                      </a:pPr>
-                      <a:r>
-                        <a:rPr lang="en"/>
-                        <a:t>Teams</a:t>
-                      </a:r>
-                      <a:endParaRPr/>
-                    </a:p>
-                  </a:txBody>
-                  <a:tcPr marT="91425" marB="91425" marR="91425" marL="91425" anchor="ctr">
-                    <a:lnL cap="flat" cmpd="sng" w="38100">
-                      <a:solidFill>
-                        <a:schemeClr val="lt1"/>
-                      </a:solidFill>
-                      <a:prstDash val="solid"/>
-                      <a:round/>
-                      <a:headEnd len="sm" w="sm" type="none"/>
-                      <a:tailEnd len="sm" w="sm" type="none"/>
-                    </a:lnL>
-                    <a:lnR cap="flat" cmpd="sng" w="38100">
-                      <a:solidFill>
-                        <a:schemeClr val="lt1"/>
-                      </a:solidFill>
-                      <a:prstDash val="solid"/>
-                      <a:round/>
-                      <a:headEnd len="sm" w="sm" type="none"/>
-                      <a:tailEnd len="sm" w="sm" type="none"/>
-                    </a:lnR>
-                    <a:lnT cap="flat" cmpd="sng" w="38100">
-                      <a:solidFill>
-                        <a:schemeClr val="lt1"/>
-                      </a:solidFill>
-                      <a:prstDash val="solid"/>
-                      <a:round/>
-                      <a:headEnd len="sm" w="sm" type="none"/>
-                      <a:tailEnd len="sm" w="sm" type="none"/>
-                    </a:lnT>
-                    <a:lnB cap="flat" cmpd="sng" w="38100">
-                      <a:solidFill>
-                        <a:schemeClr val="lt1"/>
-                      </a:solidFill>
-                      <a:prstDash val="solid"/>
-                      <a:round/>
-                      <a:headEnd len="sm" w="sm" type="none"/>
-                      <a:tailEnd len="sm" w="sm" type="none"/>
-                    </a:lnB>
-                    <a:solidFill>
-                      <a:schemeClr val="lt1"/>
-                    </a:solidFill>
-                  </a:tcPr>
-                </a:tc>
-                <a:tc>
-                  <a:txBody>
-                    <a:bodyPr/>
-                    <a:lstStyle/>
-                    <a:p>
-                      <a:pPr indent="0" lvl="0" marL="0" rtl="0" algn="l">
-                        <a:spcBef>
-                          <a:spcPts val="0"/>
-                        </a:spcBef>
-                        <a:spcAft>
-                          <a:spcPts val="0"/>
-                        </a:spcAft>
-                        <a:buNone/>
-                      </a:pPr>
-                      <a:r>
-                        <a:rPr lang="en"/>
-                        <a:t>Demo</a:t>
-                      </a:r>
-                      <a:endParaRPr/>
-                    </a:p>
-                  </a:txBody>
-                  <a:tcPr marT="91425" marB="91425" marR="91425" marL="91425" anchor="ctr">
-                    <a:lnL cap="flat" cmpd="sng" w="38100">
-                      <a:solidFill>
-                        <a:schemeClr val="lt1"/>
-                      </a:solidFill>
-                      <a:prstDash val="solid"/>
-                      <a:round/>
-                      <a:headEnd len="sm" w="sm" type="none"/>
-                      <a:tailEnd len="sm" w="sm" type="none"/>
-                    </a:lnL>
-                    <a:lnR cap="flat" cmpd="sng" w="38100">
-                      <a:solidFill>
-                        <a:schemeClr val="lt1"/>
-                      </a:solidFill>
-                      <a:prstDash val="solid"/>
-                      <a:round/>
-                      <a:headEnd len="sm" w="sm" type="none"/>
-                      <a:tailEnd len="sm" w="sm" type="none"/>
-                    </a:lnR>
-                    <a:lnT cap="flat" cmpd="sng" w="38100">
-                      <a:solidFill>
-                        <a:schemeClr val="lt1"/>
-                      </a:solidFill>
-                      <a:prstDash val="solid"/>
-                      <a:round/>
-                      <a:headEnd len="sm" w="sm" type="none"/>
-                      <a:tailEnd len="sm" w="sm" type="none"/>
-                    </a:lnT>
-                    <a:lnB cap="flat" cmpd="sng" w="38100">
-                      <a:solidFill>
-                        <a:schemeClr val="lt1"/>
-                      </a:solidFill>
-                      <a:prstDash val="solid"/>
-                      <a:round/>
-                      <a:headEnd len="sm" w="sm" type="none"/>
-                      <a:tailEnd len="sm" w="sm" type="none"/>
-                    </a:lnB>
-                    <a:solidFill>
-                      <a:schemeClr val="lt1"/>
-                    </a:solidFill>
-                  </a:tcPr>
-                </a:tc>
-                <a:tc>
-                  <a:txBody>
-                    <a:bodyPr/>
-                    <a:lstStyle/>
-                    <a:p>
-                      <a:pPr indent="0" lvl="0" marL="0" rtl="0" algn="l">
-                        <a:spcBef>
-                          <a:spcPts val="0"/>
-                        </a:spcBef>
-                        <a:spcAft>
-                          <a:spcPts val="0"/>
-                        </a:spcAft>
-                        <a:buNone/>
-                      </a:pPr>
-                      <a:r>
-                        <a:rPr lang="en"/>
-                        <a:t>Demo rooms</a:t>
-                      </a:r>
-                      <a:endParaRPr/>
-                    </a:p>
-                  </a:txBody>
-                  <a:tcPr marT="91425" marB="91425" marR="91425" marL="91425" anchor="ctr">
-                    <a:lnL cap="flat" cmpd="sng" w="38100">
-                      <a:solidFill>
-                        <a:schemeClr val="lt1"/>
-                      </a:solidFill>
-                      <a:prstDash val="solid"/>
-                      <a:round/>
-                      <a:headEnd len="sm" w="sm" type="none"/>
-                      <a:tailEnd len="sm" w="sm" type="none"/>
-                    </a:lnL>
-                    <a:lnR cap="flat" cmpd="sng" w="38100">
-                      <a:solidFill>
-                        <a:schemeClr val="lt1"/>
-                      </a:solidFill>
-                      <a:prstDash val="solid"/>
-                      <a:round/>
-                      <a:headEnd len="sm" w="sm" type="none"/>
-                      <a:tailEnd len="sm" w="sm" type="none"/>
-                    </a:lnR>
-                    <a:lnT cap="flat" cmpd="sng" w="38100">
-                      <a:solidFill>
-                        <a:schemeClr val="lt1"/>
-                      </a:solidFill>
-                      <a:prstDash val="solid"/>
-                      <a:round/>
-                      <a:headEnd len="sm" w="sm" type="none"/>
-                      <a:tailEnd len="sm" w="sm" type="none"/>
-                    </a:lnT>
-                    <a:lnB cap="flat" cmpd="sng" w="38100">
-                      <a:solidFill>
-                        <a:schemeClr val="lt1"/>
-                      </a:solidFill>
-                      <a:prstDash val="solid"/>
-                      <a:round/>
-                      <a:headEnd len="sm" w="sm" type="none"/>
-                      <a:tailEnd len="sm" w="sm" type="none"/>
-                    </a:lnB>
-                    <a:solidFill>
-                      <a:schemeClr val="lt1"/>
-                    </a:solidFill>
-                  </a:tcPr>
-                </a:tc>
-              </a:tr>
-              <a:tr h="457200">
-                <a:tc>
-                  <a:txBody>
-                    <a:bodyPr/>
-                    <a:lstStyle/>
-                    <a:p>
-                      <a:pPr indent="0" lvl="0" marL="0" rtl="0" algn="l">
-                        <a:spcBef>
-                          <a:spcPts val="0"/>
-                        </a:spcBef>
-                        <a:spcAft>
-                          <a:spcPts val="0"/>
-                        </a:spcAft>
-                        <a:buNone/>
-                      </a:pPr>
-                      <a:r>
-                        <a:rPr lang="en"/>
-                        <a:t>12:15</a:t>
-                      </a:r>
-                      <a:endParaRPr/>
-                    </a:p>
-                  </a:txBody>
-                  <a:tcPr marT="91425" marB="91425" marR="91425" marL="91425" anchor="ctr">
-                    <a:lnL cap="flat" cmpd="sng" w="38100">
-                      <a:solidFill>
-                        <a:schemeClr val="lt1"/>
-                      </a:solidFill>
-                      <a:prstDash val="solid"/>
-                      <a:round/>
-                      <a:headEnd len="sm" w="sm" type="none"/>
-                      <a:tailEnd len="sm" w="sm" type="none"/>
-                    </a:lnL>
-                    <a:lnR cap="flat" cmpd="sng" w="38100">
-                      <a:solidFill>
-                        <a:schemeClr val="lt1"/>
-                      </a:solidFill>
-                      <a:prstDash val="solid"/>
-                      <a:round/>
-                      <a:headEnd len="sm" w="sm" type="none"/>
-                      <a:tailEnd len="sm" w="sm" type="none"/>
-                    </a:lnR>
-                    <a:lnT cap="flat" cmpd="sng" w="38100">
-                      <a:solidFill>
-                        <a:schemeClr val="lt1"/>
-                      </a:solidFill>
-                      <a:prstDash val="solid"/>
-                      <a:round/>
-                      <a:headEnd len="sm" w="sm" type="none"/>
-                      <a:tailEnd len="sm" w="sm" type="none"/>
-                    </a:lnT>
-                    <a:lnB cap="flat" cmpd="sng" w="38100">
-                      <a:solidFill>
-                        <a:schemeClr val="lt1"/>
-                      </a:solidFill>
-                      <a:prstDash val="solid"/>
-                      <a:round/>
-                      <a:headEnd len="sm" w="sm" type="none"/>
-                      <a:tailEnd len="sm" w="sm" type="none"/>
-                    </a:lnB>
-                    <a:solidFill>
-                      <a:schemeClr val="accent1"/>
-                    </a:solidFill>
-                  </a:tcPr>
-                </a:tc>
-                <a:tc>
-                  <a:txBody>
-                    <a:bodyPr/>
-                    <a:lstStyle/>
-                    <a:p>
-                      <a:pPr indent="0" lvl="0" marL="0" rtl="0" algn="l">
-                        <a:spcBef>
-                          <a:spcPts val="0"/>
-                        </a:spcBef>
-                        <a:spcAft>
-                          <a:spcPts val="0"/>
-                        </a:spcAft>
-                        <a:buNone/>
-                      </a:pPr>
-                      <a:r>
-                        <a:rPr lang="en"/>
-                        <a:t>5 min</a:t>
+                        <a:t> min</a:t>
                       </a:r>
                       <a:endParaRPr/>
                     </a:p>

--- a/Lecture slides/AMOS C01 - Demo Day Preparation.pptx
+++ b/Lecture slides/AMOS C01 - Demo Day Preparation.pptx
@@ -6824,7 +6824,7 @@
             </a:pPr>
             <a:r>
               <a:rPr lang="en"/>
-              <a:t>Dirk Riehle, Univ. Erlangen</a:t>
+              <a:t>Dirk Riehle, FAU Erlangen</a:t>
             </a:r>
             <a:endParaRPr/>
           </a:p>
@@ -7248,7 +7248,7 @@
             <a:tbl>
               <a:tblPr>
                 <a:noFill/>
-                <a:tableStyleId>{5BB323B9-88CF-48DE-BA72-0A15C8B11EA6}</a:tableStyleId>
+                <a:tableStyleId>{CE04B646-CDB5-4992-A622-0EB4B75340A9}</a:tableStyleId>
               </a:tblPr>
               <a:tblGrid>
                 <a:gridCol w="1315250"/>
@@ -7414,10 +7414,10 @@
                         <a:buNone/>
                       </a:pPr>
                       <a:r>
-                        <a:rPr lang="en"/>
+                        <a:rPr lang="en" sz="1200"/>
                         <a:t>0min.</a:t>
                       </a:r>
-                      <a:endParaRPr/>
+                      <a:endParaRPr sz="1200"/>
                     </a:p>
                   </a:txBody>
                   <a:tcPr marT="91425" marB="91425" marR="91425" marL="91425" anchor="ctr">
@@ -7474,14 +7474,14 @@
                         <a:buNone/>
                       </a:pPr>
                       <a:r>
-                        <a:rPr lang="en"/>
+                        <a:rPr lang="en" sz="1200"/>
                         <a:t>Demo r</a:t>
                       </a:r>
                       <a:r>
-                        <a:rPr lang="en"/>
+                        <a:rPr lang="en" sz="1200"/>
                         <a:t>oom opens, participants stream in</a:t>
                       </a:r>
-                      <a:endParaRPr/>
+                      <a:endParaRPr sz="1200"/>
                     </a:p>
                   </a:txBody>
                   <a:tcPr marT="91425" marB="91425" marR="91425" marL="91425" anchor="ctr">
@@ -7540,10 +7540,10 @@
                         <a:buNone/>
                       </a:pPr>
                       <a:r>
-                        <a:rPr lang="en"/>
+                        <a:rPr lang="en" sz="1200"/>
                         <a:t>1min.</a:t>
                       </a:r>
-                      <a:endParaRPr/>
+                      <a:endParaRPr sz="1200"/>
                     </a:p>
                   </a:txBody>
                   <a:tcPr marT="91425" marB="91425" marR="91425" marL="91425" anchor="ctr">
@@ -7603,10 +7603,10 @@
                         <a:buNone/>
                       </a:pPr>
                       <a:r>
-                        <a:rPr lang="en"/>
+                        <a:rPr lang="en" sz="1200"/>
                         <a:t>Demo starts</a:t>
                       </a:r>
-                      <a:endParaRPr/>
+                      <a:endParaRPr sz="1200"/>
                     </a:p>
                   </a:txBody>
                   <a:tcPr marT="91425" marB="91425" marR="91425" marL="91425" anchor="ctr">
@@ -7668,10 +7668,10 @@
                         <a:buNone/>
                       </a:pPr>
                       <a:r>
-                        <a:rPr lang="en"/>
+                        <a:rPr lang="en" sz="1200"/>
                         <a:t>10min.</a:t>
                       </a:r>
-                      <a:endParaRPr/>
+                      <a:endParaRPr sz="1200"/>
                     </a:p>
                   </a:txBody>
                   <a:tcPr marT="91425" marB="91425" marR="91425" marL="91425" anchor="ctr">
@@ -7731,10 +7731,10 @@
                         <a:buNone/>
                       </a:pPr>
                       <a:r>
-                        <a:rPr lang="en"/>
+                        <a:rPr lang="en" sz="1200"/>
                         <a:t>Demo finishes, discussion starts</a:t>
                       </a:r>
-                      <a:endParaRPr/>
+                      <a:endParaRPr sz="1200"/>
                     </a:p>
                   </a:txBody>
                   <a:tcPr marT="91425" marB="91425" marR="91425" marL="91425" anchor="ctr">
@@ -7796,10 +7796,10 @@
                         <a:buNone/>
                       </a:pPr>
                       <a:r>
-                        <a:rPr lang="en"/>
+                        <a:rPr lang="en" sz="1200"/>
                         <a:t>19min.</a:t>
                       </a:r>
-                      <a:endParaRPr/>
+                      <a:endParaRPr sz="1200"/>
                     </a:p>
                   </a:txBody>
                   <a:tcPr marT="91425" marB="91425" marR="91425" marL="91425" anchor="ctr">
@@ -7859,10 +7859,10 @@
                         <a:buNone/>
                       </a:pPr>
                       <a:r>
-                        <a:rPr lang="en"/>
+                        <a:rPr lang="en" sz="1200"/>
                         <a:t>60 second countdown to room closing starts</a:t>
                       </a:r>
-                      <a:endParaRPr/>
+                      <a:endParaRPr sz="1200"/>
                     </a:p>
                   </a:txBody>
                   <a:tcPr marT="91425" marB="91425" marR="91425" marL="91425" anchor="ctr">
@@ -7924,10 +7924,10 @@
                         <a:buNone/>
                       </a:pPr>
                       <a:r>
-                        <a:rPr lang="en"/>
+                        <a:rPr lang="en" sz="1200"/>
                         <a:t>20min.</a:t>
                       </a:r>
-                      <a:endParaRPr/>
+                      <a:endParaRPr sz="1200"/>
                     </a:p>
                   </a:txBody>
                   <a:tcPr marT="91425" marB="91425" marR="91425" marL="91425" anchor="ctr">
@@ -7984,10 +7984,10 @@
                         <a:buNone/>
                       </a:pPr>
                       <a:r>
-                        <a:rPr lang="en"/>
+                        <a:rPr lang="en" sz="1200"/>
                         <a:t>Room closes, everyone is pulled back into the main room</a:t>
                       </a:r>
-                      <a:endParaRPr/>
+                      <a:endParaRPr sz="1200"/>
                     </a:p>
                   </a:txBody>
                   <a:tcPr marT="91425" marB="91425" marR="91425" marL="91425" anchor="ctr">
@@ -11933,7 +11933,7 @@
             </a:pPr>
             <a:r>
               <a:rPr lang="en"/>
-              <a:t>Please take the following three questions survey</a:t>
+              <a:t>Please take the following two questions survey</a:t>
             </a:r>
             <a:endParaRPr/>
           </a:p>
@@ -11948,6 +11948,10 @@
               <a:buSzPts val="1800"/>
               <a:buChar char="●"/>
             </a:pPr>
+            <a:r>
+              <a:rPr lang="en"/>
+              <a:t>Course feedback survey on your </a:t>
+            </a:r>
             <a:r>
               <a:rPr lang="en" u="sng">
                 <a:solidFill>
@@ -11955,11 +11959,7 @@
                 </a:solidFill>
                 <a:hlinkClick r:id="rId3"/>
               </a:rPr>
-              <a:t>https://forms.gle/sRyzveeziYB4aX6P8</a:t>
-            </a:r>
-            <a:r>
-              <a:rPr lang="en"/>
-              <a:t> </a:t>
+              <a:t>course management system</a:t>
             </a:r>
             <a:endParaRPr/>
           </a:p>
@@ -12843,7 +12843,7 @@
             <a:tbl>
               <a:tblPr>
                 <a:noFill/>
-                <a:tableStyleId>{7E1864B7-A1FB-40BB-A062-C446630D6914}</a:tableStyleId>
+                <a:tableStyleId>{8F83226F-8410-4394-815E-307B4058F225}</a:tableStyleId>
               </a:tblPr>
               <a:tblGrid>
                 <a:gridCol w="1432550"/>
@@ -12858,7 +12858,7 @@
                     <a:bodyPr/>
                     <a:lstStyle/>
                     <a:p>
-                      <a:pPr indent="0" lvl="0" marL="0" rtl="0" algn="l">
+                      <a:pPr indent="0" lvl="0" marL="0" rtl="0" algn="ctr">
                         <a:spcBef>
                           <a:spcPts val="0"/>
                         </a:spcBef>
@@ -12929,7 +12929,7 @@
                     <a:bodyPr/>
                     <a:lstStyle/>
                     <a:p>
-                      <a:pPr indent="0" lvl="0" marL="0" rtl="0" algn="l">
+                      <a:pPr indent="0" lvl="0" marL="0" rtl="0" algn="ctr">
                         <a:spcBef>
                           <a:spcPts val="0"/>
                         </a:spcBef>
@@ -13000,7 +13000,7 @@
                     <a:bodyPr/>
                     <a:lstStyle/>
                     <a:p>
-                      <a:pPr indent="0" lvl="0" marL="0" rtl="0" algn="l">
+                      <a:pPr indent="0" lvl="0" marL="0" rtl="0" algn="ctr">
                         <a:spcBef>
                           <a:spcPts val="0"/>
                         </a:spcBef>
@@ -13071,7 +13071,7 @@
                     <a:bodyPr/>
                     <a:lstStyle/>
                     <a:p>
-                      <a:pPr indent="0" lvl="0" marL="0" rtl="0" algn="l">
+                      <a:pPr indent="0" lvl="0" marL="0" rtl="0" algn="ctr">
                         <a:spcBef>
                           <a:spcPts val="0"/>
                         </a:spcBef>
@@ -13142,7 +13142,7 @@
                     <a:bodyPr/>
                     <a:lstStyle/>
                     <a:p>
-                      <a:pPr indent="0" lvl="0" marL="0" rtl="0" algn="l">
+                      <a:pPr indent="0" lvl="0" marL="0" rtl="0" algn="ctr">
                         <a:spcBef>
                           <a:spcPts val="0"/>
                         </a:spcBef>
@@ -13225,10 +13225,10 @@
                         <a:buNone/>
                       </a:pPr>
                       <a:r>
-                        <a:rPr lang="en"/>
+                        <a:rPr lang="en" sz="1200"/>
                         <a:t>10:15</a:t>
                       </a:r>
-                      <a:endParaRPr/>
+                      <a:endParaRPr sz="1200"/>
                     </a:p>
                   </a:txBody>
                   <a:tcPr marT="91425" marB="91425" marR="91425" marL="91425" anchor="ctr">
@@ -13288,10 +13288,10 @@
                         <a:buNone/>
                       </a:pPr>
                       <a:r>
-                        <a:rPr lang="en"/>
+                        <a:rPr lang="en" sz="1200"/>
                         <a:t>10 min</a:t>
                       </a:r>
-                      <a:endParaRPr/>
+                      <a:endParaRPr sz="1200"/>
                     </a:p>
                   </a:txBody>
                   <a:tcPr marT="91425" marB="91425" marR="91425" marL="91425" anchor="ctr">
@@ -13351,10 +13351,10 @@
                         <a:buNone/>
                       </a:pPr>
                       <a:r>
-                        <a:rPr lang="en"/>
+                        <a:rPr lang="en" sz="1200"/>
                         <a:t>Riehle</a:t>
                       </a:r>
-                      <a:endParaRPr/>
+                      <a:endParaRPr sz="1200"/>
                     </a:p>
                   </a:txBody>
                   <a:tcPr marT="91425" marB="91425" marR="91425" marL="91425" anchor="ctr">
@@ -13414,10 +13414,10 @@
                         <a:buNone/>
                       </a:pPr>
                       <a:r>
-                        <a:rPr lang="en"/>
+                        <a:rPr lang="en" sz="1200"/>
                         <a:t>Introduction</a:t>
                       </a:r>
-                      <a:endParaRPr/>
+                      <a:endParaRPr sz="1200"/>
                     </a:p>
                   </a:txBody>
                   <a:tcPr marT="91425" marB="91425" marR="91425" marL="91425" anchor="ctr">
@@ -13477,10 +13477,10 @@
                         <a:buNone/>
                       </a:pPr>
                       <a:r>
-                        <a:rPr lang="en"/>
+                        <a:rPr lang="en" sz="1200"/>
                         <a:t>Main room</a:t>
                       </a:r>
-                      <a:endParaRPr/>
+                      <a:endParaRPr sz="1200"/>
                     </a:p>
                   </a:txBody>
                   <a:tcPr marT="91425" marB="91425" marR="91425" marL="91425" anchor="ctr">
@@ -13542,10 +13542,10 @@
                         <a:buNone/>
                       </a:pPr>
                       <a:r>
-                        <a:rPr lang="en"/>
+                        <a:rPr lang="en" sz="1200"/>
                         <a:t>10:25</a:t>
                       </a:r>
-                      <a:endParaRPr/>
+                      <a:endParaRPr sz="1200"/>
                     </a:p>
                   </a:txBody>
                   <a:tcPr marT="91425" marB="91425" marR="91425" marL="91425" anchor="ctr">
@@ -13605,10 +13605,10 @@
                         <a:buNone/>
                       </a:pPr>
                       <a:r>
-                        <a:rPr lang="en"/>
+                        <a:rPr lang="en" sz="1200"/>
                         <a:t>10 min</a:t>
                       </a:r>
-                      <a:endParaRPr/>
+                      <a:endParaRPr sz="1200"/>
                     </a:p>
                   </a:txBody>
                   <a:tcPr marT="91425" marB="91425" marR="91425" marL="91425" anchor="ctr">
@@ -13668,10 +13668,10 @@
                         <a:buNone/>
                       </a:pPr>
                       <a:r>
-                        <a:rPr lang="en"/>
+                        <a:rPr lang="en" sz="1200"/>
                         <a:t>Teams</a:t>
                       </a:r>
-                      <a:endParaRPr/>
+                      <a:endParaRPr sz="1200"/>
                     </a:p>
                   </a:txBody>
                   <a:tcPr marT="91425" marB="91425" marR="91425" marL="91425" anchor="ctr">
@@ -13731,10 +13731,10 @@
                         <a:buNone/>
                       </a:pPr>
                       <a:r>
-                        <a:rPr lang="en"/>
+                        <a:rPr lang="en" sz="1200"/>
                         <a:t>One slide summary</a:t>
                       </a:r>
-                      <a:endParaRPr/>
+                      <a:endParaRPr sz="1200"/>
                     </a:p>
                   </a:txBody>
                   <a:tcPr marT="91425" marB="91425" marR="91425" marL="91425" anchor="ctr">
@@ -13794,10 +13794,10 @@
                         <a:buNone/>
                       </a:pPr>
                       <a:r>
-                        <a:rPr lang="en"/>
+                        <a:rPr lang="en" sz="1200"/>
                         <a:t>Main room</a:t>
                       </a:r>
-                      <a:endParaRPr/>
+                      <a:endParaRPr sz="1200"/>
                     </a:p>
                   </a:txBody>
                   <a:tcPr marT="91425" marB="91425" marR="91425" marL="91425" anchor="ctr">
@@ -13859,10 +13859,10 @@
                         <a:buNone/>
                       </a:pPr>
                       <a:r>
-                        <a:rPr lang="en"/>
+                        <a:rPr lang="en" sz="1200"/>
                         <a:t>10:35</a:t>
                       </a:r>
-                      <a:endParaRPr/>
+                      <a:endParaRPr sz="1200"/>
                     </a:p>
                   </a:txBody>
                   <a:tcPr marT="91425" marB="91425" marR="91425" marL="91425" anchor="ctr">
@@ -13922,10 +13922,10 @@
                         <a:buNone/>
                       </a:pPr>
                       <a:r>
-                        <a:rPr lang="en"/>
+                        <a:rPr lang="en" sz="1200"/>
                         <a:t>20 min</a:t>
                       </a:r>
-                      <a:endParaRPr/>
+                      <a:endParaRPr sz="1200"/>
                     </a:p>
                   </a:txBody>
                   <a:tcPr marT="91425" marB="91425" marR="91425" marL="91425" anchor="ctr">
@@ -13985,10 +13985,10 @@
                         <a:buNone/>
                       </a:pPr>
                       <a:r>
-                        <a:rPr lang="en"/>
+                        <a:rPr lang="en" sz="1200"/>
                         <a:t>Teams</a:t>
                       </a:r>
-                      <a:endParaRPr/>
+                      <a:endParaRPr sz="1200"/>
                     </a:p>
                   </a:txBody>
                   <a:tcPr marT="91425" marB="91425" marR="91425" marL="91425" anchor="ctr">
@@ -14048,10 +14048,10 @@
                         <a:buNone/>
                       </a:pPr>
                       <a:r>
-                        <a:rPr lang="en"/>
+                        <a:rPr lang="en" sz="1200"/>
                         <a:t>Demo</a:t>
                       </a:r>
-                      <a:endParaRPr/>
+                      <a:endParaRPr sz="1200"/>
                     </a:p>
                   </a:txBody>
                   <a:tcPr marT="91425" marB="91425" marR="91425" marL="91425" anchor="ctr">
@@ -14111,10 +14111,10 @@
                         <a:buNone/>
                       </a:pPr>
                       <a:r>
-                        <a:rPr lang="en"/>
+                        <a:rPr lang="en" sz="1200"/>
                         <a:t>Demo rooms</a:t>
                       </a:r>
-                      <a:endParaRPr/>
+                      <a:endParaRPr sz="1200"/>
                     </a:p>
                   </a:txBody>
                   <a:tcPr marT="91425" marB="91425" marR="91425" marL="91425" anchor="ctr">
@@ -14176,10 +14176,10 @@
                         <a:buNone/>
                       </a:pPr>
                       <a:r>
-                        <a:rPr lang="en"/>
+                        <a:rPr lang="en" sz="1200"/>
                         <a:t>10:55</a:t>
                       </a:r>
-                      <a:endParaRPr/>
+                      <a:endParaRPr sz="1200"/>
                     </a:p>
                   </a:txBody>
                   <a:tcPr marT="91425" marB="91425" marR="91425" marL="91425" anchor="ctr">
@@ -14239,10 +14239,10 @@
                         <a:buNone/>
                       </a:pPr>
                       <a:r>
-                        <a:rPr lang="en"/>
+                        <a:rPr lang="en" sz="1200"/>
                         <a:t>20 min</a:t>
                       </a:r>
-                      <a:endParaRPr/>
+                      <a:endParaRPr sz="1200"/>
                     </a:p>
                   </a:txBody>
                   <a:tcPr marT="91425" marB="91425" marR="91425" marL="91425" anchor="ctr">
@@ -14302,10 +14302,10 @@
                         <a:buNone/>
                       </a:pPr>
                       <a:r>
-                        <a:rPr lang="en"/>
+                        <a:rPr lang="en" sz="1200"/>
                         <a:t>Teams</a:t>
                       </a:r>
-                      <a:endParaRPr/>
+                      <a:endParaRPr sz="1200"/>
                     </a:p>
                   </a:txBody>
                   <a:tcPr marT="91425" marB="91425" marR="91425" marL="91425" anchor="ctr">
@@ -14365,10 +14365,10 @@
                         <a:buNone/>
                       </a:pPr>
                       <a:r>
-                        <a:rPr lang="en"/>
+                        <a:rPr lang="en" sz="1200"/>
                         <a:t>Demo</a:t>
                       </a:r>
-                      <a:endParaRPr/>
+                      <a:endParaRPr sz="1200"/>
                     </a:p>
                   </a:txBody>
                   <a:tcPr marT="91425" marB="91425" marR="91425" marL="91425" anchor="ctr">
@@ -14428,10 +14428,10 @@
                         <a:buNone/>
                       </a:pPr>
                       <a:r>
-                        <a:rPr lang="en"/>
+                        <a:rPr lang="en" sz="1200"/>
                         <a:t>Demo rooms</a:t>
                       </a:r>
-                      <a:endParaRPr/>
+                      <a:endParaRPr sz="1200"/>
                     </a:p>
                   </a:txBody>
                   <a:tcPr marT="91425" marB="91425" marR="91425" marL="91425" anchor="ctr">
@@ -14493,10 +14493,10 @@
                         <a:buNone/>
                       </a:pPr>
                       <a:r>
-                        <a:rPr lang="en"/>
+                        <a:rPr lang="en" sz="1200"/>
                         <a:t>11:15</a:t>
                       </a:r>
-                      <a:endParaRPr/>
+                      <a:endParaRPr sz="1200"/>
                     </a:p>
                   </a:txBody>
                   <a:tcPr marT="91425" marB="91425" marR="91425" marL="91425" anchor="ctr">
@@ -14556,10 +14556,10 @@
                         <a:buNone/>
                       </a:pPr>
                       <a:r>
-                        <a:rPr lang="en"/>
+                        <a:rPr lang="en" sz="1200"/>
                         <a:t>20 min</a:t>
                       </a:r>
-                      <a:endParaRPr/>
+                      <a:endParaRPr sz="1200"/>
                     </a:p>
                   </a:txBody>
                   <a:tcPr marT="91425" marB="91425" marR="91425" marL="91425" anchor="ctr">
@@ -14619,10 +14619,10 @@
                         <a:buNone/>
                       </a:pPr>
                       <a:r>
-                        <a:rPr lang="en"/>
+                        <a:rPr lang="en" sz="1200"/>
                         <a:t>Teams</a:t>
                       </a:r>
-                      <a:endParaRPr/>
+                      <a:endParaRPr sz="1200"/>
                     </a:p>
                   </a:txBody>
                   <a:tcPr marT="91425" marB="91425" marR="91425" marL="91425" anchor="ctr">
@@ -14682,10 +14682,10 @@
                         <a:buNone/>
                       </a:pPr>
                       <a:r>
-                        <a:rPr lang="en"/>
+                        <a:rPr lang="en" sz="1200"/>
                         <a:t>Demo</a:t>
                       </a:r>
-                      <a:endParaRPr/>
+                      <a:endParaRPr sz="1200"/>
                     </a:p>
                   </a:txBody>
                   <a:tcPr marT="91425" marB="91425" marR="91425" marL="91425" anchor="ctr">
@@ -14745,10 +14745,10 @@
                         <a:buNone/>
                       </a:pPr>
                       <a:r>
-                        <a:rPr lang="en"/>
+                        <a:rPr lang="en" sz="1200"/>
                         <a:t>Demo rooms</a:t>
                       </a:r>
-                      <a:endParaRPr/>
+                      <a:endParaRPr sz="1200"/>
                     </a:p>
                   </a:txBody>
                   <a:tcPr marT="91425" marB="91425" marR="91425" marL="91425" anchor="ctr">
@@ -14810,10 +14810,10 @@
                         <a:buNone/>
                       </a:pPr>
                       <a:r>
-                        <a:rPr lang="en"/>
+                        <a:rPr lang="en" sz="1200"/>
                         <a:t>11:35</a:t>
                       </a:r>
-                      <a:endParaRPr/>
+                      <a:endParaRPr sz="1200"/>
                     </a:p>
                   </a:txBody>
                   <a:tcPr marT="91425" marB="91425" marR="91425" marL="91425" anchor="ctr">
@@ -14873,14 +14873,14 @@
                         <a:buNone/>
                       </a:pPr>
                       <a:r>
-                        <a:rPr lang="en"/>
+                        <a:rPr lang="en" sz="1200"/>
                         <a:t>5</a:t>
                       </a:r>
                       <a:r>
-                        <a:rPr lang="en"/>
+                        <a:rPr lang="en" sz="1200"/>
                         <a:t> min</a:t>
                       </a:r>
-                      <a:endParaRPr/>
+                      <a:endParaRPr sz="1200"/>
                     </a:p>
                   </a:txBody>
                   <a:tcPr marT="91425" marB="91425" marR="91425" marL="91425" anchor="ctr">
@@ -14940,10 +14940,10 @@
                         <a:buNone/>
                       </a:pPr>
                       <a:r>
-                        <a:rPr lang="en"/>
+                        <a:rPr lang="en" sz="1200"/>
                         <a:t>Riehle</a:t>
                       </a:r>
-                      <a:endParaRPr/>
+                      <a:endParaRPr sz="1200"/>
                     </a:p>
                   </a:txBody>
                   <a:tcPr marT="91425" marB="91425" marR="91425" marL="91425" anchor="ctr">
@@ -15003,10 +15003,10 @@
                         <a:buNone/>
                       </a:pPr>
                       <a:r>
-                        <a:rPr lang="en"/>
+                        <a:rPr lang="en" sz="1200"/>
                         <a:t>Conclusions</a:t>
                       </a:r>
-                      <a:endParaRPr/>
+                      <a:endParaRPr sz="1200"/>
                     </a:p>
                   </a:txBody>
                   <a:tcPr marT="91425" marB="91425" marR="91425" marL="91425" anchor="ctr">
@@ -15066,10 +15066,10 @@
                         <a:buNone/>
                       </a:pPr>
                       <a:r>
-                        <a:rPr lang="en"/>
+                        <a:rPr lang="en" sz="1200"/>
                         <a:t>Main room</a:t>
                       </a:r>
-                      <a:endParaRPr/>
+                      <a:endParaRPr sz="1200"/>
                     </a:p>
                   </a:txBody>
                   <a:tcPr marT="91425" marB="91425" marR="91425" marL="91425" anchor="ctr">
@@ -15643,6 +15643,285 @@
 </file>
 
 <file path=ppt/theme/theme1.xml><?xml version="1.0" encoding="utf-8"?>
+<a:theme xmlns:a="http://schemas.openxmlformats.org/drawingml/2006/main" xmlns:r="http://schemas.openxmlformats.org/officeDocument/2006/relationships" name="AMOS Slides Template">
+  <a:themeElements>
+    <a:clrScheme name="Simple Light">
+      <a:dk1>
+        <a:srgbClr val="000000"/>
+      </a:dk1>
+      <a:lt1>
+        <a:srgbClr val="FFFFFF"/>
+      </a:lt1>
+      <a:dk2>
+        <a:srgbClr val="404040"/>
+      </a:dk2>
+      <a:lt2>
+        <a:srgbClr val="808080"/>
+      </a:lt2>
+      <a:accent1>
+        <a:srgbClr val="D0D0D0"/>
+      </a:accent1>
+      <a:accent2>
+        <a:srgbClr val="4169E1"/>
+      </a:accent2>
+      <a:accent3>
+        <a:srgbClr val="D50D01"/>
+      </a:accent3>
+      <a:accent4>
+        <a:srgbClr val="FEB612"/>
+      </a:accent4>
+      <a:accent5>
+        <a:srgbClr val="4CAF50"/>
+      </a:accent5>
+      <a:accent6>
+        <a:srgbClr val="8E44AD"/>
+      </a:accent6>
+      <a:hlink>
+        <a:srgbClr val="34A3C5"/>
+      </a:hlink>
+      <a:folHlink>
+        <a:srgbClr val="0097A7"/>
+      </a:folHlink>
+    </a:clrScheme>
+    <a:fontScheme name="Office">
+      <a:majorFont>
+        <a:latin typeface="Arial"/>
+        <a:ea typeface=""/>
+        <a:cs typeface=""/>
+        <a:font script="Jpan" typeface="ＭＳ Ｐゴシック"/>
+        <a:font script="Hang" typeface="맑은 고딕"/>
+        <a:font script="Hans" typeface="宋体"/>
+        <a:font script="Hant" typeface="新細明體"/>
+        <a:font script="Arab" typeface="Times New Roman"/>
+        <a:font script="Hebr" typeface="Times New Roman"/>
+        <a:font script="Thai" typeface="Angsana New"/>
+        <a:font script="Ethi" typeface="Nyala"/>
+        <a:font script="Beng" typeface="Vrinda"/>
+        <a:font script="Gujr" typeface="Shruti"/>
+        <a:font script="Khmr" typeface="MoolBoran"/>
+        <a:font script="Knda" typeface="Tunga"/>
+        <a:font script="Guru" typeface="Raavi"/>
+        <a:font script="Cans" typeface="Euphemia"/>
+        <a:font script="Cher" typeface="Plantagenet Cherokee"/>
+        <a:font script="Yiii" typeface="Microsoft Yi Baiti"/>
+        <a:font script="Tibt" typeface="Microsoft Himalaya"/>
+        <a:font script="Thaa" typeface="MV Boli"/>
+        <a:font script="Deva" typeface="Mangal"/>
+        <a:font script="Telu" typeface="Gautami"/>
+        <a:font script="Taml" typeface="Latha"/>
+        <a:font script="Syrc" typeface="Estrangelo Edessa"/>
+        <a:font script="Orya" typeface="Kalinga"/>
+        <a:font script="Mlym" typeface="Kartika"/>
+        <a:font script="Laoo" typeface="DokChampa"/>
+        <a:font script="Sinh" typeface="Iskoola Pota"/>
+        <a:font script="Mong" typeface="Mongolian Baiti"/>
+        <a:font script="Viet" typeface="Times New Roman"/>
+        <a:font script="Uigh" typeface="Microsoft Uighur"/>
+        <a:font script="Geor" typeface="Sylfaen"/>
+      </a:majorFont>
+      <a:minorFont>
+        <a:latin typeface="Arial"/>
+        <a:ea typeface=""/>
+        <a:cs typeface=""/>
+        <a:font script="Jpan" typeface="ＭＳ Ｐゴシック"/>
+        <a:font script="Hang" typeface="맑은 고딕"/>
+        <a:font script="Hans" typeface="宋体"/>
+        <a:font script="Hant" typeface="新細明體"/>
+        <a:font script="Arab" typeface="Arial"/>
+        <a:font script="Hebr" typeface="Arial"/>
+        <a:font script="Thai" typeface="Cordia New"/>
+        <a:font script="Ethi" typeface="Nyala"/>
+        <a:font script="Beng" typeface="Vrinda"/>
+        <a:font script="Gujr" typeface="Shruti"/>
+        <a:font script="Khmr" typeface="DaunPenh"/>
+        <a:font script="Knda" typeface="Tunga"/>
+        <a:font script="Guru" typeface="Raavi"/>
+        <a:font script="Cans" typeface="Euphemia"/>
+        <a:font script="Cher" typeface="Plantagenet Cherokee"/>
+        <a:font script="Yiii" typeface="Microsoft Yi Baiti"/>
+        <a:font script="Tibt" typeface="Microsoft Himalaya"/>
+        <a:font script="Thaa" typeface="MV Boli"/>
+        <a:font script="Deva" typeface="Mangal"/>
+        <a:font script="Telu" typeface="Gautami"/>
+        <a:font script="Taml" typeface="Latha"/>
+        <a:font script="Syrc" typeface="Estrangelo Edessa"/>
+        <a:font script="Orya" typeface="Kalinga"/>
+        <a:font script="Mlym" typeface="Kartika"/>
+        <a:font script="Laoo" typeface="DokChampa"/>
+        <a:font script="Sinh" typeface="Iskoola Pota"/>
+        <a:font script="Mong" typeface="Mongolian Baiti"/>
+        <a:font script="Viet" typeface="Arial"/>
+        <a:font script="Uigh" typeface="Microsoft Uighur"/>
+        <a:font script="Geor" typeface="Sylfaen"/>
+      </a:minorFont>
+    </a:fontScheme>
+    <a:fmtScheme name="Office">
+      <a:fillStyleLst>
+        <a:solidFill>
+          <a:schemeClr val="phClr"/>
+        </a:solidFill>
+        <a:gradFill rotWithShape="1">
+          <a:gsLst>
+            <a:gs pos="0">
+              <a:schemeClr val="phClr">
+                <a:tint val="50000"/>
+                <a:satMod val="300000"/>
+              </a:schemeClr>
+            </a:gs>
+            <a:gs pos="35000">
+              <a:schemeClr val="phClr">
+                <a:tint val="37000"/>
+                <a:satMod val="300000"/>
+              </a:schemeClr>
+            </a:gs>
+            <a:gs pos="100000">
+              <a:schemeClr val="phClr">
+                <a:tint val="15000"/>
+                <a:satMod val="350000"/>
+              </a:schemeClr>
+            </a:gs>
+          </a:gsLst>
+          <a:lin ang="16200000" scaled="1"/>
+        </a:gradFill>
+        <a:gradFill rotWithShape="1">
+          <a:gsLst>
+            <a:gs pos="0">
+              <a:schemeClr val="phClr">
+                <a:tint val="100000"/>
+                <a:shade val="100000"/>
+                <a:satMod val="130000"/>
+              </a:schemeClr>
+            </a:gs>
+            <a:gs pos="100000">
+              <a:schemeClr val="phClr">
+                <a:tint val="50000"/>
+                <a:shade val="100000"/>
+                <a:satMod val="350000"/>
+              </a:schemeClr>
+            </a:gs>
+          </a:gsLst>
+          <a:lin ang="16200000" scaled="0"/>
+        </a:gradFill>
+      </a:fillStyleLst>
+      <a:lnStyleLst>
+        <a:ln w="9525" cap="flat" cmpd="sng" algn="ctr">
+          <a:solidFill>
+            <a:schemeClr val="phClr">
+              <a:shade val="95000"/>
+              <a:satMod val="105000"/>
+            </a:schemeClr>
+          </a:solidFill>
+          <a:prstDash val="solid"/>
+        </a:ln>
+        <a:ln w="25400" cap="flat" cmpd="sng" algn="ctr">
+          <a:solidFill>
+            <a:schemeClr val="phClr"/>
+          </a:solidFill>
+          <a:prstDash val="solid"/>
+        </a:ln>
+        <a:ln w="38100" cap="flat" cmpd="sng" algn="ctr">
+          <a:solidFill>
+            <a:schemeClr val="phClr"/>
+          </a:solidFill>
+          <a:prstDash val="solid"/>
+        </a:ln>
+      </a:lnStyleLst>
+      <a:effectStyleLst>
+        <a:effectStyle>
+          <a:effectLst>
+            <a:outerShdw blurRad="40000" dist="20000" dir="5400000" rotWithShape="0">
+              <a:srgbClr val="000000">
+                <a:alpha val="38000"/>
+              </a:srgbClr>
+            </a:outerShdw>
+          </a:effectLst>
+        </a:effectStyle>
+        <a:effectStyle>
+          <a:effectLst>
+            <a:outerShdw blurRad="40000" dist="23000" dir="5400000" rotWithShape="0">
+              <a:srgbClr val="000000">
+                <a:alpha val="35000"/>
+              </a:srgbClr>
+            </a:outerShdw>
+          </a:effectLst>
+        </a:effectStyle>
+        <a:effectStyle>
+          <a:effectLst>
+            <a:outerShdw blurRad="40000" dist="23000" dir="5400000" rotWithShape="0">
+              <a:srgbClr val="000000">
+                <a:alpha val="35000"/>
+              </a:srgbClr>
+            </a:outerShdw>
+          </a:effectLst>
+          <a:scene3d>
+            <a:camera prst="orthographicFront">
+              <a:rot lat="0" lon="0" rev="0"/>
+            </a:camera>
+            <a:lightRig rig="threePt" dir="t">
+              <a:rot lat="0" lon="0" rev="1200000"/>
+            </a:lightRig>
+          </a:scene3d>
+          <a:sp3d>
+            <a:bevelT w="63500" h="25400"/>
+          </a:sp3d>
+        </a:effectStyle>
+      </a:effectStyleLst>
+      <a:bgFillStyleLst>
+        <a:solidFill>
+          <a:schemeClr val="phClr"/>
+        </a:solidFill>
+        <a:gradFill rotWithShape="1">
+          <a:gsLst>
+            <a:gs pos="0">
+              <a:schemeClr val="phClr">
+                <a:tint val="40000"/>
+                <a:satMod val="350000"/>
+              </a:schemeClr>
+            </a:gs>
+            <a:gs pos="40000">
+              <a:schemeClr val="phClr">
+                <a:tint val="45000"/>
+                <a:shade val="99000"/>
+                <a:satMod val="350000"/>
+              </a:schemeClr>
+            </a:gs>
+            <a:gs pos="100000">
+              <a:schemeClr val="phClr">
+                <a:shade val="20000"/>
+                <a:satMod val="255000"/>
+              </a:schemeClr>
+            </a:gs>
+          </a:gsLst>
+          <a:path path="circle">
+            <a:fillToRect l="50000" t="-80000" r="50000" b="180000"/>
+          </a:path>
+        </a:gradFill>
+        <a:gradFill rotWithShape="1">
+          <a:gsLst>
+            <a:gs pos="0">
+              <a:schemeClr val="phClr">
+                <a:tint val="80000"/>
+                <a:satMod val="300000"/>
+              </a:schemeClr>
+            </a:gs>
+            <a:gs pos="100000">
+              <a:schemeClr val="phClr">
+                <a:shade val="30000"/>
+                <a:satMod val="200000"/>
+              </a:schemeClr>
+            </a:gs>
+          </a:gsLst>
+          <a:path path="circle">
+            <a:fillToRect l="50000" t="50000" r="50000" b="50000"/>
+          </a:path>
+        </a:gradFill>
+      </a:bgFillStyleLst>
+    </a:fmtScheme>
+  </a:themeElements>
+</a:theme>
+</file>
+
+<file path=ppt/theme/theme2.xml><?xml version="1.0" encoding="utf-8"?>
 <a:theme xmlns:a="http://schemas.openxmlformats.org/drawingml/2006/main" xmlns:r="http://schemas.openxmlformats.org/officeDocument/2006/relationships">
   <a:themeElements>
     <a:clrScheme name="Default">
@@ -15919,283 +16198,4 @@
     </a:fmtScheme>
   </a:themeElements>
 </a:theme>
-</file>
-
-<file path=ppt/theme/theme2.xml><?xml version="1.0" encoding="utf-8"?>
-<a:theme xmlns:a="http://schemas.openxmlformats.org/drawingml/2006/main" xmlns:r="http://schemas.openxmlformats.org/officeDocument/2006/relationships" name="AMOS Slides Template">
-  <a:themeElements>
-    <a:clrScheme name="Simple Light">
-      <a:dk1>
-        <a:srgbClr val="000000"/>
-      </a:dk1>
-      <a:lt1>
-        <a:srgbClr val="FFFFFF"/>
-      </a:lt1>
-      <a:dk2>
-        <a:srgbClr val="404040"/>
-      </a:dk2>
-      <a:lt2>
-        <a:srgbClr val="808080"/>
-      </a:lt2>
-      <a:accent1>
-        <a:srgbClr val="D0D0D0"/>
-      </a:accent1>
-      <a:accent2>
-        <a:srgbClr val="4169E1"/>
-      </a:accent2>
-      <a:accent3>
-        <a:srgbClr val="D50D01"/>
-      </a:accent3>
-      <a:accent4>
-        <a:srgbClr val="FEB612"/>
-      </a:accent4>
-      <a:accent5>
-        <a:srgbClr val="4CAF50"/>
-      </a:accent5>
-      <a:accent6>
-        <a:srgbClr val="8E44AD"/>
-      </a:accent6>
-      <a:hlink>
-        <a:srgbClr val="34A3C5"/>
-      </a:hlink>
-      <a:folHlink>
-        <a:srgbClr val="0097A7"/>
-      </a:folHlink>
-    </a:clrScheme>
-    <a:fontScheme name="Office">
-      <a:majorFont>
-        <a:latin typeface="Arial"/>
-        <a:ea typeface=""/>
-        <a:cs typeface=""/>
-        <a:font script="Jpan" typeface="ＭＳ Ｐゴシック"/>
-        <a:font script="Hang" typeface="맑은 고딕"/>
-        <a:font script="Hans" typeface="宋体"/>
-        <a:font script="Hant" typeface="新細明體"/>
-        <a:font script="Arab" typeface="Times New Roman"/>
-        <a:font script="Hebr" typeface="Times New Roman"/>
-        <a:font script="Thai" typeface="Angsana New"/>
-        <a:font script="Ethi" typeface="Nyala"/>
-        <a:font script="Beng" typeface="Vrinda"/>
-        <a:font script="Gujr" typeface="Shruti"/>
-        <a:font script="Khmr" typeface="MoolBoran"/>
-        <a:font script="Knda" typeface="Tunga"/>
-        <a:font script="Guru" typeface="Raavi"/>
-        <a:font script="Cans" typeface="Euphemia"/>
-        <a:font script="Cher" typeface="Plantagenet Cherokee"/>
-        <a:font script="Yiii" typeface="Microsoft Yi Baiti"/>
-        <a:font script="Tibt" typeface="Microsoft Himalaya"/>
-        <a:font script="Thaa" typeface="MV Boli"/>
-        <a:font script="Deva" typeface="Mangal"/>
-        <a:font script="Telu" typeface="Gautami"/>
-        <a:font script="Taml" typeface="Latha"/>
-        <a:font script="Syrc" typeface="Estrangelo Edessa"/>
-        <a:font script="Orya" typeface="Kalinga"/>
-        <a:font script="Mlym" typeface="Kartika"/>
-        <a:font script="Laoo" typeface="DokChampa"/>
-        <a:font script="Sinh" typeface="Iskoola Pota"/>
-        <a:font script="Mong" typeface="Mongolian Baiti"/>
-        <a:font script="Viet" typeface="Times New Roman"/>
-        <a:font script="Uigh" typeface="Microsoft Uighur"/>
-        <a:font script="Geor" typeface="Sylfaen"/>
-      </a:majorFont>
-      <a:minorFont>
-        <a:latin typeface="Arial"/>
-        <a:ea typeface=""/>
-        <a:cs typeface=""/>
-        <a:font script="Jpan" typeface="ＭＳ Ｐゴシック"/>
-        <a:font script="Hang" typeface="맑은 고딕"/>
-        <a:font script="Hans" typeface="宋体"/>
-        <a:font script="Hant" typeface="新細明體"/>
-        <a:font script="Arab" typeface="Arial"/>
-        <a:font script="Hebr" typeface="Arial"/>
-        <a:font script="Thai" typeface="Cordia New"/>
-        <a:font script="Ethi" typeface="Nyala"/>
-        <a:font script="Beng" typeface="Vrinda"/>
-        <a:font script="Gujr" typeface="Shruti"/>
-        <a:font script="Khmr" typeface="DaunPenh"/>
-        <a:font script="Knda" typeface="Tunga"/>
-        <a:font script="Guru" typeface="Raavi"/>
-        <a:font script="Cans" typeface="Euphemia"/>
-        <a:font script="Cher" typeface="Plantagenet Cherokee"/>
-        <a:font script="Yiii" typeface="Microsoft Yi Baiti"/>
-        <a:font script="Tibt" typeface="Microsoft Himalaya"/>
-        <a:font script="Thaa" typeface="MV Boli"/>
-        <a:font script="Deva" typeface="Mangal"/>
-        <a:font script="Telu" typeface="Gautami"/>
-        <a:font script="Taml" typeface="Latha"/>
-        <a:font script="Syrc" typeface="Estrangelo Edessa"/>
-        <a:font script="Orya" typeface="Kalinga"/>
-        <a:font script="Mlym" typeface="Kartika"/>
-        <a:font script="Laoo" typeface="DokChampa"/>
-        <a:font script="Sinh" typeface="Iskoola Pota"/>
-        <a:font script="Mong" typeface="Mongolian Baiti"/>
-        <a:font script="Viet" typeface="Arial"/>
-        <a:font script="Uigh" typeface="Microsoft Uighur"/>
-        <a:font script="Geor" typeface="Sylfaen"/>
-      </a:minorFont>
-    </a:fontScheme>
-    <a:fmtScheme name="Office">
-      <a:fillStyleLst>
-        <a:solidFill>
-          <a:schemeClr val="phClr"/>
-        </a:solidFill>
-        <a:gradFill rotWithShape="1">
-          <a:gsLst>
-            <a:gs pos="0">
-              <a:schemeClr val="phClr">
-                <a:tint val="50000"/>
-                <a:satMod val="300000"/>
-              </a:schemeClr>
-            </a:gs>
-            <a:gs pos="35000">
-              <a:schemeClr val="phClr">
-                <a:tint val="37000"/>
-                <a:satMod val="300000"/>
-              </a:schemeClr>
-            </a:gs>
-            <a:gs pos="100000">
-              <a:schemeClr val="phClr">
-                <a:tint val="15000"/>
-                <a:satMod val="350000"/>
-              </a:schemeClr>
-            </a:gs>
-          </a:gsLst>
-          <a:lin ang="16200000" scaled="1"/>
-        </a:gradFill>
-        <a:gradFill rotWithShape="1">
-          <a:gsLst>
-            <a:gs pos="0">
-              <a:schemeClr val="phClr">
-                <a:tint val="100000"/>
-                <a:shade val="100000"/>
-                <a:satMod val="130000"/>
-              </a:schemeClr>
-            </a:gs>
-            <a:gs pos="100000">
-              <a:schemeClr val="phClr">
-                <a:tint val="50000"/>
-                <a:shade val="100000"/>
-                <a:satMod val="350000"/>
-              </a:schemeClr>
-            </a:gs>
-          </a:gsLst>
-          <a:lin ang="16200000" scaled="0"/>
-        </a:gradFill>
-      </a:fillStyleLst>
-      <a:lnStyleLst>
-        <a:ln w="9525" cap="flat" cmpd="sng" algn="ctr">
-          <a:solidFill>
-            <a:schemeClr val="phClr">
-              <a:shade val="95000"/>
-              <a:satMod val="105000"/>
-            </a:schemeClr>
-          </a:solidFill>
-          <a:prstDash val="solid"/>
-        </a:ln>
-        <a:ln w="25400" cap="flat" cmpd="sng" algn="ctr">
-          <a:solidFill>
-            <a:schemeClr val="phClr"/>
-          </a:solidFill>
-          <a:prstDash val="solid"/>
-        </a:ln>
-        <a:ln w="38100" cap="flat" cmpd="sng" algn="ctr">
-          <a:solidFill>
-            <a:schemeClr val="phClr"/>
-          </a:solidFill>
-          <a:prstDash val="solid"/>
-        </a:ln>
-      </a:lnStyleLst>
-      <a:effectStyleLst>
-        <a:effectStyle>
-          <a:effectLst>
-            <a:outerShdw blurRad="40000" dist="20000" dir="5400000" rotWithShape="0">
-              <a:srgbClr val="000000">
-                <a:alpha val="38000"/>
-              </a:srgbClr>
-            </a:outerShdw>
-          </a:effectLst>
-        </a:effectStyle>
-        <a:effectStyle>
-          <a:effectLst>
-            <a:outerShdw blurRad="40000" dist="23000" dir="5400000" rotWithShape="0">
-              <a:srgbClr val="000000">
-                <a:alpha val="35000"/>
-              </a:srgbClr>
-            </a:outerShdw>
-          </a:effectLst>
-        </a:effectStyle>
-        <a:effectStyle>
-          <a:effectLst>
-            <a:outerShdw blurRad="40000" dist="23000" dir="5400000" rotWithShape="0">
-              <a:srgbClr val="000000">
-                <a:alpha val="35000"/>
-              </a:srgbClr>
-            </a:outerShdw>
-          </a:effectLst>
-          <a:scene3d>
-            <a:camera prst="orthographicFront">
-              <a:rot lat="0" lon="0" rev="0"/>
-            </a:camera>
-            <a:lightRig rig="threePt" dir="t">
-              <a:rot lat="0" lon="0" rev="1200000"/>
-            </a:lightRig>
-          </a:scene3d>
-          <a:sp3d>
-            <a:bevelT w="63500" h="25400"/>
-          </a:sp3d>
-        </a:effectStyle>
-      </a:effectStyleLst>
-      <a:bgFillStyleLst>
-        <a:solidFill>
-          <a:schemeClr val="phClr"/>
-        </a:solidFill>
-        <a:gradFill rotWithShape="1">
-          <a:gsLst>
-            <a:gs pos="0">
-              <a:schemeClr val="phClr">
-                <a:tint val="40000"/>
-                <a:satMod val="350000"/>
-              </a:schemeClr>
-            </a:gs>
-            <a:gs pos="40000">
-              <a:schemeClr val="phClr">
-                <a:tint val="45000"/>
-                <a:shade val="99000"/>
-                <a:satMod val="350000"/>
-              </a:schemeClr>
-            </a:gs>
-            <a:gs pos="100000">
-              <a:schemeClr val="phClr">
-                <a:shade val="20000"/>
-                <a:satMod val="255000"/>
-              </a:schemeClr>
-            </a:gs>
-          </a:gsLst>
-          <a:path path="circle">
-            <a:fillToRect l="50000" t="-80000" r="50000" b="180000"/>
-          </a:path>
-        </a:gradFill>
-        <a:gradFill rotWithShape="1">
-          <a:gsLst>
-            <a:gs pos="0">
-              <a:schemeClr val="phClr">
-                <a:tint val="80000"/>
-                <a:satMod val="300000"/>
-              </a:schemeClr>
-            </a:gs>
-            <a:gs pos="100000">
-              <a:schemeClr val="phClr">
-                <a:shade val="30000"/>
-                <a:satMod val="200000"/>
-              </a:schemeClr>
-            </a:gs>
-          </a:gsLst>
-          <a:path path="circle">
-            <a:fillToRect l="50000" t="50000" r="50000" b="50000"/>
-          </a:path>
-        </a:gradFill>
-      </a:bgFillStyleLst>
-    </a:fmtScheme>
-  </a:themeElements>
-</a:theme>
 </file>
--- a/Lecture slides/AMOS C01 - Demo Day Preparation.pptx
+++ b/Lecture slides/AMOS C01 - Demo Day Preparation.pptx
@@ -7248,7 +7248,7 @@
             <a:tbl>
               <a:tblPr>
                 <a:noFill/>
-                <a:tableStyleId>{CE04B646-CDB5-4992-A622-0EB4B75340A9}</a:tableStyleId>
+                <a:tableStyleId>{79A24FBE-75BC-4A47-B159-183F860D7AD7}</a:tableStyleId>
               </a:tblPr>
               <a:tblGrid>
                 <a:gridCol w="1315250"/>
@@ -7414,10 +7414,10 @@
                         <a:buNone/>
                       </a:pPr>
                       <a:r>
-                        <a:rPr lang="en" sz="1200"/>
+                        <a:rPr lang="en"/>
                         <a:t>0min.</a:t>
                       </a:r>
-                      <a:endParaRPr sz="1200"/>
+                      <a:endParaRPr/>
                     </a:p>
                   </a:txBody>
                   <a:tcPr marT="91425" marB="91425" marR="91425" marL="91425" anchor="ctr">
@@ -7474,14 +7474,14 @@
                         <a:buNone/>
                       </a:pPr>
                       <a:r>
-                        <a:rPr lang="en" sz="1200"/>
+                        <a:rPr lang="en"/>
                         <a:t>Demo r</a:t>
                       </a:r>
                       <a:r>
-                        <a:rPr lang="en" sz="1200"/>
+                        <a:rPr lang="en"/>
                         <a:t>oom opens, participants stream in</a:t>
                       </a:r>
-                      <a:endParaRPr sz="1200"/>
+                      <a:endParaRPr/>
                     </a:p>
                   </a:txBody>
                   <a:tcPr marT="91425" marB="91425" marR="91425" marL="91425" anchor="ctr">
@@ -7540,10 +7540,10 @@
                         <a:buNone/>
                       </a:pPr>
                       <a:r>
-                        <a:rPr lang="en" sz="1200"/>
+                        <a:rPr lang="en"/>
                         <a:t>1min.</a:t>
                       </a:r>
-                      <a:endParaRPr sz="1200"/>
+                      <a:endParaRPr/>
                     </a:p>
                   </a:txBody>
                   <a:tcPr marT="91425" marB="91425" marR="91425" marL="91425" anchor="ctr">
@@ -7603,10 +7603,10 @@
                         <a:buNone/>
                       </a:pPr>
                       <a:r>
-                        <a:rPr lang="en" sz="1200"/>
+                        <a:rPr lang="en"/>
                         <a:t>Demo starts</a:t>
                       </a:r>
-                      <a:endParaRPr sz="1200"/>
+                      <a:endParaRPr/>
                     </a:p>
                   </a:txBody>
                   <a:tcPr marT="91425" marB="91425" marR="91425" marL="91425" anchor="ctr">
@@ -7668,10 +7668,10 @@
                         <a:buNone/>
                       </a:pPr>
                       <a:r>
-                        <a:rPr lang="en" sz="1200"/>
+                        <a:rPr lang="en"/>
                         <a:t>10min.</a:t>
                       </a:r>
-                      <a:endParaRPr sz="1200"/>
+                      <a:endParaRPr/>
                     </a:p>
                   </a:txBody>
                   <a:tcPr marT="91425" marB="91425" marR="91425" marL="91425" anchor="ctr">
@@ -7731,10 +7731,10 @@
                         <a:buNone/>
                       </a:pPr>
                       <a:r>
-                        <a:rPr lang="en" sz="1200"/>
+                        <a:rPr lang="en"/>
                         <a:t>Demo finishes, discussion starts</a:t>
                       </a:r>
-                      <a:endParaRPr sz="1200"/>
+                      <a:endParaRPr/>
                     </a:p>
                   </a:txBody>
                   <a:tcPr marT="91425" marB="91425" marR="91425" marL="91425" anchor="ctr">
@@ -7796,10 +7796,10 @@
                         <a:buNone/>
                       </a:pPr>
                       <a:r>
-                        <a:rPr lang="en" sz="1200"/>
+                        <a:rPr lang="en"/>
                         <a:t>19min.</a:t>
                       </a:r>
-                      <a:endParaRPr sz="1200"/>
+                      <a:endParaRPr/>
                     </a:p>
                   </a:txBody>
                   <a:tcPr marT="91425" marB="91425" marR="91425" marL="91425" anchor="ctr">
@@ -7859,10 +7859,10 @@
                         <a:buNone/>
                       </a:pPr>
                       <a:r>
-                        <a:rPr lang="en" sz="1200"/>
+                        <a:rPr lang="en"/>
                         <a:t>60 second countdown to room closing starts</a:t>
                       </a:r>
-                      <a:endParaRPr sz="1200"/>
+                      <a:endParaRPr/>
                     </a:p>
                   </a:txBody>
                   <a:tcPr marT="91425" marB="91425" marR="91425" marL="91425" anchor="ctr">
@@ -7924,10 +7924,10 @@
                         <a:buNone/>
                       </a:pPr>
                       <a:r>
-                        <a:rPr lang="en" sz="1200"/>
+                        <a:rPr lang="en"/>
                         <a:t>20min.</a:t>
                       </a:r>
-                      <a:endParaRPr sz="1200"/>
+                      <a:endParaRPr/>
                     </a:p>
                   </a:txBody>
                   <a:tcPr marT="91425" marB="91425" marR="91425" marL="91425" anchor="ctr">
@@ -7984,10 +7984,10 @@
                         <a:buNone/>
                       </a:pPr>
                       <a:r>
-                        <a:rPr lang="en" sz="1200"/>
+                        <a:rPr lang="en"/>
                         <a:t>Room closes, everyone is pulled back into the main room</a:t>
                       </a:r>
-                      <a:endParaRPr sz="1200"/>
+                      <a:endParaRPr/>
                     </a:p>
                   </a:txBody>
                   <a:tcPr marT="91425" marB="91425" marR="91425" marL="91425" anchor="ctr">
@@ -12843,7 +12843,7 @@
             <a:tbl>
               <a:tblPr>
                 <a:noFill/>
-                <a:tableStyleId>{8F83226F-8410-4394-815E-307B4058F225}</a:tableStyleId>
+                <a:tableStyleId>{CC8C8831-172C-49B0-B673-B09C171BC179}</a:tableStyleId>
               </a:tblPr>
               <a:tblGrid>
                 <a:gridCol w="1432550"/>
@@ -13225,10 +13225,10 @@
                         <a:buNone/>
                       </a:pPr>
                       <a:r>
-                        <a:rPr lang="en" sz="1200"/>
+                        <a:rPr lang="en"/>
                         <a:t>10:15</a:t>
                       </a:r>
-                      <a:endParaRPr sz="1200"/>
+                      <a:endParaRPr/>
                     </a:p>
                   </a:txBody>
                   <a:tcPr marT="91425" marB="91425" marR="91425" marL="91425" anchor="ctr">
@@ -13288,10 +13288,10 @@
                         <a:buNone/>
                       </a:pPr>
                       <a:r>
-                        <a:rPr lang="en" sz="1200"/>
+                        <a:rPr lang="en"/>
                         <a:t>10 min</a:t>
                       </a:r>
-                      <a:endParaRPr sz="1200"/>
+                      <a:endParaRPr/>
                     </a:p>
                   </a:txBody>
                   <a:tcPr marT="91425" marB="91425" marR="91425" marL="91425" anchor="ctr">
@@ -13351,10 +13351,10 @@
                         <a:buNone/>
                       </a:pPr>
                       <a:r>
-                        <a:rPr lang="en" sz="1200"/>
+                        <a:rPr lang="en"/>
                         <a:t>Riehle</a:t>
                       </a:r>
-                      <a:endParaRPr sz="1200"/>
+                      <a:endParaRPr/>
                     </a:p>
                   </a:txBody>
                   <a:tcPr marT="91425" marB="91425" marR="91425" marL="91425" anchor="ctr">
@@ -13414,10 +13414,10 @@
                         <a:buNone/>
                       </a:pPr>
                       <a:r>
-                        <a:rPr lang="en" sz="1200"/>
+                        <a:rPr lang="en"/>
                         <a:t>Introduction</a:t>
                       </a:r>
-                      <a:endParaRPr sz="1200"/>
+                      <a:endParaRPr/>
                     </a:p>
                   </a:txBody>
                   <a:tcPr marT="91425" marB="91425" marR="91425" marL="91425" anchor="ctr">
@@ -13477,10 +13477,10 @@
                         <a:buNone/>
                       </a:pPr>
                       <a:r>
-                        <a:rPr lang="en" sz="1200"/>
+                        <a:rPr lang="en"/>
                         <a:t>Main room</a:t>
                       </a:r>
-                      <a:endParaRPr sz="1200"/>
+                      <a:endParaRPr/>
                     </a:p>
                   </a:txBody>
                   <a:tcPr marT="91425" marB="91425" marR="91425" marL="91425" anchor="ctr">
@@ -13542,10 +13542,10 @@
                         <a:buNone/>
                       </a:pPr>
                       <a:r>
-                        <a:rPr lang="en" sz="1200"/>
+                        <a:rPr lang="en"/>
                         <a:t>10:25</a:t>
                       </a:r>
-                      <a:endParaRPr sz="1200"/>
+                      <a:endParaRPr/>
                     </a:p>
                   </a:txBody>
                   <a:tcPr marT="91425" marB="91425" marR="91425" marL="91425" anchor="ctr">
@@ -13605,10 +13605,10 @@
                         <a:buNone/>
                       </a:pPr>
                       <a:r>
-                        <a:rPr lang="en" sz="1200"/>
+                        <a:rPr lang="en"/>
                         <a:t>10 min</a:t>
                       </a:r>
-                      <a:endParaRPr sz="1200"/>
+                      <a:endParaRPr/>
                     </a:p>
                   </a:txBody>
                   <a:tcPr marT="91425" marB="91425" marR="91425" marL="91425" anchor="ctr">
@@ -13668,10 +13668,10 @@
                         <a:buNone/>
                       </a:pPr>
                       <a:r>
-                        <a:rPr lang="en" sz="1200"/>
+                        <a:rPr lang="en"/>
                         <a:t>Teams</a:t>
                       </a:r>
-                      <a:endParaRPr sz="1200"/>
+                      <a:endParaRPr/>
                     </a:p>
                   </a:txBody>
                   <a:tcPr marT="91425" marB="91425" marR="91425" marL="91425" anchor="ctr">
@@ -13731,10 +13731,10 @@
                         <a:buNone/>
                       </a:pPr>
                       <a:r>
-                        <a:rPr lang="en" sz="1200"/>
+                        <a:rPr lang="en"/>
                         <a:t>One slide summary</a:t>
                       </a:r>
-                      <a:endParaRPr sz="1200"/>
+                      <a:endParaRPr/>
                     </a:p>
                   </a:txBody>
                   <a:tcPr marT="91425" marB="91425" marR="91425" marL="91425" anchor="ctr">
@@ -13794,10 +13794,10 @@
                         <a:buNone/>
                       </a:pPr>
                       <a:r>
-                        <a:rPr lang="en" sz="1200"/>
+                        <a:rPr lang="en"/>
                         <a:t>Main room</a:t>
                       </a:r>
-                      <a:endParaRPr sz="1200"/>
+                      <a:endParaRPr/>
                     </a:p>
                   </a:txBody>
                   <a:tcPr marT="91425" marB="91425" marR="91425" marL="91425" anchor="ctr">
@@ -13859,10 +13859,10 @@
                         <a:buNone/>
                       </a:pPr>
                       <a:r>
-                        <a:rPr lang="en" sz="1200"/>
+                        <a:rPr lang="en"/>
                         <a:t>10:35</a:t>
                       </a:r>
-                      <a:endParaRPr sz="1200"/>
+                      <a:endParaRPr/>
                     </a:p>
                   </a:txBody>
                   <a:tcPr marT="91425" marB="91425" marR="91425" marL="91425" anchor="ctr">
@@ -13922,10 +13922,10 @@
                         <a:buNone/>
                       </a:pPr>
                       <a:r>
-                        <a:rPr lang="en" sz="1200"/>
+                        <a:rPr lang="en"/>
                         <a:t>20 min</a:t>
                       </a:r>
-                      <a:endParaRPr sz="1200"/>
+                      <a:endParaRPr/>
                     </a:p>
                   </a:txBody>
                   <a:tcPr marT="91425" marB="91425" marR="91425" marL="91425" anchor="ctr">
@@ -13985,10 +13985,10 @@
                         <a:buNone/>
                       </a:pPr>
                       <a:r>
-                        <a:rPr lang="en" sz="1200"/>
+                        <a:rPr lang="en"/>
                         <a:t>Teams</a:t>
                       </a:r>
-                      <a:endParaRPr sz="1200"/>
+                      <a:endParaRPr/>
                     </a:p>
                   </a:txBody>
                   <a:tcPr marT="91425" marB="91425" marR="91425" marL="91425" anchor="ctr">
@@ -14048,10 +14048,10 @@
                         <a:buNone/>
                       </a:pPr>
                       <a:r>
-                        <a:rPr lang="en" sz="1200"/>
+                        <a:rPr lang="en"/>
                         <a:t>Demo</a:t>
                       </a:r>
-                      <a:endParaRPr sz="1200"/>
+                      <a:endParaRPr/>
                     </a:p>
                   </a:txBody>
                   <a:tcPr marT="91425" marB="91425" marR="91425" marL="91425" anchor="ctr">
@@ -14111,10 +14111,10 @@
                         <a:buNone/>
                       </a:pPr>
                       <a:r>
-                        <a:rPr lang="en" sz="1200"/>
+                        <a:rPr lang="en"/>
                         <a:t>Demo rooms</a:t>
                       </a:r>
-                      <a:endParaRPr sz="1200"/>
+                      <a:endParaRPr/>
                     </a:p>
                   </a:txBody>
                   <a:tcPr marT="91425" marB="91425" marR="91425" marL="91425" anchor="ctr">
@@ -14176,10 +14176,10 @@
                         <a:buNone/>
                       </a:pPr>
                       <a:r>
-                        <a:rPr lang="en" sz="1200"/>
+                        <a:rPr lang="en"/>
                         <a:t>10:55</a:t>
                       </a:r>
-                      <a:endParaRPr sz="1200"/>
+                      <a:endParaRPr/>
                     </a:p>
                   </a:txBody>
                   <a:tcPr marT="91425" marB="91425" marR="91425" marL="91425" anchor="ctr">
@@ -14239,10 +14239,10 @@
                         <a:buNone/>
                       </a:pPr>
                       <a:r>
-                        <a:rPr lang="en" sz="1200"/>
+                        <a:rPr lang="en"/>
                         <a:t>20 min</a:t>
                       </a:r>
-                      <a:endParaRPr sz="1200"/>
+                      <a:endParaRPr/>
                     </a:p>
                   </a:txBody>
                   <a:tcPr marT="91425" marB="91425" marR="91425" marL="91425" anchor="ctr">
@@ -14302,10 +14302,10 @@
                         <a:buNone/>
                       </a:pPr>
                       <a:r>
-                        <a:rPr lang="en" sz="1200"/>
+                        <a:rPr lang="en"/>
                         <a:t>Teams</a:t>
                       </a:r>
-                      <a:endParaRPr sz="1200"/>
+                      <a:endParaRPr/>
                     </a:p>
                   </a:txBody>
                   <a:tcPr marT="91425" marB="91425" marR="91425" marL="91425" anchor="ctr">
@@ -14365,10 +14365,10 @@
                         <a:buNone/>
                       </a:pPr>
                       <a:r>
-                        <a:rPr lang="en" sz="1200"/>
+                        <a:rPr lang="en"/>
                         <a:t>Demo</a:t>
                       </a:r>
-                      <a:endParaRPr sz="1200"/>
+                      <a:endParaRPr/>
                     </a:p>
                   </a:txBody>
                   <a:tcPr marT="91425" marB="91425" marR="91425" marL="91425" anchor="ctr">
@@ -14428,10 +14428,10 @@
                         <a:buNone/>
                       </a:pPr>
                       <a:r>
-                        <a:rPr lang="en" sz="1200"/>
+                        <a:rPr lang="en"/>
                         <a:t>Demo rooms</a:t>
                       </a:r>
-                      <a:endParaRPr sz="1200"/>
+                      <a:endParaRPr/>
                     </a:p>
                   </a:txBody>
                   <a:tcPr marT="91425" marB="91425" marR="91425" marL="91425" anchor="ctr">
@@ -14493,10 +14493,10 @@
                         <a:buNone/>
                       </a:pPr>
                       <a:r>
-                        <a:rPr lang="en" sz="1200"/>
+                        <a:rPr lang="en"/>
                         <a:t>11:15</a:t>
                       </a:r>
-                      <a:endParaRPr sz="1200"/>
+                      <a:endParaRPr/>
                     </a:p>
                   </a:txBody>
                   <a:tcPr marT="91425" marB="91425" marR="91425" marL="91425" anchor="ctr">
@@ -14556,10 +14556,10 @@
                         <a:buNone/>
                       </a:pPr>
                       <a:r>
-                        <a:rPr lang="en" sz="1200"/>
+                        <a:rPr lang="en"/>
                         <a:t>20 min</a:t>
                       </a:r>
-                      <a:endParaRPr sz="1200"/>
+                      <a:endParaRPr/>
                     </a:p>
                   </a:txBody>
                   <a:tcPr marT="91425" marB="91425" marR="91425" marL="91425" anchor="ctr">
@@ -14619,10 +14619,10 @@
                         <a:buNone/>
                       </a:pPr>
                       <a:r>
-                        <a:rPr lang="en" sz="1200"/>
+                        <a:rPr lang="en"/>
                         <a:t>Teams</a:t>
                       </a:r>
-                      <a:endParaRPr sz="1200"/>
+                      <a:endParaRPr/>
                     </a:p>
                   </a:txBody>
                   <a:tcPr marT="91425" marB="91425" marR="91425" marL="91425" anchor="ctr">
@@ -14682,10 +14682,10 @@
                         <a:buNone/>
                       </a:pPr>
                       <a:r>
-                        <a:rPr lang="en" sz="1200"/>
+                        <a:rPr lang="en"/>
                         <a:t>Demo</a:t>
                       </a:r>
-                      <a:endParaRPr sz="1200"/>
+                      <a:endParaRPr/>
                     </a:p>
                   </a:txBody>
                   <a:tcPr marT="91425" marB="91425" marR="91425" marL="91425" anchor="ctr">
@@ -14745,10 +14745,10 @@
                         <a:buNone/>
                       </a:pPr>
                       <a:r>
-                        <a:rPr lang="en" sz="1200"/>
+                        <a:rPr lang="en"/>
                         <a:t>Demo rooms</a:t>
                       </a:r>
-                      <a:endParaRPr sz="1200"/>
+                      <a:endParaRPr/>
                     </a:p>
                   </a:txBody>
                   <a:tcPr marT="91425" marB="91425" marR="91425" marL="91425" anchor="ctr">
@@ -14810,10 +14810,10 @@
                         <a:buNone/>
                       </a:pPr>
                       <a:r>
-                        <a:rPr lang="en" sz="1200"/>
+                        <a:rPr lang="en"/>
                         <a:t>11:35</a:t>
                       </a:r>
-                      <a:endParaRPr sz="1200"/>
+                      <a:endParaRPr/>
                     </a:p>
                   </a:txBody>
                   <a:tcPr marT="91425" marB="91425" marR="91425" marL="91425" anchor="ctr">
@@ -14873,14 +14873,14 @@
                         <a:buNone/>
                       </a:pPr>
                       <a:r>
-                        <a:rPr lang="en" sz="1200"/>
+                        <a:rPr lang="en"/>
                         <a:t>5</a:t>
                       </a:r>
                       <a:r>
-                        <a:rPr lang="en" sz="1200"/>
+                        <a:rPr lang="en"/>
                         <a:t> min</a:t>
                       </a:r>
-                      <a:endParaRPr sz="1200"/>
+                      <a:endParaRPr/>
                     </a:p>
                   </a:txBody>
                   <a:tcPr marT="91425" marB="91425" marR="91425" marL="91425" anchor="ctr">
@@ -14940,10 +14940,10 @@
                         <a:buNone/>
                       </a:pPr>
                       <a:r>
-                        <a:rPr lang="en" sz="1200"/>
+                        <a:rPr lang="en"/>
                         <a:t>Riehle</a:t>
                       </a:r>
-                      <a:endParaRPr sz="1200"/>
+                      <a:endParaRPr/>
                     </a:p>
                   </a:txBody>
                   <a:tcPr marT="91425" marB="91425" marR="91425" marL="91425" anchor="ctr">
@@ -15003,10 +15003,10 @@
                         <a:buNone/>
                       </a:pPr>
                       <a:r>
-                        <a:rPr lang="en" sz="1200"/>
+                        <a:rPr lang="en"/>
                         <a:t>Conclusions</a:t>
                       </a:r>
-                      <a:endParaRPr sz="1200"/>
+                      <a:endParaRPr/>
                     </a:p>
                   </a:txBody>
                   <a:tcPr marT="91425" marB="91425" marR="91425" marL="91425" anchor="ctr">
@@ -15066,10 +15066,10 @@
                         <a:buNone/>
                       </a:pPr>
                       <a:r>
-                        <a:rPr lang="en" sz="1200"/>
+                        <a:rPr lang="en"/>
                         <a:t>Main room</a:t>
                       </a:r>
-                      <a:endParaRPr sz="1200"/>
+                      <a:endParaRPr/>
                     </a:p>
                   </a:txBody>
                   <a:tcPr marT="91425" marB="91425" marR="91425" marL="91425" anchor="ctr">

--- a/Lecture slides/AMOS C01 - Demo Day Preparation.pptx
+++ b/Lecture slides/AMOS C01 - Demo Day Preparation.pptx
@@ -7248,7 +7248,7 @@
             <a:tbl>
               <a:tblPr>
                 <a:noFill/>
-                <a:tableStyleId>{79A24FBE-75BC-4A47-B159-183F860D7AD7}</a:tableStyleId>
+                <a:tableStyleId>{2F2CD4EC-984E-4CF3-8E55-FA5D9D0C1F08}</a:tableStyleId>
               </a:tblPr>
               <a:tblGrid>
                 <a:gridCol w="1315250"/>
@@ -8867,7 +8867,7 @@
             </a:pPr>
             <a:r>
               <a:rPr lang="en"/>
-              <a:t>One-Time Deliverable: Demo Day Video</a:t>
+              <a:t>One-Time Deliverable: Demo Video</a:t>
             </a:r>
             <a:endParaRPr/>
           </a:p>
@@ -11949,17 +11949,17 @@
               <a:buChar char="●"/>
             </a:pPr>
             <a:r>
-              <a:rPr lang="en"/>
-              <a:t>Course feedback survey on your </a:t>
-            </a:r>
-            <a:r>
               <a:rPr lang="en" u="sng">
                 <a:solidFill>
                   <a:schemeClr val="hlink"/>
                 </a:solidFill>
                 <a:hlinkClick r:id="rId3"/>
               </a:rPr>
-              <a:t>course management system</a:t>
+              <a:t>https://forms.gle/D1hgbBYgRkbELZY86</a:t>
+            </a:r>
+            <a:r>
+              <a:rPr lang="en"/>
+              <a:t> </a:t>
             </a:r>
             <a:endParaRPr/>
           </a:p>
@@ -12843,7 +12843,7 @@
             <a:tbl>
               <a:tblPr>
                 <a:noFill/>
-                <a:tableStyleId>{CC8C8831-172C-49B0-B673-B09C171BC179}</a:tableStyleId>
+                <a:tableStyleId>{A0896CDA-8C62-45F3-A076-5D867DF44E04}</a:tableStyleId>
               </a:tblPr>
               <a:tblGrid>
                 <a:gridCol w="1432550"/>
@@ -15643,6 +15643,285 @@
 </file>
 
 <file path=ppt/theme/theme1.xml><?xml version="1.0" encoding="utf-8"?>
+<a:theme xmlns:a="http://schemas.openxmlformats.org/drawingml/2006/main" xmlns:r="http://schemas.openxmlformats.org/officeDocument/2006/relationships">
+  <a:themeElements>
+    <a:clrScheme name="Default">
+      <a:dk1>
+        <a:srgbClr val="000000"/>
+      </a:dk1>
+      <a:lt1>
+        <a:srgbClr val="FFFFFF"/>
+      </a:lt1>
+      <a:dk2>
+        <a:srgbClr val="158158"/>
+      </a:dk2>
+      <a:lt2>
+        <a:srgbClr val="F3F3F3"/>
+      </a:lt2>
+      <a:accent1>
+        <a:srgbClr val="058DC7"/>
+      </a:accent1>
+      <a:accent2>
+        <a:srgbClr val="50B432"/>
+      </a:accent2>
+      <a:accent3>
+        <a:srgbClr val="ED561B"/>
+      </a:accent3>
+      <a:accent4>
+        <a:srgbClr val="EDEF00"/>
+      </a:accent4>
+      <a:accent5>
+        <a:srgbClr val="24CBE5"/>
+      </a:accent5>
+      <a:accent6>
+        <a:srgbClr val="64E572"/>
+      </a:accent6>
+      <a:hlink>
+        <a:srgbClr val="2200CC"/>
+      </a:hlink>
+      <a:folHlink>
+        <a:srgbClr val="551A8B"/>
+      </a:folHlink>
+    </a:clrScheme>
+    <a:fontScheme name="Office">
+      <a:majorFont>
+        <a:latin typeface="Arial"/>
+        <a:ea typeface=""/>
+        <a:cs typeface=""/>
+        <a:font script="Jpan" typeface="ＭＳ Ｐゴシック"/>
+        <a:font script="Hang" typeface="맑은 고딕"/>
+        <a:font script="Hans" typeface="宋体"/>
+        <a:font script="Hant" typeface="新細明體"/>
+        <a:font script="Arab" typeface="Times New Roman"/>
+        <a:font script="Hebr" typeface="Times New Roman"/>
+        <a:font script="Thai" typeface="Angsana New"/>
+        <a:font script="Ethi" typeface="Nyala"/>
+        <a:font script="Beng" typeface="Vrinda"/>
+        <a:font script="Gujr" typeface="Shruti"/>
+        <a:font script="Khmr" typeface="MoolBoran"/>
+        <a:font script="Knda" typeface="Tunga"/>
+        <a:font script="Guru" typeface="Raavi"/>
+        <a:font script="Cans" typeface="Euphemia"/>
+        <a:font script="Cher" typeface="Plantagenet Cherokee"/>
+        <a:font script="Yiii" typeface="Microsoft Yi Baiti"/>
+        <a:font script="Tibt" typeface="Microsoft Himalaya"/>
+        <a:font script="Thaa" typeface="MV Boli"/>
+        <a:font script="Deva" typeface="Mangal"/>
+        <a:font script="Telu" typeface="Gautami"/>
+        <a:font script="Taml" typeface="Latha"/>
+        <a:font script="Syrc" typeface="Estrangelo Edessa"/>
+        <a:font script="Orya" typeface="Kalinga"/>
+        <a:font script="Mlym" typeface="Kartika"/>
+        <a:font script="Laoo" typeface="DokChampa"/>
+        <a:font script="Sinh" typeface="Iskoola Pota"/>
+        <a:font script="Mong" typeface="Mongolian Baiti"/>
+        <a:font script="Viet" typeface="Times New Roman"/>
+        <a:font script="Uigh" typeface="Microsoft Uighur"/>
+        <a:font script="Geor" typeface="Sylfaen"/>
+      </a:majorFont>
+      <a:minorFont>
+        <a:latin typeface="Arial"/>
+        <a:ea typeface=""/>
+        <a:cs typeface=""/>
+        <a:font script="Jpan" typeface="ＭＳ Ｐゴシック"/>
+        <a:font script="Hang" typeface="맑은 고딕"/>
+        <a:font script="Hans" typeface="宋体"/>
+        <a:font script="Hant" typeface="新細明體"/>
+        <a:font script="Arab" typeface="Arial"/>
+        <a:font script="Hebr" typeface="Arial"/>
+        <a:font script="Thai" typeface="Cordia New"/>
+        <a:font script="Ethi" typeface="Nyala"/>
+        <a:font script="Beng" typeface="Vrinda"/>
+        <a:font script="Gujr" typeface="Shruti"/>
+        <a:font script="Khmr" typeface="DaunPenh"/>
+        <a:font script="Knda" typeface="Tunga"/>
+        <a:font script="Guru" typeface="Raavi"/>
+        <a:font script="Cans" typeface="Euphemia"/>
+        <a:font script="Cher" typeface="Plantagenet Cherokee"/>
+        <a:font script="Yiii" typeface="Microsoft Yi Baiti"/>
+        <a:font script="Tibt" typeface="Microsoft Himalaya"/>
+        <a:font script="Thaa" typeface="MV Boli"/>
+        <a:font script="Deva" typeface="Mangal"/>
+        <a:font script="Telu" typeface="Gautami"/>
+        <a:font script="Taml" typeface="Latha"/>
+        <a:font script="Syrc" typeface="Estrangelo Edessa"/>
+        <a:font script="Orya" typeface="Kalinga"/>
+        <a:font script="Mlym" typeface="Kartika"/>
+        <a:font script="Laoo" typeface="DokChampa"/>
+        <a:font script="Sinh" typeface="Iskoola Pota"/>
+        <a:font script="Mong" typeface="Mongolian Baiti"/>
+        <a:font script="Viet" typeface="Arial"/>
+        <a:font script="Uigh" typeface="Microsoft Uighur"/>
+        <a:font script="Geor" typeface="Sylfaen"/>
+      </a:minorFont>
+    </a:fontScheme>
+    <a:fmtScheme name="Office">
+      <a:fillStyleLst>
+        <a:solidFill>
+          <a:schemeClr val="phClr"/>
+        </a:solidFill>
+        <a:gradFill rotWithShape="1">
+          <a:gsLst>
+            <a:gs pos="0">
+              <a:schemeClr val="phClr">
+                <a:tint val="50000"/>
+                <a:satMod val="300000"/>
+              </a:schemeClr>
+            </a:gs>
+            <a:gs pos="35000">
+              <a:schemeClr val="phClr">
+                <a:tint val="37000"/>
+                <a:satMod val="300000"/>
+              </a:schemeClr>
+            </a:gs>
+            <a:gs pos="100000">
+              <a:schemeClr val="phClr">
+                <a:tint val="15000"/>
+                <a:satMod val="350000"/>
+              </a:schemeClr>
+            </a:gs>
+          </a:gsLst>
+          <a:lin ang="16200000" scaled="1"/>
+        </a:gradFill>
+        <a:gradFill rotWithShape="1">
+          <a:gsLst>
+            <a:gs pos="0">
+              <a:schemeClr val="phClr">
+                <a:tint val="100000"/>
+                <a:shade val="100000"/>
+                <a:satMod val="130000"/>
+              </a:schemeClr>
+            </a:gs>
+            <a:gs pos="100000">
+              <a:schemeClr val="phClr">
+                <a:tint val="50000"/>
+                <a:shade val="100000"/>
+                <a:satMod val="350000"/>
+              </a:schemeClr>
+            </a:gs>
+          </a:gsLst>
+          <a:lin ang="16200000" scaled="0"/>
+        </a:gradFill>
+      </a:fillStyleLst>
+      <a:lnStyleLst>
+        <a:ln w="9525" cap="flat" cmpd="sng" algn="ctr">
+          <a:solidFill>
+            <a:schemeClr val="phClr">
+              <a:shade val="95000"/>
+              <a:satMod val="105000"/>
+            </a:schemeClr>
+          </a:solidFill>
+          <a:prstDash val="solid"/>
+        </a:ln>
+        <a:ln w="25400" cap="flat" cmpd="sng" algn="ctr">
+          <a:solidFill>
+            <a:schemeClr val="phClr"/>
+          </a:solidFill>
+          <a:prstDash val="solid"/>
+        </a:ln>
+        <a:ln w="38100" cap="flat" cmpd="sng" algn="ctr">
+          <a:solidFill>
+            <a:schemeClr val="phClr"/>
+          </a:solidFill>
+          <a:prstDash val="solid"/>
+        </a:ln>
+      </a:lnStyleLst>
+      <a:effectStyleLst>
+        <a:effectStyle>
+          <a:effectLst>
+            <a:outerShdw blurRad="40000" dist="20000" dir="5400000" rotWithShape="0">
+              <a:srgbClr val="000000">
+                <a:alpha val="38000"/>
+              </a:srgbClr>
+            </a:outerShdw>
+          </a:effectLst>
+        </a:effectStyle>
+        <a:effectStyle>
+          <a:effectLst>
+            <a:outerShdw blurRad="40000" dist="23000" dir="5400000" rotWithShape="0">
+              <a:srgbClr val="000000">
+                <a:alpha val="35000"/>
+              </a:srgbClr>
+            </a:outerShdw>
+          </a:effectLst>
+        </a:effectStyle>
+        <a:effectStyle>
+          <a:effectLst>
+            <a:outerShdw blurRad="40000" dist="23000" dir="5400000" rotWithShape="0">
+              <a:srgbClr val="000000">
+                <a:alpha val="35000"/>
+              </a:srgbClr>
+            </a:outerShdw>
+          </a:effectLst>
+          <a:scene3d>
+            <a:camera prst="orthographicFront">
+              <a:rot lat="0" lon="0" rev="0"/>
+            </a:camera>
+            <a:lightRig rig="threePt" dir="t">
+              <a:rot lat="0" lon="0" rev="1200000"/>
+            </a:lightRig>
+          </a:scene3d>
+          <a:sp3d>
+            <a:bevelT w="63500" h="25400"/>
+          </a:sp3d>
+        </a:effectStyle>
+      </a:effectStyleLst>
+      <a:bgFillStyleLst>
+        <a:solidFill>
+          <a:schemeClr val="phClr"/>
+        </a:solidFill>
+        <a:gradFill rotWithShape="1">
+          <a:gsLst>
+            <a:gs pos="0">
+              <a:schemeClr val="phClr">
+                <a:tint val="40000"/>
+                <a:satMod val="350000"/>
+              </a:schemeClr>
+            </a:gs>
+            <a:gs pos="40000">
+              <a:schemeClr val="phClr">
+                <a:tint val="45000"/>
+                <a:shade val="99000"/>
+                <a:satMod val="350000"/>
+              </a:schemeClr>
+            </a:gs>
+            <a:gs pos="100000">
+              <a:schemeClr val="phClr">
+                <a:shade val="20000"/>
+                <a:satMod val="255000"/>
+              </a:schemeClr>
+            </a:gs>
+          </a:gsLst>
+          <a:path path="circle">
+            <a:fillToRect l="50000" t="-80000" r="50000" b="180000"/>
+          </a:path>
+        </a:gradFill>
+        <a:gradFill rotWithShape="1">
+          <a:gsLst>
+            <a:gs pos="0">
+              <a:schemeClr val="phClr">
+                <a:tint val="80000"/>
+                <a:satMod val="300000"/>
+              </a:schemeClr>
+            </a:gs>
+            <a:gs pos="100000">
+              <a:schemeClr val="phClr">
+                <a:shade val="30000"/>
+                <a:satMod val="200000"/>
+              </a:schemeClr>
+            </a:gs>
+          </a:gsLst>
+          <a:path path="circle">
+            <a:fillToRect l="50000" t="50000" r="50000" b="50000"/>
+          </a:path>
+        </a:gradFill>
+      </a:bgFillStyleLst>
+    </a:fmtScheme>
+  </a:themeElements>
+</a:theme>
+</file>
+
+<file path=ppt/theme/theme2.xml><?xml version="1.0" encoding="utf-8"?>
 <a:theme xmlns:a="http://schemas.openxmlformats.org/drawingml/2006/main" xmlns:r="http://schemas.openxmlformats.org/officeDocument/2006/relationships" name="AMOS Slides Template">
   <a:themeElements>
     <a:clrScheme name="Simple Light">
@@ -15919,283 +16198,4 @@
     </a:fmtScheme>
   </a:themeElements>
 </a:theme>
-</file>
-
-<file path=ppt/theme/theme2.xml><?xml version="1.0" encoding="utf-8"?>
-<a:theme xmlns:a="http://schemas.openxmlformats.org/drawingml/2006/main" xmlns:r="http://schemas.openxmlformats.org/officeDocument/2006/relationships">
-  <a:themeElements>
-    <a:clrScheme name="Default">
-      <a:dk1>
-        <a:srgbClr val="000000"/>
-      </a:dk1>
-      <a:lt1>
-        <a:srgbClr val="FFFFFF"/>
-      </a:lt1>
-      <a:dk2>
-        <a:srgbClr val="158158"/>
-      </a:dk2>
-      <a:lt2>
-        <a:srgbClr val="F3F3F3"/>
-      </a:lt2>
-      <a:accent1>
-        <a:srgbClr val="058DC7"/>
-      </a:accent1>
-      <a:accent2>
-        <a:srgbClr val="50B432"/>
-      </a:accent2>
-      <a:accent3>
-        <a:srgbClr val="ED561B"/>
-      </a:accent3>
-      <a:accent4>
-        <a:srgbClr val="EDEF00"/>
-      </a:accent4>
-      <a:accent5>
-        <a:srgbClr val="24CBE5"/>
-      </a:accent5>
-      <a:accent6>
-        <a:srgbClr val="64E572"/>
-      </a:accent6>
-      <a:hlink>
-        <a:srgbClr val="2200CC"/>
-      </a:hlink>
-      <a:folHlink>
-        <a:srgbClr val="551A8B"/>
-      </a:folHlink>
-    </a:clrScheme>
-    <a:fontScheme name="Office">
-      <a:majorFont>
-        <a:latin typeface="Arial"/>
-        <a:ea typeface=""/>
-        <a:cs typeface=""/>
-        <a:font script="Jpan" typeface="ＭＳ Ｐゴシック"/>
-        <a:font script="Hang" typeface="맑은 고딕"/>
-        <a:font script="Hans" typeface="宋体"/>
-        <a:font script="Hant" typeface="新細明體"/>
-        <a:font script="Arab" typeface="Times New Roman"/>
-        <a:font script="Hebr" typeface="Times New Roman"/>
-        <a:font script="Thai" typeface="Angsana New"/>
-        <a:font script="Ethi" typeface="Nyala"/>
-        <a:font script="Beng" typeface="Vrinda"/>
-        <a:font script="Gujr" typeface="Shruti"/>
-        <a:font script="Khmr" typeface="MoolBoran"/>
-        <a:font script="Knda" typeface="Tunga"/>
-        <a:font script="Guru" typeface="Raavi"/>
-        <a:font script="Cans" typeface="Euphemia"/>
-        <a:font script="Cher" typeface="Plantagenet Cherokee"/>
-        <a:font script="Yiii" typeface="Microsoft Yi Baiti"/>
-        <a:font script="Tibt" typeface="Microsoft Himalaya"/>
-        <a:font script="Thaa" typeface="MV Boli"/>
-        <a:font script="Deva" typeface="Mangal"/>
-        <a:font script="Telu" typeface="Gautami"/>
-        <a:font script="Taml" typeface="Latha"/>
-        <a:font script="Syrc" typeface="Estrangelo Edessa"/>
-        <a:font script="Orya" typeface="Kalinga"/>
-        <a:font script="Mlym" typeface="Kartika"/>
-        <a:font script="Laoo" typeface="DokChampa"/>
-        <a:font script="Sinh" typeface="Iskoola Pota"/>
-        <a:font script="Mong" typeface="Mongolian Baiti"/>
-        <a:font script="Viet" typeface="Times New Roman"/>
-        <a:font script="Uigh" typeface="Microsoft Uighur"/>
-        <a:font script="Geor" typeface="Sylfaen"/>
-      </a:majorFont>
-      <a:minorFont>
-        <a:latin typeface="Arial"/>
-        <a:ea typeface=""/>
-        <a:cs typeface=""/>
-        <a:font script="Jpan" typeface="ＭＳ Ｐゴシック"/>
-        <a:font script="Hang" typeface="맑은 고딕"/>
-        <a:font script="Hans" typeface="宋体"/>
-        <a:font script="Hant" typeface="新細明體"/>
-        <a:font script="Arab" typeface="Arial"/>
-        <a:font script="Hebr" typeface="Arial"/>
-        <a:font script="Thai" typeface="Cordia New"/>
-        <a:font script="Ethi" typeface="Nyala"/>
-        <a:font script="Beng" typeface="Vrinda"/>
-        <a:font script="Gujr" typeface="Shruti"/>
-        <a:font script="Khmr" typeface="DaunPenh"/>
-        <a:font script="Knda" typeface="Tunga"/>
-        <a:font script="Guru" typeface="Raavi"/>
-        <a:font script="Cans" typeface="Euphemia"/>
-        <a:font script="Cher" typeface="Plantagenet Cherokee"/>
-        <a:font script="Yiii" typeface="Microsoft Yi Baiti"/>
-        <a:font script="Tibt" typeface="Microsoft Himalaya"/>
-        <a:font script="Thaa" typeface="MV Boli"/>
-        <a:font script="Deva" typeface="Mangal"/>
-        <a:font script="Telu" typeface="Gautami"/>
-        <a:font script="Taml" typeface="Latha"/>
-        <a:font script="Syrc" typeface="Estrangelo Edessa"/>
-        <a:font script="Orya" typeface="Kalinga"/>
-        <a:font script="Mlym" typeface="Kartika"/>
-        <a:font script="Laoo" typeface="DokChampa"/>
-        <a:font script="Sinh" typeface="Iskoola Pota"/>
-        <a:font script="Mong" typeface="Mongolian Baiti"/>
-        <a:font script="Viet" typeface="Arial"/>
-        <a:font script="Uigh" typeface="Microsoft Uighur"/>
-        <a:font script="Geor" typeface="Sylfaen"/>
-      </a:minorFont>
-    </a:fontScheme>
-    <a:fmtScheme name="Office">
-      <a:fillStyleLst>
-        <a:solidFill>
-          <a:schemeClr val="phClr"/>
-        </a:solidFill>
-        <a:gradFill rotWithShape="1">
-          <a:gsLst>
-            <a:gs pos="0">
-              <a:schemeClr val="phClr">
-                <a:tint val="50000"/>
-                <a:satMod val="300000"/>
-              </a:schemeClr>
-            </a:gs>
-            <a:gs pos="35000">
-              <a:schemeClr val="phClr">
-                <a:tint val="37000"/>
-                <a:satMod val="300000"/>
-              </a:schemeClr>
-            </a:gs>
-            <a:gs pos="100000">
-              <a:schemeClr val="phClr">
-                <a:tint val="15000"/>
-                <a:satMod val="350000"/>
-              </a:schemeClr>
-            </a:gs>
-          </a:gsLst>
-          <a:lin ang="16200000" scaled="1"/>
-        </a:gradFill>
-        <a:gradFill rotWithShape="1">
-          <a:gsLst>
-            <a:gs pos="0">
-              <a:schemeClr val="phClr">
-                <a:tint val="100000"/>
-                <a:shade val="100000"/>
-                <a:satMod val="130000"/>
-              </a:schemeClr>
-            </a:gs>
-            <a:gs pos="100000">
-              <a:schemeClr val="phClr">
-                <a:tint val="50000"/>
-                <a:shade val="100000"/>
-                <a:satMod val="350000"/>
-              </a:schemeClr>
-            </a:gs>
-          </a:gsLst>
-          <a:lin ang="16200000" scaled="0"/>
-        </a:gradFill>
-      </a:fillStyleLst>
-      <a:lnStyleLst>
-        <a:ln w="9525" cap="flat" cmpd="sng" algn="ctr">
-          <a:solidFill>
-            <a:schemeClr val="phClr">
-              <a:shade val="95000"/>
-              <a:satMod val="105000"/>
-            </a:schemeClr>
-          </a:solidFill>
-          <a:prstDash val="solid"/>
-        </a:ln>
-        <a:ln w="25400" cap="flat" cmpd="sng" algn="ctr">
-          <a:solidFill>
-            <a:schemeClr val="phClr"/>
-          </a:solidFill>
-          <a:prstDash val="solid"/>
-        </a:ln>
-        <a:ln w="38100" cap="flat" cmpd="sng" algn="ctr">
-          <a:solidFill>
-            <a:schemeClr val="phClr"/>
-          </a:solidFill>
-          <a:prstDash val="solid"/>
-        </a:ln>
-      </a:lnStyleLst>
-      <a:effectStyleLst>
-        <a:effectStyle>
-          <a:effectLst>
-            <a:outerShdw blurRad="40000" dist="20000" dir="5400000" rotWithShape="0">
-              <a:srgbClr val="000000">
-                <a:alpha val="38000"/>
-              </a:srgbClr>
-            </a:outerShdw>
-          </a:effectLst>
-        </a:effectStyle>
-        <a:effectStyle>
-          <a:effectLst>
-            <a:outerShdw blurRad="40000" dist="23000" dir="5400000" rotWithShape="0">
-              <a:srgbClr val="000000">
-                <a:alpha val="35000"/>
-              </a:srgbClr>
-            </a:outerShdw>
-          </a:effectLst>
-        </a:effectStyle>
-        <a:effectStyle>
-          <a:effectLst>
-            <a:outerShdw blurRad="40000" dist="23000" dir="5400000" rotWithShape="0">
-              <a:srgbClr val="000000">
-                <a:alpha val="35000"/>
-              </a:srgbClr>
-            </a:outerShdw>
-          </a:effectLst>
-          <a:scene3d>
-            <a:camera prst="orthographicFront">
-              <a:rot lat="0" lon="0" rev="0"/>
-            </a:camera>
-            <a:lightRig rig="threePt" dir="t">
-              <a:rot lat="0" lon="0" rev="1200000"/>
-            </a:lightRig>
-          </a:scene3d>
-          <a:sp3d>
-            <a:bevelT w="63500" h="25400"/>
-          </a:sp3d>
-        </a:effectStyle>
-      </a:effectStyleLst>
-      <a:bgFillStyleLst>
-        <a:solidFill>
-          <a:schemeClr val="phClr"/>
-        </a:solidFill>
-        <a:gradFill rotWithShape="1">
-          <a:gsLst>
-            <a:gs pos="0">
-              <a:schemeClr val="phClr">
-                <a:tint val="40000"/>
-                <a:satMod val="350000"/>
-              </a:schemeClr>
-            </a:gs>
-            <a:gs pos="40000">
-              <a:schemeClr val="phClr">
-                <a:tint val="45000"/>
-                <a:shade val="99000"/>
-                <a:satMod val="350000"/>
-              </a:schemeClr>
-            </a:gs>
-            <a:gs pos="100000">
-              <a:schemeClr val="phClr">
-                <a:shade val="20000"/>
-                <a:satMod val="255000"/>
-              </a:schemeClr>
-            </a:gs>
-          </a:gsLst>
-          <a:path path="circle">
-            <a:fillToRect l="50000" t="-80000" r="50000" b="180000"/>
-          </a:path>
-        </a:gradFill>
-        <a:gradFill rotWithShape="1">
-          <a:gsLst>
-            <a:gs pos="0">
-              <a:schemeClr val="phClr">
-                <a:tint val="80000"/>
-                <a:satMod val="300000"/>
-              </a:schemeClr>
-            </a:gs>
-            <a:gs pos="100000">
-              <a:schemeClr val="phClr">
-                <a:shade val="30000"/>
-                <a:satMod val="200000"/>
-              </a:schemeClr>
-            </a:gs>
-          </a:gsLst>
-          <a:path path="circle">
-            <a:fillToRect l="50000" t="50000" r="50000" b="50000"/>
-          </a:path>
-        </a:gradFill>
-      </a:bgFillStyleLst>
-    </a:fmtScheme>
-  </a:themeElements>
-</a:theme>
 </file>
--- a/Lecture slides/AMOS C01 - Demo Day Preparation.pptx
+++ b/Lecture slides/AMOS C01 - Demo Day Preparation.pptx
@@ -35,7 +35,6 @@
     <p:sldId id="280" r:id="rId31"/>
     <p:sldId id="281" r:id="rId32"/>
     <p:sldId id="282" r:id="rId33"/>
-    <p:sldId id="283" r:id="rId34"/>
   </p:sldIdLst>
   <p:sldSz cy="5143500" cx="9144000"/>
   <p:notesSz cx="6858000" cy="9144000"/>
@@ -718,7 +717,7 @@
   <p:cSld>
     <p:spTree>
       <p:nvGrpSpPr>
-        <p:cNvPr id="32" name="Shape 32"/>
+        <p:cNvPr id="47" name="Shape 47"/>
         <p:cNvGrpSpPr/>
         <p:nvPr/>
       </p:nvGrpSpPr>
@@ -732,7 +731,7 @@
       </p:grpSpPr>
       <p:sp>
         <p:nvSpPr>
-          <p:cNvPr id="33" name="Google Shape;33;g2cd8d5558b2_0_59:notes"/>
+          <p:cNvPr id="48" name="Google Shape;48;g2cd8d5558b2_0_59:notes"/>
           <p:cNvSpPr/>
           <p:nvPr>
             <p:ph idx="2" type="sldImg"/>
@@ -767,7 +766,7 @@
       </p:sp>
       <p:sp>
         <p:nvSpPr>
-          <p:cNvPr id="34" name="Google Shape;34;g2cd8d5558b2_0_59:notes"/>
+          <p:cNvPr id="49" name="Google Shape;49;g2cd8d5558b2_0_59:notes"/>
           <p:cNvSpPr txBox="1"/>
           <p:nvPr>
             <p:ph idx="1" type="body"/>
@@ -817,7 +816,7 @@
   <p:cSld>
     <p:spTree>
       <p:nvGrpSpPr>
-        <p:cNvPr id="92" name="Shape 92"/>
+        <p:cNvPr id="107" name="Shape 107"/>
         <p:cNvGrpSpPr/>
         <p:nvPr/>
       </p:nvGrpSpPr>
@@ -831,7 +830,7 @@
       </p:grpSpPr>
       <p:sp>
         <p:nvSpPr>
-          <p:cNvPr id="93" name="Google Shape;93;g15365535e7d_0_47:notes"/>
+          <p:cNvPr id="108" name="Google Shape;108;g15365535e7d_0_47:notes"/>
           <p:cNvSpPr/>
           <p:nvPr>
             <p:ph idx="2" type="sldImg"/>
@@ -866,7 +865,7 @@
       </p:sp>
       <p:sp>
         <p:nvSpPr>
-          <p:cNvPr id="94" name="Google Shape;94;g15365535e7d_0_47:notes"/>
+          <p:cNvPr id="109" name="Google Shape;109;g15365535e7d_0_47:notes"/>
           <p:cNvSpPr txBox="1"/>
           <p:nvPr>
             <p:ph idx="1" type="body"/>
@@ -916,7 +915,7 @@
   <p:cSld>
     <p:spTree>
       <p:nvGrpSpPr>
-        <p:cNvPr id="99" name="Shape 99"/>
+        <p:cNvPr id="114" name="Shape 114"/>
         <p:cNvGrpSpPr/>
         <p:nvPr/>
       </p:nvGrpSpPr>
@@ -930,7 +929,7 @@
       </p:grpSpPr>
       <p:sp>
         <p:nvSpPr>
-          <p:cNvPr id="100" name="Google Shape;100;g206af0edc8b_0_0:notes"/>
+          <p:cNvPr id="115" name="Google Shape;115;g206af0edc8b_0_0:notes"/>
           <p:cNvSpPr/>
           <p:nvPr>
             <p:ph idx="2" type="sldImg"/>
@@ -965,7 +964,7 @@
       </p:sp>
       <p:sp>
         <p:nvSpPr>
-          <p:cNvPr id="101" name="Google Shape;101;g206af0edc8b_0_0:notes"/>
+          <p:cNvPr id="116" name="Google Shape;116;g206af0edc8b_0_0:notes"/>
           <p:cNvSpPr txBox="1"/>
           <p:nvPr>
             <p:ph idx="1" type="body"/>
@@ -1015,7 +1014,7 @@
   <p:cSld>
     <p:spTree>
       <p:nvGrpSpPr>
-        <p:cNvPr id="106" name="Shape 106"/>
+        <p:cNvPr id="121" name="Shape 121"/>
         <p:cNvGrpSpPr/>
         <p:nvPr/>
       </p:nvGrpSpPr>
@@ -1029,7 +1028,7 @@
       </p:grpSpPr>
       <p:sp>
         <p:nvSpPr>
-          <p:cNvPr id="107" name="Google Shape;107;g15365535e7d_0_54:notes"/>
+          <p:cNvPr id="122" name="Google Shape;122;g15365535e7d_0_54:notes"/>
           <p:cNvSpPr/>
           <p:nvPr>
             <p:ph idx="2" type="sldImg"/>
@@ -1064,7 +1063,7 @@
       </p:sp>
       <p:sp>
         <p:nvSpPr>
-          <p:cNvPr id="108" name="Google Shape;108;g15365535e7d_0_54:notes"/>
+          <p:cNvPr id="123" name="Google Shape;123;g15365535e7d_0_54:notes"/>
           <p:cNvSpPr txBox="1"/>
           <p:nvPr>
             <p:ph idx="1" type="body"/>
@@ -1114,7 +1113,7 @@
   <p:cSld>
     <p:spTree>
       <p:nvGrpSpPr>
-        <p:cNvPr id="114" name="Shape 114"/>
+        <p:cNvPr id="129" name="Shape 129"/>
         <p:cNvGrpSpPr/>
         <p:nvPr/>
       </p:nvGrpSpPr>
@@ -1128,7 +1127,7 @@
       </p:grpSpPr>
       <p:sp>
         <p:nvSpPr>
-          <p:cNvPr id="115" name="Google Shape;115;g1e4fd58693c_0_20:notes"/>
+          <p:cNvPr id="130" name="Google Shape;130;g1e4fd58693c_0_20:notes"/>
           <p:cNvSpPr/>
           <p:nvPr>
             <p:ph idx="2" type="sldImg"/>
@@ -1163,7 +1162,7 @@
       </p:sp>
       <p:sp>
         <p:nvSpPr>
-          <p:cNvPr id="116" name="Google Shape;116;g1e4fd58693c_0_20:notes"/>
+          <p:cNvPr id="131" name="Google Shape;131;g1e4fd58693c_0_20:notes"/>
           <p:cNvSpPr txBox="1"/>
           <p:nvPr>
             <p:ph idx="1" type="body"/>
@@ -1213,7 +1212,7 @@
   <p:cSld>
     <p:spTree>
       <p:nvGrpSpPr>
-        <p:cNvPr id="121" name="Shape 121"/>
+        <p:cNvPr id="136" name="Shape 136"/>
         <p:cNvGrpSpPr/>
         <p:nvPr/>
       </p:nvGrpSpPr>
@@ -1227,7 +1226,7 @@
       </p:grpSpPr>
       <p:sp>
         <p:nvSpPr>
-          <p:cNvPr id="122" name="Google Shape;122;g2397aca6fd1_0_114:notes"/>
+          <p:cNvPr id="137" name="Google Shape;137;g2397aca6fd1_0_114:notes"/>
           <p:cNvSpPr/>
           <p:nvPr>
             <p:ph idx="2" type="sldImg"/>
@@ -1262,7 +1261,7 @@
       </p:sp>
       <p:sp>
         <p:nvSpPr>
-          <p:cNvPr id="123" name="Google Shape;123;g2397aca6fd1_0_114:notes"/>
+          <p:cNvPr id="138" name="Google Shape;138;g2397aca6fd1_0_114:notes"/>
           <p:cNvSpPr txBox="1"/>
           <p:nvPr>
             <p:ph idx="1" type="body"/>
@@ -1312,7 +1311,7 @@
   <p:cSld>
     <p:spTree>
       <p:nvGrpSpPr>
-        <p:cNvPr id="128" name="Shape 128"/>
+        <p:cNvPr id="143" name="Shape 143"/>
         <p:cNvGrpSpPr/>
         <p:nvPr/>
       </p:nvGrpSpPr>
@@ -1326,7 +1325,7 @@
       </p:grpSpPr>
       <p:sp>
         <p:nvSpPr>
-          <p:cNvPr id="129" name="Google Shape;129;g15365535e7d_0_61:notes"/>
+          <p:cNvPr id="144" name="Google Shape;144;g15365535e7d_0_61:notes"/>
           <p:cNvSpPr/>
           <p:nvPr>
             <p:ph idx="2" type="sldImg"/>
@@ -1361,7 +1360,7 @@
       </p:sp>
       <p:sp>
         <p:nvSpPr>
-          <p:cNvPr id="130" name="Google Shape;130;g15365535e7d_0_61:notes"/>
+          <p:cNvPr id="145" name="Google Shape;145;g15365535e7d_0_61:notes"/>
           <p:cNvSpPr txBox="1"/>
           <p:nvPr>
             <p:ph idx="1" type="body"/>
@@ -1411,7 +1410,7 @@
   <p:cSld>
     <p:spTree>
       <p:nvGrpSpPr>
-        <p:cNvPr id="135" name="Shape 135"/>
+        <p:cNvPr id="150" name="Shape 150"/>
         <p:cNvGrpSpPr/>
         <p:nvPr/>
       </p:nvGrpSpPr>
@@ -1425,7 +1424,7 @@
       </p:grpSpPr>
       <p:sp>
         <p:nvSpPr>
-          <p:cNvPr id="136" name="Google Shape;136;g2397aca6fd1_0_94:notes"/>
+          <p:cNvPr id="151" name="Google Shape;151;g2397aca6fd1_0_94:notes"/>
           <p:cNvSpPr/>
           <p:nvPr>
             <p:ph idx="2" type="sldImg"/>
@@ -1460,7 +1459,7 @@
       </p:sp>
       <p:sp>
         <p:nvSpPr>
-          <p:cNvPr id="137" name="Google Shape;137;g2397aca6fd1_0_94:notes"/>
+          <p:cNvPr id="152" name="Google Shape;152;g2397aca6fd1_0_94:notes"/>
           <p:cNvSpPr txBox="1"/>
           <p:nvPr>
             <p:ph idx="1" type="body"/>
@@ -1510,7 +1509,7 @@
   <p:cSld>
     <p:spTree>
       <p:nvGrpSpPr>
-        <p:cNvPr id="140" name="Shape 140"/>
+        <p:cNvPr id="155" name="Shape 155"/>
         <p:cNvGrpSpPr/>
         <p:nvPr/>
       </p:nvGrpSpPr>
@@ -1524,7 +1523,7 @@
       </p:grpSpPr>
       <p:sp>
         <p:nvSpPr>
-          <p:cNvPr id="141" name="Google Shape;141;g2397aca6fd1_0_76:notes"/>
+          <p:cNvPr id="156" name="Google Shape;156;g2397aca6fd1_0_76:notes"/>
           <p:cNvSpPr/>
           <p:nvPr>
             <p:ph idx="2" type="sldImg"/>
@@ -1559,7 +1558,7 @@
       </p:sp>
       <p:sp>
         <p:nvSpPr>
-          <p:cNvPr id="142" name="Google Shape;142;g2397aca6fd1_0_76:notes"/>
+          <p:cNvPr id="157" name="Google Shape;157;g2397aca6fd1_0_76:notes"/>
           <p:cNvSpPr txBox="1"/>
           <p:nvPr>
             <p:ph idx="1" type="body"/>
@@ -1609,7 +1608,7 @@
   <p:cSld>
     <p:spTree>
       <p:nvGrpSpPr>
-        <p:cNvPr id="147" name="Shape 147"/>
+        <p:cNvPr id="162" name="Shape 162"/>
         <p:cNvGrpSpPr/>
         <p:nvPr/>
       </p:nvGrpSpPr>
@@ -1623,7 +1622,7 @@
       </p:grpSpPr>
       <p:sp>
         <p:nvSpPr>
-          <p:cNvPr id="148" name="Google Shape;148;g2397aca6fd1_0_121:notes"/>
+          <p:cNvPr id="163" name="Google Shape;163;g2397aca6fd1_0_121:notes"/>
           <p:cNvSpPr/>
           <p:nvPr>
             <p:ph idx="2" type="sldImg"/>
@@ -1658,7 +1657,7 @@
       </p:sp>
       <p:sp>
         <p:nvSpPr>
-          <p:cNvPr id="149" name="Google Shape;149;g2397aca6fd1_0_121:notes"/>
+          <p:cNvPr id="164" name="Google Shape;164;g2397aca6fd1_0_121:notes"/>
           <p:cNvSpPr txBox="1"/>
           <p:nvPr>
             <p:ph idx="1" type="body"/>
@@ -1708,7 +1707,7 @@
   <p:cSld>
     <p:spTree>
       <p:nvGrpSpPr>
-        <p:cNvPr id="154" name="Shape 154"/>
+        <p:cNvPr id="169" name="Shape 169"/>
         <p:cNvGrpSpPr/>
         <p:nvPr/>
       </p:nvGrpSpPr>
@@ -1722,7 +1721,7 @@
       </p:grpSpPr>
       <p:sp>
         <p:nvSpPr>
-          <p:cNvPr id="155" name="Google Shape;155;g2397aca6fd1_0_127:notes"/>
+          <p:cNvPr id="170" name="Google Shape;170;g2397aca6fd1_0_127:notes"/>
           <p:cNvSpPr/>
           <p:nvPr>
             <p:ph idx="2" type="sldImg"/>
@@ -1757,7 +1756,7 @@
       </p:sp>
       <p:sp>
         <p:nvSpPr>
-          <p:cNvPr id="156" name="Google Shape;156;g2397aca6fd1_0_127:notes"/>
+          <p:cNvPr id="171" name="Google Shape;171;g2397aca6fd1_0_127:notes"/>
           <p:cNvSpPr txBox="1"/>
           <p:nvPr>
             <p:ph idx="1" type="body"/>
@@ -1807,7 +1806,7 @@
   <p:cSld>
     <p:spTree>
       <p:nvGrpSpPr>
-        <p:cNvPr id="38" name="Shape 38"/>
+        <p:cNvPr id="53" name="Shape 53"/>
         <p:cNvGrpSpPr/>
         <p:nvPr/>
       </p:nvGrpSpPr>
@@ -1821,7 +1820,7 @@
       </p:grpSpPr>
       <p:sp>
         <p:nvSpPr>
-          <p:cNvPr id="39" name="Google Shape;39;g22d6ca75d5b_1_0:notes"/>
+          <p:cNvPr id="54" name="Google Shape;54;g22d6ca75d5b_1_0:notes"/>
           <p:cNvSpPr/>
           <p:nvPr>
             <p:ph idx="2" type="sldImg"/>
@@ -1856,7 +1855,7 @@
       </p:sp>
       <p:sp>
         <p:nvSpPr>
-          <p:cNvPr id="40" name="Google Shape;40;g22d6ca75d5b_1_0:notes"/>
+          <p:cNvPr id="55" name="Google Shape;55;g22d6ca75d5b_1_0:notes"/>
           <p:cNvSpPr txBox="1"/>
           <p:nvPr>
             <p:ph idx="1" type="body"/>
@@ -1906,7 +1905,7 @@
   <p:cSld>
     <p:spTree>
       <p:nvGrpSpPr>
-        <p:cNvPr id="161" name="Shape 161"/>
+        <p:cNvPr id="176" name="Shape 176"/>
         <p:cNvGrpSpPr/>
         <p:nvPr/>
       </p:nvGrpSpPr>
@@ -1920,7 +1919,7 @@
       </p:grpSpPr>
       <p:sp>
         <p:nvSpPr>
-          <p:cNvPr id="162" name="Google Shape;162;g2397aca6fd1_0_98:notes"/>
+          <p:cNvPr id="177" name="Google Shape;177;g2397aca6fd1_0_98:notes"/>
           <p:cNvSpPr/>
           <p:nvPr>
             <p:ph idx="2" type="sldImg"/>
@@ -1955,7 +1954,7 @@
       </p:sp>
       <p:sp>
         <p:nvSpPr>
-          <p:cNvPr id="163" name="Google Shape;163;g2397aca6fd1_0_98:notes"/>
+          <p:cNvPr id="178" name="Google Shape;178;g2397aca6fd1_0_98:notes"/>
           <p:cNvSpPr txBox="1"/>
           <p:nvPr>
             <p:ph idx="1" type="body"/>
@@ -2005,7 +2004,7 @@
   <p:cSld>
     <p:spTree>
       <p:nvGrpSpPr>
-        <p:cNvPr id="166" name="Shape 166"/>
+        <p:cNvPr id="181" name="Shape 181"/>
         <p:cNvGrpSpPr/>
         <p:nvPr/>
       </p:nvGrpSpPr>
@@ -2019,7 +2018,7 @@
       </p:grpSpPr>
       <p:sp>
         <p:nvSpPr>
-          <p:cNvPr id="167" name="Google Shape;167;g2397aca6fd1_0_133:notes"/>
+          <p:cNvPr id="182" name="Google Shape;182;g2397aca6fd1_0_133:notes"/>
           <p:cNvSpPr/>
           <p:nvPr>
             <p:ph idx="2" type="sldImg"/>
@@ -2054,7 +2053,7 @@
       </p:sp>
       <p:sp>
         <p:nvSpPr>
-          <p:cNvPr id="168" name="Google Shape;168;g2397aca6fd1_0_133:notes"/>
+          <p:cNvPr id="183" name="Google Shape;183;g2397aca6fd1_0_133:notes"/>
           <p:cNvSpPr txBox="1"/>
           <p:nvPr>
             <p:ph idx="1" type="body"/>
@@ -2104,7 +2103,7 @@
   <p:cSld>
     <p:spTree>
       <p:nvGrpSpPr>
-        <p:cNvPr id="173" name="Shape 173"/>
+        <p:cNvPr id="188" name="Shape 188"/>
         <p:cNvGrpSpPr/>
         <p:nvPr/>
       </p:nvGrpSpPr>
@@ -2118,7 +2117,7 @@
       </p:grpSpPr>
       <p:sp>
         <p:nvSpPr>
-          <p:cNvPr id="174" name="Google Shape;174;g2397aca6fd1_0_139:notes"/>
+          <p:cNvPr id="189" name="Google Shape;189;g2397aca6fd1_0_139:notes"/>
           <p:cNvSpPr/>
           <p:nvPr>
             <p:ph idx="2" type="sldImg"/>
@@ -2153,7 +2152,7 @@
       </p:sp>
       <p:sp>
         <p:nvSpPr>
-          <p:cNvPr id="175" name="Google Shape;175;g2397aca6fd1_0_139:notes"/>
+          <p:cNvPr id="190" name="Google Shape;190;g2397aca6fd1_0_139:notes"/>
           <p:cNvSpPr txBox="1"/>
           <p:nvPr>
             <p:ph idx="1" type="body"/>
@@ -2203,7 +2202,7 @@
   <p:cSld>
     <p:spTree>
       <p:nvGrpSpPr>
-        <p:cNvPr id="180" name="Shape 180"/>
+        <p:cNvPr id="195" name="Shape 195"/>
         <p:cNvGrpSpPr/>
         <p:nvPr/>
       </p:nvGrpSpPr>
@@ -2217,7 +2216,7 @@
       </p:grpSpPr>
       <p:sp>
         <p:nvSpPr>
-          <p:cNvPr id="181" name="Google Shape;181;g2397aca6fd1_0_82:notes"/>
+          <p:cNvPr id="196" name="Google Shape;196;g2397aca6fd1_0_82:notes"/>
           <p:cNvSpPr/>
           <p:nvPr>
             <p:ph idx="2" type="sldImg"/>
@@ -2252,7 +2251,7 @@
       </p:sp>
       <p:sp>
         <p:nvSpPr>
-          <p:cNvPr id="182" name="Google Shape;182;g2397aca6fd1_0_82:notes"/>
+          <p:cNvPr id="197" name="Google Shape;197;g2397aca6fd1_0_82:notes"/>
           <p:cNvSpPr txBox="1"/>
           <p:nvPr>
             <p:ph idx="1" type="body"/>
@@ -2302,7 +2301,7 @@
   <p:cSld>
     <p:spTree>
       <p:nvGrpSpPr>
-        <p:cNvPr id="187" name="Shape 187"/>
+        <p:cNvPr id="202" name="Shape 202"/>
         <p:cNvGrpSpPr/>
         <p:nvPr/>
       </p:nvGrpSpPr>
@@ -2316,7 +2315,7 @@
       </p:grpSpPr>
       <p:sp>
         <p:nvSpPr>
-          <p:cNvPr id="188" name="Google Shape;188;g2397aca6fd1_0_38:notes"/>
+          <p:cNvPr id="203" name="Google Shape;203;g2397aca6fd1_0_38:notes"/>
           <p:cNvSpPr/>
           <p:nvPr>
             <p:ph idx="2" type="sldImg"/>
@@ -2351,7 +2350,7 @@
       </p:sp>
       <p:sp>
         <p:nvSpPr>
-          <p:cNvPr id="189" name="Google Shape;189;g2397aca6fd1_0_38:notes"/>
+          <p:cNvPr id="204" name="Google Shape;204;g2397aca6fd1_0_38:notes"/>
           <p:cNvSpPr txBox="1"/>
           <p:nvPr>
             <p:ph idx="1" type="body"/>
@@ -2401,7 +2400,7 @@
   <p:cSld>
     <p:spTree>
       <p:nvGrpSpPr>
-        <p:cNvPr id="193" name="Shape 193"/>
+        <p:cNvPr id="208" name="Shape 208"/>
         <p:cNvGrpSpPr/>
         <p:nvPr/>
       </p:nvGrpSpPr>
@@ -2415,7 +2414,7 @@
       </p:grpSpPr>
       <p:sp>
         <p:nvSpPr>
-          <p:cNvPr id="194" name="Google Shape;194;g2397aca6fd1_0_43:notes"/>
+          <p:cNvPr id="209" name="Google Shape;209;g2397aca6fd1_0_43:notes"/>
           <p:cNvSpPr/>
           <p:nvPr>
             <p:ph idx="2" type="sldImg"/>
@@ -2450,7 +2449,7 @@
       </p:sp>
       <p:sp>
         <p:nvSpPr>
-          <p:cNvPr id="195" name="Google Shape;195;g2397aca6fd1_0_43:notes"/>
+          <p:cNvPr id="210" name="Google Shape;210;g2397aca6fd1_0_43:notes"/>
           <p:cNvSpPr txBox="1"/>
           <p:nvPr>
             <p:ph idx="1" type="body"/>
@@ -2500,7 +2499,7 @@
   <p:cSld>
     <p:spTree>
       <p:nvGrpSpPr>
-        <p:cNvPr id="200" name="Shape 200"/>
+        <p:cNvPr id="215" name="Shape 215"/>
         <p:cNvGrpSpPr/>
         <p:nvPr/>
       </p:nvGrpSpPr>
@@ -2514,7 +2513,7 @@
       </p:grpSpPr>
       <p:sp>
         <p:nvSpPr>
-          <p:cNvPr id="201" name="Google Shape;201;g1e4fd58693c_0_14:notes"/>
+          <p:cNvPr id="216" name="Google Shape;216;g1e4fd58693c_0_0:notes"/>
           <p:cNvSpPr/>
           <p:nvPr>
             <p:ph idx="2" type="sldImg"/>
@@ -2549,7 +2548,7 @@
       </p:sp>
       <p:sp>
         <p:nvSpPr>
-          <p:cNvPr id="202" name="Google Shape;202;g1e4fd58693c_0_14:notes"/>
+          <p:cNvPr id="217" name="Google Shape;217;g1e4fd58693c_0_0:notes"/>
           <p:cNvSpPr txBox="1"/>
           <p:nvPr>
             <p:ph idx="1" type="body"/>
@@ -2599,7 +2598,7 @@
   <p:cSld>
     <p:spTree>
       <p:nvGrpSpPr>
-        <p:cNvPr id="205" name="Shape 205"/>
+        <p:cNvPr id="223" name="Shape 223"/>
         <p:cNvGrpSpPr/>
         <p:nvPr/>
       </p:nvGrpSpPr>
@@ -2613,7 +2612,7 @@
       </p:grpSpPr>
       <p:sp>
         <p:nvSpPr>
-          <p:cNvPr id="206" name="Google Shape;206;g1e4fd58693c_0_0:notes"/>
+          <p:cNvPr id="224" name="Google Shape;224;g1e4fd58693c_0_7:notes"/>
           <p:cNvSpPr/>
           <p:nvPr>
             <p:ph idx="2" type="sldImg"/>
@@ -2648,7 +2647,7 @@
       </p:sp>
       <p:sp>
         <p:nvSpPr>
-          <p:cNvPr id="207" name="Google Shape;207;g1e4fd58693c_0_0:notes"/>
+          <p:cNvPr id="225" name="Google Shape;225;g1e4fd58693c_0_7:notes"/>
           <p:cNvSpPr txBox="1"/>
           <p:nvPr>
             <p:ph idx="1" type="body"/>
@@ -2693,12 +2692,12 @@
 </p:notes>
 </file>
 
-<file path=ppt/notesSlides/notesSlide28.xml><?xml version="1.0" encoding="utf-8"?>
+<file path=ppt/notesSlides/notesSlide3.xml><?xml version="1.0" encoding="utf-8"?>
 <p:notes xmlns:a="http://schemas.openxmlformats.org/drawingml/2006/main" xmlns:r="http://schemas.openxmlformats.org/officeDocument/2006/relationships" xmlns:mc="http://schemas.openxmlformats.org/markup-compatibility/2006" xmlns:mv="urn:schemas-microsoft-com:mac:vml" xmlns:p="http://schemas.openxmlformats.org/presentationml/2006/main" xmlns:c="http://schemas.openxmlformats.org/drawingml/2006/chart" xmlns:dgm="http://schemas.openxmlformats.org/drawingml/2006/diagram" xmlns:o="urn:schemas-microsoft-com:office:office" xmlns:v="urn:schemas-microsoft-com:vml" xmlns:pvml="urn:schemas-microsoft-com:office:powerpoint" xmlns:com="http://schemas.openxmlformats.org/drawingml/2006/compatibility" xmlns:p14="http://schemas.microsoft.com/office/powerpoint/2010/main" xmlns:p15="http://schemas.microsoft.com/office/powerpoint/2012/main" xmlns:ahyp="http://schemas.microsoft.com/office/drawing/2018/hyperlinkcolor" showMasterPhAnim="0" showMasterSp="0">
   <p:cSld>
     <p:spTree>
       <p:nvGrpSpPr>
-        <p:cNvPr id="213" name="Shape 213"/>
+        <p:cNvPr id="60" name="Shape 60"/>
         <p:cNvGrpSpPr/>
         <p:nvPr/>
       </p:nvGrpSpPr>
@@ -2712,7 +2711,7 @@
       </p:grpSpPr>
       <p:sp>
         <p:nvSpPr>
-          <p:cNvPr id="214" name="Google Shape;214;g1e4fd58693c_0_7:notes"/>
+          <p:cNvPr id="61" name="Google Shape;61;g2e4cbec3948_0_0:notes"/>
           <p:cNvSpPr/>
           <p:nvPr>
             <p:ph idx="2" type="sldImg"/>
@@ -2747,7 +2746,7 @@
       </p:sp>
       <p:sp>
         <p:nvSpPr>
-          <p:cNvPr id="215" name="Google Shape;215;g1e4fd58693c_0_7:notes"/>
+          <p:cNvPr id="62" name="Google Shape;62;g2e4cbec3948_0_0:notes"/>
           <p:cNvSpPr txBox="1"/>
           <p:nvPr>
             <p:ph idx="1" type="body"/>
@@ -2792,12 +2791,12 @@
 </p:notes>
 </file>
 
-<file path=ppt/notesSlides/notesSlide3.xml><?xml version="1.0" encoding="utf-8"?>
+<file path=ppt/notesSlides/notesSlide4.xml><?xml version="1.0" encoding="utf-8"?>
 <p:notes xmlns:a="http://schemas.openxmlformats.org/drawingml/2006/main" xmlns:r="http://schemas.openxmlformats.org/officeDocument/2006/relationships" xmlns:mc="http://schemas.openxmlformats.org/markup-compatibility/2006" xmlns:mv="urn:schemas-microsoft-com:mac:vml" xmlns:p="http://schemas.openxmlformats.org/presentationml/2006/main" xmlns:c="http://schemas.openxmlformats.org/drawingml/2006/chart" xmlns:dgm="http://schemas.openxmlformats.org/drawingml/2006/diagram" xmlns:o="urn:schemas-microsoft-com:office:office" xmlns:v="urn:schemas-microsoft-com:vml" xmlns:pvml="urn:schemas-microsoft-com:office:powerpoint" xmlns:com="http://schemas.openxmlformats.org/drawingml/2006/compatibility" xmlns:p14="http://schemas.microsoft.com/office/powerpoint/2010/main" xmlns:p15="http://schemas.microsoft.com/office/powerpoint/2012/main" xmlns:ahyp="http://schemas.microsoft.com/office/drawing/2018/hyperlinkcolor" showMasterPhAnim="0" showMasterSp="0">
   <p:cSld>
     <p:spTree>
       <p:nvGrpSpPr>
-        <p:cNvPr id="45" name="Shape 45"/>
+        <p:cNvPr id="67" name="Shape 67"/>
         <p:cNvGrpSpPr/>
         <p:nvPr/>
       </p:nvGrpSpPr>
@@ -2811,7 +2810,7 @@
       </p:grpSpPr>
       <p:sp>
         <p:nvSpPr>
-          <p:cNvPr id="46" name="Google Shape;46;g2e4cbec3948_0_0:notes"/>
+          <p:cNvPr id="68" name="Google Shape;68;g2397aca6fd1_0_88:notes"/>
           <p:cNvSpPr/>
           <p:nvPr>
             <p:ph idx="2" type="sldImg"/>
@@ -2846,7 +2845,7 @@
       </p:sp>
       <p:sp>
         <p:nvSpPr>
-          <p:cNvPr id="47" name="Google Shape;47;g2e4cbec3948_0_0:notes"/>
+          <p:cNvPr id="69" name="Google Shape;69;g2397aca6fd1_0_88:notes"/>
           <p:cNvSpPr txBox="1"/>
           <p:nvPr>
             <p:ph idx="1" type="body"/>
@@ -2891,12 +2890,12 @@
 </p:notes>
 </file>
 
-<file path=ppt/notesSlides/notesSlide4.xml><?xml version="1.0" encoding="utf-8"?>
+<file path=ppt/notesSlides/notesSlide5.xml><?xml version="1.0" encoding="utf-8"?>
 <p:notes xmlns:a="http://schemas.openxmlformats.org/drawingml/2006/main" xmlns:r="http://schemas.openxmlformats.org/officeDocument/2006/relationships" xmlns:mc="http://schemas.openxmlformats.org/markup-compatibility/2006" xmlns:mv="urn:schemas-microsoft-com:mac:vml" xmlns:p="http://schemas.openxmlformats.org/presentationml/2006/main" xmlns:c="http://schemas.openxmlformats.org/drawingml/2006/chart" xmlns:dgm="http://schemas.openxmlformats.org/drawingml/2006/diagram" xmlns:o="urn:schemas-microsoft-com:office:office" xmlns:v="urn:schemas-microsoft-com:vml" xmlns:pvml="urn:schemas-microsoft-com:office:powerpoint" xmlns:com="http://schemas.openxmlformats.org/drawingml/2006/compatibility" xmlns:p14="http://schemas.microsoft.com/office/powerpoint/2010/main" xmlns:p15="http://schemas.microsoft.com/office/powerpoint/2012/main" xmlns:ahyp="http://schemas.microsoft.com/office/drawing/2018/hyperlinkcolor" showMasterPhAnim="0" showMasterSp="0">
   <p:cSld>
     <p:spTree>
       <p:nvGrpSpPr>
-        <p:cNvPr id="52" name="Shape 52"/>
+        <p:cNvPr id="72" name="Shape 72"/>
         <p:cNvGrpSpPr/>
         <p:nvPr/>
       </p:nvGrpSpPr>
@@ -2910,7 +2909,7 @@
       </p:grpSpPr>
       <p:sp>
         <p:nvSpPr>
-          <p:cNvPr id="53" name="Google Shape;53;g2397aca6fd1_0_88:notes"/>
+          <p:cNvPr id="73" name="Google Shape;73;g15365535e7d_0_0:notes"/>
           <p:cNvSpPr/>
           <p:nvPr>
             <p:ph idx="2" type="sldImg"/>
@@ -2945,7 +2944,7 @@
       </p:sp>
       <p:sp>
         <p:nvSpPr>
-          <p:cNvPr id="54" name="Google Shape;54;g2397aca6fd1_0_88:notes"/>
+          <p:cNvPr id="74" name="Google Shape;74;g15365535e7d_0_0:notes"/>
           <p:cNvSpPr txBox="1"/>
           <p:nvPr>
             <p:ph idx="1" type="body"/>
@@ -2990,12 +2989,12 @@
 </p:notes>
 </file>
 
-<file path=ppt/notesSlides/notesSlide5.xml><?xml version="1.0" encoding="utf-8"?>
+<file path=ppt/notesSlides/notesSlide6.xml><?xml version="1.0" encoding="utf-8"?>
 <p:notes xmlns:a="http://schemas.openxmlformats.org/drawingml/2006/main" xmlns:r="http://schemas.openxmlformats.org/officeDocument/2006/relationships" xmlns:mc="http://schemas.openxmlformats.org/markup-compatibility/2006" xmlns:mv="urn:schemas-microsoft-com:mac:vml" xmlns:p="http://schemas.openxmlformats.org/presentationml/2006/main" xmlns:c="http://schemas.openxmlformats.org/drawingml/2006/chart" xmlns:dgm="http://schemas.openxmlformats.org/drawingml/2006/diagram" xmlns:o="urn:schemas-microsoft-com:office:office" xmlns:v="urn:schemas-microsoft-com:vml" xmlns:pvml="urn:schemas-microsoft-com:office:powerpoint" xmlns:com="http://schemas.openxmlformats.org/drawingml/2006/compatibility" xmlns:p14="http://schemas.microsoft.com/office/powerpoint/2010/main" xmlns:p15="http://schemas.microsoft.com/office/powerpoint/2012/main" xmlns:ahyp="http://schemas.microsoft.com/office/drawing/2018/hyperlinkcolor" showMasterPhAnim="0" showMasterSp="0">
   <p:cSld>
     <p:spTree>
       <p:nvGrpSpPr>
-        <p:cNvPr id="57" name="Shape 57"/>
+        <p:cNvPr id="79" name="Shape 79"/>
         <p:cNvGrpSpPr/>
         <p:nvPr/>
       </p:nvGrpSpPr>
@@ -3009,7 +3008,7 @@
       </p:grpSpPr>
       <p:sp>
         <p:nvSpPr>
-          <p:cNvPr id="58" name="Google Shape;58;g15365535e7d_0_0:notes"/>
+          <p:cNvPr id="80" name="Google Shape;80;g15365535e7d_0_7:notes"/>
           <p:cNvSpPr/>
           <p:nvPr>
             <p:ph idx="2" type="sldImg"/>
@@ -3044,7 +3043,7 @@
       </p:sp>
       <p:sp>
         <p:nvSpPr>
-          <p:cNvPr id="59" name="Google Shape;59;g15365535e7d_0_0:notes"/>
+          <p:cNvPr id="81" name="Google Shape;81;g15365535e7d_0_7:notes"/>
           <p:cNvSpPr txBox="1"/>
           <p:nvPr>
             <p:ph idx="1" type="body"/>
@@ -3089,12 +3088,12 @@
 </p:notes>
 </file>
 
-<file path=ppt/notesSlides/notesSlide6.xml><?xml version="1.0" encoding="utf-8"?>
+<file path=ppt/notesSlides/notesSlide7.xml><?xml version="1.0" encoding="utf-8"?>
 <p:notes xmlns:a="http://schemas.openxmlformats.org/drawingml/2006/main" xmlns:r="http://schemas.openxmlformats.org/officeDocument/2006/relationships" xmlns:mc="http://schemas.openxmlformats.org/markup-compatibility/2006" xmlns:mv="urn:schemas-microsoft-com:mac:vml" xmlns:p="http://schemas.openxmlformats.org/presentationml/2006/main" xmlns:c="http://schemas.openxmlformats.org/drawingml/2006/chart" xmlns:dgm="http://schemas.openxmlformats.org/drawingml/2006/diagram" xmlns:o="urn:schemas-microsoft-com:office:office" xmlns:v="urn:schemas-microsoft-com:vml" xmlns:pvml="urn:schemas-microsoft-com:office:powerpoint" xmlns:com="http://schemas.openxmlformats.org/drawingml/2006/compatibility" xmlns:p14="http://schemas.microsoft.com/office/powerpoint/2010/main" xmlns:p15="http://schemas.microsoft.com/office/powerpoint/2012/main" xmlns:ahyp="http://schemas.microsoft.com/office/drawing/2018/hyperlinkcolor" showMasterPhAnim="0" showMasterSp="0">
   <p:cSld>
     <p:spTree>
       <p:nvGrpSpPr>
-        <p:cNvPr id="64" name="Shape 64"/>
+        <p:cNvPr id="86" name="Shape 86"/>
         <p:cNvGrpSpPr/>
         <p:nvPr/>
       </p:nvGrpSpPr>
@@ -3108,7 +3107,7 @@
       </p:grpSpPr>
       <p:sp>
         <p:nvSpPr>
-          <p:cNvPr id="65" name="Google Shape;65;g15365535e7d_0_7:notes"/>
+          <p:cNvPr id="87" name="Google Shape;87;g13ec7d76bec_0_95:notes"/>
           <p:cNvSpPr/>
           <p:nvPr>
             <p:ph idx="2" type="sldImg"/>
@@ -3143,7 +3142,7 @@
       </p:sp>
       <p:sp>
         <p:nvSpPr>
-          <p:cNvPr id="66" name="Google Shape;66;g15365535e7d_0_7:notes"/>
+          <p:cNvPr id="88" name="Google Shape;88;g13ec7d76bec_0_95:notes"/>
           <p:cNvSpPr txBox="1"/>
           <p:nvPr>
             <p:ph idx="1" type="body"/>
@@ -3188,12 +3187,12 @@
 </p:notes>
 </file>
 
-<file path=ppt/notesSlides/notesSlide7.xml><?xml version="1.0" encoding="utf-8"?>
+<file path=ppt/notesSlides/notesSlide8.xml><?xml version="1.0" encoding="utf-8"?>
 <p:notes xmlns:a="http://schemas.openxmlformats.org/drawingml/2006/main" xmlns:r="http://schemas.openxmlformats.org/officeDocument/2006/relationships" xmlns:mc="http://schemas.openxmlformats.org/markup-compatibility/2006" xmlns:mv="urn:schemas-microsoft-com:mac:vml" xmlns:p="http://schemas.openxmlformats.org/presentationml/2006/main" xmlns:c="http://schemas.openxmlformats.org/drawingml/2006/chart" xmlns:dgm="http://schemas.openxmlformats.org/drawingml/2006/diagram" xmlns:o="urn:schemas-microsoft-com:office:office" xmlns:v="urn:schemas-microsoft-com:vml" xmlns:pvml="urn:schemas-microsoft-com:office:powerpoint" xmlns:com="http://schemas.openxmlformats.org/drawingml/2006/compatibility" xmlns:p14="http://schemas.microsoft.com/office/powerpoint/2010/main" xmlns:p15="http://schemas.microsoft.com/office/powerpoint/2012/main" xmlns:ahyp="http://schemas.microsoft.com/office/drawing/2018/hyperlinkcolor" showMasterPhAnim="0" showMasterSp="0">
   <p:cSld>
     <p:spTree>
       <p:nvGrpSpPr>
-        <p:cNvPr id="71" name="Shape 71"/>
+        <p:cNvPr id="93" name="Shape 93"/>
         <p:cNvGrpSpPr/>
         <p:nvPr/>
       </p:nvGrpSpPr>
@@ -3207,7 +3206,7 @@
       </p:grpSpPr>
       <p:sp>
         <p:nvSpPr>
-          <p:cNvPr id="72" name="Google Shape;72;g13ec7d76bec_0_95:notes"/>
+          <p:cNvPr id="94" name="Google Shape;94;g2397aca6fd1_0_102:notes"/>
           <p:cNvSpPr/>
           <p:nvPr>
             <p:ph idx="2" type="sldImg"/>
@@ -3242,7 +3241,7 @@
       </p:sp>
       <p:sp>
         <p:nvSpPr>
-          <p:cNvPr id="73" name="Google Shape;73;g13ec7d76bec_0_95:notes"/>
+          <p:cNvPr id="95" name="Google Shape;95;g2397aca6fd1_0_102:notes"/>
           <p:cNvSpPr txBox="1"/>
           <p:nvPr>
             <p:ph idx="1" type="body"/>
@@ -3287,12 +3286,12 @@
 </p:notes>
 </file>
 
-<file path=ppt/notesSlides/notesSlide8.xml><?xml version="1.0" encoding="utf-8"?>
+<file path=ppt/notesSlides/notesSlide9.xml><?xml version="1.0" encoding="utf-8"?>
 <p:notes xmlns:a="http://schemas.openxmlformats.org/drawingml/2006/main" xmlns:r="http://schemas.openxmlformats.org/officeDocument/2006/relationships" xmlns:mc="http://schemas.openxmlformats.org/markup-compatibility/2006" xmlns:mv="urn:schemas-microsoft-com:mac:vml" xmlns:p="http://schemas.openxmlformats.org/presentationml/2006/main" xmlns:c="http://schemas.openxmlformats.org/drawingml/2006/chart" xmlns:dgm="http://schemas.openxmlformats.org/drawingml/2006/diagram" xmlns:o="urn:schemas-microsoft-com:office:office" xmlns:v="urn:schemas-microsoft-com:vml" xmlns:pvml="urn:schemas-microsoft-com:office:powerpoint" xmlns:com="http://schemas.openxmlformats.org/drawingml/2006/compatibility" xmlns:p14="http://schemas.microsoft.com/office/powerpoint/2010/main" xmlns:p15="http://schemas.microsoft.com/office/powerpoint/2012/main" xmlns:ahyp="http://schemas.microsoft.com/office/drawing/2018/hyperlinkcolor" showMasterPhAnim="0" showMasterSp="0">
   <p:cSld>
     <p:spTree>
       <p:nvGrpSpPr>
-        <p:cNvPr id="78" name="Shape 78"/>
+        <p:cNvPr id="100" name="Shape 100"/>
         <p:cNvGrpSpPr/>
         <p:nvPr/>
       </p:nvGrpSpPr>
@@ -3306,7 +3305,7 @@
       </p:grpSpPr>
       <p:sp>
         <p:nvSpPr>
-          <p:cNvPr id="79" name="Google Shape;79;g2397aca6fd1_0_102:notes"/>
+          <p:cNvPr id="101" name="Google Shape;101;g15365535e7d_0_25:notes"/>
           <p:cNvSpPr/>
           <p:nvPr>
             <p:ph idx="2" type="sldImg"/>
@@ -3341,106 +3340,7 @@
       </p:sp>
       <p:sp>
         <p:nvSpPr>
-          <p:cNvPr id="80" name="Google Shape;80;g2397aca6fd1_0_102:notes"/>
-          <p:cNvSpPr txBox="1"/>
-          <p:nvPr>
-            <p:ph idx="1" type="body"/>
-          </p:nvPr>
-        </p:nvSpPr>
-        <p:spPr>
-          <a:xfrm>
-            <a:off x="685800" y="4343400"/>
-            <a:ext cx="5486400" cy="4114800"/>
-          </a:xfrm>
-          <a:prstGeom prst="rect">
-            <a:avLst/>
-          </a:prstGeom>
-        </p:spPr>
-        <p:txBody>
-          <a:bodyPr anchorCtr="0" anchor="t" bIns="91425" lIns="91425" spcFirstLastPara="1" rIns="91425" wrap="square" tIns="91425">
-            <a:noAutofit/>
-          </a:bodyPr>
-          <a:lstStyle/>
-          <a:p>
-            <a:pPr indent="0" lvl="0" marL="0" rtl="0" algn="l">
-              <a:spcBef>
-                <a:spcPts val="0"/>
-              </a:spcBef>
-              <a:spcAft>
-                <a:spcPts val="0"/>
-              </a:spcAft>
-              <a:buNone/>
-            </a:pPr>
-            <a:r>
-              <a:t/>
-            </a:r>
-            <a:endParaRPr/>
-          </a:p>
-        </p:txBody>
-      </p:sp>
-    </p:spTree>
-  </p:cSld>
-  <p:clrMapOvr>
-    <a:masterClrMapping/>
-  </p:clrMapOvr>
-</p:notes>
-</file>
-
-<file path=ppt/notesSlides/notesSlide9.xml><?xml version="1.0" encoding="utf-8"?>
-<p:notes xmlns:a="http://schemas.openxmlformats.org/drawingml/2006/main" xmlns:r="http://schemas.openxmlformats.org/officeDocument/2006/relationships" xmlns:mc="http://schemas.openxmlformats.org/markup-compatibility/2006" xmlns:mv="urn:schemas-microsoft-com:mac:vml" xmlns:p="http://schemas.openxmlformats.org/presentationml/2006/main" xmlns:c="http://schemas.openxmlformats.org/drawingml/2006/chart" xmlns:dgm="http://schemas.openxmlformats.org/drawingml/2006/diagram" xmlns:o="urn:schemas-microsoft-com:office:office" xmlns:v="urn:schemas-microsoft-com:vml" xmlns:pvml="urn:schemas-microsoft-com:office:powerpoint" xmlns:com="http://schemas.openxmlformats.org/drawingml/2006/compatibility" xmlns:p14="http://schemas.microsoft.com/office/powerpoint/2010/main" xmlns:p15="http://schemas.microsoft.com/office/powerpoint/2012/main" xmlns:ahyp="http://schemas.microsoft.com/office/drawing/2018/hyperlinkcolor" showMasterPhAnim="0" showMasterSp="0">
-  <p:cSld>
-    <p:spTree>
-      <p:nvGrpSpPr>
-        <p:cNvPr id="85" name="Shape 85"/>
-        <p:cNvGrpSpPr/>
-        <p:nvPr/>
-      </p:nvGrpSpPr>
-      <p:grpSpPr>
-        <a:xfrm>
-          <a:off x="0" y="0"/>
-          <a:ext cx="0" cy="0"/>
-          <a:chOff x="0" y="0"/>
-          <a:chExt cx="0" cy="0"/>
-        </a:xfrm>
-      </p:grpSpPr>
-      <p:sp>
-        <p:nvSpPr>
-          <p:cNvPr id="86" name="Google Shape;86;g15365535e7d_0_25:notes"/>
-          <p:cNvSpPr/>
-          <p:nvPr>
-            <p:ph idx="2" type="sldImg"/>
-          </p:nvPr>
-        </p:nvSpPr>
-        <p:spPr>
-          <a:xfrm>
-            <a:off x="381300" y="685800"/>
-            <a:ext cx="6096000" cy="3429000"/>
-          </a:xfrm>
-          <a:custGeom>
-            <a:rect b="b" l="l" r="r" t="t"/>
-            <a:pathLst>
-              <a:path extrusionOk="0" h="120000" w="120000">
-                <a:moveTo>
-                  <a:pt x="0" y="0"/>
-                </a:moveTo>
-                <a:lnTo>
-                  <a:pt x="120000" y="0"/>
-                </a:lnTo>
-                <a:lnTo>
-                  <a:pt x="120000" y="120000"/>
-                </a:lnTo>
-                <a:lnTo>
-                  <a:pt x="0" y="120000"/>
-                </a:lnTo>
-                <a:close/>
-              </a:path>
-            </a:pathLst>
-          </a:custGeom>
-        </p:spPr>
-      </p:sp>
-      <p:sp>
-        <p:nvSpPr>
-          <p:cNvPr id="87" name="Google Shape;87;g15365535e7d_0_25:notes"/>
+          <p:cNvPr id="102" name="Google Shape;102;g15365535e7d_0_25:notes"/>
           <p:cNvSpPr txBox="1"/>
           <p:nvPr>
             <p:ph idx="1" type="body"/>
@@ -3787,53 +3687,150 @@
           <a:p/>
         </p:txBody>
       </p:sp>
-      <p:sp>
-        <p:nvSpPr>
+      <p:grpSp>
+        <p:nvGrpSpPr>
           <p:cNvPr id="12" name="Google Shape;12;p2"/>
-          <p:cNvSpPr/>
+          <p:cNvGrpSpPr/>
           <p:nvPr/>
-        </p:nvSpPr>
-        <p:spPr>
+        </p:nvGrpSpPr>
+        <p:grpSpPr>
           <a:xfrm>
             <a:off x="0" y="2388810"/>
             <a:ext cx="9144000" cy="183000"/>
+            <a:chOff x="0" y="2388810"/>
+            <a:chExt cx="9144000" cy="183000"/>
           </a:xfrm>
-          <a:prstGeom prst="rect">
-            <a:avLst/>
-          </a:prstGeom>
-          <a:solidFill>
-            <a:schemeClr val="accent3"/>
-          </a:solidFill>
-          <a:ln>
-            <a:noFill/>
-          </a:ln>
-        </p:spPr>
-        <p:txBody>
-          <a:bodyPr anchorCtr="0" anchor="ctr" bIns="91425" lIns="91425" spcFirstLastPara="1" rIns="91425" wrap="square" tIns="91425">
-            <a:noAutofit/>
-          </a:bodyPr>
-          <a:lstStyle/>
-          <a:p>
-            <a:pPr indent="0" lvl="0" marL="0" rtl="0" algn="l">
-              <a:spcBef>
-                <a:spcPts val="0"/>
-              </a:spcBef>
-              <a:spcAft>
-                <a:spcPts val="0"/>
-              </a:spcAft>
-              <a:buNone/>
-            </a:pPr>
-            <a:r>
-              <a:t/>
-            </a:r>
-            <a:endParaRPr>
-              <a:solidFill>
-                <a:schemeClr val="dk1"/>
-              </a:solidFill>
-            </a:endParaRPr>
-          </a:p>
-        </p:txBody>
-      </p:sp>
+        </p:grpSpPr>
+        <p:sp>
+          <p:nvSpPr>
+            <p:cNvPr id="13" name="Google Shape;13;p2"/>
+            <p:cNvSpPr/>
+            <p:nvPr/>
+          </p:nvSpPr>
+          <p:spPr>
+            <a:xfrm>
+              <a:off x="0" y="2388810"/>
+              <a:ext cx="914400" cy="183000"/>
+            </a:xfrm>
+            <a:prstGeom prst="rect">
+              <a:avLst/>
+            </a:prstGeom>
+            <a:solidFill>
+              <a:schemeClr val="accent2"/>
+            </a:solidFill>
+            <a:ln>
+              <a:noFill/>
+            </a:ln>
+          </p:spPr>
+          <p:txBody>
+            <a:bodyPr anchorCtr="0" anchor="ctr" bIns="91425" lIns="91425" spcFirstLastPara="1" rIns="91425" wrap="square" tIns="91425">
+              <a:noAutofit/>
+            </a:bodyPr>
+            <a:lstStyle/>
+            <a:p>
+              <a:pPr indent="0" lvl="0" marL="0" rtl="0" algn="l">
+                <a:spcBef>
+                  <a:spcPts val="0"/>
+                </a:spcBef>
+                <a:spcAft>
+                  <a:spcPts val="0"/>
+                </a:spcAft>
+                <a:buNone/>
+              </a:pPr>
+              <a:r>
+                <a:t/>
+              </a:r>
+              <a:endParaRPr/>
+            </a:p>
+          </p:txBody>
+        </p:sp>
+        <p:sp>
+          <p:nvSpPr>
+            <p:cNvPr id="14" name="Google Shape;14;p2"/>
+            <p:cNvSpPr/>
+            <p:nvPr/>
+          </p:nvSpPr>
+          <p:spPr>
+            <a:xfrm>
+              <a:off x="914400" y="2388810"/>
+              <a:ext cx="1828800" cy="183000"/>
+            </a:xfrm>
+            <a:prstGeom prst="rect">
+              <a:avLst/>
+            </a:prstGeom>
+            <a:solidFill>
+              <a:schemeClr val="accent3"/>
+            </a:solidFill>
+            <a:ln>
+              <a:noFill/>
+            </a:ln>
+          </p:spPr>
+          <p:txBody>
+            <a:bodyPr anchorCtr="0" anchor="ctr" bIns="91425" lIns="91425" spcFirstLastPara="1" rIns="91425" wrap="square" tIns="91425">
+              <a:noAutofit/>
+            </a:bodyPr>
+            <a:lstStyle/>
+            <a:p>
+              <a:pPr indent="0" lvl="0" marL="0" rtl="0" algn="l">
+                <a:spcBef>
+                  <a:spcPts val="0"/>
+                </a:spcBef>
+                <a:spcAft>
+                  <a:spcPts val="0"/>
+                </a:spcAft>
+                <a:buNone/>
+              </a:pPr>
+              <a:r>
+                <a:t/>
+              </a:r>
+              <a:endParaRPr/>
+            </a:p>
+          </p:txBody>
+        </p:sp>
+        <p:sp>
+          <p:nvSpPr>
+            <p:cNvPr id="15" name="Google Shape;15;p2"/>
+            <p:cNvSpPr/>
+            <p:nvPr/>
+          </p:nvSpPr>
+          <p:spPr>
+            <a:xfrm>
+              <a:off x="2743200" y="2388810"/>
+              <a:ext cx="6400800" cy="183000"/>
+            </a:xfrm>
+            <a:prstGeom prst="rect">
+              <a:avLst/>
+            </a:prstGeom>
+            <a:solidFill>
+              <a:schemeClr val="accent4"/>
+            </a:solidFill>
+            <a:ln>
+              <a:noFill/>
+            </a:ln>
+          </p:spPr>
+          <p:txBody>
+            <a:bodyPr anchorCtr="0" anchor="ctr" bIns="91425" lIns="91425" spcFirstLastPara="1" rIns="91425" wrap="square" tIns="91425">
+              <a:noAutofit/>
+            </a:bodyPr>
+            <a:lstStyle/>
+            <a:p>
+              <a:pPr indent="0" lvl="0" marL="0" rtl="0" algn="l">
+                <a:spcBef>
+                  <a:spcPts val="0"/>
+                </a:spcBef>
+                <a:spcAft>
+                  <a:spcPts val="0"/>
+                </a:spcAft>
+                <a:buNone/>
+              </a:pPr>
+              <a:r>
+                <a:t/>
+              </a:r>
+              <a:endParaRPr/>
+            </a:p>
+          </p:txBody>
+        </p:sp>
+      </p:grpSp>
     </p:spTree>
   </p:cSld>
   <p:clrMapOvr>
@@ -3847,7 +3844,7 @@
   <p:cSld name="SECTION_HEADER">
     <p:spTree>
       <p:nvGrpSpPr>
-        <p:cNvPr id="13" name="Shape 13"/>
+        <p:cNvPr id="16" name="Shape 16"/>
         <p:cNvGrpSpPr/>
         <p:nvPr/>
       </p:nvGrpSpPr>
@@ -3861,7 +3858,7 @@
       </p:grpSpPr>
       <p:sp>
         <p:nvSpPr>
-          <p:cNvPr id="14" name="Google Shape;14;p3"/>
+          <p:cNvPr id="17" name="Google Shape;17;p3"/>
           <p:cNvSpPr txBox="1"/>
           <p:nvPr>
             <p:ph type="title"/>
@@ -3984,53 +3981,150 @@
           <a:p/>
         </p:txBody>
       </p:sp>
-      <p:sp>
-        <p:nvSpPr>
-          <p:cNvPr id="15" name="Google Shape;15;p3"/>
-          <p:cNvSpPr/>
+      <p:grpSp>
+        <p:nvGrpSpPr>
+          <p:cNvPr id="18" name="Google Shape;18;p3"/>
+          <p:cNvGrpSpPr/>
           <p:nvPr/>
-        </p:nvSpPr>
-        <p:spPr>
+        </p:nvGrpSpPr>
+        <p:grpSpPr>
           <a:xfrm>
-            <a:off x="0" y="2386584"/>
+            <a:off x="0" y="2432304"/>
             <a:ext cx="9144000" cy="91500"/>
+            <a:chOff x="0" y="2386584"/>
+            <a:chExt cx="9144000" cy="91500"/>
           </a:xfrm>
-          <a:prstGeom prst="rect">
-            <a:avLst/>
-          </a:prstGeom>
-          <a:solidFill>
-            <a:schemeClr val="accent3"/>
-          </a:solidFill>
-          <a:ln>
-            <a:noFill/>
-          </a:ln>
-        </p:spPr>
-        <p:txBody>
-          <a:bodyPr anchorCtr="0" anchor="ctr" bIns="91425" lIns="91425" spcFirstLastPara="1" rIns="91425" wrap="square" tIns="91425">
-            <a:noAutofit/>
-          </a:bodyPr>
-          <a:lstStyle/>
-          <a:p>
-            <a:pPr indent="0" lvl="0" marL="0" rtl="0" algn="l">
-              <a:spcBef>
-                <a:spcPts val="0"/>
-              </a:spcBef>
-              <a:spcAft>
-                <a:spcPts val="0"/>
-              </a:spcAft>
-              <a:buNone/>
-            </a:pPr>
-            <a:r>
-              <a:t/>
-            </a:r>
-            <a:endParaRPr>
-              <a:solidFill>
-                <a:schemeClr val="dk1"/>
-              </a:solidFill>
-            </a:endParaRPr>
-          </a:p>
-        </p:txBody>
-      </p:sp>
+        </p:grpSpPr>
+        <p:sp>
+          <p:nvSpPr>
+            <p:cNvPr id="19" name="Google Shape;19;p3"/>
+            <p:cNvSpPr/>
+            <p:nvPr/>
+          </p:nvSpPr>
+          <p:spPr>
+            <a:xfrm>
+              <a:off x="0" y="2386584"/>
+              <a:ext cx="914400" cy="91500"/>
+            </a:xfrm>
+            <a:prstGeom prst="rect">
+              <a:avLst/>
+            </a:prstGeom>
+            <a:solidFill>
+              <a:schemeClr val="accent2"/>
+            </a:solidFill>
+            <a:ln>
+              <a:noFill/>
+            </a:ln>
+          </p:spPr>
+          <p:txBody>
+            <a:bodyPr anchorCtr="0" anchor="ctr" bIns="91425" lIns="91425" spcFirstLastPara="1" rIns="91425" wrap="square" tIns="91425">
+              <a:noAutofit/>
+            </a:bodyPr>
+            <a:lstStyle/>
+            <a:p>
+              <a:pPr indent="0" lvl="0" marL="0" rtl="0" algn="l">
+                <a:spcBef>
+                  <a:spcPts val="0"/>
+                </a:spcBef>
+                <a:spcAft>
+                  <a:spcPts val="0"/>
+                </a:spcAft>
+                <a:buNone/>
+              </a:pPr>
+              <a:r>
+                <a:t/>
+              </a:r>
+              <a:endParaRPr/>
+            </a:p>
+          </p:txBody>
+        </p:sp>
+        <p:sp>
+          <p:nvSpPr>
+            <p:cNvPr id="20" name="Google Shape;20;p3"/>
+            <p:cNvSpPr/>
+            <p:nvPr/>
+          </p:nvSpPr>
+          <p:spPr>
+            <a:xfrm>
+              <a:off x="914400" y="2386584"/>
+              <a:ext cx="1828800" cy="91500"/>
+            </a:xfrm>
+            <a:prstGeom prst="rect">
+              <a:avLst/>
+            </a:prstGeom>
+            <a:solidFill>
+              <a:schemeClr val="accent3"/>
+            </a:solidFill>
+            <a:ln>
+              <a:noFill/>
+            </a:ln>
+          </p:spPr>
+          <p:txBody>
+            <a:bodyPr anchorCtr="0" anchor="ctr" bIns="91425" lIns="91425" spcFirstLastPara="1" rIns="91425" wrap="square" tIns="91425">
+              <a:noAutofit/>
+            </a:bodyPr>
+            <a:lstStyle/>
+            <a:p>
+              <a:pPr indent="0" lvl="0" marL="0" rtl="0" algn="l">
+                <a:spcBef>
+                  <a:spcPts val="0"/>
+                </a:spcBef>
+                <a:spcAft>
+                  <a:spcPts val="0"/>
+                </a:spcAft>
+                <a:buNone/>
+              </a:pPr>
+              <a:r>
+                <a:t/>
+              </a:r>
+              <a:endParaRPr/>
+            </a:p>
+          </p:txBody>
+        </p:sp>
+        <p:sp>
+          <p:nvSpPr>
+            <p:cNvPr id="21" name="Google Shape;21;p3"/>
+            <p:cNvSpPr/>
+            <p:nvPr/>
+          </p:nvSpPr>
+          <p:spPr>
+            <a:xfrm>
+              <a:off x="2743200" y="2386584"/>
+              <a:ext cx="6400800" cy="91500"/>
+            </a:xfrm>
+            <a:prstGeom prst="rect">
+              <a:avLst/>
+            </a:prstGeom>
+            <a:solidFill>
+              <a:schemeClr val="accent4"/>
+            </a:solidFill>
+            <a:ln>
+              <a:noFill/>
+            </a:ln>
+          </p:spPr>
+          <p:txBody>
+            <a:bodyPr anchorCtr="0" anchor="ctr" bIns="91425" lIns="91425" spcFirstLastPara="1" rIns="91425" wrap="square" tIns="91425">
+              <a:noAutofit/>
+            </a:bodyPr>
+            <a:lstStyle/>
+            <a:p>
+              <a:pPr indent="0" lvl="0" marL="0" rtl="0" algn="l">
+                <a:spcBef>
+                  <a:spcPts val="0"/>
+                </a:spcBef>
+                <a:spcAft>
+                  <a:spcPts val="0"/>
+                </a:spcAft>
+                <a:buNone/>
+              </a:pPr>
+              <a:r>
+                <a:t/>
+              </a:r>
+              <a:endParaRPr/>
+            </a:p>
+          </p:txBody>
+        </p:sp>
+      </p:grpSp>
     </p:spTree>
   </p:cSld>
   <p:clrMapOvr>
@@ -4044,7 +4138,7 @@
   <p:cSld name="TITLE_AND_BODY">
     <p:spTree>
       <p:nvGrpSpPr>
-        <p:cNvPr id="16" name="Shape 16"/>
+        <p:cNvPr id="22" name="Shape 22"/>
         <p:cNvGrpSpPr/>
         <p:nvPr/>
       </p:nvGrpSpPr>
@@ -4058,7 +4152,7 @@
       </p:grpSpPr>
       <p:sp>
         <p:nvSpPr>
-          <p:cNvPr id="17" name="Google Shape;17;p4"/>
+          <p:cNvPr id="23" name="Google Shape;23;p4"/>
           <p:cNvSpPr txBox="1"/>
           <p:nvPr>
             <p:ph type="title"/>
@@ -4183,7 +4277,7 @@
       </p:sp>
       <p:sp>
         <p:nvSpPr>
-          <p:cNvPr id="18" name="Google Shape;18;p4"/>
+          <p:cNvPr id="24" name="Google Shape;24;p4"/>
           <p:cNvSpPr txBox="1"/>
           <p:nvPr>
             <p:ph idx="1" type="body"/>
@@ -4308,54 +4402,7 @@
       </p:sp>
       <p:sp>
         <p:nvSpPr>
-          <p:cNvPr id="19" name="Google Shape;19;p4"/>
-          <p:cNvSpPr/>
-          <p:nvPr/>
-        </p:nvSpPr>
-        <p:spPr>
-          <a:xfrm>
-            <a:off x="0" y="685800"/>
-            <a:ext cx="9144000" cy="91500"/>
-          </a:xfrm>
-          <a:prstGeom prst="rect">
-            <a:avLst/>
-          </a:prstGeom>
-          <a:solidFill>
-            <a:schemeClr val="accent3"/>
-          </a:solidFill>
-          <a:ln>
-            <a:noFill/>
-          </a:ln>
-        </p:spPr>
-        <p:txBody>
-          <a:bodyPr anchorCtr="0" anchor="ctr" bIns="91425" lIns="91425" spcFirstLastPara="1" rIns="91425" wrap="square" tIns="91425">
-            <a:noAutofit/>
-          </a:bodyPr>
-          <a:lstStyle/>
-          <a:p>
-            <a:pPr indent="0" lvl="0" marL="0" rtl="0" algn="l">
-              <a:spcBef>
-                <a:spcPts val="0"/>
-              </a:spcBef>
-              <a:spcAft>
-                <a:spcPts val="0"/>
-              </a:spcAft>
-              <a:buNone/>
-            </a:pPr>
-            <a:r>
-              <a:t/>
-            </a:r>
-            <a:endParaRPr>
-              <a:solidFill>
-                <a:schemeClr val="dk1"/>
-              </a:solidFill>
-            </a:endParaRPr>
-          </a:p>
-        </p:txBody>
-      </p:sp>
-      <p:sp>
-        <p:nvSpPr>
-          <p:cNvPr id="20" name="Google Shape;20;p4"/>
+          <p:cNvPr id="25" name="Google Shape;25;p4"/>
           <p:cNvSpPr txBox="1"/>
           <p:nvPr>
             <p:ph idx="12" type="sldNum"/>
@@ -4363,90 +4410,87 @@
         </p:nvSpPr>
         <p:spPr>
           <a:xfrm>
-            <a:off x="7315202" y="4229100"/>
-            <a:ext cx="1828800" cy="914400"/>
+            <a:off x="7315202" y="4416550"/>
+            <a:ext cx="1828800" cy="731400"/>
           </a:xfrm>
           <a:prstGeom prst="rect">
             <a:avLst/>
           </a:prstGeom>
-          <a:ln>
-            <a:noFill/>
-          </a:ln>
         </p:spPr>
         <p:txBody>
           <a:bodyPr anchorCtr="0" anchor="b" bIns="91425" lIns="91425" spcFirstLastPara="1" rIns="91425" wrap="square" tIns="91425">
             <a:noAutofit/>
           </a:bodyPr>
           <a:lstStyle>
-            <a:lvl1pPr lvl="0" rtl="0" algn="r">
-              <a:buNone/>
-              <a:defRPr b="1" sz="2400">
+            <a:lvl1pPr lvl="0" rtl="0">
+              <a:buNone/>
+              <a:defRPr>
                 <a:solidFill>
-                  <a:schemeClr val="dk2"/>
+                  <a:schemeClr val="dk1"/>
                 </a:solidFill>
               </a:defRPr>
             </a:lvl1pPr>
-            <a:lvl2pPr lvl="1" rtl="0" algn="r">
-              <a:buNone/>
-              <a:defRPr b="1" sz="2400">
+            <a:lvl2pPr lvl="1" rtl="0">
+              <a:buNone/>
+              <a:defRPr>
                 <a:solidFill>
-                  <a:schemeClr val="dk2"/>
+                  <a:schemeClr val="dk1"/>
                 </a:solidFill>
               </a:defRPr>
             </a:lvl2pPr>
-            <a:lvl3pPr lvl="2" rtl="0" algn="r">
-              <a:buNone/>
-              <a:defRPr b="1" sz="2400">
+            <a:lvl3pPr lvl="2" rtl="0">
+              <a:buNone/>
+              <a:defRPr>
                 <a:solidFill>
-                  <a:schemeClr val="dk2"/>
+                  <a:schemeClr val="dk1"/>
                 </a:solidFill>
               </a:defRPr>
             </a:lvl3pPr>
-            <a:lvl4pPr lvl="3" rtl="0" algn="r">
-              <a:buNone/>
-              <a:defRPr b="1" sz="2400">
+            <a:lvl4pPr lvl="3" rtl="0">
+              <a:buNone/>
+              <a:defRPr>
                 <a:solidFill>
-                  <a:schemeClr val="dk2"/>
+                  <a:schemeClr val="dk1"/>
                 </a:solidFill>
               </a:defRPr>
             </a:lvl4pPr>
-            <a:lvl5pPr lvl="4" rtl="0" algn="r">
-              <a:buNone/>
-              <a:defRPr b="1" sz="2400">
+            <a:lvl5pPr lvl="4" rtl="0">
+              <a:buNone/>
+              <a:defRPr>
                 <a:solidFill>
-                  <a:schemeClr val="dk2"/>
+                  <a:schemeClr val="dk1"/>
                 </a:solidFill>
               </a:defRPr>
             </a:lvl5pPr>
-            <a:lvl6pPr lvl="5" rtl="0" algn="r">
-              <a:buNone/>
-              <a:defRPr b="1" sz="2400">
+            <a:lvl6pPr lvl="5" rtl="0">
+              <a:buNone/>
+              <a:defRPr>
                 <a:solidFill>
-                  <a:schemeClr val="dk2"/>
+                  <a:schemeClr val="dk1"/>
                 </a:solidFill>
               </a:defRPr>
             </a:lvl6pPr>
-            <a:lvl7pPr lvl="6" rtl="0" algn="r">
-              <a:buNone/>
-              <a:defRPr b="1" sz="2400">
+            <a:lvl7pPr lvl="6" rtl="0">
+              <a:buNone/>
+              <a:defRPr>
                 <a:solidFill>
-                  <a:schemeClr val="dk2"/>
+                  <a:schemeClr val="dk1"/>
                 </a:solidFill>
               </a:defRPr>
             </a:lvl7pPr>
-            <a:lvl8pPr lvl="7" rtl="0" algn="r">
-              <a:buNone/>
-              <a:defRPr b="1" sz="2400">
+            <a:lvl8pPr lvl="7" rtl="0">
+              <a:buNone/>
+              <a:defRPr>
                 <a:solidFill>
-                  <a:schemeClr val="dk2"/>
+                  <a:schemeClr val="dk1"/>
                 </a:solidFill>
               </a:defRPr>
             </a:lvl8pPr>
-            <a:lvl9pPr lvl="8" rtl="0" algn="r">
-              <a:buNone/>
-              <a:defRPr b="1" sz="2400">
+            <a:lvl9pPr lvl="8" rtl="0">
+              <a:buNone/>
+              <a:defRPr>
                 <a:solidFill>
-                  <a:schemeClr val="dk2"/>
+                  <a:schemeClr val="dk1"/>
                 </a:solidFill>
               </a:defRPr>
             </a:lvl9pPr>
@@ -4478,22 +4522,174 @@
               <a:buNone/>
             </a:pPr>
             <a:r>
-              <a:rPr b="0" lang="en" sz="1000" u="sng">
+              <a:rPr b="0" lang="en" sz="900" u="sng">
                 <a:solidFill>
                   <a:schemeClr val="hlink"/>
                 </a:solidFill>
                 <a:hlinkClick r:id="rId2"/>
               </a:rPr>
-              <a:t>uni1.de/amos</a:t>
-            </a:r>
-            <a:r>
-              <a:rPr b="0" lang="en" sz="1000"/>
+              <a:t>https://oss.cs.fau.de</a:t>
+            </a:r>
+            <a:r>
+              <a:rPr b="0" lang="en" sz="900">
+                <a:solidFill>
+                  <a:schemeClr val="dk2"/>
+                </a:solidFill>
+              </a:rPr>
               <a:t> </a:t>
             </a:r>
-            <a:endParaRPr b="0" sz="1000"/>
+            <a:endParaRPr b="0" sz="900">
+              <a:solidFill>
+                <a:schemeClr val="dk2"/>
+              </a:solidFill>
+            </a:endParaRPr>
           </a:p>
         </p:txBody>
       </p:sp>
+      <p:grpSp>
+        <p:nvGrpSpPr>
+          <p:cNvPr id="26" name="Google Shape;26;p4"/>
+          <p:cNvGrpSpPr/>
+          <p:nvPr/>
+        </p:nvGrpSpPr>
+        <p:grpSpPr>
+          <a:xfrm>
+            <a:off x="0" y="685800"/>
+            <a:ext cx="9144000" cy="91500"/>
+            <a:chOff x="0" y="2386584"/>
+            <a:chExt cx="9144000" cy="91500"/>
+          </a:xfrm>
+        </p:grpSpPr>
+        <p:sp>
+          <p:nvSpPr>
+            <p:cNvPr id="27" name="Google Shape;27;p4"/>
+            <p:cNvSpPr/>
+            <p:nvPr/>
+          </p:nvSpPr>
+          <p:spPr>
+            <a:xfrm>
+              <a:off x="0" y="2386584"/>
+              <a:ext cx="914400" cy="91500"/>
+            </a:xfrm>
+            <a:prstGeom prst="rect">
+              <a:avLst/>
+            </a:prstGeom>
+            <a:solidFill>
+              <a:schemeClr val="accent2"/>
+            </a:solidFill>
+            <a:ln>
+              <a:noFill/>
+            </a:ln>
+          </p:spPr>
+          <p:txBody>
+            <a:bodyPr anchorCtr="0" anchor="ctr" bIns="91425" lIns="91425" spcFirstLastPara="1" rIns="91425" wrap="square" tIns="91425">
+              <a:noAutofit/>
+            </a:bodyPr>
+            <a:lstStyle/>
+            <a:p>
+              <a:pPr indent="0" lvl="0" marL="0" rtl="0" algn="l">
+                <a:spcBef>
+                  <a:spcPts val="0"/>
+                </a:spcBef>
+                <a:spcAft>
+                  <a:spcPts val="0"/>
+                </a:spcAft>
+                <a:buNone/>
+              </a:pPr>
+              <a:r>
+                <a:t/>
+              </a:r>
+              <a:endParaRPr/>
+            </a:p>
+          </p:txBody>
+        </p:sp>
+        <p:sp>
+          <p:nvSpPr>
+            <p:cNvPr id="28" name="Google Shape;28;p4"/>
+            <p:cNvSpPr/>
+            <p:nvPr/>
+          </p:nvSpPr>
+          <p:spPr>
+            <a:xfrm>
+              <a:off x="914400" y="2386584"/>
+              <a:ext cx="1828800" cy="91500"/>
+            </a:xfrm>
+            <a:prstGeom prst="rect">
+              <a:avLst/>
+            </a:prstGeom>
+            <a:solidFill>
+              <a:schemeClr val="accent3"/>
+            </a:solidFill>
+            <a:ln>
+              <a:noFill/>
+            </a:ln>
+          </p:spPr>
+          <p:txBody>
+            <a:bodyPr anchorCtr="0" anchor="ctr" bIns="91425" lIns="91425" spcFirstLastPara="1" rIns="91425" wrap="square" tIns="91425">
+              <a:noAutofit/>
+            </a:bodyPr>
+            <a:lstStyle/>
+            <a:p>
+              <a:pPr indent="0" lvl="0" marL="0" rtl="0" algn="l">
+                <a:spcBef>
+                  <a:spcPts val="0"/>
+                </a:spcBef>
+                <a:spcAft>
+                  <a:spcPts val="0"/>
+                </a:spcAft>
+                <a:buNone/>
+              </a:pPr>
+              <a:r>
+                <a:t/>
+              </a:r>
+              <a:endParaRPr/>
+            </a:p>
+          </p:txBody>
+        </p:sp>
+        <p:sp>
+          <p:nvSpPr>
+            <p:cNvPr id="29" name="Google Shape;29;p4"/>
+            <p:cNvSpPr/>
+            <p:nvPr/>
+          </p:nvSpPr>
+          <p:spPr>
+            <a:xfrm>
+              <a:off x="2743200" y="2386584"/>
+              <a:ext cx="6400800" cy="91500"/>
+            </a:xfrm>
+            <a:prstGeom prst="rect">
+              <a:avLst/>
+            </a:prstGeom>
+            <a:solidFill>
+              <a:schemeClr val="accent4"/>
+            </a:solidFill>
+            <a:ln>
+              <a:noFill/>
+            </a:ln>
+          </p:spPr>
+          <p:txBody>
+            <a:bodyPr anchorCtr="0" anchor="ctr" bIns="91425" lIns="91425" spcFirstLastPara="1" rIns="91425" wrap="square" tIns="91425">
+              <a:noAutofit/>
+            </a:bodyPr>
+            <a:lstStyle/>
+            <a:p>
+              <a:pPr indent="0" lvl="0" marL="0" rtl="0" algn="l">
+                <a:spcBef>
+                  <a:spcPts val="0"/>
+                </a:spcBef>
+                <a:spcAft>
+                  <a:spcPts val="0"/>
+                </a:spcAft>
+                <a:buNone/>
+              </a:pPr>
+              <a:r>
+                <a:t/>
+              </a:r>
+              <a:endParaRPr/>
+            </a:p>
+          </p:txBody>
+        </p:sp>
+      </p:grpSp>
     </p:spTree>
   </p:cSld>
   <p:clrMapOvr>
@@ -4507,7 +4703,7 @@
   <p:cSld name="TITLE_AND_TWO_COLUMNS">
     <p:spTree>
       <p:nvGrpSpPr>
-        <p:cNvPr id="21" name="Shape 21"/>
+        <p:cNvPr id="30" name="Shape 30"/>
         <p:cNvGrpSpPr/>
         <p:nvPr/>
       </p:nvGrpSpPr>
@@ -4521,7 +4717,7 @@
       </p:grpSpPr>
       <p:sp>
         <p:nvSpPr>
-          <p:cNvPr id="22" name="Google Shape;22;p5"/>
+          <p:cNvPr id="31" name="Google Shape;31;p5"/>
           <p:cNvSpPr txBox="1"/>
           <p:nvPr>
             <p:ph type="title"/>
@@ -4649,7 +4845,7 @@
       </p:sp>
       <p:sp>
         <p:nvSpPr>
-          <p:cNvPr id="23" name="Google Shape;23;p5"/>
+          <p:cNvPr id="32" name="Google Shape;32;p5"/>
           <p:cNvSpPr txBox="1"/>
           <p:nvPr>
             <p:ph idx="1" type="body"/>
@@ -4774,7 +4970,7 @@
       </p:sp>
       <p:sp>
         <p:nvSpPr>
-          <p:cNvPr id="24" name="Google Shape;24;p5"/>
+          <p:cNvPr id="33" name="Google Shape;33;p5"/>
           <p:cNvSpPr txBox="1"/>
           <p:nvPr>
             <p:ph idx="2" type="body"/>
@@ -4899,54 +5095,7 @@
       </p:sp>
       <p:sp>
         <p:nvSpPr>
-          <p:cNvPr id="25" name="Google Shape;25;p5"/>
-          <p:cNvSpPr/>
-          <p:nvPr/>
-        </p:nvSpPr>
-        <p:spPr>
-          <a:xfrm>
-            <a:off x="0" y="685800"/>
-            <a:ext cx="9144000" cy="91500"/>
-          </a:xfrm>
-          <a:prstGeom prst="rect">
-            <a:avLst/>
-          </a:prstGeom>
-          <a:solidFill>
-            <a:schemeClr val="accent3"/>
-          </a:solidFill>
-          <a:ln>
-            <a:noFill/>
-          </a:ln>
-        </p:spPr>
-        <p:txBody>
-          <a:bodyPr anchorCtr="0" anchor="ctr" bIns="91425" lIns="91425" spcFirstLastPara="1" rIns="91425" wrap="square" tIns="91425">
-            <a:noAutofit/>
-          </a:bodyPr>
-          <a:lstStyle/>
-          <a:p>
-            <a:pPr indent="0" lvl="0" marL="0" rtl="0" algn="l">
-              <a:spcBef>
-                <a:spcPts val="0"/>
-              </a:spcBef>
-              <a:spcAft>
-                <a:spcPts val="0"/>
-              </a:spcAft>
-              <a:buNone/>
-            </a:pPr>
-            <a:r>
-              <a:t/>
-            </a:r>
-            <a:endParaRPr>
-              <a:solidFill>
-                <a:schemeClr val="dk1"/>
-              </a:solidFill>
-            </a:endParaRPr>
-          </a:p>
-        </p:txBody>
-      </p:sp>
-      <p:sp>
-        <p:nvSpPr>
-          <p:cNvPr id="26" name="Google Shape;26;p5"/>
+          <p:cNvPr id="34" name="Google Shape;34;p5"/>
           <p:cNvSpPr txBox="1"/>
           <p:nvPr>
             <p:ph idx="12" type="sldNum"/>
@@ -4954,90 +5103,87 @@
         </p:nvSpPr>
         <p:spPr>
           <a:xfrm>
-            <a:off x="7315202" y="4229100"/>
-            <a:ext cx="1828800" cy="914400"/>
+            <a:off x="7315202" y="4416550"/>
+            <a:ext cx="1828800" cy="731400"/>
           </a:xfrm>
           <a:prstGeom prst="rect">
             <a:avLst/>
           </a:prstGeom>
-          <a:ln>
-            <a:noFill/>
-          </a:ln>
         </p:spPr>
         <p:txBody>
           <a:bodyPr anchorCtr="0" anchor="b" bIns="91425" lIns="91425" spcFirstLastPara="1" rIns="91425" wrap="square" tIns="91425">
             <a:noAutofit/>
           </a:bodyPr>
           <a:lstStyle>
-            <a:lvl1pPr lvl="0" rtl="0" algn="r">
-              <a:buNone/>
-              <a:defRPr b="1" sz="2400">
+            <a:lvl1pPr lvl="0">
+              <a:buNone/>
+              <a:defRPr>
                 <a:solidFill>
-                  <a:schemeClr val="dk2"/>
+                  <a:schemeClr val="dk1"/>
                 </a:solidFill>
               </a:defRPr>
             </a:lvl1pPr>
-            <a:lvl2pPr lvl="1" rtl="0" algn="r">
-              <a:buNone/>
-              <a:defRPr b="1" sz="2400">
+            <a:lvl2pPr lvl="1">
+              <a:buNone/>
+              <a:defRPr>
                 <a:solidFill>
-                  <a:schemeClr val="dk2"/>
+                  <a:schemeClr val="dk1"/>
                 </a:solidFill>
               </a:defRPr>
             </a:lvl2pPr>
-            <a:lvl3pPr lvl="2" rtl="0" algn="r">
-              <a:buNone/>
-              <a:defRPr b="1" sz="2400">
+            <a:lvl3pPr lvl="2">
+              <a:buNone/>
+              <a:defRPr>
                 <a:solidFill>
-                  <a:schemeClr val="dk2"/>
+                  <a:schemeClr val="dk1"/>
                 </a:solidFill>
               </a:defRPr>
             </a:lvl3pPr>
-            <a:lvl4pPr lvl="3" rtl="0" algn="r">
-              <a:buNone/>
-              <a:defRPr b="1" sz="2400">
+            <a:lvl4pPr lvl="3">
+              <a:buNone/>
+              <a:defRPr>
                 <a:solidFill>
-                  <a:schemeClr val="dk2"/>
+                  <a:schemeClr val="dk1"/>
                 </a:solidFill>
               </a:defRPr>
             </a:lvl4pPr>
-            <a:lvl5pPr lvl="4" rtl="0" algn="r">
-              <a:buNone/>
-              <a:defRPr b="1" sz="2400">
+            <a:lvl5pPr lvl="4">
+              <a:buNone/>
+              <a:defRPr>
                 <a:solidFill>
-                  <a:schemeClr val="dk2"/>
+                  <a:schemeClr val="dk1"/>
                 </a:solidFill>
               </a:defRPr>
             </a:lvl5pPr>
-            <a:lvl6pPr lvl="5" rtl="0" algn="r">
-              <a:buNone/>
-              <a:defRPr b="1" sz="2400">
+            <a:lvl6pPr lvl="5">
+              <a:buNone/>
+              <a:defRPr>
                 <a:solidFill>
-                  <a:schemeClr val="dk2"/>
+                  <a:schemeClr val="dk1"/>
                 </a:solidFill>
               </a:defRPr>
             </a:lvl6pPr>
-            <a:lvl7pPr lvl="6" rtl="0" algn="r">
-              <a:buNone/>
-              <a:defRPr b="1" sz="2400">
+            <a:lvl7pPr lvl="6">
+              <a:buNone/>
+              <a:defRPr>
                 <a:solidFill>
-                  <a:schemeClr val="dk2"/>
+                  <a:schemeClr val="dk1"/>
                 </a:solidFill>
               </a:defRPr>
             </a:lvl7pPr>
-            <a:lvl8pPr lvl="7" rtl="0" algn="r">
-              <a:buNone/>
-              <a:defRPr b="1" sz="2400">
+            <a:lvl8pPr lvl="7">
+              <a:buNone/>
+              <a:defRPr>
                 <a:solidFill>
-                  <a:schemeClr val="dk2"/>
+                  <a:schemeClr val="dk1"/>
                 </a:solidFill>
               </a:defRPr>
             </a:lvl8pPr>
-            <a:lvl9pPr lvl="8" rtl="0" algn="r">
-              <a:buNone/>
-              <a:defRPr b="1" sz="2400">
+            <a:lvl9pPr lvl="8">
+              <a:buNone/>
+              <a:defRPr>
                 <a:solidFill>
-                  <a:schemeClr val="dk2"/>
+                  <a:schemeClr val="dk1"/>
                 </a:solidFill>
               </a:defRPr>
             </a:lvl9pPr>
@@ -5066,25 +5212,174 @@
               <a:spcAft>
                 <a:spcPts val="0"/>
               </a:spcAft>
-              <a:buNone/>
-            </a:pPr>
-            <a:r>
-              <a:rPr b="0" lang="en" sz="1000" u="sng">
+              <a:buClr>
+                <a:schemeClr val="dk1"/>
+              </a:buClr>
+              <a:buSzPts val="1100"/>
+              <a:buFont typeface="Arial"/>
+              <a:buNone/>
+            </a:pPr>
+            <a:r>
+              <a:rPr b="0" lang="en" sz="900" u="sng">
                 <a:solidFill>
                   <a:schemeClr val="hlink"/>
                 </a:solidFill>
                 <a:hlinkClick r:id="rId2"/>
               </a:rPr>
-              <a:t>uni1.de/amos</a:t>
-            </a:r>
-            <a:r>
-              <a:rPr b="0" lang="en" sz="1000"/>
-              <a:t> </a:t>
-            </a:r>
-            <a:endParaRPr b="0" sz="1000"/>
+              <a:t>https://oss.cs.fau.de</a:t>
+            </a:r>
+            <a:endParaRPr>
+              <a:solidFill>
+                <a:schemeClr val="dk2"/>
+              </a:solidFill>
+            </a:endParaRPr>
           </a:p>
         </p:txBody>
       </p:sp>
+      <p:grpSp>
+        <p:nvGrpSpPr>
+          <p:cNvPr id="35" name="Google Shape;35;p5"/>
+          <p:cNvGrpSpPr/>
+          <p:nvPr/>
+        </p:nvGrpSpPr>
+        <p:grpSpPr>
+          <a:xfrm>
+            <a:off x="0" y="685800"/>
+            <a:ext cx="9144000" cy="91500"/>
+            <a:chOff x="0" y="2386584"/>
+            <a:chExt cx="9144000" cy="91500"/>
+          </a:xfrm>
+        </p:grpSpPr>
+        <p:sp>
+          <p:nvSpPr>
+            <p:cNvPr id="36" name="Google Shape;36;p5"/>
+            <p:cNvSpPr/>
+            <p:nvPr/>
+          </p:nvSpPr>
+          <p:spPr>
+            <a:xfrm>
+              <a:off x="0" y="2386584"/>
+              <a:ext cx="914400" cy="91500"/>
+            </a:xfrm>
+            <a:prstGeom prst="rect">
+              <a:avLst/>
+            </a:prstGeom>
+            <a:solidFill>
+              <a:schemeClr val="accent2"/>
+            </a:solidFill>
+            <a:ln>
+              <a:noFill/>
+            </a:ln>
+          </p:spPr>
+          <p:txBody>
+            <a:bodyPr anchorCtr="0" anchor="ctr" bIns="91425" lIns="91425" spcFirstLastPara="1" rIns="91425" wrap="square" tIns="91425">
+              <a:noAutofit/>
+            </a:bodyPr>
+            <a:lstStyle/>
+            <a:p>
+              <a:pPr indent="0" lvl="0" marL="0" rtl="0" algn="l">
+                <a:spcBef>
+                  <a:spcPts val="0"/>
+                </a:spcBef>
+                <a:spcAft>
+                  <a:spcPts val="0"/>
+                </a:spcAft>
+                <a:buNone/>
+              </a:pPr>
+              <a:r>
+                <a:t/>
+              </a:r>
+              <a:endParaRPr/>
+            </a:p>
+          </p:txBody>
+        </p:sp>
+        <p:sp>
+          <p:nvSpPr>
+            <p:cNvPr id="37" name="Google Shape;37;p5"/>
+            <p:cNvSpPr/>
+            <p:nvPr/>
+          </p:nvSpPr>
+          <p:spPr>
+            <a:xfrm>
+              <a:off x="914400" y="2386584"/>
+              <a:ext cx="1828800" cy="91500"/>
+            </a:xfrm>
+            <a:prstGeom prst="rect">
+              <a:avLst/>
+            </a:prstGeom>
+            <a:solidFill>
+              <a:schemeClr val="accent3"/>
+            </a:solidFill>
+            <a:ln>
+              <a:noFill/>
+            </a:ln>
+          </p:spPr>
+          <p:txBody>
+            <a:bodyPr anchorCtr="0" anchor="ctr" bIns="91425" lIns="91425" spcFirstLastPara="1" rIns="91425" wrap="square" tIns="91425">
+              <a:noAutofit/>
+            </a:bodyPr>
+            <a:lstStyle/>
+            <a:p>
+              <a:pPr indent="0" lvl="0" marL="0" rtl="0" algn="l">
+                <a:spcBef>
+                  <a:spcPts val="0"/>
+                </a:spcBef>
+                <a:spcAft>
+                  <a:spcPts val="0"/>
+                </a:spcAft>
+                <a:buNone/>
+              </a:pPr>
+              <a:r>
+                <a:t/>
+              </a:r>
+              <a:endParaRPr/>
+            </a:p>
+          </p:txBody>
+        </p:sp>
+        <p:sp>
+          <p:nvSpPr>
+            <p:cNvPr id="38" name="Google Shape;38;p5"/>
+            <p:cNvSpPr/>
+            <p:nvPr/>
+          </p:nvSpPr>
+          <p:spPr>
+            <a:xfrm>
+              <a:off x="2743200" y="2386584"/>
+              <a:ext cx="6400800" cy="91500"/>
+            </a:xfrm>
+            <a:prstGeom prst="rect">
+              <a:avLst/>
+            </a:prstGeom>
+            <a:solidFill>
+              <a:schemeClr val="accent4"/>
+            </a:solidFill>
+            <a:ln>
+              <a:noFill/>
+            </a:ln>
+          </p:spPr>
+          <p:txBody>
+            <a:bodyPr anchorCtr="0" anchor="ctr" bIns="91425" lIns="91425" spcFirstLastPara="1" rIns="91425" wrap="square" tIns="91425">
+              <a:noAutofit/>
+            </a:bodyPr>
+            <a:lstStyle/>
+            <a:p>
+              <a:pPr indent="0" lvl="0" marL="0" rtl="0" algn="l">
+                <a:spcBef>
+                  <a:spcPts val="0"/>
+                </a:spcBef>
+                <a:spcAft>
+                  <a:spcPts val="0"/>
+                </a:spcAft>
+                <a:buNone/>
+              </a:pPr>
+              <a:r>
+                <a:t/>
+              </a:r>
+              <a:endParaRPr/>
+            </a:p>
+          </p:txBody>
+        </p:sp>
+      </p:grpSp>
     </p:spTree>
   </p:cSld>
   <p:clrMapOvr>
@@ -5098,7 +5393,7 @@
   <p:cSld name="TITLE_ONLY">
     <p:spTree>
       <p:nvGrpSpPr>
-        <p:cNvPr id="27" name="Shape 27"/>
+        <p:cNvPr id="39" name="Shape 39"/>
         <p:cNvGrpSpPr/>
         <p:nvPr/>
       </p:nvGrpSpPr>
@@ -5112,7 +5407,7 @@
       </p:grpSpPr>
       <p:sp>
         <p:nvSpPr>
-          <p:cNvPr id="28" name="Google Shape;28;p6"/>
+          <p:cNvPr id="40" name="Google Shape;40;p6"/>
           <p:cNvSpPr txBox="1"/>
           <p:nvPr>
             <p:ph type="title"/>
@@ -5237,50 +5532,7 @@
       </p:sp>
       <p:sp>
         <p:nvSpPr>
-          <p:cNvPr id="29" name="Google Shape;29;p6"/>
-          <p:cNvSpPr/>
-          <p:nvPr/>
-        </p:nvSpPr>
-        <p:spPr>
-          <a:xfrm>
-            <a:off x="0" y="685800"/>
-            <a:ext cx="9144000" cy="91500"/>
-          </a:xfrm>
-          <a:prstGeom prst="rect">
-            <a:avLst/>
-          </a:prstGeom>
-          <a:solidFill>
-            <a:schemeClr val="accent3"/>
-          </a:solidFill>
-          <a:ln>
-            <a:noFill/>
-          </a:ln>
-        </p:spPr>
-        <p:txBody>
-          <a:bodyPr anchorCtr="0" anchor="ctr" bIns="91425" lIns="91425" spcFirstLastPara="1" rIns="91425" wrap="square" tIns="91425">
-            <a:noAutofit/>
-          </a:bodyPr>
-          <a:lstStyle/>
-          <a:p>
-            <a:pPr indent="0" lvl="0" marL="0" rtl="0" algn="l">
-              <a:spcBef>
-                <a:spcPts val="0"/>
-              </a:spcBef>
-              <a:spcAft>
-                <a:spcPts val="0"/>
-              </a:spcAft>
-              <a:buNone/>
-            </a:pPr>
-            <a:r>
-              <a:t/>
-            </a:r>
-            <a:endParaRPr/>
-          </a:p>
-        </p:txBody>
-      </p:sp>
-      <p:sp>
-        <p:nvSpPr>
-          <p:cNvPr id="30" name="Google Shape;30;p6"/>
+          <p:cNvPr id="41" name="Google Shape;41;p6"/>
           <p:cNvSpPr txBox="1"/>
           <p:nvPr>
             <p:ph idx="12" type="sldNum"/>
@@ -5288,90 +5540,87 @@
         </p:nvSpPr>
         <p:spPr>
           <a:xfrm>
-            <a:off x="7315202" y="4229100"/>
-            <a:ext cx="1828800" cy="914400"/>
+            <a:off x="7315202" y="4416550"/>
+            <a:ext cx="1828800" cy="731400"/>
           </a:xfrm>
           <a:prstGeom prst="rect">
             <a:avLst/>
           </a:prstGeom>
-          <a:ln>
-            <a:noFill/>
-          </a:ln>
         </p:spPr>
         <p:txBody>
           <a:bodyPr anchorCtr="0" anchor="b" bIns="91425" lIns="91425" spcFirstLastPara="1" rIns="91425" wrap="square" tIns="91425">
             <a:noAutofit/>
           </a:bodyPr>
           <a:lstStyle>
-            <a:lvl1pPr lvl="0" rtl="0" algn="r">
-              <a:buNone/>
-              <a:defRPr b="1" sz="2400">
+            <a:lvl1pPr lvl="0">
+              <a:buNone/>
+              <a:defRPr>
                 <a:solidFill>
-                  <a:schemeClr val="dk2"/>
+                  <a:schemeClr val="dk1"/>
                 </a:solidFill>
               </a:defRPr>
             </a:lvl1pPr>
-            <a:lvl2pPr lvl="1" rtl="0" algn="r">
-              <a:buNone/>
-              <a:defRPr b="1" sz="2400">
+            <a:lvl2pPr lvl="1">
+              <a:buNone/>
+              <a:defRPr>
                 <a:solidFill>
-                  <a:schemeClr val="dk2"/>
+                  <a:schemeClr val="dk1"/>
                 </a:solidFill>
               </a:defRPr>
             </a:lvl2pPr>
-            <a:lvl3pPr lvl="2" rtl="0" algn="r">
-              <a:buNone/>
-              <a:defRPr b="1" sz="2400">
+            <a:lvl3pPr lvl="2">
+              <a:buNone/>
+              <a:defRPr>
                 <a:solidFill>
-                  <a:schemeClr val="dk2"/>
+                  <a:schemeClr val="dk1"/>
                 </a:solidFill>
               </a:defRPr>
             </a:lvl3pPr>
-            <a:lvl4pPr lvl="3" rtl="0" algn="r">
-              <a:buNone/>
-              <a:defRPr b="1" sz="2400">
+            <a:lvl4pPr lvl="3">
+              <a:buNone/>
+              <a:defRPr>
                 <a:solidFill>
-                  <a:schemeClr val="dk2"/>
+                  <a:schemeClr val="dk1"/>
                 </a:solidFill>
               </a:defRPr>
             </a:lvl4pPr>
-            <a:lvl5pPr lvl="4" rtl="0" algn="r">
-              <a:buNone/>
-              <a:defRPr b="1" sz="2400">
+            <a:lvl5pPr lvl="4">
+              <a:buNone/>
+              <a:defRPr>
                 <a:solidFill>
-                  <a:schemeClr val="dk2"/>
+                  <a:schemeClr val="dk1"/>
                 </a:solidFill>
               </a:defRPr>
             </a:lvl5pPr>
-            <a:lvl6pPr lvl="5" rtl="0" algn="r">
-              <a:buNone/>
-              <a:defRPr b="1" sz="2400">
+            <a:lvl6pPr lvl="5">
+              <a:buNone/>
+              <a:defRPr>
                 <a:solidFill>
-                  <a:schemeClr val="dk2"/>
+                  <a:schemeClr val="dk1"/>
                 </a:solidFill>
               </a:defRPr>
             </a:lvl6pPr>
-            <a:lvl7pPr lvl="6" rtl="0" algn="r">
-              <a:buNone/>
-              <a:defRPr b="1" sz="2400">
+            <a:lvl7pPr lvl="6">
+              <a:buNone/>
+              <a:defRPr>
                 <a:solidFill>
-                  <a:schemeClr val="dk2"/>
+                  <a:schemeClr val="dk1"/>
                 </a:solidFill>
               </a:defRPr>
             </a:lvl7pPr>
-            <a:lvl8pPr lvl="7" rtl="0" algn="r">
-              <a:buNone/>
-              <a:defRPr b="1" sz="2400">
+            <a:lvl8pPr lvl="7">
+              <a:buNone/>
+              <a:defRPr>
                 <a:solidFill>
-                  <a:schemeClr val="dk2"/>
+                  <a:schemeClr val="dk1"/>
                 </a:solidFill>
               </a:defRPr>
             </a:lvl8pPr>
-            <a:lvl9pPr lvl="8" rtl="0" algn="r">
-              <a:buNone/>
-              <a:defRPr b="1" sz="2400">
+            <a:lvl9pPr lvl="8">
+              <a:buNone/>
+              <a:defRPr>
                 <a:solidFill>
-                  <a:schemeClr val="dk2"/>
+                  <a:schemeClr val="dk1"/>
                 </a:solidFill>
               </a:defRPr>
             </a:lvl9pPr>
@@ -5403,22 +5652,174 @@
               <a:buNone/>
             </a:pPr>
             <a:r>
-              <a:rPr b="0" lang="en" sz="1000" u="sng">
+              <a:rPr b="0" lang="en" sz="900" u="sng">
                 <a:solidFill>
                   <a:schemeClr val="hlink"/>
                 </a:solidFill>
                 <a:hlinkClick r:id="rId2"/>
               </a:rPr>
-              <a:t>uni1.de/amos</a:t>
-            </a:r>
-            <a:r>
-              <a:rPr b="0" lang="en" sz="1000"/>
+              <a:t>https://oss.cs.fau.de</a:t>
+            </a:r>
+            <a:r>
+              <a:rPr b="0" lang="en" sz="900">
+                <a:solidFill>
+                  <a:schemeClr val="dk2"/>
+                </a:solidFill>
+              </a:rPr>
               <a:t> </a:t>
             </a:r>
-            <a:endParaRPr b="0" sz="1000"/>
+            <a:endParaRPr>
+              <a:solidFill>
+                <a:schemeClr val="dk2"/>
+              </a:solidFill>
+            </a:endParaRPr>
           </a:p>
         </p:txBody>
       </p:sp>
+      <p:grpSp>
+        <p:nvGrpSpPr>
+          <p:cNvPr id="42" name="Google Shape;42;p6"/>
+          <p:cNvGrpSpPr/>
+          <p:nvPr/>
+        </p:nvGrpSpPr>
+        <p:grpSpPr>
+          <a:xfrm>
+            <a:off x="0" y="685800"/>
+            <a:ext cx="9144000" cy="91500"/>
+            <a:chOff x="0" y="2386584"/>
+            <a:chExt cx="9144000" cy="91500"/>
+          </a:xfrm>
+        </p:grpSpPr>
+        <p:sp>
+          <p:nvSpPr>
+            <p:cNvPr id="43" name="Google Shape;43;p6"/>
+            <p:cNvSpPr/>
+            <p:nvPr/>
+          </p:nvSpPr>
+          <p:spPr>
+            <a:xfrm>
+              <a:off x="0" y="2386584"/>
+              <a:ext cx="914400" cy="91500"/>
+            </a:xfrm>
+            <a:prstGeom prst="rect">
+              <a:avLst/>
+            </a:prstGeom>
+            <a:solidFill>
+              <a:schemeClr val="accent2"/>
+            </a:solidFill>
+            <a:ln>
+              <a:noFill/>
+            </a:ln>
+          </p:spPr>
+          <p:txBody>
+            <a:bodyPr anchorCtr="0" anchor="ctr" bIns="91425" lIns="91425" spcFirstLastPara="1" rIns="91425" wrap="square" tIns="91425">
+              <a:noAutofit/>
+            </a:bodyPr>
+            <a:lstStyle/>
+            <a:p>
+              <a:pPr indent="0" lvl="0" marL="0" rtl="0" algn="l">
+                <a:spcBef>
+                  <a:spcPts val="0"/>
+                </a:spcBef>
+                <a:spcAft>
+                  <a:spcPts val="0"/>
+                </a:spcAft>
+                <a:buNone/>
+              </a:pPr>
+              <a:r>
+                <a:t/>
+              </a:r>
+              <a:endParaRPr/>
+            </a:p>
+          </p:txBody>
+        </p:sp>
+        <p:sp>
+          <p:nvSpPr>
+            <p:cNvPr id="44" name="Google Shape;44;p6"/>
+            <p:cNvSpPr/>
+            <p:nvPr/>
+          </p:nvSpPr>
+          <p:spPr>
+            <a:xfrm>
+              <a:off x="914400" y="2386584"/>
+              <a:ext cx="1828800" cy="91500"/>
+            </a:xfrm>
+            <a:prstGeom prst="rect">
+              <a:avLst/>
+            </a:prstGeom>
+            <a:solidFill>
+              <a:schemeClr val="accent3"/>
+            </a:solidFill>
+            <a:ln>
+              <a:noFill/>
+            </a:ln>
+          </p:spPr>
+          <p:txBody>
+            <a:bodyPr anchorCtr="0" anchor="ctr" bIns="91425" lIns="91425" spcFirstLastPara="1" rIns="91425" wrap="square" tIns="91425">
+              <a:noAutofit/>
+            </a:bodyPr>
+            <a:lstStyle/>
+            <a:p>
+              <a:pPr indent="0" lvl="0" marL="0" rtl="0" algn="l">
+                <a:spcBef>
+                  <a:spcPts val="0"/>
+                </a:spcBef>
+                <a:spcAft>
+                  <a:spcPts val="0"/>
+                </a:spcAft>
+                <a:buNone/>
+              </a:pPr>
+              <a:r>
+                <a:t/>
+              </a:r>
+              <a:endParaRPr/>
+            </a:p>
+          </p:txBody>
+        </p:sp>
+        <p:sp>
+          <p:nvSpPr>
+            <p:cNvPr id="45" name="Google Shape;45;p6"/>
+            <p:cNvSpPr/>
+            <p:nvPr/>
+          </p:nvSpPr>
+          <p:spPr>
+            <a:xfrm>
+              <a:off x="2743200" y="2386584"/>
+              <a:ext cx="6400800" cy="91500"/>
+            </a:xfrm>
+            <a:prstGeom prst="rect">
+              <a:avLst/>
+            </a:prstGeom>
+            <a:solidFill>
+              <a:schemeClr val="accent4"/>
+            </a:solidFill>
+            <a:ln>
+              <a:noFill/>
+            </a:ln>
+          </p:spPr>
+          <p:txBody>
+            <a:bodyPr anchorCtr="0" anchor="ctr" bIns="91425" lIns="91425" spcFirstLastPara="1" rIns="91425" wrap="square" tIns="91425">
+              <a:noAutofit/>
+            </a:bodyPr>
+            <a:lstStyle/>
+            <a:p>
+              <a:pPr indent="0" lvl="0" marL="0" rtl="0" algn="l">
+                <a:spcBef>
+                  <a:spcPts val="0"/>
+                </a:spcBef>
+                <a:spcAft>
+                  <a:spcPts val="0"/>
+                </a:spcAft>
+                <a:buNone/>
+              </a:pPr>
+              <a:r>
+                <a:t/>
+              </a:r>
+              <a:endParaRPr/>
+            </a:p>
+          </p:txBody>
+        </p:sp>
+      </p:grpSp>
     </p:spTree>
   </p:cSld>
   <p:clrMapOvr>
@@ -5432,7 +5833,7 @@
   <p:cSld name="BLANK">
     <p:spTree>
       <p:nvGrpSpPr>
-        <p:cNvPr id="31" name="Shape 31"/>
+        <p:cNvPr id="46" name="Shape 46"/>
         <p:cNvGrpSpPr/>
         <p:nvPr/>
       </p:nvGrpSpPr>
@@ -5897,8 +6298,8 @@
         </p:nvSpPr>
         <p:spPr>
           <a:xfrm>
-            <a:off x="7315202" y="4229100"/>
-            <a:ext cx="1828800" cy="914400"/>
+            <a:off x="7315202" y="4416550"/>
+            <a:ext cx="1828800" cy="731400"/>
           </a:xfrm>
           <a:prstGeom prst="rect">
             <a:avLst/>
@@ -6013,19 +6414,19 @@
               <a:buNone/>
             </a:pPr>
             <a:r>
-              <a:rPr b="0" lang="en" sz="1000" u="sng">
+              <a:rPr b="0" lang="en" sz="900" u="sng">
                 <a:solidFill>
                   <a:schemeClr val="hlink"/>
                 </a:solidFill>
                 <a:hlinkClick r:id="rId1"/>
               </a:rPr>
-              <a:t>uni1.de/amos</a:t>
-            </a:r>
-            <a:r>
-              <a:rPr b="0" lang="en" sz="1000"/>
+              <a:t>https://oss.cs.fau.de</a:t>
+            </a:r>
+            <a:r>
+              <a:rPr b="0" lang="en" sz="900"/>
               <a:t> </a:t>
             </a:r>
-            <a:endParaRPr b="0" sz="1000"/>
+            <a:endParaRPr b="0" sz="900"/>
           </a:p>
         </p:txBody>
       </p:sp>
@@ -6738,7 +7139,7 @@
   <p:cSld>
     <p:spTree>
       <p:nvGrpSpPr>
-        <p:cNvPr id="35" name="Shape 35"/>
+        <p:cNvPr id="50" name="Shape 50"/>
         <p:cNvGrpSpPr/>
         <p:nvPr/>
       </p:nvGrpSpPr>
@@ -6752,7 +7153,7 @@
       </p:grpSpPr>
       <p:sp>
         <p:nvSpPr>
-          <p:cNvPr id="36" name="Google Shape;36;p8"/>
+          <p:cNvPr id="51" name="Google Shape;51;p8"/>
           <p:cNvSpPr txBox="1"/>
           <p:nvPr>
             <p:ph type="ctrTitle"/>
@@ -6792,7 +7193,7 @@
       </p:sp>
       <p:sp>
         <p:nvSpPr>
-          <p:cNvPr id="37" name="Google Shape;37;p8"/>
+          <p:cNvPr id="52" name="Google Shape;52;p8"/>
           <p:cNvSpPr txBox="1"/>
           <p:nvPr>
             <p:ph idx="1" type="subTitle"/>
@@ -6899,7 +7300,7 @@
   <p:cSld>
     <p:spTree>
       <p:nvGrpSpPr>
-        <p:cNvPr id="95" name="Shape 95"/>
+        <p:cNvPr id="110" name="Shape 110"/>
         <p:cNvGrpSpPr/>
         <p:nvPr/>
       </p:nvGrpSpPr>
@@ -6913,7 +7314,7 @@
       </p:grpSpPr>
       <p:sp>
         <p:nvSpPr>
-          <p:cNvPr id="96" name="Google Shape;96;p17"/>
+          <p:cNvPr id="111" name="Google Shape;111;p17"/>
           <p:cNvSpPr txBox="1"/>
           <p:nvPr>
             <p:ph type="title"/>
@@ -6953,7 +7354,7 @@
       </p:sp>
       <p:sp>
         <p:nvSpPr>
-          <p:cNvPr id="97" name="Google Shape;97;p17"/>
+          <p:cNvPr id="112" name="Google Shape;112;p17"/>
           <p:cNvSpPr txBox="1"/>
           <p:nvPr>
             <p:ph idx="1" type="body"/>
@@ -7040,7 +7441,7 @@
       </p:sp>
       <p:sp>
         <p:nvSpPr>
-          <p:cNvPr id="98" name="Google Shape;98;p17"/>
+          <p:cNvPr id="113" name="Google Shape;113;p17"/>
           <p:cNvSpPr txBox="1"/>
           <p:nvPr>
             <p:ph idx="12" type="sldNum"/>
@@ -7048,8 +7449,8 @@
         </p:nvSpPr>
         <p:spPr>
           <a:xfrm>
-            <a:off x="7315202" y="4229100"/>
-            <a:ext cx="1828800" cy="914400"/>
+            <a:off x="7315202" y="4416550"/>
+            <a:ext cx="1828800" cy="731400"/>
           </a:xfrm>
           <a:prstGeom prst="rect">
             <a:avLst/>
@@ -7071,10 +7472,18 @@
               <a:buNone/>
             </a:pPr>
             <a:fld id="{00000000-1234-1234-1234-123412341234}" type="slidenum">
-              <a:rPr lang="en"/>
+              <a:rPr lang="en">
+                <a:solidFill>
+                  <a:schemeClr val="dk1"/>
+                </a:solidFill>
+              </a:rPr>
               <a:t>‹#›</a:t>
             </a:fld>
-            <a:endParaRPr/>
+            <a:endParaRPr>
+              <a:solidFill>
+                <a:schemeClr val="dk1"/>
+              </a:solidFill>
+            </a:endParaRPr>
           </a:p>
           <a:p>
             <a:pPr indent="0" lvl="0" marL="0" rtl="0" algn="r">
@@ -7087,19 +7496,19 @@
               <a:buNone/>
             </a:pPr>
             <a:r>
-              <a:rPr b="0" lang="en" sz="1000" u="sng">
+              <a:rPr b="0" lang="en" sz="900" u="sng">
                 <a:solidFill>
                   <a:schemeClr val="hlink"/>
                 </a:solidFill>
                 <a:hlinkClick r:id="rId3"/>
               </a:rPr>
-              <a:t>uni1.de/amos</a:t>
-            </a:r>
-            <a:r>
-              <a:rPr b="0" lang="en" sz="1000"/>
+              <a:t>https://oss.cs.fau.de</a:t>
+            </a:r>
+            <a:r>
+              <a:rPr b="0" lang="en" sz="900"/>
               <a:t> </a:t>
             </a:r>
-            <a:endParaRPr b="0" sz="1000"/>
+            <a:endParaRPr b="0" sz="900"/>
           </a:p>
         </p:txBody>
       </p:sp>
@@ -7116,7 +7525,7 @@
   <p:cSld>
     <p:spTree>
       <p:nvGrpSpPr>
-        <p:cNvPr id="102" name="Shape 102"/>
+        <p:cNvPr id="117" name="Shape 117"/>
         <p:cNvGrpSpPr/>
         <p:nvPr/>
       </p:nvGrpSpPr>
@@ -7130,7 +7539,7 @@
       </p:grpSpPr>
       <p:sp>
         <p:nvSpPr>
-          <p:cNvPr id="103" name="Google Shape;103;p18"/>
+          <p:cNvPr id="118" name="Google Shape;118;p18"/>
           <p:cNvSpPr txBox="1"/>
           <p:nvPr>
             <p:ph type="title"/>
@@ -7170,7 +7579,7 @@
       </p:sp>
       <p:sp>
         <p:nvSpPr>
-          <p:cNvPr id="104" name="Google Shape;104;p18"/>
+          <p:cNvPr id="119" name="Google Shape;119;p18"/>
           <p:cNvSpPr txBox="1"/>
           <p:nvPr>
             <p:ph idx="12" type="sldNum"/>
@@ -7178,8 +7587,8 @@
         </p:nvSpPr>
         <p:spPr>
           <a:xfrm>
-            <a:off x="7315202" y="4229100"/>
-            <a:ext cx="1828800" cy="914400"/>
+            <a:off x="7315202" y="4416550"/>
+            <a:ext cx="1828800" cy="731400"/>
           </a:xfrm>
           <a:prstGeom prst="rect">
             <a:avLst/>
@@ -7201,10 +7610,18 @@
               <a:buNone/>
             </a:pPr>
             <a:fld id="{00000000-1234-1234-1234-123412341234}" type="slidenum">
-              <a:rPr lang="en"/>
+              <a:rPr lang="en">
+                <a:solidFill>
+                  <a:schemeClr val="dk1"/>
+                </a:solidFill>
+              </a:rPr>
               <a:t>‹#›</a:t>
             </a:fld>
-            <a:endParaRPr/>
+            <a:endParaRPr>
+              <a:solidFill>
+                <a:schemeClr val="dk1"/>
+              </a:solidFill>
+            </a:endParaRPr>
           </a:p>
           <a:p>
             <a:pPr indent="0" lvl="0" marL="0" rtl="0" algn="r">
@@ -7217,25 +7634,25 @@
               <a:buNone/>
             </a:pPr>
             <a:r>
-              <a:rPr b="0" lang="en" sz="1000" u="sng">
+              <a:rPr b="0" lang="en" sz="900" u="sng">
                 <a:solidFill>
                   <a:schemeClr val="hlink"/>
                 </a:solidFill>
                 <a:hlinkClick r:id="rId3"/>
               </a:rPr>
-              <a:t>uni1.de/amos</a:t>
-            </a:r>
-            <a:r>
-              <a:rPr b="0" lang="en" sz="1000"/>
+              <a:t>https://oss.cs.fau.de</a:t>
+            </a:r>
+            <a:r>
+              <a:rPr b="0" lang="en" sz="900"/>
               <a:t> </a:t>
             </a:r>
-            <a:endParaRPr b="0" sz="1000"/>
+            <a:endParaRPr/>
           </a:p>
         </p:txBody>
       </p:sp>
       <p:graphicFrame>
         <p:nvGraphicFramePr>
-          <p:cNvPr id="105" name="Google Shape;105;p18"/>
+          <p:cNvPr id="120" name="Google Shape;120;p18"/>
           <p:cNvGraphicFramePr/>
           <p:nvPr/>
         </p:nvGraphicFramePr>
@@ -7248,7 +7665,7 @@
             <a:tbl>
               <a:tblPr>
                 <a:noFill/>
-                <a:tableStyleId>{2F2CD4EC-984E-4CF3-8E55-FA5D9D0C1F08}</a:tableStyleId>
+                <a:tableStyleId>{938044B6-21D4-4825-B8CD-BC9CF5129A88}</a:tableStyleId>
               </a:tblPr>
               <a:tblGrid>
                 <a:gridCol w="1315250"/>
@@ -8047,7 +8464,7 @@
   <p:cSld>
     <p:spTree>
       <p:nvGrpSpPr>
-        <p:cNvPr id="109" name="Shape 109"/>
+        <p:cNvPr id="124" name="Shape 124"/>
         <p:cNvGrpSpPr/>
         <p:nvPr/>
       </p:nvGrpSpPr>
@@ -8061,7 +8478,7 @@
       </p:grpSpPr>
       <p:sp>
         <p:nvSpPr>
-          <p:cNvPr id="110" name="Google Shape;110;p19"/>
+          <p:cNvPr id="125" name="Google Shape;125;p19"/>
           <p:cNvSpPr txBox="1"/>
           <p:nvPr>
             <p:ph type="title"/>
@@ -8101,7 +8518,7 @@
       </p:sp>
       <p:sp>
         <p:nvSpPr>
-          <p:cNvPr id="111" name="Google Shape;111;p19"/>
+          <p:cNvPr id="126" name="Google Shape;126;p19"/>
           <p:cNvSpPr txBox="1"/>
           <p:nvPr>
             <p:ph idx="12" type="sldNum"/>
@@ -8109,8 +8526,8 @@
         </p:nvSpPr>
         <p:spPr>
           <a:xfrm>
-            <a:off x="7315202" y="4229100"/>
-            <a:ext cx="1828800" cy="914400"/>
+            <a:off x="7315202" y="4416550"/>
+            <a:ext cx="1828800" cy="731400"/>
           </a:xfrm>
           <a:prstGeom prst="rect">
             <a:avLst/>
@@ -8132,10 +8549,18 @@
               <a:buNone/>
             </a:pPr>
             <a:fld id="{00000000-1234-1234-1234-123412341234}" type="slidenum">
-              <a:rPr lang="en"/>
+              <a:rPr lang="en">
+                <a:solidFill>
+                  <a:schemeClr val="dk1"/>
+                </a:solidFill>
+              </a:rPr>
               <a:t>‹#›</a:t>
             </a:fld>
-            <a:endParaRPr/>
+            <a:endParaRPr>
+              <a:solidFill>
+                <a:schemeClr val="dk1"/>
+              </a:solidFill>
+            </a:endParaRPr>
           </a:p>
           <a:p>
             <a:pPr indent="0" lvl="0" marL="0" rtl="0" algn="r">
@@ -8145,28 +8570,29 @@
               <a:spcAft>
                 <a:spcPts val="0"/>
               </a:spcAft>
-              <a:buNone/>
-            </a:pPr>
-            <a:r>
-              <a:rPr b="0" lang="en" sz="1000" u="sng">
+              <a:buClr>
+                <a:schemeClr val="dk1"/>
+              </a:buClr>
+              <a:buSzPts val="1100"/>
+              <a:buFont typeface="Arial"/>
+              <a:buNone/>
+            </a:pPr>
+            <a:r>
+              <a:rPr b="0" lang="en" sz="900" u="sng">
                 <a:solidFill>
                   <a:schemeClr val="hlink"/>
                 </a:solidFill>
                 <a:hlinkClick r:id="rId3"/>
               </a:rPr>
-              <a:t>uni1.de/amos</a:t>
-            </a:r>
-            <a:r>
-              <a:rPr b="0" lang="en" sz="1000"/>
-              <a:t> </a:t>
-            </a:r>
-            <a:endParaRPr b="0" sz="1000"/>
+              <a:t>https://oss.cs.fau.de</a:t>
+            </a:r>
+            <a:endParaRPr/>
           </a:p>
         </p:txBody>
       </p:sp>
       <p:sp>
         <p:nvSpPr>
-          <p:cNvPr id="112" name="Google Shape;112;p19"/>
+          <p:cNvPr id="127" name="Google Shape;127;p19"/>
           <p:cNvSpPr txBox="1"/>
           <p:nvPr>
             <p:ph idx="1" type="body"/>
@@ -8420,7 +8846,7 @@
       </p:sp>
       <p:sp>
         <p:nvSpPr>
-          <p:cNvPr id="113" name="Google Shape;113;p19"/>
+          <p:cNvPr id="128" name="Google Shape;128;p19"/>
           <p:cNvSpPr txBox="1"/>
           <p:nvPr>
             <p:ph idx="2" type="body"/>
@@ -8520,7 +8946,7 @@
   <p:cSld>
     <p:spTree>
       <p:nvGrpSpPr>
-        <p:cNvPr id="117" name="Shape 117"/>
+        <p:cNvPr id="132" name="Shape 132"/>
         <p:cNvGrpSpPr/>
         <p:nvPr/>
       </p:nvGrpSpPr>
@@ -8534,7 +8960,7 @@
       </p:grpSpPr>
       <p:sp>
         <p:nvSpPr>
-          <p:cNvPr id="118" name="Google Shape;118;p20"/>
+          <p:cNvPr id="133" name="Google Shape;133;p20"/>
           <p:cNvSpPr txBox="1"/>
           <p:nvPr>
             <p:ph type="title"/>
@@ -8574,7 +9000,7 @@
       </p:sp>
       <p:sp>
         <p:nvSpPr>
-          <p:cNvPr id="119" name="Google Shape;119;p20"/>
+          <p:cNvPr id="134" name="Google Shape;134;p20"/>
           <p:cNvSpPr txBox="1"/>
           <p:nvPr>
             <p:ph idx="1" type="body"/>
@@ -8607,14 +9033,14 @@
             <a:r>
               <a:rPr b="1" lang="en">
                 <a:solidFill>
-                  <a:schemeClr val="accent3"/>
+                  <a:schemeClr val="accent6"/>
                 </a:solidFill>
               </a:rPr>
               <a:t>Demo your software! That’s what it is about</a:t>
             </a:r>
             <a:endParaRPr b="1">
               <a:solidFill>
-                <a:schemeClr val="accent3"/>
+                <a:schemeClr val="accent6"/>
               </a:solidFill>
             </a:endParaRPr>
           </a:p>
@@ -8745,7 +9171,7 @@
       </p:sp>
       <p:sp>
         <p:nvSpPr>
-          <p:cNvPr id="120" name="Google Shape;120;p20"/>
+          <p:cNvPr id="135" name="Google Shape;135;p20"/>
           <p:cNvSpPr txBox="1"/>
           <p:nvPr>
             <p:ph idx="12" type="sldNum"/>
@@ -8753,8 +9179,8 @@
         </p:nvSpPr>
         <p:spPr>
           <a:xfrm>
-            <a:off x="7315202" y="4229100"/>
-            <a:ext cx="1828800" cy="914400"/>
+            <a:off x="7315202" y="4416550"/>
+            <a:ext cx="1828800" cy="731400"/>
           </a:xfrm>
           <a:prstGeom prst="rect">
             <a:avLst/>
@@ -8776,10 +9202,18 @@
               <a:buNone/>
             </a:pPr>
             <a:fld id="{00000000-1234-1234-1234-123412341234}" type="slidenum">
-              <a:rPr lang="en"/>
+              <a:rPr lang="en">
+                <a:solidFill>
+                  <a:schemeClr val="dk1"/>
+                </a:solidFill>
+              </a:rPr>
               <a:t>‹#›</a:t>
             </a:fld>
-            <a:endParaRPr/>
+            <a:endParaRPr>
+              <a:solidFill>
+                <a:schemeClr val="dk1"/>
+              </a:solidFill>
+            </a:endParaRPr>
           </a:p>
           <a:p>
             <a:pPr indent="0" lvl="0" marL="0" rtl="0" algn="r">
@@ -8792,19 +9226,19 @@
               <a:buNone/>
             </a:pPr>
             <a:r>
-              <a:rPr b="0" lang="en" sz="1000" u="sng">
+              <a:rPr b="0" lang="en" sz="900" u="sng">
                 <a:solidFill>
                   <a:schemeClr val="hlink"/>
                 </a:solidFill>
                 <a:hlinkClick r:id="rId3"/>
               </a:rPr>
-              <a:t>uni1.de/amos</a:t>
-            </a:r>
-            <a:r>
-              <a:rPr b="0" lang="en" sz="1000"/>
+              <a:t>https://oss.cs.fau.de</a:t>
+            </a:r>
+            <a:r>
+              <a:rPr b="0" lang="en" sz="900"/>
               <a:t> </a:t>
             </a:r>
-            <a:endParaRPr b="0" sz="1000"/>
+            <a:endParaRPr b="0" sz="900"/>
           </a:p>
         </p:txBody>
       </p:sp>
@@ -8821,7 +9255,7 @@
   <p:cSld>
     <p:spTree>
       <p:nvGrpSpPr>
-        <p:cNvPr id="124" name="Shape 124"/>
+        <p:cNvPr id="139" name="Shape 139"/>
         <p:cNvGrpSpPr/>
         <p:nvPr/>
       </p:nvGrpSpPr>
@@ -8835,7 +9269,7 @@
       </p:grpSpPr>
       <p:sp>
         <p:nvSpPr>
-          <p:cNvPr id="125" name="Google Shape;125;p21"/>
+          <p:cNvPr id="140" name="Google Shape;140;p21"/>
           <p:cNvSpPr txBox="1"/>
           <p:nvPr>
             <p:ph type="title"/>
@@ -8875,7 +9309,7 @@
       </p:sp>
       <p:sp>
         <p:nvSpPr>
-          <p:cNvPr id="126" name="Google Shape;126;p21"/>
+          <p:cNvPr id="141" name="Google Shape;141;p21"/>
           <p:cNvSpPr txBox="1"/>
           <p:nvPr>
             <p:ph idx="1" type="body"/>
@@ -8920,7 +9354,7 @@
                 <a:spcPts val="0"/>
               </a:spcAft>
               <a:buClr>
-                <a:schemeClr val="accent3"/>
+                <a:schemeClr val="accent6"/>
               </a:buClr>
               <a:buSzPts val="1800"/>
               <a:buChar char="●"/>
@@ -8928,14 +9362,14 @@
             <a:r>
               <a:rPr b="1" lang="en">
                 <a:solidFill>
-                  <a:schemeClr val="accent3"/>
+                  <a:schemeClr val="accent6"/>
                 </a:solidFill>
               </a:rPr>
               <a:t>You should show running software, not just talk about it!</a:t>
             </a:r>
             <a:endParaRPr b="1">
               <a:solidFill>
-                <a:schemeClr val="accent3"/>
+                <a:schemeClr val="accent6"/>
               </a:solidFill>
             </a:endParaRPr>
           </a:p>
@@ -8976,7 +9410,7 @@
       </p:sp>
       <p:sp>
         <p:nvSpPr>
-          <p:cNvPr id="127" name="Google Shape;127;p21"/>
+          <p:cNvPr id="142" name="Google Shape;142;p21"/>
           <p:cNvSpPr txBox="1"/>
           <p:nvPr>
             <p:ph idx="12" type="sldNum"/>
@@ -8984,8 +9418,8 @@
         </p:nvSpPr>
         <p:spPr>
           <a:xfrm>
-            <a:off x="7315202" y="4229100"/>
-            <a:ext cx="1828800" cy="914400"/>
+            <a:off x="7315202" y="4416550"/>
+            <a:ext cx="1828800" cy="731400"/>
           </a:xfrm>
           <a:prstGeom prst="rect">
             <a:avLst/>
@@ -9007,10 +9441,18 @@
               <a:buNone/>
             </a:pPr>
             <a:fld id="{00000000-1234-1234-1234-123412341234}" type="slidenum">
-              <a:rPr lang="en"/>
+              <a:rPr lang="en">
+                <a:solidFill>
+                  <a:schemeClr val="dk1"/>
+                </a:solidFill>
+              </a:rPr>
               <a:t>‹#›</a:t>
             </a:fld>
-            <a:endParaRPr/>
+            <a:endParaRPr>
+              <a:solidFill>
+                <a:schemeClr val="dk1"/>
+              </a:solidFill>
+            </a:endParaRPr>
           </a:p>
           <a:p>
             <a:pPr indent="0" lvl="0" marL="0" rtl="0" algn="r">
@@ -9023,19 +9465,19 @@
               <a:buNone/>
             </a:pPr>
             <a:r>
-              <a:rPr b="0" lang="en" sz="1000" u="sng">
+              <a:rPr b="0" lang="en" sz="900" u="sng">
                 <a:solidFill>
                   <a:schemeClr val="hlink"/>
                 </a:solidFill>
                 <a:hlinkClick r:id="rId3"/>
               </a:rPr>
-              <a:t>uni1.de/amos</a:t>
-            </a:r>
-            <a:r>
-              <a:rPr b="0" lang="en" sz="1000"/>
+              <a:t>https://oss.cs.fau.de</a:t>
+            </a:r>
+            <a:r>
+              <a:rPr b="0" lang="en" sz="900"/>
               <a:t> </a:t>
             </a:r>
-            <a:endParaRPr b="0" sz="1000"/>
+            <a:endParaRPr b="0" sz="900"/>
           </a:p>
         </p:txBody>
       </p:sp>
@@ -9052,7 +9494,7 @@
   <p:cSld>
     <p:spTree>
       <p:nvGrpSpPr>
-        <p:cNvPr id="131" name="Shape 131"/>
+        <p:cNvPr id="146" name="Shape 146"/>
         <p:cNvGrpSpPr/>
         <p:nvPr/>
       </p:nvGrpSpPr>
@@ -9066,7 +9508,7 @@
       </p:grpSpPr>
       <p:sp>
         <p:nvSpPr>
-          <p:cNvPr id="132" name="Google Shape;132;p22"/>
+          <p:cNvPr id="147" name="Google Shape;147;p22"/>
           <p:cNvSpPr txBox="1"/>
           <p:nvPr>
             <p:ph type="title"/>
@@ -9106,7 +9548,7 @@
       </p:sp>
       <p:sp>
         <p:nvSpPr>
-          <p:cNvPr id="133" name="Google Shape;133;p22"/>
+          <p:cNvPr id="148" name="Google Shape;148;p22"/>
           <p:cNvSpPr txBox="1"/>
           <p:nvPr>
             <p:ph idx="1" type="body"/>
@@ -9180,7 +9622,7 @@
       </p:sp>
       <p:sp>
         <p:nvSpPr>
-          <p:cNvPr id="134" name="Google Shape;134;p22"/>
+          <p:cNvPr id="149" name="Google Shape;149;p22"/>
           <p:cNvSpPr txBox="1"/>
           <p:nvPr>
             <p:ph idx="12" type="sldNum"/>
@@ -9188,8 +9630,8 @@
         </p:nvSpPr>
         <p:spPr>
           <a:xfrm>
-            <a:off x="7315202" y="4229100"/>
-            <a:ext cx="1828800" cy="914400"/>
+            <a:off x="7315202" y="4416550"/>
+            <a:ext cx="1828800" cy="731400"/>
           </a:xfrm>
           <a:prstGeom prst="rect">
             <a:avLst/>
@@ -9211,10 +9653,18 @@
               <a:buNone/>
             </a:pPr>
             <a:fld id="{00000000-1234-1234-1234-123412341234}" type="slidenum">
-              <a:rPr lang="en"/>
+              <a:rPr lang="en">
+                <a:solidFill>
+                  <a:schemeClr val="dk1"/>
+                </a:solidFill>
+              </a:rPr>
               <a:t>‹#›</a:t>
             </a:fld>
-            <a:endParaRPr/>
+            <a:endParaRPr>
+              <a:solidFill>
+                <a:schemeClr val="dk1"/>
+              </a:solidFill>
+            </a:endParaRPr>
           </a:p>
           <a:p>
             <a:pPr indent="0" lvl="0" marL="0" rtl="0" algn="r">
@@ -9227,19 +9677,19 @@
               <a:buNone/>
             </a:pPr>
             <a:r>
-              <a:rPr b="0" lang="en" sz="1000" u="sng">
+              <a:rPr b="0" lang="en" sz="900" u="sng">
                 <a:solidFill>
                   <a:schemeClr val="hlink"/>
                 </a:solidFill>
                 <a:hlinkClick r:id="rId3"/>
               </a:rPr>
-              <a:t>uni1.de/amos</a:t>
-            </a:r>
-            <a:r>
-              <a:rPr b="0" lang="en" sz="1000"/>
+              <a:t>https://oss.cs.fau.de</a:t>
+            </a:r>
+            <a:r>
+              <a:rPr b="0" lang="en" sz="900"/>
               <a:t> </a:t>
             </a:r>
-            <a:endParaRPr b="0" sz="1000"/>
+            <a:endParaRPr b="0" sz="900"/>
           </a:p>
         </p:txBody>
       </p:sp>
@@ -9256,7 +9706,7 @@
   <p:cSld>
     <p:spTree>
       <p:nvGrpSpPr>
-        <p:cNvPr id="138" name="Shape 138"/>
+        <p:cNvPr id="153" name="Shape 153"/>
         <p:cNvGrpSpPr/>
         <p:nvPr/>
       </p:nvGrpSpPr>
@@ -9270,7 +9720,7 @@
       </p:grpSpPr>
       <p:sp>
         <p:nvSpPr>
-          <p:cNvPr id="139" name="Google Shape;139;p23"/>
+          <p:cNvPr id="154" name="Google Shape;154;p23"/>
           <p:cNvSpPr txBox="1"/>
           <p:nvPr>
             <p:ph type="title"/>
@@ -9321,7 +9771,7 @@
   <p:cSld>
     <p:spTree>
       <p:nvGrpSpPr>
-        <p:cNvPr id="143" name="Shape 143"/>
+        <p:cNvPr id="158" name="Shape 158"/>
         <p:cNvGrpSpPr/>
         <p:nvPr/>
       </p:nvGrpSpPr>
@@ -9335,7 +9785,7 @@
       </p:grpSpPr>
       <p:sp>
         <p:nvSpPr>
-          <p:cNvPr id="144" name="Google Shape;144;p24"/>
+          <p:cNvPr id="159" name="Google Shape;159;p24"/>
           <p:cNvSpPr txBox="1"/>
           <p:nvPr>
             <p:ph type="title"/>
@@ -9379,7 +9829,7 @@
       </p:sp>
       <p:sp>
         <p:nvSpPr>
-          <p:cNvPr id="145" name="Google Shape;145;p24"/>
+          <p:cNvPr id="160" name="Google Shape;160;p24"/>
           <p:cNvSpPr txBox="1"/>
           <p:nvPr>
             <p:ph idx="1" type="body"/>
@@ -9419,7 +9869,7 @@
       </p:sp>
       <p:sp>
         <p:nvSpPr>
-          <p:cNvPr id="146" name="Google Shape;146;p24"/>
+          <p:cNvPr id="161" name="Google Shape;161;p24"/>
           <p:cNvSpPr txBox="1"/>
           <p:nvPr>
             <p:ph idx="12" type="sldNum"/>
@@ -9427,8 +9877,8 @@
         </p:nvSpPr>
         <p:spPr>
           <a:xfrm>
-            <a:off x="7315202" y="4229100"/>
-            <a:ext cx="1828800" cy="914400"/>
+            <a:off x="7315202" y="4416550"/>
+            <a:ext cx="1828800" cy="731400"/>
           </a:xfrm>
           <a:prstGeom prst="rect">
             <a:avLst/>
@@ -9450,10 +9900,18 @@
               <a:buNone/>
             </a:pPr>
             <a:fld id="{00000000-1234-1234-1234-123412341234}" type="slidenum">
-              <a:rPr lang="en"/>
+              <a:rPr lang="en">
+                <a:solidFill>
+                  <a:schemeClr val="dk1"/>
+                </a:solidFill>
+              </a:rPr>
               <a:t>‹#›</a:t>
             </a:fld>
-            <a:endParaRPr/>
+            <a:endParaRPr>
+              <a:solidFill>
+                <a:schemeClr val="dk1"/>
+              </a:solidFill>
+            </a:endParaRPr>
           </a:p>
           <a:p>
             <a:pPr indent="0" lvl="0" marL="0" rtl="0" algn="r">
@@ -9466,19 +9924,19 @@
               <a:buNone/>
             </a:pPr>
             <a:r>
-              <a:rPr b="0" lang="en" sz="1000" u="sng">
+              <a:rPr b="0" lang="en" sz="900" u="sng">
                 <a:solidFill>
                   <a:schemeClr val="hlink"/>
                 </a:solidFill>
                 <a:hlinkClick r:id="rId3"/>
               </a:rPr>
-              <a:t>uni1.de/amos</a:t>
-            </a:r>
-            <a:r>
-              <a:rPr b="0" lang="en" sz="1000"/>
+              <a:t>https://oss.cs.fau.de</a:t>
+            </a:r>
+            <a:r>
+              <a:rPr b="0" lang="en" sz="900"/>
               <a:t> </a:t>
             </a:r>
-            <a:endParaRPr b="0" sz="1000"/>
+            <a:endParaRPr b="0" sz="900"/>
           </a:p>
         </p:txBody>
       </p:sp>
@@ -9495,7 +9953,7 @@
   <p:cSld>
     <p:spTree>
       <p:nvGrpSpPr>
-        <p:cNvPr id="150" name="Shape 150"/>
+        <p:cNvPr id="165" name="Shape 165"/>
         <p:cNvGrpSpPr/>
         <p:nvPr/>
       </p:nvGrpSpPr>
@@ -9509,7 +9967,7 @@
       </p:grpSpPr>
       <p:sp>
         <p:nvSpPr>
-          <p:cNvPr id="151" name="Google Shape;151;p25"/>
+          <p:cNvPr id="166" name="Google Shape;166;p25"/>
           <p:cNvSpPr txBox="1"/>
           <p:nvPr>
             <p:ph type="title"/>
@@ -9549,7 +10007,7 @@
       </p:sp>
       <p:sp>
         <p:nvSpPr>
-          <p:cNvPr id="152" name="Google Shape;152;p25"/>
+          <p:cNvPr id="167" name="Google Shape;167;p25"/>
           <p:cNvSpPr txBox="1"/>
           <p:nvPr>
             <p:ph idx="1" type="body"/>
@@ -9589,7 +10047,7 @@
       </p:sp>
       <p:sp>
         <p:nvSpPr>
-          <p:cNvPr id="153" name="Google Shape;153;p25"/>
+          <p:cNvPr id="168" name="Google Shape;168;p25"/>
           <p:cNvSpPr txBox="1"/>
           <p:nvPr>
             <p:ph idx="12" type="sldNum"/>
@@ -9597,8 +10055,8 @@
         </p:nvSpPr>
         <p:spPr>
           <a:xfrm>
-            <a:off x="7315202" y="4229100"/>
-            <a:ext cx="1828800" cy="914400"/>
+            <a:off x="7315202" y="4416550"/>
+            <a:ext cx="1828800" cy="731400"/>
           </a:xfrm>
           <a:prstGeom prst="rect">
             <a:avLst/>
@@ -9620,10 +10078,18 @@
               <a:buNone/>
             </a:pPr>
             <a:fld id="{00000000-1234-1234-1234-123412341234}" type="slidenum">
-              <a:rPr lang="en"/>
+              <a:rPr lang="en">
+                <a:solidFill>
+                  <a:schemeClr val="dk1"/>
+                </a:solidFill>
+              </a:rPr>
               <a:t>‹#›</a:t>
             </a:fld>
-            <a:endParaRPr/>
+            <a:endParaRPr>
+              <a:solidFill>
+                <a:schemeClr val="dk1"/>
+              </a:solidFill>
+            </a:endParaRPr>
           </a:p>
           <a:p>
             <a:pPr indent="0" lvl="0" marL="0" rtl="0" algn="r">
@@ -9636,19 +10102,19 @@
               <a:buNone/>
             </a:pPr>
             <a:r>
-              <a:rPr b="0" lang="en" sz="1000" u="sng">
+              <a:rPr b="0" lang="en" sz="900" u="sng">
                 <a:solidFill>
                   <a:schemeClr val="hlink"/>
                 </a:solidFill>
                 <a:hlinkClick r:id="rId3"/>
               </a:rPr>
-              <a:t>uni1.de/amos</a:t>
-            </a:r>
-            <a:r>
-              <a:rPr b="0" lang="en" sz="1000"/>
+              <a:t>https://oss.cs.fau.de</a:t>
+            </a:r>
+            <a:r>
+              <a:rPr b="0" lang="en" sz="900"/>
               <a:t> </a:t>
             </a:r>
-            <a:endParaRPr b="0" sz="1000"/>
+            <a:endParaRPr b="0" sz="900"/>
           </a:p>
         </p:txBody>
       </p:sp>
@@ -9665,7 +10131,7 @@
   <p:cSld>
     <p:spTree>
       <p:nvGrpSpPr>
-        <p:cNvPr id="157" name="Shape 157"/>
+        <p:cNvPr id="172" name="Shape 172"/>
         <p:cNvGrpSpPr/>
         <p:nvPr/>
       </p:nvGrpSpPr>
@@ -9679,7 +10145,7 @@
       </p:grpSpPr>
       <p:sp>
         <p:nvSpPr>
-          <p:cNvPr id="158" name="Google Shape;158;p26"/>
+          <p:cNvPr id="173" name="Google Shape;173;p26"/>
           <p:cNvSpPr txBox="1"/>
           <p:nvPr>
             <p:ph type="title"/>
@@ -9719,7 +10185,7 @@
       </p:sp>
       <p:sp>
         <p:nvSpPr>
-          <p:cNvPr id="159" name="Google Shape;159;p26"/>
+          <p:cNvPr id="174" name="Google Shape;174;p26"/>
           <p:cNvSpPr txBox="1"/>
           <p:nvPr>
             <p:ph idx="1" type="body"/>
@@ -9759,7 +10225,7 @@
       </p:sp>
       <p:sp>
         <p:nvSpPr>
-          <p:cNvPr id="160" name="Google Shape;160;p26"/>
+          <p:cNvPr id="175" name="Google Shape;175;p26"/>
           <p:cNvSpPr txBox="1"/>
           <p:nvPr>
             <p:ph idx="12" type="sldNum"/>
@@ -9767,8 +10233,8 @@
         </p:nvSpPr>
         <p:spPr>
           <a:xfrm>
-            <a:off x="7315202" y="4229100"/>
-            <a:ext cx="1828800" cy="914400"/>
+            <a:off x="7315202" y="4416550"/>
+            <a:ext cx="1828800" cy="731400"/>
           </a:xfrm>
           <a:prstGeom prst="rect">
             <a:avLst/>
@@ -9790,10 +10256,18 @@
               <a:buNone/>
             </a:pPr>
             <a:fld id="{00000000-1234-1234-1234-123412341234}" type="slidenum">
-              <a:rPr lang="en"/>
+              <a:rPr lang="en">
+                <a:solidFill>
+                  <a:schemeClr val="dk1"/>
+                </a:solidFill>
+              </a:rPr>
               <a:t>‹#›</a:t>
             </a:fld>
-            <a:endParaRPr/>
+            <a:endParaRPr>
+              <a:solidFill>
+                <a:schemeClr val="dk1"/>
+              </a:solidFill>
+            </a:endParaRPr>
           </a:p>
           <a:p>
             <a:pPr indent="0" lvl="0" marL="0" rtl="0" algn="r">
@@ -9806,19 +10280,19 @@
               <a:buNone/>
             </a:pPr>
             <a:r>
-              <a:rPr b="0" lang="en" sz="1000" u="sng">
+              <a:rPr b="0" lang="en" sz="900" u="sng">
                 <a:solidFill>
                   <a:schemeClr val="hlink"/>
                 </a:solidFill>
                 <a:hlinkClick r:id="rId3"/>
               </a:rPr>
-              <a:t>uni1.de/amos</a:t>
-            </a:r>
-            <a:r>
-              <a:rPr b="0" lang="en" sz="1000"/>
+              <a:t>https://oss.cs.fau.de</a:t>
+            </a:r>
+            <a:r>
+              <a:rPr b="0" lang="en" sz="900"/>
               <a:t> </a:t>
             </a:r>
-            <a:endParaRPr b="0" sz="1000"/>
+            <a:endParaRPr b="0" sz="900"/>
           </a:p>
         </p:txBody>
       </p:sp>
@@ -9835,7 +10309,7 @@
   <p:cSld>
     <p:spTree>
       <p:nvGrpSpPr>
-        <p:cNvPr id="41" name="Shape 41"/>
+        <p:cNvPr id="56" name="Shape 56"/>
         <p:cNvGrpSpPr/>
         <p:nvPr/>
       </p:nvGrpSpPr>
@@ -9849,7 +10323,7 @@
       </p:grpSpPr>
       <p:sp>
         <p:nvSpPr>
-          <p:cNvPr id="42" name="Google Shape;42;p9"/>
+          <p:cNvPr id="57" name="Google Shape;57;p9"/>
           <p:cNvSpPr txBox="1"/>
           <p:nvPr>
             <p:ph type="title"/>
@@ -9889,7 +10363,7 @@
       </p:sp>
       <p:sp>
         <p:nvSpPr>
-          <p:cNvPr id="43" name="Google Shape;43;p9"/>
+          <p:cNvPr id="58" name="Google Shape;58;p9"/>
           <p:cNvSpPr txBox="1"/>
           <p:nvPr>
             <p:ph idx="1" type="body"/>
@@ -10115,7 +10589,7 @@
       </p:sp>
       <p:sp>
         <p:nvSpPr>
-          <p:cNvPr id="44" name="Google Shape;44;p9"/>
+          <p:cNvPr id="59" name="Google Shape;59;p9"/>
           <p:cNvSpPr txBox="1"/>
           <p:nvPr>
             <p:ph idx="12" type="sldNum"/>
@@ -10123,8 +10597,8 @@
         </p:nvSpPr>
         <p:spPr>
           <a:xfrm>
-            <a:off x="7315202" y="4229100"/>
-            <a:ext cx="1828800" cy="914400"/>
+            <a:off x="7315202" y="4416550"/>
+            <a:ext cx="1828800" cy="731400"/>
           </a:xfrm>
           <a:prstGeom prst="rect">
             <a:avLst/>
@@ -10146,10 +10620,18 @@
               <a:buNone/>
             </a:pPr>
             <a:fld id="{00000000-1234-1234-1234-123412341234}" type="slidenum">
-              <a:rPr lang="en"/>
+              <a:rPr lang="en">
+                <a:solidFill>
+                  <a:schemeClr val="dk1"/>
+                </a:solidFill>
+              </a:rPr>
               <a:t>‹#›</a:t>
             </a:fld>
-            <a:endParaRPr/>
+            <a:endParaRPr>
+              <a:solidFill>
+                <a:schemeClr val="dk1"/>
+              </a:solidFill>
+            </a:endParaRPr>
           </a:p>
           <a:p>
             <a:pPr indent="0" lvl="0" marL="0" rtl="0" algn="r">
@@ -10162,19 +10644,19 @@
               <a:buNone/>
             </a:pPr>
             <a:r>
-              <a:rPr b="0" lang="en" sz="1000" u="sng">
+              <a:rPr b="0" lang="en" sz="900" u="sng">
                 <a:solidFill>
                   <a:schemeClr val="hlink"/>
                 </a:solidFill>
                 <a:hlinkClick r:id="rId3"/>
               </a:rPr>
-              <a:t>uni1.de/amos</a:t>
-            </a:r>
-            <a:r>
-              <a:rPr b="0" lang="en" sz="1000"/>
+              <a:t>https://oss.cs.fau.de</a:t>
+            </a:r>
+            <a:r>
+              <a:rPr b="0" lang="en" sz="900"/>
               <a:t> </a:t>
             </a:r>
-            <a:endParaRPr b="0" sz="1000"/>
+            <a:endParaRPr b="0" sz="900"/>
           </a:p>
         </p:txBody>
       </p:sp>
@@ -10191,7 +10673,7 @@
   <p:cSld>
     <p:spTree>
       <p:nvGrpSpPr>
-        <p:cNvPr id="164" name="Shape 164"/>
+        <p:cNvPr id="179" name="Shape 179"/>
         <p:cNvGrpSpPr/>
         <p:nvPr/>
       </p:nvGrpSpPr>
@@ -10205,7 +10687,7 @@
       </p:grpSpPr>
       <p:sp>
         <p:nvSpPr>
-          <p:cNvPr id="165" name="Google Shape;165;p27"/>
+          <p:cNvPr id="180" name="Google Shape;180;p27"/>
           <p:cNvSpPr txBox="1"/>
           <p:nvPr>
             <p:ph type="title"/>
@@ -10256,7 +10738,7 @@
   <p:cSld>
     <p:spTree>
       <p:nvGrpSpPr>
-        <p:cNvPr id="169" name="Shape 169"/>
+        <p:cNvPr id="184" name="Shape 184"/>
         <p:cNvGrpSpPr/>
         <p:nvPr/>
       </p:nvGrpSpPr>
@@ -10270,7 +10752,7 @@
       </p:grpSpPr>
       <p:sp>
         <p:nvSpPr>
-          <p:cNvPr id="170" name="Google Shape;170;p28"/>
+          <p:cNvPr id="185" name="Google Shape;185;p28"/>
           <p:cNvSpPr txBox="1"/>
           <p:nvPr>
             <p:ph type="title"/>
@@ -10310,7 +10792,7 @@
       </p:sp>
       <p:sp>
         <p:nvSpPr>
-          <p:cNvPr id="171" name="Google Shape;171;p28"/>
+          <p:cNvPr id="186" name="Google Shape;186;p28"/>
           <p:cNvSpPr txBox="1"/>
           <p:nvPr>
             <p:ph idx="1" type="body"/>
@@ -10367,7 +10849,7 @@
       </p:sp>
       <p:sp>
         <p:nvSpPr>
-          <p:cNvPr id="172" name="Google Shape;172;p28"/>
+          <p:cNvPr id="187" name="Google Shape;187;p28"/>
           <p:cNvSpPr txBox="1"/>
           <p:nvPr>
             <p:ph idx="12" type="sldNum"/>
@@ -10375,8 +10857,8 @@
         </p:nvSpPr>
         <p:spPr>
           <a:xfrm>
-            <a:off x="7315202" y="4229100"/>
-            <a:ext cx="1828800" cy="914400"/>
+            <a:off x="7315202" y="4416550"/>
+            <a:ext cx="1828800" cy="731400"/>
           </a:xfrm>
           <a:prstGeom prst="rect">
             <a:avLst/>
@@ -10398,10 +10880,18 @@
               <a:buNone/>
             </a:pPr>
             <a:fld id="{00000000-1234-1234-1234-123412341234}" type="slidenum">
-              <a:rPr lang="en"/>
+              <a:rPr lang="en">
+                <a:solidFill>
+                  <a:schemeClr val="dk1"/>
+                </a:solidFill>
+              </a:rPr>
               <a:t>‹#›</a:t>
             </a:fld>
-            <a:endParaRPr/>
+            <a:endParaRPr>
+              <a:solidFill>
+                <a:schemeClr val="dk1"/>
+              </a:solidFill>
+            </a:endParaRPr>
           </a:p>
           <a:p>
             <a:pPr indent="0" lvl="0" marL="0" rtl="0" algn="r">
@@ -10414,19 +10904,19 @@
               <a:buNone/>
             </a:pPr>
             <a:r>
-              <a:rPr b="0" lang="en" sz="1000" u="sng">
+              <a:rPr b="0" lang="en" sz="900" u="sng">
                 <a:solidFill>
                   <a:schemeClr val="hlink"/>
                 </a:solidFill>
                 <a:hlinkClick r:id="rId3"/>
               </a:rPr>
-              <a:t>uni1.de/amos</a:t>
-            </a:r>
-            <a:r>
-              <a:rPr b="0" lang="en" sz="1000"/>
+              <a:t>https://oss.cs.fau.de</a:t>
+            </a:r>
+            <a:r>
+              <a:rPr b="0" lang="en" sz="900"/>
               <a:t> </a:t>
             </a:r>
-            <a:endParaRPr b="0" sz="1000"/>
+            <a:endParaRPr b="0" sz="900"/>
           </a:p>
         </p:txBody>
       </p:sp>
@@ -10443,7 +10933,7 @@
   <p:cSld>
     <p:spTree>
       <p:nvGrpSpPr>
-        <p:cNvPr id="176" name="Shape 176"/>
+        <p:cNvPr id="191" name="Shape 191"/>
         <p:cNvGrpSpPr/>
         <p:nvPr/>
       </p:nvGrpSpPr>
@@ -10457,7 +10947,7 @@
       </p:grpSpPr>
       <p:sp>
         <p:nvSpPr>
-          <p:cNvPr id="177" name="Google Shape;177;p29"/>
+          <p:cNvPr id="192" name="Google Shape;192;p29"/>
           <p:cNvSpPr txBox="1"/>
           <p:nvPr>
             <p:ph type="title"/>
@@ -10497,7 +10987,7 @@
       </p:sp>
       <p:sp>
         <p:nvSpPr>
-          <p:cNvPr id="178" name="Google Shape;178;p29"/>
+          <p:cNvPr id="193" name="Google Shape;193;p29"/>
           <p:cNvSpPr txBox="1"/>
           <p:nvPr>
             <p:ph idx="1" type="body"/>
@@ -10537,7 +11027,7 @@
       </p:sp>
       <p:sp>
         <p:nvSpPr>
-          <p:cNvPr id="179" name="Google Shape;179;p29"/>
+          <p:cNvPr id="194" name="Google Shape;194;p29"/>
           <p:cNvSpPr txBox="1"/>
           <p:nvPr>
             <p:ph idx="12" type="sldNum"/>
@@ -10545,8 +11035,8 @@
         </p:nvSpPr>
         <p:spPr>
           <a:xfrm>
-            <a:off x="7315202" y="4229100"/>
-            <a:ext cx="1828800" cy="914400"/>
+            <a:off x="7315202" y="4416550"/>
+            <a:ext cx="1828800" cy="731400"/>
           </a:xfrm>
           <a:prstGeom prst="rect">
             <a:avLst/>
@@ -10568,10 +11058,18 @@
               <a:buNone/>
             </a:pPr>
             <a:fld id="{00000000-1234-1234-1234-123412341234}" type="slidenum">
-              <a:rPr lang="en"/>
+              <a:rPr lang="en">
+                <a:solidFill>
+                  <a:schemeClr val="dk1"/>
+                </a:solidFill>
+              </a:rPr>
               <a:t>‹#›</a:t>
             </a:fld>
-            <a:endParaRPr/>
+            <a:endParaRPr>
+              <a:solidFill>
+                <a:schemeClr val="dk1"/>
+              </a:solidFill>
+            </a:endParaRPr>
           </a:p>
           <a:p>
             <a:pPr indent="0" lvl="0" marL="0" rtl="0" algn="r">
@@ -10584,19 +11082,19 @@
               <a:buNone/>
             </a:pPr>
             <a:r>
-              <a:rPr b="0" lang="en" sz="1000" u="sng">
+              <a:rPr b="0" lang="en" sz="900" u="sng">
                 <a:solidFill>
                   <a:schemeClr val="hlink"/>
                 </a:solidFill>
                 <a:hlinkClick r:id="rId3"/>
               </a:rPr>
-              <a:t>uni1.de/amos</a:t>
-            </a:r>
-            <a:r>
-              <a:rPr b="0" lang="en" sz="1000"/>
+              <a:t>https://oss.cs.fau.de</a:t>
+            </a:r>
+            <a:r>
+              <a:rPr b="0" lang="en" sz="900"/>
               <a:t> </a:t>
             </a:r>
-            <a:endParaRPr b="0" sz="1000"/>
+            <a:endParaRPr b="0" sz="900"/>
           </a:p>
         </p:txBody>
       </p:sp>
@@ -10613,7 +11111,7 @@
   <p:cSld>
     <p:spTree>
       <p:nvGrpSpPr>
-        <p:cNvPr id="183" name="Shape 183"/>
+        <p:cNvPr id="198" name="Shape 198"/>
         <p:cNvGrpSpPr/>
         <p:nvPr/>
       </p:nvGrpSpPr>
@@ -10627,7 +11125,7 @@
       </p:grpSpPr>
       <p:sp>
         <p:nvSpPr>
-          <p:cNvPr id="184" name="Google Shape;184;p30"/>
+          <p:cNvPr id="199" name="Google Shape;199;p30"/>
           <p:cNvSpPr txBox="1"/>
           <p:nvPr>
             <p:ph type="title"/>
@@ -10667,7 +11165,7 @@
       </p:sp>
       <p:sp>
         <p:nvSpPr>
-          <p:cNvPr id="185" name="Google Shape;185;p30"/>
+          <p:cNvPr id="200" name="Google Shape;200;p30"/>
           <p:cNvSpPr txBox="1"/>
           <p:nvPr>
             <p:ph idx="1" type="body"/>
@@ -10878,7 +11376,7 @@
       </p:sp>
       <p:sp>
         <p:nvSpPr>
-          <p:cNvPr id="186" name="Google Shape;186;p30"/>
+          <p:cNvPr id="201" name="Google Shape;201;p30"/>
           <p:cNvSpPr txBox="1"/>
           <p:nvPr>
             <p:ph idx="12" type="sldNum"/>
@@ -10886,8 +11384,8 @@
         </p:nvSpPr>
         <p:spPr>
           <a:xfrm>
-            <a:off x="7315202" y="4229100"/>
-            <a:ext cx="1828800" cy="914400"/>
+            <a:off x="7315202" y="4416550"/>
+            <a:ext cx="1828800" cy="731400"/>
           </a:xfrm>
           <a:prstGeom prst="rect">
             <a:avLst/>
@@ -10909,10 +11407,18 @@
               <a:buNone/>
             </a:pPr>
             <a:fld id="{00000000-1234-1234-1234-123412341234}" type="slidenum">
-              <a:rPr lang="en"/>
+              <a:rPr lang="en">
+                <a:solidFill>
+                  <a:schemeClr val="dk1"/>
+                </a:solidFill>
+              </a:rPr>
               <a:t>‹#›</a:t>
             </a:fld>
-            <a:endParaRPr/>
+            <a:endParaRPr>
+              <a:solidFill>
+                <a:schemeClr val="dk1"/>
+              </a:solidFill>
+            </a:endParaRPr>
           </a:p>
           <a:p>
             <a:pPr indent="0" lvl="0" marL="0" rtl="0" algn="r">
@@ -10925,19 +11431,19 @@
               <a:buNone/>
             </a:pPr>
             <a:r>
-              <a:rPr b="0" lang="en" sz="1000" u="sng">
+              <a:rPr b="0" lang="en" sz="900" u="sng">
                 <a:solidFill>
                   <a:schemeClr val="hlink"/>
                 </a:solidFill>
                 <a:hlinkClick r:id="rId3"/>
               </a:rPr>
-              <a:t>uni1.de/amos</a:t>
-            </a:r>
-            <a:r>
-              <a:rPr b="0" lang="en" sz="1000"/>
+              <a:t>https://oss.cs.fau.de</a:t>
+            </a:r>
+            <a:r>
+              <a:rPr b="0" lang="en" sz="900"/>
               <a:t> </a:t>
             </a:r>
-            <a:endParaRPr b="0" sz="1000"/>
+            <a:endParaRPr b="0" sz="900"/>
           </a:p>
         </p:txBody>
       </p:sp>
@@ -10954,7 +11460,7 @@
   <p:cSld>
     <p:spTree>
       <p:nvGrpSpPr>
-        <p:cNvPr id="190" name="Shape 190"/>
+        <p:cNvPr id="205" name="Shape 205"/>
         <p:cNvGrpSpPr/>
         <p:nvPr/>
       </p:nvGrpSpPr>
@@ -10968,7 +11474,7 @@
       </p:grpSpPr>
       <p:sp>
         <p:nvSpPr>
-          <p:cNvPr id="191" name="Google Shape;191;p31"/>
+          <p:cNvPr id="206" name="Google Shape;206;p31"/>
           <p:cNvSpPr txBox="1"/>
           <p:nvPr>
             <p:ph type="ctrTitle"/>
@@ -11008,7 +11514,7 @@
       </p:sp>
       <p:sp>
         <p:nvSpPr>
-          <p:cNvPr id="192" name="Google Shape;192;p31"/>
+          <p:cNvPr id="207" name="Google Shape;207;p31"/>
           <p:cNvSpPr txBox="1"/>
           <p:nvPr>
             <p:ph idx="1" type="subTitle"/>
@@ -11138,7 +11644,7 @@
   <p:cSld>
     <p:spTree>
       <p:nvGrpSpPr>
-        <p:cNvPr id="196" name="Shape 196"/>
+        <p:cNvPr id="211" name="Shape 211"/>
         <p:cNvGrpSpPr/>
         <p:nvPr/>
       </p:nvGrpSpPr>
@@ -11152,7 +11658,7 @@
       </p:grpSpPr>
       <p:sp>
         <p:nvSpPr>
-          <p:cNvPr id="197" name="Google Shape;197;p32"/>
+          <p:cNvPr id="212" name="Google Shape;212;p32"/>
           <p:cNvSpPr txBox="1"/>
           <p:nvPr>
             <p:ph type="title"/>
@@ -11192,7 +11698,7 @@
       </p:sp>
       <p:sp>
         <p:nvSpPr>
-          <p:cNvPr id="198" name="Google Shape;198;p32"/>
+          <p:cNvPr id="213" name="Google Shape;213;p32"/>
           <p:cNvSpPr txBox="1"/>
           <p:nvPr>
             <p:ph idx="12" type="sldNum"/>
@@ -11200,8 +11706,8 @@
         </p:nvSpPr>
         <p:spPr>
           <a:xfrm>
-            <a:off x="7315202" y="4229100"/>
-            <a:ext cx="1828800" cy="914400"/>
+            <a:off x="7315202" y="4416550"/>
+            <a:ext cx="1828800" cy="731400"/>
           </a:xfrm>
           <a:prstGeom prst="rect">
             <a:avLst/>
@@ -11223,10 +11729,18 @@
               <a:buNone/>
             </a:pPr>
             <a:fld id="{00000000-1234-1234-1234-123412341234}" type="slidenum">
-              <a:rPr lang="en"/>
+              <a:rPr lang="en">
+                <a:solidFill>
+                  <a:schemeClr val="dk1"/>
+                </a:solidFill>
+              </a:rPr>
               <a:t>‹#›</a:t>
             </a:fld>
-            <a:endParaRPr/>
+            <a:endParaRPr>
+              <a:solidFill>
+                <a:schemeClr val="dk1"/>
+              </a:solidFill>
+            </a:endParaRPr>
           </a:p>
           <a:p>
             <a:pPr indent="0" lvl="0" marL="0" rtl="0" algn="r">
@@ -11245,7 +11759,7 @@
                 </a:solidFill>
                 <a:hlinkClick r:id="rId3"/>
               </a:rPr>
-              <a:t>uni1.de/amos</a:t>
+              <a:t>https://oss.cs.fau.de</a:t>
             </a:r>
             <a:r>
               <a:rPr b="0" lang="en" sz="900"/>
@@ -11257,7 +11771,7 @@
       </p:sp>
       <p:sp>
         <p:nvSpPr>
-          <p:cNvPr id="199" name="Google Shape;199;p32"/>
+          <p:cNvPr id="214" name="Google Shape;214;p32"/>
           <p:cNvSpPr txBox="1"/>
           <p:nvPr>
             <p:ph idx="1" type="body"/>
@@ -11352,7 +11866,7 @@
             </a:pPr>
             <a:r>
               <a:rPr lang="en"/>
-              <a:t>© Copyright 2009, 2024 Dirk Riehle, some rights reserved</a:t>
+              <a:t>© Copyright 2009-2025 Dirk Riehle, some rights reserved</a:t>
             </a:r>
             <a:endParaRPr/>
           </a:p>
@@ -11386,7 +11900,7 @@
   <p:cSld>
     <p:spTree>
       <p:nvGrpSpPr>
-        <p:cNvPr id="203" name="Shape 203"/>
+        <p:cNvPr id="218" name="Shape 218"/>
         <p:cNvGrpSpPr/>
         <p:nvPr/>
       </p:nvGrpSpPr>
@@ -11400,72 +11914,7 @@
       </p:grpSpPr>
       <p:sp>
         <p:nvSpPr>
-          <p:cNvPr id="204" name="Google Shape;204;p33"/>
-          <p:cNvSpPr txBox="1"/>
-          <p:nvPr>
-            <p:ph type="title"/>
-          </p:nvPr>
-        </p:nvSpPr>
-        <p:spPr>
-          <a:xfrm>
-            <a:off x="0" y="-7"/>
-            <a:ext cx="9144000" cy="2386500"/>
-          </a:xfrm>
-          <a:prstGeom prst="rect">
-            <a:avLst/>
-          </a:prstGeom>
-        </p:spPr>
-        <p:txBody>
-          <a:bodyPr anchorCtr="0" anchor="b" bIns="274300" lIns="91425" spcFirstLastPara="1" rIns="91425" wrap="square" tIns="91425">
-            <a:noAutofit/>
-          </a:bodyPr>
-          <a:lstStyle/>
-          <a:p>
-            <a:pPr indent="0" lvl="0" marL="0" rtl="0" algn="ctr">
-              <a:spcBef>
-                <a:spcPts val="0"/>
-              </a:spcBef>
-              <a:spcAft>
-                <a:spcPts val="0"/>
-              </a:spcAft>
-              <a:buNone/>
-            </a:pPr>
-            <a:r>
-              <a:rPr lang="en"/>
-              <a:t>Archive</a:t>
-            </a:r>
-            <a:endParaRPr/>
-          </a:p>
-        </p:txBody>
-      </p:sp>
-    </p:spTree>
-  </p:cSld>
-  <p:clrMapOvr>
-    <a:masterClrMapping/>
-  </p:clrMapOvr>
-</p:sld>
-</file>
-
-<file path=ppt/slides/slide27.xml><?xml version="1.0" encoding="utf-8"?>
-<p:sld xmlns:a="http://schemas.openxmlformats.org/drawingml/2006/main" xmlns:r="http://schemas.openxmlformats.org/officeDocument/2006/relationships" xmlns:mc="http://schemas.openxmlformats.org/markup-compatibility/2006" xmlns:mv="urn:schemas-microsoft-com:mac:vml" xmlns:p="http://schemas.openxmlformats.org/presentationml/2006/main" xmlns:c="http://schemas.openxmlformats.org/drawingml/2006/chart" xmlns:dgm="http://schemas.openxmlformats.org/drawingml/2006/diagram" xmlns:o="urn:schemas-microsoft-com:office:office" xmlns:v="urn:schemas-microsoft-com:vml" xmlns:pvml="urn:schemas-microsoft-com:office:powerpoint" xmlns:com="http://schemas.openxmlformats.org/drawingml/2006/compatibility" xmlns:p14="http://schemas.microsoft.com/office/powerpoint/2010/main" xmlns:p15="http://schemas.microsoft.com/office/powerpoint/2012/main" xmlns:ahyp="http://schemas.microsoft.com/office/drawing/2018/hyperlinkcolor">
-  <p:cSld>
-    <p:spTree>
-      <p:nvGrpSpPr>
-        <p:cNvPr id="208" name="Shape 208"/>
-        <p:cNvGrpSpPr/>
-        <p:nvPr/>
-      </p:nvGrpSpPr>
-      <p:grpSpPr>
-        <a:xfrm>
-          <a:off x="0" y="0"/>
-          <a:ext cx="0" cy="0"/>
-          <a:chOff x="0" y="0"/>
-          <a:chExt cx="0" cy="0"/>
-        </a:xfrm>
-      </p:grpSpPr>
-      <p:sp>
-        <p:nvSpPr>
-          <p:cNvPr id="209" name="Google Shape;209;p34"/>
+          <p:cNvPr id="219" name="Google Shape;219;p33"/>
           <p:cNvSpPr txBox="1"/>
           <p:nvPr>
             <p:ph type="title"/>
@@ -11505,7 +11954,7 @@
       </p:sp>
       <p:sp>
         <p:nvSpPr>
-          <p:cNvPr id="210" name="Google Shape;210;p34"/>
+          <p:cNvPr id="220" name="Google Shape;220;p33"/>
           <p:cNvSpPr txBox="1"/>
           <p:nvPr>
             <p:ph idx="12" type="sldNum"/>
@@ -11513,8 +11962,8 @@
         </p:nvSpPr>
         <p:spPr>
           <a:xfrm>
-            <a:off x="7315202" y="4229100"/>
-            <a:ext cx="1828800" cy="914400"/>
+            <a:off x="7315202" y="4416550"/>
+            <a:ext cx="1828800" cy="731400"/>
           </a:xfrm>
           <a:prstGeom prst="rect">
             <a:avLst/>
@@ -11536,10 +11985,18 @@
               <a:buNone/>
             </a:pPr>
             <a:fld id="{00000000-1234-1234-1234-123412341234}" type="slidenum">
-              <a:rPr lang="en"/>
+              <a:rPr lang="en">
+                <a:solidFill>
+                  <a:schemeClr val="dk1"/>
+                </a:solidFill>
+              </a:rPr>
               <a:t>‹#›</a:t>
             </a:fld>
-            <a:endParaRPr/>
+            <a:endParaRPr>
+              <a:solidFill>
+                <a:schemeClr val="dk1"/>
+              </a:solidFill>
+            </a:endParaRPr>
           </a:p>
           <a:p>
             <a:pPr indent="0" lvl="0" marL="0" rtl="0" algn="r">
@@ -11552,25 +12009,25 @@
               <a:buNone/>
             </a:pPr>
             <a:r>
-              <a:rPr b="0" lang="en" sz="1000" u="sng">
+              <a:rPr b="0" lang="en" sz="900" u="sng">
                 <a:solidFill>
                   <a:schemeClr val="hlink"/>
                 </a:solidFill>
                 <a:hlinkClick r:id="rId3"/>
               </a:rPr>
-              <a:t>uni1.de/amos</a:t>
-            </a:r>
-            <a:r>
-              <a:rPr b="0" lang="en" sz="1000"/>
+              <a:t>https://oss.cs.fau.de</a:t>
+            </a:r>
+            <a:r>
+              <a:rPr b="0" lang="en" sz="900"/>
               <a:t> </a:t>
             </a:r>
-            <a:endParaRPr b="0" sz="1000"/>
+            <a:endParaRPr/>
           </a:p>
         </p:txBody>
       </p:sp>
       <p:pic>
         <p:nvPicPr>
-          <p:cNvPr id="211" name="Google Shape;211;p34"/>
+          <p:cNvPr id="221" name="Google Shape;221;p33"/>
           <p:cNvPicPr preferRelativeResize="0"/>
           <p:nvPr/>
         </p:nvPicPr>
@@ -11604,7 +12061,7 @@
       </p:pic>
       <p:pic>
         <p:nvPicPr>
-          <p:cNvPr id="212" name="Google Shape;212;p34"/>
+          <p:cNvPr id="222" name="Google Shape;222;p33"/>
           <p:cNvPicPr preferRelativeResize="0"/>
           <p:nvPr/>
         </p:nvPicPr>
@@ -11644,12 +12101,12 @@
 </p:sld>
 </file>
 
-<file path=ppt/slides/slide28.xml><?xml version="1.0" encoding="utf-8"?>
+<file path=ppt/slides/slide27.xml><?xml version="1.0" encoding="utf-8"?>
 <p:sld xmlns:a="http://schemas.openxmlformats.org/drawingml/2006/main" xmlns:r="http://schemas.openxmlformats.org/officeDocument/2006/relationships" xmlns:mc="http://schemas.openxmlformats.org/markup-compatibility/2006" xmlns:mv="urn:schemas-microsoft-com:mac:vml" xmlns:p="http://schemas.openxmlformats.org/presentationml/2006/main" xmlns:c="http://schemas.openxmlformats.org/drawingml/2006/chart" xmlns:dgm="http://schemas.openxmlformats.org/drawingml/2006/diagram" xmlns:o="urn:schemas-microsoft-com:office:office" xmlns:v="urn:schemas-microsoft-com:vml" xmlns:pvml="urn:schemas-microsoft-com:office:powerpoint" xmlns:com="http://schemas.openxmlformats.org/drawingml/2006/compatibility" xmlns:p14="http://schemas.microsoft.com/office/powerpoint/2010/main" xmlns:p15="http://schemas.microsoft.com/office/powerpoint/2012/main" xmlns:ahyp="http://schemas.microsoft.com/office/drawing/2018/hyperlinkcolor">
   <p:cSld>
     <p:spTree>
       <p:nvGrpSpPr>
-        <p:cNvPr id="216" name="Shape 216"/>
+        <p:cNvPr id="226" name="Shape 226"/>
         <p:cNvGrpSpPr/>
         <p:nvPr/>
       </p:nvGrpSpPr>
@@ -11663,7 +12120,7 @@
       </p:grpSpPr>
       <p:sp>
         <p:nvSpPr>
-          <p:cNvPr id="217" name="Google Shape;217;p35"/>
+          <p:cNvPr id="227" name="Google Shape;227;p34"/>
           <p:cNvSpPr txBox="1"/>
           <p:nvPr>
             <p:ph type="title"/>
@@ -11703,7 +12160,7 @@
       </p:sp>
       <p:sp>
         <p:nvSpPr>
-          <p:cNvPr id="218" name="Google Shape;218;p35"/>
+          <p:cNvPr id="228" name="Google Shape;228;p34"/>
           <p:cNvSpPr txBox="1"/>
           <p:nvPr>
             <p:ph idx="12" type="sldNum"/>
@@ -11711,8 +12168,8 @@
         </p:nvSpPr>
         <p:spPr>
           <a:xfrm>
-            <a:off x="7315202" y="4229100"/>
-            <a:ext cx="1828800" cy="914400"/>
+            <a:off x="7315202" y="4416550"/>
+            <a:ext cx="1828800" cy="731400"/>
           </a:xfrm>
           <a:prstGeom prst="rect">
             <a:avLst/>
@@ -11734,10 +12191,18 @@
               <a:buNone/>
             </a:pPr>
             <a:fld id="{00000000-1234-1234-1234-123412341234}" type="slidenum">
-              <a:rPr lang="en"/>
+              <a:rPr lang="en">
+                <a:solidFill>
+                  <a:schemeClr val="dk1"/>
+                </a:solidFill>
+              </a:rPr>
               <a:t>‹#›</a:t>
             </a:fld>
-            <a:endParaRPr/>
+            <a:endParaRPr>
+              <a:solidFill>
+                <a:schemeClr val="dk1"/>
+              </a:solidFill>
+            </a:endParaRPr>
           </a:p>
           <a:p>
             <a:pPr indent="0" lvl="0" marL="0" rtl="0" algn="r">
@@ -11750,25 +12215,25 @@
               <a:buNone/>
             </a:pPr>
             <a:r>
-              <a:rPr b="0" lang="en" sz="1000" u="sng">
+              <a:rPr b="0" lang="en" sz="900" u="sng">
                 <a:solidFill>
                   <a:schemeClr val="hlink"/>
                 </a:solidFill>
                 <a:hlinkClick r:id="rId3"/>
               </a:rPr>
-              <a:t>uni1.de/amos</a:t>
-            </a:r>
-            <a:r>
-              <a:rPr b="0" lang="en" sz="1000"/>
+              <a:t>https://oss.cs.fau.de</a:t>
+            </a:r>
+            <a:r>
+              <a:rPr b="0" lang="en" sz="900"/>
               <a:t> </a:t>
             </a:r>
-            <a:endParaRPr b="0" sz="1000"/>
+            <a:endParaRPr/>
           </a:p>
         </p:txBody>
       </p:sp>
       <p:pic>
         <p:nvPicPr>
-          <p:cNvPr id="219" name="Google Shape;219;p35"/>
+          <p:cNvPr id="229" name="Google Shape;229;p34"/>
           <p:cNvPicPr preferRelativeResize="0"/>
           <p:nvPr/>
         </p:nvPicPr>
@@ -11802,7 +12267,7 @@
       </p:pic>
       <p:pic>
         <p:nvPicPr>
-          <p:cNvPr id="220" name="Google Shape;220;p35"/>
+          <p:cNvPr id="230" name="Google Shape;230;p34"/>
           <p:cNvPicPr preferRelativeResize="0"/>
           <p:nvPr/>
         </p:nvPicPr>
@@ -11847,7 +12312,7 @@
   <p:cSld>
     <p:spTree>
       <p:nvGrpSpPr>
-        <p:cNvPr id="48" name="Shape 48"/>
+        <p:cNvPr id="63" name="Shape 63"/>
         <p:cNvGrpSpPr/>
         <p:nvPr/>
       </p:nvGrpSpPr>
@@ -11861,7 +12326,7 @@
       </p:grpSpPr>
       <p:sp>
         <p:nvSpPr>
-          <p:cNvPr id="49" name="Google Shape;49;p10"/>
+          <p:cNvPr id="64" name="Google Shape;64;p10"/>
           <p:cNvSpPr txBox="1"/>
           <p:nvPr>
             <p:ph type="title"/>
@@ -11901,7 +12366,7 @@
       </p:sp>
       <p:sp>
         <p:nvSpPr>
-          <p:cNvPr id="50" name="Google Shape;50;p10"/>
+          <p:cNvPr id="65" name="Google Shape;65;p10"/>
           <p:cNvSpPr txBox="1"/>
           <p:nvPr>
             <p:ph idx="1" type="body"/>
@@ -12013,7 +12478,7 @@
       </p:sp>
       <p:sp>
         <p:nvSpPr>
-          <p:cNvPr id="51" name="Google Shape;51;p10"/>
+          <p:cNvPr id="66" name="Google Shape;66;p10"/>
           <p:cNvSpPr txBox="1"/>
           <p:nvPr>
             <p:ph idx="12" type="sldNum"/>
@@ -12021,8 +12486,8 @@
         </p:nvSpPr>
         <p:spPr>
           <a:xfrm>
-            <a:off x="7315202" y="4229100"/>
-            <a:ext cx="1828800" cy="914400"/>
+            <a:off x="7315202" y="4416550"/>
+            <a:ext cx="1828800" cy="731400"/>
           </a:xfrm>
           <a:prstGeom prst="rect">
             <a:avLst/>
@@ -12044,10 +12509,18 @@
               <a:buNone/>
             </a:pPr>
             <a:fld id="{00000000-1234-1234-1234-123412341234}" type="slidenum">
-              <a:rPr lang="en"/>
+              <a:rPr lang="en">
+                <a:solidFill>
+                  <a:schemeClr val="dk1"/>
+                </a:solidFill>
+              </a:rPr>
               <a:t>‹#›</a:t>
             </a:fld>
-            <a:endParaRPr/>
+            <a:endParaRPr>
+              <a:solidFill>
+                <a:schemeClr val="dk1"/>
+              </a:solidFill>
+            </a:endParaRPr>
           </a:p>
           <a:p>
             <a:pPr indent="0" lvl="0" marL="0" rtl="0" algn="r">
@@ -12060,19 +12533,19 @@
               <a:buNone/>
             </a:pPr>
             <a:r>
-              <a:rPr b="0" lang="en" sz="1000" u="sng">
+              <a:rPr b="0" lang="en" sz="900" u="sng">
                 <a:solidFill>
                   <a:schemeClr val="hlink"/>
                 </a:solidFill>
                 <a:hlinkClick r:id="rId4"/>
               </a:rPr>
-              <a:t>uni1.de/amos</a:t>
-            </a:r>
-            <a:r>
-              <a:rPr b="0" lang="en" sz="1000"/>
+              <a:t>https://oss.cs.fau.de</a:t>
+            </a:r>
+            <a:r>
+              <a:rPr b="0" lang="en" sz="900"/>
               <a:t> </a:t>
             </a:r>
-            <a:endParaRPr b="0" sz="1000"/>
+            <a:endParaRPr b="0" sz="900"/>
           </a:p>
         </p:txBody>
       </p:sp>
@@ -12089,7 +12562,7 @@
   <p:cSld>
     <p:spTree>
       <p:nvGrpSpPr>
-        <p:cNvPr id="55" name="Shape 55"/>
+        <p:cNvPr id="70" name="Shape 70"/>
         <p:cNvGrpSpPr/>
         <p:nvPr/>
       </p:nvGrpSpPr>
@@ -12103,7 +12576,7 @@
       </p:grpSpPr>
       <p:sp>
         <p:nvSpPr>
-          <p:cNvPr id="56" name="Google Shape;56;p11"/>
+          <p:cNvPr id="71" name="Google Shape;71;p11"/>
           <p:cNvSpPr txBox="1"/>
           <p:nvPr>
             <p:ph type="title"/>
@@ -12154,7 +12627,7 @@
   <p:cSld>
     <p:spTree>
       <p:nvGrpSpPr>
-        <p:cNvPr id="60" name="Shape 60"/>
+        <p:cNvPr id="75" name="Shape 75"/>
         <p:cNvGrpSpPr/>
         <p:nvPr/>
       </p:nvGrpSpPr>
@@ -12168,7 +12641,7 @@
       </p:grpSpPr>
       <p:sp>
         <p:nvSpPr>
-          <p:cNvPr id="61" name="Google Shape;61;p12"/>
+          <p:cNvPr id="76" name="Google Shape;76;p12"/>
           <p:cNvSpPr txBox="1"/>
           <p:nvPr>
             <p:ph type="title"/>
@@ -12208,7 +12681,7 @@
       </p:sp>
       <p:sp>
         <p:nvSpPr>
-          <p:cNvPr id="62" name="Google Shape;62;p12"/>
+          <p:cNvPr id="77" name="Google Shape;77;p12"/>
           <p:cNvSpPr txBox="1"/>
           <p:nvPr>
             <p:ph idx="12" type="sldNum"/>
@@ -12216,8 +12689,8 @@
         </p:nvSpPr>
         <p:spPr>
           <a:xfrm>
-            <a:off x="7315202" y="4229100"/>
-            <a:ext cx="1828800" cy="914400"/>
+            <a:off x="7315202" y="4416550"/>
+            <a:ext cx="1828800" cy="731400"/>
           </a:xfrm>
           <a:prstGeom prst="rect">
             <a:avLst/>
@@ -12239,10 +12712,18 @@
               <a:buNone/>
             </a:pPr>
             <a:fld id="{00000000-1234-1234-1234-123412341234}" type="slidenum">
-              <a:rPr lang="en"/>
+              <a:rPr lang="en">
+                <a:solidFill>
+                  <a:schemeClr val="dk1"/>
+                </a:solidFill>
+              </a:rPr>
               <a:t>‹#›</a:t>
             </a:fld>
-            <a:endParaRPr/>
+            <a:endParaRPr>
+              <a:solidFill>
+                <a:schemeClr val="dk1"/>
+              </a:solidFill>
+            </a:endParaRPr>
           </a:p>
           <a:p>
             <a:pPr indent="0" lvl="0" marL="0" rtl="0" algn="r">
@@ -12255,25 +12736,25 @@
               <a:buNone/>
             </a:pPr>
             <a:r>
-              <a:rPr b="0" lang="en" sz="1000" u="sng">
+              <a:rPr b="0" lang="en" sz="900" u="sng">
                 <a:solidFill>
                   <a:schemeClr val="hlink"/>
                 </a:solidFill>
                 <a:hlinkClick r:id="rId3"/>
               </a:rPr>
-              <a:t>uni1.de/amos</a:t>
-            </a:r>
-            <a:r>
-              <a:rPr b="0" lang="en" sz="1000"/>
+              <a:t>https://oss.cs.fau.de</a:t>
+            </a:r>
+            <a:r>
+              <a:rPr b="0" lang="en" sz="900"/>
               <a:t> </a:t>
             </a:r>
-            <a:endParaRPr b="0" sz="1000"/>
+            <a:endParaRPr b="0" sz="900"/>
           </a:p>
         </p:txBody>
       </p:sp>
       <p:sp>
         <p:nvSpPr>
-          <p:cNvPr id="63" name="Google Shape;63;p12"/>
+          <p:cNvPr id="78" name="Google Shape;78;p12"/>
           <p:cNvSpPr txBox="1"/>
           <p:nvPr>
             <p:ph idx="1" type="body"/>
@@ -12390,7 +12871,7 @@
   <p:cSld>
     <p:spTree>
       <p:nvGrpSpPr>
-        <p:cNvPr id="67" name="Shape 67"/>
+        <p:cNvPr id="82" name="Shape 82"/>
         <p:cNvGrpSpPr/>
         <p:nvPr/>
       </p:nvGrpSpPr>
@@ -12404,7 +12885,7 @@
       </p:grpSpPr>
       <p:sp>
         <p:nvSpPr>
-          <p:cNvPr id="68" name="Google Shape;68;p13"/>
+          <p:cNvPr id="83" name="Google Shape;83;p13"/>
           <p:cNvSpPr txBox="1"/>
           <p:nvPr>
             <p:ph type="title"/>
@@ -12444,7 +12925,7 @@
       </p:sp>
       <p:sp>
         <p:nvSpPr>
-          <p:cNvPr id="69" name="Google Shape;69;p13"/>
+          <p:cNvPr id="84" name="Google Shape;84;p13"/>
           <p:cNvSpPr txBox="1"/>
           <p:nvPr>
             <p:ph idx="12" type="sldNum"/>
@@ -12452,8 +12933,8 @@
         </p:nvSpPr>
         <p:spPr>
           <a:xfrm>
-            <a:off x="7315202" y="4229100"/>
-            <a:ext cx="1828800" cy="914400"/>
+            <a:off x="7315202" y="4416550"/>
+            <a:ext cx="1828800" cy="731400"/>
           </a:xfrm>
           <a:prstGeom prst="rect">
             <a:avLst/>
@@ -12475,10 +12956,18 @@
               <a:buNone/>
             </a:pPr>
             <a:fld id="{00000000-1234-1234-1234-123412341234}" type="slidenum">
-              <a:rPr lang="en"/>
+              <a:rPr lang="en">
+                <a:solidFill>
+                  <a:schemeClr val="dk1"/>
+                </a:solidFill>
+              </a:rPr>
               <a:t>‹#›</a:t>
             </a:fld>
-            <a:endParaRPr/>
+            <a:endParaRPr>
+              <a:solidFill>
+                <a:schemeClr val="dk1"/>
+              </a:solidFill>
+            </a:endParaRPr>
           </a:p>
           <a:p>
             <a:pPr indent="0" lvl="0" marL="0" rtl="0" algn="r">
@@ -12491,25 +12980,25 @@
               <a:buNone/>
             </a:pPr>
             <a:r>
-              <a:rPr b="0" lang="en" sz="1000" u="sng">
+              <a:rPr b="0" lang="en" sz="900" u="sng">
                 <a:solidFill>
                   <a:schemeClr val="hlink"/>
                 </a:solidFill>
                 <a:hlinkClick r:id="rId3"/>
               </a:rPr>
-              <a:t>uni1.de/amos</a:t>
-            </a:r>
-            <a:r>
-              <a:rPr b="0" lang="en" sz="1000"/>
+              <a:t>https://oss.cs.fau.de</a:t>
+            </a:r>
+            <a:r>
+              <a:rPr b="0" lang="en" sz="900"/>
               <a:t> </a:t>
             </a:r>
-            <a:endParaRPr b="0" sz="1000"/>
+            <a:endParaRPr b="0" sz="900"/>
           </a:p>
         </p:txBody>
       </p:sp>
       <p:sp>
         <p:nvSpPr>
-          <p:cNvPr id="70" name="Google Shape;70;p13"/>
+          <p:cNvPr id="85" name="Google Shape;85;p13"/>
           <p:cNvSpPr txBox="1"/>
           <p:nvPr>
             <p:ph idx="1" type="body"/>
@@ -12711,7 +13200,7 @@
   <p:cSld>
     <p:spTree>
       <p:nvGrpSpPr>
-        <p:cNvPr id="74" name="Shape 74"/>
+        <p:cNvPr id="89" name="Shape 89"/>
         <p:cNvGrpSpPr/>
         <p:nvPr/>
       </p:nvGrpSpPr>
@@ -12725,7 +13214,7 @@
       </p:grpSpPr>
       <p:sp>
         <p:nvSpPr>
-          <p:cNvPr id="75" name="Google Shape;75;p14"/>
+          <p:cNvPr id="90" name="Google Shape;90;p14"/>
           <p:cNvSpPr txBox="1"/>
           <p:nvPr>
             <p:ph type="title"/>
@@ -12765,7 +13254,7 @@
       </p:sp>
       <p:sp>
         <p:nvSpPr>
-          <p:cNvPr id="76" name="Google Shape;76;p14"/>
+          <p:cNvPr id="91" name="Google Shape;91;p14"/>
           <p:cNvSpPr txBox="1"/>
           <p:nvPr>
             <p:ph idx="12" type="sldNum"/>
@@ -12773,8 +13262,8 @@
         </p:nvSpPr>
         <p:spPr>
           <a:xfrm>
-            <a:off x="7315202" y="4229100"/>
-            <a:ext cx="1828800" cy="914400"/>
+            <a:off x="7315202" y="4416550"/>
+            <a:ext cx="1828800" cy="731400"/>
           </a:xfrm>
           <a:prstGeom prst="rect">
             <a:avLst/>
@@ -12796,10 +13285,18 @@
               <a:buNone/>
             </a:pPr>
             <a:fld id="{00000000-1234-1234-1234-123412341234}" type="slidenum">
-              <a:rPr lang="en"/>
+              <a:rPr lang="en">
+                <a:solidFill>
+                  <a:schemeClr val="dk1"/>
+                </a:solidFill>
+              </a:rPr>
               <a:t>‹#›</a:t>
             </a:fld>
-            <a:endParaRPr/>
+            <a:endParaRPr>
+              <a:solidFill>
+                <a:schemeClr val="dk1"/>
+              </a:solidFill>
+            </a:endParaRPr>
           </a:p>
           <a:p>
             <a:pPr indent="0" lvl="0" marL="0" rtl="0" algn="r">
@@ -12812,25 +13309,25 @@
               <a:buNone/>
             </a:pPr>
             <a:r>
-              <a:rPr b="0" lang="en" sz="1000" u="sng">
+              <a:rPr b="0" lang="en" sz="900" u="sng">
                 <a:solidFill>
                   <a:schemeClr val="hlink"/>
                 </a:solidFill>
                 <a:hlinkClick r:id="rId3"/>
               </a:rPr>
-              <a:t>uni1.de/amos</a:t>
-            </a:r>
-            <a:r>
-              <a:rPr b="0" lang="en" sz="1000"/>
+              <a:t>https://oss.cs.fau.de</a:t>
+            </a:r>
+            <a:r>
+              <a:rPr b="0" lang="en" sz="900"/>
               <a:t> </a:t>
             </a:r>
-            <a:endParaRPr b="0" sz="1000"/>
+            <a:endParaRPr/>
           </a:p>
         </p:txBody>
       </p:sp>
       <p:graphicFrame>
         <p:nvGraphicFramePr>
-          <p:cNvPr id="77" name="Google Shape;77;p14"/>
+          <p:cNvPr id="92" name="Google Shape;92;p14"/>
           <p:cNvGraphicFramePr/>
           <p:nvPr/>
         </p:nvGraphicFramePr>
@@ -12843,7 +13340,7 @@
             <a:tbl>
               <a:tblPr>
                 <a:noFill/>
-                <a:tableStyleId>{A0896CDA-8C62-45F3-A076-5D867DF44E04}</a:tableStyleId>
+                <a:tableStyleId>{A2AED6DF-5462-4E47-BE27-EFA0A0A61F82}</a:tableStyleId>
               </a:tblPr>
               <a:tblGrid>
                 <a:gridCol w="1432550"/>
@@ -15132,7 +15629,7 @@
   <p:cSld>
     <p:spTree>
       <p:nvGrpSpPr>
-        <p:cNvPr id="81" name="Shape 81"/>
+        <p:cNvPr id="96" name="Shape 96"/>
         <p:cNvGrpSpPr/>
         <p:nvPr/>
       </p:nvGrpSpPr>
@@ -15146,7 +15643,7 @@
       </p:grpSpPr>
       <p:sp>
         <p:nvSpPr>
-          <p:cNvPr id="82" name="Google Shape;82;p15"/>
+          <p:cNvPr id="97" name="Google Shape;97;p15"/>
           <p:cNvSpPr txBox="1"/>
           <p:nvPr>
             <p:ph type="title"/>
@@ -15186,7 +15683,7 @@
       </p:sp>
       <p:sp>
         <p:nvSpPr>
-          <p:cNvPr id="83" name="Google Shape;83;p15"/>
+          <p:cNvPr id="98" name="Google Shape;98;p15"/>
           <p:cNvSpPr txBox="1"/>
           <p:nvPr>
             <p:ph idx="12" type="sldNum"/>
@@ -15194,8 +15691,8 @@
         </p:nvSpPr>
         <p:spPr>
           <a:xfrm>
-            <a:off x="7315202" y="4229100"/>
-            <a:ext cx="1828800" cy="914400"/>
+            <a:off x="7315202" y="4416550"/>
+            <a:ext cx="1828800" cy="731400"/>
           </a:xfrm>
           <a:prstGeom prst="rect">
             <a:avLst/>
@@ -15217,10 +15714,18 @@
               <a:buNone/>
             </a:pPr>
             <a:fld id="{00000000-1234-1234-1234-123412341234}" type="slidenum">
-              <a:rPr lang="en"/>
+              <a:rPr lang="en">
+                <a:solidFill>
+                  <a:schemeClr val="dk1"/>
+                </a:solidFill>
+              </a:rPr>
               <a:t>‹#›</a:t>
             </a:fld>
-            <a:endParaRPr/>
+            <a:endParaRPr>
+              <a:solidFill>
+                <a:schemeClr val="dk1"/>
+              </a:solidFill>
+            </a:endParaRPr>
           </a:p>
           <a:p>
             <a:pPr indent="0" lvl="0" marL="0" rtl="0" algn="r">
@@ -15233,25 +15738,25 @@
               <a:buNone/>
             </a:pPr>
             <a:r>
-              <a:rPr b="0" lang="en" sz="1000" u="sng">
+              <a:rPr b="0" lang="en" sz="900" u="sng">
                 <a:solidFill>
                   <a:schemeClr val="hlink"/>
                 </a:solidFill>
                 <a:hlinkClick r:id="rId3"/>
               </a:rPr>
-              <a:t>uni1.de/amos</a:t>
-            </a:r>
-            <a:r>
-              <a:rPr b="0" lang="en" sz="1000"/>
+              <a:t>https://oss.cs.fau.de</a:t>
+            </a:r>
+            <a:r>
+              <a:rPr b="0" lang="en" sz="900"/>
               <a:t> </a:t>
             </a:r>
-            <a:endParaRPr b="0" sz="1000"/>
+            <a:endParaRPr b="0" sz="900"/>
           </a:p>
         </p:txBody>
       </p:sp>
       <p:sp>
         <p:nvSpPr>
-          <p:cNvPr id="84" name="Google Shape;84;p15"/>
+          <p:cNvPr id="99" name="Google Shape;99;p15"/>
           <p:cNvSpPr txBox="1"/>
           <p:nvPr>
             <p:ph idx="1" type="body"/>
@@ -15288,7 +15793,7 @@
             <a:r>
               <a:rPr b="1" lang="en">
                 <a:solidFill>
-                  <a:schemeClr val="accent3"/>
+                  <a:schemeClr val="accent6"/>
                 </a:solidFill>
               </a:rPr>
               <a:t>one</a:t>
@@ -15314,7 +15819,7 @@
   <p:cSld>
     <p:spTree>
       <p:nvGrpSpPr>
-        <p:cNvPr id="88" name="Shape 88"/>
+        <p:cNvPr id="103" name="Shape 103"/>
         <p:cNvGrpSpPr/>
         <p:nvPr/>
       </p:nvGrpSpPr>
@@ -15328,7 +15833,7 @@
       </p:grpSpPr>
       <p:sp>
         <p:nvSpPr>
-          <p:cNvPr id="89" name="Google Shape;89;p16"/>
+          <p:cNvPr id="104" name="Google Shape;104;p16"/>
           <p:cNvSpPr txBox="1"/>
           <p:nvPr>
             <p:ph idx="1" type="body"/>
@@ -15531,7 +16036,7 @@
       </p:sp>
       <p:sp>
         <p:nvSpPr>
-          <p:cNvPr id="90" name="Google Shape;90;p16"/>
+          <p:cNvPr id="105" name="Google Shape;105;p16"/>
           <p:cNvSpPr txBox="1"/>
           <p:nvPr>
             <p:ph type="title"/>
@@ -15571,7 +16076,7 @@
       </p:sp>
       <p:sp>
         <p:nvSpPr>
-          <p:cNvPr id="91" name="Google Shape;91;p16"/>
+          <p:cNvPr id="106" name="Google Shape;106;p16"/>
           <p:cNvSpPr txBox="1"/>
           <p:nvPr>
             <p:ph idx="12" type="sldNum"/>
@@ -15579,8 +16084,8 @@
         </p:nvSpPr>
         <p:spPr>
           <a:xfrm>
-            <a:off x="7315202" y="4229100"/>
-            <a:ext cx="1828800" cy="914400"/>
+            <a:off x="7315202" y="4416550"/>
+            <a:ext cx="1828800" cy="731400"/>
           </a:xfrm>
           <a:prstGeom prst="rect">
             <a:avLst/>
@@ -15602,10 +16107,18 @@
               <a:buNone/>
             </a:pPr>
             <a:fld id="{00000000-1234-1234-1234-123412341234}" type="slidenum">
-              <a:rPr lang="en"/>
+              <a:rPr lang="en">
+                <a:solidFill>
+                  <a:schemeClr val="dk1"/>
+                </a:solidFill>
+              </a:rPr>
               <a:t>‹#›</a:t>
             </a:fld>
-            <a:endParaRPr/>
+            <a:endParaRPr>
+              <a:solidFill>
+                <a:schemeClr val="dk1"/>
+              </a:solidFill>
+            </a:endParaRPr>
           </a:p>
           <a:p>
             <a:pPr indent="0" lvl="0" marL="0" rtl="0" algn="r">
@@ -15618,19 +16131,19 @@
               <a:buNone/>
             </a:pPr>
             <a:r>
-              <a:rPr b="0" lang="en" sz="1000" u="sng">
+              <a:rPr b="0" lang="en" sz="900" u="sng">
                 <a:solidFill>
                   <a:schemeClr val="hlink"/>
                 </a:solidFill>
                 <a:hlinkClick r:id="rId3"/>
               </a:rPr>
-              <a:t>uni1.de/amos</a:t>
-            </a:r>
-            <a:r>
-              <a:rPr b="0" lang="en" sz="1000"/>
+              <a:t>https://oss.cs.fau.de</a:t>
+            </a:r>
+            <a:r>
+              <a:rPr b="0" lang="en" sz="900"/>
               <a:t> </a:t>
             </a:r>
-            <a:endParaRPr b="0" sz="1000"/>
+            <a:endParaRPr b="0" sz="900"/>
           </a:p>
         </p:txBody>
       </p:sp>
@@ -15643,6 +16156,285 @@
 </file>
 
 <file path=ppt/theme/theme1.xml><?xml version="1.0" encoding="utf-8"?>
+<a:theme xmlns:a="http://schemas.openxmlformats.org/drawingml/2006/main" xmlns:r="http://schemas.openxmlformats.org/officeDocument/2006/relationships" name="POSS Slides Template">
+  <a:themeElements>
+    <a:clrScheme name="Simple Light">
+      <a:dk1>
+        <a:srgbClr val="000000"/>
+      </a:dk1>
+      <a:lt1>
+        <a:srgbClr val="FFFFFF"/>
+      </a:lt1>
+      <a:dk2>
+        <a:srgbClr val="404040"/>
+      </a:dk2>
+      <a:lt2>
+        <a:srgbClr val="808080"/>
+      </a:lt2>
+      <a:accent1>
+        <a:srgbClr val="D0D0D0"/>
+      </a:accent1>
+      <a:accent2>
+        <a:srgbClr val="4169E1"/>
+      </a:accent2>
+      <a:accent3>
+        <a:srgbClr val="4CAF50"/>
+      </a:accent3>
+      <a:accent4>
+        <a:srgbClr val="FEB612"/>
+      </a:accent4>
+      <a:accent5>
+        <a:srgbClr val="F36838"/>
+      </a:accent5>
+      <a:accent6>
+        <a:srgbClr val="8E44AD"/>
+      </a:accent6>
+      <a:hlink>
+        <a:srgbClr val="1E90FF"/>
+      </a:hlink>
+      <a:folHlink>
+        <a:srgbClr val="0097A7"/>
+      </a:folHlink>
+    </a:clrScheme>
+    <a:fontScheme name="Office">
+      <a:majorFont>
+        <a:latin typeface="Arial"/>
+        <a:ea typeface=""/>
+        <a:cs typeface=""/>
+        <a:font script="Jpan" typeface="ＭＳ Ｐゴシック"/>
+        <a:font script="Hang" typeface="맑은 고딕"/>
+        <a:font script="Hans" typeface="宋体"/>
+        <a:font script="Hant" typeface="新細明體"/>
+        <a:font script="Arab" typeface="Times New Roman"/>
+        <a:font script="Hebr" typeface="Times New Roman"/>
+        <a:font script="Thai" typeface="Angsana New"/>
+        <a:font script="Ethi" typeface="Nyala"/>
+        <a:font script="Beng" typeface="Vrinda"/>
+        <a:font script="Gujr" typeface="Shruti"/>
+        <a:font script="Khmr" typeface="MoolBoran"/>
+        <a:font script="Knda" typeface="Tunga"/>
+        <a:font script="Guru" typeface="Raavi"/>
+        <a:font script="Cans" typeface="Euphemia"/>
+        <a:font script="Cher" typeface="Plantagenet Cherokee"/>
+        <a:font script="Yiii" typeface="Microsoft Yi Baiti"/>
+        <a:font script="Tibt" typeface="Microsoft Himalaya"/>
+        <a:font script="Thaa" typeface="MV Boli"/>
+        <a:font script="Deva" typeface="Mangal"/>
+        <a:font script="Telu" typeface="Gautami"/>
+        <a:font script="Taml" typeface="Latha"/>
+        <a:font script="Syrc" typeface="Estrangelo Edessa"/>
+        <a:font script="Orya" typeface="Kalinga"/>
+        <a:font script="Mlym" typeface="Kartika"/>
+        <a:font script="Laoo" typeface="DokChampa"/>
+        <a:font script="Sinh" typeface="Iskoola Pota"/>
+        <a:font script="Mong" typeface="Mongolian Baiti"/>
+        <a:font script="Viet" typeface="Times New Roman"/>
+        <a:font script="Uigh" typeface="Microsoft Uighur"/>
+        <a:font script="Geor" typeface="Sylfaen"/>
+      </a:majorFont>
+      <a:minorFont>
+        <a:latin typeface="Arial"/>
+        <a:ea typeface=""/>
+        <a:cs typeface=""/>
+        <a:font script="Jpan" typeface="ＭＳ Ｐゴシック"/>
+        <a:font script="Hang" typeface="맑은 고딕"/>
+        <a:font script="Hans" typeface="宋体"/>
+        <a:font script="Hant" typeface="新細明體"/>
+        <a:font script="Arab" typeface="Arial"/>
+        <a:font script="Hebr" typeface="Arial"/>
+        <a:font script="Thai" typeface="Cordia New"/>
+        <a:font script="Ethi" typeface="Nyala"/>
+        <a:font script="Beng" typeface="Vrinda"/>
+        <a:font script="Gujr" typeface="Shruti"/>
+        <a:font script="Khmr" typeface="DaunPenh"/>
+        <a:font script="Knda" typeface="Tunga"/>
+        <a:font script="Guru" typeface="Raavi"/>
+        <a:font script="Cans" typeface="Euphemia"/>
+        <a:font script="Cher" typeface="Plantagenet Cherokee"/>
+        <a:font script="Yiii" typeface="Microsoft Yi Baiti"/>
+        <a:font script="Tibt" typeface="Microsoft Himalaya"/>
+        <a:font script="Thaa" typeface="MV Boli"/>
+        <a:font script="Deva" typeface="Mangal"/>
+        <a:font script="Telu" typeface="Gautami"/>
+        <a:font script="Taml" typeface="Latha"/>
+        <a:font script="Syrc" typeface="Estrangelo Edessa"/>
+        <a:font script="Orya" typeface="Kalinga"/>
+        <a:font script="Mlym" typeface="Kartika"/>
+        <a:font script="Laoo" typeface="DokChampa"/>
+        <a:font script="Sinh" typeface="Iskoola Pota"/>
+        <a:font script="Mong" typeface="Mongolian Baiti"/>
+        <a:font script="Viet" typeface="Arial"/>
+        <a:font script="Uigh" typeface="Microsoft Uighur"/>
+        <a:font script="Geor" typeface="Sylfaen"/>
+      </a:minorFont>
+    </a:fontScheme>
+    <a:fmtScheme name="Office">
+      <a:fillStyleLst>
+        <a:solidFill>
+          <a:schemeClr val="phClr"/>
+        </a:solidFill>
+        <a:gradFill rotWithShape="1">
+          <a:gsLst>
+            <a:gs pos="0">
+              <a:schemeClr val="phClr">
+                <a:tint val="50000"/>
+                <a:satMod val="300000"/>
+              </a:schemeClr>
+            </a:gs>
+            <a:gs pos="35000">
+              <a:schemeClr val="phClr">
+                <a:tint val="37000"/>
+                <a:satMod val="300000"/>
+              </a:schemeClr>
+            </a:gs>
+            <a:gs pos="100000">
+              <a:schemeClr val="phClr">
+                <a:tint val="15000"/>
+                <a:satMod val="350000"/>
+              </a:schemeClr>
+            </a:gs>
+          </a:gsLst>
+          <a:lin ang="16200000" scaled="1"/>
+        </a:gradFill>
+        <a:gradFill rotWithShape="1">
+          <a:gsLst>
+            <a:gs pos="0">
+              <a:schemeClr val="phClr">
+                <a:tint val="100000"/>
+                <a:shade val="100000"/>
+                <a:satMod val="130000"/>
+              </a:schemeClr>
+            </a:gs>
+            <a:gs pos="100000">
+              <a:schemeClr val="phClr">
+                <a:tint val="50000"/>
+                <a:shade val="100000"/>
+                <a:satMod val="350000"/>
+              </a:schemeClr>
+            </a:gs>
+          </a:gsLst>
+          <a:lin ang="16200000" scaled="0"/>
+        </a:gradFill>
+      </a:fillStyleLst>
+      <a:lnStyleLst>
+        <a:ln w="9525" cap="flat" cmpd="sng" algn="ctr">
+          <a:solidFill>
+            <a:schemeClr val="phClr">
+              <a:shade val="95000"/>
+              <a:satMod val="105000"/>
+            </a:schemeClr>
+          </a:solidFill>
+          <a:prstDash val="solid"/>
+        </a:ln>
+        <a:ln w="25400" cap="flat" cmpd="sng" algn="ctr">
+          <a:solidFill>
+            <a:schemeClr val="phClr"/>
+          </a:solidFill>
+          <a:prstDash val="solid"/>
+        </a:ln>
+        <a:ln w="38100" cap="flat" cmpd="sng" algn="ctr">
+          <a:solidFill>
+            <a:schemeClr val="phClr"/>
+          </a:solidFill>
+          <a:prstDash val="solid"/>
+        </a:ln>
+      </a:lnStyleLst>
+      <a:effectStyleLst>
+        <a:effectStyle>
+          <a:effectLst>
+            <a:outerShdw blurRad="40000" dist="20000" dir="5400000" rotWithShape="0">
+              <a:srgbClr val="000000">
+                <a:alpha val="38000"/>
+              </a:srgbClr>
+            </a:outerShdw>
+          </a:effectLst>
+        </a:effectStyle>
+        <a:effectStyle>
+          <a:effectLst>
+            <a:outerShdw blurRad="40000" dist="23000" dir="5400000" rotWithShape="0">
+              <a:srgbClr val="000000">
+                <a:alpha val="35000"/>
+              </a:srgbClr>
+            </a:outerShdw>
+          </a:effectLst>
+        </a:effectStyle>
+        <a:effectStyle>
+          <a:effectLst>
+            <a:outerShdw blurRad="40000" dist="23000" dir="5400000" rotWithShape="0">
+              <a:srgbClr val="000000">
+                <a:alpha val="35000"/>
+              </a:srgbClr>
+            </a:outerShdw>
+          </a:effectLst>
+          <a:scene3d>
+            <a:camera prst="orthographicFront">
+              <a:rot lat="0" lon="0" rev="0"/>
+            </a:camera>
+            <a:lightRig rig="threePt" dir="t">
+              <a:rot lat="0" lon="0" rev="1200000"/>
+            </a:lightRig>
+          </a:scene3d>
+          <a:sp3d>
+            <a:bevelT w="63500" h="25400"/>
+          </a:sp3d>
+        </a:effectStyle>
+      </a:effectStyleLst>
+      <a:bgFillStyleLst>
+        <a:solidFill>
+          <a:schemeClr val="phClr"/>
+        </a:solidFill>
+        <a:gradFill rotWithShape="1">
+          <a:gsLst>
+            <a:gs pos="0">
+              <a:schemeClr val="phClr">
+                <a:tint val="40000"/>
+                <a:satMod val="350000"/>
+              </a:schemeClr>
+            </a:gs>
+            <a:gs pos="40000">
+              <a:schemeClr val="phClr">
+                <a:tint val="45000"/>
+                <a:shade val="99000"/>
+                <a:satMod val="350000"/>
+              </a:schemeClr>
+            </a:gs>
+            <a:gs pos="100000">
+              <a:schemeClr val="phClr">
+                <a:shade val="20000"/>
+                <a:satMod val="255000"/>
+              </a:schemeClr>
+            </a:gs>
+          </a:gsLst>
+          <a:path path="circle">
+            <a:fillToRect l="50000" t="-80000" r="50000" b="180000"/>
+          </a:path>
+        </a:gradFill>
+        <a:gradFill rotWithShape="1">
+          <a:gsLst>
+            <a:gs pos="0">
+              <a:schemeClr val="phClr">
+                <a:tint val="80000"/>
+                <a:satMod val="300000"/>
+              </a:schemeClr>
+            </a:gs>
+            <a:gs pos="100000">
+              <a:schemeClr val="phClr">
+                <a:shade val="30000"/>
+                <a:satMod val="200000"/>
+              </a:schemeClr>
+            </a:gs>
+          </a:gsLst>
+          <a:path path="circle">
+            <a:fillToRect l="50000" t="50000" r="50000" b="50000"/>
+          </a:path>
+        </a:gradFill>
+      </a:bgFillStyleLst>
+    </a:fmtScheme>
+  </a:themeElements>
+</a:theme>
+</file>
+
+<file path=ppt/theme/theme2.xml><?xml version="1.0" encoding="utf-8"?>
 <a:theme xmlns:a="http://schemas.openxmlformats.org/drawingml/2006/main" xmlns:r="http://schemas.openxmlformats.org/officeDocument/2006/relationships">
   <a:themeElements>
     <a:clrScheme name="Default">
@@ -15919,283 +16711,4 @@
     </a:fmtScheme>
   </a:themeElements>
 </a:theme>
-</file>
-
-<file path=ppt/theme/theme2.xml><?xml version="1.0" encoding="utf-8"?>
-<a:theme xmlns:a="http://schemas.openxmlformats.org/drawingml/2006/main" xmlns:r="http://schemas.openxmlformats.org/officeDocument/2006/relationships" name="AMOS Slides Template">
-  <a:themeElements>
-    <a:clrScheme name="Simple Light">
-      <a:dk1>
-        <a:srgbClr val="000000"/>
-      </a:dk1>
-      <a:lt1>
-        <a:srgbClr val="FFFFFF"/>
-      </a:lt1>
-      <a:dk2>
-        <a:srgbClr val="404040"/>
-      </a:dk2>
-      <a:lt2>
-        <a:srgbClr val="808080"/>
-      </a:lt2>
-      <a:accent1>
-        <a:srgbClr val="D0D0D0"/>
-      </a:accent1>
-      <a:accent2>
-        <a:srgbClr val="4169E1"/>
-      </a:accent2>
-      <a:accent3>
-        <a:srgbClr val="D50D01"/>
-      </a:accent3>
-      <a:accent4>
-        <a:srgbClr val="FEB612"/>
-      </a:accent4>
-      <a:accent5>
-        <a:srgbClr val="4CAF50"/>
-      </a:accent5>
-      <a:accent6>
-        <a:srgbClr val="8E44AD"/>
-      </a:accent6>
-      <a:hlink>
-        <a:srgbClr val="34A3C5"/>
-      </a:hlink>
-      <a:folHlink>
-        <a:srgbClr val="0097A7"/>
-      </a:folHlink>
-    </a:clrScheme>
-    <a:fontScheme name="Office">
-      <a:majorFont>
-        <a:latin typeface="Arial"/>
-        <a:ea typeface=""/>
-        <a:cs typeface=""/>
-        <a:font script="Jpan" typeface="ＭＳ Ｐゴシック"/>
-        <a:font script="Hang" typeface="맑은 고딕"/>
-        <a:font script="Hans" typeface="宋体"/>
-        <a:font script="Hant" typeface="新細明體"/>
-        <a:font script="Arab" typeface="Times New Roman"/>
-        <a:font script="Hebr" typeface="Times New Roman"/>
-        <a:font script="Thai" typeface="Angsana New"/>
-        <a:font script="Ethi" typeface="Nyala"/>
-        <a:font script="Beng" typeface="Vrinda"/>
-        <a:font script="Gujr" typeface="Shruti"/>
-        <a:font script="Khmr" typeface="MoolBoran"/>
-        <a:font script="Knda" typeface="Tunga"/>
-        <a:font script="Guru" typeface="Raavi"/>
-        <a:font script="Cans" typeface="Euphemia"/>
-        <a:font script="Cher" typeface="Plantagenet Cherokee"/>
-        <a:font script="Yiii" typeface="Microsoft Yi Baiti"/>
-        <a:font script="Tibt" typeface="Microsoft Himalaya"/>
-        <a:font script="Thaa" typeface="MV Boli"/>
-        <a:font script="Deva" typeface="Mangal"/>
-        <a:font script="Telu" typeface="Gautami"/>
-        <a:font script="Taml" typeface="Latha"/>
-        <a:font script="Syrc" typeface="Estrangelo Edessa"/>
-        <a:font script="Orya" typeface="Kalinga"/>
-        <a:font script="Mlym" typeface="Kartika"/>
-        <a:font script="Laoo" typeface="DokChampa"/>
-        <a:font script="Sinh" typeface="Iskoola Pota"/>
-        <a:font script="Mong" typeface="Mongolian Baiti"/>
-        <a:font script="Viet" typeface="Times New Roman"/>
-        <a:font script="Uigh" typeface="Microsoft Uighur"/>
-        <a:font script="Geor" typeface="Sylfaen"/>
-      </a:majorFont>
-      <a:minorFont>
-        <a:latin typeface="Arial"/>
-        <a:ea typeface=""/>
-        <a:cs typeface=""/>
-        <a:font script="Jpan" typeface="ＭＳ Ｐゴシック"/>
-        <a:font script="Hang" typeface="맑은 고딕"/>
-        <a:font script="Hans" typeface="宋体"/>
-        <a:font script="Hant" typeface="新細明體"/>
-        <a:font script="Arab" typeface="Arial"/>
-        <a:font script="Hebr" typeface="Arial"/>
-        <a:font script="Thai" typeface="Cordia New"/>
-        <a:font script="Ethi" typeface="Nyala"/>
-        <a:font script="Beng" typeface="Vrinda"/>
-        <a:font script="Gujr" typeface="Shruti"/>
-        <a:font script="Khmr" typeface="DaunPenh"/>
-        <a:font script="Knda" typeface="Tunga"/>
-        <a:font script="Guru" typeface="Raavi"/>
-        <a:font script="Cans" typeface="Euphemia"/>
-        <a:font script="Cher" typeface="Plantagenet Cherokee"/>
-        <a:font script="Yiii" typeface="Microsoft Yi Baiti"/>
-        <a:font script="Tibt" typeface="Microsoft Himalaya"/>
-        <a:font script="Thaa" typeface="MV Boli"/>
-        <a:font script="Deva" typeface="Mangal"/>
-        <a:font script="Telu" typeface="Gautami"/>
-        <a:font script="Taml" typeface="Latha"/>
-        <a:font script="Syrc" typeface="Estrangelo Edessa"/>
-        <a:font script="Orya" typeface="Kalinga"/>
-        <a:font script="Mlym" typeface="Kartika"/>
-        <a:font script="Laoo" typeface="DokChampa"/>
-        <a:font script="Sinh" typeface="Iskoola Pota"/>
-        <a:font script="Mong" typeface="Mongolian Baiti"/>
-        <a:font script="Viet" typeface="Arial"/>
-        <a:font script="Uigh" typeface="Microsoft Uighur"/>
-        <a:font script="Geor" typeface="Sylfaen"/>
-      </a:minorFont>
-    </a:fontScheme>
-    <a:fmtScheme name="Office">
-      <a:fillStyleLst>
-        <a:solidFill>
-          <a:schemeClr val="phClr"/>
-        </a:solidFill>
-        <a:gradFill rotWithShape="1">
-          <a:gsLst>
-            <a:gs pos="0">
-              <a:schemeClr val="phClr">
-                <a:tint val="50000"/>
-                <a:satMod val="300000"/>
-              </a:schemeClr>
-            </a:gs>
-            <a:gs pos="35000">
-              <a:schemeClr val="phClr">
-                <a:tint val="37000"/>
-                <a:satMod val="300000"/>
-              </a:schemeClr>
-            </a:gs>
-            <a:gs pos="100000">
-              <a:schemeClr val="phClr">
-                <a:tint val="15000"/>
-                <a:satMod val="350000"/>
-              </a:schemeClr>
-            </a:gs>
-          </a:gsLst>
-          <a:lin ang="16200000" scaled="1"/>
-        </a:gradFill>
-        <a:gradFill rotWithShape="1">
-          <a:gsLst>
-            <a:gs pos="0">
-              <a:schemeClr val="phClr">
-                <a:tint val="100000"/>
-                <a:shade val="100000"/>
-                <a:satMod val="130000"/>
-              </a:schemeClr>
-            </a:gs>
-            <a:gs pos="100000">
-              <a:schemeClr val="phClr">
-                <a:tint val="50000"/>
-                <a:shade val="100000"/>
-                <a:satMod val="350000"/>
-              </a:schemeClr>
-            </a:gs>
-          </a:gsLst>
-          <a:lin ang="16200000" scaled="0"/>
-        </a:gradFill>
-      </a:fillStyleLst>
-      <a:lnStyleLst>
-        <a:ln w="9525" cap="flat" cmpd="sng" algn="ctr">
-          <a:solidFill>
-            <a:schemeClr val="phClr">
-              <a:shade val="95000"/>
-              <a:satMod val="105000"/>
-            </a:schemeClr>
-          </a:solidFill>
-          <a:prstDash val="solid"/>
-        </a:ln>
-        <a:ln w="25400" cap="flat" cmpd="sng" algn="ctr">
-          <a:solidFill>
-            <a:schemeClr val="phClr"/>
-          </a:solidFill>
-          <a:prstDash val="solid"/>
-        </a:ln>
-        <a:ln w="38100" cap="flat" cmpd="sng" algn="ctr">
-          <a:solidFill>
-            <a:schemeClr val="phClr"/>
-          </a:solidFill>
-          <a:prstDash val="solid"/>
-        </a:ln>
-      </a:lnStyleLst>
-      <a:effectStyleLst>
-        <a:effectStyle>
-          <a:effectLst>
-            <a:outerShdw blurRad="40000" dist="20000" dir="5400000" rotWithShape="0">
-              <a:srgbClr val="000000">
-                <a:alpha val="38000"/>
-              </a:srgbClr>
-            </a:outerShdw>
-          </a:effectLst>
-        </a:effectStyle>
-        <a:effectStyle>
-          <a:effectLst>
-            <a:outerShdw blurRad="40000" dist="23000" dir="5400000" rotWithShape="0">
-              <a:srgbClr val="000000">
-                <a:alpha val="35000"/>
-              </a:srgbClr>
-            </a:outerShdw>
-          </a:effectLst>
-        </a:effectStyle>
-        <a:effectStyle>
-          <a:effectLst>
-            <a:outerShdw blurRad="40000" dist="23000" dir="5400000" rotWithShape="0">
-              <a:srgbClr val="000000">
-                <a:alpha val="35000"/>
-              </a:srgbClr>
-            </a:outerShdw>
-          </a:effectLst>
-          <a:scene3d>
-            <a:camera prst="orthographicFront">
-              <a:rot lat="0" lon="0" rev="0"/>
-            </a:camera>
-            <a:lightRig rig="threePt" dir="t">
-              <a:rot lat="0" lon="0" rev="1200000"/>
-            </a:lightRig>
-          </a:scene3d>
-          <a:sp3d>
-            <a:bevelT w="63500" h="25400"/>
-          </a:sp3d>
-        </a:effectStyle>
-      </a:effectStyleLst>
-      <a:bgFillStyleLst>
-        <a:solidFill>
-          <a:schemeClr val="phClr"/>
-        </a:solidFill>
-        <a:gradFill rotWithShape="1">
-          <a:gsLst>
-            <a:gs pos="0">
-              <a:schemeClr val="phClr">
-                <a:tint val="40000"/>
-                <a:satMod val="350000"/>
-              </a:schemeClr>
-            </a:gs>
-            <a:gs pos="40000">
-              <a:schemeClr val="phClr">
-                <a:tint val="45000"/>
-                <a:shade val="99000"/>
-                <a:satMod val="350000"/>
-              </a:schemeClr>
-            </a:gs>
-            <a:gs pos="100000">
-              <a:schemeClr val="phClr">
-                <a:shade val="20000"/>
-                <a:satMod val="255000"/>
-              </a:schemeClr>
-            </a:gs>
-          </a:gsLst>
-          <a:path path="circle">
-            <a:fillToRect l="50000" t="-80000" r="50000" b="180000"/>
-          </a:path>
-        </a:gradFill>
-        <a:gradFill rotWithShape="1">
-          <a:gsLst>
-            <a:gs pos="0">
-              <a:schemeClr val="phClr">
-                <a:tint val="80000"/>
-                <a:satMod val="300000"/>
-              </a:schemeClr>
-            </a:gs>
-            <a:gs pos="100000">
-              <a:schemeClr val="phClr">
-                <a:shade val="30000"/>
-                <a:satMod val="200000"/>
-              </a:schemeClr>
-            </a:gs>
-          </a:gsLst>
-          <a:path path="circle">
-            <a:fillToRect l="50000" t="50000" r="50000" b="50000"/>
-          </a:path>
-        </a:gradFill>
-      </a:bgFillStyleLst>
-    </a:fmtScheme>
-  </a:themeElements>
-</a:theme>
 </file>